--- a/DS 202 Final Presentation.pptx
+++ b/DS 202 Final Presentation.pptx
@@ -4,17 +4,23 @@
   <p:sldMasterIdLst>
     <p:sldMasterId id="2147483648" r:id="rId1"/>
   </p:sldMasterIdLst>
+  <p:notesMasterIdLst>
+    <p:notesMasterId r:id="rId15"/>
+  </p:notesMasterIdLst>
   <p:sldIdLst>
     <p:sldId id="263" r:id="rId2"/>
-    <p:sldId id="260" r:id="rId3"/>
-    <p:sldId id="265" r:id="rId4"/>
+    <p:sldId id="265" r:id="rId3"/>
+    <p:sldId id="260" r:id="rId4"/>
     <p:sldId id="266" r:id="rId5"/>
     <p:sldId id="269" r:id="rId6"/>
     <p:sldId id="258" r:id="rId7"/>
-    <p:sldId id="259" r:id="rId8"/>
-    <p:sldId id="262" r:id="rId9"/>
-    <p:sldId id="267" r:id="rId10"/>
-    <p:sldId id="268" r:id="rId11"/>
+    <p:sldId id="270" r:id="rId8"/>
+    <p:sldId id="259" r:id="rId9"/>
+    <p:sldId id="271" r:id="rId10"/>
+    <p:sldId id="272" r:id="rId11"/>
+    <p:sldId id="262" r:id="rId12"/>
+    <p:sldId id="267" r:id="rId13"/>
+    <p:sldId id="268" r:id="rId14"/>
   </p:sldIdLst>
   <p:sldSz cx="12192000" cy="6858000"/>
   <p:notesSz cx="6858000" cy="9144000"/>
@@ -117,6 +123,9 @@
     <p:ext uri="{EFAFB233-063F-42B5-8137-9DF3F51BA10A}">
       <p15:sldGuideLst xmlns:p15="http://schemas.microsoft.com/office/powerpoint/2012/main"/>
     </p:ext>
+    <p:ext uri="{2D200454-40CA-4A62-9FC3-DE9A4176ACB9}">
+      <p15:notesGuideLst xmlns:p15="http://schemas.microsoft.com/office/powerpoint/2012/main"/>
+    </p:ext>
   </p:extLst>
 </p:presentation>
 </file>
@@ -2869,6 +2878,881 @@
     <dgm:txLinClrLst/>
     <dgm:txFillClrLst meth="repeat">
       <a:schemeClr val="bg1"/>
+    </dgm:txFillClrLst>
+    <dgm:txEffectClrLst/>
+  </dgm:styleLbl>
+</dgm:colorsDef>
+</file>
+
+<file path=ppt/diagrams/colors4.xml><?xml version="1.0" encoding="utf-8"?>
+<dgm:colorsDef xmlns:dgm="http://schemas.openxmlformats.org/drawingml/2006/diagram" xmlns:a="http://schemas.openxmlformats.org/drawingml/2006/main" uniqueId="urn:microsoft.com/office/officeart/2005/8/colors/accent2_3">
+  <dgm:title val=""/>
+  <dgm:desc val=""/>
+  <dgm:catLst>
+    <dgm:cat type="accent2" pri="11300"/>
+  </dgm:catLst>
+  <dgm:styleLbl name="node0">
+    <dgm:fillClrLst meth="repeat">
+      <a:schemeClr val="accent2">
+        <a:shade val="80000"/>
+      </a:schemeClr>
+    </dgm:fillClrLst>
+    <dgm:linClrLst meth="repeat">
+      <a:schemeClr val="lt1"/>
+    </dgm:linClrLst>
+    <dgm:effectClrLst/>
+    <dgm:txLinClrLst/>
+    <dgm:txFillClrLst/>
+    <dgm:txEffectClrLst/>
+  </dgm:styleLbl>
+  <dgm:styleLbl name="node1">
+    <dgm:fillClrLst>
+      <a:schemeClr val="accent2">
+        <a:shade val="80000"/>
+      </a:schemeClr>
+      <a:schemeClr val="accent2">
+        <a:tint val="70000"/>
+      </a:schemeClr>
+    </dgm:fillClrLst>
+    <dgm:linClrLst meth="repeat">
+      <a:schemeClr val="lt1"/>
+    </dgm:linClrLst>
+    <dgm:effectClrLst/>
+    <dgm:txLinClrLst/>
+    <dgm:txFillClrLst/>
+    <dgm:txEffectClrLst/>
+  </dgm:styleLbl>
+  <dgm:styleLbl name="alignNode1">
+    <dgm:fillClrLst>
+      <a:schemeClr val="accent2">
+        <a:shade val="80000"/>
+      </a:schemeClr>
+      <a:schemeClr val="accent2">
+        <a:tint val="70000"/>
+      </a:schemeClr>
+    </dgm:fillClrLst>
+    <dgm:linClrLst>
+      <a:schemeClr val="accent2">
+        <a:shade val="80000"/>
+      </a:schemeClr>
+      <a:schemeClr val="accent2">
+        <a:tint val="70000"/>
+      </a:schemeClr>
+    </dgm:linClrLst>
+    <dgm:effectClrLst/>
+    <dgm:txLinClrLst/>
+    <dgm:txFillClrLst/>
+    <dgm:txEffectClrLst/>
+  </dgm:styleLbl>
+  <dgm:styleLbl name="lnNode1">
+    <dgm:fillClrLst>
+      <a:schemeClr val="accent2">
+        <a:shade val="80000"/>
+      </a:schemeClr>
+      <a:schemeClr val="accent2">
+        <a:tint val="70000"/>
+      </a:schemeClr>
+    </dgm:fillClrLst>
+    <dgm:linClrLst meth="repeat">
+      <a:schemeClr val="lt1"/>
+    </dgm:linClrLst>
+    <dgm:effectClrLst/>
+    <dgm:txLinClrLst/>
+    <dgm:txFillClrLst/>
+    <dgm:txEffectClrLst/>
+  </dgm:styleLbl>
+  <dgm:styleLbl name="vennNode1">
+    <dgm:fillClrLst>
+      <a:schemeClr val="accent2">
+        <a:shade val="80000"/>
+        <a:alpha val="50000"/>
+      </a:schemeClr>
+      <a:schemeClr val="accent2">
+        <a:tint val="70000"/>
+        <a:alpha val="50000"/>
+      </a:schemeClr>
+    </dgm:fillClrLst>
+    <dgm:linClrLst meth="repeat">
+      <a:schemeClr val="lt1"/>
+    </dgm:linClrLst>
+    <dgm:effectClrLst/>
+    <dgm:txLinClrLst/>
+    <dgm:txFillClrLst/>
+    <dgm:txEffectClrLst/>
+  </dgm:styleLbl>
+  <dgm:styleLbl name="node2">
+    <dgm:fillClrLst>
+      <a:schemeClr val="accent2">
+        <a:tint val="99000"/>
+      </a:schemeClr>
+    </dgm:fillClrLst>
+    <dgm:linClrLst meth="repeat">
+      <a:schemeClr val="lt1"/>
+    </dgm:linClrLst>
+    <dgm:effectClrLst/>
+    <dgm:txLinClrLst/>
+    <dgm:txFillClrLst/>
+    <dgm:txEffectClrLst/>
+  </dgm:styleLbl>
+  <dgm:styleLbl name="node3">
+    <dgm:fillClrLst>
+      <a:schemeClr val="accent2">
+        <a:tint val="80000"/>
+      </a:schemeClr>
+    </dgm:fillClrLst>
+    <dgm:linClrLst meth="repeat">
+      <a:schemeClr val="lt1"/>
+    </dgm:linClrLst>
+    <dgm:effectClrLst/>
+    <dgm:txLinClrLst/>
+    <dgm:txFillClrLst/>
+    <dgm:txEffectClrLst/>
+  </dgm:styleLbl>
+  <dgm:styleLbl name="node4">
+    <dgm:fillClrLst>
+      <a:schemeClr val="accent2">
+        <a:tint val="70000"/>
+      </a:schemeClr>
+    </dgm:fillClrLst>
+    <dgm:linClrLst meth="repeat">
+      <a:schemeClr val="lt1"/>
+    </dgm:linClrLst>
+    <dgm:effectClrLst/>
+    <dgm:txLinClrLst/>
+    <dgm:txFillClrLst/>
+    <dgm:txEffectClrLst/>
+  </dgm:styleLbl>
+  <dgm:styleLbl name="fgImgPlace1">
+    <dgm:fillClrLst>
+      <a:schemeClr val="accent2">
+        <a:tint val="50000"/>
+      </a:schemeClr>
+      <a:schemeClr val="accent2">
+        <a:tint val="20000"/>
+      </a:schemeClr>
+    </dgm:fillClrLst>
+    <dgm:linClrLst meth="repeat">
+      <a:schemeClr val="lt1"/>
+    </dgm:linClrLst>
+    <dgm:effectClrLst/>
+    <dgm:txLinClrLst/>
+    <dgm:txFillClrLst meth="repeat">
+      <a:schemeClr val="lt1"/>
+    </dgm:txFillClrLst>
+    <dgm:txEffectClrLst/>
+  </dgm:styleLbl>
+  <dgm:styleLbl name="alignImgPlace1">
+    <dgm:fillClrLst>
+      <a:schemeClr val="accent2">
+        <a:tint val="50000"/>
+      </a:schemeClr>
+      <a:schemeClr val="accent2">
+        <a:tint val="20000"/>
+      </a:schemeClr>
+    </dgm:fillClrLst>
+    <dgm:linClrLst meth="repeat">
+      <a:schemeClr val="lt1"/>
+    </dgm:linClrLst>
+    <dgm:effectClrLst/>
+    <dgm:txLinClrLst/>
+    <dgm:txFillClrLst meth="repeat">
+      <a:schemeClr val="lt1"/>
+    </dgm:txFillClrLst>
+    <dgm:txEffectClrLst/>
+  </dgm:styleLbl>
+  <dgm:styleLbl name="bgImgPlace1">
+    <dgm:fillClrLst>
+      <a:schemeClr val="accent2">
+        <a:tint val="50000"/>
+      </a:schemeClr>
+      <a:schemeClr val="accent2">
+        <a:tint val="20000"/>
+      </a:schemeClr>
+    </dgm:fillClrLst>
+    <dgm:linClrLst meth="repeat">
+      <a:schemeClr val="lt1"/>
+    </dgm:linClrLst>
+    <dgm:effectClrLst/>
+    <dgm:txLinClrLst/>
+    <dgm:txFillClrLst meth="repeat">
+      <a:schemeClr val="lt1"/>
+    </dgm:txFillClrLst>
+    <dgm:txEffectClrLst/>
+  </dgm:styleLbl>
+  <dgm:styleLbl name="sibTrans2D1">
+    <dgm:fillClrLst>
+      <a:schemeClr val="accent2">
+        <a:shade val="90000"/>
+      </a:schemeClr>
+      <a:schemeClr val="accent2">
+        <a:tint val="70000"/>
+      </a:schemeClr>
+    </dgm:fillClrLst>
+    <dgm:linClrLst>
+      <a:schemeClr val="accent2">
+        <a:shade val="90000"/>
+      </a:schemeClr>
+      <a:schemeClr val="accent2">
+        <a:tint val="70000"/>
+      </a:schemeClr>
+    </dgm:linClrLst>
+    <dgm:effectClrLst/>
+    <dgm:txLinClrLst/>
+    <dgm:txFillClrLst/>
+    <dgm:txEffectClrLst/>
+  </dgm:styleLbl>
+  <dgm:styleLbl name="fgSibTrans2D1">
+    <dgm:fillClrLst>
+      <a:schemeClr val="accent2">
+        <a:shade val="90000"/>
+      </a:schemeClr>
+      <a:schemeClr val="accent2">
+        <a:tint val="70000"/>
+      </a:schemeClr>
+    </dgm:fillClrLst>
+    <dgm:linClrLst>
+      <a:schemeClr val="accent2">
+        <a:shade val="90000"/>
+      </a:schemeClr>
+      <a:schemeClr val="accent2">
+        <a:tint val="70000"/>
+      </a:schemeClr>
+    </dgm:linClrLst>
+    <dgm:effectClrLst/>
+    <dgm:txLinClrLst/>
+    <dgm:txFillClrLst meth="repeat">
+      <a:schemeClr val="lt1"/>
+    </dgm:txFillClrLst>
+    <dgm:txEffectClrLst/>
+  </dgm:styleLbl>
+  <dgm:styleLbl name="bgSibTrans2D1">
+    <dgm:fillClrLst>
+      <a:schemeClr val="accent2">
+        <a:shade val="90000"/>
+      </a:schemeClr>
+      <a:schemeClr val="accent2">
+        <a:tint val="70000"/>
+      </a:schemeClr>
+    </dgm:fillClrLst>
+    <dgm:linClrLst>
+      <a:schemeClr val="accent2">
+        <a:shade val="90000"/>
+      </a:schemeClr>
+      <a:schemeClr val="accent2">
+        <a:tint val="70000"/>
+      </a:schemeClr>
+    </dgm:linClrLst>
+    <dgm:effectClrLst/>
+    <dgm:txLinClrLst/>
+    <dgm:txFillClrLst meth="repeat">
+      <a:schemeClr val="lt1"/>
+    </dgm:txFillClrLst>
+    <dgm:txEffectClrLst/>
+  </dgm:styleLbl>
+  <dgm:styleLbl name="sibTrans1D1">
+    <dgm:fillClrLst>
+      <a:schemeClr val="accent2">
+        <a:shade val="90000"/>
+      </a:schemeClr>
+      <a:schemeClr val="accent2">
+        <a:tint val="70000"/>
+      </a:schemeClr>
+    </dgm:fillClrLst>
+    <dgm:linClrLst>
+      <a:schemeClr val="accent2">
+        <a:shade val="90000"/>
+      </a:schemeClr>
+      <a:schemeClr val="accent2">
+        <a:tint val="70000"/>
+      </a:schemeClr>
+    </dgm:linClrLst>
+    <dgm:effectClrLst/>
+    <dgm:txLinClrLst/>
+    <dgm:txFillClrLst meth="repeat">
+      <a:schemeClr val="tx1"/>
+    </dgm:txFillClrLst>
+    <dgm:txEffectClrLst/>
+  </dgm:styleLbl>
+  <dgm:styleLbl name="callout">
+    <dgm:fillClrLst meth="repeat">
+      <a:schemeClr val="accent2"/>
+    </dgm:fillClrLst>
+    <dgm:linClrLst meth="repeat">
+      <a:schemeClr val="accent2"/>
+    </dgm:linClrLst>
+    <dgm:effectClrLst/>
+    <dgm:txLinClrLst/>
+    <dgm:txFillClrLst meth="repeat">
+      <a:schemeClr val="tx1"/>
+    </dgm:txFillClrLst>
+    <dgm:txEffectClrLst/>
+  </dgm:styleLbl>
+  <dgm:styleLbl name="asst0">
+    <dgm:fillClrLst meth="repeat">
+      <a:schemeClr val="accent2">
+        <a:shade val="80000"/>
+      </a:schemeClr>
+    </dgm:fillClrLst>
+    <dgm:linClrLst meth="repeat">
+      <a:schemeClr val="lt1"/>
+    </dgm:linClrLst>
+    <dgm:effectClrLst/>
+    <dgm:txLinClrLst/>
+    <dgm:txFillClrLst/>
+    <dgm:txEffectClrLst/>
+  </dgm:styleLbl>
+  <dgm:styleLbl name="asst1">
+    <dgm:fillClrLst meth="repeat">
+      <a:schemeClr val="accent2">
+        <a:shade val="80000"/>
+      </a:schemeClr>
+    </dgm:fillClrLst>
+    <dgm:linClrLst meth="repeat">
+      <a:schemeClr val="lt1"/>
+    </dgm:linClrLst>
+    <dgm:effectClrLst/>
+    <dgm:txLinClrLst/>
+    <dgm:txFillClrLst/>
+    <dgm:txEffectClrLst/>
+  </dgm:styleLbl>
+  <dgm:styleLbl name="asst2">
+    <dgm:fillClrLst>
+      <a:schemeClr val="accent2">
+        <a:tint val="99000"/>
+      </a:schemeClr>
+    </dgm:fillClrLst>
+    <dgm:linClrLst meth="repeat">
+      <a:schemeClr val="lt1"/>
+    </dgm:linClrLst>
+    <dgm:effectClrLst/>
+    <dgm:txLinClrLst/>
+    <dgm:txFillClrLst/>
+    <dgm:txEffectClrLst/>
+  </dgm:styleLbl>
+  <dgm:styleLbl name="asst3">
+    <dgm:fillClrLst>
+      <a:schemeClr val="accent2">
+        <a:tint val="80000"/>
+      </a:schemeClr>
+    </dgm:fillClrLst>
+    <dgm:linClrLst meth="repeat">
+      <a:schemeClr val="lt1"/>
+    </dgm:linClrLst>
+    <dgm:effectClrLst/>
+    <dgm:txLinClrLst/>
+    <dgm:txFillClrLst/>
+    <dgm:txEffectClrLst/>
+  </dgm:styleLbl>
+  <dgm:styleLbl name="asst4">
+    <dgm:fillClrLst>
+      <a:schemeClr val="accent2">
+        <a:tint val="70000"/>
+      </a:schemeClr>
+    </dgm:fillClrLst>
+    <dgm:linClrLst meth="repeat">
+      <a:schemeClr val="lt1"/>
+    </dgm:linClrLst>
+    <dgm:effectClrLst/>
+    <dgm:txLinClrLst/>
+    <dgm:txFillClrLst/>
+    <dgm:txEffectClrLst/>
+  </dgm:styleLbl>
+  <dgm:styleLbl name="parChTrans2D1">
+    <dgm:fillClrLst meth="repeat">
+      <a:schemeClr val="accent2">
+        <a:tint val="60000"/>
+      </a:schemeClr>
+    </dgm:fillClrLst>
+    <dgm:linClrLst meth="repeat">
+      <a:schemeClr val="accent2">
+        <a:tint val="60000"/>
+      </a:schemeClr>
+    </dgm:linClrLst>
+    <dgm:effectClrLst/>
+    <dgm:txLinClrLst/>
+    <dgm:txFillClrLst meth="repeat">
+      <a:schemeClr val="lt1"/>
+    </dgm:txFillClrLst>
+    <dgm:txEffectClrLst/>
+  </dgm:styleLbl>
+  <dgm:styleLbl name="parChTrans2D2">
+    <dgm:fillClrLst meth="repeat">
+      <a:schemeClr val="accent2">
+        <a:tint val="90000"/>
+      </a:schemeClr>
+    </dgm:fillClrLst>
+    <dgm:linClrLst meth="repeat">
+      <a:schemeClr val="accent2">
+        <a:tint val="90000"/>
+      </a:schemeClr>
+    </dgm:linClrLst>
+    <dgm:effectClrLst/>
+    <dgm:txLinClrLst/>
+    <dgm:txFillClrLst/>
+    <dgm:txEffectClrLst/>
+  </dgm:styleLbl>
+  <dgm:styleLbl name="parChTrans2D3">
+    <dgm:fillClrLst meth="repeat">
+      <a:schemeClr val="accent2">
+        <a:tint val="70000"/>
+      </a:schemeClr>
+    </dgm:fillClrLst>
+    <dgm:linClrLst meth="repeat">
+      <a:schemeClr val="accent2">
+        <a:tint val="70000"/>
+      </a:schemeClr>
+    </dgm:linClrLst>
+    <dgm:effectClrLst/>
+    <dgm:txLinClrLst/>
+    <dgm:txFillClrLst/>
+    <dgm:txEffectClrLst/>
+  </dgm:styleLbl>
+  <dgm:styleLbl name="parChTrans2D4">
+    <dgm:fillClrLst meth="repeat">
+      <a:schemeClr val="accent2">
+        <a:tint val="50000"/>
+      </a:schemeClr>
+    </dgm:fillClrLst>
+    <dgm:linClrLst meth="repeat">
+      <a:schemeClr val="accent2">
+        <a:tint val="50000"/>
+      </a:schemeClr>
+    </dgm:linClrLst>
+    <dgm:effectClrLst/>
+    <dgm:txLinClrLst/>
+    <dgm:txFillClrLst meth="repeat">
+      <a:schemeClr val="lt1"/>
+    </dgm:txFillClrLst>
+    <dgm:txEffectClrLst/>
+  </dgm:styleLbl>
+  <dgm:styleLbl name="parChTrans1D1">
+    <dgm:fillClrLst meth="repeat">
+      <a:schemeClr val="accent2">
+        <a:shade val="80000"/>
+      </a:schemeClr>
+    </dgm:fillClrLst>
+    <dgm:linClrLst meth="repeat">
+      <a:schemeClr val="accent2">
+        <a:shade val="80000"/>
+      </a:schemeClr>
+    </dgm:linClrLst>
+    <dgm:effectClrLst/>
+    <dgm:txLinClrLst/>
+    <dgm:txFillClrLst meth="repeat">
+      <a:schemeClr val="tx1"/>
+    </dgm:txFillClrLst>
+    <dgm:txEffectClrLst/>
+  </dgm:styleLbl>
+  <dgm:styleLbl name="parChTrans1D2">
+    <dgm:fillClrLst meth="repeat">
+      <a:schemeClr val="accent2">
+        <a:tint val="99000"/>
+      </a:schemeClr>
+    </dgm:fillClrLst>
+    <dgm:linClrLst meth="repeat">
+      <a:schemeClr val="accent2">
+        <a:tint val="99000"/>
+      </a:schemeClr>
+    </dgm:linClrLst>
+    <dgm:effectClrLst/>
+    <dgm:txLinClrLst/>
+    <dgm:txFillClrLst meth="repeat">
+      <a:schemeClr val="tx1"/>
+    </dgm:txFillClrLst>
+    <dgm:txEffectClrLst/>
+  </dgm:styleLbl>
+  <dgm:styleLbl name="parChTrans1D3">
+    <dgm:fillClrLst meth="repeat">
+      <a:schemeClr val="accent2">
+        <a:tint val="80000"/>
+      </a:schemeClr>
+    </dgm:fillClrLst>
+    <dgm:linClrLst meth="repeat">
+      <a:schemeClr val="accent2">
+        <a:tint val="80000"/>
+      </a:schemeClr>
+    </dgm:linClrLst>
+    <dgm:effectClrLst/>
+    <dgm:txLinClrLst/>
+    <dgm:txFillClrLst meth="repeat">
+      <a:schemeClr val="tx1"/>
+    </dgm:txFillClrLst>
+    <dgm:txEffectClrLst/>
+  </dgm:styleLbl>
+  <dgm:styleLbl name="parChTrans1D4">
+    <dgm:fillClrLst meth="repeat">
+      <a:schemeClr val="accent2">
+        <a:tint val="70000"/>
+      </a:schemeClr>
+    </dgm:fillClrLst>
+    <dgm:linClrLst meth="repeat">
+      <a:schemeClr val="accent2">
+        <a:tint val="70000"/>
+      </a:schemeClr>
+    </dgm:linClrLst>
+    <dgm:effectClrLst/>
+    <dgm:txLinClrLst/>
+    <dgm:txFillClrLst meth="repeat">
+      <a:schemeClr val="tx1"/>
+    </dgm:txFillClrLst>
+    <dgm:txEffectClrLst/>
+  </dgm:styleLbl>
+  <dgm:styleLbl name="fgAcc1">
+    <dgm:fillClrLst meth="repeat">
+      <a:schemeClr val="lt1">
+        <a:alpha val="90000"/>
+      </a:schemeClr>
+    </dgm:fillClrLst>
+    <dgm:linClrLst>
+      <a:schemeClr val="accent2">
+        <a:shade val="80000"/>
+      </a:schemeClr>
+      <a:schemeClr val="accent2">
+        <a:tint val="70000"/>
+      </a:schemeClr>
+    </dgm:linClrLst>
+    <dgm:effectClrLst/>
+    <dgm:txLinClrLst/>
+    <dgm:txFillClrLst meth="repeat">
+      <a:schemeClr val="dk1"/>
+    </dgm:txFillClrLst>
+    <dgm:txEffectClrLst/>
+  </dgm:styleLbl>
+  <dgm:styleLbl name="conFgAcc1">
+    <dgm:fillClrLst meth="repeat">
+      <a:schemeClr val="lt1">
+        <a:alpha val="90000"/>
+      </a:schemeClr>
+    </dgm:fillClrLst>
+    <dgm:linClrLst>
+      <a:schemeClr val="accent2">
+        <a:shade val="80000"/>
+      </a:schemeClr>
+      <a:schemeClr val="accent2">
+        <a:tint val="70000"/>
+      </a:schemeClr>
+    </dgm:linClrLst>
+    <dgm:effectClrLst/>
+    <dgm:txLinClrLst/>
+    <dgm:txFillClrLst meth="repeat">
+      <a:schemeClr val="dk1"/>
+    </dgm:txFillClrLst>
+    <dgm:txEffectClrLst/>
+  </dgm:styleLbl>
+  <dgm:styleLbl name="alignAcc1">
+    <dgm:fillClrLst meth="repeat">
+      <a:schemeClr val="lt1">
+        <a:alpha val="90000"/>
+      </a:schemeClr>
+    </dgm:fillClrLst>
+    <dgm:linClrLst>
+      <a:schemeClr val="accent2">
+        <a:shade val="80000"/>
+      </a:schemeClr>
+      <a:schemeClr val="accent2">
+        <a:tint val="70000"/>
+      </a:schemeClr>
+    </dgm:linClrLst>
+    <dgm:effectClrLst/>
+    <dgm:txLinClrLst/>
+    <dgm:txFillClrLst meth="repeat">
+      <a:schemeClr val="dk1"/>
+    </dgm:txFillClrLst>
+    <dgm:txEffectClrLst/>
+  </dgm:styleLbl>
+  <dgm:styleLbl name="trAlignAcc1">
+    <dgm:fillClrLst meth="repeat">
+      <a:schemeClr val="lt1">
+        <a:alpha val="40000"/>
+      </a:schemeClr>
+    </dgm:fillClrLst>
+    <dgm:linClrLst meth="repeat">
+      <a:schemeClr val="accent2"/>
+    </dgm:linClrLst>
+    <dgm:effectClrLst/>
+    <dgm:txLinClrLst/>
+    <dgm:txFillClrLst meth="repeat">
+      <a:schemeClr val="dk1"/>
+    </dgm:txFillClrLst>
+    <dgm:txEffectClrLst/>
+  </dgm:styleLbl>
+  <dgm:styleLbl name="bgAcc1">
+    <dgm:fillClrLst meth="repeat">
+      <a:schemeClr val="lt1">
+        <a:alpha val="90000"/>
+      </a:schemeClr>
+    </dgm:fillClrLst>
+    <dgm:linClrLst>
+      <a:schemeClr val="accent2">
+        <a:shade val="80000"/>
+      </a:schemeClr>
+      <a:schemeClr val="accent2">
+        <a:tint val="70000"/>
+      </a:schemeClr>
+    </dgm:linClrLst>
+    <dgm:effectClrLst/>
+    <dgm:txLinClrLst/>
+    <dgm:txFillClrLst meth="repeat">
+      <a:schemeClr val="dk1"/>
+    </dgm:txFillClrLst>
+    <dgm:txEffectClrLst/>
+  </dgm:styleLbl>
+  <dgm:styleLbl name="solidFgAcc1">
+    <dgm:fillClrLst meth="repeat">
+      <a:schemeClr val="lt1"/>
+    </dgm:fillClrLst>
+    <dgm:linClrLst>
+      <a:schemeClr val="accent2">
+        <a:shade val="80000"/>
+      </a:schemeClr>
+      <a:schemeClr val="accent2">
+        <a:tint val="70000"/>
+      </a:schemeClr>
+    </dgm:linClrLst>
+    <dgm:effectClrLst/>
+    <dgm:txLinClrLst/>
+    <dgm:txFillClrLst meth="repeat">
+      <a:schemeClr val="dk1"/>
+    </dgm:txFillClrLst>
+    <dgm:txEffectClrLst/>
+  </dgm:styleLbl>
+  <dgm:styleLbl name="solidAlignAcc1">
+    <dgm:fillClrLst meth="repeat">
+      <a:schemeClr val="lt1"/>
+    </dgm:fillClrLst>
+    <dgm:linClrLst meth="repeat">
+      <a:schemeClr val="accent2"/>
+    </dgm:linClrLst>
+    <dgm:effectClrLst/>
+    <dgm:txLinClrLst/>
+    <dgm:txFillClrLst meth="repeat">
+      <a:schemeClr val="dk1"/>
+    </dgm:txFillClrLst>
+    <dgm:txEffectClrLst/>
+  </dgm:styleLbl>
+  <dgm:styleLbl name="solidBgAcc1">
+    <dgm:fillClrLst meth="repeat">
+      <a:schemeClr val="lt1"/>
+    </dgm:fillClrLst>
+    <dgm:linClrLst meth="repeat">
+      <a:schemeClr val="accent2"/>
+    </dgm:linClrLst>
+    <dgm:effectClrLst/>
+    <dgm:txLinClrLst/>
+    <dgm:txFillClrLst meth="repeat">
+      <a:schemeClr val="dk1"/>
+    </dgm:txFillClrLst>
+    <dgm:txEffectClrLst/>
+  </dgm:styleLbl>
+  <dgm:styleLbl name="fgAccFollowNode1">
+    <dgm:fillClrLst meth="repeat">
+      <a:schemeClr val="accent2">
+        <a:alpha val="90000"/>
+        <a:tint val="40000"/>
+      </a:schemeClr>
+    </dgm:fillClrLst>
+    <dgm:linClrLst meth="repeat">
+      <a:schemeClr val="accent2">
+        <a:alpha val="90000"/>
+        <a:tint val="40000"/>
+      </a:schemeClr>
+    </dgm:linClrLst>
+    <dgm:effectClrLst/>
+    <dgm:txLinClrLst/>
+    <dgm:txFillClrLst meth="repeat">
+      <a:schemeClr val="dk1"/>
+    </dgm:txFillClrLst>
+    <dgm:txEffectClrLst/>
+  </dgm:styleLbl>
+  <dgm:styleLbl name="alignAccFollowNode1">
+    <dgm:fillClrLst meth="repeat">
+      <a:schemeClr val="accent2">
+        <a:alpha val="90000"/>
+        <a:tint val="40000"/>
+      </a:schemeClr>
+    </dgm:fillClrLst>
+    <dgm:linClrLst meth="repeat">
+      <a:schemeClr val="accent2">
+        <a:alpha val="90000"/>
+        <a:tint val="40000"/>
+      </a:schemeClr>
+    </dgm:linClrLst>
+    <dgm:effectClrLst/>
+    <dgm:txLinClrLst/>
+    <dgm:txFillClrLst meth="repeat">
+      <a:schemeClr val="dk1"/>
+    </dgm:txFillClrLst>
+    <dgm:txEffectClrLst/>
+  </dgm:styleLbl>
+  <dgm:styleLbl name="bgAccFollowNode1">
+    <dgm:fillClrLst meth="repeat">
+      <a:schemeClr val="accent2">
+        <a:alpha val="90000"/>
+        <a:tint val="40000"/>
+      </a:schemeClr>
+    </dgm:fillClrLst>
+    <dgm:linClrLst meth="repeat">
+      <a:schemeClr val="lt1"/>
+    </dgm:linClrLst>
+    <dgm:effectClrLst/>
+    <dgm:txLinClrLst/>
+    <dgm:txFillClrLst meth="repeat">
+      <a:schemeClr val="dk1"/>
+    </dgm:txFillClrLst>
+    <dgm:txEffectClrLst/>
+  </dgm:styleLbl>
+  <dgm:styleLbl name="fgAcc0">
+    <dgm:fillClrLst meth="repeat">
+      <a:schemeClr val="lt1">
+        <a:alpha val="90000"/>
+      </a:schemeClr>
+    </dgm:fillClrLst>
+    <dgm:linClrLst meth="repeat">
+      <a:schemeClr val="accent2">
+        <a:shade val="80000"/>
+      </a:schemeClr>
+    </dgm:linClrLst>
+    <dgm:effectClrLst/>
+    <dgm:txLinClrLst/>
+    <dgm:txFillClrLst meth="repeat">
+      <a:schemeClr val="dk1"/>
+    </dgm:txFillClrLst>
+    <dgm:txEffectClrLst/>
+  </dgm:styleLbl>
+  <dgm:styleLbl name="fgAcc2">
+    <dgm:fillClrLst meth="repeat">
+      <a:schemeClr val="lt1">
+        <a:alpha val="90000"/>
+      </a:schemeClr>
+    </dgm:fillClrLst>
+    <dgm:linClrLst meth="repeat">
+      <a:schemeClr val="accent2">
+        <a:tint val="99000"/>
+      </a:schemeClr>
+    </dgm:linClrLst>
+    <dgm:effectClrLst/>
+    <dgm:txLinClrLst/>
+    <dgm:txFillClrLst meth="repeat">
+      <a:schemeClr val="dk1"/>
+    </dgm:txFillClrLst>
+    <dgm:txEffectClrLst/>
+  </dgm:styleLbl>
+  <dgm:styleLbl name="fgAcc3">
+    <dgm:fillClrLst meth="repeat">
+      <a:schemeClr val="lt1">
+        <a:alpha val="90000"/>
+      </a:schemeClr>
+    </dgm:fillClrLst>
+    <dgm:linClrLst meth="repeat">
+      <a:schemeClr val="accent2">
+        <a:tint val="80000"/>
+      </a:schemeClr>
+    </dgm:linClrLst>
+    <dgm:effectClrLst/>
+    <dgm:txLinClrLst/>
+    <dgm:txFillClrLst meth="repeat">
+      <a:schemeClr val="dk1"/>
+    </dgm:txFillClrLst>
+    <dgm:txEffectClrLst/>
+  </dgm:styleLbl>
+  <dgm:styleLbl name="fgAcc4">
+    <dgm:fillClrLst meth="repeat">
+      <a:schemeClr val="lt1">
+        <a:alpha val="90000"/>
+      </a:schemeClr>
+    </dgm:fillClrLst>
+    <dgm:linClrLst meth="repeat">
+      <a:schemeClr val="accent2">
+        <a:tint val="70000"/>
+      </a:schemeClr>
+    </dgm:linClrLst>
+    <dgm:effectClrLst/>
+    <dgm:txLinClrLst/>
+    <dgm:txFillClrLst meth="repeat">
+      <a:schemeClr val="dk1"/>
+    </dgm:txFillClrLst>
+    <dgm:txEffectClrLst/>
+  </dgm:styleLbl>
+  <dgm:styleLbl name="bgShp">
+    <dgm:fillClrLst meth="repeat">
+      <a:schemeClr val="accent2">
+        <a:tint val="40000"/>
+      </a:schemeClr>
+    </dgm:fillClrLst>
+    <dgm:linClrLst meth="repeat">
+      <a:schemeClr val="dk1"/>
+    </dgm:linClrLst>
+    <dgm:effectClrLst/>
+    <dgm:txLinClrLst/>
+    <dgm:txFillClrLst meth="repeat">
+      <a:schemeClr val="dk1"/>
+    </dgm:txFillClrLst>
+    <dgm:txEffectClrLst/>
+  </dgm:styleLbl>
+  <dgm:styleLbl name="dkBgShp">
+    <dgm:fillClrLst meth="repeat">
+      <a:schemeClr val="accent2">
+        <a:shade val="90000"/>
+      </a:schemeClr>
+    </dgm:fillClrLst>
+    <dgm:linClrLst meth="repeat">
+      <a:schemeClr val="dk1"/>
+    </dgm:linClrLst>
+    <dgm:effectClrLst/>
+    <dgm:txLinClrLst/>
+    <dgm:txFillClrLst meth="repeat">
+      <a:schemeClr val="lt1"/>
+    </dgm:txFillClrLst>
+    <dgm:txEffectClrLst/>
+  </dgm:styleLbl>
+  <dgm:styleLbl name="trBgShp">
+    <dgm:fillClrLst meth="repeat">
+      <a:schemeClr val="accent2">
+        <a:tint val="50000"/>
+        <a:alpha val="40000"/>
+      </a:schemeClr>
+    </dgm:fillClrLst>
+    <dgm:linClrLst meth="repeat">
+      <a:schemeClr val="accent2"/>
+    </dgm:linClrLst>
+    <dgm:effectClrLst/>
+    <dgm:txLinClrLst/>
+    <dgm:txFillClrLst meth="repeat">
+      <a:schemeClr val="lt1"/>
+    </dgm:txFillClrLst>
+    <dgm:txEffectClrLst/>
+  </dgm:styleLbl>
+  <dgm:styleLbl name="fgShp">
+    <dgm:fillClrLst meth="repeat">
+      <a:schemeClr val="accent2">
+        <a:tint val="40000"/>
+      </a:schemeClr>
+    </dgm:fillClrLst>
+    <dgm:linClrLst meth="repeat">
+      <a:schemeClr val="lt1"/>
+    </dgm:linClrLst>
+    <dgm:effectClrLst/>
+    <dgm:txLinClrLst/>
+    <dgm:txFillClrLst meth="repeat">
+      <a:schemeClr val="dk1"/>
+    </dgm:txFillClrLst>
+    <dgm:txEffectClrLst/>
+  </dgm:styleLbl>
+  <dgm:styleLbl name="revTx">
+    <dgm:fillClrLst meth="repeat">
+      <a:schemeClr val="lt1">
+        <a:alpha val="0"/>
+      </a:schemeClr>
+    </dgm:fillClrLst>
+    <dgm:linClrLst meth="repeat">
+      <a:schemeClr val="dk1">
+        <a:alpha val="0"/>
+      </a:schemeClr>
+    </dgm:linClrLst>
+    <dgm:effectClrLst/>
+    <dgm:txLinClrLst/>
+    <dgm:txFillClrLst meth="repeat">
+      <a:schemeClr val="tx1"/>
     </dgm:txFillClrLst>
     <dgm:txEffectClrLst/>
   </dgm:styleLbl>
@@ -2973,7 +3857,7 @@
       <dgm:prSet/>
       <dgm:spPr>
         <a:solidFill>
-          <a:schemeClr val="accent2">
+          <a:schemeClr val="tx2">
             <a:lumMod val="75000"/>
           </a:schemeClr>
         </a:solidFill>
@@ -2983,8 +3867,8 @@
         <a:lstStyle/>
         <a:p>
           <a:r>
-            <a:rPr lang="en-US"/>
-            <a:t>Changed variable types to numeric as applicable</a:t>
+            <a:rPr lang="en-US" dirty="0"/>
+            <a:t>Changed “Year” and “Value” variable type to numeric</a:t>
           </a:r>
         </a:p>
       </dgm:t>
@@ -3011,11 +3895,11 @@
         </a:p>
       </dgm:t>
     </dgm:pt>
-    <dgm:pt modelId="{A150DC94-9125-44EA-8504-CF965D628C13}">
+    <dgm:pt modelId="{30D27671-31F1-4E42-A902-94586D53672B}">
       <dgm:prSet/>
       <dgm:spPr>
         <a:solidFill>
-          <a:schemeClr val="tx2">
+          <a:schemeClr val="accent2">
             <a:lumMod val="75000"/>
           </a:schemeClr>
         </a:solidFill>
@@ -3026,12 +3910,12 @@
         <a:p>
           <a:r>
             <a:rPr lang="en-US" dirty="0"/>
-            <a:t>Introduced new variable ‘iso3c’ country code</a:t>
+            <a:t>Gathered all year columns</a:t>
           </a:r>
         </a:p>
       </dgm:t>
     </dgm:pt>
-    <dgm:pt modelId="{4CB23746-DC93-41A7-9F32-EBF55D72EEDC}" type="parTrans" cxnId="{57F90010-1123-48BA-9EBF-1AC0AB43C666}">
+    <dgm:pt modelId="{FF996121-5FB0-42F3-8DE5-C0DCA29ED5C2}" type="parTrans" cxnId="{BA82E359-38F2-4026-AB08-DA6E62EF721D}">
       <dgm:prSet/>
       <dgm:spPr/>
       <dgm:t>
@@ -3042,7 +3926,7 @@
         </a:p>
       </dgm:t>
     </dgm:pt>
-    <dgm:pt modelId="{CC6AE3D6-45E2-46A9-80CB-C41F5B424991}" type="sibTrans" cxnId="{57F90010-1123-48BA-9EBF-1AC0AB43C666}">
+    <dgm:pt modelId="{223E459E-5AFA-49CD-9142-6C72A620A8BE}" type="sibTrans" cxnId="{BA82E359-38F2-4026-AB08-DA6E62EF721D}">
       <dgm:prSet/>
       <dgm:spPr/>
       <dgm:t>
@@ -3053,11 +3937,11 @@
         </a:p>
       </dgm:t>
     </dgm:pt>
-    <dgm:pt modelId="{E442814B-4BD2-461A-90A3-BB1892ACE02C}">
+    <dgm:pt modelId="{98C2DC61-9B8F-44B6-AD70-80C78A3D1C45}">
       <dgm:prSet/>
       <dgm:spPr>
         <a:solidFill>
-          <a:schemeClr val="tx2">
+          <a:schemeClr val="accent2">
             <a:lumMod val="75000"/>
           </a:schemeClr>
         </a:solidFill>
@@ -3068,12 +3952,12 @@
         <a:p>
           <a:r>
             <a:rPr lang="en-US" dirty="0"/>
-            <a:t>Introduced variable in military and map data frames </a:t>
+            <a:t>Originally had 71 columns: Country, Notes, 1949, … , 2017 </a:t>
           </a:r>
         </a:p>
       </dgm:t>
     </dgm:pt>
-    <dgm:pt modelId="{74502A7C-0B01-4A98-8EE2-1E793414442F}" type="parTrans" cxnId="{0307320D-F749-4F5E-A763-03BB8E711F10}">
+    <dgm:pt modelId="{306E7129-FCE1-4083-944B-BCB5445C3CBA}" type="parTrans" cxnId="{E957F27D-568B-49EC-812B-95888C580157}">
       <dgm:prSet/>
       <dgm:spPr/>
       <dgm:t>
@@ -3084,91 +3968,7 @@
         </a:p>
       </dgm:t>
     </dgm:pt>
-    <dgm:pt modelId="{B27E17A6-C14F-47F9-818C-936976625834}" type="sibTrans" cxnId="{0307320D-F749-4F5E-A763-03BB8E711F10}">
-      <dgm:prSet/>
-      <dgm:spPr/>
-      <dgm:t>
-        <a:bodyPr/>
-        <a:lstStyle/>
-        <a:p>
-          <a:endParaRPr lang="en-US"/>
-        </a:p>
-      </dgm:t>
-    </dgm:pt>
-    <dgm:pt modelId="{12728676-925D-4F86-9428-703504D56B99}">
-      <dgm:prSet/>
-      <dgm:spPr>
-        <a:solidFill>
-          <a:schemeClr val="bg2">
-            <a:lumMod val="50000"/>
-          </a:schemeClr>
-        </a:solidFill>
-      </dgm:spPr>
-      <dgm:t>
-        <a:bodyPr/>
-        <a:lstStyle/>
-        <a:p>
-          <a:r>
-            <a:rPr lang="en-US" dirty="0"/>
-            <a:t>Joined military data with world map data</a:t>
-          </a:r>
-        </a:p>
-      </dgm:t>
-    </dgm:pt>
-    <dgm:pt modelId="{36E9CDA2-6ED6-466B-A760-E136564D9A83}" type="parTrans" cxnId="{1AFBEE6C-4A4C-494F-8008-333790FA823D}">
-      <dgm:prSet/>
-      <dgm:spPr/>
-      <dgm:t>
-        <a:bodyPr/>
-        <a:lstStyle/>
-        <a:p>
-          <a:endParaRPr lang="en-US"/>
-        </a:p>
-      </dgm:t>
-    </dgm:pt>
-    <dgm:pt modelId="{B0F5AC26-C69E-4AA3-B14A-EBC959ACA7AC}" type="sibTrans" cxnId="{1AFBEE6C-4A4C-494F-8008-333790FA823D}">
-      <dgm:prSet/>
-      <dgm:spPr/>
-      <dgm:t>
-        <a:bodyPr/>
-        <a:lstStyle/>
-        <a:p>
-          <a:endParaRPr lang="en-US"/>
-        </a:p>
-      </dgm:t>
-    </dgm:pt>
-    <dgm:pt modelId="{5286BF18-6DB0-488B-A28B-67F246316146}">
-      <dgm:prSet/>
-      <dgm:spPr>
-        <a:solidFill>
-          <a:schemeClr val="bg2">
-            <a:lumMod val="50000"/>
-          </a:schemeClr>
-        </a:solidFill>
-      </dgm:spPr>
-      <dgm:t>
-        <a:bodyPr/>
-        <a:lstStyle/>
-        <a:p>
-          <a:r>
-            <a:rPr lang="en-US" dirty="0"/>
-            <a:t>Joined on the ‘iso3c’ value </a:t>
-          </a:r>
-        </a:p>
-      </dgm:t>
-    </dgm:pt>
-    <dgm:pt modelId="{215413B1-2E97-4BE6-9682-B0DB1FBD9756}" type="parTrans" cxnId="{39BD3624-E9A1-4196-BA99-9DDC953547FB}">
-      <dgm:prSet/>
-      <dgm:spPr/>
-      <dgm:t>
-        <a:bodyPr/>
-        <a:lstStyle/>
-        <a:p>
-          <a:endParaRPr lang="en-US"/>
-        </a:p>
-      </dgm:t>
-    </dgm:pt>
-    <dgm:pt modelId="{AABDEFB4-DA06-4534-A161-90DBB09DE953}" type="sibTrans" cxnId="{39BD3624-E9A1-4196-BA99-9DDC953547FB}">
+    <dgm:pt modelId="{77947B5A-30C5-48F7-A137-A74C24CF6E29}" type="sibTrans" cxnId="{E957F27D-568B-49EC-812B-95888C580157}">
       <dgm:prSet/>
       <dgm:spPr/>
       <dgm:t>
@@ -3195,88 +3995,64 @@
       </dgm:prSet>
       <dgm:spPr/>
     </dgm:pt>
-    <dgm:pt modelId="{3F5103C8-203E-4C99-A019-13D758C23089}" type="pres">
-      <dgm:prSet presAssocID="{2BBA2A27-C920-4896-A768-8A843D5CAF5E}" presName="FourNodes_1" presStyleLbl="node1" presStyleIdx="0" presStyleCnt="4">
+    <dgm:pt modelId="{62D865E1-ED64-4C2D-AEBD-C13F941DBE2C}" type="pres">
+      <dgm:prSet presAssocID="{2BBA2A27-C920-4896-A768-8A843D5CAF5E}" presName="ThreeNodes_1" presStyleLbl="node1" presStyleIdx="0" presStyleCnt="3">
         <dgm:presLayoutVars>
           <dgm:bulletEnabled val="1"/>
         </dgm:presLayoutVars>
       </dgm:prSet>
       <dgm:spPr/>
     </dgm:pt>
-    <dgm:pt modelId="{452B0ABC-26B7-4708-9B78-79A6FC9464CA}" type="pres">
-      <dgm:prSet presAssocID="{2BBA2A27-C920-4896-A768-8A843D5CAF5E}" presName="FourNodes_2" presStyleLbl="node1" presStyleIdx="1" presStyleCnt="4">
+    <dgm:pt modelId="{FC2F5D58-782B-455D-B4E7-7AF50546FF20}" type="pres">
+      <dgm:prSet presAssocID="{2BBA2A27-C920-4896-A768-8A843D5CAF5E}" presName="ThreeNodes_2" presStyleLbl="node1" presStyleIdx="1" presStyleCnt="3">
         <dgm:presLayoutVars>
           <dgm:bulletEnabled val="1"/>
         </dgm:presLayoutVars>
       </dgm:prSet>
       <dgm:spPr/>
     </dgm:pt>
-    <dgm:pt modelId="{CEA8AF6E-6F69-4342-977E-755FFB2CA4A0}" type="pres">
-      <dgm:prSet presAssocID="{2BBA2A27-C920-4896-A768-8A843D5CAF5E}" presName="FourNodes_3" presStyleLbl="node1" presStyleIdx="2" presStyleCnt="4">
+    <dgm:pt modelId="{2390324C-73E5-4A46-BFC6-84AB1C25B3D7}" type="pres">
+      <dgm:prSet presAssocID="{2BBA2A27-C920-4896-A768-8A843D5CAF5E}" presName="ThreeNodes_3" presStyleLbl="node1" presStyleIdx="2" presStyleCnt="3">
         <dgm:presLayoutVars>
           <dgm:bulletEnabled val="1"/>
         </dgm:presLayoutVars>
       </dgm:prSet>
       <dgm:spPr/>
     </dgm:pt>
-    <dgm:pt modelId="{876510BB-D925-4062-8222-034B1383260F}" type="pres">
-      <dgm:prSet presAssocID="{2BBA2A27-C920-4896-A768-8A843D5CAF5E}" presName="FourNodes_4" presStyleLbl="node1" presStyleIdx="3" presStyleCnt="4">
+    <dgm:pt modelId="{6F277E08-FA17-4A2F-A254-DAA894DF9C94}" type="pres">
+      <dgm:prSet presAssocID="{2BBA2A27-C920-4896-A768-8A843D5CAF5E}" presName="ThreeConn_1-2" presStyleLbl="fgAccFollowNode1" presStyleIdx="0" presStyleCnt="2">
         <dgm:presLayoutVars>
           <dgm:bulletEnabled val="1"/>
         </dgm:presLayoutVars>
       </dgm:prSet>
       <dgm:spPr/>
     </dgm:pt>
-    <dgm:pt modelId="{2208ADCC-2199-46A3-8C6D-E85B64C70568}" type="pres">
-      <dgm:prSet presAssocID="{2BBA2A27-C920-4896-A768-8A843D5CAF5E}" presName="FourConn_1-2" presStyleLbl="fgAccFollowNode1" presStyleIdx="0" presStyleCnt="3">
+    <dgm:pt modelId="{D21F24FB-EABE-475D-9F68-AB5934307B8E}" type="pres">
+      <dgm:prSet presAssocID="{2BBA2A27-C920-4896-A768-8A843D5CAF5E}" presName="ThreeConn_2-3" presStyleLbl="fgAccFollowNode1" presStyleIdx="1" presStyleCnt="2">
         <dgm:presLayoutVars>
           <dgm:bulletEnabled val="1"/>
         </dgm:presLayoutVars>
       </dgm:prSet>
       <dgm:spPr/>
     </dgm:pt>
-    <dgm:pt modelId="{11F42CF4-3423-4CCC-9173-8B6701CA6787}" type="pres">
-      <dgm:prSet presAssocID="{2BBA2A27-C920-4896-A768-8A843D5CAF5E}" presName="FourConn_2-3" presStyleLbl="fgAccFollowNode1" presStyleIdx="1" presStyleCnt="3">
+    <dgm:pt modelId="{33E24EDA-0C53-4002-8F39-5B7054AC4BAE}" type="pres">
+      <dgm:prSet presAssocID="{2BBA2A27-C920-4896-A768-8A843D5CAF5E}" presName="ThreeNodes_1_text" presStyleLbl="node1" presStyleIdx="2" presStyleCnt="3">
         <dgm:presLayoutVars>
           <dgm:bulletEnabled val="1"/>
         </dgm:presLayoutVars>
       </dgm:prSet>
       <dgm:spPr/>
     </dgm:pt>
-    <dgm:pt modelId="{2F590E53-35CC-4418-9258-6B41EAB77B2E}" type="pres">
-      <dgm:prSet presAssocID="{2BBA2A27-C920-4896-A768-8A843D5CAF5E}" presName="FourConn_3-4" presStyleLbl="fgAccFollowNode1" presStyleIdx="2" presStyleCnt="3">
+    <dgm:pt modelId="{00428BA9-BCAC-4C7C-83C0-9BFE76597151}" type="pres">
+      <dgm:prSet presAssocID="{2BBA2A27-C920-4896-A768-8A843D5CAF5E}" presName="ThreeNodes_2_text" presStyleLbl="node1" presStyleIdx="2" presStyleCnt="3">
         <dgm:presLayoutVars>
           <dgm:bulletEnabled val="1"/>
         </dgm:presLayoutVars>
       </dgm:prSet>
       <dgm:spPr/>
     </dgm:pt>
-    <dgm:pt modelId="{6BF70A3C-FAB5-46A3-A053-013A73896CC2}" type="pres">
-      <dgm:prSet presAssocID="{2BBA2A27-C920-4896-A768-8A843D5CAF5E}" presName="FourNodes_1_text" presStyleLbl="node1" presStyleIdx="3" presStyleCnt="4">
-        <dgm:presLayoutVars>
-          <dgm:bulletEnabled val="1"/>
-        </dgm:presLayoutVars>
-      </dgm:prSet>
-      <dgm:spPr/>
-    </dgm:pt>
-    <dgm:pt modelId="{B911F588-F150-42C0-BA01-98549714640C}" type="pres">
-      <dgm:prSet presAssocID="{2BBA2A27-C920-4896-A768-8A843D5CAF5E}" presName="FourNodes_2_text" presStyleLbl="node1" presStyleIdx="3" presStyleCnt="4">
-        <dgm:presLayoutVars>
-          <dgm:bulletEnabled val="1"/>
-        </dgm:presLayoutVars>
-      </dgm:prSet>
-      <dgm:spPr/>
-    </dgm:pt>
-    <dgm:pt modelId="{D249F718-9A08-4EAB-887B-3DFDBE793D77}" type="pres">
-      <dgm:prSet presAssocID="{2BBA2A27-C920-4896-A768-8A843D5CAF5E}" presName="FourNodes_3_text" presStyleLbl="node1" presStyleIdx="3" presStyleCnt="4">
-        <dgm:presLayoutVars>
-          <dgm:bulletEnabled val="1"/>
-        </dgm:presLayoutVars>
-      </dgm:prSet>
-      <dgm:spPr/>
-    </dgm:pt>
-    <dgm:pt modelId="{EBB9FB99-2FC5-4983-8323-686635BBD321}" type="pres">
-      <dgm:prSet presAssocID="{2BBA2A27-C920-4896-A768-8A843D5CAF5E}" presName="FourNodes_4_text" presStyleLbl="node1" presStyleIdx="3" presStyleCnt="4">
+    <dgm:pt modelId="{77F49D05-6C64-4109-ADC8-F460D84B7CA2}" type="pres">
+      <dgm:prSet presAssocID="{2BBA2A27-C920-4896-A768-8A843D5CAF5E}" presName="ThreeNodes_3_text" presStyleLbl="node1" presStyleIdx="2" presStyleCnt="3">
         <dgm:presLayoutVars>
           <dgm:bulletEnabled val="1"/>
         </dgm:presLayoutVars>
@@ -3285,49 +4061,39 @@
     </dgm:pt>
   </dgm:ptLst>
   <dgm:cxnLst>
-    <dgm:cxn modelId="{0307320D-F749-4F5E-A763-03BB8E711F10}" srcId="{A150DC94-9125-44EA-8504-CF965D628C13}" destId="{E442814B-4BD2-461A-90A3-BB1892ACE02C}" srcOrd="0" destOrd="0" parTransId="{74502A7C-0B01-4A98-8EE2-1E793414442F}" sibTransId="{B27E17A6-C14F-47F9-818C-936976625834}"/>
-    <dgm:cxn modelId="{57F90010-1123-48BA-9EBF-1AC0AB43C666}" srcId="{2BBA2A27-C920-4896-A768-8A843D5CAF5E}" destId="{A150DC94-9125-44EA-8504-CF965D628C13}" srcOrd="2" destOrd="0" parTransId="{4CB23746-DC93-41A7-9F32-EBF55D72EEDC}" sibTransId="{CC6AE3D6-45E2-46A9-80CB-C41F5B424991}"/>
-    <dgm:cxn modelId="{39BD3624-E9A1-4196-BA99-9DDC953547FB}" srcId="{12728676-925D-4F86-9428-703504D56B99}" destId="{5286BF18-6DB0-488B-A28B-67F246316146}" srcOrd="0" destOrd="0" parTransId="{215413B1-2E97-4BE6-9682-B0DB1FBD9756}" sibTransId="{AABDEFB4-DA06-4534-A161-90DBB09DE953}"/>
-    <dgm:cxn modelId="{B3EEF826-CE97-4E7D-B5A4-37DF52C7570D}" type="presOf" srcId="{04EA364E-44E6-4DB7-941A-FA6348593120}" destId="{11F42CF4-3423-4CCC-9173-8B6701CA6787}" srcOrd="0" destOrd="0" presId="urn:microsoft.com/office/officeart/2005/8/layout/vProcess5"/>
-    <dgm:cxn modelId="{9A754C35-0CA2-477A-8CB1-F36BAA8E55F3}" type="presOf" srcId="{E442814B-4BD2-461A-90A3-BB1892ACE02C}" destId="{D249F718-9A08-4EAB-887B-3DFDBE793D77}" srcOrd="1" destOrd="1" presId="urn:microsoft.com/office/officeart/2005/8/layout/vProcess5"/>
-    <dgm:cxn modelId="{F4A1F662-D34E-443F-9074-7D6D73ABD099}" type="presOf" srcId="{E442814B-4BD2-461A-90A3-BB1892ACE02C}" destId="{CEA8AF6E-6F69-4342-977E-755FFB2CA4A0}" srcOrd="0" destOrd="1" presId="urn:microsoft.com/office/officeart/2005/8/layout/vProcess5"/>
+    <dgm:cxn modelId="{D9A61304-BFD9-45AE-A4D4-CE3AE3BE8E76}" type="presOf" srcId="{98C2DC61-9B8F-44B6-AD70-80C78A3D1C45}" destId="{00428BA9-BCAC-4C7C-83C0-9BFE76597151}" srcOrd="1" destOrd="1" presId="urn:microsoft.com/office/officeart/2005/8/layout/vProcess5"/>
+    <dgm:cxn modelId="{7B6AB305-859B-4A89-9B45-D7C580159F99}" type="presOf" srcId="{6D681944-E294-4CBB-A118-675400E738AB}" destId="{2390324C-73E5-4A46-BFC6-84AB1C25B3D7}" srcOrd="0" destOrd="0" presId="urn:microsoft.com/office/officeart/2005/8/layout/vProcess5"/>
+    <dgm:cxn modelId="{3784ED29-EF5C-4653-8B34-B6A518FEF485}" type="presOf" srcId="{30D27671-31F1-4E42-A902-94586D53672B}" destId="{00428BA9-BCAC-4C7C-83C0-9BFE76597151}" srcOrd="1" destOrd="0" presId="urn:microsoft.com/office/officeart/2005/8/layout/vProcess5"/>
+    <dgm:cxn modelId="{E9DB8C37-154A-4C9A-AE46-912E60553860}" type="presOf" srcId="{A48CE690-7997-44FF-886B-72F7E027292E}" destId="{62D865E1-ED64-4C2D-AEBD-C13F941DBE2C}" srcOrd="0" destOrd="1" presId="urn:microsoft.com/office/officeart/2005/8/layout/vProcess5"/>
+    <dgm:cxn modelId="{3CFE4D44-8B1B-4BAB-A347-6CBF9AF995B9}" type="presOf" srcId="{98C2DC61-9B8F-44B6-AD70-80C78A3D1C45}" destId="{FC2F5D58-782B-455D-B4E7-7AF50546FF20}" srcOrd="0" destOrd="1" presId="urn:microsoft.com/office/officeart/2005/8/layout/vProcess5"/>
     <dgm:cxn modelId="{1D92F567-E3C9-4DDB-8177-C9D27277683A}" type="presOf" srcId="{2BBA2A27-C920-4896-A768-8A843D5CAF5E}" destId="{BA0D7E66-CF43-4C61-8E18-75E39091FBC9}" srcOrd="0" destOrd="0" presId="urn:microsoft.com/office/officeart/2005/8/layout/vProcess5"/>
-    <dgm:cxn modelId="{0B6D294C-23BE-4D86-8D1E-6012F6CA2EFF}" type="presOf" srcId="{E3627EE8-455F-461C-ADF3-47C26EC5E7E0}" destId="{6BF70A3C-FAB5-46A3-A053-013A73896CC2}" srcOrd="1" destOrd="0" presId="urn:microsoft.com/office/officeart/2005/8/layout/vProcess5"/>
-    <dgm:cxn modelId="{1AFBEE6C-4A4C-494F-8008-333790FA823D}" srcId="{2BBA2A27-C920-4896-A768-8A843D5CAF5E}" destId="{12728676-925D-4F86-9428-703504D56B99}" srcOrd="3" destOrd="0" parTransId="{36E9CDA2-6ED6-466B-A760-E136564D9A83}" sibTransId="{B0F5AC26-C69E-4AA3-B14A-EBC959ACA7AC}"/>
-    <dgm:cxn modelId="{006B696E-1E63-4963-A2A7-DE47D1A6A667}" type="presOf" srcId="{12728676-925D-4F86-9428-703504D56B99}" destId="{876510BB-D925-4062-8222-034B1383260F}" srcOrd="0" destOrd="0" presId="urn:microsoft.com/office/officeart/2005/8/layout/vProcess5"/>
+    <dgm:cxn modelId="{1D1A7172-0812-4DA0-BAC8-C9CB17DFA8A1}" type="presOf" srcId="{FE697839-A813-43FC-8B17-5185050871BD}" destId="{6F277E08-FA17-4A2F-A254-DAA894DF9C94}" srcOrd="0" destOrd="0" presId="urn:microsoft.com/office/officeart/2005/8/layout/vProcess5"/>
     <dgm:cxn modelId="{B1985875-9D24-4EA6-B0D0-6B1E9A34F451}" srcId="{2BBA2A27-C920-4896-A768-8A843D5CAF5E}" destId="{E3627EE8-455F-461C-ADF3-47C26EC5E7E0}" srcOrd="0" destOrd="0" parTransId="{6A64F1E5-99B7-480D-88FB-D40313257F9B}" sibTransId="{FE697839-A813-43FC-8B17-5185050871BD}"/>
-    <dgm:cxn modelId="{AD946176-BA29-4A04-836D-0C14DEF292E1}" type="presOf" srcId="{6D681944-E294-4CBB-A118-675400E738AB}" destId="{B911F588-F150-42C0-BA01-98549714640C}" srcOrd="1" destOrd="0" presId="urn:microsoft.com/office/officeart/2005/8/layout/vProcess5"/>
-    <dgm:cxn modelId="{BAB1627E-8806-4586-A4EE-9C88EB812F77}" type="presOf" srcId="{A48CE690-7997-44FF-886B-72F7E027292E}" destId="{6BF70A3C-FAB5-46A3-A053-013A73896CC2}" srcOrd="1" destOrd="1" presId="urn:microsoft.com/office/officeart/2005/8/layout/vProcess5"/>
-    <dgm:cxn modelId="{44BB0689-0103-45C3-A091-C3A140A81A12}" type="presOf" srcId="{12728676-925D-4F86-9428-703504D56B99}" destId="{EBB9FB99-2FC5-4983-8323-686635BBD321}" srcOrd="1" destOrd="0" presId="urn:microsoft.com/office/officeart/2005/8/layout/vProcess5"/>
-    <dgm:cxn modelId="{4D75478E-AFB2-48F3-8BA8-F8E28CA9C665}" type="presOf" srcId="{CC6AE3D6-45E2-46A9-80CB-C41F5B424991}" destId="{2F590E53-35CC-4418-9258-6B41EAB77B2E}" srcOrd="0" destOrd="0" presId="urn:microsoft.com/office/officeart/2005/8/layout/vProcess5"/>
+    <dgm:cxn modelId="{B56A4B56-FC27-4E65-97B7-B8838DF979BF}" type="presOf" srcId="{E3627EE8-455F-461C-ADF3-47C26EC5E7E0}" destId="{33E24EDA-0C53-4002-8F39-5B7054AC4BAE}" srcOrd="1" destOrd="0" presId="urn:microsoft.com/office/officeart/2005/8/layout/vProcess5"/>
+    <dgm:cxn modelId="{BA82E359-38F2-4026-AB08-DA6E62EF721D}" srcId="{2BBA2A27-C920-4896-A768-8A843D5CAF5E}" destId="{30D27671-31F1-4E42-A902-94586D53672B}" srcOrd="1" destOrd="0" parTransId="{FF996121-5FB0-42F3-8DE5-C0DCA29ED5C2}" sibTransId="{223E459E-5AFA-49CD-9142-6C72A620A8BE}"/>
+    <dgm:cxn modelId="{E957F27D-568B-49EC-812B-95888C580157}" srcId="{30D27671-31F1-4E42-A902-94586D53672B}" destId="{98C2DC61-9B8F-44B6-AD70-80C78A3D1C45}" srcOrd="0" destOrd="0" parTransId="{306E7129-FCE1-4083-944B-BCB5445C3CBA}" sibTransId="{77947B5A-30C5-48F7-A137-A74C24CF6E29}"/>
+    <dgm:cxn modelId="{5A1DC787-4B61-4312-91BC-8DCB8842D527}" type="presOf" srcId="{30D27671-31F1-4E42-A902-94586D53672B}" destId="{FC2F5D58-782B-455D-B4E7-7AF50546FF20}" srcOrd="0" destOrd="0" presId="urn:microsoft.com/office/officeart/2005/8/layout/vProcess5"/>
     <dgm:cxn modelId="{32AC6A95-37B5-4C86-B61E-4D75C7FF58A8}" srcId="{E3627EE8-455F-461C-ADF3-47C26EC5E7E0}" destId="{A48CE690-7997-44FF-886B-72F7E027292E}" srcOrd="0" destOrd="0" parTransId="{B5E8A354-C751-4A47-9B2E-C4C8BCFC1FAD}" sibTransId="{13666B53-3D4F-4B79-AE0A-57861D8D7C88}"/>
-    <dgm:cxn modelId="{493EF799-05FC-439C-8615-BC480E8EEF3B}" type="presOf" srcId="{6D681944-E294-4CBB-A118-675400E738AB}" destId="{452B0ABC-26B7-4708-9B78-79A6FC9464CA}" srcOrd="0" destOrd="0" presId="urn:microsoft.com/office/officeart/2005/8/layout/vProcess5"/>
-    <dgm:cxn modelId="{70D71EA8-0D1F-4C8A-A374-AAF2ECC8681C}" type="presOf" srcId="{A150DC94-9125-44EA-8504-CF965D628C13}" destId="{CEA8AF6E-6F69-4342-977E-755FFB2CA4A0}" srcOrd="0" destOrd="0" presId="urn:microsoft.com/office/officeart/2005/8/layout/vProcess5"/>
-    <dgm:cxn modelId="{F63CD4AA-9961-4A9B-8441-0FDAEC64EA5A}" type="presOf" srcId="{5286BF18-6DB0-488B-A28B-67F246316146}" destId="{EBB9FB99-2FC5-4983-8323-686635BBD321}" srcOrd="1" destOrd="1" presId="urn:microsoft.com/office/officeart/2005/8/layout/vProcess5"/>
-    <dgm:cxn modelId="{4D248AB7-B126-4DB6-AA2A-54A0A4B70B51}" type="presOf" srcId="{A150DC94-9125-44EA-8504-CF965D628C13}" destId="{D249F718-9A08-4EAB-887B-3DFDBE793D77}" srcOrd="1" destOrd="0" presId="urn:microsoft.com/office/officeart/2005/8/layout/vProcess5"/>
-    <dgm:cxn modelId="{BB8F22BD-B55C-406E-A306-9B5E1477246A}" type="presOf" srcId="{FE697839-A813-43FC-8B17-5185050871BD}" destId="{2208ADCC-2199-46A3-8C6D-E85B64C70568}" srcOrd="0" destOrd="0" presId="urn:microsoft.com/office/officeart/2005/8/layout/vProcess5"/>
-    <dgm:cxn modelId="{9B1488D4-1BF1-48B1-90A7-DC54649878E9}" type="presOf" srcId="{5286BF18-6DB0-488B-A28B-67F246316146}" destId="{876510BB-D925-4062-8222-034B1383260F}" srcOrd="0" destOrd="1" presId="urn:microsoft.com/office/officeart/2005/8/layout/vProcess5"/>
-    <dgm:cxn modelId="{13E879E8-2844-4572-871C-0C14793D6D4C}" type="presOf" srcId="{E3627EE8-455F-461C-ADF3-47C26EC5E7E0}" destId="{3F5103C8-203E-4C99-A019-13D758C23089}" srcOrd="0" destOrd="0" presId="urn:microsoft.com/office/officeart/2005/8/layout/vProcess5"/>
-    <dgm:cxn modelId="{A123A7E8-D47B-4E15-A5AC-086D7F27ECBA}" type="presOf" srcId="{A48CE690-7997-44FF-886B-72F7E027292E}" destId="{3F5103C8-203E-4C99-A019-13D758C23089}" srcOrd="0" destOrd="1" presId="urn:microsoft.com/office/officeart/2005/8/layout/vProcess5"/>
-    <dgm:cxn modelId="{1C2646EF-A9EE-428F-96F8-BDFAF8FDF35B}" srcId="{2BBA2A27-C920-4896-A768-8A843D5CAF5E}" destId="{6D681944-E294-4CBB-A118-675400E738AB}" srcOrd="1" destOrd="0" parTransId="{622CDA9C-EE25-4836-B8A1-584E8985ECD4}" sibTransId="{04EA364E-44E6-4DB7-941A-FA6348593120}"/>
-    <dgm:cxn modelId="{0FF6B02A-FF40-4792-8123-43E34940D6C3}" type="presParOf" srcId="{BA0D7E66-CF43-4C61-8E18-75E39091FBC9}" destId="{B84632AD-0FB7-466B-8618-BE6A20A0CB49}" srcOrd="0" destOrd="0" presId="urn:microsoft.com/office/officeart/2005/8/layout/vProcess5"/>
-    <dgm:cxn modelId="{2CF6FC94-CF7E-4A87-AF17-00B866D9438C}" type="presParOf" srcId="{BA0D7E66-CF43-4C61-8E18-75E39091FBC9}" destId="{3F5103C8-203E-4C99-A019-13D758C23089}" srcOrd="1" destOrd="0" presId="urn:microsoft.com/office/officeart/2005/8/layout/vProcess5"/>
-    <dgm:cxn modelId="{2C7FEE94-97A1-4D23-BBC6-531F08B91724}" type="presParOf" srcId="{BA0D7E66-CF43-4C61-8E18-75E39091FBC9}" destId="{452B0ABC-26B7-4708-9B78-79A6FC9464CA}" srcOrd="2" destOrd="0" presId="urn:microsoft.com/office/officeart/2005/8/layout/vProcess5"/>
-    <dgm:cxn modelId="{E65DECC3-3BD6-4992-B0BC-12FB9B148527}" type="presParOf" srcId="{BA0D7E66-CF43-4C61-8E18-75E39091FBC9}" destId="{CEA8AF6E-6F69-4342-977E-755FFB2CA4A0}" srcOrd="3" destOrd="0" presId="urn:microsoft.com/office/officeart/2005/8/layout/vProcess5"/>
-    <dgm:cxn modelId="{EA5CCDB3-9A20-45D9-A4F6-9E5D203908CD}" type="presParOf" srcId="{BA0D7E66-CF43-4C61-8E18-75E39091FBC9}" destId="{876510BB-D925-4062-8222-034B1383260F}" srcOrd="4" destOrd="0" presId="urn:microsoft.com/office/officeart/2005/8/layout/vProcess5"/>
-    <dgm:cxn modelId="{CEDB2E10-E4AD-41DA-A00F-8CF58A6CF781}" type="presParOf" srcId="{BA0D7E66-CF43-4C61-8E18-75E39091FBC9}" destId="{2208ADCC-2199-46A3-8C6D-E85B64C70568}" srcOrd="5" destOrd="0" presId="urn:microsoft.com/office/officeart/2005/8/layout/vProcess5"/>
-    <dgm:cxn modelId="{119D1D07-8C6F-4292-9118-2A3BFA5D37E3}" type="presParOf" srcId="{BA0D7E66-CF43-4C61-8E18-75E39091FBC9}" destId="{11F42CF4-3423-4CCC-9173-8B6701CA6787}" srcOrd="6" destOrd="0" presId="urn:microsoft.com/office/officeart/2005/8/layout/vProcess5"/>
-    <dgm:cxn modelId="{39BC56CE-05D7-498C-A806-B617429463C0}" type="presParOf" srcId="{BA0D7E66-CF43-4C61-8E18-75E39091FBC9}" destId="{2F590E53-35CC-4418-9258-6B41EAB77B2E}" srcOrd="7" destOrd="0" presId="urn:microsoft.com/office/officeart/2005/8/layout/vProcess5"/>
-    <dgm:cxn modelId="{FDD08F60-9544-489F-A02F-09A4ECF734A7}" type="presParOf" srcId="{BA0D7E66-CF43-4C61-8E18-75E39091FBC9}" destId="{6BF70A3C-FAB5-46A3-A053-013A73896CC2}" srcOrd="8" destOrd="0" presId="urn:microsoft.com/office/officeart/2005/8/layout/vProcess5"/>
-    <dgm:cxn modelId="{3B14B777-B070-460C-8DA1-202E4AEF71C8}" type="presParOf" srcId="{BA0D7E66-CF43-4C61-8E18-75E39091FBC9}" destId="{B911F588-F150-42C0-BA01-98549714640C}" srcOrd="9" destOrd="0" presId="urn:microsoft.com/office/officeart/2005/8/layout/vProcess5"/>
-    <dgm:cxn modelId="{953C12EE-10F1-44A0-846E-4E224CFB5471}" type="presParOf" srcId="{BA0D7E66-CF43-4C61-8E18-75E39091FBC9}" destId="{D249F718-9A08-4EAB-887B-3DFDBE793D77}" srcOrd="10" destOrd="0" presId="urn:microsoft.com/office/officeart/2005/8/layout/vProcess5"/>
-    <dgm:cxn modelId="{15241979-F74A-41F1-BF98-8DAC0DF2DD18}" type="presParOf" srcId="{BA0D7E66-CF43-4C61-8E18-75E39091FBC9}" destId="{EBB9FB99-2FC5-4983-8323-686635BBD321}" srcOrd="11" destOrd="0" presId="urn:microsoft.com/office/officeart/2005/8/layout/vProcess5"/>
+    <dgm:cxn modelId="{CF95BECA-AD58-4033-B3FE-1D9AFCB68669}" type="presOf" srcId="{E3627EE8-455F-461C-ADF3-47C26EC5E7E0}" destId="{62D865E1-ED64-4C2D-AEBD-C13F941DBE2C}" srcOrd="0" destOrd="0" presId="urn:microsoft.com/office/officeart/2005/8/layout/vProcess5"/>
+    <dgm:cxn modelId="{F0F2BBCD-2670-4854-86D3-4019A3E210C9}" type="presOf" srcId="{6D681944-E294-4CBB-A118-675400E738AB}" destId="{77F49D05-6C64-4109-ADC8-F460D84B7CA2}" srcOrd="1" destOrd="0" presId="urn:microsoft.com/office/officeart/2005/8/layout/vProcess5"/>
+    <dgm:cxn modelId="{1D6935DB-6240-4DCF-8CB0-DCE426B74E9D}" type="presOf" srcId="{223E459E-5AFA-49CD-9142-6C72A620A8BE}" destId="{D21F24FB-EABE-475D-9F68-AB5934307B8E}" srcOrd="0" destOrd="0" presId="urn:microsoft.com/office/officeart/2005/8/layout/vProcess5"/>
+    <dgm:cxn modelId="{1C2646EF-A9EE-428F-96F8-BDFAF8FDF35B}" srcId="{2BBA2A27-C920-4896-A768-8A843D5CAF5E}" destId="{6D681944-E294-4CBB-A118-675400E738AB}" srcOrd="2" destOrd="0" parTransId="{622CDA9C-EE25-4836-B8A1-584E8985ECD4}" sibTransId="{04EA364E-44E6-4DB7-941A-FA6348593120}"/>
+    <dgm:cxn modelId="{8FCED4F4-29EE-41DE-9742-86E1B7F756DC}" type="presOf" srcId="{A48CE690-7997-44FF-886B-72F7E027292E}" destId="{33E24EDA-0C53-4002-8F39-5B7054AC4BAE}" srcOrd="1" destOrd="1" presId="urn:microsoft.com/office/officeart/2005/8/layout/vProcess5"/>
+    <dgm:cxn modelId="{A4FB40F6-0369-42CE-A251-C97D9CC16E6D}" type="presParOf" srcId="{BA0D7E66-CF43-4C61-8E18-75E39091FBC9}" destId="{B84632AD-0FB7-466B-8618-BE6A20A0CB49}" srcOrd="0" destOrd="0" presId="urn:microsoft.com/office/officeart/2005/8/layout/vProcess5"/>
+    <dgm:cxn modelId="{3B2C18CC-118F-4932-A88B-D4D438FF1B0A}" type="presParOf" srcId="{BA0D7E66-CF43-4C61-8E18-75E39091FBC9}" destId="{62D865E1-ED64-4C2D-AEBD-C13F941DBE2C}" srcOrd="1" destOrd="0" presId="urn:microsoft.com/office/officeart/2005/8/layout/vProcess5"/>
+    <dgm:cxn modelId="{FFA21835-8780-432B-9869-3591BA84F1D0}" type="presParOf" srcId="{BA0D7E66-CF43-4C61-8E18-75E39091FBC9}" destId="{FC2F5D58-782B-455D-B4E7-7AF50546FF20}" srcOrd="2" destOrd="0" presId="urn:microsoft.com/office/officeart/2005/8/layout/vProcess5"/>
+    <dgm:cxn modelId="{F57230E3-2814-4266-B2A4-C8941BEDEB95}" type="presParOf" srcId="{BA0D7E66-CF43-4C61-8E18-75E39091FBC9}" destId="{2390324C-73E5-4A46-BFC6-84AB1C25B3D7}" srcOrd="3" destOrd="0" presId="urn:microsoft.com/office/officeart/2005/8/layout/vProcess5"/>
+    <dgm:cxn modelId="{052A1738-CF14-4464-8133-1B10A111BC38}" type="presParOf" srcId="{BA0D7E66-CF43-4C61-8E18-75E39091FBC9}" destId="{6F277E08-FA17-4A2F-A254-DAA894DF9C94}" srcOrd="4" destOrd="0" presId="urn:microsoft.com/office/officeart/2005/8/layout/vProcess5"/>
+    <dgm:cxn modelId="{CA0B4907-075E-4CA9-ACB2-EE295B7C8564}" type="presParOf" srcId="{BA0D7E66-CF43-4C61-8E18-75E39091FBC9}" destId="{D21F24FB-EABE-475D-9F68-AB5934307B8E}" srcOrd="5" destOrd="0" presId="urn:microsoft.com/office/officeart/2005/8/layout/vProcess5"/>
+    <dgm:cxn modelId="{02CFCB60-6DB7-4401-9BA3-BB8A4F399E74}" type="presParOf" srcId="{BA0D7E66-CF43-4C61-8E18-75E39091FBC9}" destId="{33E24EDA-0C53-4002-8F39-5B7054AC4BAE}" srcOrd="6" destOrd="0" presId="urn:microsoft.com/office/officeart/2005/8/layout/vProcess5"/>
+    <dgm:cxn modelId="{178EDADE-2535-4AB5-B0A9-30C23A82419E}" type="presParOf" srcId="{BA0D7E66-CF43-4C61-8E18-75E39091FBC9}" destId="{00428BA9-BCAC-4C7C-83C0-9BFE76597151}" srcOrd="7" destOrd="0" presId="urn:microsoft.com/office/officeart/2005/8/layout/vProcess5"/>
+    <dgm:cxn modelId="{B8BC1F01-2DCA-428F-9B72-C4B8A42DD72F}" type="presParOf" srcId="{BA0D7E66-CF43-4C61-8E18-75E39091FBC9}" destId="{77F49D05-6C64-4109-ADC8-F460D84B7CA2}" srcOrd="8" destOrd="0" presId="urn:microsoft.com/office/officeart/2005/8/layout/vProcess5"/>
   </dgm:cxnLst>
   <dgm:bg/>
   <dgm:whole/>
   <dgm:extLst>
     <a:ext uri="http://schemas.microsoft.com/office/drawing/2008/diagram">
-      <dsp:dataModelExt xmlns:dsp="http://schemas.microsoft.com/office/drawing/2008/diagram" relId="rId6" minVer="http://schemas.openxmlformats.org/drawingml/2006/diagram"/>
+      <dsp:dataModelExt xmlns:dsp="http://schemas.microsoft.com/office/drawing/2008/diagram" relId="rId7" minVer="http://schemas.openxmlformats.org/drawingml/2006/diagram"/>
     </a:ext>
   </dgm:extLst>
 </dgm:dataModel>
@@ -4140,6 +4906,277 @@
 </dgm:dataModel>
 </file>
 
+<file path=ppt/diagrams/data4.xml><?xml version="1.0" encoding="utf-8"?>
+<dgm:dataModel xmlns:dgm="http://schemas.openxmlformats.org/drawingml/2006/diagram" xmlns:a="http://schemas.openxmlformats.org/drawingml/2006/main">
+  <dgm:ptLst>
+    <dgm:pt modelId="{2BBA2A27-C920-4896-A768-8A843D5CAF5E}" type="doc">
+      <dgm:prSet loTypeId="urn:microsoft.com/office/officeart/2005/8/layout/vProcess5" loCatId="process" qsTypeId="urn:microsoft.com/office/officeart/2005/8/quickstyle/simple1" qsCatId="simple" csTypeId="urn:microsoft.com/office/officeart/2005/8/colors/accent2_3" csCatId="accent2" phldr="1"/>
+      <dgm:spPr/>
+      <dgm:t>
+        <a:bodyPr/>
+        <a:lstStyle/>
+        <a:p>
+          <a:endParaRPr lang="en-US"/>
+        </a:p>
+      </dgm:t>
+    </dgm:pt>
+    <dgm:pt modelId="{A150DC94-9125-44EA-8504-CF965D628C13}">
+      <dgm:prSet/>
+      <dgm:spPr>
+        <a:solidFill>
+          <a:schemeClr val="tx2">
+            <a:lumMod val="75000"/>
+          </a:schemeClr>
+        </a:solidFill>
+      </dgm:spPr>
+      <dgm:t>
+        <a:bodyPr/>
+        <a:lstStyle/>
+        <a:p>
+          <a:r>
+            <a:rPr lang="en-US" dirty="0"/>
+            <a:t>Introduced new variable ‘iso3c’ country code</a:t>
+          </a:r>
+        </a:p>
+      </dgm:t>
+    </dgm:pt>
+    <dgm:pt modelId="{4CB23746-DC93-41A7-9F32-EBF55D72EEDC}" type="parTrans" cxnId="{57F90010-1123-48BA-9EBF-1AC0AB43C666}">
+      <dgm:prSet/>
+      <dgm:spPr/>
+      <dgm:t>
+        <a:bodyPr/>
+        <a:lstStyle/>
+        <a:p>
+          <a:endParaRPr lang="en-US"/>
+        </a:p>
+      </dgm:t>
+    </dgm:pt>
+    <dgm:pt modelId="{CC6AE3D6-45E2-46A9-80CB-C41F5B424991}" type="sibTrans" cxnId="{57F90010-1123-48BA-9EBF-1AC0AB43C666}">
+      <dgm:prSet/>
+      <dgm:spPr/>
+      <dgm:t>
+        <a:bodyPr/>
+        <a:lstStyle/>
+        <a:p>
+          <a:endParaRPr lang="en-US"/>
+        </a:p>
+      </dgm:t>
+    </dgm:pt>
+    <dgm:pt modelId="{E442814B-4BD2-461A-90A3-BB1892ACE02C}">
+      <dgm:prSet/>
+      <dgm:spPr>
+        <a:solidFill>
+          <a:schemeClr val="tx2">
+            <a:lumMod val="75000"/>
+          </a:schemeClr>
+        </a:solidFill>
+      </dgm:spPr>
+      <dgm:t>
+        <a:bodyPr/>
+        <a:lstStyle/>
+        <a:p>
+          <a:r>
+            <a:rPr lang="en-US" dirty="0"/>
+            <a:t>Introduced variable in military and map data frames </a:t>
+          </a:r>
+        </a:p>
+      </dgm:t>
+    </dgm:pt>
+    <dgm:pt modelId="{74502A7C-0B01-4A98-8EE2-1E793414442F}" type="parTrans" cxnId="{0307320D-F749-4F5E-A763-03BB8E711F10}">
+      <dgm:prSet/>
+      <dgm:spPr/>
+      <dgm:t>
+        <a:bodyPr/>
+        <a:lstStyle/>
+        <a:p>
+          <a:endParaRPr lang="en-US"/>
+        </a:p>
+      </dgm:t>
+    </dgm:pt>
+    <dgm:pt modelId="{B27E17A6-C14F-47F9-818C-936976625834}" type="sibTrans" cxnId="{0307320D-F749-4F5E-A763-03BB8E711F10}">
+      <dgm:prSet/>
+      <dgm:spPr/>
+      <dgm:t>
+        <a:bodyPr/>
+        <a:lstStyle/>
+        <a:p>
+          <a:endParaRPr lang="en-US"/>
+        </a:p>
+      </dgm:t>
+    </dgm:pt>
+    <dgm:pt modelId="{12728676-925D-4F86-9428-703504D56B99}">
+      <dgm:prSet/>
+      <dgm:spPr>
+        <a:solidFill>
+          <a:schemeClr val="bg2">
+            <a:lumMod val="50000"/>
+          </a:schemeClr>
+        </a:solidFill>
+      </dgm:spPr>
+      <dgm:t>
+        <a:bodyPr/>
+        <a:lstStyle/>
+        <a:p>
+          <a:r>
+            <a:rPr lang="en-US" dirty="0"/>
+            <a:t>Joined military data with world map data</a:t>
+          </a:r>
+        </a:p>
+      </dgm:t>
+    </dgm:pt>
+    <dgm:pt modelId="{36E9CDA2-6ED6-466B-A760-E136564D9A83}" type="parTrans" cxnId="{1AFBEE6C-4A4C-494F-8008-333790FA823D}">
+      <dgm:prSet/>
+      <dgm:spPr/>
+      <dgm:t>
+        <a:bodyPr/>
+        <a:lstStyle/>
+        <a:p>
+          <a:endParaRPr lang="en-US"/>
+        </a:p>
+      </dgm:t>
+    </dgm:pt>
+    <dgm:pt modelId="{B0F5AC26-C69E-4AA3-B14A-EBC959ACA7AC}" type="sibTrans" cxnId="{1AFBEE6C-4A4C-494F-8008-333790FA823D}">
+      <dgm:prSet/>
+      <dgm:spPr/>
+      <dgm:t>
+        <a:bodyPr/>
+        <a:lstStyle/>
+        <a:p>
+          <a:endParaRPr lang="en-US"/>
+        </a:p>
+      </dgm:t>
+    </dgm:pt>
+    <dgm:pt modelId="{5286BF18-6DB0-488B-A28B-67F246316146}">
+      <dgm:prSet/>
+      <dgm:spPr>
+        <a:solidFill>
+          <a:schemeClr val="bg2">
+            <a:lumMod val="50000"/>
+          </a:schemeClr>
+        </a:solidFill>
+      </dgm:spPr>
+      <dgm:t>
+        <a:bodyPr/>
+        <a:lstStyle/>
+        <a:p>
+          <a:r>
+            <a:rPr lang="en-US" dirty="0"/>
+            <a:t>Joined on the ‘iso3c’ value </a:t>
+          </a:r>
+        </a:p>
+      </dgm:t>
+    </dgm:pt>
+    <dgm:pt modelId="{215413B1-2E97-4BE6-9682-B0DB1FBD9756}" type="parTrans" cxnId="{39BD3624-E9A1-4196-BA99-9DDC953547FB}">
+      <dgm:prSet/>
+      <dgm:spPr/>
+      <dgm:t>
+        <a:bodyPr/>
+        <a:lstStyle/>
+        <a:p>
+          <a:endParaRPr lang="en-US"/>
+        </a:p>
+      </dgm:t>
+    </dgm:pt>
+    <dgm:pt modelId="{AABDEFB4-DA06-4534-A161-90DBB09DE953}" type="sibTrans" cxnId="{39BD3624-E9A1-4196-BA99-9DDC953547FB}">
+      <dgm:prSet/>
+      <dgm:spPr/>
+      <dgm:t>
+        <a:bodyPr/>
+        <a:lstStyle/>
+        <a:p>
+          <a:endParaRPr lang="en-US"/>
+        </a:p>
+      </dgm:t>
+    </dgm:pt>
+    <dgm:pt modelId="{BA0D7E66-CF43-4C61-8E18-75E39091FBC9}" type="pres">
+      <dgm:prSet presAssocID="{2BBA2A27-C920-4896-A768-8A843D5CAF5E}" presName="outerComposite" presStyleCnt="0">
+        <dgm:presLayoutVars>
+          <dgm:chMax val="5"/>
+          <dgm:dir/>
+          <dgm:resizeHandles val="exact"/>
+        </dgm:presLayoutVars>
+      </dgm:prSet>
+      <dgm:spPr/>
+    </dgm:pt>
+    <dgm:pt modelId="{B84632AD-0FB7-466B-8618-BE6A20A0CB49}" type="pres">
+      <dgm:prSet presAssocID="{2BBA2A27-C920-4896-A768-8A843D5CAF5E}" presName="dummyMaxCanvas" presStyleCnt="0">
+        <dgm:presLayoutVars/>
+      </dgm:prSet>
+      <dgm:spPr/>
+    </dgm:pt>
+    <dgm:pt modelId="{CDB1CE8D-DEB3-46BB-BC94-203C86B66B2F}" type="pres">
+      <dgm:prSet presAssocID="{2BBA2A27-C920-4896-A768-8A843D5CAF5E}" presName="TwoNodes_1" presStyleLbl="node1" presStyleIdx="0" presStyleCnt="2">
+        <dgm:presLayoutVars>
+          <dgm:bulletEnabled val="1"/>
+        </dgm:presLayoutVars>
+      </dgm:prSet>
+      <dgm:spPr/>
+    </dgm:pt>
+    <dgm:pt modelId="{CC69A9E1-EEEF-4285-B831-BD6912E2932B}" type="pres">
+      <dgm:prSet presAssocID="{2BBA2A27-C920-4896-A768-8A843D5CAF5E}" presName="TwoNodes_2" presStyleLbl="node1" presStyleIdx="1" presStyleCnt="2">
+        <dgm:presLayoutVars>
+          <dgm:bulletEnabled val="1"/>
+        </dgm:presLayoutVars>
+      </dgm:prSet>
+      <dgm:spPr/>
+    </dgm:pt>
+    <dgm:pt modelId="{056A0F3F-68FC-4DCB-9706-4FF9DFCF37D4}" type="pres">
+      <dgm:prSet presAssocID="{2BBA2A27-C920-4896-A768-8A843D5CAF5E}" presName="TwoConn_1-2" presStyleLbl="fgAccFollowNode1" presStyleIdx="0" presStyleCnt="1">
+        <dgm:presLayoutVars>
+          <dgm:bulletEnabled val="1"/>
+        </dgm:presLayoutVars>
+      </dgm:prSet>
+      <dgm:spPr/>
+    </dgm:pt>
+    <dgm:pt modelId="{91F72A3D-87F1-4002-ACF9-D3B04C3BA4C5}" type="pres">
+      <dgm:prSet presAssocID="{2BBA2A27-C920-4896-A768-8A843D5CAF5E}" presName="TwoNodes_1_text" presStyleLbl="node1" presStyleIdx="1" presStyleCnt="2">
+        <dgm:presLayoutVars>
+          <dgm:bulletEnabled val="1"/>
+        </dgm:presLayoutVars>
+      </dgm:prSet>
+      <dgm:spPr/>
+    </dgm:pt>
+    <dgm:pt modelId="{CF48B520-66A5-4137-8EB2-C475E89D903E}" type="pres">
+      <dgm:prSet presAssocID="{2BBA2A27-C920-4896-A768-8A843D5CAF5E}" presName="TwoNodes_2_text" presStyleLbl="node1" presStyleIdx="1" presStyleCnt="2">
+        <dgm:presLayoutVars>
+          <dgm:bulletEnabled val="1"/>
+        </dgm:presLayoutVars>
+      </dgm:prSet>
+      <dgm:spPr/>
+    </dgm:pt>
+  </dgm:ptLst>
+  <dgm:cxnLst>
+    <dgm:cxn modelId="{0307320D-F749-4F5E-A763-03BB8E711F10}" srcId="{A150DC94-9125-44EA-8504-CF965D628C13}" destId="{E442814B-4BD2-461A-90A3-BB1892ACE02C}" srcOrd="0" destOrd="0" parTransId="{74502A7C-0B01-4A98-8EE2-1E793414442F}" sibTransId="{B27E17A6-C14F-47F9-818C-936976625834}"/>
+    <dgm:cxn modelId="{57F90010-1123-48BA-9EBF-1AC0AB43C666}" srcId="{2BBA2A27-C920-4896-A768-8A843D5CAF5E}" destId="{A150DC94-9125-44EA-8504-CF965D628C13}" srcOrd="0" destOrd="0" parTransId="{4CB23746-DC93-41A7-9F32-EBF55D72EEDC}" sibTransId="{CC6AE3D6-45E2-46A9-80CB-C41F5B424991}"/>
+    <dgm:cxn modelId="{B39E3E23-A2D4-4E37-B013-F82A062D56A1}" type="presOf" srcId="{12728676-925D-4F86-9428-703504D56B99}" destId="{CF48B520-66A5-4137-8EB2-C475E89D903E}" srcOrd="1" destOrd="0" presId="urn:microsoft.com/office/officeart/2005/8/layout/vProcess5"/>
+    <dgm:cxn modelId="{39BD3624-E9A1-4196-BA99-9DDC953547FB}" srcId="{12728676-925D-4F86-9428-703504D56B99}" destId="{5286BF18-6DB0-488B-A28B-67F246316146}" srcOrd="0" destOrd="0" parTransId="{215413B1-2E97-4BE6-9682-B0DB1FBD9756}" sibTransId="{AABDEFB4-DA06-4534-A161-90DBB09DE953}"/>
+    <dgm:cxn modelId="{4C13B53C-F8AD-451A-ADAC-86B184542D77}" type="presOf" srcId="{5286BF18-6DB0-488B-A28B-67F246316146}" destId="{CC69A9E1-EEEF-4285-B831-BD6912E2932B}" srcOrd="0" destOrd="1" presId="urn:microsoft.com/office/officeart/2005/8/layout/vProcess5"/>
+    <dgm:cxn modelId="{1D92F567-E3C9-4DDB-8177-C9D27277683A}" type="presOf" srcId="{2BBA2A27-C920-4896-A768-8A843D5CAF5E}" destId="{BA0D7E66-CF43-4C61-8E18-75E39091FBC9}" srcOrd="0" destOrd="0" presId="urn:microsoft.com/office/officeart/2005/8/layout/vProcess5"/>
+    <dgm:cxn modelId="{1AFBEE6C-4A4C-494F-8008-333790FA823D}" srcId="{2BBA2A27-C920-4896-A768-8A843D5CAF5E}" destId="{12728676-925D-4F86-9428-703504D56B99}" srcOrd="1" destOrd="0" parTransId="{36E9CDA2-6ED6-466B-A760-E136564D9A83}" sibTransId="{B0F5AC26-C69E-4AA3-B14A-EBC959ACA7AC}"/>
+    <dgm:cxn modelId="{AE25237B-8E1A-4D0E-86E5-26BBB42F8D1D}" type="presOf" srcId="{CC6AE3D6-45E2-46A9-80CB-C41F5B424991}" destId="{056A0F3F-68FC-4DCB-9706-4FF9DFCF37D4}" srcOrd="0" destOrd="0" presId="urn:microsoft.com/office/officeart/2005/8/layout/vProcess5"/>
+    <dgm:cxn modelId="{0A08AC8A-8F13-430C-B7D1-D729E3B2946E}" type="presOf" srcId="{A150DC94-9125-44EA-8504-CF965D628C13}" destId="{91F72A3D-87F1-4002-ACF9-D3B04C3BA4C5}" srcOrd="1" destOrd="0" presId="urn:microsoft.com/office/officeart/2005/8/layout/vProcess5"/>
+    <dgm:cxn modelId="{028A50AB-39C5-4E17-9506-126269820A43}" type="presOf" srcId="{5286BF18-6DB0-488B-A28B-67F246316146}" destId="{CF48B520-66A5-4137-8EB2-C475E89D903E}" srcOrd="1" destOrd="1" presId="urn:microsoft.com/office/officeart/2005/8/layout/vProcess5"/>
+    <dgm:cxn modelId="{3080EBAD-BDDF-4F26-9012-4B17AE5178B0}" type="presOf" srcId="{12728676-925D-4F86-9428-703504D56B99}" destId="{CC69A9E1-EEEF-4285-B831-BD6912E2932B}" srcOrd="0" destOrd="0" presId="urn:microsoft.com/office/officeart/2005/8/layout/vProcess5"/>
+    <dgm:cxn modelId="{E923F2AE-ED56-4EE3-9132-5E063A218654}" type="presOf" srcId="{E442814B-4BD2-461A-90A3-BB1892ACE02C}" destId="{CDB1CE8D-DEB3-46BB-BC94-203C86B66B2F}" srcOrd="0" destOrd="1" presId="urn:microsoft.com/office/officeart/2005/8/layout/vProcess5"/>
+    <dgm:cxn modelId="{31B2A3DA-E9E0-457A-AA95-D890AE97D112}" type="presOf" srcId="{A150DC94-9125-44EA-8504-CF965D628C13}" destId="{CDB1CE8D-DEB3-46BB-BC94-203C86B66B2F}" srcOrd="0" destOrd="0" presId="urn:microsoft.com/office/officeart/2005/8/layout/vProcess5"/>
+    <dgm:cxn modelId="{D70D0BDF-FED3-44C2-A6BD-72E2AF742ED9}" type="presOf" srcId="{E442814B-4BD2-461A-90A3-BB1892ACE02C}" destId="{91F72A3D-87F1-4002-ACF9-D3B04C3BA4C5}" srcOrd="1" destOrd="1" presId="urn:microsoft.com/office/officeart/2005/8/layout/vProcess5"/>
+    <dgm:cxn modelId="{A4FB40F6-0369-42CE-A251-C97D9CC16E6D}" type="presParOf" srcId="{BA0D7E66-CF43-4C61-8E18-75E39091FBC9}" destId="{B84632AD-0FB7-466B-8618-BE6A20A0CB49}" srcOrd="0" destOrd="0" presId="urn:microsoft.com/office/officeart/2005/8/layout/vProcess5"/>
+    <dgm:cxn modelId="{D4E4ED71-0EC5-4984-82C0-3E96AFCBEF2B}" type="presParOf" srcId="{BA0D7E66-CF43-4C61-8E18-75E39091FBC9}" destId="{CDB1CE8D-DEB3-46BB-BC94-203C86B66B2F}" srcOrd="1" destOrd="0" presId="urn:microsoft.com/office/officeart/2005/8/layout/vProcess5"/>
+    <dgm:cxn modelId="{53EF866A-99E1-4C05-9EBC-AB1991037524}" type="presParOf" srcId="{BA0D7E66-CF43-4C61-8E18-75E39091FBC9}" destId="{CC69A9E1-EEEF-4285-B831-BD6912E2932B}" srcOrd="2" destOrd="0" presId="urn:microsoft.com/office/officeart/2005/8/layout/vProcess5"/>
+    <dgm:cxn modelId="{EBB53E79-B8C9-4D89-B44C-4F2554724AFC}" type="presParOf" srcId="{BA0D7E66-CF43-4C61-8E18-75E39091FBC9}" destId="{056A0F3F-68FC-4DCB-9706-4FF9DFCF37D4}" srcOrd="3" destOrd="0" presId="urn:microsoft.com/office/officeart/2005/8/layout/vProcess5"/>
+    <dgm:cxn modelId="{09A4DE18-1101-4F76-BEA5-D1A51BD10A0B}" type="presParOf" srcId="{BA0D7E66-CF43-4C61-8E18-75E39091FBC9}" destId="{91F72A3D-87F1-4002-ACF9-D3B04C3BA4C5}" srcOrd="4" destOrd="0" presId="urn:microsoft.com/office/officeart/2005/8/layout/vProcess5"/>
+    <dgm:cxn modelId="{8C96F69D-D49C-4542-904A-AD096B96B51F}" type="presParOf" srcId="{BA0D7E66-CF43-4C61-8E18-75E39091FBC9}" destId="{CF48B520-66A5-4137-8EB2-C475E89D903E}" srcOrd="5" destOrd="0" presId="urn:microsoft.com/office/officeart/2005/8/layout/vProcess5"/>
+  </dgm:cxnLst>
+  <dgm:bg/>
+  <dgm:whole/>
+  <dgm:extLst>
+    <a:ext uri="http://schemas.microsoft.com/office/drawing/2008/diagram">
+      <dsp:dataModelExt xmlns:dsp="http://schemas.microsoft.com/office/drawing/2008/diagram" relId="rId7" minVer="http://schemas.openxmlformats.org/drawingml/2006/diagram"/>
+    </a:ext>
+  </dgm:extLst>
+</dgm:dataModel>
+</file>
+
 <file path=ppt/diagrams/drawing1.xml><?xml version="1.0" encoding="utf-8"?>
 <dsp:drawing xmlns:dgm="http://schemas.openxmlformats.org/drawingml/2006/diagram" xmlns:dsp="http://schemas.microsoft.com/office/drawing/2008/diagram" xmlns:a="http://schemas.openxmlformats.org/drawingml/2006/main">
   <dsp:spTree>
@@ -4148,7 +5185,7 @@
       <dsp:cNvGrpSpPr/>
     </dsp:nvGrpSpPr>
     <dsp:grpSpPr/>
-    <dsp:sp modelId="{3F5103C8-203E-4C99-A019-13D758C23089}">
+    <dsp:sp modelId="{62D865E1-ED64-4C2D-AEBD-C13F941DBE2C}">
       <dsp:nvSpPr>
         <dsp:cNvPr id="0" name=""/>
         <dsp:cNvSpPr/>
@@ -4156,7 +5193,7 @@
       <dsp:spPr>
         <a:xfrm>
           <a:off x="0" y="0"/>
-          <a:ext cx="8119291" cy="957294"/>
+          <a:ext cx="8626746" cy="1305401"/>
         </a:xfrm>
         <a:prstGeom prst="roundRect">
           <a:avLst>
@@ -4195,12 +5232,12 @@
         </a:fontRef>
       </dsp:style>
       <dsp:txBody>
-        <a:bodyPr spcFirstLastPara="0" vert="horz" wrap="square" lIns="87630" tIns="87630" rIns="87630" bIns="87630" numCol="1" spcCol="1270" anchor="ctr" anchorCtr="0">
+        <a:bodyPr spcFirstLastPara="0" vert="horz" wrap="square" lIns="102870" tIns="102870" rIns="102870" bIns="102870" numCol="1" spcCol="1270" anchor="ctr" anchorCtr="0">
           <a:noAutofit/>
         </a:bodyPr>
         <a:lstStyle/>
         <a:p>
-          <a:pPr marL="0" lvl="0" indent="0" algn="l" defTabSz="1022350">
+          <a:pPr marL="0" lvl="0" indent="0" algn="l" defTabSz="1200150">
             <a:lnSpc>
               <a:spcPct val="90000"/>
             </a:lnSpc>
@@ -4213,12 +5250,12 @@
             <a:buNone/>
           </a:pPr>
           <a:r>
-            <a:rPr lang="en-US" sz="2300" kern="1200" dirty="0"/>
+            <a:rPr lang="en-US" sz="2700" kern="1200" dirty="0"/>
             <a:t>Cleaned Excel file before loading data into R</a:t>
           </a:r>
         </a:p>
         <a:p>
-          <a:pPr marL="171450" lvl="1" indent="-171450" algn="l" defTabSz="800100">
+          <a:pPr marL="228600" lvl="1" indent="-228600" algn="l" defTabSz="933450">
             <a:lnSpc>
               <a:spcPct val="90000"/>
             </a:lnSpc>
@@ -4231,25 +5268,25 @@
             <a:buChar char="•"/>
           </a:pPr>
           <a:r>
-            <a:rPr lang="en-US" sz="1800" kern="1200" dirty="0"/>
+            <a:rPr lang="en-US" sz="2100" kern="1200" dirty="0"/>
             <a:t>Removed embedded pictures and links</a:t>
           </a:r>
         </a:p>
       </dsp:txBody>
       <dsp:txXfrm>
-        <a:off x="28038" y="28038"/>
-        <a:ext cx="7005404" cy="901218"/>
+        <a:off x="38234" y="38234"/>
+        <a:ext cx="7218116" cy="1228933"/>
       </dsp:txXfrm>
     </dsp:sp>
-    <dsp:sp modelId="{452B0ABC-26B7-4708-9B78-79A6FC9464CA}">
+    <dsp:sp modelId="{FC2F5D58-782B-455D-B4E7-7AF50546FF20}">
       <dsp:nvSpPr>
         <dsp:cNvPr id="0" name=""/>
         <dsp:cNvSpPr/>
       </dsp:nvSpPr>
       <dsp:spPr>
         <a:xfrm>
-          <a:off x="679990" y="1131347"/>
-          <a:ext cx="8119291" cy="957294"/>
+          <a:off x="761183" y="1522968"/>
+          <a:ext cx="8626746" cy="1305401"/>
         </a:xfrm>
         <a:prstGeom prst="roundRect">
           <a:avLst>
@@ -4290,12 +5327,12 @@
         </a:fontRef>
       </dsp:style>
       <dsp:txBody>
-        <a:bodyPr spcFirstLastPara="0" vert="horz" wrap="square" lIns="87630" tIns="87630" rIns="87630" bIns="87630" numCol="1" spcCol="1270" anchor="ctr" anchorCtr="0">
+        <a:bodyPr spcFirstLastPara="0" vert="horz" wrap="square" lIns="102870" tIns="102870" rIns="102870" bIns="102870" numCol="1" spcCol="1270" anchor="ctr" anchorCtr="0">
           <a:noAutofit/>
         </a:bodyPr>
         <a:lstStyle/>
         <a:p>
-          <a:pPr marL="0" lvl="0" indent="0" algn="l" defTabSz="1022350">
+          <a:pPr marL="0" lvl="0" indent="0" algn="l" defTabSz="1200150">
             <a:lnSpc>
               <a:spcPct val="90000"/>
             </a:lnSpc>
@@ -4308,25 +5345,43 @@
             <a:buNone/>
           </a:pPr>
           <a:r>
-            <a:rPr lang="en-US" sz="2300" kern="1200"/>
-            <a:t>Changed variable types to numeric as applicable</a:t>
+            <a:rPr lang="en-US" sz="2700" kern="1200" dirty="0"/>
+            <a:t>Gathered all year columns</a:t>
+          </a:r>
+        </a:p>
+        <a:p>
+          <a:pPr marL="228600" lvl="1" indent="-228600" algn="l" defTabSz="933450">
+            <a:lnSpc>
+              <a:spcPct val="90000"/>
+            </a:lnSpc>
+            <a:spcBef>
+              <a:spcPct val="0"/>
+            </a:spcBef>
+            <a:spcAft>
+              <a:spcPct val="15000"/>
+            </a:spcAft>
+            <a:buChar char="•"/>
+          </a:pPr>
+          <a:r>
+            <a:rPr lang="en-US" sz="2100" kern="1200" dirty="0"/>
+            <a:t>Originally had 71 columns: Country, Notes, 1949, … , 2017 </a:t>
           </a:r>
         </a:p>
       </dsp:txBody>
       <dsp:txXfrm>
-        <a:off x="708028" y="1159385"/>
-        <a:ext cx="6760983" cy="901218"/>
+        <a:off x="799417" y="1561202"/>
+        <a:ext cx="6940584" cy="1228933"/>
       </dsp:txXfrm>
     </dsp:sp>
-    <dsp:sp modelId="{CEA8AF6E-6F69-4342-977E-755FFB2CA4A0}">
+    <dsp:sp modelId="{2390324C-73E5-4A46-BFC6-84AB1C25B3D7}">
       <dsp:nvSpPr>
         <dsp:cNvPr id="0" name=""/>
         <dsp:cNvSpPr/>
       </dsp:nvSpPr>
       <dsp:spPr>
         <a:xfrm>
-          <a:off x="1349832" y="2262695"/>
-          <a:ext cx="8119291" cy="957294"/>
+          <a:off x="1522367" y="3045936"/>
+          <a:ext cx="8626746" cy="1305401"/>
         </a:xfrm>
         <a:prstGeom prst="roundRect">
           <a:avLst>
@@ -4367,12 +5422,12 @@
         </a:fontRef>
       </dsp:style>
       <dsp:txBody>
-        <a:bodyPr spcFirstLastPara="0" vert="horz" wrap="square" lIns="87630" tIns="87630" rIns="87630" bIns="87630" numCol="1" spcCol="1270" anchor="ctr" anchorCtr="0">
+        <a:bodyPr spcFirstLastPara="0" vert="horz" wrap="square" lIns="102870" tIns="102870" rIns="102870" bIns="102870" numCol="1" spcCol="1270" anchor="ctr" anchorCtr="0">
           <a:noAutofit/>
         </a:bodyPr>
         <a:lstStyle/>
         <a:p>
-          <a:pPr marL="0" lvl="0" indent="0" algn="l" defTabSz="1022350">
+          <a:pPr marL="0" lvl="0" indent="0" algn="l" defTabSz="1200150">
             <a:lnSpc>
               <a:spcPct val="90000"/>
             </a:lnSpc>
@@ -4385,138 +5440,25 @@
             <a:buNone/>
           </a:pPr>
           <a:r>
-            <a:rPr lang="en-US" sz="2300" kern="1200" dirty="0"/>
-            <a:t>Introduced new variable ‘iso3c’ country code</a:t>
-          </a:r>
-        </a:p>
-        <a:p>
-          <a:pPr marL="171450" lvl="1" indent="-171450" algn="l" defTabSz="800100">
-            <a:lnSpc>
-              <a:spcPct val="90000"/>
-            </a:lnSpc>
-            <a:spcBef>
-              <a:spcPct val="0"/>
-            </a:spcBef>
-            <a:spcAft>
-              <a:spcPct val="15000"/>
-            </a:spcAft>
-            <a:buChar char="•"/>
-          </a:pPr>
-          <a:r>
-            <a:rPr lang="en-US" sz="1800" kern="1200" dirty="0"/>
-            <a:t>Introduced variable in military and map data frames </a:t>
+            <a:rPr lang="en-US" sz="2700" kern="1200" dirty="0"/>
+            <a:t>Changed “Year” and “Value” variable type to numeric</a:t>
           </a:r>
         </a:p>
       </dsp:txBody>
       <dsp:txXfrm>
-        <a:off x="1377870" y="2290733"/>
-        <a:ext cx="6771132" cy="901218"/>
+        <a:off x="1560601" y="3084170"/>
+        <a:ext cx="6940584" cy="1228933"/>
       </dsp:txXfrm>
     </dsp:sp>
-    <dsp:sp modelId="{876510BB-D925-4062-8222-034B1383260F}">
+    <dsp:sp modelId="{6F277E08-FA17-4A2F-A254-DAA894DF9C94}">
       <dsp:nvSpPr>
         <dsp:cNvPr id="0" name=""/>
         <dsp:cNvSpPr/>
       </dsp:nvSpPr>
       <dsp:spPr>
         <a:xfrm>
-          <a:off x="2029822" y="3394043"/>
-          <a:ext cx="8119291" cy="957294"/>
-        </a:xfrm>
-        <a:prstGeom prst="roundRect">
-          <a:avLst>
-            <a:gd name="adj" fmla="val 10000"/>
-          </a:avLst>
-        </a:prstGeom>
-        <a:solidFill>
-          <a:schemeClr val="bg2">
-            <a:lumMod val="50000"/>
-          </a:schemeClr>
-        </a:solidFill>
-        <a:ln w="12700" cap="flat" cmpd="sng" algn="ctr">
-          <a:solidFill>
-            <a:schemeClr val="lt1">
-              <a:hueOff val="0"/>
-              <a:satOff val="0"/>
-              <a:lumOff val="0"/>
-              <a:alphaOff val="0"/>
-            </a:schemeClr>
-          </a:solidFill>
-          <a:prstDash val="solid"/>
-          <a:miter lim="800000"/>
-        </a:ln>
-        <a:effectLst/>
-      </dsp:spPr>
-      <dsp:style>
-        <a:lnRef idx="2">
-          <a:scrgbClr r="0" g="0" b="0"/>
-        </a:lnRef>
-        <a:fillRef idx="1">
-          <a:scrgbClr r="0" g="0" b="0"/>
-        </a:fillRef>
-        <a:effectRef idx="0">
-          <a:scrgbClr r="0" g="0" b="0"/>
-        </a:effectRef>
-        <a:fontRef idx="minor">
-          <a:schemeClr val="lt1"/>
-        </a:fontRef>
-      </dsp:style>
-      <dsp:txBody>
-        <a:bodyPr spcFirstLastPara="0" vert="horz" wrap="square" lIns="87630" tIns="87630" rIns="87630" bIns="87630" numCol="1" spcCol="1270" anchor="ctr" anchorCtr="0">
-          <a:noAutofit/>
-        </a:bodyPr>
-        <a:lstStyle/>
-        <a:p>
-          <a:pPr marL="0" lvl="0" indent="0" algn="l" defTabSz="1022350">
-            <a:lnSpc>
-              <a:spcPct val="90000"/>
-            </a:lnSpc>
-            <a:spcBef>
-              <a:spcPct val="0"/>
-            </a:spcBef>
-            <a:spcAft>
-              <a:spcPct val="35000"/>
-            </a:spcAft>
-            <a:buNone/>
-          </a:pPr>
-          <a:r>
-            <a:rPr lang="en-US" sz="2300" kern="1200" dirty="0"/>
-            <a:t>Joined military data with world map data</a:t>
-          </a:r>
-        </a:p>
-        <a:p>
-          <a:pPr marL="171450" lvl="1" indent="-171450" algn="l" defTabSz="800100">
-            <a:lnSpc>
-              <a:spcPct val="90000"/>
-            </a:lnSpc>
-            <a:spcBef>
-              <a:spcPct val="0"/>
-            </a:spcBef>
-            <a:spcAft>
-              <a:spcPct val="15000"/>
-            </a:spcAft>
-            <a:buChar char="•"/>
-          </a:pPr>
-          <a:r>
-            <a:rPr lang="en-US" sz="1800" kern="1200" dirty="0"/>
-            <a:t>Joined on the ‘iso3c’ value </a:t>
-          </a:r>
-        </a:p>
-      </dsp:txBody>
-      <dsp:txXfrm>
-        <a:off x="2057860" y="3422081"/>
-        <a:ext cx="6760983" cy="901218"/>
-      </dsp:txXfrm>
-    </dsp:sp>
-    <dsp:sp modelId="{2208ADCC-2199-46A3-8C6D-E85B64C70568}">
-      <dsp:nvSpPr>
-        <dsp:cNvPr id="0" name=""/>
-        <dsp:cNvSpPr/>
-      </dsp:nvSpPr>
-      <dsp:spPr>
-        <a:xfrm>
-          <a:off x="7497049" y="733200"/>
-          <a:ext cx="622241" cy="622241"/>
+          <a:off x="7778235" y="989929"/>
+          <a:ext cx="848510" cy="848510"/>
         </a:xfrm>
         <a:prstGeom prst="downArrow">
           <a:avLst>
@@ -4563,12 +5505,12 @@
         <a:fontRef idx="minor"/>
       </dsp:style>
       <dsp:txBody>
-        <a:bodyPr spcFirstLastPara="0" vert="horz" wrap="square" lIns="35560" tIns="35560" rIns="35560" bIns="35560" numCol="1" spcCol="1270" anchor="ctr" anchorCtr="0">
+        <a:bodyPr spcFirstLastPara="0" vert="horz" wrap="square" lIns="45720" tIns="45720" rIns="45720" bIns="45720" numCol="1" spcCol="1270" anchor="ctr" anchorCtr="0">
           <a:noAutofit/>
         </a:bodyPr>
         <a:lstStyle/>
         <a:p>
-          <a:pPr marL="0" lvl="0" indent="0" algn="ctr" defTabSz="1244600">
+          <a:pPr marL="0" lvl="0" indent="0" algn="ctr" defTabSz="1600200">
             <a:lnSpc>
               <a:spcPct val="90000"/>
             </a:lnSpc>
@@ -4580,23 +5522,23 @@
             </a:spcAft>
             <a:buNone/>
           </a:pPr>
-          <a:endParaRPr lang="en-US" sz="2800" kern="1200"/>
+          <a:endParaRPr lang="en-US" sz="3600" kern="1200"/>
         </a:p>
       </dsp:txBody>
       <dsp:txXfrm>
-        <a:off x="7637053" y="733200"/>
-        <a:ext cx="342233" cy="468236"/>
+        <a:off x="7969150" y="989929"/>
+        <a:ext cx="466680" cy="638504"/>
       </dsp:txXfrm>
     </dsp:sp>
-    <dsp:sp modelId="{11F42CF4-3423-4CCC-9173-8B6701CA6787}">
+    <dsp:sp modelId="{D21F24FB-EABE-475D-9F68-AB5934307B8E}">
       <dsp:nvSpPr>
         <dsp:cNvPr id="0" name=""/>
         <dsp:cNvSpPr/>
       </dsp:nvSpPr>
       <dsp:spPr>
         <a:xfrm>
-          <a:off x="8177040" y="1864548"/>
-          <a:ext cx="622241" cy="622241"/>
+          <a:off x="8539419" y="2504195"/>
+          <a:ext cx="848510" cy="848510"/>
         </a:xfrm>
         <a:prstGeom prst="downArrow">
           <a:avLst>
@@ -4643,12 +5585,12 @@
         <a:fontRef idx="minor"/>
       </dsp:style>
       <dsp:txBody>
-        <a:bodyPr spcFirstLastPara="0" vert="horz" wrap="square" lIns="35560" tIns="35560" rIns="35560" bIns="35560" numCol="1" spcCol="1270" anchor="ctr" anchorCtr="0">
+        <a:bodyPr spcFirstLastPara="0" vert="horz" wrap="square" lIns="45720" tIns="45720" rIns="45720" bIns="45720" numCol="1" spcCol="1270" anchor="ctr" anchorCtr="0">
           <a:noAutofit/>
         </a:bodyPr>
         <a:lstStyle/>
         <a:p>
-          <a:pPr marL="0" lvl="0" indent="0" algn="ctr" defTabSz="1244600">
+          <a:pPr marL="0" lvl="0" indent="0" algn="ctr" defTabSz="1600200">
             <a:lnSpc>
               <a:spcPct val="90000"/>
             </a:lnSpc>
@@ -4660,92 +5602,12 @@
             </a:spcAft>
             <a:buNone/>
           </a:pPr>
-          <a:endParaRPr lang="en-US" sz="2800" kern="1200"/>
+          <a:endParaRPr lang="en-US" sz="3600" kern="1200"/>
         </a:p>
       </dsp:txBody>
       <dsp:txXfrm>
-        <a:off x="8317044" y="1864548"/>
-        <a:ext cx="342233" cy="468236"/>
-      </dsp:txXfrm>
-    </dsp:sp>
-    <dsp:sp modelId="{2F590E53-35CC-4418-9258-6B41EAB77B2E}">
-      <dsp:nvSpPr>
-        <dsp:cNvPr id="0" name=""/>
-        <dsp:cNvSpPr/>
-      </dsp:nvSpPr>
-      <dsp:spPr>
-        <a:xfrm>
-          <a:off x="8846882" y="2995896"/>
-          <a:ext cx="622241" cy="622241"/>
-        </a:xfrm>
-        <a:prstGeom prst="downArrow">
-          <a:avLst>
-            <a:gd name="adj1" fmla="val 55000"/>
-            <a:gd name="adj2" fmla="val 45000"/>
-          </a:avLst>
-        </a:prstGeom>
-        <a:solidFill>
-          <a:schemeClr val="accent2">
-            <a:alpha val="90000"/>
-            <a:tint val="40000"/>
-            <a:hueOff val="0"/>
-            <a:satOff val="0"/>
-            <a:lumOff val="0"/>
-            <a:alphaOff val="0"/>
-          </a:schemeClr>
-        </a:solidFill>
-        <a:ln w="12700" cap="flat" cmpd="sng" algn="ctr">
-          <a:solidFill>
-            <a:schemeClr val="accent2">
-              <a:alpha val="90000"/>
-              <a:tint val="40000"/>
-              <a:hueOff val="0"/>
-              <a:satOff val="0"/>
-              <a:lumOff val="0"/>
-              <a:alphaOff val="0"/>
-            </a:schemeClr>
-          </a:solidFill>
-          <a:prstDash val="solid"/>
-          <a:miter lim="800000"/>
-        </a:ln>
-        <a:effectLst/>
-      </dsp:spPr>
-      <dsp:style>
-        <a:lnRef idx="2">
-          <a:scrgbClr r="0" g="0" b="0"/>
-        </a:lnRef>
-        <a:fillRef idx="1">
-          <a:scrgbClr r="0" g="0" b="0"/>
-        </a:fillRef>
-        <a:effectRef idx="0">
-          <a:scrgbClr r="0" g="0" b="0"/>
-        </a:effectRef>
-        <a:fontRef idx="minor"/>
-      </dsp:style>
-      <dsp:txBody>
-        <a:bodyPr spcFirstLastPara="0" vert="horz" wrap="square" lIns="35560" tIns="35560" rIns="35560" bIns="35560" numCol="1" spcCol="1270" anchor="ctr" anchorCtr="0">
-          <a:noAutofit/>
-        </a:bodyPr>
-        <a:lstStyle/>
-        <a:p>
-          <a:pPr marL="0" lvl="0" indent="0" algn="ctr" defTabSz="1244600">
-            <a:lnSpc>
-              <a:spcPct val="90000"/>
-            </a:lnSpc>
-            <a:spcBef>
-              <a:spcPct val="0"/>
-            </a:spcBef>
-            <a:spcAft>
-              <a:spcPct val="35000"/>
-            </a:spcAft>
-            <a:buNone/>
-          </a:pPr>
-          <a:endParaRPr lang="en-US" sz="2800" kern="1200"/>
-        </a:p>
-      </dsp:txBody>
-      <dsp:txXfrm>
-        <a:off x="8986886" y="2995896"/>
-        <a:ext cx="342233" cy="468236"/>
+        <a:off x="8730334" y="2504195"/>
+        <a:ext cx="466680" cy="638504"/>
       </dsp:txXfrm>
     </dsp:sp>
   </dsp:spTree>
@@ -5809,6 +6671,288 @@
       <dsp:txXfrm>
         <a:off x="4872838" y="4203567"/>
         <a:ext cx="1640765" cy="1681139"/>
+      </dsp:txXfrm>
+    </dsp:sp>
+  </dsp:spTree>
+</dsp:drawing>
+</file>
+
+<file path=ppt/diagrams/drawing4.xml><?xml version="1.0" encoding="utf-8"?>
+<dsp:drawing xmlns:dgm="http://schemas.openxmlformats.org/drawingml/2006/diagram" xmlns:dsp="http://schemas.microsoft.com/office/drawing/2008/diagram" xmlns:a="http://schemas.openxmlformats.org/drawingml/2006/main">
+  <dsp:spTree>
+    <dsp:nvGrpSpPr>
+      <dsp:cNvPr id="0" name=""/>
+      <dsp:cNvGrpSpPr/>
+    </dsp:nvGrpSpPr>
+    <dsp:grpSpPr/>
+    <dsp:sp modelId="{CDB1CE8D-DEB3-46BB-BC94-203C86B66B2F}">
+      <dsp:nvSpPr>
+        <dsp:cNvPr id="0" name=""/>
+        <dsp:cNvSpPr/>
+      </dsp:nvSpPr>
+      <dsp:spPr>
+        <a:xfrm>
+          <a:off x="0" y="0"/>
+          <a:ext cx="8626746" cy="1958102"/>
+        </a:xfrm>
+        <a:prstGeom prst="roundRect">
+          <a:avLst>
+            <a:gd name="adj" fmla="val 10000"/>
+          </a:avLst>
+        </a:prstGeom>
+        <a:solidFill>
+          <a:schemeClr val="tx2">
+            <a:lumMod val="75000"/>
+          </a:schemeClr>
+        </a:solidFill>
+        <a:ln w="12700" cap="flat" cmpd="sng" algn="ctr">
+          <a:solidFill>
+            <a:schemeClr val="lt1">
+              <a:hueOff val="0"/>
+              <a:satOff val="0"/>
+              <a:lumOff val="0"/>
+              <a:alphaOff val="0"/>
+            </a:schemeClr>
+          </a:solidFill>
+          <a:prstDash val="solid"/>
+          <a:miter lim="800000"/>
+        </a:ln>
+        <a:effectLst/>
+      </dsp:spPr>
+      <dsp:style>
+        <a:lnRef idx="2">
+          <a:scrgbClr r="0" g="0" b="0"/>
+        </a:lnRef>
+        <a:fillRef idx="1">
+          <a:scrgbClr r="0" g="0" b="0"/>
+        </a:fillRef>
+        <a:effectRef idx="0">
+          <a:scrgbClr r="0" g="0" b="0"/>
+        </a:effectRef>
+        <a:fontRef idx="minor">
+          <a:schemeClr val="lt1"/>
+        </a:fontRef>
+      </dsp:style>
+      <dsp:txBody>
+        <a:bodyPr spcFirstLastPara="0" vert="horz" wrap="square" lIns="110490" tIns="110490" rIns="110490" bIns="110490" numCol="1" spcCol="1270" anchor="ctr" anchorCtr="0">
+          <a:noAutofit/>
+        </a:bodyPr>
+        <a:lstStyle/>
+        <a:p>
+          <a:pPr marL="0" lvl="0" indent="0" algn="l" defTabSz="1289050">
+            <a:lnSpc>
+              <a:spcPct val="90000"/>
+            </a:lnSpc>
+            <a:spcBef>
+              <a:spcPct val="0"/>
+            </a:spcBef>
+            <a:spcAft>
+              <a:spcPct val="35000"/>
+            </a:spcAft>
+            <a:buNone/>
+          </a:pPr>
+          <a:r>
+            <a:rPr lang="en-US" sz="2900" kern="1200" dirty="0"/>
+            <a:t>Introduced new variable ‘iso3c’ country code</a:t>
+          </a:r>
+        </a:p>
+        <a:p>
+          <a:pPr marL="228600" lvl="1" indent="-228600" algn="l" defTabSz="1022350">
+            <a:lnSpc>
+              <a:spcPct val="90000"/>
+            </a:lnSpc>
+            <a:spcBef>
+              <a:spcPct val="0"/>
+            </a:spcBef>
+            <a:spcAft>
+              <a:spcPct val="15000"/>
+            </a:spcAft>
+            <a:buChar char="•"/>
+          </a:pPr>
+          <a:r>
+            <a:rPr lang="en-US" sz="2300" kern="1200" dirty="0"/>
+            <a:t>Introduced variable in military and map data frames </a:t>
+          </a:r>
+        </a:p>
+      </dsp:txBody>
+      <dsp:txXfrm>
+        <a:off x="57351" y="57351"/>
+        <a:ext cx="6602895" cy="1843400"/>
+      </dsp:txXfrm>
+    </dsp:sp>
+    <dsp:sp modelId="{CC69A9E1-EEEF-4285-B831-BD6912E2932B}">
+      <dsp:nvSpPr>
+        <dsp:cNvPr id="0" name=""/>
+        <dsp:cNvSpPr/>
+      </dsp:nvSpPr>
+      <dsp:spPr>
+        <a:xfrm>
+          <a:off x="1522367" y="2393235"/>
+          <a:ext cx="8626746" cy="1958102"/>
+        </a:xfrm>
+        <a:prstGeom prst="roundRect">
+          <a:avLst>
+            <a:gd name="adj" fmla="val 10000"/>
+          </a:avLst>
+        </a:prstGeom>
+        <a:solidFill>
+          <a:schemeClr val="bg2">
+            <a:lumMod val="50000"/>
+          </a:schemeClr>
+        </a:solidFill>
+        <a:ln w="12700" cap="flat" cmpd="sng" algn="ctr">
+          <a:solidFill>
+            <a:schemeClr val="lt1">
+              <a:hueOff val="0"/>
+              <a:satOff val="0"/>
+              <a:lumOff val="0"/>
+              <a:alphaOff val="0"/>
+            </a:schemeClr>
+          </a:solidFill>
+          <a:prstDash val="solid"/>
+          <a:miter lim="800000"/>
+        </a:ln>
+        <a:effectLst/>
+      </dsp:spPr>
+      <dsp:style>
+        <a:lnRef idx="2">
+          <a:scrgbClr r="0" g="0" b="0"/>
+        </a:lnRef>
+        <a:fillRef idx="1">
+          <a:scrgbClr r="0" g="0" b="0"/>
+        </a:fillRef>
+        <a:effectRef idx="0">
+          <a:scrgbClr r="0" g="0" b="0"/>
+        </a:effectRef>
+        <a:fontRef idx="minor">
+          <a:schemeClr val="lt1"/>
+        </a:fontRef>
+      </dsp:style>
+      <dsp:txBody>
+        <a:bodyPr spcFirstLastPara="0" vert="horz" wrap="square" lIns="110490" tIns="110490" rIns="110490" bIns="110490" numCol="1" spcCol="1270" anchor="ctr" anchorCtr="0">
+          <a:noAutofit/>
+        </a:bodyPr>
+        <a:lstStyle/>
+        <a:p>
+          <a:pPr marL="0" lvl="0" indent="0" algn="l" defTabSz="1289050">
+            <a:lnSpc>
+              <a:spcPct val="90000"/>
+            </a:lnSpc>
+            <a:spcBef>
+              <a:spcPct val="0"/>
+            </a:spcBef>
+            <a:spcAft>
+              <a:spcPct val="35000"/>
+            </a:spcAft>
+            <a:buNone/>
+          </a:pPr>
+          <a:r>
+            <a:rPr lang="en-US" sz="2900" kern="1200" dirty="0"/>
+            <a:t>Joined military data with world map data</a:t>
+          </a:r>
+        </a:p>
+        <a:p>
+          <a:pPr marL="228600" lvl="1" indent="-228600" algn="l" defTabSz="1022350">
+            <a:lnSpc>
+              <a:spcPct val="90000"/>
+            </a:lnSpc>
+            <a:spcBef>
+              <a:spcPct val="0"/>
+            </a:spcBef>
+            <a:spcAft>
+              <a:spcPct val="15000"/>
+            </a:spcAft>
+            <a:buChar char="•"/>
+          </a:pPr>
+          <a:r>
+            <a:rPr lang="en-US" sz="2300" kern="1200" dirty="0"/>
+            <a:t>Joined on the ‘iso3c’ value </a:t>
+          </a:r>
+        </a:p>
+      </dsp:txBody>
+      <dsp:txXfrm>
+        <a:off x="1579718" y="2450586"/>
+        <a:ext cx="5716911" cy="1843400"/>
+      </dsp:txXfrm>
+    </dsp:sp>
+    <dsp:sp modelId="{056A0F3F-68FC-4DCB-9706-4FF9DFCF37D4}">
+      <dsp:nvSpPr>
+        <dsp:cNvPr id="0" name=""/>
+        <dsp:cNvSpPr/>
+      </dsp:nvSpPr>
+      <dsp:spPr>
+        <a:xfrm>
+          <a:off x="7353980" y="1539285"/>
+          <a:ext cx="1272766" cy="1272766"/>
+        </a:xfrm>
+        <a:prstGeom prst="downArrow">
+          <a:avLst>
+            <a:gd name="adj1" fmla="val 55000"/>
+            <a:gd name="adj2" fmla="val 45000"/>
+          </a:avLst>
+        </a:prstGeom>
+        <a:solidFill>
+          <a:schemeClr val="accent2">
+            <a:alpha val="90000"/>
+            <a:tint val="40000"/>
+            <a:hueOff val="0"/>
+            <a:satOff val="0"/>
+            <a:lumOff val="0"/>
+            <a:alphaOff val="0"/>
+          </a:schemeClr>
+        </a:solidFill>
+        <a:ln w="12700" cap="flat" cmpd="sng" algn="ctr">
+          <a:solidFill>
+            <a:schemeClr val="accent2">
+              <a:alpha val="90000"/>
+              <a:tint val="40000"/>
+              <a:hueOff val="0"/>
+              <a:satOff val="0"/>
+              <a:lumOff val="0"/>
+              <a:alphaOff val="0"/>
+            </a:schemeClr>
+          </a:solidFill>
+          <a:prstDash val="solid"/>
+          <a:miter lim="800000"/>
+        </a:ln>
+        <a:effectLst/>
+      </dsp:spPr>
+      <dsp:style>
+        <a:lnRef idx="2">
+          <a:scrgbClr r="0" g="0" b="0"/>
+        </a:lnRef>
+        <a:fillRef idx="1">
+          <a:scrgbClr r="0" g="0" b="0"/>
+        </a:fillRef>
+        <a:effectRef idx="0">
+          <a:scrgbClr r="0" g="0" b="0"/>
+        </a:effectRef>
+        <a:fontRef idx="minor"/>
+      </dsp:style>
+      <dsp:txBody>
+        <a:bodyPr spcFirstLastPara="0" vert="horz" wrap="square" lIns="45720" tIns="45720" rIns="45720" bIns="45720" numCol="1" spcCol="1270" anchor="ctr" anchorCtr="0">
+          <a:noAutofit/>
+        </a:bodyPr>
+        <a:lstStyle/>
+        <a:p>
+          <a:pPr marL="0" lvl="0" indent="0" algn="ctr" defTabSz="1600200">
+            <a:lnSpc>
+              <a:spcPct val="90000"/>
+            </a:lnSpc>
+            <a:spcBef>
+              <a:spcPct val="0"/>
+            </a:spcBef>
+            <a:spcAft>
+              <a:spcPct val="35000"/>
+            </a:spcAft>
+            <a:buNone/>
+          </a:pPr>
+          <a:endParaRPr lang="en-US" sz="3600" kern="1200"/>
+        </a:p>
+      </dsp:txBody>
+      <dsp:txXfrm>
+        <a:off x="7640352" y="1539285"/>
+        <a:ext cx="700022" cy="957756"/>
       </dsp:txXfrm>
     </dsp:sp>
   </dsp:spTree>
@@ -7562,6 +8706,1232 @@
 </dgm:layoutDef>
 </file>
 
+<file path=ppt/diagrams/layout4.xml><?xml version="1.0" encoding="utf-8"?>
+<dgm:layoutDef xmlns:dgm="http://schemas.openxmlformats.org/drawingml/2006/diagram" xmlns:a="http://schemas.openxmlformats.org/drawingml/2006/main" uniqueId="urn:microsoft.com/office/officeart/2005/8/layout/vProcess5">
+  <dgm:title val=""/>
+  <dgm:desc val=""/>
+  <dgm:catLst>
+    <dgm:cat type="process" pri="14000"/>
+  </dgm:catLst>
+  <dgm:sampData>
+    <dgm:dataModel>
+      <dgm:ptLst>
+        <dgm:pt modelId="0" type="doc"/>
+        <dgm:pt modelId="1">
+          <dgm:prSet phldr="1"/>
+        </dgm:pt>
+        <dgm:pt modelId="2">
+          <dgm:prSet phldr="1"/>
+        </dgm:pt>
+        <dgm:pt modelId="3">
+          <dgm:prSet phldr="1"/>
+        </dgm:pt>
+      </dgm:ptLst>
+      <dgm:cxnLst>
+        <dgm:cxn modelId="5" srcId="0" destId="1" srcOrd="0" destOrd="0"/>
+        <dgm:cxn modelId="6" srcId="0" destId="2" srcOrd="1" destOrd="0"/>
+        <dgm:cxn modelId="7" srcId="0" destId="3" srcOrd="2" destOrd="0"/>
+      </dgm:cxnLst>
+      <dgm:bg/>
+      <dgm:whole/>
+    </dgm:dataModel>
+  </dgm:sampData>
+  <dgm:styleData>
+    <dgm:dataModel>
+      <dgm:ptLst>
+        <dgm:pt modelId="0" type="doc"/>
+        <dgm:pt modelId="1"/>
+        <dgm:pt modelId="2"/>
+      </dgm:ptLst>
+      <dgm:cxnLst>
+        <dgm:cxn modelId="3" srcId="0" destId="1" srcOrd="0" destOrd="0"/>
+        <dgm:cxn modelId="4" srcId="0" destId="2" srcOrd="1" destOrd="0"/>
+      </dgm:cxnLst>
+      <dgm:bg/>
+      <dgm:whole/>
+    </dgm:dataModel>
+  </dgm:styleData>
+  <dgm:clrData>
+    <dgm:dataModel>
+      <dgm:ptLst>
+        <dgm:pt modelId="0" type="doc"/>
+        <dgm:pt modelId="1"/>
+        <dgm:pt modelId="2"/>
+        <dgm:pt modelId="3"/>
+        <dgm:pt modelId="4"/>
+      </dgm:ptLst>
+      <dgm:cxnLst>
+        <dgm:cxn modelId="6" srcId="0" destId="1" srcOrd="0" destOrd="0"/>
+        <dgm:cxn modelId="7" srcId="0" destId="2" srcOrd="1" destOrd="0"/>
+        <dgm:cxn modelId="8" srcId="0" destId="3" srcOrd="2" destOrd="0"/>
+        <dgm:cxn modelId="9" srcId="0" destId="4" srcOrd="3" destOrd="0"/>
+      </dgm:cxnLst>
+      <dgm:bg/>
+      <dgm:whole/>
+    </dgm:dataModel>
+  </dgm:clrData>
+  <dgm:layoutNode name="outerComposite">
+    <dgm:varLst>
+      <dgm:chMax val="5"/>
+      <dgm:dir/>
+      <dgm:resizeHandles val="exact"/>
+    </dgm:varLst>
+    <dgm:alg type="composite"/>
+    <dgm:shape xmlns:r="http://schemas.openxmlformats.org/officeDocument/2006/relationships" r:blip="">
+      <dgm:adjLst/>
+    </dgm:shape>
+    <dgm:presOf/>
+    <dgm:choose name="Name0">
+      <dgm:if name="Name1" func="var" arg="dir" op="equ" val="norm">
+        <dgm:constrLst>
+          <dgm:constr type="primFontSz" for="ch" ptType="node" op="equ" val="65"/>
+          <dgm:constr type="w" for="ch" forName="dummyMaxCanvas" refType="w"/>
+          <dgm:constr type="h" for="ch" forName="dummyMaxCanvas" refType="h"/>
+          <dgm:constr type="w" for="ch" forName="OneNode_1" refType="w"/>
+          <dgm:constr type="h" for="ch" forName="OneNode_1" refType="h" fact="0.5"/>
+          <dgm:constr type="ctrY" for="ch" forName="OneNode_1" refType="h" fact="0.5"/>
+          <dgm:constr type="w" for="ch" forName="TwoNodes_1" refType="w" fact="0.85"/>
+          <dgm:constr type="h" for="ch" forName="TwoNodes_1" refType="h" fact="0.45"/>
+          <dgm:constr type="t" for="ch" forName="TwoNodes_1"/>
+          <dgm:constr type="l" for="ch" forName="TwoNodes_1"/>
+          <dgm:constr type="w" for="ch" forName="TwoNodes_2" refType="w" fact="0.85"/>
+          <dgm:constr type="h" for="ch" forName="TwoNodes_2" refType="h" fact="0.45"/>
+          <dgm:constr type="b" for="ch" forName="TwoNodes_2" refType="h"/>
+          <dgm:constr type="r" for="ch" forName="TwoNodes_2" refType="w"/>
+          <dgm:constr type="w" for="ch" forName="TwoConn_1-2" refType="h" refFor="ch" refForName="TwoNodes_1" fact="0.65"/>
+          <dgm:constr type="h" for="ch" forName="TwoConn_1-2" refType="h" refFor="ch" refForName="TwoNodes_1" fact="0.65"/>
+          <dgm:constr type="ctrY" for="ch" forName="TwoConn_1-2" refType="h" fact="0.5"/>
+          <dgm:constr type="r" for="ch" forName="TwoConn_1-2" refType="r" refFor="ch" refForName="TwoNodes_1"/>
+          <dgm:constr type="r" for="ch" forName="TwoNodes_1_text" refType="l" refFor="ch" refForName="TwoConn_1-2"/>
+          <dgm:constr type="rOff" for="ch" forName="TwoNodes_1_text" refType="w" refFor="ch" refForName="TwoConn_1-2" fact="-0.5"/>
+          <dgm:constr type="t" for="ch" forName="TwoNodes_1_text" refType="t" refFor="ch" refForName="TwoNodes_1"/>
+          <dgm:constr type="b" for="ch" forName="TwoNodes_1_text" refType="b" refFor="ch" refForName="TwoNodes_1"/>
+          <dgm:constr type="l" for="ch" forName="TwoNodes_1_text" refType="l" refFor="ch" refForName="TwoNodes_1"/>
+          <dgm:constr type="r" for="ch" forName="TwoNodes_2_text" refType="l" refFor="ch" refForName="TwoConn_1-2"/>
+          <dgm:constr type="t" for="ch" forName="TwoNodes_2_text" refType="t" refFor="ch" refForName="TwoNodes_2"/>
+          <dgm:constr type="b" for="ch" forName="TwoNodes_2_text" refType="b" refFor="ch" refForName="TwoNodes_2"/>
+          <dgm:constr type="l" for="ch" forName="TwoNodes_2_text" refType="l" refFor="ch" refForName="TwoNodes_2"/>
+          <dgm:constr type="w" for="ch" forName="ThreeNodes_1" refType="w" fact="0.85"/>
+          <dgm:constr type="h" for="ch" forName="ThreeNodes_1" refType="h" fact="0.3"/>
+          <dgm:constr type="t" for="ch" forName="ThreeNodes_1"/>
+          <dgm:constr type="l" for="ch" forName="ThreeNodes_1"/>
+          <dgm:constr type="w" for="ch" forName="ThreeNodes_2" refType="w" fact="0.85"/>
+          <dgm:constr type="h" for="ch" forName="ThreeNodes_2" refType="h" fact="0.3"/>
+          <dgm:constr type="ctrY" for="ch" forName="ThreeNodes_2" refType="h" fact="0.5"/>
+          <dgm:constr type="ctrX" for="ch" forName="ThreeNodes_2" refType="w" fact="0.5"/>
+          <dgm:constr type="w" for="ch" forName="ThreeNodes_3" refType="w" fact="0.85"/>
+          <dgm:constr type="h" for="ch" forName="ThreeNodes_3" refType="h" fact="0.3"/>
+          <dgm:constr type="b" for="ch" forName="ThreeNodes_3" refType="h"/>
+          <dgm:constr type="r" for="ch" forName="ThreeNodes_3" refType="w"/>
+          <dgm:constr type="w" for="ch" forName="ThreeConn_1-2" refType="h" refFor="ch" refForName="ThreeNodes_1" fact="0.65"/>
+          <dgm:constr type="h" for="ch" forName="ThreeConn_1-2" refType="h" refFor="ch" refForName="ThreeNodes_1" fact="0.65"/>
+          <dgm:constr type="ctrY" for="ch" forName="ThreeConn_1-2" refType="h" fact="0.325"/>
+          <dgm:constr type="r" for="ch" forName="ThreeConn_1-2" refType="r" refFor="ch" refForName="ThreeNodes_1"/>
+          <dgm:constr type="w" for="ch" forName="ThreeConn_2-3" refType="h" refFor="ch" refForName="ThreeNodes_2" fact="0.65"/>
+          <dgm:constr type="h" for="ch" forName="ThreeConn_2-3" refType="h" refFor="ch" refForName="ThreeNodes_2" fact="0.65"/>
+          <dgm:constr type="ctrY" for="ch" forName="ThreeConn_2-3" refType="h" fact="0.673"/>
+          <dgm:constr type="r" for="ch" forName="ThreeConn_2-3" refType="r" refFor="ch" refForName="ThreeNodes_2"/>
+          <dgm:constr type="r" for="ch" forName="ThreeNodes_1_text" refType="l" refFor="ch" refForName="ThreeConn_1-2"/>
+          <dgm:constr type="rOff" for="ch" forName="ThreeNodes_1_text" refType="w" refFor="ch" refForName="ThreeConn_1-2" fact="-0.57"/>
+          <dgm:constr type="t" for="ch" forName="ThreeNodes_1_text" refType="t" refFor="ch" refForName="ThreeNodes_1"/>
+          <dgm:constr type="b" for="ch" forName="ThreeNodes_1_text" refType="b" refFor="ch" refForName="ThreeNodes_1"/>
+          <dgm:constr type="l" for="ch" forName="ThreeNodes_1_text" refType="l" refFor="ch" refForName="ThreeNodes_1"/>
+          <dgm:constr type="r" for="ch" forName="ThreeNodes_2_text" refType="l" refFor="ch" refForName="ThreeConn_1-2"/>
+          <dgm:constr type="t" for="ch" forName="ThreeNodes_2_text" refType="t" refFor="ch" refForName="ThreeNodes_2"/>
+          <dgm:constr type="b" for="ch" forName="ThreeNodes_2_text" refType="b" refFor="ch" refForName="ThreeNodes_2"/>
+          <dgm:constr type="l" for="ch" forName="ThreeNodes_2_text" refType="l" refFor="ch" refForName="ThreeNodes_2"/>
+          <dgm:constr type="r" for="ch" forName="ThreeNodes_3_text" refType="l" refFor="ch" refForName="ThreeConn_2-3"/>
+          <dgm:constr type="t" for="ch" forName="ThreeNodes_3_text" refType="t" refFor="ch" refForName="ThreeNodes_3"/>
+          <dgm:constr type="b" for="ch" forName="ThreeNodes_3_text" refType="b" refFor="ch" refForName="ThreeNodes_3"/>
+          <dgm:constr type="l" for="ch" forName="ThreeNodes_3_text" refType="l" refFor="ch" refForName="ThreeNodes_3"/>
+          <dgm:constr type="w" for="ch" forName="FourNodes_1" refType="w" fact="0.8"/>
+          <dgm:constr type="h" for="ch" forName="FourNodes_1" refType="h" fact="0.22"/>
+          <dgm:constr type="t" for="ch" forName="FourNodes_1"/>
+          <dgm:constr type="l" for="ch" forName="FourNodes_1"/>
+          <dgm:constr type="w" for="ch" forName="FourNodes_2" refType="w" fact="0.8"/>
+          <dgm:constr type="h" for="ch" forName="FourNodes_2" refType="h" fact="0.22"/>
+          <dgm:constr type="ctrY" for="ch" forName="FourNodes_2" refType="h" fact="0.37"/>
+          <dgm:constr type="ctrX" for="ch" forName="FourNodes_2" refType="w" fact="0.467"/>
+          <dgm:constr type="w" for="ch" forName="FourNodes_3" refType="w" fact="0.8"/>
+          <dgm:constr type="h" for="ch" forName="FourNodes_3" refType="h" fact="0.22"/>
+          <dgm:constr type="ctrY" for="ch" forName="FourNodes_3" refType="h" fact="0.63"/>
+          <dgm:constr type="ctrX" for="ch" forName="FourNodes_3" refType="w" fact="0.533"/>
+          <dgm:constr type="w" for="ch" forName="FourNodes_4" refType="w" fact="0.8"/>
+          <dgm:constr type="h" for="ch" forName="FourNodes_4" refType="h" fact="0.22"/>
+          <dgm:constr type="b" for="ch" forName="FourNodes_4" refType="h"/>
+          <dgm:constr type="r" for="ch" forName="FourNodes_4" refType="w"/>
+          <dgm:constr type="w" for="ch" forName="FourConn_1-2" refType="h" refFor="ch" refForName="FourNodes_1" fact="0.65"/>
+          <dgm:constr type="h" for="ch" forName="FourConn_1-2" refType="h" refFor="ch" refForName="FourNodes_1" fact="0.65"/>
+          <dgm:constr type="ctrY" for="ch" forName="FourConn_1-2" refType="h" fact="0.24"/>
+          <dgm:constr type="r" for="ch" forName="FourConn_1-2" refType="r" refFor="ch" refForName="FourNodes_1"/>
+          <dgm:constr type="w" for="ch" forName="FourConn_2-3" refType="h" refFor="ch" refForName="FourNodes_2" fact="0.65"/>
+          <dgm:constr type="h" for="ch" forName="FourConn_2-3" refType="h" refFor="ch" refForName="FourNodes_2" fact="0.65"/>
+          <dgm:constr type="ctrY" for="ch" forName="FourConn_2-3" refType="h" fact="0.5"/>
+          <dgm:constr type="r" for="ch" forName="FourConn_2-3" refType="r" refFor="ch" refForName="FourNodes_2"/>
+          <dgm:constr type="w" for="ch" forName="FourConn_3-4" refType="h" refFor="ch" refForName="FourNodes_3" fact="0.65"/>
+          <dgm:constr type="h" for="ch" forName="FourConn_3-4" refType="h" refFor="ch" refForName="FourNodes_3" fact="0.65"/>
+          <dgm:constr type="ctrY" for="ch" forName="FourConn_3-4" refType="h" fact="0.76"/>
+          <dgm:constr type="r" for="ch" forName="FourConn_3-4" refType="r" refFor="ch" refForName="FourNodes_3"/>
+          <dgm:constr type="r" for="ch" forName="FourNodes_1_text" refType="l" refFor="ch" refForName="FourConn_1-2"/>
+          <dgm:constr type="rOff" for="ch" forName="FourNodes_1_text" refType="w" refFor="ch" refForName="FourConn_1-2" fact="-0.7"/>
+          <dgm:constr type="t" for="ch" forName="FourNodes_1_text" refType="t" refFor="ch" refForName="FourNodes_1"/>
+          <dgm:constr type="b" for="ch" forName="FourNodes_1_text" refType="b" refFor="ch" refForName="FourNodes_1"/>
+          <dgm:constr type="l" for="ch" forName="FourNodes_1_text" refType="l" refFor="ch" refForName="FourNodes_1"/>
+          <dgm:constr type="r" for="ch" forName="FourNodes_2_text" refType="l" refFor="ch" refForName="FourConn_1-2"/>
+          <dgm:constr type="t" for="ch" forName="FourNodes_2_text" refType="t" refFor="ch" refForName="FourNodes_2"/>
+          <dgm:constr type="b" for="ch" forName="FourNodes_2_text" refType="b" refFor="ch" refForName="FourNodes_2"/>
+          <dgm:constr type="l" for="ch" forName="FourNodes_2_text" refType="l" refFor="ch" refForName="FourNodes_2"/>
+          <dgm:constr type="r" for="ch" forName="FourNodes_3_text" refType="l" refFor="ch" refForName="FourConn_2-3"/>
+          <dgm:constr type="t" for="ch" forName="FourNodes_3_text" refType="t" refFor="ch" refForName="FourNodes_3"/>
+          <dgm:constr type="b" for="ch" forName="FourNodes_3_text" refType="b" refFor="ch" refForName="FourNodes_3"/>
+          <dgm:constr type="l" for="ch" forName="FourNodes_3_text" refType="l" refFor="ch" refForName="FourNodes_3"/>
+          <dgm:constr type="r" for="ch" forName="FourNodes_4_text" refType="l" refFor="ch" refForName="FourConn_3-4"/>
+          <dgm:constr type="t" for="ch" forName="FourNodes_4_text" refType="t" refFor="ch" refForName="FourNodes_4"/>
+          <dgm:constr type="b" for="ch" forName="FourNodes_4_text" refType="b" refFor="ch" refForName="FourNodes_4"/>
+          <dgm:constr type="l" for="ch" forName="FourNodes_4_text" refType="l" refFor="ch" refForName="FourNodes_4"/>
+          <dgm:constr type="w" for="ch" forName="FiveNodes_1" refType="w" fact="0.77"/>
+          <dgm:constr type="h" for="ch" forName="FiveNodes_1" refType="h" fact="0.18"/>
+          <dgm:constr type="t" for="ch" forName="FiveNodes_1"/>
+          <dgm:constr type="l" for="ch" forName="FiveNodes_1"/>
+          <dgm:constr type="w" for="ch" forName="FiveNodes_2" refType="w" fact="0.77"/>
+          <dgm:constr type="h" for="ch" forName="FiveNodes_2" refType="h" fact="0.18"/>
+          <dgm:constr type="ctrY" for="ch" forName="FiveNodes_2" refType="h" fact="0.295"/>
+          <dgm:constr type="ctrX" for="ch" forName="FiveNodes_2" refType="w" fact="0.4425"/>
+          <dgm:constr type="w" for="ch" forName="FiveNodes_3" refType="w" fact="0.77"/>
+          <dgm:constr type="h" for="ch" forName="FiveNodes_3" refType="h" fact="0.18"/>
+          <dgm:constr type="ctrY" for="ch" forName="FiveNodes_3" refType="h" fact="0.5"/>
+          <dgm:constr type="ctrX" for="ch" forName="FiveNodes_3" refType="w" fact="0.5"/>
+          <dgm:constr type="w" for="ch" forName="FiveNodes_4" refType="w" fact="0.77"/>
+          <dgm:constr type="h" for="ch" forName="FiveNodes_4" refType="h" fact="0.18"/>
+          <dgm:constr type="ctrY" for="ch" forName="FiveNodes_4" refType="h" fact="0.705"/>
+          <dgm:constr type="ctrX" for="ch" forName="FiveNodes_4" refType="w" fact="0.5575"/>
+          <dgm:constr type="w" for="ch" forName="FiveNodes_5" refType="w" fact="0.77"/>
+          <dgm:constr type="h" for="ch" forName="FiveNodes_5" refType="h" fact="0.18"/>
+          <dgm:constr type="b" for="ch" forName="FiveNodes_5" refType="h"/>
+          <dgm:constr type="r" for="ch" forName="FiveNodes_5" refType="w"/>
+          <dgm:constr type="w" for="ch" forName="FiveConn_1-2" refType="h" refFor="ch" refForName="FiveNodes_1" fact="0.65"/>
+          <dgm:constr type="h" for="ch" forName="FiveConn_1-2" refType="h" refFor="ch" refForName="FiveNodes_1" fact="0.65"/>
+          <dgm:constr type="ctrY" for="ch" forName="FiveConn_1-2" refType="h" fact="0.19"/>
+          <dgm:constr type="r" for="ch" forName="FiveConn_1-2" refType="r" refFor="ch" refForName="FiveNodes_1"/>
+          <dgm:constr type="w" for="ch" forName="FiveConn_2-3" refType="h" refFor="ch" refForName="FiveNodes_2" fact="0.65"/>
+          <dgm:constr type="h" for="ch" forName="FiveConn_2-3" refType="h" refFor="ch" refForName="FiveNodes_2" fact="0.65"/>
+          <dgm:constr type="ctrY" for="ch" forName="FiveConn_2-3" refType="h" fact="0.395"/>
+          <dgm:constr type="r" for="ch" forName="FiveConn_2-3" refType="r" refFor="ch" refForName="FiveNodes_2"/>
+          <dgm:constr type="w" for="ch" forName="FiveConn_3-4" refType="h" refFor="ch" refForName="FiveNodes_3" fact="0.65"/>
+          <dgm:constr type="h" for="ch" forName="FiveConn_3-4" refType="h" refFor="ch" refForName="FiveNodes_3" fact="0.65"/>
+          <dgm:constr type="ctrY" for="ch" forName="FiveConn_3-4" refType="h" fact="0.597"/>
+          <dgm:constr type="r" for="ch" forName="FiveConn_3-4" refType="r" refFor="ch" refForName="FiveNodes_3"/>
+          <dgm:constr type="w" for="ch" forName="FiveConn_4-5" refType="h" refFor="ch" refForName="FiveNodes_4" fact="0.65"/>
+          <dgm:constr type="h" for="ch" forName="FiveConn_4-5" refType="h" refFor="ch" refForName="FiveNodes_4" fact="0.65"/>
+          <dgm:constr type="ctrY" for="ch" forName="FiveConn_4-5" refType="h" fact="0.804"/>
+          <dgm:constr type="r" for="ch" forName="FiveConn_4-5" refType="r" refFor="ch" refForName="FiveNodes_4"/>
+          <dgm:constr type="r" for="ch" forName="FiveNodes_1_text" refType="l" refFor="ch" refForName="FiveConn_1-2"/>
+          <dgm:constr type="rOff" for="ch" forName="FiveNodes_1_text" refType="w" refFor="ch" refForName="FiveConn_1-2" fact="-0.75"/>
+          <dgm:constr type="t" for="ch" forName="FiveNodes_1_text" refType="t" refFor="ch" refForName="FiveNodes_1"/>
+          <dgm:constr type="b" for="ch" forName="FiveNodes_1_text" refType="b" refFor="ch" refForName="FiveNodes_1"/>
+          <dgm:constr type="l" for="ch" forName="FiveNodes_1_text" refType="l" refFor="ch" refForName="FiveNodes_1"/>
+          <dgm:constr type="r" for="ch" forName="FiveNodes_2_text" refType="l" refFor="ch" refForName="FiveConn_1-2"/>
+          <dgm:constr type="t" for="ch" forName="FiveNodes_2_text" refType="t" refFor="ch" refForName="FiveNodes_2"/>
+          <dgm:constr type="b" for="ch" forName="FiveNodes_2_text" refType="b" refFor="ch" refForName="FiveNodes_2"/>
+          <dgm:constr type="l" for="ch" forName="FiveNodes_2_text" refType="l" refFor="ch" refForName="FiveNodes_2"/>
+          <dgm:constr type="r" for="ch" forName="FiveNodes_3_text" refType="l" refFor="ch" refForName="FiveConn_2-3"/>
+          <dgm:constr type="t" for="ch" forName="FiveNodes_3_text" refType="t" refFor="ch" refForName="FiveNodes_3"/>
+          <dgm:constr type="b" for="ch" forName="FiveNodes_3_text" refType="b" refFor="ch" refForName="FiveNodes_3"/>
+          <dgm:constr type="l" for="ch" forName="FiveNodes_3_text" refType="l" refFor="ch" refForName="FiveNodes_3"/>
+          <dgm:constr type="r" for="ch" forName="FiveNodes_4_text" refType="l" refFor="ch" refForName="FiveConn_3-4"/>
+          <dgm:constr type="t" for="ch" forName="FiveNodes_4_text" refType="t" refFor="ch" refForName="FiveNodes_4"/>
+          <dgm:constr type="b" for="ch" forName="FiveNodes_4_text" refType="b" refFor="ch" refForName="FiveNodes_4"/>
+          <dgm:constr type="l" for="ch" forName="FiveNodes_4_text" refType="l" refFor="ch" refForName="FiveNodes_4"/>
+          <dgm:constr type="r" for="ch" forName="FiveNodes_5_text" refType="l" refFor="ch" refForName="FiveConn_4-5"/>
+          <dgm:constr type="t" for="ch" forName="FiveNodes_5_text" refType="t" refFor="ch" refForName="FiveNodes_5"/>
+          <dgm:constr type="b" for="ch" forName="FiveNodes_5_text" refType="b" refFor="ch" refForName="FiveNodes_5"/>
+          <dgm:constr type="l" for="ch" forName="FiveNodes_5_text" refType="l" refFor="ch" refForName="FiveNodes_5"/>
+        </dgm:constrLst>
+      </dgm:if>
+      <dgm:else name="Name2">
+        <dgm:constrLst>
+          <dgm:constr type="primFontSz" for="ch" ptType="node" op="equ" val="65"/>
+          <dgm:constr type="w" for="ch" forName="dummyMaxCanvas" refType="w"/>
+          <dgm:constr type="h" for="ch" forName="dummyMaxCanvas" refType="h"/>
+          <dgm:constr type="w" for="ch" forName="OneNode_1" refType="w"/>
+          <dgm:constr type="h" for="ch" forName="OneNode_1" refType="h" fact="0.5"/>
+          <dgm:constr type="ctrY" for="ch" forName="OneNode_1" refType="h" fact="0.5"/>
+          <dgm:constr type="w" for="ch" forName="TwoNodes_1" refType="w" fact="0.85"/>
+          <dgm:constr type="h" for="ch" forName="TwoNodes_1" refType="h" fact="0.45"/>
+          <dgm:constr type="t" for="ch" forName="TwoNodes_1"/>
+          <dgm:constr type="r" for="ch" forName="TwoNodes_1" refType="w"/>
+          <dgm:constr type="w" for="ch" forName="TwoNodes_2" refType="w" fact="0.85"/>
+          <dgm:constr type="h" for="ch" forName="TwoNodes_2" refType="h" fact="0.45"/>
+          <dgm:constr type="b" for="ch" forName="TwoNodes_2" refType="h"/>
+          <dgm:constr type="l" for="ch" forName="TwoNodes_2"/>
+          <dgm:constr type="w" for="ch" forName="TwoConn_1-2" refType="h" refFor="ch" refForName="TwoNodes_1" fact="0.65"/>
+          <dgm:constr type="h" for="ch" forName="TwoConn_1-2" refType="h" refFor="ch" refForName="TwoNodes_1" fact="0.65"/>
+          <dgm:constr type="ctrY" for="ch" forName="TwoConn_1-2" refType="h" fact="0.5"/>
+          <dgm:constr type="l" for="ch" forName="TwoConn_1-2" refType="l" refFor="ch" refForName="TwoNodes_1"/>
+          <dgm:constr type="l" for="ch" forName="TwoNodes_1_text" refType="r" refFor="ch" refForName="TwoConn_1-2"/>
+          <dgm:constr type="lOff" for="ch" forName="TwoNodes_1_text" refType="w" refFor="ch" refForName="TwoConn_1-2" fact="0.5"/>
+          <dgm:constr type="t" for="ch" forName="TwoNodes_1_text" refType="t" refFor="ch" refForName="TwoNodes_1"/>
+          <dgm:constr type="b" for="ch" forName="TwoNodes_1_text" refType="b" refFor="ch" refForName="TwoNodes_1"/>
+          <dgm:constr type="r" for="ch" forName="TwoNodes_1_text" refType="r" refFor="ch" refForName="TwoNodes_1"/>
+          <dgm:constr type="l" for="ch" forName="TwoNodes_2_text" refType="r" refFor="ch" refForName="TwoConn_1-2"/>
+          <dgm:constr type="t" for="ch" forName="TwoNodes_2_text" refType="t" refFor="ch" refForName="TwoNodes_2"/>
+          <dgm:constr type="b" for="ch" forName="TwoNodes_2_text" refType="b" refFor="ch" refForName="TwoNodes_2"/>
+          <dgm:constr type="r" for="ch" forName="TwoNodes_2_text" refType="r" refFor="ch" refForName="TwoNodes_2"/>
+          <dgm:constr type="w" for="ch" forName="ThreeNodes_1" refType="w" fact="0.85"/>
+          <dgm:constr type="h" for="ch" forName="ThreeNodes_1" refType="h" fact="0.3"/>
+          <dgm:constr type="t" for="ch" forName="ThreeNodes_1"/>
+          <dgm:constr type="r" for="ch" forName="ThreeNodes_1" refType="w"/>
+          <dgm:constr type="w" for="ch" forName="ThreeNodes_2" refType="w" fact="0.85"/>
+          <dgm:constr type="h" for="ch" forName="ThreeNodes_2" refType="h" fact="0.3"/>
+          <dgm:constr type="ctrY" for="ch" forName="ThreeNodes_2" refType="h" fact="0.5"/>
+          <dgm:constr type="ctrX" for="ch" forName="ThreeNodes_2" refType="w" fact="0.5"/>
+          <dgm:constr type="w" for="ch" forName="ThreeNodes_3" refType="w" fact="0.85"/>
+          <dgm:constr type="h" for="ch" forName="ThreeNodes_3" refType="h" fact="0.3"/>
+          <dgm:constr type="b" for="ch" forName="ThreeNodes_3" refType="h"/>
+          <dgm:constr type="l" for="ch" forName="ThreeNodes_3"/>
+          <dgm:constr type="w" for="ch" forName="ThreeConn_1-2" refType="h" refFor="ch" refForName="ThreeNodes_1" fact="0.65"/>
+          <dgm:constr type="h" for="ch" forName="ThreeConn_1-2" refType="h" refFor="ch" refForName="ThreeNodes_1" fact="0.65"/>
+          <dgm:constr type="ctrY" for="ch" forName="ThreeConn_1-2" refType="h" fact="0.325"/>
+          <dgm:constr type="l" for="ch" forName="ThreeConn_1-2" refType="l" refFor="ch" refForName="ThreeNodes_1"/>
+          <dgm:constr type="w" for="ch" forName="ThreeConn_2-3" refType="h" refFor="ch" refForName="ThreeNodes_2" fact="0.65"/>
+          <dgm:constr type="h" for="ch" forName="ThreeConn_2-3" refType="h" refFor="ch" refForName="ThreeNodes_2" fact="0.65"/>
+          <dgm:constr type="ctrY" for="ch" forName="ThreeConn_2-3" refType="h" fact="0.673"/>
+          <dgm:constr type="l" for="ch" forName="ThreeConn_2-3" refType="l" refFor="ch" refForName="ThreeNodes_2"/>
+          <dgm:constr type="l" for="ch" forName="ThreeNodes_1_text" refType="r" refFor="ch" refForName="ThreeConn_1-2"/>
+          <dgm:constr type="lOff" for="ch" forName="ThreeNodes_1_text" refType="w" refFor="ch" refForName="ThreeConn_1-2" fact="0.55"/>
+          <dgm:constr type="t" for="ch" forName="ThreeNodes_1_text" refType="t" refFor="ch" refForName="ThreeNodes_1"/>
+          <dgm:constr type="b" for="ch" forName="ThreeNodes_1_text" refType="b" refFor="ch" refForName="ThreeNodes_1"/>
+          <dgm:constr type="r" for="ch" forName="ThreeNodes_1_text" refType="r" refFor="ch" refForName="ThreeNodes_1"/>
+          <dgm:constr type="l" for="ch" forName="ThreeNodes_2_text" refType="r" refFor="ch" refForName="ThreeConn_1-2"/>
+          <dgm:constr type="t" for="ch" forName="ThreeNodes_2_text" refType="t" refFor="ch" refForName="ThreeNodes_2"/>
+          <dgm:constr type="b" for="ch" forName="ThreeNodes_2_text" refType="b" refFor="ch" refForName="ThreeNodes_2"/>
+          <dgm:constr type="r" for="ch" forName="ThreeNodes_2_text" refType="r" refFor="ch" refForName="ThreeNodes_2"/>
+          <dgm:constr type="l" for="ch" forName="ThreeNodes_3_text" refType="r" refFor="ch" refForName="ThreeConn_2-3"/>
+          <dgm:constr type="t" for="ch" forName="ThreeNodes_3_text" refType="t" refFor="ch" refForName="ThreeNodes_3"/>
+          <dgm:constr type="b" for="ch" forName="ThreeNodes_3_text" refType="b" refFor="ch" refForName="ThreeNodes_3"/>
+          <dgm:constr type="r" for="ch" forName="ThreeNodes_3_text" refType="r" refFor="ch" refForName="ThreeNodes_3"/>
+          <dgm:constr type="w" for="ch" forName="FourNodes_1" refType="w" fact="0.8"/>
+          <dgm:constr type="h" for="ch" forName="FourNodes_1" refType="h" fact="0.22"/>
+          <dgm:constr type="t" for="ch" forName="FourNodes_1"/>
+          <dgm:constr type="r" for="ch" forName="FourNodes_1" refType="w"/>
+          <dgm:constr type="w" for="ch" forName="FourNodes_2" refType="w" fact="0.8"/>
+          <dgm:constr type="h" for="ch" forName="FourNodes_2" refType="h" fact="0.22"/>
+          <dgm:constr type="ctrY" for="ch" forName="FourNodes_2" refType="h" fact="0.37"/>
+          <dgm:constr type="ctrX" for="ch" forName="FourNodes_2" refType="w" fact="0.533"/>
+          <dgm:constr type="w" for="ch" forName="FourNodes_3" refType="w" fact="0.8"/>
+          <dgm:constr type="h" for="ch" forName="FourNodes_3" refType="h" fact="0.22"/>
+          <dgm:constr type="ctrY" for="ch" forName="FourNodes_3" refType="h" fact="0.63"/>
+          <dgm:constr type="ctrX" for="ch" forName="FourNodes_3" refType="w" fact="0.467"/>
+          <dgm:constr type="w" for="ch" forName="FourNodes_4" refType="w" fact="0.8"/>
+          <dgm:constr type="h" for="ch" forName="FourNodes_4" refType="h" fact="0.22"/>
+          <dgm:constr type="b" for="ch" forName="FourNodes_4" refType="h"/>
+          <dgm:constr type="l" for="ch" forName="FourNodes_4"/>
+          <dgm:constr type="w" for="ch" forName="FourConn_1-2" refType="h" refFor="ch" refForName="FourNodes_1" fact="0.65"/>
+          <dgm:constr type="h" for="ch" forName="FourConn_1-2" refType="h" refFor="ch" refForName="FourNodes_1" fact="0.65"/>
+          <dgm:constr type="ctrY" for="ch" forName="FourConn_1-2" refType="h" fact="0.24"/>
+          <dgm:constr type="l" for="ch" forName="FourConn_1-2" refType="l" refFor="ch" refForName="FourNodes_1"/>
+          <dgm:constr type="w" for="ch" forName="FourConn_2-3" refType="h" refFor="ch" refForName="FourNodes_2" fact="0.65"/>
+          <dgm:constr type="h" for="ch" forName="FourConn_2-3" refType="h" refFor="ch" refForName="FourNodes_2" fact="0.65"/>
+          <dgm:constr type="ctrY" for="ch" forName="FourConn_2-3" refType="h" fact="0.5"/>
+          <dgm:constr type="l" for="ch" forName="FourConn_2-3" refType="l" refFor="ch" refForName="FourNodes_2"/>
+          <dgm:constr type="w" for="ch" forName="FourConn_3-4" refType="h" refFor="ch" refForName="FourNodes_3" fact="0.65"/>
+          <dgm:constr type="h" for="ch" forName="FourConn_3-4" refType="h" refFor="ch" refForName="FourNodes_3" fact="0.65"/>
+          <dgm:constr type="ctrY" for="ch" forName="FourConn_3-4" refType="h" fact="0.76"/>
+          <dgm:constr type="l" for="ch" forName="FourConn_3-4" refType="l" refFor="ch" refForName="FourNodes_3"/>
+          <dgm:constr type="l" for="ch" forName="FourNodes_1_text" refType="r" refFor="ch" refForName="FourConn_1-2"/>
+          <dgm:constr type="lOff" for="ch" forName="FourNodes_1_text" refType="w" refFor="ch" refForName="FourConn_1-2" fact="0.69"/>
+          <dgm:constr type="t" for="ch" forName="FourNodes_1_text" refType="t" refFor="ch" refForName="FourNodes_1"/>
+          <dgm:constr type="b" for="ch" forName="FourNodes_1_text" refType="b" refFor="ch" refForName="FourNodes_1"/>
+          <dgm:constr type="r" for="ch" forName="FourNodes_1_text" refType="r" refFor="ch" refForName="FourNodes_1"/>
+          <dgm:constr type="l" for="ch" forName="FourNodes_2_text" refType="r" refFor="ch" refForName="FourConn_1-2"/>
+          <dgm:constr type="t" for="ch" forName="FourNodes_2_text" refType="t" refFor="ch" refForName="FourNodes_2"/>
+          <dgm:constr type="b" for="ch" forName="FourNodes_2_text" refType="b" refFor="ch" refForName="FourNodes_2"/>
+          <dgm:constr type="r" for="ch" forName="FourNodes_2_text" refType="r" refFor="ch" refForName="FourNodes_2"/>
+          <dgm:constr type="l" for="ch" forName="FourNodes_3_text" refType="r" refFor="ch" refForName="FourConn_2-3"/>
+          <dgm:constr type="t" for="ch" forName="FourNodes_3_text" refType="t" refFor="ch" refForName="FourNodes_3"/>
+          <dgm:constr type="b" for="ch" forName="FourNodes_3_text" refType="b" refFor="ch" refForName="FourNodes_3"/>
+          <dgm:constr type="r" for="ch" forName="FourNodes_3_text" refType="r" refFor="ch" refForName="FourNodes_3"/>
+          <dgm:constr type="l" for="ch" forName="FourNodes_4_text" refType="r" refFor="ch" refForName="FourConn_3-4"/>
+          <dgm:constr type="t" for="ch" forName="FourNodes_4_text" refType="t" refFor="ch" refForName="FourNodes_4"/>
+          <dgm:constr type="b" for="ch" forName="FourNodes_4_text" refType="b" refFor="ch" refForName="FourNodes_4"/>
+          <dgm:constr type="r" for="ch" forName="FourNodes_4_text" refType="r" refFor="ch" refForName="FourNodes_4"/>
+          <dgm:constr type="w" for="ch" forName="FiveNodes_1" refType="w" fact="0.77"/>
+          <dgm:constr type="h" for="ch" forName="FiveNodes_1" refType="h" fact="0.18"/>
+          <dgm:constr type="t" for="ch" forName="FiveNodes_1"/>
+          <dgm:constr type="r" for="ch" forName="FiveNodes_1" refType="w"/>
+          <dgm:constr type="w" for="ch" forName="FiveNodes_2" refType="w" fact="0.77"/>
+          <dgm:constr type="h" for="ch" forName="FiveNodes_2" refType="h" fact="0.18"/>
+          <dgm:constr type="ctrY" for="ch" forName="FiveNodes_2" refType="h" fact="0.295"/>
+          <dgm:constr type="ctrX" for="ch" forName="FiveNodes_2" refType="w" fact="0.5575"/>
+          <dgm:constr type="w" for="ch" forName="FiveNodes_3" refType="w" fact="0.77"/>
+          <dgm:constr type="h" for="ch" forName="FiveNodes_3" refType="h" fact="0.18"/>
+          <dgm:constr type="ctrY" for="ch" forName="FiveNodes_3" refType="h" fact="0.5"/>
+          <dgm:constr type="ctrX" for="ch" forName="FiveNodes_3" refType="w" fact="0.5"/>
+          <dgm:constr type="w" for="ch" forName="FiveNodes_4" refType="w" fact="0.77"/>
+          <dgm:constr type="h" for="ch" forName="FiveNodes_4" refType="h" fact="0.18"/>
+          <dgm:constr type="ctrY" for="ch" forName="FiveNodes_4" refType="h" fact="0.705"/>
+          <dgm:constr type="ctrX" for="ch" forName="FiveNodes_4" refType="w" fact="0.4425"/>
+          <dgm:constr type="w" for="ch" forName="FiveNodes_5" refType="w" fact="0.77"/>
+          <dgm:constr type="h" for="ch" forName="FiveNodes_5" refType="h" fact="0.18"/>
+          <dgm:constr type="b" for="ch" forName="FiveNodes_5" refType="h"/>
+          <dgm:constr type="l" for="ch" forName="FiveNodes_5"/>
+          <dgm:constr type="w" for="ch" forName="FiveConn_1-2" refType="h" refFor="ch" refForName="FiveNodes_1" fact="0.65"/>
+          <dgm:constr type="h" for="ch" forName="FiveConn_1-2" refType="h" refFor="ch" refForName="FiveNodes_1" fact="0.65"/>
+          <dgm:constr type="ctrY" for="ch" forName="FiveConn_1-2" refType="h" fact="0.19"/>
+          <dgm:constr type="l" for="ch" forName="FiveConn_1-2" refType="l" refFor="ch" refForName="FiveNodes_1"/>
+          <dgm:constr type="w" for="ch" forName="FiveConn_2-3" refType="h" refFor="ch" refForName="FiveNodes_2" fact="0.65"/>
+          <dgm:constr type="h" for="ch" forName="FiveConn_2-3" refType="h" refFor="ch" refForName="FiveNodes_2" fact="0.65"/>
+          <dgm:constr type="ctrY" for="ch" forName="FiveConn_2-3" refType="h" fact="0.395"/>
+          <dgm:constr type="l" for="ch" forName="FiveConn_2-3" refType="l" refFor="ch" refForName="FiveNodes_2"/>
+          <dgm:constr type="w" for="ch" forName="FiveConn_3-4" refType="h" refFor="ch" refForName="FiveNodes_3" fact="0.65"/>
+          <dgm:constr type="h" for="ch" forName="FiveConn_3-4" refType="h" refFor="ch" refForName="FiveNodes_3" fact="0.65"/>
+          <dgm:constr type="ctrY" for="ch" forName="FiveConn_3-4" refType="h" fact="0.597"/>
+          <dgm:constr type="l" for="ch" forName="FiveConn_3-4" refType="l" refFor="ch" refForName="FiveNodes_3"/>
+          <dgm:constr type="w" for="ch" forName="FiveConn_4-5" refType="h" refFor="ch" refForName="FiveNodes_4" fact="0.65"/>
+          <dgm:constr type="h" for="ch" forName="FiveConn_4-5" refType="h" refFor="ch" refForName="FiveNodes_4" fact="0.65"/>
+          <dgm:constr type="ctrY" for="ch" forName="FiveConn_4-5" refType="h" fact="0.804"/>
+          <dgm:constr type="l" for="ch" forName="FiveConn_4-5" refType="l" refFor="ch" refForName="FiveNodes_4"/>
+          <dgm:constr type="l" for="ch" forName="FiveNodes_1_text" refType="r" refFor="ch" refForName="FiveConn_1-2"/>
+          <dgm:constr type="lOff" for="ch" forName="FiveNodes_1_text" refType="w" refFor="ch" refForName="FiveConn_1-2" fact="0.73"/>
+          <dgm:constr type="t" for="ch" forName="FiveNodes_1_text" refType="t" refFor="ch" refForName="FiveNodes_1"/>
+          <dgm:constr type="b" for="ch" forName="FiveNodes_1_text" refType="b" refFor="ch" refForName="FiveNodes_1"/>
+          <dgm:constr type="r" for="ch" forName="FiveNodes_1_text" refType="r" refFor="ch" refForName="FiveNodes_1"/>
+          <dgm:constr type="l" for="ch" forName="FiveNodes_2_text" refType="r" refFor="ch" refForName="FiveConn_1-2"/>
+          <dgm:constr type="t" for="ch" forName="FiveNodes_2_text" refType="t" refFor="ch" refForName="FiveNodes_2"/>
+          <dgm:constr type="b" for="ch" forName="FiveNodes_2_text" refType="b" refFor="ch" refForName="FiveNodes_2"/>
+          <dgm:constr type="r" for="ch" forName="FiveNodes_2_text" refType="r" refFor="ch" refForName="FiveNodes_2"/>
+          <dgm:constr type="l" for="ch" forName="FiveNodes_3_text" refType="r" refFor="ch" refForName="FiveConn_2-3"/>
+          <dgm:constr type="t" for="ch" forName="FiveNodes_3_text" refType="t" refFor="ch" refForName="FiveNodes_3"/>
+          <dgm:constr type="b" for="ch" forName="FiveNodes_3_text" refType="b" refFor="ch" refForName="FiveNodes_3"/>
+          <dgm:constr type="r" for="ch" forName="FiveNodes_3_text" refType="r" refFor="ch" refForName="FiveNodes_3"/>
+          <dgm:constr type="l" for="ch" forName="FiveNodes_4_text" refType="r" refFor="ch" refForName="FiveConn_3-4"/>
+          <dgm:constr type="t" for="ch" forName="FiveNodes_4_text" refType="t" refFor="ch" refForName="FiveNodes_4"/>
+          <dgm:constr type="b" for="ch" forName="FiveNodes_4_text" refType="b" refFor="ch" refForName="FiveNodes_4"/>
+          <dgm:constr type="r" for="ch" forName="FiveNodes_4_text" refType="r" refFor="ch" refForName="FiveNodes_4"/>
+          <dgm:constr type="l" for="ch" forName="FiveNodes_5_text" refType="r" refFor="ch" refForName="FiveConn_4-5"/>
+          <dgm:constr type="t" for="ch" forName="FiveNodes_5_text" refType="t" refFor="ch" refForName="FiveNodes_5"/>
+          <dgm:constr type="b" for="ch" forName="FiveNodes_5_text" refType="b" refFor="ch" refForName="FiveNodes_5"/>
+          <dgm:constr type="r" for="ch" forName="FiveNodes_5_text" refType="r" refFor="ch" refForName="FiveNodes_5"/>
+        </dgm:constrLst>
+      </dgm:else>
+    </dgm:choose>
+    <dgm:ruleLst/>
+    <dgm:layoutNode name="dummyMaxCanvas">
+      <dgm:varLst/>
+      <dgm:alg type="sp"/>
+      <dgm:shape xmlns:r="http://schemas.openxmlformats.org/officeDocument/2006/relationships" r:blip="">
+        <dgm:adjLst/>
+      </dgm:shape>
+      <dgm:presOf/>
+      <dgm:constrLst/>
+      <dgm:ruleLst/>
+    </dgm:layoutNode>
+    <dgm:choose name="Name3">
+      <dgm:if name="Name4" axis="ch" ptType="node" func="cnt" op="equ" val="1">
+        <dgm:layoutNode name="OneNode_1">
+          <dgm:varLst>
+            <dgm:bulletEnabled val="1"/>
+          </dgm:varLst>
+          <dgm:alg type="tx"/>
+          <dgm:shape xmlns:r="http://schemas.openxmlformats.org/officeDocument/2006/relationships" type="roundRect" r:blip="">
+            <dgm:adjLst>
+              <dgm:adj idx="1" val="0.1"/>
+            </dgm:adjLst>
+          </dgm:shape>
+          <dgm:presOf axis="ch desOrSelf" ptType="node node" st="1 1" cnt="1 0"/>
+          <dgm:constrLst>
+            <dgm:constr type="lMarg" refType="primFontSz" fact="0.3"/>
+            <dgm:constr type="rMarg" refType="primFontSz" fact="0.3"/>
+            <dgm:constr type="tMarg" refType="primFontSz" fact="0.3"/>
+            <dgm:constr type="bMarg" refType="primFontSz" fact="0.3"/>
+          </dgm:constrLst>
+          <dgm:ruleLst>
+            <dgm:rule type="primFontSz" val="5" fact="NaN" max="NaN"/>
+          </dgm:ruleLst>
+        </dgm:layoutNode>
+      </dgm:if>
+      <dgm:else name="Name5">
+        <dgm:choose name="Name6">
+          <dgm:if name="Name7" axis="ch" ptType="node" func="cnt" op="equ" val="2">
+            <dgm:layoutNode name="TwoNodes_1">
+              <dgm:varLst>
+                <dgm:bulletEnabled val="1"/>
+              </dgm:varLst>
+              <dgm:alg type="sp"/>
+              <dgm:shape xmlns:r="http://schemas.openxmlformats.org/officeDocument/2006/relationships" type="roundRect" r:blip="">
+                <dgm:adjLst>
+                  <dgm:adj idx="1" val="0.1"/>
+                </dgm:adjLst>
+              </dgm:shape>
+              <dgm:presOf axis="ch desOrSelf" ptType="node node" st="1 1" cnt="1 0"/>
+              <dgm:constrLst/>
+              <dgm:ruleLst/>
+            </dgm:layoutNode>
+            <dgm:layoutNode name="TwoNodes_2">
+              <dgm:varLst>
+                <dgm:bulletEnabled val="1"/>
+              </dgm:varLst>
+              <dgm:alg type="sp"/>
+              <dgm:shape xmlns:r="http://schemas.openxmlformats.org/officeDocument/2006/relationships" type="roundRect" r:blip="">
+                <dgm:adjLst>
+                  <dgm:adj idx="1" val="0.1"/>
+                </dgm:adjLst>
+              </dgm:shape>
+              <dgm:presOf axis="ch desOrSelf" ptType="node node" st="2 1" cnt="1 0"/>
+              <dgm:constrLst/>
+              <dgm:ruleLst/>
+            </dgm:layoutNode>
+            <dgm:layoutNode name="TwoConn_1-2" styleLbl="fgAccFollowNode1">
+              <dgm:varLst>
+                <dgm:bulletEnabled val="1"/>
+              </dgm:varLst>
+              <dgm:alg type="tx"/>
+              <dgm:shape xmlns:r="http://schemas.openxmlformats.org/officeDocument/2006/relationships" type="downArrow" r:blip="">
+                <dgm:adjLst>
+                  <dgm:adj idx="1" val="0.55"/>
+                  <dgm:adj idx="2" val="0.45"/>
+                </dgm:adjLst>
+              </dgm:shape>
+              <dgm:presOf axis="ch" ptType="sibTrans" cnt="1"/>
+              <dgm:constrLst>
+                <dgm:constr type="lMarg" refType="primFontSz" fact="0.1"/>
+                <dgm:constr type="rMarg" refType="primFontSz" fact="0.1"/>
+                <dgm:constr type="tMarg" refType="primFontSz" fact="0.1"/>
+                <dgm:constr type="bMarg" refType="primFontSz" fact="0.1"/>
+              </dgm:constrLst>
+              <dgm:ruleLst>
+                <dgm:rule type="primFontSz" val="5" fact="NaN" max="NaN"/>
+              </dgm:ruleLst>
+            </dgm:layoutNode>
+            <dgm:layoutNode name="TwoNodes_1_text">
+              <dgm:varLst>
+                <dgm:bulletEnabled val="1"/>
+              </dgm:varLst>
+              <dgm:alg type="tx">
+                <dgm:param type="parTxLTRAlign" val="l"/>
+                <dgm:param type="txAnchorVertCh" val="mid"/>
+              </dgm:alg>
+              <dgm:shape xmlns:r="http://schemas.openxmlformats.org/officeDocument/2006/relationships" type="roundRect" r:blip="" hideGeom="1">
+                <dgm:adjLst>
+                  <dgm:adj idx="1" val="0.1"/>
+                </dgm:adjLst>
+              </dgm:shape>
+              <dgm:presOf axis="ch desOrSelf" ptType="node node" st="1 1" cnt="1 0"/>
+              <dgm:constrLst>
+                <dgm:constr type="lMarg" refType="primFontSz" fact="0.3"/>
+                <dgm:constr type="rMarg" refType="primFontSz" fact="0.3"/>
+                <dgm:constr type="tMarg" refType="primFontSz" fact="0.3"/>
+                <dgm:constr type="bMarg" refType="primFontSz" fact="0.3"/>
+              </dgm:constrLst>
+              <dgm:ruleLst>
+                <dgm:rule type="primFontSz" val="5" fact="NaN" max="NaN"/>
+              </dgm:ruleLst>
+            </dgm:layoutNode>
+            <dgm:layoutNode name="TwoNodes_2_text">
+              <dgm:varLst>
+                <dgm:bulletEnabled val="1"/>
+              </dgm:varLst>
+              <dgm:alg type="tx">
+                <dgm:param type="parTxLTRAlign" val="l"/>
+                <dgm:param type="txAnchorVertCh" val="mid"/>
+              </dgm:alg>
+              <dgm:shape xmlns:r="http://schemas.openxmlformats.org/officeDocument/2006/relationships" type="roundRect" r:blip="" hideGeom="1">
+                <dgm:adjLst>
+                  <dgm:adj idx="1" val="0.1"/>
+                </dgm:adjLst>
+              </dgm:shape>
+              <dgm:presOf axis="ch desOrSelf" ptType="node node" st="2 1" cnt="1 0"/>
+              <dgm:constrLst>
+                <dgm:constr type="lMarg" refType="primFontSz" fact="0.3"/>
+                <dgm:constr type="rMarg" refType="primFontSz" fact="0.3"/>
+                <dgm:constr type="tMarg" refType="primFontSz" fact="0.3"/>
+                <dgm:constr type="bMarg" refType="primFontSz" fact="0.3"/>
+              </dgm:constrLst>
+              <dgm:ruleLst>
+                <dgm:rule type="primFontSz" val="5" fact="NaN" max="NaN"/>
+              </dgm:ruleLst>
+            </dgm:layoutNode>
+          </dgm:if>
+          <dgm:else name="Name8">
+            <dgm:choose name="Name9">
+              <dgm:if name="Name10" axis="ch" ptType="node" func="cnt" op="equ" val="3">
+                <dgm:layoutNode name="ThreeNodes_1">
+                  <dgm:varLst>
+                    <dgm:bulletEnabled val="1"/>
+                  </dgm:varLst>
+                  <dgm:alg type="sp"/>
+                  <dgm:shape xmlns:r="http://schemas.openxmlformats.org/officeDocument/2006/relationships" type="roundRect" r:blip="">
+                    <dgm:adjLst>
+                      <dgm:adj idx="1" val="0.1"/>
+                    </dgm:adjLst>
+                  </dgm:shape>
+                  <dgm:presOf axis="ch desOrSelf" ptType="node node" st="1 1" cnt="1 0"/>
+                  <dgm:constrLst/>
+                  <dgm:ruleLst/>
+                </dgm:layoutNode>
+                <dgm:layoutNode name="ThreeNodes_2">
+                  <dgm:varLst>
+                    <dgm:bulletEnabled val="1"/>
+                  </dgm:varLst>
+                  <dgm:alg type="sp"/>
+                  <dgm:shape xmlns:r="http://schemas.openxmlformats.org/officeDocument/2006/relationships" type="roundRect" r:blip="">
+                    <dgm:adjLst>
+                      <dgm:adj idx="1" val="0.1"/>
+                    </dgm:adjLst>
+                  </dgm:shape>
+                  <dgm:presOf axis="ch desOrSelf" ptType="node node" st="2 1" cnt="1 0"/>
+                  <dgm:constrLst/>
+                  <dgm:ruleLst/>
+                </dgm:layoutNode>
+                <dgm:layoutNode name="ThreeNodes_3">
+                  <dgm:varLst>
+                    <dgm:bulletEnabled val="1"/>
+                  </dgm:varLst>
+                  <dgm:alg type="sp"/>
+                  <dgm:shape xmlns:r="http://schemas.openxmlformats.org/officeDocument/2006/relationships" type="roundRect" r:blip="">
+                    <dgm:adjLst>
+                      <dgm:adj idx="1" val="0.1"/>
+                    </dgm:adjLst>
+                  </dgm:shape>
+                  <dgm:presOf axis="ch desOrSelf" ptType="node node" st="3 1" cnt="1 0"/>
+                  <dgm:constrLst/>
+                  <dgm:ruleLst/>
+                </dgm:layoutNode>
+                <dgm:layoutNode name="ThreeConn_1-2" styleLbl="fgAccFollowNode1">
+                  <dgm:varLst>
+                    <dgm:bulletEnabled val="1"/>
+                  </dgm:varLst>
+                  <dgm:alg type="tx"/>
+                  <dgm:shape xmlns:r="http://schemas.openxmlformats.org/officeDocument/2006/relationships" type="downArrow" r:blip="">
+                    <dgm:adjLst>
+                      <dgm:adj idx="1" val="0.55"/>
+                      <dgm:adj idx="2" val="0.45"/>
+                    </dgm:adjLst>
+                  </dgm:shape>
+                  <dgm:presOf axis="ch" ptType="sibTrans" cnt="1"/>
+                  <dgm:constrLst>
+                    <dgm:constr type="lMarg" refType="primFontSz" fact="0.1"/>
+                    <dgm:constr type="rMarg" refType="primFontSz" fact="0.1"/>
+                    <dgm:constr type="tMarg" refType="primFontSz" fact="0.1"/>
+                    <dgm:constr type="bMarg" refType="primFontSz" fact="0.1"/>
+                  </dgm:constrLst>
+                  <dgm:ruleLst>
+                    <dgm:rule type="primFontSz" val="5" fact="NaN" max="NaN"/>
+                  </dgm:ruleLst>
+                </dgm:layoutNode>
+                <dgm:layoutNode name="ThreeConn_2-3" styleLbl="fgAccFollowNode1">
+                  <dgm:varLst>
+                    <dgm:bulletEnabled val="1"/>
+                  </dgm:varLst>
+                  <dgm:alg type="tx"/>
+                  <dgm:shape xmlns:r="http://schemas.openxmlformats.org/officeDocument/2006/relationships" type="downArrow" r:blip="">
+                    <dgm:adjLst>
+                      <dgm:adj idx="1" val="0.55"/>
+                      <dgm:adj idx="2" val="0.45"/>
+                    </dgm:adjLst>
+                  </dgm:shape>
+                  <dgm:presOf axis="ch" ptType="sibTrans" st="2" cnt="1"/>
+                  <dgm:constrLst>
+                    <dgm:constr type="lMarg" refType="primFontSz" fact="0.1"/>
+                    <dgm:constr type="rMarg" refType="primFontSz" fact="0.1"/>
+                    <dgm:constr type="tMarg" refType="primFontSz" fact="0.1"/>
+                    <dgm:constr type="bMarg" refType="primFontSz" fact="0.1"/>
+                  </dgm:constrLst>
+                  <dgm:ruleLst>
+                    <dgm:rule type="primFontSz" val="5" fact="NaN" max="NaN"/>
+                  </dgm:ruleLst>
+                </dgm:layoutNode>
+                <dgm:layoutNode name="ThreeNodes_1_text">
+                  <dgm:varLst>
+                    <dgm:bulletEnabled val="1"/>
+                  </dgm:varLst>
+                  <dgm:alg type="tx">
+                    <dgm:param type="parTxLTRAlign" val="l"/>
+                    <dgm:param type="txAnchorVertCh" val="mid"/>
+                  </dgm:alg>
+                  <dgm:shape xmlns:r="http://schemas.openxmlformats.org/officeDocument/2006/relationships" type="roundRect" r:blip="" hideGeom="1">
+                    <dgm:adjLst>
+                      <dgm:adj idx="1" val="0.1"/>
+                    </dgm:adjLst>
+                  </dgm:shape>
+                  <dgm:presOf axis="ch desOrSelf" ptType="node node" st="1 1" cnt="1 0"/>
+                  <dgm:constrLst>
+                    <dgm:constr type="lMarg" refType="primFontSz" fact="0.3"/>
+                    <dgm:constr type="rMarg" refType="primFontSz" fact="0.3"/>
+                    <dgm:constr type="tMarg" refType="primFontSz" fact="0.3"/>
+                    <dgm:constr type="bMarg" refType="primFontSz" fact="0.3"/>
+                  </dgm:constrLst>
+                  <dgm:ruleLst>
+                    <dgm:rule type="primFontSz" val="5" fact="NaN" max="NaN"/>
+                  </dgm:ruleLst>
+                </dgm:layoutNode>
+                <dgm:layoutNode name="ThreeNodes_2_text">
+                  <dgm:varLst>
+                    <dgm:bulletEnabled val="1"/>
+                  </dgm:varLst>
+                  <dgm:alg type="tx">
+                    <dgm:param type="parTxLTRAlign" val="l"/>
+                    <dgm:param type="txAnchorVertCh" val="mid"/>
+                  </dgm:alg>
+                  <dgm:shape xmlns:r="http://schemas.openxmlformats.org/officeDocument/2006/relationships" type="roundRect" r:blip="" hideGeom="1">
+                    <dgm:adjLst>
+                      <dgm:adj idx="1" val="0.1"/>
+                    </dgm:adjLst>
+                  </dgm:shape>
+                  <dgm:presOf axis="ch desOrSelf" ptType="node node" st="2 1" cnt="1 0"/>
+                  <dgm:constrLst>
+                    <dgm:constr type="lMarg" refType="primFontSz" fact="0.3"/>
+                    <dgm:constr type="rMarg" refType="primFontSz" fact="0.3"/>
+                    <dgm:constr type="tMarg" refType="primFontSz" fact="0.3"/>
+                    <dgm:constr type="bMarg" refType="primFontSz" fact="0.3"/>
+                  </dgm:constrLst>
+                  <dgm:ruleLst>
+                    <dgm:rule type="primFontSz" val="5" fact="NaN" max="NaN"/>
+                  </dgm:ruleLst>
+                </dgm:layoutNode>
+                <dgm:layoutNode name="ThreeNodes_3_text">
+                  <dgm:varLst>
+                    <dgm:bulletEnabled val="1"/>
+                  </dgm:varLst>
+                  <dgm:alg type="tx">
+                    <dgm:param type="parTxLTRAlign" val="l"/>
+                    <dgm:param type="txAnchorVertCh" val="mid"/>
+                  </dgm:alg>
+                  <dgm:shape xmlns:r="http://schemas.openxmlformats.org/officeDocument/2006/relationships" type="roundRect" r:blip="" hideGeom="1">
+                    <dgm:adjLst>
+                      <dgm:adj idx="1" val="0.1"/>
+                    </dgm:adjLst>
+                  </dgm:shape>
+                  <dgm:presOf axis="ch desOrSelf" ptType="node node" st="3 1" cnt="1 0"/>
+                  <dgm:constrLst>
+                    <dgm:constr type="lMarg" refType="primFontSz" fact="0.3"/>
+                    <dgm:constr type="rMarg" refType="primFontSz" fact="0.3"/>
+                    <dgm:constr type="tMarg" refType="primFontSz" fact="0.3"/>
+                    <dgm:constr type="bMarg" refType="primFontSz" fact="0.3"/>
+                  </dgm:constrLst>
+                  <dgm:ruleLst>
+                    <dgm:rule type="primFontSz" val="5" fact="NaN" max="NaN"/>
+                  </dgm:ruleLst>
+                </dgm:layoutNode>
+              </dgm:if>
+              <dgm:else name="Name11">
+                <dgm:choose name="Name12">
+                  <dgm:if name="Name13" axis="ch" ptType="node" func="cnt" op="equ" val="4">
+                    <dgm:layoutNode name="FourNodes_1">
+                      <dgm:varLst>
+                        <dgm:bulletEnabled val="1"/>
+                      </dgm:varLst>
+                      <dgm:alg type="sp"/>
+                      <dgm:shape xmlns:r="http://schemas.openxmlformats.org/officeDocument/2006/relationships" type="roundRect" r:blip="">
+                        <dgm:adjLst>
+                          <dgm:adj idx="1" val="0.1"/>
+                        </dgm:adjLst>
+                      </dgm:shape>
+                      <dgm:presOf axis="ch desOrSelf" ptType="node node" st="1 1" cnt="1 0"/>
+                      <dgm:constrLst/>
+                      <dgm:ruleLst/>
+                    </dgm:layoutNode>
+                    <dgm:layoutNode name="FourNodes_2">
+                      <dgm:varLst>
+                        <dgm:bulletEnabled val="1"/>
+                      </dgm:varLst>
+                      <dgm:alg type="sp"/>
+                      <dgm:shape xmlns:r="http://schemas.openxmlformats.org/officeDocument/2006/relationships" type="roundRect" r:blip="">
+                        <dgm:adjLst>
+                          <dgm:adj idx="1" val="0.1"/>
+                        </dgm:adjLst>
+                      </dgm:shape>
+                      <dgm:presOf axis="ch desOrSelf" ptType="node node" st="2 1" cnt="1 0"/>
+                      <dgm:constrLst/>
+                      <dgm:ruleLst/>
+                    </dgm:layoutNode>
+                    <dgm:layoutNode name="FourNodes_3">
+                      <dgm:varLst>
+                        <dgm:bulletEnabled val="1"/>
+                      </dgm:varLst>
+                      <dgm:alg type="sp"/>
+                      <dgm:shape xmlns:r="http://schemas.openxmlformats.org/officeDocument/2006/relationships" type="roundRect" r:blip="">
+                        <dgm:adjLst>
+                          <dgm:adj idx="1" val="0.1"/>
+                        </dgm:adjLst>
+                      </dgm:shape>
+                      <dgm:presOf axis="ch desOrSelf" ptType="node node" st="3 1" cnt="1 0"/>
+                      <dgm:constrLst/>
+                      <dgm:ruleLst/>
+                    </dgm:layoutNode>
+                    <dgm:layoutNode name="FourNodes_4">
+                      <dgm:varLst>
+                        <dgm:bulletEnabled val="1"/>
+                      </dgm:varLst>
+                      <dgm:alg type="sp"/>
+                      <dgm:shape xmlns:r="http://schemas.openxmlformats.org/officeDocument/2006/relationships" type="roundRect" r:blip="">
+                        <dgm:adjLst>
+                          <dgm:adj idx="1" val="0.1"/>
+                        </dgm:adjLst>
+                      </dgm:shape>
+                      <dgm:presOf axis="ch desOrSelf" ptType="node node" st="4 1" cnt="1 0"/>
+                      <dgm:constrLst/>
+                      <dgm:ruleLst/>
+                    </dgm:layoutNode>
+                    <dgm:layoutNode name="FourConn_1-2" styleLbl="fgAccFollowNode1">
+                      <dgm:varLst>
+                        <dgm:bulletEnabled val="1"/>
+                      </dgm:varLst>
+                      <dgm:alg type="tx"/>
+                      <dgm:shape xmlns:r="http://schemas.openxmlformats.org/officeDocument/2006/relationships" type="downArrow" r:blip="">
+                        <dgm:adjLst>
+                          <dgm:adj idx="1" val="0.55"/>
+                          <dgm:adj idx="2" val="0.45"/>
+                        </dgm:adjLst>
+                      </dgm:shape>
+                      <dgm:presOf axis="ch" ptType="sibTrans" cnt="1"/>
+                      <dgm:constrLst>
+                        <dgm:constr type="lMarg" refType="primFontSz" fact="0.1"/>
+                        <dgm:constr type="rMarg" refType="primFontSz" fact="0.1"/>
+                        <dgm:constr type="tMarg" refType="primFontSz" fact="0.1"/>
+                        <dgm:constr type="bMarg" refType="primFontSz" fact="0.1"/>
+                      </dgm:constrLst>
+                      <dgm:ruleLst>
+                        <dgm:rule type="primFontSz" val="5" fact="NaN" max="NaN"/>
+                      </dgm:ruleLst>
+                    </dgm:layoutNode>
+                    <dgm:layoutNode name="FourConn_2-3" styleLbl="fgAccFollowNode1">
+                      <dgm:varLst>
+                        <dgm:bulletEnabled val="1"/>
+                      </dgm:varLst>
+                      <dgm:alg type="tx"/>
+                      <dgm:shape xmlns:r="http://schemas.openxmlformats.org/officeDocument/2006/relationships" type="downArrow" r:blip="">
+                        <dgm:adjLst>
+                          <dgm:adj idx="1" val="0.55"/>
+                          <dgm:adj idx="2" val="0.45"/>
+                        </dgm:adjLst>
+                      </dgm:shape>
+                      <dgm:presOf axis="ch" ptType="sibTrans" st="2" cnt="1"/>
+                      <dgm:constrLst>
+                        <dgm:constr type="lMarg" refType="primFontSz" fact="0.1"/>
+                        <dgm:constr type="rMarg" refType="primFontSz" fact="0.1"/>
+                        <dgm:constr type="tMarg" refType="primFontSz" fact="0.1"/>
+                        <dgm:constr type="bMarg" refType="primFontSz" fact="0.1"/>
+                      </dgm:constrLst>
+                      <dgm:ruleLst>
+                        <dgm:rule type="primFontSz" val="5" fact="NaN" max="NaN"/>
+                      </dgm:ruleLst>
+                    </dgm:layoutNode>
+                    <dgm:layoutNode name="FourConn_3-4" styleLbl="fgAccFollowNode1">
+                      <dgm:varLst>
+                        <dgm:bulletEnabled val="1"/>
+                      </dgm:varLst>
+                      <dgm:alg type="tx"/>
+                      <dgm:shape xmlns:r="http://schemas.openxmlformats.org/officeDocument/2006/relationships" type="downArrow" r:blip="">
+                        <dgm:adjLst>
+                          <dgm:adj idx="1" val="0.55"/>
+                          <dgm:adj idx="2" val="0.45"/>
+                        </dgm:adjLst>
+                      </dgm:shape>
+                      <dgm:presOf axis="ch" ptType="sibTrans" st="3" cnt="1"/>
+                      <dgm:constrLst>
+                        <dgm:constr type="lMarg" refType="primFontSz" fact="0.1"/>
+                        <dgm:constr type="rMarg" refType="primFontSz" fact="0.1"/>
+                        <dgm:constr type="tMarg" refType="primFontSz" fact="0.1"/>
+                        <dgm:constr type="bMarg" refType="primFontSz" fact="0.1"/>
+                      </dgm:constrLst>
+                      <dgm:ruleLst>
+                        <dgm:rule type="primFontSz" val="5" fact="NaN" max="NaN"/>
+                      </dgm:ruleLst>
+                    </dgm:layoutNode>
+                    <dgm:layoutNode name="FourNodes_1_text">
+                      <dgm:varLst>
+                        <dgm:bulletEnabled val="1"/>
+                      </dgm:varLst>
+                      <dgm:alg type="tx">
+                        <dgm:param type="parTxLTRAlign" val="l"/>
+                        <dgm:param type="txAnchorVertCh" val="mid"/>
+                      </dgm:alg>
+                      <dgm:shape xmlns:r="http://schemas.openxmlformats.org/officeDocument/2006/relationships" type="roundRect" r:blip="" hideGeom="1">
+                        <dgm:adjLst>
+                          <dgm:adj idx="1" val="0.1"/>
+                        </dgm:adjLst>
+                      </dgm:shape>
+                      <dgm:presOf axis="ch desOrSelf" ptType="node node" st="1 1" cnt="1 0"/>
+                      <dgm:constrLst>
+                        <dgm:constr type="lMarg" refType="primFontSz" fact="0.3"/>
+                        <dgm:constr type="rMarg" refType="primFontSz" fact="0.3"/>
+                        <dgm:constr type="tMarg" refType="primFontSz" fact="0.3"/>
+                        <dgm:constr type="bMarg" refType="primFontSz" fact="0.3"/>
+                      </dgm:constrLst>
+                      <dgm:ruleLst>
+                        <dgm:rule type="primFontSz" val="5" fact="NaN" max="NaN"/>
+                      </dgm:ruleLst>
+                    </dgm:layoutNode>
+                    <dgm:layoutNode name="FourNodes_2_text">
+                      <dgm:varLst>
+                        <dgm:bulletEnabled val="1"/>
+                      </dgm:varLst>
+                      <dgm:alg type="tx">
+                        <dgm:param type="parTxLTRAlign" val="l"/>
+                        <dgm:param type="txAnchorVertCh" val="mid"/>
+                      </dgm:alg>
+                      <dgm:shape xmlns:r="http://schemas.openxmlformats.org/officeDocument/2006/relationships" type="roundRect" r:blip="" hideGeom="1">
+                        <dgm:adjLst>
+                          <dgm:adj idx="1" val="0.1"/>
+                        </dgm:adjLst>
+                      </dgm:shape>
+                      <dgm:presOf axis="ch desOrSelf" ptType="node node" st="2 1" cnt="1 0"/>
+                      <dgm:constrLst>
+                        <dgm:constr type="lMarg" refType="primFontSz" fact="0.3"/>
+                        <dgm:constr type="rMarg" refType="primFontSz" fact="0.3"/>
+                        <dgm:constr type="tMarg" refType="primFontSz" fact="0.3"/>
+                        <dgm:constr type="bMarg" refType="primFontSz" fact="0.3"/>
+                      </dgm:constrLst>
+                      <dgm:ruleLst>
+                        <dgm:rule type="primFontSz" val="5" fact="NaN" max="NaN"/>
+                      </dgm:ruleLst>
+                    </dgm:layoutNode>
+                    <dgm:layoutNode name="FourNodes_3_text">
+                      <dgm:varLst>
+                        <dgm:bulletEnabled val="1"/>
+                      </dgm:varLst>
+                      <dgm:alg type="tx">
+                        <dgm:param type="parTxLTRAlign" val="l"/>
+                        <dgm:param type="txAnchorVertCh" val="mid"/>
+                      </dgm:alg>
+                      <dgm:shape xmlns:r="http://schemas.openxmlformats.org/officeDocument/2006/relationships" type="roundRect" r:blip="" hideGeom="1">
+                        <dgm:adjLst>
+                          <dgm:adj idx="1" val="0.1"/>
+                        </dgm:adjLst>
+                      </dgm:shape>
+                      <dgm:presOf axis="ch desOrSelf" ptType="node node" st="3 1" cnt="1 0"/>
+                      <dgm:constrLst>
+                        <dgm:constr type="lMarg" refType="primFontSz" fact="0.3"/>
+                        <dgm:constr type="rMarg" refType="primFontSz" fact="0.3"/>
+                        <dgm:constr type="tMarg" refType="primFontSz" fact="0.3"/>
+                        <dgm:constr type="bMarg" refType="primFontSz" fact="0.3"/>
+                      </dgm:constrLst>
+                      <dgm:ruleLst>
+                        <dgm:rule type="primFontSz" val="5" fact="NaN" max="NaN"/>
+                      </dgm:ruleLst>
+                    </dgm:layoutNode>
+                    <dgm:layoutNode name="FourNodes_4_text">
+                      <dgm:varLst>
+                        <dgm:bulletEnabled val="1"/>
+                      </dgm:varLst>
+                      <dgm:alg type="tx">
+                        <dgm:param type="parTxLTRAlign" val="l"/>
+                        <dgm:param type="txAnchorVertCh" val="mid"/>
+                      </dgm:alg>
+                      <dgm:shape xmlns:r="http://schemas.openxmlformats.org/officeDocument/2006/relationships" type="roundRect" r:blip="" hideGeom="1">
+                        <dgm:adjLst>
+                          <dgm:adj idx="1" val="0.1"/>
+                        </dgm:adjLst>
+                      </dgm:shape>
+                      <dgm:presOf axis="ch desOrSelf" ptType="node node" st="4 1" cnt="1 0"/>
+                      <dgm:constrLst>
+                        <dgm:constr type="lMarg" refType="primFontSz" fact="0.3"/>
+                        <dgm:constr type="rMarg" refType="primFontSz" fact="0.3"/>
+                        <dgm:constr type="tMarg" refType="primFontSz" fact="0.3"/>
+                        <dgm:constr type="bMarg" refType="primFontSz" fact="0.3"/>
+                      </dgm:constrLst>
+                      <dgm:ruleLst>
+                        <dgm:rule type="primFontSz" val="5" fact="NaN" max="NaN"/>
+                      </dgm:ruleLst>
+                    </dgm:layoutNode>
+                  </dgm:if>
+                  <dgm:else name="Name14">
+                    <dgm:choose name="Name15">
+                      <dgm:if name="Name16" axis="ch" ptType="node" func="cnt" op="gte" val="5">
+                        <dgm:layoutNode name="FiveNodes_1">
+                          <dgm:varLst>
+                            <dgm:bulletEnabled val="1"/>
+                          </dgm:varLst>
+                          <dgm:alg type="sp"/>
+                          <dgm:shape xmlns:r="http://schemas.openxmlformats.org/officeDocument/2006/relationships" type="roundRect" r:blip="">
+                            <dgm:adjLst>
+                              <dgm:adj idx="1" val="0.1"/>
+                            </dgm:adjLst>
+                          </dgm:shape>
+                          <dgm:presOf axis="ch desOrSelf" ptType="node node" st="1 1" cnt="1 0"/>
+                          <dgm:constrLst/>
+                          <dgm:ruleLst/>
+                        </dgm:layoutNode>
+                        <dgm:layoutNode name="FiveNodes_2">
+                          <dgm:varLst>
+                            <dgm:bulletEnabled val="1"/>
+                          </dgm:varLst>
+                          <dgm:alg type="sp"/>
+                          <dgm:shape xmlns:r="http://schemas.openxmlformats.org/officeDocument/2006/relationships" type="roundRect" r:blip="">
+                            <dgm:adjLst>
+                              <dgm:adj idx="1" val="0.1"/>
+                            </dgm:adjLst>
+                          </dgm:shape>
+                          <dgm:presOf axis="ch desOrSelf" ptType="node node" st="2 1" cnt="1 0"/>
+                          <dgm:constrLst/>
+                          <dgm:ruleLst/>
+                        </dgm:layoutNode>
+                        <dgm:layoutNode name="FiveNodes_3">
+                          <dgm:varLst>
+                            <dgm:bulletEnabled val="1"/>
+                          </dgm:varLst>
+                          <dgm:alg type="sp"/>
+                          <dgm:shape xmlns:r="http://schemas.openxmlformats.org/officeDocument/2006/relationships" type="roundRect" r:blip="">
+                            <dgm:adjLst>
+                              <dgm:adj idx="1" val="0.1"/>
+                            </dgm:adjLst>
+                          </dgm:shape>
+                          <dgm:presOf axis="ch desOrSelf" ptType="node node" st="3 1" cnt="1 0"/>
+                          <dgm:constrLst/>
+                          <dgm:ruleLst/>
+                        </dgm:layoutNode>
+                        <dgm:layoutNode name="FiveNodes_4">
+                          <dgm:varLst>
+                            <dgm:bulletEnabled val="1"/>
+                          </dgm:varLst>
+                          <dgm:alg type="sp"/>
+                          <dgm:shape xmlns:r="http://schemas.openxmlformats.org/officeDocument/2006/relationships" type="roundRect" r:blip="">
+                            <dgm:adjLst>
+                              <dgm:adj idx="1" val="0.1"/>
+                            </dgm:adjLst>
+                          </dgm:shape>
+                          <dgm:presOf axis="ch desOrSelf" ptType="node node" st="4 1" cnt="1 0"/>
+                          <dgm:constrLst/>
+                          <dgm:ruleLst/>
+                        </dgm:layoutNode>
+                        <dgm:layoutNode name="FiveNodes_5">
+                          <dgm:varLst>
+                            <dgm:bulletEnabled val="1"/>
+                          </dgm:varLst>
+                          <dgm:alg type="sp"/>
+                          <dgm:shape xmlns:r="http://schemas.openxmlformats.org/officeDocument/2006/relationships" type="roundRect" r:blip="">
+                            <dgm:adjLst>
+                              <dgm:adj idx="1" val="0.1"/>
+                            </dgm:adjLst>
+                          </dgm:shape>
+                          <dgm:presOf axis="ch desOrSelf" ptType="node node" st="5 1" cnt="1 0"/>
+                          <dgm:constrLst/>
+                          <dgm:ruleLst/>
+                        </dgm:layoutNode>
+                        <dgm:layoutNode name="FiveConn_1-2" styleLbl="fgAccFollowNode1">
+                          <dgm:varLst>
+                            <dgm:bulletEnabled val="1"/>
+                          </dgm:varLst>
+                          <dgm:alg type="tx"/>
+                          <dgm:shape xmlns:r="http://schemas.openxmlformats.org/officeDocument/2006/relationships" type="downArrow" r:blip="">
+                            <dgm:adjLst>
+                              <dgm:adj idx="1" val="0.55"/>
+                              <dgm:adj idx="2" val="0.45"/>
+                            </dgm:adjLst>
+                          </dgm:shape>
+                          <dgm:presOf axis="ch" ptType="sibTrans" cnt="1"/>
+                          <dgm:constrLst>
+                            <dgm:constr type="lMarg" refType="primFontSz" fact="0.1"/>
+                            <dgm:constr type="rMarg" refType="primFontSz" fact="0.1"/>
+                            <dgm:constr type="tMarg" refType="primFontSz" fact="0.1"/>
+                            <dgm:constr type="bMarg" refType="primFontSz" fact="0.1"/>
+                          </dgm:constrLst>
+                          <dgm:ruleLst>
+                            <dgm:rule type="primFontSz" val="5" fact="NaN" max="NaN"/>
+                          </dgm:ruleLst>
+                        </dgm:layoutNode>
+                        <dgm:layoutNode name="FiveConn_2-3" styleLbl="fgAccFollowNode1">
+                          <dgm:varLst>
+                            <dgm:bulletEnabled val="1"/>
+                          </dgm:varLst>
+                          <dgm:alg type="tx"/>
+                          <dgm:shape xmlns:r="http://schemas.openxmlformats.org/officeDocument/2006/relationships" type="downArrow" r:blip="">
+                            <dgm:adjLst>
+                              <dgm:adj idx="1" val="0.55"/>
+                              <dgm:adj idx="2" val="0.45"/>
+                            </dgm:adjLst>
+                          </dgm:shape>
+                          <dgm:presOf axis="ch" ptType="sibTrans" st="2" cnt="1"/>
+                          <dgm:constrLst>
+                            <dgm:constr type="lMarg" refType="primFontSz" fact="0.1"/>
+                            <dgm:constr type="rMarg" refType="primFontSz" fact="0.1"/>
+                            <dgm:constr type="tMarg" refType="primFontSz" fact="0.1"/>
+                            <dgm:constr type="bMarg" refType="primFontSz" fact="0.1"/>
+                          </dgm:constrLst>
+                          <dgm:ruleLst>
+                            <dgm:rule type="primFontSz" val="5" fact="NaN" max="NaN"/>
+                          </dgm:ruleLst>
+                        </dgm:layoutNode>
+                        <dgm:layoutNode name="FiveConn_3-4" styleLbl="fgAccFollowNode1">
+                          <dgm:varLst>
+                            <dgm:bulletEnabled val="1"/>
+                          </dgm:varLst>
+                          <dgm:alg type="tx"/>
+                          <dgm:shape xmlns:r="http://schemas.openxmlformats.org/officeDocument/2006/relationships" type="downArrow" r:blip="">
+                            <dgm:adjLst>
+                              <dgm:adj idx="1" val="0.55"/>
+                              <dgm:adj idx="2" val="0.45"/>
+                            </dgm:adjLst>
+                          </dgm:shape>
+                          <dgm:presOf axis="ch" ptType="sibTrans" st="3" cnt="1"/>
+                          <dgm:constrLst>
+                            <dgm:constr type="lMarg" refType="primFontSz" fact="0.1"/>
+                            <dgm:constr type="rMarg" refType="primFontSz" fact="0.1"/>
+                            <dgm:constr type="tMarg" refType="primFontSz" fact="0.1"/>
+                            <dgm:constr type="bMarg" refType="primFontSz" fact="0.1"/>
+                          </dgm:constrLst>
+                          <dgm:ruleLst>
+                            <dgm:rule type="primFontSz" val="5" fact="NaN" max="NaN"/>
+                          </dgm:ruleLst>
+                        </dgm:layoutNode>
+                        <dgm:layoutNode name="FiveConn_4-5" styleLbl="fgAccFollowNode1">
+                          <dgm:varLst>
+                            <dgm:bulletEnabled val="1"/>
+                          </dgm:varLst>
+                          <dgm:alg type="tx"/>
+                          <dgm:shape xmlns:r="http://schemas.openxmlformats.org/officeDocument/2006/relationships" type="downArrow" r:blip="">
+                            <dgm:adjLst>
+                              <dgm:adj idx="1" val="0.55"/>
+                              <dgm:adj idx="2" val="0.45"/>
+                            </dgm:adjLst>
+                          </dgm:shape>
+                          <dgm:presOf axis="ch" ptType="sibTrans" st="4" cnt="1"/>
+                          <dgm:constrLst>
+                            <dgm:constr type="lMarg" refType="primFontSz" fact="0.1"/>
+                            <dgm:constr type="rMarg" refType="primFontSz" fact="0.1"/>
+                            <dgm:constr type="tMarg" refType="primFontSz" fact="0.1"/>
+                            <dgm:constr type="bMarg" refType="primFontSz" fact="0.1"/>
+                          </dgm:constrLst>
+                          <dgm:ruleLst>
+                            <dgm:rule type="primFontSz" val="5" fact="NaN" max="NaN"/>
+                          </dgm:ruleLst>
+                        </dgm:layoutNode>
+                        <dgm:layoutNode name="FiveNodes_1_text">
+                          <dgm:varLst>
+                            <dgm:bulletEnabled val="1"/>
+                          </dgm:varLst>
+                          <dgm:alg type="tx">
+                            <dgm:param type="parTxLTRAlign" val="l"/>
+                            <dgm:param type="txAnchorVertCh" val="mid"/>
+                          </dgm:alg>
+                          <dgm:shape xmlns:r="http://schemas.openxmlformats.org/officeDocument/2006/relationships" type="roundRect" r:blip="" hideGeom="1">
+                            <dgm:adjLst>
+                              <dgm:adj idx="1" val="0.1"/>
+                            </dgm:adjLst>
+                          </dgm:shape>
+                          <dgm:presOf axis="ch desOrSelf" ptType="node node" st="1 1" cnt="1 0"/>
+                          <dgm:constrLst>
+                            <dgm:constr type="lMarg" refType="primFontSz" fact="0.3"/>
+                            <dgm:constr type="rMarg" refType="primFontSz" fact="0.3"/>
+                            <dgm:constr type="tMarg" refType="primFontSz" fact="0.3"/>
+                            <dgm:constr type="bMarg" refType="primFontSz" fact="0.3"/>
+                          </dgm:constrLst>
+                          <dgm:ruleLst>
+                            <dgm:rule type="primFontSz" val="5" fact="NaN" max="NaN"/>
+                          </dgm:ruleLst>
+                        </dgm:layoutNode>
+                        <dgm:layoutNode name="FiveNodes_2_text">
+                          <dgm:varLst>
+                            <dgm:bulletEnabled val="1"/>
+                          </dgm:varLst>
+                          <dgm:alg type="tx">
+                            <dgm:param type="parTxLTRAlign" val="l"/>
+                            <dgm:param type="txAnchorVertCh" val="mid"/>
+                          </dgm:alg>
+                          <dgm:shape xmlns:r="http://schemas.openxmlformats.org/officeDocument/2006/relationships" type="roundRect" r:blip="" hideGeom="1">
+                            <dgm:adjLst>
+                              <dgm:adj idx="1" val="0.1"/>
+                            </dgm:adjLst>
+                          </dgm:shape>
+                          <dgm:presOf axis="ch desOrSelf" ptType="node node" st="2 1" cnt="1 0"/>
+                          <dgm:constrLst>
+                            <dgm:constr type="lMarg" refType="primFontSz" fact="0.3"/>
+                            <dgm:constr type="rMarg" refType="primFontSz" fact="0.3"/>
+                            <dgm:constr type="tMarg" refType="primFontSz" fact="0.3"/>
+                            <dgm:constr type="bMarg" refType="primFontSz" fact="0.3"/>
+                          </dgm:constrLst>
+                          <dgm:ruleLst>
+                            <dgm:rule type="primFontSz" val="5" fact="NaN" max="NaN"/>
+                          </dgm:ruleLst>
+                        </dgm:layoutNode>
+                        <dgm:layoutNode name="FiveNodes_3_text">
+                          <dgm:varLst>
+                            <dgm:bulletEnabled val="1"/>
+                          </dgm:varLst>
+                          <dgm:alg type="tx">
+                            <dgm:param type="parTxLTRAlign" val="l"/>
+                            <dgm:param type="txAnchorVertCh" val="mid"/>
+                          </dgm:alg>
+                          <dgm:shape xmlns:r="http://schemas.openxmlformats.org/officeDocument/2006/relationships" type="roundRect" r:blip="" hideGeom="1">
+                            <dgm:adjLst>
+                              <dgm:adj idx="1" val="0.1"/>
+                            </dgm:adjLst>
+                          </dgm:shape>
+                          <dgm:presOf axis="ch desOrSelf" ptType="node node" st="3 1" cnt="1 0"/>
+                          <dgm:constrLst>
+                            <dgm:constr type="lMarg" refType="primFontSz" fact="0.3"/>
+                            <dgm:constr type="rMarg" refType="primFontSz" fact="0.3"/>
+                            <dgm:constr type="tMarg" refType="primFontSz" fact="0.3"/>
+                            <dgm:constr type="bMarg" refType="primFontSz" fact="0.3"/>
+                          </dgm:constrLst>
+                          <dgm:ruleLst>
+                            <dgm:rule type="primFontSz" val="5" fact="NaN" max="NaN"/>
+                          </dgm:ruleLst>
+                        </dgm:layoutNode>
+                        <dgm:layoutNode name="FiveNodes_4_text">
+                          <dgm:varLst>
+                            <dgm:bulletEnabled val="1"/>
+                          </dgm:varLst>
+                          <dgm:alg type="tx">
+                            <dgm:param type="parTxLTRAlign" val="l"/>
+                            <dgm:param type="txAnchorVertCh" val="mid"/>
+                          </dgm:alg>
+                          <dgm:shape xmlns:r="http://schemas.openxmlformats.org/officeDocument/2006/relationships" type="roundRect" r:blip="" hideGeom="1">
+                            <dgm:adjLst>
+                              <dgm:adj idx="1" val="0.1"/>
+                            </dgm:adjLst>
+                          </dgm:shape>
+                          <dgm:presOf axis="ch desOrSelf" ptType="node node" st="4 1" cnt="1 0"/>
+                          <dgm:constrLst>
+                            <dgm:constr type="lMarg" refType="primFontSz" fact="0.3"/>
+                            <dgm:constr type="rMarg" refType="primFontSz" fact="0.3"/>
+                            <dgm:constr type="tMarg" refType="primFontSz" fact="0.3"/>
+                            <dgm:constr type="bMarg" refType="primFontSz" fact="0.3"/>
+                          </dgm:constrLst>
+                          <dgm:ruleLst>
+                            <dgm:rule type="primFontSz" val="5" fact="NaN" max="NaN"/>
+                          </dgm:ruleLst>
+                        </dgm:layoutNode>
+                        <dgm:layoutNode name="FiveNodes_5_text">
+                          <dgm:varLst>
+                            <dgm:bulletEnabled val="1"/>
+                          </dgm:varLst>
+                          <dgm:alg type="tx">
+                            <dgm:param type="parTxLTRAlign" val="l"/>
+                            <dgm:param type="txAnchorVertCh" val="mid"/>
+                          </dgm:alg>
+                          <dgm:shape xmlns:r="http://schemas.openxmlformats.org/officeDocument/2006/relationships" type="roundRect" r:blip="" hideGeom="1">
+                            <dgm:adjLst>
+                              <dgm:adj idx="1" val="0.1"/>
+                            </dgm:adjLst>
+                          </dgm:shape>
+                          <dgm:presOf axis="ch desOrSelf" ptType="node node" st="5 1" cnt="1 0"/>
+                          <dgm:constrLst>
+                            <dgm:constr type="lMarg" refType="primFontSz" fact="0.3"/>
+                            <dgm:constr type="rMarg" refType="primFontSz" fact="0.3"/>
+                            <dgm:constr type="tMarg" refType="primFontSz" fact="0.3"/>
+                            <dgm:constr type="bMarg" refType="primFontSz" fact="0.3"/>
+                          </dgm:constrLst>
+                          <dgm:ruleLst>
+                            <dgm:rule type="primFontSz" val="5" fact="NaN" max="NaN"/>
+                          </dgm:ruleLst>
+                        </dgm:layoutNode>
+                      </dgm:if>
+                      <dgm:else name="Name17"/>
+                    </dgm:choose>
+                  </dgm:else>
+                </dgm:choose>
+              </dgm:else>
+            </dgm:choose>
+          </dgm:else>
+        </dgm:choose>
+      </dgm:else>
+    </dgm:choose>
+  </dgm:layoutNode>
+</dgm:layoutDef>
+</file>
+
 <file path=ppt/diagrams/quickStyle1.xml><?xml version="1.0" encoding="utf-8"?>
 <dgm:styleDef xmlns:dgm="http://schemas.openxmlformats.org/drawingml/2006/diagram" xmlns:a="http://schemas.openxmlformats.org/drawingml/2006/main" uniqueId="urn:microsoft.com/office/officeart/2005/8/quickstyle/simple1">
   <dgm:title val=""/>
@@ -10662,6 +13032,2424 @@
     </dgm:style>
   </dgm:styleLbl>
 </dgm:styleDef>
+</file>
+
+<file path=ppt/diagrams/quickStyle4.xml><?xml version="1.0" encoding="utf-8"?>
+<dgm:styleDef xmlns:dgm="http://schemas.openxmlformats.org/drawingml/2006/diagram" xmlns:a="http://schemas.openxmlformats.org/drawingml/2006/main" uniqueId="urn:microsoft.com/office/officeart/2005/8/quickstyle/simple1">
+  <dgm:title val=""/>
+  <dgm:desc val=""/>
+  <dgm:catLst>
+    <dgm:cat type="simple" pri="10100"/>
+  </dgm:catLst>
+  <dgm:scene3d>
+    <a:camera prst="orthographicFront"/>
+    <a:lightRig rig="threePt" dir="t"/>
+  </dgm:scene3d>
+  <dgm:styleLbl name="node0">
+    <dgm:scene3d>
+      <a:camera prst="orthographicFront"/>
+      <a:lightRig rig="threePt" dir="t"/>
+    </dgm:scene3d>
+    <dgm:sp3d/>
+    <dgm:txPr/>
+    <dgm:style>
+      <a:lnRef idx="2">
+        <a:scrgbClr r="0" g="0" b="0"/>
+      </a:lnRef>
+      <a:fillRef idx="1">
+        <a:scrgbClr r="0" g="0" b="0"/>
+      </a:fillRef>
+      <a:effectRef idx="0">
+        <a:scrgbClr r="0" g="0" b="0"/>
+      </a:effectRef>
+      <a:fontRef idx="minor">
+        <a:schemeClr val="lt1"/>
+      </a:fontRef>
+    </dgm:style>
+  </dgm:styleLbl>
+  <dgm:styleLbl name="lnNode1">
+    <dgm:scene3d>
+      <a:camera prst="orthographicFront"/>
+      <a:lightRig rig="threePt" dir="t"/>
+    </dgm:scene3d>
+    <dgm:sp3d/>
+    <dgm:txPr/>
+    <dgm:style>
+      <a:lnRef idx="2">
+        <a:scrgbClr r="0" g="0" b="0"/>
+      </a:lnRef>
+      <a:fillRef idx="1">
+        <a:scrgbClr r="0" g="0" b="0"/>
+      </a:fillRef>
+      <a:effectRef idx="0">
+        <a:scrgbClr r="0" g="0" b="0"/>
+      </a:effectRef>
+      <a:fontRef idx="minor">
+        <a:schemeClr val="lt1"/>
+      </a:fontRef>
+    </dgm:style>
+  </dgm:styleLbl>
+  <dgm:styleLbl name="vennNode1">
+    <dgm:scene3d>
+      <a:camera prst="orthographicFront"/>
+      <a:lightRig rig="threePt" dir="t"/>
+    </dgm:scene3d>
+    <dgm:sp3d/>
+    <dgm:txPr/>
+    <dgm:style>
+      <a:lnRef idx="2">
+        <a:scrgbClr r="0" g="0" b="0"/>
+      </a:lnRef>
+      <a:fillRef idx="1">
+        <a:scrgbClr r="0" g="0" b="0"/>
+      </a:fillRef>
+      <a:effectRef idx="0">
+        <a:scrgbClr r="0" g="0" b="0"/>
+      </a:effectRef>
+      <a:fontRef idx="minor">
+        <a:schemeClr val="tx1"/>
+      </a:fontRef>
+    </dgm:style>
+  </dgm:styleLbl>
+  <dgm:styleLbl name="alignNode1">
+    <dgm:scene3d>
+      <a:camera prst="orthographicFront"/>
+      <a:lightRig rig="threePt" dir="t"/>
+    </dgm:scene3d>
+    <dgm:sp3d/>
+    <dgm:txPr/>
+    <dgm:style>
+      <a:lnRef idx="2">
+        <a:scrgbClr r="0" g="0" b="0"/>
+      </a:lnRef>
+      <a:fillRef idx="1">
+        <a:scrgbClr r="0" g="0" b="0"/>
+      </a:fillRef>
+      <a:effectRef idx="0">
+        <a:scrgbClr r="0" g="0" b="0"/>
+      </a:effectRef>
+      <a:fontRef idx="minor">
+        <a:schemeClr val="lt1"/>
+      </a:fontRef>
+    </dgm:style>
+  </dgm:styleLbl>
+  <dgm:styleLbl name="node1">
+    <dgm:scene3d>
+      <a:camera prst="orthographicFront"/>
+      <a:lightRig rig="threePt" dir="t"/>
+    </dgm:scene3d>
+    <dgm:sp3d/>
+    <dgm:txPr/>
+    <dgm:style>
+      <a:lnRef idx="2">
+        <a:scrgbClr r="0" g="0" b="0"/>
+      </a:lnRef>
+      <a:fillRef idx="1">
+        <a:scrgbClr r="0" g="0" b="0"/>
+      </a:fillRef>
+      <a:effectRef idx="0">
+        <a:scrgbClr r="0" g="0" b="0"/>
+      </a:effectRef>
+      <a:fontRef idx="minor">
+        <a:schemeClr val="lt1"/>
+      </a:fontRef>
+    </dgm:style>
+  </dgm:styleLbl>
+  <dgm:styleLbl name="node2">
+    <dgm:scene3d>
+      <a:camera prst="orthographicFront"/>
+      <a:lightRig rig="threePt" dir="t"/>
+    </dgm:scene3d>
+    <dgm:sp3d/>
+    <dgm:txPr/>
+    <dgm:style>
+      <a:lnRef idx="2">
+        <a:scrgbClr r="0" g="0" b="0"/>
+      </a:lnRef>
+      <a:fillRef idx="1">
+        <a:scrgbClr r="0" g="0" b="0"/>
+      </a:fillRef>
+      <a:effectRef idx="0">
+        <a:scrgbClr r="0" g="0" b="0"/>
+      </a:effectRef>
+      <a:fontRef idx="minor">
+        <a:schemeClr val="lt1"/>
+      </a:fontRef>
+    </dgm:style>
+  </dgm:styleLbl>
+  <dgm:styleLbl name="node3">
+    <dgm:scene3d>
+      <a:camera prst="orthographicFront"/>
+      <a:lightRig rig="threePt" dir="t"/>
+    </dgm:scene3d>
+    <dgm:sp3d/>
+    <dgm:txPr/>
+    <dgm:style>
+      <a:lnRef idx="2">
+        <a:scrgbClr r="0" g="0" b="0"/>
+      </a:lnRef>
+      <a:fillRef idx="1">
+        <a:scrgbClr r="0" g="0" b="0"/>
+      </a:fillRef>
+      <a:effectRef idx="0">
+        <a:scrgbClr r="0" g="0" b="0"/>
+      </a:effectRef>
+      <a:fontRef idx="minor">
+        <a:schemeClr val="lt1"/>
+      </a:fontRef>
+    </dgm:style>
+  </dgm:styleLbl>
+  <dgm:styleLbl name="node4">
+    <dgm:scene3d>
+      <a:camera prst="orthographicFront"/>
+      <a:lightRig rig="threePt" dir="t"/>
+    </dgm:scene3d>
+    <dgm:sp3d/>
+    <dgm:txPr/>
+    <dgm:style>
+      <a:lnRef idx="2">
+        <a:scrgbClr r="0" g="0" b="0"/>
+      </a:lnRef>
+      <a:fillRef idx="1">
+        <a:scrgbClr r="0" g="0" b="0"/>
+      </a:fillRef>
+      <a:effectRef idx="0">
+        <a:scrgbClr r="0" g="0" b="0"/>
+      </a:effectRef>
+      <a:fontRef idx="minor">
+        <a:schemeClr val="lt1"/>
+      </a:fontRef>
+    </dgm:style>
+  </dgm:styleLbl>
+  <dgm:styleLbl name="fgImgPlace1">
+    <dgm:scene3d>
+      <a:camera prst="orthographicFront"/>
+      <a:lightRig rig="threePt" dir="t"/>
+    </dgm:scene3d>
+    <dgm:sp3d/>
+    <dgm:txPr/>
+    <dgm:style>
+      <a:lnRef idx="2">
+        <a:scrgbClr r="0" g="0" b="0"/>
+      </a:lnRef>
+      <a:fillRef idx="1">
+        <a:scrgbClr r="0" g="0" b="0"/>
+      </a:fillRef>
+      <a:effectRef idx="0">
+        <a:scrgbClr r="0" g="0" b="0"/>
+      </a:effectRef>
+      <a:fontRef idx="minor"/>
+    </dgm:style>
+  </dgm:styleLbl>
+  <dgm:styleLbl name="alignImgPlace1">
+    <dgm:scene3d>
+      <a:camera prst="orthographicFront"/>
+      <a:lightRig rig="threePt" dir="t"/>
+    </dgm:scene3d>
+    <dgm:sp3d/>
+    <dgm:txPr/>
+    <dgm:style>
+      <a:lnRef idx="2">
+        <a:scrgbClr r="0" g="0" b="0"/>
+      </a:lnRef>
+      <a:fillRef idx="1">
+        <a:scrgbClr r="0" g="0" b="0"/>
+      </a:fillRef>
+      <a:effectRef idx="0">
+        <a:scrgbClr r="0" g="0" b="0"/>
+      </a:effectRef>
+      <a:fontRef idx="minor"/>
+    </dgm:style>
+  </dgm:styleLbl>
+  <dgm:styleLbl name="bgImgPlace1">
+    <dgm:scene3d>
+      <a:camera prst="orthographicFront"/>
+      <a:lightRig rig="threePt" dir="t"/>
+    </dgm:scene3d>
+    <dgm:sp3d/>
+    <dgm:txPr/>
+    <dgm:style>
+      <a:lnRef idx="2">
+        <a:scrgbClr r="0" g="0" b="0"/>
+      </a:lnRef>
+      <a:fillRef idx="1">
+        <a:scrgbClr r="0" g="0" b="0"/>
+      </a:fillRef>
+      <a:effectRef idx="0">
+        <a:scrgbClr r="0" g="0" b="0"/>
+      </a:effectRef>
+      <a:fontRef idx="minor"/>
+    </dgm:style>
+  </dgm:styleLbl>
+  <dgm:styleLbl name="sibTrans2D1">
+    <dgm:scene3d>
+      <a:camera prst="orthographicFront"/>
+      <a:lightRig rig="threePt" dir="t"/>
+    </dgm:scene3d>
+    <dgm:sp3d/>
+    <dgm:txPr/>
+    <dgm:style>
+      <a:lnRef idx="0">
+        <a:scrgbClr r="0" g="0" b="0"/>
+      </a:lnRef>
+      <a:fillRef idx="1">
+        <a:scrgbClr r="0" g="0" b="0"/>
+      </a:fillRef>
+      <a:effectRef idx="0">
+        <a:scrgbClr r="0" g="0" b="0"/>
+      </a:effectRef>
+      <a:fontRef idx="minor">
+        <a:schemeClr val="lt1"/>
+      </a:fontRef>
+    </dgm:style>
+  </dgm:styleLbl>
+  <dgm:styleLbl name="fgSibTrans2D1">
+    <dgm:scene3d>
+      <a:camera prst="orthographicFront"/>
+      <a:lightRig rig="threePt" dir="t"/>
+    </dgm:scene3d>
+    <dgm:sp3d/>
+    <dgm:txPr/>
+    <dgm:style>
+      <a:lnRef idx="0">
+        <a:scrgbClr r="0" g="0" b="0"/>
+      </a:lnRef>
+      <a:fillRef idx="1">
+        <a:scrgbClr r="0" g="0" b="0"/>
+      </a:fillRef>
+      <a:effectRef idx="0">
+        <a:scrgbClr r="0" g="0" b="0"/>
+      </a:effectRef>
+      <a:fontRef idx="minor">
+        <a:schemeClr val="lt1"/>
+      </a:fontRef>
+    </dgm:style>
+  </dgm:styleLbl>
+  <dgm:styleLbl name="bgSibTrans2D1">
+    <dgm:scene3d>
+      <a:camera prst="orthographicFront"/>
+      <a:lightRig rig="threePt" dir="t"/>
+    </dgm:scene3d>
+    <dgm:sp3d/>
+    <dgm:txPr/>
+    <dgm:style>
+      <a:lnRef idx="0">
+        <a:scrgbClr r="0" g="0" b="0"/>
+      </a:lnRef>
+      <a:fillRef idx="1">
+        <a:scrgbClr r="0" g="0" b="0"/>
+      </a:fillRef>
+      <a:effectRef idx="0">
+        <a:scrgbClr r="0" g="0" b="0"/>
+      </a:effectRef>
+      <a:fontRef idx="minor">
+        <a:schemeClr val="lt1"/>
+      </a:fontRef>
+    </dgm:style>
+  </dgm:styleLbl>
+  <dgm:styleLbl name="sibTrans1D1">
+    <dgm:scene3d>
+      <a:camera prst="orthographicFront"/>
+      <a:lightRig rig="threePt" dir="t"/>
+    </dgm:scene3d>
+    <dgm:sp3d/>
+    <dgm:txPr/>
+    <dgm:style>
+      <a:lnRef idx="1">
+        <a:scrgbClr r="0" g="0" b="0"/>
+      </a:lnRef>
+      <a:fillRef idx="0">
+        <a:scrgbClr r="0" g="0" b="0"/>
+      </a:fillRef>
+      <a:effectRef idx="0">
+        <a:scrgbClr r="0" g="0" b="0"/>
+      </a:effectRef>
+      <a:fontRef idx="minor"/>
+    </dgm:style>
+  </dgm:styleLbl>
+  <dgm:styleLbl name="callout">
+    <dgm:scene3d>
+      <a:camera prst="orthographicFront"/>
+      <a:lightRig rig="threePt" dir="t"/>
+    </dgm:scene3d>
+    <dgm:sp3d/>
+    <dgm:txPr/>
+    <dgm:style>
+      <a:lnRef idx="2">
+        <a:scrgbClr r="0" g="0" b="0"/>
+      </a:lnRef>
+      <a:fillRef idx="1">
+        <a:scrgbClr r="0" g="0" b="0"/>
+      </a:fillRef>
+      <a:effectRef idx="0">
+        <a:scrgbClr r="0" g="0" b="0"/>
+      </a:effectRef>
+      <a:fontRef idx="minor"/>
+    </dgm:style>
+  </dgm:styleLbl>
+  <dgm:styleLbl name="asst0">
+    <dgm:scene3d>
+      <a:camera prst="orthographicFront"/>
+      <a:lightRig rig="threePt" dir="t"/>
+    </dgm:scene3d>
+    <dgm:sp3d/>
+    <dgm:txPr/>
+    <dgm:style>
+      <a:lnRef idx="2">
+        <a:scrgbClr r="0" g="0" b="0"/>
+      </a:lnRef>
+      <a:fillRef idx="1">
+        <a:scrgbClr r="0" g="0" b="0"/>
+      </a:fillRef>
+      <a:effectRef idx="0">
+        <a:scrgbClr r="0" g="0" b="0"/>
+      </a:effectRef>
+      <a:fontRef idx="minor">
+        <a:schemeClr val="lt1"/>
+      </a:fontRef>
+    </dgm:style>
+  </dgm:styleLbl>
+  <dgm:styleLbl name="asst1">
+    <dgm:scene3d>
+      <a:camera prst="orthographicFront"/>
+      <a:lightRig rig="threePt" dir="t"/>
+    </dgm:scene3d>
+    <dgm:sp3d/>
+    <dgm:txPr/>
+    <dgm:style>
+      <a:lnRef idx="2">
+        <a:scrgbClr r="0" g="0" b="0"/>
+      </a:lnRef>
+      <a:fillRef idx="1">
+        <a:scrgbClr r="0" g="0" b="0"/>
+      </a:fillRef>
+      <a:effectRef idx="0">
+        <a:scrgbClr r="0" g="0" b="0"/>
+      </a:effectRef>
+      <a:fontRef idx="minor">
+        <a:schemeClr val="lt1"/>
+      </a:fontRef>
+    </dgm:style>
+  </dgm:styleLbl>
+  <dgm:styleLbl name="asst2">
+    <dgm:scene3d>
+      <a:camera prst="orthographicFront"/>
+      <a:lightRig rig="threePt" dir="t"/>
+    </dgm:scene3d>
+    <dgm:sp3d/>
+    <dgm:txPr/>
+    <dgm:style>
+      <a:lnRef idx="2">
+        <a:scrgbClr r="0" g="0" b="0"/>
+      </a:lnRef>
+      <a:fillRef idx="1">
+        <a:scrgbClr r="0" g="0" b="0"/>
+      </a:fillRef>
+      <a:effectRef idx="0">
+        <a:scrgbClr r="0" g="0" b="0"/>
+      </a:effectRef>
+      <a:fontRef idx="minor">
+        <a:schemeClr val="lt1"/>
+      </a:fontRef>
+    </dgm:style>
+  </dgm:styleLbl>
+  <dgm:styleLbl name="asst3">
+    <dgm:scene3d>
+      <a:camera prst="orthographicFront"/>
+      <a:lightRig rig="threePt" dir="t"/>
+    </dgm:scene3d>
+    <dgm:sp3d/>
+    <dgm:txPr/>
+    <dgm:style>
+      <a:lnRef idx="2">
+        <a:scrgbClr r="0" g="0" b="0"/>
+      </a:lnRef>
+      <a:fillRef idx="1">
+        <a:scrgbClr r="0" g="0" b="0"/>
+      </a:fillRef>
+      <a:effectRef idx="0">
+        <a:scrgbClr r="0" g="0" b="0"/>
+      </a:effectRef>
+      <a:fontRef idx="minor">
+        <a:schemeClr val="lt1"/>
+      </a:fontRef>
+    </dgm:style>
+  </dgm:styleLbl>
+  <dgm:styleLbl name="asst4">
+    <dgm:scene3d>
+      <a:camera prst="orthographicFront"/>
+      <a:lightRig rig="threePt" dir="t"/>
+    </dgm:scene3d>
+    <dgm:sp3d/>
+    <dgm:txPr/>
+    <dgm:style>
+      <a:lnRef idx="2">
+        <a:scrgbClr r="0" g="0" b="0"/>
+      </a:lnRef>
+      <a:fillRef idx="1">
+        <a:scrgbClr r="0" g="0" b="0"/>
+      </a:fillRef>
+      <a:effectRef idx="0">
+        <a:scrgbClr r="0" g="0" b="0"/>
+      </a:effectRef>
+      <a:fontRef idx="minor">
+        <a:schemeClr val="lt1"/>
+      </a:fontRef>
+    </dgm:style>
+  </dgm:styleLbl>
+  <dgm:styleLbl name="parChTrans2D1">
+    <dgm:scene3d>
+      <a:camera prst="orthographicFront"/>
+      <a:lightRig rig="threePt" dir="t"/>
+    </dgm:scene3d>
+    <dgm:sp3d/>
+    <dgm:txPr/>
+    <dgm:style>
+      <a:lnRef idx="2">
+        <a:scrgbClr r="0" g="0" b="0"/>
+      </a:lnRef>
+      <a:fillRef idx="1">
+        <a:scrgbClr r="0" g="0" b="0"/>
+      </a:fillRef>
+      <a:effectRef idx="0">
+        <a:scrgbClr r="0" g="0" b="0"/>
+      </a:effectRef>
+      <a:fontRef idx="minor">
+        <a:schemeClr val="lt1"/>
+      </a:fontRef>
+    </dgm:style>
+  </dgm:styleLbl>
+  <dgm:styleLbl name="parChTrans2D2">
+    <dgm:scene3d>
+      <a:camera prst="orthographicFront"/>
+      <a:lightRig rig="threePt" dir="t"/>
+    </dgm:scene3d>
+    <dgm:sp3d/>
+    <dgm:txPr/>
+    <dgm:style>
+      <a:lnRef idx="2">
+        <a:scrgbClr r="0" g="0" b="0"/>
+      </a:lnRef>
+      <a:fillRef idx="1">
+        <a:scrgbClr r="0" g="0" b="0"/>
+      </a:fillRef>
+      <a:effectRef idx="0">
+        <a:scrgbClr r="0" g="0" b="0"/>
+      </a:effectRef>
+      <a:fontRef idx="minor">
+        <a:schemeClr val="lt1"/>
+      </a:fontRef>
+    </dgm:style>
+  </dgm:styleLbl>
+  <dgm:styleLbl name="parChTrans2D3">
+    <dgm:scene3d>
+      <a:camera prst="orthographicFront"/>
+      <a:lightRig rig="threePt" dir="t"/>
+    </dgm:scene3d>
+    <dgm:sp3d/>
+    <dgm:txPr/>
+    <dgm:style>
+      <a:lnRef idx="2">
+        <a:scrgbClr r="0" g="0" b="0"/>
+      </a:lnRef>
+      <a:fillRef idx="1">
+        <a:scrgbClr r="0" g="0" b="0"/>
+      </a:fillRef>
+      <a:effectRef idx="0">
+        <a:scrgbClr r="0" g="0" b="0"/>
+      </a:effectRef>
+      <a:fontRef idx="minor">
+        <a:schemeClr val="lt1"/>
+      </a:fontRef>
+    </dgm:style>
+  </dgm:styleLbl>
+  <dgm:styleLbl name="parChTrans2D4">
+    <dgm:scene3d>
+      <a:camera prst="orthographicFront"/>
+      <a:lightRig rig="threePt" dir="t"/>
+    </dgm:scene3d>
+    <dgm:sp3d/>
+    <dgm:txPr/>
+    <dgm:style>
+      <a:lnRef idx="2">
+        <a:scrgbClr r="0" g="0" b="0"/>
+      </a:lnRef>
+      <a:fillRef idx="1">
+        <a:scrgbClr r="0" g="0" b="0"/>
+      </a:fillRef>
+      <a:effectRef idx="0">
+        <a:scrgbClr r="0" g="0" b="0"/>
+      </a:effectRef>
+      <a:fontRef idx="minor">
+        <a:schemeClr val="lt1"/>
+      </a:fontRef>
+    </dgm:style>
+  </dgm:styleLbl>
+  <dgm:styleLbl name="parChTrans1D1">
+    <dgm:scene3d>
+      <a:camera prst="orthographicFront"/>
+      <a:lightRig rig="threePt" dir="t"/>
+    </dgm:scene3d>
+    <dgm:sp3d/>
+    <dgm:txPr/>
+    <dgm:style>
+      <a:lnRef idx="2">
+        <a:scrgbClr r="0" g="0" b="0"/>
+      </a:lnRef>
+      <a:fillRef idx="0">
+        <a:scrgbClr r="0" g="0" b="0"/>
+      </a:fillRef>
+      <a:effectRef idx="0">
+        <a:scrgbClr r="0" g="0" b="0"/>
+      </a:effectRef>
+      <a:fontRef idx="minor"/>
+    </dgm:style>
+  </dgm:styleLbl>
+  <dgm:styleLbl name="parChTrans1D2">
+    <dgm:scene3d>
+      <a:camera prst="orthographicFront"/>
+      <a:lightRig rig="threePt" dir="t"/>
+    </dgm:scene3d>
+    <dgm:sp3d/>
+    <dgm:txPr/>
+    <dgm:style>
+      <a:lnRef idx="2">
+        <a:scrgbClr r="0" g="0" b="0"/>
+      </a:lnRef>
+      <a:fillRef idx="0">
+        <a:scrgbClr r="0" g="0" b="0"/>
+      </a:fillRef>
+      <a:effectRef idx="0">
+        <a:scrgbClr r="0" g="0" b="0"/>
+      </a:effectRef>
+      <a:fontRef idx="minor"/>
+    </dgm:style>
+  </dgm:styleLbl>
+  <dgm:styleLbl name="parChTrans1D3">
+    <dgm:scene3d>
+      <a:camera prst="orthographicFront"/>
+      <a:lightRig rig="threePt" dir="t"/>
+    </dgm:scene3d>
+    <dgm:sp3d/>
+    <dgm:txPr/>
+    <dgm:style>
+      <a:lnRef idx="2">
+        <a:scrgbClr r="0" g="0" b="0"/>
+      </a:lnRef>
+      <a:fillRef idx="0">
+        <a:scrgbClr r="0" g="0" b="0"/>
+      </a:fillRef>
+      <a:effectRef idx="0">
+        <a:scrgbClr r="0" g="0" b="0"/>
+      </a:effectRef>
+      <a:fontRef idx="minor"/>
+    </dgm:style>
+  </dgm:styleLbl>
+  <dgm:styleLbl name="parChTrans1D4">
+    <dgm:scene3d>
+      <a:camera prst="orthographicFront"/>
+      <a:lightRig rig="threePt" dir="t"/>
+    </dgm:scene3d>
+    <dgm:sp3d/>
+    <dgm:txPr/>
+    <dgm:style>
+      <a:lnRef idx="2">
+        <a:scrgbClr r="0" g="0" b="0"/>
+      </a:lnRef>
+      <a:fillRef idx="0">
+        <a:scrgbClr r="0" g="0" b="0"/>
+      </a:fillRef>
+      <a:effectRef idx="0">
+        <a:scrgbClr r="0" g="0" b="0"/>
+      </a:effectRef>
+      <a:fontRef idx="minor"/>
+    </dgm:style>
+  </dgm:styleLbl>
+  <dgm:styleLbl name="fgAcc1">
+    <dgm:scene3d>
+      <a:camera prst="orthographicFront"/>
+      <a:lightRig rig="threePt" dir="t"/>
+    </dgm:scene3d>
+    <dgm:sp3d/>
+    <dgm:txPr/>
+    <dgm:style>
+      <a:lnRef idx="2">
+        <a:scrgbClr r="0" g="0" b="0"/>
+      </a:lnRef>
+      <a:fillRef idx="1">
+        <a:scrgbClr r="0" g="0" b="0"/>
+      </a:fillRef>
+      <a:effectRef idx="0">
+        <a:scrgbClr r="0" g="0" b="0"/>
+      </a:effectRef>
+      <a:fontRef idx="minor"/>
+    </dgm:style>
+  </dgm:styleLbl>
+  <dgm:styleLbl name="conFgAcc1">
+    <dgm:scene3d>
+      <a:camera prst="orthographicFront"/>
+      <a:lightRig rig="threePt" dir="t"/>
+    </dgm:scene3d>
+    <dgm:sp3d/>
+    <dgm:txPr/>
+    <dgm:style>
+      <a:lnRef idx="2">
+        <a:scrgbClr r="0" g="0" b="0"/>
+      </a:lnRef>
+      <a:fillRef idx="1">
+        <a:scrgbClr r="0" g="0" b="0"/>
+      </a:fillRef>
+      <a:effectRef idx="0">
+        <a:scrgbClr r="0" g="0" b="0"/>
+      </a:effectRef>
+      <a:fontRef idx="minor"/>
+    </dgm:style>
+  </dgm:styleLbl>
+  <dgm:styleLbl name="alignAcc1">
+    <dgm:scene3d>
+      <a:camera prst="orthographicFront"/>
+      <a:lightRig rig="threePt" dir="t"/>
+    </dgm:scene3d>
+    <dgm:sp3d/>
+    <dgm:txPr/>
+    <dgm:style>
+      <a:lnRef idx="2">
+        <a:scrgbClr r="0" g="0" b="0"/>
+      </a:lnRef>
+      <a:fillRef idx="1">
+        <a:scrgbClr r="0" g="0" b="0"/>
+      </a:fillRef>
+      <a:effectRef idx="0">
+        <a:scrgbClr r="0" g="0" b="0"/>
+      </a:effectRef>
+      <a:fontRef idx="minor"/>
+    </dgm:style>
+  </dgm:styleLbl>
+  <dgm:styleLbl name="trAlignAcc1">
+    <dgm:scene3d>
+      <a:camera prst="orthographicFront"/>
+      <a:lightRig rig="threePt" dir="t"/>
+    </dgm:scene3d>
+    <dgm:sp3d/>
+    <dgm:txPr/>
+    <dgm:style>
+      <a:lnRef idx="1">
+        <a:scrgbClr r="0" g="0" b="0"/>
+      </a:lnRef>
+      <a:fillRef idx="1">
+        <a:scrgbClr r="0" g="0" b="0"/>
+      </a:fillRef>
+      <a:effectRef idx="0">
+        <a:scrgbClr r="0" g="0" b="0"/>
+      </a:effectRef>
+      <a:fontRef idx="minor"/>
+    </dgm:style>
+  </dgm:styleLbl>
+  <dgm:styleLbl name="bgAcc1">
+    <dgm:scene3d>
+      <a:camera prst="orthographicFront"/>
+      <a:lightRig rig="threePt" dir="t"/>
+    </dgm:scene3d>
+    <dgm:sp3d/>
+    <dgm:txPr/>
+    <dgm:style>
+      <a:lnRef idx="2">
+        <a:scrgbClr r="0" g="0" b="0"/>
+      </a:lnRef>
+      <a:fillRef idx="1">
+        <a:scrgbClr r="0" g="0" b="0"/>
+      </a:fillRef>
+      <a:effectRef idx="0">
+        <a:scrgbClr r="0" g="0" b="0"/>
+      </a:effectRef>
+      <a:fontRef idx="minor"/>
+    </dgm:style>
+  </dgm:styleLbl>
+  <dgm:styleLbl name="solidFgAcc1">
+    <dgm:scene3d>
+      <a:camera prst="orthographicFront"/>
+      <a:lightRig rig="threePt" dir="t"/>
+    </dgm:scene3d>
+    <dgm:sp3d/>
+    <dgm:txPr/>
+    <dgm:style>
+      <a:lnRef idx="2">
+        <a:scrgbClr r="0" g="0" b="0"/>
+      </a:lnRef>
+      <a:fillRef idx="1">
+        <a:scrgbClr r="0" g="0" b="0"/>
+      </a:fillRef>
+      <a:effectRef idx="0">
+        <a:scrgbClr r="0" g="0" b="0"/>
+      </a:effectRef>
+      <a:fontRef idx="minor"/>
+    </dgm:style>
+  </dgm:styleLbl>
+  <dgm:styleLbl name="solidAlignAcc1">
+    <dgm:scene3d>
+      <a:camera prst="orthographicFront"/>
+      <a:lightRig rig="threePt" dir="t"/>
+    </dgm:scene3d>
+    <dgm:sp3d/>
+    <dgm:txPr/>
+    <dgm:style>
+      <a:lnRef idx="2">
+        <a:scrgbClr r="0" g="0" b="0"/>
+      </a:lnRef>
+      <a:fillRef idx="1">
+        <a:scrgbClr r="0" g="0" b="0"/>
+      </a:fillRef>
+      <a:effectRef idx="0">
+        <a:scrgbClr r="0" g="0" b="0"/>
+      </a:effectRef>
+      <a:fontRef idx="minor"/>
+    </dgm:style>
+  </dgm:styleLbl>
+  <dgm:styleLbl name="solidBgAcc1">
+    <dgm:scene3d>
+      <a:camera prst="orthographicFront"/>
+      <a:lightRig rig="threePt" dir="t"/>
+    </dgm:scene3d>
+    <dgm:sp3d/>
+    <dgm:txPr/>
+    <dgm:style>
+      <a:lnRef idx="2">
+        <a:scrgbClr r="0" g="0" b="0"/>
+      </a:lnRef>
+      <a:fillRef idx="1">
+        <a:scrgbClr r="0" g="0" b="0"/>
+      </a:fillRef>
+      <a:effectRef idx="0">
+        <a:scrgbClr r="0" g="0" b="0"/>
+      </a:effectRef>
+      <a:fontRef idx="minor"/>
+    </dgm:style>
+  </dgm:styleLbl>
+  <dgm:styleLbl name="fgAccFollowNode1">
+    <dgm:scene3d>
+      <a:camera prst="orthographicFront"/>
+      <a:lightRig rig="threePt" dir="t"/>
+    </dgm:scene3d>
+    <dgm:sp3d/>
+    <dgm:txPr/>
+    <dgm:style>
+      <a:lnRef idx="2">
+        <a:scrgbClr r="0" g="0" b="0"/>
+      </a:lnRef>
+      <a:fillRef idx="1">
+        <a:scrgbClr r="0" g="0" b="0"/>
+      </a:fillRef>
+      <a:effectRef idx="0">
+        <a:scrgbClr r="0" g="0" b="0"/>
+      </a:effectRef>
+      <a:fontRef idx="minor"/>
+    </dgm:style>
+  </dgm:styleLbl>
+  <dgm:styleLbl name="alignAccFollowNode1">
+    <dgm:scene3d>
+      <a:camera prst="orthographicFront"/>
+      <a:lightRig rig="threePt" dir="t"/>
+    </dgm:scene3d>
+    <dgm:sp3d/>
+    <dgm:txPr/>
+    <dgm:style>
+      <a:lnRef idx="2">
+        <a:scrgbClr r="0" g="0" b="0"/>
+      </a:lnRef>
+      <a:fillRef idx="1">
+        <a:scrgbClr r="0" g="0" b="0"/>
+      </a:fillRef>
+      <a:effectRef idx="0">
+        <a:scrgbClr r="0" g="0" b="0"/>
+      </a:effectRef>
+      <a:fontRef idx="minor"/>
+    </dgm:style>
+  </dgm:styleLbl>
+  <dgm:styleLbl name="bgAccFollowNode1">
+    <dgm:scene3d>
+      <a:camera prst="orthographicFront"/>
+      <a:lightRig rig="threePt" dir="t"/>
+    </dgm:scene3d>
+    <dgm:sp3d/>
+    <dgm:txPr/>
+    <dgm:style>
+      <a:lnRef idx="2">
+        <a:scrgbClr r="0" g="0" b="0"/>
+      </a:lnRef>
+      <a:fillRef idx="1">
+        <a:scrgbClr r="0" g="0" b="0"/>
+      </a:fillRef>
+      <a:effectRef idx="0">
+        <a:scrgbClr r="0" g="0" b="0"/>
+      </a:effectRef>
+      <a:fontRef idx="minor"/>
+    </dgm:style>
+  </dgm:styleLbl>
+  <dgm:styleLbl name="fgAcc0">
+    <dgm:scene3d>
+      <a:camera prst="orthographicFront"/>
+      <a:lightRig rig="threePt" dir="t"/>
+    </dgm:scene3d>
+    <dgm:sp3d/>
+    <dgm:txPr/>
+    <dgm:style>
+      <a:lnRef idx="2">
+        <a:scrgbClr r="0" g="0" b="0"/>
+      </a:lnRef>
+      <a:fillRef idx="1">
+        <a:scrgbClr r="0" g="0" b="0"/>
+      </a:fillRef>
+      <a:effectRef idx="0">
+        <a:scrgbClr r="0" g="0" b="0"/>
+      </a:effectRef>
+      <a:fontRef idx="minor"/>
+    </dgm:style>
+  </dgm:styleLbl>
+  <dgm:styleLbl name="fgAcc2">
+    <dgm:scene3d>
+      <a:camera prst="orthographicFront"/>
+      <a:lightRig rig="threePt" dir="t"/>
+    </dgm:scene3d>
+    <dgm:sp3d/>
+    <dgm:txPr/>
+    <dgm:style>
+      <a:lnRef idx="2">
+        <a:scrgbClr r="0" g="0" b="0"/>
+      </a:lnRef>
+      <a:fillRef idx="1">
+        <a:scrgbClr r="0" g="0" b="0"/>
+      </a:fillRef>
+      <a:effectRef idx="0">
+        <a:scrgbClr r="0" g="0" b="0"/>
+      </a:effectRef>
+      <a:fontRef idx="minor"/>
+    </dgm:style>
+  </dgm:styleLbl>
+  <dgm:styleLbl name="fgAcc3">
+    <dgm:scene3d>
+      <a:camera prst="orthographicFront"/>
+      <a:lightRig rig="threePt" dir="t"/>
+    </dgm:scene3d>
+    <dgm:sp3d/>
+    <dgm:txPr/>
+    <dgm:style>
+      <a:lnRef idx="2">
+        <a:scrgbClr r="0" g="0" b="0"/>
+      </a:lnRef>
+      <a:fillRef idx="1">
+        <a:scrgbClr r="0" g="0" b="0"/>
+      </a:fillRef>
+      <a:effectRef idx="0">
+        <a:scrgbClr r="0" g="0" b="0"/>
+      </a:effectRef>
+      <a:fontRef idx="minor"/>
+    </dgm:style>
+  </dgm:styleLbl>
+  <dgm:styleLbl name="fgAcc4">
+    <dgm:scene3d>
+      <a:camera prst="orthographicFront"/>
+      <a:lightRig rig="threePt" dir="t"/>
+    </dgm:scene3d>
+    <dgm:sp3d/>
+    <dgm:txPr/>
+    <dgm:style>
+      <a:lnRef idx="2">
+        <a:scrgbClr r="0" g="0" b="0"/>
+      </a:lnRef>
+      <a:fillRef idx="1">
+        <a:scrgbClr r="0" g="0" b="0"/>
+      </a:fillRef>
+      <a:effectRef idx="0">
+        <a:scrgbClr r="0" g="0" b="0"/>
+      </a:effectRef>
+      <a:fontRef idx="minor"/>
+    </dgm:style>
+  </dgm:styleLbl>
+  <dgm:styleLbl name="bgShp">
+    <dgm:scene3d>
+      <a:camera prst="orthographicFront"/>
+      <a:lightRig rig="threePt" dir="t"/>
+    </dgm:scene3d>
+    <dgm:sp3d/>
+    <dgm:txPr/>
+    <dgm:style>
+      <a:lnRef idx="0">
+        <a:scrgbClr r="0" g="0" b="0"/>
+      </a:lnRef>
+      <a:fillRef idx="1">
+        <a:scrgbClr r="0" g="0" b="0"/>
+      </a:fillRef>
+      <a:effectRef idx="0">
+        <a:scrgbClr r="0" g="0" b="0"/>
+      </a:effectRef>
+      <a:fontRef idx="minor"/>
+    </dgm:style>
+  </dgm:styleLbl>
+  <dgm:styleLbl name="dkBgShp">
+    <dgm:scene3d>
+      <a:camera prst="orthographicFront"/>
+      <a:lightRig rig="threePt" dir="t"/>
+    </dgm:scene3d>
+    <dgm:sp3d/>
+    <dgm:txPr/>
+    <dgm:style>
+      <a:lnRef idx="0">
+        <a:scrgbClr r="0" g="0" b="0"/>
+      </a:lnRef>
+      <a:fillRef idx="1">
+        <a:scrgbClr r="0" g="0" b="0"/>
+      </a:fillRef>
+      <a:effectRef idx="0">
+        <a:scrgbClr r="0" g="0" b="0"/>
+      </a:effectRef>
+      <a:fontRef idx="minor"/>
+    </dgm:style>
+  </dgm:styleLbl>
+  <dgm:styleLbl name="trBgShp">
+    <dgm:scene3d>
+      <a:camera prst="orthographicFront"/>
+      <a:lightRig rig="threePt" dir="t"/>
+    </dgm:scene3d>
+    <dgm:sp3d/>
+    <dgm:txPr/>
+    <dgm:style>
+      <a:lnRef idx="0">
+        <a:scrgbClr r="0" g="0" b="0"/>
+      </a:lnRef>
+      <a:fillRef idx="1">
+        <a:scrgbClr r="0" g="0" b="0"/>
+      </a:fillRef>
+      <a:effectRef idx="0">
+        <a:scrgbClr r="0" g="0" b="0"/>
+      </a:effectRef>
+      <a:fontRef idx="minor"/>
+    </dgm:style>
+  </dgm:styleLbl>
+  <dgm:styleLbl name="fgShp">
+    <dgm:scene3d>
+      <a:camera prst="orthographicFront"/>
+      <a:lightRig rig="threePt" dir="t"/>
+    </dgm:scene3d>
+    <dgm:sp3d/>
+    <dgm:txPr/>
+    <dgm:style>
+      <a:lnRef idx="2">
+        <a:scrgbClr r="0" g="0" b="0"/>
+      </a:lnRef>
+      <a:fillRef idx="1">
+        <a:scrgbClr r="0" g="0" b="0"/>
+      </a:fillRef>
+      <a:effectRef idx="0">
+        <a:scrgbClr r="0" g="0" b="0"/>
+      </a:effectRef>
+      <a:fontRef idx="minor"/>
+    </dgm:style>
+  </dgm:styleLbl>
+  <dgm:styleLbl name="revTx">
+    <dgm:scene3d>
+      <a:camera prst="orthographicFront"/>
+      <a:lightRig rig="threePt" dir="t"/>
+    </dgm:scene3d>
+    <dgm:sp3d/>
+    <dgm:txPr/>
+    <dgm:style>
+      <a:lnRef idx="0">
+        <a:scrgbClr r="0" g="0" b="0"/>
+      </a:lnRef>
+      <a:fillRef idx="0">
+        <a:scrgbClr r="0" g="0" b="0"/>
+      </a:fillRef>
+      <a:effectRef idx="0">
+        <a:scrgbClr r="0" g="0" b="0"/>
+      </a:effectRef>
+      <a:fontRef idx="minor"/>
+    </dgm:style>
+  </dgm:styleLbl>
+</dgm:styleDef>
+</file>
+
+<file path=ppt/notesMasters/notesMaster1.xml><?xml version="1.0" encoding="utf-8"?>
+<p:notesMaster xmlns:a="http://schemas.openxmlformats.org/drawingml/2006/main" xmlns:r="http://schemas.openxmlformats.org/officeDocument/2006/relationships" xmlns:p="http://schemas.openxmlformats.org/presentationml/2006/main">
+  <p:cSld>
+    <p:bg>
+      <p:bgRef idx="1001">
+        <a:schemeClr val="bg1"/>
+      </p:bgRef>
+    </p:bg>
+    <p:spTree>
+      <p:nvGrpSpPr>
+        <p:cNvPr id="1" name=""/>
+        <p:cNvGrpSpPr/>
+        <p:nvPr/>
+      </p:nvGrpSpPr>
+      <p:grpSpPr>
+        <a:xfrm>
+          <a:off x="0" y="0"/>
+          <a:ext cx="0" cy="0"/>
+          <a:chOff x="0" y="0"/>
+          <a:chExt cx="0" cy="0"/>
+        </a:xfrm>
+      </p:grpSpPr>
+      <p:sp>
+        <p:nvSpPr>
+          <p:cNvPr id="2" name="Header Placeholder 1"/>
+          <p:cNvSpPr>
+            <a:spLocks noGrp="1"/>
+          </p:cNvSpPr>
+          <p:nvPr>
+            <p:ph type="hdr" sz="quarter"/>
+          </p:nvPr>
+        </p:nvSpPr>
+        <p:spPr>
+          <a:xfrm>
+            <a:off x="0" y="0"/>
+            <a:ext cx="2971800" cy="458788"/>
+          </a:xfrm>
+          <a:prstGeom prst="rect">
+            <a:avLst/>
+          </a:prstGeom>
+        </p:spPr>
+        <p:txBody>
+          <a:bodyPr vert="horz" lIns="91440" tIns="45720" rIns="91440" bIns="45720" rtlCol="0"/>
+          <a:lstStyle>
+            <a:lvl1pPr algn="l">
+              <a:defRPr sz="1200"/>
+            </a:lvl1pPr>
+          </a:lstStyle>
+          <a:p>
+            <a:endParaRPr lang="en-US"/>
+          </a:p>
+        </p:txBody>
+      </p:sp>
+      <p:sp>
+        <p:nvSpPr>
+          <p:cNvPr id="3" name="Date Placeholder 2"/>
+          <p:cNvSpPr>
+            <a:spLocks noGrp="1"/>
+          </p:cNvSpPr>
+          <p:nvPr>
+            <p:ph type="dt" idx="1"/>
+          </p:nvPr>
+        </p:nvSpPr>
+        <p:spPr>
+          <a:xfrm>
+            <a:off x="3884613" y="0"/>
+            <a:ext cx="2971800" cy="458788"/>
+          </a:xfrm>
+          <a:prstGeom prst="rect">
+            <a:avLst/>
+          </a:prstGeom>
+        </p:spPr>
+        <p:txBody>
+          <a:bodyPr vert="horz" lIns="91440" tIns="45720" rIns="91440" bIns="45720" rtlCol="0"/>
+          <a:lstStyle>
+            <a:lvl1pPr algn="r">
+              <a:defRPr sz="1200"/>
+            </a:lvl1pPr>
+          </a:lstStyle>
+          <a:p>
+            <a:fld id="{3F0B4D03-AA53-4818-BA8D-F9C1505788F7}" type="datetimeFigureOut">
+              <a:rPr lang="en-US" smtClean="0"/>
+              <a:t>5/2/2019</a:t>
+            </a:fld>
+            <a:endParaRPr lang="en-US"/>
+          </a:p>
+        </p:txBody>
+      </p:sp>
+      <p:sp>
+        <p:nvSpPr>
+          <p:cNvPr id="4" name="Slide Image Placeholder 3"/>
+          <p:cNvSpPr>
+            <a:spLocks noGrp="1" noRot="1" noChangeAspect="1"/>
+          </p:cNvSpPr>
+          <p:nvPr>
+            <p:ph type="sldImg" idx="2"/>
+          </p:nvPr>
+        </p:nvSpPr>
+        <p:spPr>
+          <a:xfrm>
+            <a:off x="685800" y="1143000"/>
+            <a:ext cx="5486400" cy="3086100"/>
+          </a:xfrm>
+          <a:prstGeom prst="rect">
+            <a:avLst/>
+          </a:prstGeom>
+          <a:noFill/>
+          <a:ln w="12700">
+            <a:solidFill>
+              <a:prstClr val="black"/>
+            </a:solidFill>
+          </a:ln>
+        </p:spPr>
+        <p:txBody>
+          <a:bodyPr vert="horz" lIns="91440" tIns="45720" rIns="91440" bIns="45720" rtlCol="0" anchor="ctr"/>
+          <a:lstStyle/>
+          <a:p>
+            <a:endParaRPr lang="en-US"/>
+          </a:p>
+        </p:txBody>
+      </p:sp>
+      <p:sp>
+        <p:nvSpPr>
+          <p:cNvPr id="5" name="Notes Placeholder 4"/>
+          <p:cNvSpPr>
+            <a:spLocks noGrp="1"/>
+          </p:cNvSpPr>
+          <p:nvPr>
+            <p:ph type="body" sz="quarter" idx="3"/>
+          </p:nvPr>
+        </p:nvSpPr>
+        <p:spPr>
+          <a:xfrm>
+            <a:off x="685800" y="4400550"/>
+            <a:ext cx="5486400" cy="3600450"/>
+          </a:xfrm>
+          <a:prstGeom prst="rect">
+            <a:avLst/>
+          </a:prstGeom>
+        </p:spPr>
+        <p:txBody>
+          <a:bodyPr vert="horz" lIns="91440" tIns="45720" rIns="91440" bIns="45720" rtlCol="0"/>
+          <a:lstStyle/>
+          <a:p>
+            <a:pPr lvl="0"/>
+            <a:r>
+              <a:rPr lang="en-US"/>
+              <a:t>Click to edit Master text styles</a:t>
+            </a:r>
+          </a:p>
+          <a:p>
+            <a:pPr lvl="1"/>
+            <a:r>
+              <a:rPr lang="en-US"/>
+              <a:t>Second level</a:t>
+            </a:r>
+          </a:p>
+          <a:p>
+            <a:pPr lvl="2"/>
+            <a:r>
+              <a:rPr lang="en-US"/>
+              <a:t>Third level</a:t>
+            </a:r>
+          </a:p>
+          <a:p>
+            <a:pPr lvl="3"/>
+            <a:r>
+              <a:rPr lang="en-US"/>
+              <a:t>Fourth level</a:t>
+            </a:r>
+          </a:p>
+          <a:p>
+            <a:pPr lvl="4"/>
+            <a:r>
+              <a:rPr lang="en-US"/>
+              <a:t>Fifth level</a:t>
+            </a:r>
+          </a:p>
+        </p:txBody>
+      </p:sp>
+      <p:sp>
+        <p:nvSpPr>
+          <p:cNvPr id="6" name="Footer Placeholder 5"/>
+          <p:cNvSpPr>
+            <a:spLocks noGrp="1"/>
+          </p:cNvSpPr>
+          <p:nvPr>
+            <p:ph type="ftr" sz="quarter" idx="4"/>
+          </p:nvPr>
+        </p:nvSpPr>
+        <p:spPr>
+          <a:xfrm>
+            <a:off x="0" y="8685213"/>
+            <a:ext cx="2971800" cy="458787"/>
+          </a:xfrm>
+          <a:prstGeom prst="rect">
+            <a:avLst/>
+          </a:prstGeom>
+        </p:spPr>
+        <p:txBody>
+          <a:bodyPr vert="horz" lIns="91440" tIns="45720" rIns="91440" bIns="45720" rtlCol="0" anchor="b"/>
+          <a:lstStyle>
+            <a:lvl1pPr algn="l">
+              <a:defRPr sz="1200"/>
+            </a:lvl1pPr>
+          </a:lstStyle>
+          <a:p>
+            <a:endParaRPr lang="en-US"/>
+          </a:p>
+        </p:txBody>
+      </p:sp>
+      <p:sp>
+        <p:nvSpPr>
+          <p:cNvPr id="7" name="Slide Number Placeholder 6"/>
+          <p:cNvSpPr>
+            <a:spLocks noGrp="1"/>
+          </p:cNvSpPr>
+          <p:nvPr>
+            <p:ph type="sldNum" sz="quarter" idx="5"/>
+          </p:nvPr>
+        </p:nvSpPr>
+        <p:spPr>
+          <a:xfrm>
+            <a:off x="3884613" y="8685213"/>
+            <a:ext cx="2971800" cy="458787"/>
+          </a:xfrm>
+          <a:prstGeom prst="rect">
+            <a:avLst/>
+          </a:prstGeom>
+        </p:spPr>
+        <p:txBody>
+          <a:bodyPr vert="horz" lIns="91440" tIns="45720" rIns="91440" bIns="45720" rtlCol="0" anchor="b"/>
+          <a:lstStyle>
+            <a:lvl1pPr algn="r">
+              <a:defRPr sz="1200"/>
+            </a:lvl1pPr>
+          </a:lstStyle>
+          <a:p>
+            <a:fld id="{68E58C9F-A835-45F7-A2FB-D97F5C9E2B18}" type="slidenum">
+              <a:rPr lang="en-US" smtClean="0"/>
+              <a:t>‹#›</a:t>
+            </a:fld>
+            <a:endParaRPr lang="en-US"/>
+          </a:p>
+        </p:txBody>
+      </p:sp>
+    </p:spTree>
+    <p:extLst>
+      <p:ext uri="{BB962C8B-B14F-4D97-AF65-F5344CB8AC3E}">
+        <p14:creationId xmlns:p14="http://schemas.microsoft.com/office/powerpoint/2010/main" val="2249385159"/>
+      </p:ext>
+    </p:extLst>
+  </p:cSld>
+  <p:clrMap bg1="lt1" tx1="dk1" bg2="lt2" tx2="dk2" accent1="accent1" accent2="accent2" accent3="accent3" accent4="accent4" accent5="accent5" accent6="accent6" hlink="hlink" folHlink="folHlink"/>
+  <p:notesStyle>
+    <a:lvl1pPr marL="0" algn="l" defTabSz="914400" rtl="0" eaLnBrk="1" latinLnBrk="0" hangingPunct="1">
+      <a:defRPr sz="1200" kern="1200">
+        <a:solidFill>
+          <a:schemeClr val="tx1"/>
+        </a:solidFill>
+        <a:latin typeface="+mn-lt"/>
+        <a:ea typeface="+mn-ea"/>
+        <a:cs typeface="+mn-cs"/>
+      </a:defRPr>
+    </a:lvl1pPr>
+    <a:lvl2pPr marL="457200" algn="l" defTabSz="914400" rtl="0" eaLnBrk="1" latinLnBrk="0" hangingPunct="1">
+      <a:defRPr sz="1200" kern="1200">
+        <a:solidFill>
+          <a:schemeClr val="tx1"/>
+        </a:solidFill>
+        <a:latin typeface="+mn-lt"/>
+        <a:ea typeface="+mn-ea"/>
+        <a:cs typeface="+mn-cs"/>
+      </a:defRPr>
+    </a:lvl2pPr>
+    <a:lvl3pPr marL="914400" algn="l" defTabSz="914400" rtl="0" eaLnBrk="1" latinLnBrk="0" hangingPunct="1">
+      <a:defRPr sz="1200" kern="1200">
+        <a:solidFill>
+          <a:schemeClr val="tx1"/>
+        </a:solidFill>
+        <a:latin typeface="+mn-lt"/>
+        <a:ea typeface="+mn-ea"/>
+        <a:cs typeface="+mn-cs"/>
+      </a:defRPr>
+    </a:lvl3pPr>
+    <a:lvl4pPr marL="1371600" algn="l" defTabSz="914400" rtl="0" eaLnBrk="1" latinLnBrk="0" hangingPunct="1">
+      <a:defRPr sz="1200" kern="1200">
+        <a:solidFill>
+          <a:schemeClr val="tx1"/>
+        </a:solidFill>
+        <a:latin typeface="+mn-lt"/>
+        <a:ea typeface="+mn-ea"/>
+        <a:cs typeface="+mn-cs"/>
+      </a:defRPr>
+    </a:lvl4pPr>
+    <a:lvl5pPr marL="1828800" algn="l" defTabSz="914400" rtl="0" eaLnBrk="1" latinLnBrk="0" hangingPunct="1">
+      <a:defRPr sz="1200" kern="1200">
+        <a:solidFill>
+          <a:schemeClr val="tx1"/>
+        </a:solidFill>
+        <a:latin typeface="+mn-lt"/>
+        <a:ea typeface="+mn-ea"/>
+        <a:cs typeface="+mn-cs"/>
+      </a:defRPr>
+    </a:lvl5pPr>
+    <a:lvl6pPr marL="2286000" algn="l" defTabSz="914400" rtl="0" eaLnBrk="1" latinLnBrk="0" hangingPunct="1">
+      <a:defRPr sz="1200" kern="1200">
+        <a:solidFill>
+          <a:schemeClr val="tx1"/>
+        </a:solidFill>
+        <a:latin typeface="+mn-lt"/>
+        <a:ea typeface="+mn-ea"/>
+        <a:cs typeface="+mn-cs"/>
+      </a:defRPr>
+    </a:lvl6pPr>
+    <a:lvl7pPr marL="2743200" algn="l" defTabSz="914400" rtl="0" eaLnBrk="1" latinLnBrk="0" hangingPunct="1">
+      <a:defRPr sz="1200" kern="1200">
+        <a:solidFill>
+          <a:schemeClr val="tx1"/>
+        </a:solidFill>
+        <a:latin typeface="+mn-lt"/>
+        <a:ea typeface="+mn-ea"/>
+        <a:cs typeface="+mn-cs"/>
+      </a:defRPr>
+    </a:lvl7pPr>
+    <a:lvl8pPr marL="3200400" algn="l" defTabSz="914400" rtl="0" eaLnBrk="1" latinLnBrk="0" hangingPunct="1">
+      <a:defRPr sz="1200" kern="1200">
+        <a:solidFill>
+          <a:schemeClr val="tx1"/>
+        </a:solidFill>
+        <a:latin typeface="+mn-lt"/>
+        <a:ea typeface="+mn-ea"/>
+        <a:cs typeface="+mn-cs"/>
+      </a:defRPr>
+    </a:lvl8pPr>
+    <a:lvl9pPr marL="3657600" algn="l" defTabSz="914400" rtl="0" eaLnBrk="1" latinLnBrk="0" hangingPunct="1">
+      <a:defRPr sz="1200" kern="1200">
+        <a:solidFill>
+          <a:schemeClr val="tx1"/>
+        </a:solidFill>
+        <a:latin typeface="+mn-lt"/>
+        <a:ea typeface="+mn-ea"/>
+        <a:cs typeface="+mn-cs"/>
+      </a:defRPr>
+    </a:lvl9pPr>
+  </p:notesStyle>
+</p:notesMaster>
+</file>
+
+<file path=ppt/notesSlides/notesSlide1.xml><?xml version="1.0" encoding="utf-8"?>
+<p:notes xmlns:a="http://schemas.openxmlformats.org/drawingml/2006/main" xmlns:r="http://schemas.openxmlformats.org/officeDocument/2006/relationships" xmlns:p="http://schemas.openxmlformats.org/presentationml/2006/main">
+  <p:cSld>
+    <p:spTree>
+      <p:nvGrpSpPr>
+        <p:cNvPr id="1" name=""/>
+        <p:cNvGrpSpPr/>
+        <p:nvPr/>
+      </p:nvGrpSpPr>
+      <p:grpSpPr>
+        <a:xfrm>
+          <a:off x="0" y="0"/>
+          <a:ext cx="0" cy="0"/>
+          <a:chOff x="0" y="0"/>
+          <a:chExt cx="0" cy="0"/>
+        </a:xfrm>
+      </p:grpSpPr>
+      <p:sp>
+        <p:nvSpPr>
+          <p:cNvPr id="2" name="Slide Image Placeholder 1"/>
+          <p:cNvSpPr>
+            <a:spLocks noGrp="1" noRot="1" noChangeAspect="1"/>
+          </p:cNvSpPr>
+          <p:nvPr>
+            <p:ph type="sldImg"/>
+          </p:nvPr>
+        </p:nvSpPr>
+        <p:spPr/>
+      </p:sp>
+      <p:sp>
+        <p:nvSpPr>
+          <p:cNvPr id="3" name="Notes Placeholder 2"/>
+          <p:cNvSpPr>
+            <a:spLocks noGrp="1"/>
+          </p:cNvSpPr>
+          <p:nvPr>
+            <p:ph type="body" idx="1"/>
+          </p:nvPr>
+        </p:nvSpPr>
+        <p:spPr/>
+        <p:txBody>
+          <a:bodyPr/>
+          <a:lstStyle/>
+          <a:p>
+            <a:endParaRPr lang="en-US"/>
+          </a:p>
+        </p:txBody>
+      </p:sp>
+      <p:sp>
+        <p:nvSpPr>
+          <p:cNvPr id="4" name="Slide Number Placeholder 3"/>
+          <p:cNvSpPr>
+            <a:spLocks noGrp="1"/>
+          </p:cNvSpPr>
+          <p:nvPr>
+            <p:ph type="sldNum" sz="quarter" idx="5"/>
+          </p:nvPr>
+        </p:nvSpPr>
+        <p:spPr/>
+        <p:txBody>
+          <a:bodyPr/>
+          <a:lstStyle/>
+          <a:p>
+            <a:fld id="{68E58C9F-A835-45F7-A2FB-D97F5C9E2B18}" type="slidenum">
+              <a:rPr lang="en-US" smtClean="0"/>
+              <a:t>1</a:t>
+            </a:fld>
+            <a:endParaRPr lang="en-US"/>
+          </a:p>
+        </p:txBody>
+      </p:sp>
+    </p:spTree>
+    <p:extLst>
+      <p:ext uri="{BB962C8B-B14F-4D97-AF65-F5344CB8AC3E}">
+        <p14:creationId xmlns:p14="http://schemas.microsoft.com/office/powerpoint/2010/main" val="3120299676"/>
+      </p:ext>
+    </p:extLst>
+  </p:cSld>
+  <p:clrMapOvr>
+    <a:masterClrMapping/>
+  </p:clrMapOvr>
+</p:notes>
+</file>
+
+<file path=ppt/notesSlides/notesSlide2.xml><?xml version="1.0" encoding="utf-8"?>
+<p:notes xmlns:a="http://schemas.openxmlformats.org/drawingml/2006/main" xmlns:r="http://schemas.openxmlformats.org/officeDocument/2006/relationships" xmlns:p="http://schemas.openxmlformats.org/presentationml/2006/main">
+  <p:cSld>
+    <p:spTree>
+      <p:nvGrpSpPr>
+        <p:cNvPr id="1" name=""/>
+        <p:cNvGrpSpPr/>
+        <p:nvPr/>
+      </p:nvGrpSpPr>
+      <p:grpSpPr>
+        <a:xfrm>
+          <a:off x="0" y="0"/>
+          <a:ext cx="0" cy="0"/>
+          <a:chOff x="0" y="0"/>
+          <a:chExt cx="0" cy="0"/>
+        </a:xfrm>
+      </p:grpSpPr>
+      <p:sp>
+        <p:nvSpPr>
+          <p:cNvPr id="2" name="Slide Image Placeholder 1"/>
+          <p:cNvSpPr>
+            <a:spLocks noGrp="1" noRot="1" noChangeAspect="1"/>
+          </p:cNvSpPr>
+          <p:nvPr>
+            <p:ph type="sldImg"/>
+          </p:nvPr>
+        </p:nvSpPr>
+        <p:spPr/>
+      </p:sp>
+      <p:sp>
+        <p:nvSpPr>
+          <p:cNvPr id="3" name="Notes Placeholder 2"/>
+          <p:cNvSpPr>
+            <a:spLocks noGrp="1"/>
+          </p:cNvSpPr>
+          <p:nvPr>
+            <p:ph type="body" idx="1"/>
+          </p:nvPr>
+        </p:nvSpPr>
+        <p:spPr/>
+        <p:txBody>
+          <a:bodyPr/>
+          <a:lstStyle/>
+          <a:p>
+            <a:pPr marL="171450" indent="-171450">
+              <a:buFont typeface="Arial" panose="020B0604020202020204" pitchFamily="34" charset="0"/>
+              <a:buChar char="•"/>
+            </a:pPr>
+            <a:r>
+              <a:rPr lang="en-US" dirty="0"/>
+              <a:t>We chose to work with a dataset about the military expenditures of 172 different countries. The dataset reports the yearly military expenditure of each country from 1949 to 2017.</a:t>
+            </a:r>
+          </a:p>
+          <a:p>
+            <a:pPr marL="171450" marR="0" lvl="0" indent="-171450" algn="l" defTabSz="914400" rtl="0" eaLnBrk="1" fontAlgn="auto" latinLnBrk="0" hangingPunct="1">
+              <a:lnSpc>
+                <a:spcPct val="100000"/>
+              </a:lnSpc>
+              <a:spcBef>
+                <a:spcPts val="0"/>
+              </a:spcBef>
+              <a:spcAft>
+                <a:spcPts val="0"/>
+              </a:spcAft>
+              <a:buClrTx/>
+              <a:buSzTx/>
+              <a:buFont typeface="Arial" panose="020B0604020202020204" pitchFamily="34" charset="0"/>
+              <a:buChar char="•"/>
+              <a:tabLst/>
+              <a:defRPr/>
+            </a:pPr>
+            <a:r>
+              <a:rPr lang="en-US" dirty="0"/>
+              <a:t>We obtained our data from the Stockholm International Peace Research Institute. (SIPRI) </a:t>
+            </a:r>
+          </a:p>
+          <a:p>
+            <a:pPr marL="171450" lvl="0" indent="-171450">
+              <a:buFont typeface="Arial" panose="020B0604020202020204" pitchFamily="34" charset="0"/>
+              <a:buChar char="•"/>
+            </a:pPr>
+            <a:endParaRPr lang="en-US" dirty="0"/>
+          </a:p>
+          <a:p>
+            <a:pPr marL="171450" lvl="0" indent="-171450">
+              <a:buFont typeface="Arial" panose="020B0604020202020204" pitchFamily="34" charset="0"/>
+              <a:buChar char="•"/>
+            </a:pPr>
+            <a:r>
+              <a:rPr lang="en-US" dirty="0"/>
+              <a:t>One important thing to note (as pointed out in the FAQ section about this dataset) is that </a:t>
+            </a:r>
+            <a:r>
+              <a:rPr lang="en-US" sz="1200" b="0" i="0" kern="1200" dirty="0">
+                <a:solidFill>
+                  <a:schemeClr val="tx1"/>
+                </a:solidFill>
+                <a:effectLst/>
+                <a:latin typeface="+mn-lt"/>
+                <a:ea typeface="+mn-ea"/>
+                <a:cs typeface="+mn-cs"/>
+              </a:rPr>
+              <a:t>military spending refers to all expenditure on a country’s military forces. </a:t>
+            </a:r>
+          </a:p>
+          <a:p>
+            <a:pPr marL="628650" lvl="1" indent="-171450">
+              <a:buFont typeface="Arial" panose="020B0604020202020204" pitchFamily="34" charset="0"/>
+              <a:buChar char="•"/>
+            </a:pPr>
+            <a:r>
+              <a:rPr lang="en-US" sz="1200" b="0" i="0" kern="1200" dirty="0">
+                <a:solidFill>
+                  <a:schemeClr val="tx1"/>
+                </a:solidFill>
+                <a:effectLst/>
+                <a:latin typeface="+mn-lt"/>
+                <a:ea typeface="+mn-ea"/>
+                <a:cs typeface="+mn-cs"/>
+              </a:rPr>
+              <a:t>The largest part of this is usually the salaries and benefits of soldiers and civilian staff.</a:t>
+            </a:r>
+          </a:p>
+          <a:p>
+            <a:pPr marL="628650" lvl="1" indent="-171450">
+              <a:buFont typeface="Arial" panose="020B0604020202020204" pitchFamily="34" charset="0"/>
+              <a:buChar char="•"/>
+            </a:pPr>
+            <a:r>
+              <a:rPr lang="en-US" sz="1200" b="0" i="0" kern="1200" dirty="0">
+                <a:solidFill>
+                  <a:schemeClr val="tx1"/>
+                </a:solidFill>
+                <a:effectLst/>
+                <a:latin typeface="+mn-lt"/>
+                <a:ea typeface="+mn-ea"/>
+                <a:cs typeface="+mn-cs"/>
+              </a:rPr>
+              <a:t>Actual spending on arms makes up only a small part of the total. In fact, the website states that “In general, spending on weapons, weapons systems and platforms, and other specifically military equipment (including the research and development for such equipment) forms no more than a third of military spending”.</a:t>
+            </a:r>
+          </a:p>
+          <a:p>
+            <a:pPr marL="171450" lvl="0" indent="-171450">
+              <a:buFont typeface="Arial" panose="020B0604020202020204" pitchFamily="34" charset="0"/>
+              <a:buChar char="•"/>
+            </a:pPr>
+            <a:r>
+              <a:rPr lang="en-US" sz="1200" b="0" i="0" kern="1200" dirty="0">
+                <a:solidFill>
+                  <a:schemeClr val="tx1"/>
+                </a:solidFill>
+                <a:effectLst/>
+                <a:latin typeface="+mn-lt"/>
+                <a:ea typeface="+mn-ea"/>
+                <a:cs typeface="+mn-cs"/>
+              </a:rPr>
+              <a:t>SIPRI stresses that military expenditure is a financial measure and does not </a:t>
+            </a:r>
+            <a:r>
+              <a:rPr lang="en-US" sz="1200" b="1" i="0" kern="1200" dirty="0">
+                <a:solidFill>
+                  <a:schemeClr val="tx1"/>
+                </a:solidFill>
+                <a:effectLst/>
+                <a:latin typeface="+mn-lt"/>
+                <a:ea typeface="+mn-ea"/>
+                <a:cs typeface="+mn-cs"/>
+              </a:rPr>
+              <a:t>necessarily</a:t>
+            </a:r>
+            <a:r>
+              <a:rPr lang="en-US" sz="1200" b="0" i="0" kern="1200" dirty="0">
+                <a:solidFill>
+                  <a:schemeClr val="tx1"/>
+                </a:solidFill>
+                <a:effectLst/>
+                <a:latin typeface="+mn-lt"/>
+                <a:ea typeface="+mn-ea"/>
+                <a:cs typeface="+mn-cs"/>
+              </a:rPr>
+              <a:t> measure military capability.</a:t>
+            </a:r>
+            <a:endParaRPr lang="en-US" dirty="0"/>
+          </a:p>
+          <a:p>
+            <a:pPr marL="0" indent="0">
+              <a:buFont typeface="Arial" panose="020B0604020202020204" pitchFamily="34" charset="0"/>
+              <a:buNone/>
+            </a:pPr>
+            <a:endParaRPr lang="en-US" dirty="0"/>
+          </a:p>
+          <a:p>
+            <a:pPr marL="171450" lvl="0" indent="-171450">
+              <a:buFont typeface="Arial" panose="020B0604020202020204" pitchFamily="34" charset="0"/>
+              <a:buChar char="•"/>
+            </a:pPr>
+            <a:r>
+              <a:rPr lang="en-US" dirty="0"/>
+              <a:t>We were able to download the data as an Excel file from the SIPRI website.</a:t>
+            </a:r>
+          </a:p>
+          <a:p>
+            <a:pPr marL="171450" lvl="0" indent="-171450">
+              <a:buFont typeface="Arial" panose="020B0604020202020204" pitchFamily="34" charset="0"/>
+              <a:buChar char="•"/>
+            </a:pPr>
+            <a:r>
+              <a:rPr lang="en-US" dirty="0"/>
+              <a:t>Then we loaded the data into R with the </a:t>
+            </a:r>
+            <a:r>
+              <a:rPr lang="en-US" dirty="0" err="1"/>
+              <a:t>read_excel</a:t>
+            </a:r>
+            <a:r>
+              <a:rPr lang="en-US" dirty="0"/>
+              <a:t> command.</a:t>
+            </a:r>
+          </a:p>
+        </p:txBody>
+      </p:sp>
+      <p:sp>
+        <p:nvSpPr>
+          <p:cNvPr id="4" name="Slide Number Placeholder 3"/>
+          <p:cNvSpPr>
+            <a:spLocks noGrp="1"/>
+          </p:cNvSpPr>
+          <p:nvPr>
+            <p:ph type="sldNum" sz="quarter" idx="5"/>
+          </p:nvPr>
+        </p:nvSpPr>
+        <p:spPr/>
+        <p:txBody>
+          <a:bodyPr/>
+          <a:lstStyle/>
+          <a:p>
+            <a:fld id="{68E58C9F-A835-45F7-A2FB-D97F5C9E2B18}" type="slidenum">
+              <a:rPr lang="en-US" smtClean="0"/>
+              <a:t>2</a:t>
+            </a:fld>
+            <a:endParaRPr lang="en-US"/>
+          </a:p>
+        </p:txBody>
+      </p:sp>
+    </p:spTree>
+    <p:extLst>
+      <p:ext uri="{BB962C8B-B14F-4D97-AF65-F5344CB8AC3E}">
+        <p14:creationId xmlns:p14="http://schemas.microsoft.com/office/powerpoint/2010/main" val="3216977625"/>
+      </p:ext>
+    </p:extLst>
+  </p:cSld>
+  <p:clrMapOvr>
+    <a:masterClrMapping/>
+  </p:clrMapOvr>
+</p:notes>
+</file>
+
+<file path=ppt/notesSlides/notesSlide3.xml><?xml version="1.0" encoding="utf-8"?>
+<p:notes xmlns:a="http://schemas.openxmlformats.org/drawingml/2006/main" xmlns:r="http://schemas.openxmlformats.org/officeDocument/2006/relationships" xmlns:p="http://schemas.openxmlformats.org/presentationml/2006/main">
+  <p:cSld>
+    <p:spTree>
+      <p:nvGrpSpPr>
+        <p:cNvPr id="1" name=""/>
+        <p:cNvGrpSpPr/>
+        <p:nvPr/>
+      </p:nvGrpSpPr>
+      <p:grpSpPr>
+        <a:xfrm>
+          <a:off x="0" y="0"/>
+          <a:ext cx="0" cy="0"/>
+          <a:chOff x="0" y="0"/>
+          <a:chExt cx="0" cy="0"/>
+        </a:xfrm>
+      </p:grpSpPr>
+      <p:sp>
+        <p:nvSpPr>
+          <p:cNvPr id="2" name="Slide Image Placeholder 1"/>
+          <p:cNvSpPr>
+            <a:spLocks noGrp="1" noRot="1" noChangeAspect="1"/>
+          </p:cNvSpPr>
+          <p:nvPr>
+            <p:ph type="sldImg"/>
+          </p:nvPr>
+        </p:nvSpPr>
+        <p:spPr/>
+      </p:sp>
+      <p:sp>
+        <p:nvSpPr>
+          <p:cNvPr id="3" name="Notes Placeholder 2"/>
+          <p:cNvSpPr>
+            <a:spLocks noGrp="1"/>
+          </p:cNvSpPr>
+          <p:nvPr>
+            <p:ph type="body" idx="1"/>
+          </p:nvPr>
+        </p:nvSpPr>
+        <p:spPr/>
+        <p:txBody>
+          <a:bodyPr/>
+          <a:lstStyle/>
+          <a:p>
+            <a:pPr marL="171450" indent="-171450" algn="l" rtl="0">
+              <a:buFont typeface="Arial" panose="020B0604020202020204" pitchFamily="34" charset="0"/>
+              <a:buChar char="•"/>
+              <a:defRPr sz="1000"/>
+            </a:pPr>
+            <a:r>
+              <a:rPr lang="en-US" sz="1200" b="0" i="0" u="none" strike="noStrike" baseline="0" dirty="0">
+                <a:solidFill>
+                  <a:srgbClr val="000000"/>
+                </a:solidFill>
+                <a:latin typeface="Verdana"/>
+                <a:ea typeface="Verdana"/>
+                <a:cs typeface="Verdana"/>
+              </a:rPr>
+              <a:t>As mentioned, our dataset covers the military expenditure of different countries from 1949 to 2017, but it presents this data in various ways. </a:t>
+            </a:r>
+          </a:p>
+          <a:p>
+            <a:pPr marL="171450" indent="-171450" algn="l" rtl="0">
+              <a:buFont typeface="Arial" panose="020B0604020202020204" pitchFamily="34" charset="0"/>
+              <a:buChar char="•"/>
+              <a:defRPr sz="1000"/>
+            </a:pPr>
+            <a:r>
+              <a:rPr lang="en-US" sz="1200" b="0" i="0" u="none" strike="noStrike" baseline="0" dirty="0">
+                <a:solidFill>
+                  <a:srgbClr val="000000"/>
+                </a:solidFill>
+                <a:latin typeface="Verdana"/>
+                <a:ea typeface="Verdana"/>
+                <a:cs typeface="Verdana"/>
+              </a:rPr>
+              <a:t>The Excel file we downloaded consists of 9 different sheets. These sheets include:</a:t>
+            </a:r>
+          </a:p>
+          <a:p>
+            <a:pPr marL="628650" lvl="1" indent="-171450" algn="l" rtl="0">
+              <a:buFont typeface="Arial" panose="020B0604020202020204" pitchFamily="34" charset="0"/>
+              <a:buChar char="•"/>
+              <a:defRPr sz="1000"/>
+            </a:pPr>
+            <a:r>
+              <a:rPr lang="en-US" sz="1200" b="1" i="0" u="none" strike="noStrike" baseline="0" dirty="0">
+                <a:solidFill>
+                  <a:srgbClr val="000000"/>
+                </a:solidFill>
+                <a:latin typeface="Verdana"/>
+                <a:ea typeface="Verdana"/>
+                <a:cs typeface="Verdana"/>
+              </a:rPr>
+              <a:t>World and regional totals: </a:t>
+            </a:r>
+            <a:r>
+              <a:rPr lang="en-US" sz="1200" b="0" i="0" u="none" strike="noStrike" baseline="0" dirty="0">
+                <a:solidFill>
+                  <a:srgbClr val="000000"/>
+                </a:solidFill>
+                <a:latin typeface="Verdana"/>
+                <a:ea typeface="Verdana"/>
+                <a:cs typeface="Verdana"/>
+              </a:rPr>
+              <a:t>Estimates of world, regional and sub-regional totals in constant (2016) US$ (billions), and in current (2017) </a:t>
+            </a:r>
+            <a:r>
+              <a:rPr lang="en-US" sz="1200" b="0" i="0" u="none" strike="noStrike" baseline="0" dirty="0" err="1">
+                <a:solidFill>
+                  <a:srgbClr val="000000"/>
+                </a:solidFill>
+                <a:latin typeface="Verdana"/>
+                <a:ea typeface="Verdana"/>
+                <a:cs typeface="Verdana"/>
+              </a:rPr>
+              <a:t>US$b</a:t>
+            </a:r>
+            <a:r>
+              <a:rPr lang="en-US" sz="1200" b="0" i="0" u="none" strike="noStrike" baseline="0" dirty="0">
+                <a:solidFill>
+                  <a:srgbClr val="000000"/>
+                </a:solidFill>
+                <a:latin typeface="Verdana"/>
+                <a:ea typeface="Verdana"/>
+                <a:cs typeface="Verdana"/>
+              </a:rPr>
+              <a:t>. for 2017.</a:t>
+            </a:r>
+          </a:p>
+          <a:p>
+            <a:pPr marL="628650" lvl="1" indent="-171450" algn="l" rtl="0">
+              <a:buFont typeface="Arial" panose="020B0604020202020204" pitchFamily="34" charset="0"/>
+              <a:buChar char="•"/>
+              <a:defRPr sz="1000"/>
+            </a:pPr>
+            <a:r>
+              <a:rPr lang="en-US" sz="1200" b="1" i="0" u="none" strike="noStrike" baseline="0" dirty="0">
+                <a:solidFill>
+                  <a:srgbClr val="000000"/>
+                </a:solidFill>
+                <a:latin typeface="Verdana"/>
+                <a:ea typeface="Verdana"/>
+                <a:cs typeface="Verdana"/>
+              </a:rPr>
+              <a:t>Local currency, financial years:</a:t>
+            </a:r>
+            <a:r>
+              <a:rPr lang="en-US" sz="1200" b="0" i="0" u="none" strike="noStrike" baseline="0" dirty="0">
+                <a:solidFill>
+                  <a:srgbClr val="000000"/>
+                </a:solidFill>
+                <a:latin typeface="Verdana"/>
+                <a:ea typeface="Verdana"/>
+                <a:cs typeface="Verdana"/>
+              </a:rPr>
+              <a:t> Data for military expenditure by country in current price local currency, presented according to each country's financial year.</a:t>
+            </a:r>
+          </a:p>
+          <a:p>
+            <a:pPr marL="628650" lvl="1" indent="-171450" algn="l" rtl="0">
+              <a:buFont typeface="Arial" panose="020B0604020202020204" pitchFamily="34" charset="0"/>
+              <a:buChar char="•"/>
+              <a:defRPr sz="1000"/>
+            </a:pPr>
+            <a:r>
+              <a:rPr lang="en-US" sz="1200" b="1" i="0" u="none" strike="noStrike" baseline="0" dirty="0">
+                <a:solidFill>
+                  <a:srgbClr val="000000"/>
+                </a:solidFill>
+                <a:latin typeface="Verdana"/>
+                <a:ea typeface="Verdana"/>
+                <a:cs typeface="Verdana"/>
+              </a:rPr>
+              <a:t>Local currency, calendar years: </a:t>
+            </a:r>
+            <a:r>
+              <a:rPr lang="en-US" sz="1200" b="0" i="0" u="none" strike="noStrike" baseline="0" dirty="0">
+                <a:solidFill>
+                  <a:srgbClr val="000000"/>
+                </a:solidFill>
+                <a:latin typeface="Verdana"/>
+                <a:ea typeface="Verdana"/>
+                <a:cs typeface="Verdana"/>
+              </a:rPr>
+              <a:t>Data for military expenditure by country in current price local currency, presented according to calendar year.</a:t>
+            </a:r>
+          </a:p>
+          <a:p>
+            <a:pPr marL="628650" lvl="1" indent="-171450" algn="l" rtl="0">
+              <a:buFont typeface="Arial" panose="020B0604020202020204" pitchFamily="34" charset="0"/>
+              <a:buChar char="•"/>
+              <a:defRPr sz="1000"/>
+            </a:pPr>
+            <a:r>
+              <a:rPr lang="en-US" sz="1200" b="1" i="0" u="none" strike="noStrike" baseline="0" dirty="0">
+                <a:solidFill>
+                  <a:srgbClr val="000000"/>
+                </a:solidFill>
+                <a:latin typeface="Verdana"/>
+                <a:ea typeface="Verdana"/>
+                <a:cs typeface="Verdana"/>
+              </a:rPr>
+              <a:t>Constant (2016) US$: </a:t>
+            </a:r>
+            <a:r>
+              <a:rPr lang="en-US" sz="1200" b="0" i="0" u="none" strike="noStrike" baseline="0" dirty="0">
+                <a:solidFill>
+                  <a:srgbClr val="000000"/>
+                </a:solidFill>
+                <a:latin typeface="Verdana"/>
+                <a:ea typeface="Verdana"/>
+                <a:cs typeface="Verdana"/>
+              </a:rPr>
+              <a:t>Data for military expenditure by country in constant price (2016) US$ (millions), presented according to calendar year, and in current (2017) </a:t>
+            </a:r>
+            <a:r>
+              <a:rPr lang="en-US" sz="1200" b="0" i="0" u="none" strike="noStrike" baseline="0" dirty="0" err="1">
+                <a:solidFill>
+                  <a:srgbClr val="000000"/>
+                </a:solidFill>
+                <a:latin typeface="Verdana"/>
+                <a:ea typeface="Verdana"/>
+                <a:cs typeface="Verdana"/>
+              </a:rPr>
+              <a:t>US$m</a:t>
+            </a:r>
+            <a:r>
+              <a:rPr lang="en-US" sz="1200" b="0" i="0" u="none" strike="noStrike" baseline="0" dirty="0">
+                <a:solidFill>
+                  <a:srgbClr val="000000"/>
+                </a:solidFill>
+                <a:latin typeface="Verdana"/>
+                <a:ea typeface="Verdana"/>
+                <a:cs typeface="Verdana"/>
+              </a:rPr>
+              <a:t>. for 2017.</a:t>
+            </a:r>
+          </a:p>
+          <a:p>
+            <a:pPr marL="628650" lvl="1" indent="-171450" algn="l" rtl="0">
+              <a:buFont typeface="Arial" panose="020B0604020202020204" pitchFamily="34" charset="0"/>
+              <a:buChar char="•"/>
+              <a:defRPr sz="1000"/>
+            </a:pPr>
+            <a:r>
+              <a:rPr lang="en-US" sz="1200" b="1" i="0" u="none" strike="noStrike" baseline="0" dirty="0">
+                <a:solidFill>
+                  <a:srgbClr val="000000"/>
+                </a:solidFill>
+                <a:latin typeface="Verdana"/>
+                <a:ea typeface="Verdana"/>
+                <a:cs typeface="Verdana"/>
+              </a:rPr>
+              <a:t>Current US$: </a:t>
+            </a:r>
+            <a:r>
+              <a:rPr lang="en-US" sz="1200" b="0" i="0" u="none" strike="noStrike" baseline="0" dirty="0">
+                <a:solidFill>
+                  <a:srgbClr val="000000"/>
+                </a:solidFill>
+                <a:latin typeface="Verdana"/>
+                <a:ea typeface="Verdana"/>
+                <a:cs typeface="Verdana"/>
+              </a:rPr>
+              <a:t>Data for military expenditure by country in current US$ (millions), presented according to calendar year. This the sheet we worked most with.</a:t>
+            </a:r>
+          </a:p>
+          <a:p>
+            <a:pPr marL="628650" lvl="1" indent="-171450" algn="l" rtl="0">
+              <a:buFont typeface="Arial" panose="020B0604020202020204" pitchFamily="34" charset="0"/>
+              <a:buChar char="•"/>
+              <a:defRPr sz="1000"/>
+            </a:pPr>
+            <a:r>
+              <a:rPr lang="en-US" sz="1200" b="1" i="0" u="none" strike="noStrike" baseline="0" dirty="0">
+                <a:solidFill>
+                  <a:srgbClr val="000000"/>
+                </a:solidFill>
+                <a:latin typeface="Verdana"/>
+                <a:ea typeface="Verdana"/>
+                <a:cs typeface="Verdana"/>
+              </a:rPr>
+              <a:t>Share of GDP: </a:t>
+            </a:r>
+            <a:r>
+              <a:rPr lang="en-US" sz="1200" b="0" i="0" u="none" strike="noStrike" baseline="0" dirty="0">
+                <a:solidFill>
+                  <a:srgbClr val="000000"/>
+                </a:solidFill>
+                <a:latin typeface="Verdana"/>
+                <a:ea typeface="Verdana"/>
+                <a:cs typeface="Verdana"/>
+              </a:rPr>
+              <a:t>Data for military expenditure by country as a share of GDP, presented according to calendar year.</a:t>
+            </a:r>
+          </a:p>
+          <a:p>
+            <a:pPr marL="628650" lvl="1" indent="-171450" algn="l" rtl="0">
+              <a:buFont typeface="Arial" panose="020B0604020202020204" pitchFamily="34" charset="0"/>
+              <a:buChar char="•"/>
+              <a:defRPr sz="1000"/>
+            </a:pPr>
+            <a:r>
+              <a:rPr lang="en-US" sz="1200" b="1" i="0" u="none" strike="noStrike" baseline="0" dirty="0">
+                <a:solidFill>
+                  <a:srgbClr val="000000"/>
+                </a:solidFill>
+                <a:latin typeface="Verdana"/>
+                <a:ea typeface="Verdana"/>
+                <a:cs typeface="Verdana"/>
+              </a:rPr>
+              <a:t>Per capita: </a:t>
+            </a:r>
+            <a:r>
+              <a:rPr lang="en-US" sz="1200" b="0" i="0" u="none" strike="noStrike" baseline="0" dirty="0">
+                <a:solidFill>
+                  <a:srgbClr val="000000"/>
+                </a:solidFill>
+                <a:latin typeface="Verdana"/>
+                <a:ea typeface="Verdana"/>
+                <a:cs typeface="Verdana"/>
+              </a:rPr>
+              <a:t>Data for military expenditure per capita, in current US$, presented according to calendar year. (1988-2017 only)</a:t>
+            </a:r>
+          </a:p>
+          <a:p>
+            <a:pPr marL="628650" lvl="1" indent="-171450" algn="l" rtl="0">
+              <a:buFont typeface="Arial" panose="020B0604020202020204" pitchFamily="34" charset="0"/>
+              <a:buChar char="•"/>
+              <a:defRPr sz="1000"/>
+            </a:pPr>
+            <a:r>
+              <a:rPr lang="en-US" sz="1200" b="1" i="0" u="none" strike="noStrike" baseline="0" dirty="0">
+                <a:solidFill>
+                  <a:srgbClr val="000000"/>
+                </a:solidFill>
+                <a:latin typeface="Verdana"/>
+                <a:ea typeface="Verdana"/>
+                <a:cs typeface="Verdana"/>
+              </a:rPr>
+              <a:t>Share of government: </a:t>
+            </a:r>
+            <a:r>
+              <a:rPr lang="en-US" sz="1200" b="0" i="0" u="none" strike="noStrike" baseline="0" dirty="0">
+                <a:solidFill>
+                  <a:srgbClr val="000000"/>
+                </a:solidFill>
+                <a:latin typeface="Verdana"/>
+                <a:ea typeface="Verdana"/>
+                <a:cs typeface="Verdana"/>
+              </a:rPr>
+              <a:t>Data for military expenditure as a percentage of general government expenditure. (1988-2017 only)</a:t>
+            </a:r>
+          </a:p>
+          <a:p>
+            <a:pPr marL="628650" lvl="1" indent="-171450" algn="l" rtl="0">
+              <a:buFont typeface="Arial" panose="020B0604020202020204" pitchFamily="34" charset="0"/>
+              <a:buChar char="•"/>
+              <a:defRPr sz="1000"/>
+            </a:pPr>
+            <a:r>
+              <a:rPr lang="en-US" sz="1200" b="1" i="0" u="none" strike="noStrike" baseline="0" dirty="0">
+                <a:solidFill>
+                  <a:srgbClr val="000000"/>
+                </a:solidFill>
+                <a:latin typeface="Verdana"/>
+                <a:ea typeface="Verdana"/>
+                <a:cs typeface="Verdana"/>
+              </a:rPr>
+              <a:t>Footnotes: </a:t>
+            </a:r>
+            <a:r>
+              <a:rPr lang="en-US" sz="1200" b="0" i="0" u="none" strike="noStrike" baseline="0" dirty="0">
+                <a:solidFill>
+                  <a:srgbClr val="000000"/>
+                </a:solidFill>
+                <a:latin typeface="Verdana"/>
+                <a:ea typeface="Verdana"/>
+                <a:cs typeface="Verdana"/>
+              </a:rPr>
+              <a:t>List of footnotes by country.</a:t>
+            </a:r>
+          </a:p>
+          <a:p>
+            <a:pPr marL="171450" lvl="0" indent="-171450" algn="l" rtl="0">
+              <a:buFont typeface="Arial" panose="020B0604020202020204" pitchFamily="34" charset="0"/>
+              <a:buChar char="•"/>
+              <a:defRPr sz="1000"/>
+            </a:pPr>
+            <a:r>
+              <a:rPr lang="en-US" sz="1200" b="0" i="0" u="none" strike="noStrike" baseline="0" dirty="0">
+                <a:solidFill>
+                  <a:srgbClr val="000000"/>
+                </a:solidFill>
+                <a:latin typeface="Verdana"/>
+                <a:ea typeface="Verdana"/>
+                <a:cs typeface="Verdana"/>
+              </a:rPr>
+              <a:t>Previously, the dataset only included military expenditures from the year 1988 and on, but recently the “Current US$” and “Share of GDP” sheets were extended to include data from 1949 and on.</a:t>
+            </a:r>
+          </a:p>
+          <a:p>
+            <a:pPr marL="171450" lvl="0" indent="-171450" algn="l" rtl="0">
+              <a:buFont typeface="Arial" panose="020B0604020202020204" pitchFamily="34" charset="0"/>
+              <a:buChar char="•"/>
+              <a:defRPr sz="1000"/>
+            </a:pPr>
+            <a:r>
+              <a:rPr lang="en-US" sz="1200" b="0" i="0" u="none" strike="noStrike" baseline="0" dirty="0">
+                <a:solidFill>
+                  <a:srgbClr val="000000"/>
+                </a:solidFill>
+                <a:latin typeface="Verdana"/>
+                <a:ea typeface="Verdana"/>
+                <a:cs typeface="Verdana"/>
+              </a:rPr>
+              <a:t>As we found in our analysis, the availability of data varies greatly by country. Some countries reported their expenditure one year and don’t report again for 3 years.</a:t>
+            </a:r>
+          </a:p>
+          <a:p>
+            <a:pPr marL="628650" lvl="1" indent="-171450" algn="l" rtl="0">
+              <a:buFont typeface="Arial" panose="020B0604020202020204" pitchFamily="34" charset="0"/>
+              <a:buChar char="•"/>
+              <a:defRPr sz="1000"/>
+            </a:pPr>
+            <a:r>
+              <a:rPr lang="en-US" sz="1200" b="0" i="0" u="none" strike="noStrike" baseline="0" dirty="0">
+                <a:solidFill>
+                  <a:srgbClr val="000000"/>
+                </a:solidFill>
+                <a:latin typeface="Verdana"/>
+                <a:ea typeface="Verdana"/>
+                <a:cs typeface="Verdana"/>
+              </a:rPr>
+              <a:t>We think these gaps in when data is reported for a country could be attributed to different leadership within the country.</a:t>
+            </a:r>
+          </a:p>
+          <a:p>
+            <a:endParaRPr lang="en-US" dirty="0"/>
+          </a:p>
+        </p:txBody>
+      </p:sp>
+      <p:sp>
+        <p:nvSpPr>
+          <p:cNvPr id="4" name="Slide Number Placeholder 3"/>
+          <p:cNvSpPr>
+            <a:spLocks noGrp="1"/>
+          </p:cNvSpPr>
+          <p:nvPr>
+            <p:ph type="sldNum" sz="quarter" idx="5"/>
+          </p:nvPr>
+        </p:nvSpPr>
+        <p:spPr/>
+        <p:txBody>
+          <a:bodyPr/>
+          <a:lstStyle/>
+          <a:p>
+            <a:fld id="{68E58C9F-A835-45F7-A2FB-D97F5C9E2B18}" type="slidenum">
+              <a:rPr lang="en-US" smtClean="0"/>
+              <a:t>3</a:t>
+            </a:fld>
+            <a:endParaRPr lang="en-US"/>
+          </a:p>
+        </p:txBody>
+      </p:sp>
+    </p:spTree>
+    <p:extLst>
+      <p:ext uri="{BB962C8B-B14F-4D97-AF65-F5344CB8AC3E}">
+        <p14:creationId xmlns:p14="http://schemas.microsoft.com/office/powerpoint/2010/main" val="2595312121"/>
+      </p:ext>
+    </p:extLst>
+  </p:cSld>
+  <p:clrMapOvr>
+    <a:masterClrMapping/>
+  </p:clrMapOvr>
+</p:notes>
+</file>
+
+<file path=ppt/notesSlides/notesSlide4.xml><?xml version="1.0" encoding="utf-8"?>
+<p:notes xmlns:a="http://schemas.openxmlformats.org/drawingml/2006/main" xmlns:r="http://schemas.openxmlformats.org/officeDocument/2006/relationships" xmlns:p="http://schemas.openxmlformats.org/presentationml/2006/main">
+  <p:cSld>
+    <p:spTree>
+      <p:nvGrpSpPr>
+        <p:cNvPr id="1" name=""/>
+        <p:cNvGrpSpPr/>
+        <p:nvPr/>
+      </p:nvGrpSpPr>
+      <p:grpSpPr>
+        <a:xfrm>
+          <a:off x="0" y="0"/>
+          <a:ext cx="0" cy="0"/>
+          <a:chOff x="0" y="0"/>
+          <a:chExt cx="0" cy="0"/>
+        </a:xfrm>
+      </p:grpSpPr>
+      <p:sp>
+        <p:nvSpPr>
+          <p:cNvPr id="2" name="Slide Image Placeholder 1"/>
+          <p:cNvSpPr>
+            <a:spLocks noGrp="1" noRot="1" noChangeAspect="1"/>
+          </p:cNvSpPr>
+          <p:nvPr>
+            <p:ph type="sldImg"/>
+          </p:nvPr>
+        </p:nvSpPr>
+        <p:spPr/>
+      </p:sp>
+      <p:sp>
+        <p:nvSpPr>
+          <p:cNvPr id="3" name="Notes Placeholder 2"/>
+          <p:cNvSpPr>
+            <a:spLocks noGrp="1"/>
+          </p:cNvSpPr>
+          <p:nvPr>
+            <p:ph type="body" idx="1"/>
+          </p:nvPr>
+        </p:nvSpPr>
+        <p:spPr/>
+        <p:txBody>
+          <a:bodyPr/>
+          <a:lstStyle/>
+          <a:p>
+            <a:pPr marL="171450" indent="-171450">
+              <a:buFont typeface="Arial" panose="020B0604020202020204" pitchFamily="34" charset="0"/>
+              <a:buChar char="•"/>
+            </a:pPr>
+            <a:r>
+              <a:rPr lang="en-US" dirty="0"/>
+              <a:t>We tried loading the data before removing the pictures and links that were included in the Excel file and ran into issues. </a:t>
+            </a:r>
+          </a:p>
+          <a:p>
+            <a:pPr marL="628650" lvl="1" indent="-171450">
+              <a:buFont typeface="Arial" panose="020B0604020202020204" pitchFamily="34" charset="0"/>
+              <a:buChar char="•"/>
+            </a:pPr>
+            <a:r>
+              <a:rPr lang="en-US" dirty="0"/>
+              <a:t>Instead, we chose to remove the pictures and links from the Excel file before loading the data into R.</a:t>
+            </a:r>
+          </a:p>
+          <a:p>
+            <a:pPr marL="171450" lvl="0" indent="-171450">
+              <a:buFont typeface="Arial" panose="020B0604020202020204" pitchFamily="34" charset="0"/>
+              <a:buChar char="•"/>
+            </a:pPr>
+            <a:r>
+              <a:rPr lang="en-US" dirty="0"/>
+              <a:t>Before gathering the columns, the data frame from the “Current US$” sheet had 71 columns: Country, Notes, and then a column for each year from 1949 to 2017.</a:t>
+            </a:r>
+          </a:p>
+          <a:p>
+            <a:pPr marL="628650" lvl="1" indent="-171450">
+              <a:buFont typeface="Arial" panose="020B0604020202020204" pitchFamily="34" charset="0"/>
+              <a:buChar char="•"/>
+            </a:pPr>
+            <a:r>
+              <a:rPr lang="en-US" dirty="0"/>
+              <a:t>After gathering the columns, the resulting data frame had 7472 rows and 4 columns: Country, Notes, Year, and Value</a:t>
+            </a:r>
+          </a:p>
+          <a:p>
+            <a:pPr marL="171450" lvl="0" indent="-171450">
+              <a:buFont typeface="Arial" panose="020B0604020202020204" pitchFamily="34" charset="0"/>
+              <a:buChar char="•"/>
+            </a:pPr>
+            <a:r>
+              <a:rPr lang="en-US" dirty="0"/>
+              <a:t>Finally, we changed the “Year” and “Value” variables to be numeric types</a:t>
+            </a:r>
+          </a:p>
+        </p:txBody>
+      </p:sp>
+      <p:sp>
+        <p:nvSpPr>
+          <p:cNvPr id="4" name="Slide Number Placeholder 3"/>
+          <p:cNvSpPr>
+            <a:spLocks noGrp="1"/>
+          </p:cNvSpPr>
+          <p:nvPr>
+            <p:ph type="sldNum" sz="quarter" idx="5"/>
+          </p:nvPr>
+        </p:nvSpPr>
+        <p:spPr/>
+        <p:txBody>
+          <a:bodyPr/>
+          <a:lstStyle/>
+          <a:p>
+            <a:fld id="{68E58C9F-A835-45F7-A2FB-D97F5C9E2B18}" type="slidenum">
+              <a:rPr lang="en-US" smtClean="0"/>
+              <a:t>4</a:t>
+            </a:fld>
+            <a:endParaRPr lang="en-US"/>
+          </a:p>
+        </p:txBody>
+      </p:sp>
+    </p:spTree>
+    <p:extLst>
+      <p:ext uri="{BB962C8B-B14F-4D97-AF65-F5344CB8AC3E}">
+        <p14:creationId xmlns:p14="http://schemas.microsoft.com/office/powerpoint/2010/main" val="2012960402"/>
+      </p:ext>
+    </p:extLst>
+  </p:cSld>
+  <p:clrMapOvr>
+    <a:masterClrMapping/>
+  </p:clrMapOvr>
+</p:notes>
+</file>
+
+<file path=ppt/notesSlides/notesSlide5.xml><?xml version="1.0" encoding="utf-8"?>
+<p:notes xmlns:a="http://schemas.openxmlformats.org/drawingml/2006/main" xmlns:r="http://schemas.openxmlformats.org/officeDocument/2006/relationships" xmlns:p="http://schemas.openxmlformats.org/presentationml/2006/main">
+  <p:cSld>
+    <p:spTree>
+      <p:nvGrpSpPr>
+        <p:cNvPr id="1" name=""/>
+        <p:cNvGrpSpPr/>
+        <p:nvPr/>
+      </p:nvGrpSpPr>
+      <p:grpSpPr>
+        <a:xfrm>
+          <a:off x="0" y="0"/>
+          <a:ext cx="0" cy="0"/>
+          <a:chOff x="0" y="0"/>
+          <a:chExt cx="0" cy="0"/>
+        </a:xfrm>
+      </p:grpSpPr>
+      <p:sp>
+        <p:nvSpPr>
+          <p:cNvPr id="2" name="Slide Image Placeholder 1"/>
+          <p:cNvSpPr>
+            <a:spLocks noGrp="1" noRot="1" noChangeAspect="1"/>
+          </p:cNvSpPr>
+          <p:nvPr>
+            <p:ph type="sldImg"/>
+          </p:nvPr>
+        </p:nvSpPr>
+        <p:spPr/>
+      </p:sp>
+      <p:sp>
+        <p:nvSpPr>
+          <p:cNvPr id="3" name="Notes Placeholder 2"/>
+          <p:cNvSpPr>
+            <a:spLocks noGrp="1"/>
+          </p:cNvSpPr>
+          <p:nvPr>
+            <p:ph type="body" idx="1"/>
+          </p:nvPr>
+        </p:nvSpPr>
+        <p:spPr/>
+        <p:txBody>
+          <a:bodyPr/>
+          <a:lstStyle/>
+          <a:p>
+            <a:endParaRPr lang="en-US"/>
+          </a:p>
+        </p:txBody>
+      </p:sp>
+      <p:sp>
+        <p:nvSpPr>
+          <p:cNvPr id="4" name="Slide Number Placeholder 3"/>
+          <p:cNvSpPr>
+            <a:spLocks noGrp="1"/>
+          </p:cNvSpPr>
+          <p:nvPr>
+            <p:ph type="sldNum" sz="quarter" idx="5"/>
+          </p:nvPr>
+        </p:nvSpPr>
+        <p:spPr/>
+        <p:txBody>
+          <a:bodyPr/>
+          <a:lstStyle/>
+          <a:p>
+            <a:fld id="{68E58C9F-A835-45F7-A2FB-D97F5C9E2B18}" type="slidenum">
+              <a:rPr lang="en-US" smtClean="0"/>
+              <a:t>7</a:t>
+            </a:fld>
+            <a:endParaRPr lang="en-US"/>
+          </a:p>
+        </p:txBody>
+      </p:sp>
+    </p:spTree>
+    <p:extLst>
+      <p:ext uri="{BB962C8B-B14F-4D97-AF65-F5344CB8AC3E}">
+        <p14:creationId xmlns:p14="http://schemas.microsoft.com/office/powerpoint/2010/main" val="1096683164"/>
+      </p:ext>
+    </p:extLst>
+  </p:cSld>
+  <p:clrMapOvr>
+    <a:masterClrMapping/>
+  </p:clrMapOvr>
+</p:notes>
 </file>
 
 <file path=ppt/slideLayouts/slideLayout1.xml><?xml version="1.0" encoding="utf-8"?>
@@ -10811,7 +15599,7 @@
           <a:p>
             <a:fld id="{904CBDC2-D31A-4399-9807-94C89FD2081E}" type="datetimeFigureOut">
               <a:rPr lang="en-US" smtClean="0"/>
-              <a:t>4/30/2019</a:t>
+              <a:t>5/2/2019</a:t>
             </a:fld>
             <a:endParaRPr lang="en-US"/>
           </a:p>
@@ -11009,7 +15797,7 @@
           <a:p>
             <a:fld id="{904CBDC2-D31A-4399-9807-94C89FD2081E}" type="datetimeFigureOut">
               <a:rPr lang="en-US" smtClean="0"/>
-              <a:t>4/30/2019</a:t>
+              <a:t>5/2/2019</a:t>
             </a:fld>
             <a:endParaRPr lang="en-US"/>
           </a:p>
@@ -11217,7 +16005,7 @@
           <a:p>
             <a:fld id="{904CBDC2-D31A-4399-9807-94C89FD2081E}" type="datetimeFigureOut">
               <a:rPr lang="en-US" smtClean="0"/>
-              <a:t>4/30/2019</a:t>
+              <a:t>5/2/2019</a:t>
             </a:fld>
             <a:endParaRPr lang="en-US"/>
           </a:p>
@@ -11415,7 +16203,7 @@
           <a:p>
             <a:fld id="{904CBDC2-D31A-4399-9807-94C89FD2081E}" type="datetimeFigureOut">
               <a:rPr lang="en-US" smtClean="0"/>
-              <a:t>4/30/2019</a:t>
+              <a:t>5/2/2019</a:t>
             </a:fld>
             <a:endParaRPr lang="en-US"/>
           </a:p>
@@ -11690,7 +16478,7 @@
           <a:p>
             <a:fld id="{904CBDC2-D31A-4399-9807-94C89FD2081E}" type="datetimeFigureOut">
               <a:rPr lang="en-US" smtClean="0"/>
-              <a:t>4/30/2019</a:t>
+              <a:t>5/2/2019</a:t>
             </a:fld>
             <a:endParaRPr lang="en-US"/>
           </a:p>
@@ -11955,7 +16743,7 @@
           <a:p>
             <a:fld id="{904CBDC2-D31A-4399-9807-94C89FD2081E}" type="datetimeFigureOut">
               <a:rPr lang="en-US" smtClean="0"/>
-              <a:t>4/30/2019</a:t>
+              <a:t>5/2/2019</a:t>
             </a:fld>
             <a:endParaRPr lang="en-US"/>
           </a:p>
@@ -12367,7 +17155,7 @@
           <a:p>
             <a:fld id="{904CBDC2-D31A-4399-9807-94C89FD2081E}" type="datetimeFigureOut">
               <a:rPr lang="en-US" smtClean="0"/>
-              <a:t>4/30/2019</a:t>
+              <a:t>5/2/2019</a:t>
             </a:fld>
             <a:endParaRPr lang="en-US"/>
           </a:p>
@@ -12508,7 +17296,7 @@
           <a:p>
             <a:fld id="{904CBDC2-D31A-4399-9807-94C89FD2081E}" type="datetimeFigureOut">
               <a:rPr lang="en-US" smtClean="0"/>
-              <a:t>4/30/2019</a:t>
+              <a:t>5/2/2019</a:t>
             </a:fld>
             <a:endParaRPr lang="en-US"/>
           </a:p>
@@ -12621,7 +17409,7 @@
           <a:p>
             <a:fld id="{904CBDC2-D31A-4399-9807-94C89FD2081E}" type="datetimeFigureOut">
               <a:rPr lang="en-US" smtClean="0"/>
-              <a:t>4/30/2019</a:t>
+              <a:t>5/2/2019</a:t>
             </a:fld>
             <a:endParaRPr lang="en-US"/>
           </a:p>
@@ -12932,7 +17720,7 @@
           <a:p>
             <a:fld id="{904CBDC2-D31A-4399-9807-94C89FD2081E}" type="datetimeFigureOut">
               <a:rPr lang="en-US" smtClean="0"/>
-              <a:t>4/30/2019</a:t>
+              <a:t>5/2/2019</a:t>
             </a:fld>
             <a:endParaRPr lang="en-US"/>
           </a:p>
@@ -13220,7 +18008,7 @@
           <a:p>
             <a:fld id="{904CBDC2-D31A-4399-9807-94C89FD2081E}" type="datetimeFigureOut">
               <a:rPr lang="en-US" smtClean="0"/>
-              <a:t>4/30/2019</a:t>
+              <a:t>5/2/2019</a:t>
             </a:fld>
             <a:endParaRPr lang="en-US"/>
           </a:p>
@@ -13461,7 +18249,7 @@
           <a:p>
             <a:fld id="{904CBDC2-D31A-4399-9807-94C89FD2081E}" type="datetimeFigureOut">
               <a:rPr lang="en-US" smtClean="0"/>
-              <a:t>4/30/2019</a:t>
+              <a:t>5/2/2019</a:t>
             </a:fld>
             <a:endParaRPr lang="en-US"/>
           </a:p>
@@ -13996,7 +18784,7 @@
           </p:nvPr>
         </p:nvPicPr>
         <p:blipFill>
-          <a:blip r:embed="rId2">
+          <a:blip r:embed="rId3">
             <a:extLst>
               <a:ext uri="{28A0092B-C50C-407E-A947-70E740481C1C}">
                 <a14:useLocalDpi xmlns:a14="http://schemas.microsoft.com/office/drawing/2010/main" val="0"/>
@@ -14254,13 +19042,13 @@
           <p:nvPr/>
         </p:nvPicPr>
         <p:blipFill>
-          <a:blip r:embed="rId3">
+          <a:blip r:embed="rId4">
             <a:extLst>
               <a:ext uri="{28A0092B-C50C-407E-A947-70E740481C1C}">
                 <a14:useLocalDpi xmlns:a14="http://schemas.microsoft.com/office/drawing/2010/main" val="0"/>
               </a:ext>
               <a:ext uri="{96DAC541-7B7A-43D3-8B79-37D633B846F1}">
-                <asvg:svgBlip xmlns:asvg="http://schemas.microsoft.com/office/drawing/2016/SVG/main" r:embed="rId4"/>
+                <asvg:svgBlip xmlns:asvg="http://schemas.microsoft.com/office/drawing/2016/SVG/main" r:embed="rId5"/>
               </a:ext>
             </a:extLst>
           </a:blip>
@@ -14441,6 +19229,414 @@
           <p:cNvPr id="2" name="Title 1">
             <a:extLst>
               <a:ext uri="{FF2B5EF4-FFF2-40B4-BE49-F238E27FC236}">
+                <a16:creationId xmlns:a16="http://schemas.microsoft.com/office/drawing/2014/main" id="{BD7DCC51-9311-4F44-91CB-AD390174A801}"/>
+              </a:ext>
+            </a:extLst>
+          </p:cNvPr>
+          <p:cNvSpPr>
+            <a:spLocks noGrp="1"/>
+          </p:cNvSpPr>
+          <p:nvPr>
+            <p:ph type="title"/>
+          </p:nvPr>
+        </p:nvSpPr>
+        <p:spPr/>
+        <p:txBody>
+          <a:bodyPr/>
+          <a:lstStyle/>
+          <a:p>
+            <a:r>
+              <a:rPr lang="en-US" dirty="0">
+                <a:solidFill>
+                  <a:schemeClr val="accent2">
+                    <a:lumMod val="75000"/>
+                  </a:schemeClr>
+                </a:solidFill>
+              </a:rPr>
+              <a:t>Notes: [Cleaning]</a:t>
+            </a:r>
+          </a:p>
+        </p:txBody>
+      </p:sp>
+      <p:sp>
+        <p:nvSpPr>
+          <p:cNvPr id="3" name="Content Placeholder 2">
+            <a:extLst>
+              <a:ext uri="{FF2B5EF4-FFF2-40B4-BE49-F238E27FC236}">
+                <a16:creationId xmlns:a16="http://schemas.microsoft.com/office/drawing/2014/main" id="{0D790EB3-67EF-4E1E-9BAE-74BEFE6D1065}"/>
+              </a:ext>
+            </a:extLst>
+          </p:cNvPr>
+          <p:cNvSpPr>
+            <a:spLocks noGrp="1"/>
+          </p:cNvSpPr>
+          <p:nvPr>
+            <p:ph idx="1"/>
+          </p:nvPr>
+        </p:nvSpPr>
+        <p:spPr/>
+        <p:txBody>
+          <a:bodyPr>
+            <a:normAutofit lnSpcReduction="10000"/>
+          </a:bodyPr>
+          <a:lstStyle/>
+          <a:p>
+            <a:pPr marL="0" indent="0">
+              <a:buNone/>
+            </a:pPr>
+            <a:r>
+              <a:rPr lang="en-US" b="1" dirty="0"/>
+              <a:t>Mostly for Sonya’s reference while creating the PowerPoint</a:t>
+            </a:r>
+          </a:p>
+          <a:p>
+            <a:pPr marL="171450" lvl="0" indent="-171450"/>
+            <a:r>
+              <a:rPr lang="en-US" dirty="0"/>
+              <a:t>Before gathering the columns, the data frame from the “Current US$” sheet had 71 columns: Country, Notes, and then a column for each year from 1949 to 2017.</a:t>
+            </a:r>
+          </a:p>
+          <a:p>
+            <a:pPr marL="628650" lvl="1" indent="-171450"/>
+            <a:r>
+              <a:rPr lang="en-US" dirty="0"/>
+              <a:t>After gathering the columns, the resulting data frame had 7472 rows and 4 columns: Country, Notes, Year, and Value</a:t>
+            </a:r>
+          </a:p>
+          <a:p>
+            <a:pPr marL="171450" lvl="0" indent="-171450"/>
+            <a:r>
+              <a:rPr lang="en-US" dirty="0"/>
+              <a:t>Finally, we changed the “Year” and “Value” variables to be numeric types</a:t>
+            </a:r>
+          </a:p>
+          <a:p>
+            <a:pPr marL="0" indent="0">
+              <a:buNone/>
+            </a:pPr>
+            <a:r>
+              <a:rPr lang="en-US" b="1" dirty="0"/>
+              <a:t>&lt;Arms Import and Military Personnel follow same cleaning process, but we also added iso3c column&gt;</a:t>
+            </a:r>
+          </a:p>
+          <a:p>
+            <a:pPr marL="0" indent="0">
+              <a:buNone/>
+            </a:pPr>
+            <a:r>
+              <a:rPr lang="en-US" b="1" dirty="0"/>
+              <a:t>Also filtered out rows that had NA in their Value column</a:t>
+            </a:r>
+          </a:p>
+          <a:p>
+            <a:pPr marL="0" indent="0">
+              <a:buNone/>
+            </a:pPr>
+            <a:endParaRPr lang="en-US" dirty="0"/>
+          </a:p>
+        </p:txBody>
+      </p:sp>
+    </p:spTree>
+    <p:extLst>
+      <p:ext uri="{BB962C8B-B14F-4D97-AF65-F5344CB8AC3E}">
+        <p14:creationId xmlns:p14="http://schemas.microsoft.com/office/powerpoint/2010/main" val="1853731159"/>
+      </p:ext>
+    </p:extLst>
+  </p:cSld>
+  <p:clrMapOvr>
+    <a:masterClrMapping/>
+  </p:clrMapOvr>
+</p:sld>
+</file>
+
+<file path=ppt/slides/slide11.xml><?xml version="1.0" encoding="utf-8"?>
+<p:sld xmlns:a="http://schemas.openxmlformats.org/drawingml/2006/main" xmlns:r="http://schemas.openxmlformats.org/officeDocument/2006/relationships" xmlns:p="http://schemas.openxmlformats.org/presentationml/2006/main">
+  <p:cSld>
+    <p:spTree>
+      <p:nvGrpSpPr>
+        <p:cNvPr id="1" name=""/>
+        <p:cNvGrpSpPr/>
+        <p:nvPr/>
+      </p:nvGrpSpPr>
+      <p:grpSpPr>
+        <a:xfrm>
+          <a:off x="0" y="0"/>
+          <a:ext cx="0" cy="0"/>
+          <a:chOff x="0" y="0"/>
+          <a:chExt cx="0" cy="0"/>
+        </a:xfrm>
+      </p:grpSpPr>
+      <p:sp>
+        <p:nvSpPr>
+          <p:cNvPr id="2" name="Title 1">
+            <a:extLst>
+              <a:ext uri="{FF2B5EF4-FFF2-40B4-BE49-F238E27FC236}">
+                <a16:creationId xmlns:a16="http://schemas.microsoft.com/office/drawing/2014/main" id="{A6522C12-69C4-4067-B016-CA8643D1C7B5}"/>
+              </a:ext>
+            </a:extLst>
+          </p:cNvPr>
+          <p:cNvSpPr>
+            <a:spLocks noGrp="1"/>
+          </p:cNvSpPr>
+          <p:nvPr>
+            <p:ph type="title"/>
+          </p:nvPr>
+        </p:nvSpPr>
+        <p:spPr/>
+        <p:txBody>
+          <a:bodyPr/>
+          <a:lstStyle/>
+          <a:p>
+            <a:r>
+              <a:rPr lang="en-US" dirty="0">
+                <a:solidFill>
+                  <a:schemeClr val="accent2">
+                    <a:lumMod val="75000"/>
+                  </a:schemeClr>
+                </a:solidFill>
+              </a:rPr>
+              <a:t>Notes:</a:t>
+            </a:r>
+          </a:p>
+        </p:txBody>
+      </p:sp>
+      <p:sp>
+        <p:nvSpPr>
+          <p:cNvPr id="3" name="Content Placeholder 2">
+            <a:extLst>
+              <a:ext uri="{FF2B5EF4-FFF2-40B4-BE49-F238E27FC236}">
+                <a16:creationId xmlns:a16="http://schemas.microsoft.com/office/drawing/2014/main" id="{0C2D89CB-4E12-4FC8-99AA-D8FA2A3035E9}"/>
+              </a:ext>
+            </a:extLst>
+          </p:cNvPr>
+          <p:cNvSpPr>
+            <a:spLocks noGrp="1"/>
+          </p:cNvSpPr>
+          <p:nvPr>
+            <p:ph idx="1"/>
+          </p:nvPr>
+        </p:nvSpPr>
+        <p:spPr/>
+        <p:txBody>
+          <a:bodyPr/>
+          <a:lstStyle/>
+          <a:p>
+            <a:pPr marL="0" indent="0">
+              <a:buNone/>
+            </a:pPr>
+            <a:r>
+              <a:rPr lang="en-US" b="1" dirty="0"/>
+              <a:t>Mostly for Sonya’s reference while creating the PowerPoint</a:t>
+            </a:r>
+          </a:p>
+          <a:p>
+            <a:r>
+              <a:rPr lang="en-US" dirty="0">
+                <a:solidFill>
+                  <a:srgbClr val="000000"/>
+                </a:solidFill>
+              </a:rPr>
+              <a:t>“Current US$” sheet used for our choropleth</a:t>
+            </a:r>
+          </a:p>
+          <a:p>
+            <a:r>
+              <a:rPr lang="en-US" dirty="0"/>
+              <a:t>“The sources for military expenditure data are, in order of priority: (a) primary sources, that is, official data provided by national governments, either in their official publications or in response to questionnaires; (b) secondary sources which quote primary data; and (c) other secondary sources.” – SIPRI FAQ on our dataset</a:t>
+            </a:r>
+            <a:endParaRPr lang="en-US" dirty="0">
+              <a:solidFill>
+                <a:srgbClr val="000000"/>
+              </a:solidFill>
+            </a:endParaRPr>
+          </a:p>
+          <a:p>
+            <a:pPr marL="0" indent="0">
+              <a:buNone/>
+            </a:pPr>
+            <a:endParaRPr lang="en-US" dirty="0">
+              <a:solidFill>
+                <a:schemeClr val="accent2"/>
+              </a:solidFill>
+            </a:endParaRPr>
+          </a:p>
+        </p:txBody>
+      </p:sp>
+    </p:spTree>
+    <p:extLst>
+      <p:ext uri="{BB962C8B-B14F-4D97-AF65-F5344CB8AC3E}">
+        <p14:creationId xmlns:p14="http://schemas.microsoft.com/office/powerpoint/2010/main" val="88700323"/>
+      </p:ext>
+    </p:extLst>
+  </p:cSld>
+  <p:clrMapOvr>
+    <a:masterClrMapping/>
+  </p:clrMapOvr>
+</p:sld>
+</file>
+
+<file path=ppt/slides/slide12.xml><?xml version="1.0" encoding="utf-8"?>
+<p:sld xmlns:a="http://schemas.openxmlformats.org/drawingml/2006/main" xmlns:r="http://schemas.openxmlformats.org/officeDocument/2006/relationships" xmlns:p="http://schemas.openxmlformats.org/presentationml/2006/main">
+  <p:cSld>
+    <p:spTree>
+      <p:nvGrpSpPr>
+        <p:cNvPr id="1" name=""/>
+        <p:cNvGrpSpPr/>
+        <p:nvPr/>
+      </p:nvGrpSpPr>
+      <p:grpSpPr>
+        <a:xfrm>
+          <a:off x="0" y="0"/>
+          <a:ext cx="0" cy="0"/>
+          <a:chOff x="0" y="0"/>
+          <a:chExt cx="0" cy="0"/>
+        </a:xfrm>
+      </p:grpSpPr>
+      <p:sp>
+        <p:nvSpPr>
+          <p:cNvPr id="2" name="Title 1">
+            <a:extLst>
+              <a:ext uri="{FF2B5EF4-FFF2-40B4-BE49-F238E27FC236}">
+                <a16:creationId xmlns:a16="http://schemas.microsoft.com/office/drawing/2014/main" id="{176323B1-1B0C-49F0-9650-74EDE09FFDDC}"/>
+              </a:ext>
+            </a:extLst>
+          </p:cNvPr>
+          <p:cNvSpPr>
+            <a:spLocks noGrp="1"/>
+          </p:cNvSpPr>
+          <p:nvPr>
+            <p:ph type="title"/>
+          </p:nvPr>
+        </p:nvSpPr>
+        <p:spPr/>
+        <p:txBody>
+          <a:bodyPr/>
+          <a:lstStyle/>
+          <a:p>
+            <a:r>
+              <a:rPr lang="en-US" dirty="0">
+                <a:solidFill>
+                  <a:schemeClr val="accent2">
+                    <a:lumMod val="75000"/>
+                  </a:schemeClr>
+                </a:solidFill>
+              </a:rPr>
+              <a:t>Notes:</a:t>
+            </a:r>
+            <a:endParaRPr lang="en-US" dirty="0"/>
+          </a:p>
+        </p:txBody>
+      </p:sp>
+      <p:sp>
+        <p:nvSpPr>
+          <p:cNvPr id="3" name="Content Placeholder 2">
+            <a:extLst>
+              <a:ext uri="{FF2B5EF4-FFF2-40B4-BE49-F238E27FC236}">
+                <a16:creationId xmlns:a16="http://schemas.microsoft.com/office/drawing/2014/main" id="{79DDD24F-B620-4E8E-8FB3-85CA8C48E91B}"/>
+              </a:ext>
+            </a:extLst>
+          </p:cNvPr>
+          <p:cNvSpPr>
+            <a:spLocks noGrp="1"/>
+          </p:cNvSpPr>
+          <p:nvPr>
+            <p:ph idx="1"/>
+          </p:nvPr>
+        </p:nvSpPr>
+        <p:spPr/>
+        <p:txBody>
+          <a:bodyPr>
+            <a:normAutofit/>
+          </a:bodyPr>
+          <a:lstStyle/>
+          <a:p>
+            <a:pPr marL="0" indent="0">
+              <a:buNone/>
+            </a:pPr>
+            <a:r>
+              <a:rPr lang="en-US" b="1" dirty="0"/>
+              <a:t>Mostly for Sonya’s reference while creating the PowerPoint</a:t>
+            </a:r>
+            <a:endParaRPr lang="en-US" dirty="0"/>
+          </a:p>
+          <a:p>
+            <a:r>
+              <a:rPr lang="en-US" dirty="0"/>
+              <a:t>Gray polygon indicates a missing value – going to change</a:t>
+            </a:r>
+          </a:p>
+          <a:p>
+            <a:r>
+              <a:rPr lang="en-US" dirty="0"/>
+              <a:t>Mexico’s expenditure over time</a:t>
+            </a:r>
+          </a:p>
+          <a:p>
+            <a:r>
+              <a:rPr lang="en-US" dirty="0"/>
+              <a:t>Iraq – stopped reporting from 1980 to 2005 </a:t>
+            </a:r>
+            <a:r>
+              <a:rPr lang="en-US" dirty="0" err="1"/>
+              <a:t>ish</a:t>
+            </a:r>
+            <a:endParaRPr lang="en-US" dirty="0"/>
+          </a:p>
+          <a:p>
+            <a:r>
+              <a:rPr lang="en-US" dirty="0"/>
+              <a:t>Saudi Arabia – oil boom</a:t>
+            </a:r>
+          </a:p>
+          <a:p>
+            <a:r>
+              <a:rPr lang="en-US" dirty="0"/>
+              <a:t>India – early 2000’s Afghanistan India war (show alongside Afghanistan plot)</a:t>
+            </a:r>
+          </a:p>
+          <a:p>
+            <a:r>
+              <a:rPr lang="en-US" dirty="0"/>
+              <a:t>US follows a very rounded curve</a:t>
+            </a:r>
+          </a:p>
+        </p:txBody>
+      </p:sp>
+    </p:spTree>
+    <p:extLst>
+      <p:ext uri="{BB962C8B-B14F-4D97-AF65-F5344CB8AC3E}">
+        <p14:creationId xmlns:p14="http://schemas.microsoft.com/office/powerpoint/2010/main" val="513180211"/>
+      </p:ext>
+    </p:extLst>
+  </p:cSld>
+  <p:clrMapOvr>
+    <a:masterClrMapping/>
+  </p:clrMapOvr>
+</p:sld>
+</file>
+
+<file path=ppt/slides/slide13.xml><?xml version="1.0" encoding="utf-8"?>
+<p:sld xmlns:a="http://schemas.openxmlformats.org/drawingml/2006/main" xmlns:r="http://schemas.openxmlformats.org/officeDocument/2006/relationships" xmlns:p="http://schemas.openxmlformats.org/presentationml/2006/main">
+  <p:cSld>
+    <p:spTree>
+      <p:nvGrpSpPr>
+        <p:cNvPr id="1" name=""/>
+        <p:cNvGrpSpPr/>
+        <p:nvPr/>
+      </p:nvGrpSpPr>
+      <p:grpSpPr>
+        <a:xfrm>
+          <a:off x="0" y="0"/>
+          <a:ext cx="0" cy="0"/>
+          <a:chOff x="0" y="0"/>
+          <a:chExt cx="0" cy="0"/>
+        </a:xfrm>
+      </p:grpSpPr>
+      <p:sp>
+        <p:nvSpPr>
+          <p:cNvPr id="2" name="Title 1">
+            <a:extLst>
+              <a:ext uri="{FF2B5EF4-FFF2-40B4-BE49-F238E27FC236}">
                 <a16:creationId xmlns:a16="http://schemas.microsoft.com/office/drawing/2014/main" id="{1A5048A5-1A6B-496F-B959-970AD6E5E9F5}"/>
               </a:ext>
             </a:extLst>
@@ -14458,9 +19654,16 @@
           <a:lstStyle/>
           <a:p>
             <a:r>
-              <a:rPr lang="en-US" dirty="0"/>
-              <a:t>GDP Plots</a:t>
+              <a:rPr lang="en-US" dirty="0">
+                <a:solidFill>
+                  <a:schemeClr val="accent2">
+                    <a:lumMod val="75000"/>
+                  </a:schemeClr>
+                </a:solidFill>
+              </a:rPr>
+              <a:t>Notes:</a:t>
             </a:r>
+            <a:endParaRPr lang="en-US" dirty="0"/>
           </a:p>
         </p:txBody>
       </p:sp>
@@ -14484,6 +19687,25 @@
         <p:txBody>
           <a:bodyPr/>
           <a:lstStyle/>
+          <a:p>
+            <a:pPr marL="0" indent="0">
+              <a:buNone/>
+            </a:pPr>
+            <a:r>
+              <a:rPr lang="en-US" b="1" dirty="0"/>
+              <a:t>Mostly for Sonya’s reference while creating the PowerPoint</a:t>
+            </a:r>
+            <a:endParaRPr lang="en-US" dirty="0"/>
+          </a:p>
+          <a:p>
+            <a:pPr marL="0" indent="0">
+              <a:buNone/>
+            </a:pPr>
+            <a:r>
+              <a:rPr lang="en-US" dirty="0"/>
+              <a:t>GDP Plots:</a:t>
+            </a:r>
+          </a:p>
           <a:p>
             <a:r>
               <a:rPr lang="en-US" dirty="0"/>
@@ -14575,6 +19797,339 @@
         </p:nvSpPr>
         <p:spPr>
           <a:xfrm>
+            <a:off x="1571811" y="1573586"/>
+            <a:ext cx="9122584" cy="1325563"/>
+          </a:xfrm>
+        </p:spPr>
+        <p:txBody>
+          <a:bodyPr>
+            <a:normAutofit/>
+          </a:bodyPr>
+          <a:lstStyle/>
+          <a:p>
+            <a:r>
+              <a:rPr lang="en-US" b="1" dirty="0">
+                <a:solidFill>
+                  <a:schemeClr val="accent2"/>
+                </a:solidFill>
+              </a:rPr>
+              <a:t>Obtaining the Data</a:t>
+            </a:r>
+          </a:p>
+        </p:txBody>
+      </p:sp>
+      <p:sp>
+        <p:nvSpPr>
+          <p:cNvPr id="3" name="Content Placeholder 2">
+            <a:extLst>
+              <a:ext uri="{FF2B5EF4-FFF2-40B4-BE49-F238E27FC236}">
+                <a16:creationId xmlns:a16="http://schemas.microsoft.com/office/drawing/2014/main" id="{3E3969F2-7179-43EA-96C3-DCEB9FA26951}"/>
+              </a:ext>
+            </a:extLst>
+          </p:cNvPr>
+          <p:cNvSpPr>
+            <a:spLocks noGrp="1"/>
+          </p:cNvSpPr>
+          <p:nvPr>
+            <p:ph idx="1"/>
+          </p:nvPr>
+        </p:nvSpPr>
+        <p:spPr>
+          <a:xfrm>
+            <a:off x="1571811" y="3011214"/>
+            <a:ext cx="6408407" cy="2161134"/>
+          </a:xfrm>
+        </p:spPr>
+        <p:txBody>
+          <a:bodyPr>
+            <a:normAutofit/>
+          </a:bodyPr>
+          <a:lstStyle/>
+          <a:p>
+            <a:pPr>
+              <a:buClr>
+                <a:schemeClr val="accent1">
+                  <a:lumMod val="75000"/>
+                </a:schemeClr>
+              </a:buClr>
+            </a:pPr>
+            <a:r>
+              <a:rPr lang="en-US" sz="2400" dirty="0"/>
+              <a:t>Military expenditures of 172 countries from 1949 – 2017</a:t>
+            </a:r>
+          </a:p>
+          <a:p>
+            <a:pPr>
+              <a:buClr>
+                <a:schemeClr val="accent1">
+                  <a:lumMod val="75000"/>
+                </a:schemeClr>
+              </a:buClr>
+            </a:pPr>
+            <a:r>
+              <a:rPr lang="en-US" sz="2400" dirty="0"/>
+              <a:t>Downloaded an Excel spreadsheet containing military expenditure data for all countries </a:t>
+            </a:r>
+          </a:p>
+          <a:p>
+            <a:pPr>
+              <a:buClr>
+                <a:schemeClr val="accent1">
+                  <a:lumMod val="75000"/>
+                </a:schemeClr>
+              </a:buClr>
+            </a:pPr>
+            <a:r>
+              <a:rPr lang="en-US" sz="2400" dirty="0"/>
+              <a:t>Read in data using </a:t>
+            </a:r>
+            <a:r>
+              <a:rPr lang="en-US" sz="2400" dirty="0" err="1">
+                <a:latin typeface="Courier New" panose="02070309020205020404" pitchFamily="49" charset="0"/>
+                <a:cs typeface="Courier New" panose="02070309020205020404" pitchFamily="49" charset="0"/>
+              </a:rPr>
+              <a:t>read_excel</a:t>
+            </a:r>
+            <a:endParaRPr lang="en-US" sz="2400" dirty="0">
+              <a:latin typeface="Courier New" panose="02070309020205020404" pitchFamily="49" charset="0"/>
+              <a:cs typeface="Courier New" panose="02070309020205020404" pitchFamily="49" charset="0"/>
+            </a:endParaRPr>
+          </a:p>
+        </p:txBody>
+      </p:sp>
+      <p:sp>
+        <p:nvSpPr>
+          <p:cNvPr id="35" name="Freeform 6">
+            <a:extLst>
+              <a:ext uri="{FF2B5EF4-FFF2-40B4-BE49-F238E27FC236}">
+                <a16:creationId xmlns:a16="http://schemas.microsoft.com/office/drawing/2014/main" id="{A9616D99-AEFB-4C95-84EF-5DEC698D92A7}"/>
+              </a:ext>
+              <a:ext uri="{C183D7F6-B498-43B3-948B-1728B52AA6E4}">
+                <adec:decorative xmlns:adec="http://schemas.microsoft.com/office/drawing/2017/decorative" val="1"/>
+              </a:ext>
+            </a:extLst>
+          </p:cNvPr>
+          <p:cNvSpPr>
+            <a:spLocks noGrp="1" noRot="1" noChangeAspect="1" noMove="1" noResize="1" noEditPoints="1" noAdjustHandles="1" noChangeArrowheads="1" noChangeShapeType="1" noTextEdit="1"/>
+          </p:cNvSpPr>
+          <p:nvPr>
+            <p:extLst>
+              <p:ext uri="{386F3935-93C4-4BCD-93E2-E3B085C9AB24}">
+                <p16:designElem xmlns:p16="http://schemas.microsoft.com/office/powerpoint/2015/main" val="1"/>
+              </p:ext>
+            </p:extLst>
+          </p:nvPr>
+        </p:nvSpPr>
+        <p:spPr bwMode="auto">
+          <a:xfrm flipH="1" flipV="1">
+            <a:off x="752858" y="744469"/>
+            <a:ext cx="3275668" cy="4408488"/>
+          </a:xfrm>
+          <a:custGeom>
+            <a:avLst/>
+            <a:gdLst/>
+            <a:ahLst/>
+            <a:cxnLst/>
+            <a:rect l="l" t="t" r="r" b="b"/>
+            <a:pathLst>
+              <a:path w="10002" h="10000">
+                <a:moveTo>
+                  <a:pt x="8763" y="0"/>
+                </a:moveTo>
+                <a:lnTo>
+                  <a:pt x="10002" y="0"/>
+                </a:lnTo>
+                <a:lnTo>
+                  <a:pt x="10002" y="10000"/>
+                </a:lnTo>
+                <a:lnTo>
+                  <a:pt x="2" y="10000"/>
+                </a:lnTo>
+                <a:cubicBezTo>
+                  <a:pt x="-2" y="9698"/>
+                  <a:pt x="4" y="9427"/>
+                  <a:pt x="0" y="9125"/>
+                </a:cubicBezTo>
+                <a:lnTo>
+                  <a:pt x="8763" y="9128"/>
+                </a:lnTo>
+                <a:lnTo>
+                  <a:pt x="8763" y="0"/>
+                </a:lnTo>
+                <a:close/>
+              </a:path>
+            </a:pathLst>
+          </a:custGeom>
+          <a:solidFill>
+            <a:srgbClr val="4C4C4C"/>
+          </a:solidFill>
+          <a:ln w="0">
+            <a:noFill/>
+            <a:prstDash val="solid"/>
+            <a:round/>
+            <a:headEnd/>
+            <a:tailEnd/>
+          </a:ln>
+        </p:spPr>
+      </p:sp>
+      <p:sp>
+        <p:nvSpPr>
+          <p:cNvPr id="37" name="Freeform 6">
+            <a:extLst>
+              <a:ext uri="{FF2B5EF4-FFF2-40B4-BE49-F238E27FC236}">
+                <a16:creationId xmlns:a16="http://schemas.microsoft.com/office/drawing/2014/main" id="{D0F97023-F626-4FC5-8C2D-753B5C7F4606}"/>
+              </a:ext>
+              <a:ext uri="{C183D7F6-B498-43B3-948B-1728B52AA6E4}">
+                <adec:decorative xmlns:adec="http://schemas.microsoft.com/office/drawing/2017/decorative" val="1"/>
+              </a:ext>
+            </a:extLst>
+          </p:cNvPr>
+          <p:cNvSpPr>
+            <a:spLocks noGrp="1" noRot="1" noChangeAspect="1" noMove="1" noResize="1" noEditPoints="1" noAdjustHandles="1" noChangeArrowheads="1" noChangeShapeType="1" noTextEdit="1"/>
+          </p:cNvSpPr>
+          <p:nvPr>
+            <p:extLst>
+              <p:ext uri="{386F3935-93C4-4BCD-93E2-E3B085C9AB24}">
+                <p16:designElem xmlns:p16="http://schemas.microsoft.com/office/powerpoint/2015/main" val="1"/>
+              </p:ext>
+            </p:extLst>
+          </p:nvPr>
+        </p:nvSpPr>
+        <p:spPr bwMode="auto">
+          <a:xfrm>
+            <a:off x="8151962" y="1685652"/>
+            <a:ext cx="3275013" cy="4408488"/>
+          </a:xfrm>
+          <a:custGeom>
+            <a:avLst/>
+            <a:gdLst/>
+            <a:ahLst/>
+            <a:cxnLst/>
+            <a:rect l="l" t="t" r="r" b="b"/>
+            <a:pathLst>
+              <a:path w="10000" h="10000">
+                <a:moveTo>
+                  <a:pt x="8761" y="0"/>
+                </a:moveTo>
+                <a:lnTo>
+                  <a:pt x="10000" y="0"/>
+                </a:lnTo>
+                <a:lnTo>
+                  <a:pt x="10000" y="10000"/>
+                </a:lnTo>
+                <a:lnTo>
+                  <a:pt x="0" y="10000"/>
+                </a:lnTo>
+                <a:lnTo>
+                  <a:pt x="0" y="9126"/>
+                </a:lnTo>
+                <a:lnTo>
+                  <a:pt x="8761" y="9127"/>
+                </a:lnTo>
+                <a:lnTo>
+                  <a:pt x="8761" y="0"/>
+                </a:lnTo>
+                <a:close/>
+              </a:path>
+            </a:pathLst>
+          </a:custGeom>
+          <a:solidFill>
+            <a:srgbClr val="4C4C4C"/>
+          </a:solidFill>
+          <a:ln w="0">
+            <a:noFill/>
+            <a:prstDash val="solid"/>
+            <a:round/>
+            <a:headEnd/>
+            <a:tailEnd/>
+          </a:ln>
+        </p:spPr>
+      </p:sp>
+      <p:pic>
+        <p:nvPicPr>
+          <p:cNvPr id="4" name="Picture 3">
+            <a:extLst>
+              <a:ext uri="{FF2B5EF4-FFF2-40B4-BE49-F238E27FC236}">
+                <a16:creationId xmlns:a16="http://schemas.microsoft.com/office/drawing/2014/main" id="{B7AF72F8-6172-4979-8D63-CC64D0F9D0C7}"/>
+              </a:ext>
+            </a:extLst>
+          </p:cNvPr>
+          <p:cNvPicPr>
+            <a:picLocks noChangeAspect="1"/>
+          </p:cNvPicPr>
+          <p:nvPr/>
+        </p:nvPicPr>
+        <p:blipFill rotWithShape="1">
+          <a:blip r:embed="rId3"/>
+          <a:srcRect l="4004" t="12868" r="76749" b="62417"/>
+          <a:stretch/>
+        </p:blipFill>
+        <p:spPr>
+          <a:xfrm>
+            <a:off x="7968451" y="3040646"/>
+            <a:ext cx="2542433" cy="1836412"/>
+          </a:xfrm>
+          <a:prstGeom prst="rect">
+            <a:avLst/>
+          </a:prstGeom>
+        </p:spPr>
+      </p:pic>
+    </p:spTree>
+    <p:extLst>
+      <p:ext uri="{BB962C8B-B14F-4D97-AF65-F5344CB8AC3E}">
+        <p14:creationId xmlns:p14="http://schemas.microsoft.com/office/powerpoint/2010/main" val="3063762737"/>
+      </p:ext>
+    </p:extLst>
+  </p:cSld>
+  <p:clrMapOvr>
+    <a:masterClrMapping/>
+  </p:clrMapOvr>
+</p:sld>
+</file>
+
+<file path=ppt/slides/slide3.xml><?xml version="1.0" encoding="utf-8"?>
+<p:sld xmlns:a="http://schemas.openxmlformats.org/drawingml/2006/main" xmlns:r="http://schemas.openxmlformats.org/officeDocument/2006/relationships" xmlns:p="http://schemas.openxmlformats.org/presentationml/2006/main">
+  <p:cSld>
+    <p:bg>
+      <p:bgPr>
+        <a:solidFill>
+          <a:schemeClr val="bg1"/>
+        </a:solidFill>
+        <a:effectLst/>
+      </p:bgPr>
+    </p:bg>
+    <p:spTree>
+      <p:nvGrpSpPr>
+        <p:cNvPr id="1" name=""/>
+        <p:cNvGrpSpPr/>
+        <p:nvPr/>
+      </p:nvGrpSpPr>
+      <p:grpSpPr>
+        <a:xfrm>
+          <a:off x="0" y="0"/>
+          <a:ext cx="0" cy="0"/>
+          <a:chOff x="0" y="0"/>
+          <a:chExt cx="0" cy="0"/>
+        </a:xfrm>
+      </p:grpSpPr>
+      <p:sp>
+        <p:nvSpPr>
+          <p:cNvPr id="2" name="Title 1">
+            <a:extLst>
+              <a:ext uri="{FF2B5EF4-FFF2-40B4-BE49-F238E27FC236}">
+                <a16:creationId xmlns:a16="http://schemas.microsoft.com/office/drawing/2014/main" id="{4DA23D93-606E-4A1E-97B5-A98F774FB70A}"/>
+              </a:ext>
+            </a:extLst>
+          </p:cNvPr>
+          <p:cNvSpPr>
+            <a:spLocks noGrp="1"/>
+          </p:cNvSpPr>
+          <p:nvPr>
+            <p:ph type="title"/>
+          </p:nvPr>
+        </p:nvSpPr>
+        <p:spPr>
+          <a:xfrm>
             <a:off x="648929" y="629266"/>
             <a:ext cx="3505495" cy="1622321"/>
           </a:xfrm>
@@ -14642,7 +20197,7 @@
             </a:pPr>
             <a:r>
               <a:rPr lang="en-US" sz="2000" dirty="0"/>
-              <a:t>Dataset used to only include data from 1988 and on, but has been recently extended to include data from 1949 and on (as available) (only for current USD and GDP)</a:t>
+              <a:t>Dataset used to only include data from 1988 and on, but the “Current US$” sheet and “Share of GDP” sheet have been recently extended to include data from 1949 and on (as available)</a:t>
             </a:r>
           </a:p>
           <a:p>
@@ -14861,7 +20416,7 @@
           <p:nvPr>
             <p:extLst>
               <p:ext uri="{D42A27DB-BD31-4B8C-83A1-F6EECF244321}">
-                <p14:modId xmlns:p14="http://schemas.microsoft.com/office/powerpoint/2010/main" val="3138305299"/>
+                <p14:modId xmlns:p14="http://schemas.microsoft.com/office/powerpoint/2010/main" val="253060120"/>
               </p:ext>
             </p:extLst>
           </p:nvPr>
@@ -15091,7 +20646,7 @@
                         <a:defRPr/>
                       </a:pPr>
                       <a:r>
-                        <a:rPr lang="en-US" sz="2600"/>
+                        <a:rPr lang="en-US" sz="2600" b="0" i="0" u="sng" dirty="0"/>
                         <a:t>Current US$</a:t>
                       </a:r>
                     </a:p>
@@ -15255,335 +20810,6 @@
 </p:sld>
 </file>
 
-<file path=ppt/slides/slide3.xml><?xml version="1.0" encoding="utf-8"?>
-<p:sld xmlns:a="http://schemas.openxmlformats.org/drawingml/2006/main" xmlns:r="http://schemas.openxmlformats.org/officeDocument/2006/relationships" xmlns:p="http://schemas.openxmlformats.org/presentationml/2006/main">
-  <p:cSld>
-    <p:bg>
-      <p:bgPr>
-        <a:solidFill>
-          <a:schemeClr val="bg1"/>
-        </a:solidFill>
-        <a:effectLst/>
-      </p:bgPr>
-    </p:bg>
-    <p:spTree>
-      <p:nvGrpSpPr>
-        <p:cNvPr id="1" name=""/>
-        <p:cNvGrpSpPr/>
-        <p:nvPr/>
-      </p:nvGrpSpPr>
-      <p:grpSpPr>
-        <a:xfrm>
-          <a:off x="0" y="0"/>
-          <a:ext cx="0" cy="0"/>
-          <a:chOff x="0" y="0"/>
-          <a:chExt cx="0" cy="0"/>
-        </a:xfrm>
-      </p:grpSpPr>
-      <p:sp>
-        <p:nvSpPr>
-          <p:cNvPr id="2" name="Title 1">
-            <a:extLst>
-              <a:ext uri="{FF2B5EF4-FFF2-40B4-BE49-F238E27FC236}">
-                <a16:creationId xmlns:a16="http://schemas.microsoft.com/office/drawing/2014/main" id="{4DA23D93-606E-4A1E-97B5-A98F774FB70A}"/>
-              </a:ext>
-            </a:extLst>
-          </p:cNvPr>
-          <p:cNvSpPr>
-            <a:spLocks noGrp="1"/>
-          </p:cNvSpPr>
-          <p:nvPr>
-            <p:ph type="title"/>
-          </p:nvPr>
-        </p:nvSpPr>
-        <p:spPr>
-          <a:xfrm>
-            <a:off x="1571811" y="1573586"/>
-            <a:ext cx="9122584" cy="1325563"/>
-          </a:xfrm>
-        </p:spPr>
-        <p:txBody>
-          <a:bodyPr>
-            <a:normAutofit/>
-          </a:bodyPr>
-          <a:lstStyle/>
-          <a:p>
-            <a:r>
-              <a:rPr lang="en-US" b="1" dirty="0">
-                <a:solidFill>
-                  <a:schemeClr val="accent2"/>
-                </a:solidFill>
-              </a:rPr>
-              <a:t>How We Obtained the Data</a:t>
-            </a:r>
-          </a:p>
-        </p:txBody>
-      </p:sp>
-      <p:sp>
-        <p:nvSpPr>
-          <p:cNvPr id="3" name="Content Placeholder 2">
-            <a:extLst>
-              <a:ext uri="{FF2B5EF4-FFF2-40B4-BE49-F238E27FC236}">
-                <a16:creationId xmlns:a16="http://schemas.microsoft.com/office/drawing/2014/main" id="{3E3969F2-7179-43EA-96C3-DCEB9FA26951}"/>
-              </a:ext>
-            </a:extLst>
-          </p:cNvPr>
-          <p:cNvSpPr>
-            <a:spLocks noGrp="1"/>
-          </p:cNvSpPr>
-          <p:nvPr>
-            <p:ph idx="1"/>
-          </p:nvPr>
-        </p:nvSpPr>
-        <p:spPr>
-          <a:xfrm>
-            <a:off x="1571811" y="3060017"/>
-            <a:ext cx="6066118" cy="2438546"/>
-          </a:xfrm>
-        </p:spPr>
-        <p:txBody>
-          <a:bodyPr>
-            <a:normAutofit/>
-          </a:bodyPr>
-          <a:lstStyle/>
-          <a:p>
-            <a:pPr>
-              <a:buClr>
-                <a:schemeClr val="accent1">
-                  <a:lumMod val="75000"/>
-                </a:schemeClr>
-              </a:buClr>
-            </a:pPr>
-            <a:r>
-              <a:rPr lang="en-US" sz="2400"/>
-              <a:t>Stockholm International Peace Research Institute</a:t>
-            </a:r>
-          </a:p>
-          <a:p>
-            <a:pPr>
-              <a:buClr>
-                <a:schemeClr val="accent1">
-                  <a:lumMod val="75000"/>
-                </a:schemeClr>
-              </a:buClr>
-            </a:pPr>
-            <a:r>
-              <a:rPr lang="en-US" sz="2400"/>
-              <a:t>Downloaded an Excel spreadsheet containing data for all countries </a:t>
-            </a:r>
-          </a:p>
-          <a:p>
-            <a:pPr>
-              <a:buClr>
-                <a:schemeClr val="accent1">
-                  <a:lumMod val="75000"/>
-                </a:schemeClr>
-              </a:buClr>
-            </a:pPr>
-            <a:r>
-              <a:rPr lang="en-US" sz="2400"/>
-              <a:t>Read in data using </a:t>
-            </a:r>
-            <a:r>
-              <a:rPr lang="en-US" sz="2400">
-                <a:latin typeface="Courier New" panose="02070309020205020404" pitchFamily="49" charset="0"/>
-                <a:cs typeface="Courier New" panose="02070309020205020404" pitchFamily="49" charset="0"/>
-              </a:rPr>
-              <a:t>read_excel</a:t>
-            </a:r>
-          </a:p>
-        </p:txBody>
-      </p:sp>
-      <p:sp>
-        <p:nvSpPr>
-          <p:cNvPr id="35" name="Freeform 6">
-            <a:extLst>
-              <a:ext uri="{FF2B5EF4-FFF2-40B4-BE49-F238E27FC236}">
-                <a16:creationId xmlns:a16="http://schemas.microsoft.com/office/drawing/2014/main" id="{A9616D99-AEFB-4C95-84EF-5DEC698D92A7}"/>
-              </a:ext>
-              <a:ext uri="{C183D7F6-B498-43B3-948B-1728B52AA6E4}">
-                <adec:decorative xmlns:adec="http://schemas.microsoft.com/office/drawing/2017/decorative" val="1"/>
-              </a:ext>
-            </a:extLst>
-          </p:cNvPr>
-          <p:cNvSpPr>
-            <a:spLocks noGrp="1" noRot="1" noChangeAspect="1" noMove="1" noResize="1" noEditPoints="1" noAdjustHandles="1" noChangeArrowheads="1" noChangeShapeType="1" noTextEdit="1"/>
-          </p:cNvSpPr>
-          <p:nvPr>
-            <p:extLst>
-              <p:ext uri="{386F3935-93C4-4BCD-93E2-E3B085C9AB24}">
-                <p16:designElem xmlns:p16="http://schemas.microsoft.com/office/powerpoint/2015/main" val="1"/>
-              </p:ext>
-            </p:extLst>
-          </p:nvPr>
-        </p:nvSpPr>
-        <p:spPr bwMode="auto">
-          <a:xfrm flipH="1" flipV="1">
-            <a:off x="752858" y="744469"/>
-            <a:ext cx="3275668" cy="4408488"/>
-          </a:xfrm>
-          <a:custGeom>
-            <a:avLst/>
-            <a:gdLst/>
-            <a:ahLst/>
-            <a:cxnLst/>
-            <a:rect l="l" t="t" r="r" b="b"/>
-            <a:pathLst>
-              <a:path w="10002" h="10000">
-                <a:moveTo>
-                  <a:pt x="8763" y="0"/>
-                </a:moveTo>
-                <a:lnTo>
-                  <a:pt x="10002" y="0"/>
-                </a:lnTo>
-                <a:lnTo>
-                  <a:pt x="10002" y="10000"/>
-                </a:lnTo>
-                <a:lnTo>
-                  <a:pt x="2" y="10000"/>
-                </a:lnTo>
-                <a:cubicBezTo>
-                  <a:pt x="-2" y="9698"/>
-                  <a:pt x="4" y="9427"/>
-                  <a:pt x="0" y="9125"/>
-                </a:cubicBezTo>
-                <a:lnTo>
-                  <a:pt x="8763" y="9128"/>
-                </a:lnTo>
-                <a:lnTo>
-                  <a:pt x="8763" y="0"/>
-                </a:lnTo>
-                <a:close/>
-              </a:path>
-            </a:pathLst>
-          </a:custGeom>
-          <a:solidFill>
-            <a:srgbClr val="4C4C4C"/>
-          </a:solidFill>
-          <a:ln w="0">
-            <a:noFill/>
-            <a:prstDash val="solid"/>
-            <a:round/>
-            <a:headEnd/>
-            <a:tailEnd/>
-          </a:ln>
-        </p:spPr>
-      </p:sp>
-      <p:sp>
-        <p:nvSpPr>
-          <p:cNvPr id="37" name="Freeform 6">
-            <a:extLst>
-              <a:ext uri="{FF2B5EF4-FFF2-40B4-BE49-F238E27FC236}">
-                <a16:creationId xmlns:a16="http://schemas.microsoft.com/office/drawing/2014/main" id="{D0F97023-F626-4FC5-8C2D-753B5C7F4606}"/>
-              </a:ext>
-              <a:ext uri="{C183D7F6-B498-43B3-948B-1728B52AA6E4}">
-                <adec:decorative xmlns:adec="http://schemas.microsoft.com/office/drawing/2017/decorative" val="1"/>
-              </a:ext>
-            </a:extLst>
-          </p:cNvPr>
-          <p:cNvSpPr>
-            <a:spLocks noGrp="1" noRot="1" noChangeAspect="1" noMove="1" noResize="1" noEditPoints="1" noAdjustHandles="1" noChangeArrowheads="1" noChangeShapeType="1" noTextEdit="1"/>
-          </p:cNvSpPr>
-          <p:nvPr>
-            <p:extLst>
-              <p:ext uri="{386F3935-93C4-4BCD-93E2-E3B085C9AB24}">
-                <p16:designElem xmlns:p16="http://schemas.microsoft.com/office/powerpoint/2015/main" val="1"/>
-              </p:ext>
-            </p:extLst>
-          </p:nvPr>
-        </p:nvSpPr>
-        <p:spPr bwMode="auto">
-          <a:xfrm>
-            <a:off x="8151962" y="1685652"/>
-            <a:ext cx="3275013" cy="4408488"/>
-          </a:xfrm>
-          <a:custGeom>
-            <a:avLst/>
-            <a:gdLst/>
-            <a:ahLst/>
-            <a:cxnLst/>
-            <a:rect l="l" t="t" r="r" b="b"/>
-            <a:pathLst>
-              <a:path w="10000" h="10000">
-                <a:moveTo>
-                  <a:pt x="8761" y="0"/>
-                </a:moveTo>
-                <a:lnTo>
-                  <a:pt x="10000" y="0"/>
-                </a:lnTo>
-                <a:lnTo>
-                  <a:pt x="10000" y="10000"/>
-                </a:lnTo>
-                <a:lnTo>
-                  <a:pt x="0" y="10000"/>
-                </a:lnTo>
-                <a:lnTo>
-                  <a:pt x="0" y="9126"/>
-                </a:lnTo>
-                <a:lnTo>
-                  <a:pt x="8761" y="9127"/>
-                </a:lnTo>
-                <a:lnTo>
-                  <a:pt x="8761" y="0"/>
-                </a:lnTo>
-                <a:close/>
-              </a:path>
-            </a:pathLst>
-          </a:custGeom>
-          <a:solidFill>
-            <a:srgbClr val="4C4C4C"/>
-          </a:solidFill>
-          <a:ln w="0">
-            <a:noFill/>
-            <a:prstDash val="solid"/>
-            <a:round/>
-            <a:headEnd/>
-            <a:tailEnd/>
-          </a:ln>
-        </p:spPr>
-      </p:sp>
-      <p:pic>
-        <p:nvPicPr>
-          <p:cNvPr id="4" name="Picture 3">
-            <a:extLst>
-              <a:ext uri="{FF2B5EF4-FFF2-40B4-BE49-F238E27FC236}">
-                <a16:creationId xmlns:a16="http://schemas.microsoft.com/office/drawing/2014/main" id="{B7AF72F8-6172-4979-8D63-CC64D0F9D0C7}"/>
-              </a:ext>
-            </a:extLst>
-          </p:cNvPr>
-          <p:cNvPicPr>
-            <a:picLocks noChangeAspect="1"/>
-          </p:cNvPicPr>
-          <p:nvPr/>
-        </p:nvPicPr>
-        <p:blipFill rotWithShape="1">
-          <a:blip r:embed="rId2"/>
-          <a:srcRect l="4004" t="12868" r="76749" b="62417"/>
-          <a:stretch/>
-        </p:blipFill>
-        <p:spPr>
-          <a:xfrm>
-            <a:off x="8151962" y="3370624"/>
-            <a:ext cx="2542433" cy="1836412"/>
-          </a:xfrm>
-          <a:prstGeom prst="rect">
-            <a:avLst/>
-          </a:prstGeom>
-        </p:spPr>
-      </p:pic>
-    </p:spTree>
-    <p:extLst>
-      <p:ext uri="{BB962C8B-B14F-4D97-AF65-F5344CB8AC3E}">
-        <p14:creationId xmlns:p14="http://schemas.microsoft.com/office/powerpoint/2010/main" val="3063762737"/>
-      </p:ext>
-    </p:extLst>
-  </p:cSld>
-  <p:clrMapOvr>
-    <a:masterClrMapping/>
-  </p:clrMapOvr>
-</p:sld>
-</file>
-
 <file path=ppt/slides/slide4.xml><?xml version="1.0" encoding="utf-8"?>
 <p:sld xmlns:a="http://schemas.openxmlformats.org/drawingml/2006/main" xmlns:r="http://schemas.openxmlformats.org/officeDocument/2006/relationships" xmlns:p="http://schemas.openxmlformats.org/presentationml/2006/main">
   <p:cSld>
@@ -15638,22 +20864,15 @@
           <a:lstStyle/>
           <a:p>
             <a:r>
-              <a:rPr lang="en-US" b="1">
+              <a:rPr lang="en-US" b="1" dirty="0">
                 <a:solidFill>
                   <a:schemeClr val="bg2">
                     <a:lumMod val="25000"/>
                   </a:schemeClr>
                 </a:solidFill>
               </a:rPr>
-              <a:t>How We Cleaned the Data</a:t>
+              <a:t>Cleaning the Data (Initial Analysis)</a:t>
             </a:r>
-            <a:endParaRPr lang="en-US" b="1" dirty="0">
-              <a:solidFill>
-                <a:schemeClr val="bg2">
-                  <a:lumMod val="25000"/>
-                </a:schemeClr>
-              </a:solidFill>
-            </a:endParaRPr>
           </a:p>
         </p:txBody>
       </p:sp>
@@ -15673,7 +20892,7 @@
             <p:ph idx="1"/>
             <p:extLst>
               <p:ext uri="{D42A27DB-BD31-4B8C-83A1-F6EECF244321}">
-                <p14:modId xmlns:p14="http://schemas.microsoft.com/office/powerpoint/2010/main" val="1807357121"/>
+                <p14:modId xmlns:p14="http://schemas.microsoft.com/office/powerpoint/2010/main" val="4161491479"/>
               </p:ext>
             </p:extLst>
           </p:nvPr>
@@ -15684,7 +20903,7 @@
         </p:xfrm>
         <a:graphic>
           <a:graphicData uri="http://schemas.openxmlformats.org/drawingml/2006/diagram">
-            <dgm:relIds xmlns:dgm="http://schemas.openxmlformats.org/drawingml/2006/diagram" xmlns:r="http://schemas.openxmlformats.org/officeDocument/2006/relationships" r:dm="rId2" r:lo="rId3" r:qs="rId4" r:cs="rId5"/>
+            <dgm:relIds xmlns:dgm="http://schemas.openxmlformats.org/drawingml/2006/diagram" xmlns:r="http://schemas.openxmlformats.org/officeDocument/2006/relationships" r:dm="rId3" r:lo="rId4" r:qs="rId5" r:cs="rId6"/>
           </a:graphicData>
         </a:graphic>
       </p:graphicFrame>
@@ -16441,7 +21660,7 @@
                   <a:srgbClr val="FFFFFF"/>
                 </a:solidFill>
               </a:rPr>
-              <a:t>Complex</a:t>
+              <a:t>Secondary</a:t>
             </a:r>
             <a:br>
               <a:rPr lang="en-US" b="1" dirty="0">
@@ -16508,6 +21727,116 @@
 <file path=ppt/slides/slide7.xml><?xml version="1.0" encoding="utf-8"?>
 <p:sld xmlns:a="http://schemas.openxmlformats.org/drawingml/2006/main" xmlns:r="http://schemas.openxmlformats.org/officeDocument/2006/relationships" xmlns:p="http://schemas.openxmlformats.org/presentationml/2006/main">
   <p:cSld>
+    <p:bg>
+      <p:bgPr>
+        <a:solidFill>
+          <a:schemeClr val="bg1"/>
+        </a:solidFill>
+        <a:effectLst/>
+      </p:bgPr>
+    </p:bg>
+    <p:spTree>
+      <p:nvGrpSpPr>
+        <p:cNvPr id="1" name=""/>
+        <p:cNvGrpSpPr/>
+        <p:nvPr/>
+      </p:nvGrpSpPr>
+      <p:grpSpPr>
+        <a:xfrm>
+          <a:off x="0" y="0"/>
+          <a:ext cx="0" cy="0"/>
+          <a:chOff x="0" y="0"/>
+          <a:chExt cx="0" cy="0"/>
+        </a:xfrm>
+      </p:grpSpPr>
+      <p:sp>
+        <p:nvSpPr>
+          <p:cNvPr id="2" name="Title 1">
+            <a:extLst>
+              <a:ext uri="{FF2B5EF4-FFF2-40B4-BE49-F238E27FC236}">
+                <a16:creationId xmlns:a16="http://schemas.microsoft.com/office/drawing/2014/main" id="{231B44E4-BDC1-4767-9CE6-A0C326582927}"/>
+              </a:ext>
+            </a:extLst>
+          </p:cNvPr>
+          <p:cNvSpPr>
+            <a:spLocks noGrp="1"/>
+          </p:cNvSpPr>
+          <p:nvPr>
+            <p:ph type="title"/>
+          </p:nvPr>
+        </p:nvSpPr>
+        <p:spPr>
+          <a:xfrm>
+            <a:off x="838200" y="365125"/>
+            <a:ext cx="10515600" cy="1325563"/>
+          </a:xfrm>
+        </p:spPr>
+        <p:txBody>
+          <a:bodyPr>
+            <a:normAutofit/>
+          </a:bodyPr>
+          <a:lstStyle/>
+          <a:p>
+            <a:r>
+              <a:rPr lang="en-US" b="1" dirty="0">
+                <a:solidFill>
+                  <a:schemeClr val="bg2">
+                    <a:lumMod val="25000"/>
+                  </a:schemeClr>
+                </a:solidFill>
+              </a:rPr>
+              <a:t>Cleaning the Data (Secondary Analysis)</a:t>
+            </a:r>
+          </a:p>
+        </p:txBody>
+      </p:sp>
+      <p:graphicFrame>
+        <p:nvGraphicFramePr>
+          <p:cNvPr id="18" name="Content Placeholder 2">
+            <a:extLst>
+              <a:ext uri="{FF2B5EF4-FFF2-40B4-BE49-F238E27FC236}">
+                <a16:creationId xmlns:a16="http://schemas.microsoft.com/office/drawing/2014/main" id="{36E51131-3B90-4AC2-BD25-35A855057F29}"/>
+              </a:ext>
+            </a:extLst>
+          </p:cNvPr>
+          <p:cNvGraphicFramePr>
+            <a:graphicFrameLocks noGrp="1"/>
+          </p:cNvGraphicFramePr>
+          <p:nvPr>
+            <p:ph idx="1"/>
+            <p:extLst>
+              <p:ext uri="{D42A27DB-BD31-4B8C-83A1-F6EECF244321}">
+                <p14:modId xmlns:p14="http://schemas.microsoft.com/office/powerpoint/2010/main" val="1612858450"/>
+              </p:ext>
+            </p:extLst>
+          </p:nvPr>
+        </p:nvGraphicFramePr>
+        <p:xfrm>
+          <a:off x="838200" y="1854654"/>
+          <a:ext cx="10149114" cy="4351338"/>
+        </p:xfrm>
+        <a:graphic>
+          <a:graphicData uri="http://schemas.openxmlformats.org/drawingml/2006/diagram">
+            <dgm:relIds xmlns:dgm="http://schemas.openxmlformats.org/drawingml/2006/diagram" xmlns:r="http://schemas.openxmlformats.org/officeDocument/2006/relationships" r:dm="rId3" r:lo="rId4" r:qs="rId5" r:cs="rId6"/>
+          </a:graphicData>
+        </a:graphic>
+      </p:graphicFrame>
+    </p:spTree>
+    <p:extLst>
+      <p:ext uri="{BB962C8B-B14F-4D97-AF65-F5344CB8AC3E}">
+        <p14:creationId xmlns:p14="http://schemas.microsoft.com/office/powerpoint/2010/main" val="2880215735"/>
+      </p:ext>
+    </p:extLst>
+  </p:cSld>
+  <p:clrMapOvr>
+    <a:masterClrMapping/>
+  </p:clrMapOvr>
+</p:sld>
+</file>
+
+<file path=ppt/slides/slide8.xml><?xml version="1.0" encoding="utf-8"?>
+<p:sld xmlns:a="http://schemas.openxmlformats.org/drawingml/2006/main" xmlns:r="http://schemas.openxmlformats.org/officeDocument/2006/relationships" xmlns:p="http://schemas.openxmlformats.org/presentationml/2006/main">
+  <p:cSld>
     <p:spTree>
       <p:nvGrpSpPr>
         <p:cNvPr id="1" name=""/>
@@ -16579,8 +21908,8 @@
           </a:xfrm>
         </p:spPr>
         <p:txBody>
-          <a:bodyPr>
-            <a:normAutofit fontScale="47500" lnSpcReduction="20000"/>
+          <a:bodyPr numCol="2">
+            <a:normAutofit fontScale="92500" lnSpcReduction="10000"/>
           </a:bodyPr>
           <a:lstStyle/>
           <a:p>
@@ -16622,6 +21951,9 @@
             <a:endParaRPr lang="en-US" dirty="0"/>
           </a:p>
           <a:p>
+            <a:pPr marL="0" indent="0">
+              <a:buNone/>
+            </a:pPr>
             <a:r>
               <a:rPr lang="en-US" dirty="0"/>
               <a:t>Libraries used</a:t>
@@ -16766,6 +22098,34 @@
             </a:r>
           </a:p>
           <a:p>
+            <a:r>
+              <a:rPr lang="en-US" dirty="0"/>
+              <a:t>library(</a:t>
+            </a:r>
+            <a:r>
+              <a:rPr lang="en-US" dirty="0" err="1"/>
+              <a:t>gifski</a:t>
+            </a:r>
+            <a:r>
+              <a:rPr lang="en-US" dirty="0"/>
+              <a:t>)</a:t>
+            </a:r>
+          </a:p>
+          <a:p>
+            <a:r>
+              <a:rPr lang="en-US" dirty="0"/>
+              <a:t>library(</a:t>
+            </a:r>
+            <a:r>
+              <a:rPr lang="en-US" dirty="0" err="1"/>
+              <a:t>gganimate</a:t>
+            </a:r>
+            <a:r>
+              <a:rPr lang="en-US" dirty="0"/>
+              <a:t>)</a:t>
+            </a:r>
+          </a:p>
+          <a:p>
             <a:endParaRPr lang="en-US" dirty="0"/>
           </a:p>
         </p:txBody>
@@ -16774,141 +22134,6 @@
     <p:extLst>
       <p:ext uri="{BB962C8B-B14F-4D97-AF65-F5344CB8AC3E}">
         <p14:creationId xmlns:p14="http://schemas.microsoft.com/office/powerpoint/2010/main" val="212546280"/>
-      </p:ext>
-    </p:extLst>
-  </p:cSld>
-  <p:clrMapOvr>
-    <a:masterClrMapping/>
-  </p:clrMapOvr>
-</p:sld>
-</file>
-
-<file path=ppt/slides/slide8.xml><?xml version="1.0" encoding="utf-8"?>
-<p:sld xmlns:a="http://schemas.openxmlformats.org/drawingml/2006/main" xmlns:r="http://schemas.openxmlformats.org/officeDocument/2006/relationships" xmlns:p="http://schemas.openxmlformats.org/presentationml/2006/main">
-  <p:cSld>
-    <p:spTree>
-      <p:nvGrpSpPr>
-        <p:cNvPr id="1" name=""/>
-        <p:cNvGrpSpPr/>
-        <p:nvPr/>
-      </p:nvGrpSpPr>
-      <p:grpSpPr>
-        <a:xfrm>
-          <a:off x="0" y="0"/>
-          <a:ext cx="0" cy="0"/>
-          <a:chOff x="0" y="0"/>
-          <a:chExt cx="0" cy="0"/>
-        </a:xfrm>
-      </p:grpSpPr>
-      <p:sp>
-        <p:nvSpPr>
-          <p:cNvPr id="2" name="Title 1">
-            <a:extLst>
-              <a:ext uri="{FF2B5EF4-FFF2-40B4-BE49-F238E27FC236}">
-                <a16:creationId xmlns:a16="http://schemas.microsoft.com/office/drawing/2014/main" id="{A6522C12-69C4-4067-B016-CA8643D1C7B5}"/>
-              </a:ext>
-            </a:extLst>
-          </p:cNvPr>
-          <p:cNvSpPr>
-            <a:spLocks noGrp="1"/>
-          </p:cNvSpPr>
-          <p:nvPr>
-            <p:ph type="title"/>
-          </p:nvPr>
-        </p:nvSpPr>
-        <p:spPr/>
-        <p:txBody>
-          <a:bodyPr/>
-          <a:lstStyle/>
-          <a:p>
-            <a:r>
-              <a:rPr lang="en-US" dirty="0">
-                <a:solidFill>
-                  <a:schemeClr val="accent2">
-                    <a:lumMod val="75000"/>
-                  </a:schemeClr>
-                </a:solidFill>
-              </a:rPr>
-              <a:t>SONYA PLEASE FIGURE THESE THINGS OUT</a:t>
-            </a:r>
-          </a:p>
-        </p:txBody>
-      </p:sp>
-      <p:sp>
-        <p:nvSpPr>
-          <p:cNvPr id="3" name="Content Placeholder 2">
-            <a:extLst>
-              <a:ext uri="{FF2B5EF4-FFF2-40B4-BE49-F238E27FC236}">
-                <a16:creationId xmlns:a16="http://schemas.microsoft.com/office/drawing/2014/main" id="{0C2D89CB-4E12-4FC8-99AA-D8FA2A3035E9}"/>
-              </a:ext>
-            </a:extLst>
-          </p:cNvPr>
-          <p:cNvSpPr>
-            <a:spLocks noGrp="1"/>
-          </p:cNvSpPr>
-          <p:nvPr>
-            <p:ph idx="1"/>
-          </p:nvPr>
-        </p:nvSpPr>
-        <p:spPr/>
-        <p:txBody>
-          <a:bodyPr/>
-          <a:lstStyle/>
-          <a:p>
-            <a:r>
-              <a:rPr lang="en-US" dirty="0">
-                <a:solidFill>
-                  <a:schemeClr val="accent2"/>
-                </a:solidFill>
-              </a:rPr>
-              <a:t>Gifs embedded in a PowerPoint</a:t>
-            </a:r>
-          </a:p>
-          <a:p>
-            <a:pPr marL="0" indent="0">
-              <a:buNone/>
-            </a:pPr>
-            <a:endParaRPr lang="en-US" dirty="0">
-              <a:solidFill>
-                <a:schemeClr val="accent2"/>
-              </a:solidFill>
-            </a:endParaRPr>
-          </a:p>
-          <a:p>
-            <a:pPr marL="0" indent="0">
-              <a:buNone/>
-            </a:pPr>
-            <a:r>
-              <a:rPr lang="en-US" b="1" dirty="0"/>
-              <a:t>Notes:</a:t>
-            </a:r>
-          </a:p>
-          <a:p>
-            <a:r>
-              <a:rPr lang="en-US" dirty="0">
-                <a:solidFill>
-                  <a:srgbClr val="000000"/>
-                </a:solidFill>
-              </a:rPr>
-              <a:t>“Current US$” sheet used for our choropleth</a:t>
-            </a:r>
-          </a:p>
-          <a:p>
-            <a:pPr marL="0" indent="0">
-              <a:buNone/>
-            </a:pPr>
-            <a:endParaRPr lang="en-US" dirty="0">
-              <a:solidFill>
-                <a:schemeClr val="accent2"/>
-              </a:solidFill>
-            </a:endParaRPr>
-          </a:p>
-        </p:txBody>
-      </p:sp>
-    </p:spTree>
-    <p:extLst>
-      <p:ext uri="{BB962C8B-B14F-4D97-AF65-F5344CB8AC3E}">
-        <p14:creationId xmlns:p14="http://schemas.microsoft.com/office/powerpoint/2010/main" val="88700323"/>
       </p:ext>
     </p:extLst>
   </p:cSld>
@@ -16940,7 +22165,7 @@
           <p:cNvPr id="2" name="Title 1">
             <a:extLst>
               <a:ext uri="{FF2B5EF4-FFF2-40B4-BE49-F238E27FC236}">
-                <a16:creationId xmlns:a16="http://schemas.microsoft.com/office/drawing/2014/main" id="{176323B1-1B0C-49F0-9650-74EDE09FFDDC}"/>
+                <a16:creationId xmlns:a16="http://schemas.microsoft.com/office/drawing/2014/main" id="{47A73FE8-8E68-492D-AE18-D29C4D224150}"/>
               </a:ext>
             </a:extLst>
           </p:cNvPr>
@@ -16956,7 +22181,36 @@
           <a:bodyPr/>
           <a:lstStyle/>
           <a:p>
-            <a:endParaRPr lang="en-US"/>
+            <a:r>
+              <a:rPr lang="en-US" dirty="0">
+                <a:solidFill>
+                  <a:schemeClr val="accent2">
+                    <a:lumMod val="75000"/>
+                  </a:schemeClr>
+                </a:solidFill>
+              </a:rPr>
+              <a:t>Notes: [</a:t>
+            </a:r>
+            <a:r>
+              <a:rPr lang="en-US" dirty="0" err="1">
+                <a:solidFill>
+                  <a:schemeClr val="accent2">
+                    <a:lumMod val="75000"/>
+                  </a:schemeClr>
+                </a:solidFill>
+              </a:rPr>
+              <a:t>Dataframes</a:t>
+            </a:r>
+            <a:r>
+              <a:rPr lang="en-US" dirty="0">
+                <a:solidFill>
+                  <a:schemeClr val="accent2">
+                    <a:lumMod val="75000"/>
+                  </a:schemeClr>
+                </a:solidFill>
+              </a:rPr>
+              <a:t>]</a:t>
+            </a:r>
           </a:p>
         </p:txBody>
       </p:sp>
@@ -16965,7 +22219,7 @@
           <p:cNvPr id="3" name="Content Placeholder 2">
             <a:extLst>
               <a:ext uri="{FF2B5EF4-FFF2-40B4-BE49-F238E27FC236}">
-                <a16:creationId xmlns:a16="http://schemas.microsoft.com/office/drawing/2014/main" id="{79DDD24F-B620-4E8E-8FB3-85CA8C48E91B}"/>
+                <a16:creationId xmlns:a16="http://schemas.microsoft.com/office/drawing/2014/main" id="{E41B04FF-AE1D-413A-AA7F-0BB86BA29563}"/>
               </a:ext>
             </a:extLst>
           </p:cNvPr>
@@ -16978,55 +22232,112 @@
         </p:nvSpPr>
         <p:spPr/>
         <p:txBody>
-          <a:bodyPr/>
+          <a:bodyPr>
+            <a:normAutofit fontScale="85000" lnSpcReduction="20000"/>
+          </a:bodyPr>
           <a:lstStyle/>
           <a:p>
+            <a:pPr marL="0" indent="0">
+              <a:buNone/>
+            </a:pPr>
+            <a:r>
+              <a:rPr lang="en-US" b="1" dirty="0"/>
+              <a:t>Mostly for Sonya’s reference while creating the PowerPoint</a:t>
+            </a:r>
+            <a:endParaRPr lang="en-US" dirty="0"/>
+          </a:p>
+          <a:p>
+            <a:pPr marL="0" indent="0">
+              <a:buNone/>
+            </a:pPr>
             <a:r>
               <a:rPr lang="en-US" dirty="0"/>
-              <a:t>Gray polygon indicates a missing value – going to change</a:t>
-            </a:r>
-          </a:p>
-          <a:p>
-            <a:r>
-              <a:rPr lang="en-US" dirty="0"/>
-              <a:t>Mexico’s expenditure over time</a:t>
-            </a:r>
-          </a:p>
-          <a:p>
-            <a:r>
-              <a:rPr lang="en-US" dirty="0"/>
-              <a:t>Iraq – stopped reporting from 1980 to 2005 </a:t>
+              <a:t>3 Excel files; 5 </a:t>
             </a:r>
             <a:r>
               <a:rPr lang="en-US" dirty="0" err="1"/>
-              <a:t>ish</a:t>
+              <a:t>dataframes</a:t>
             </a:r>
             <a:endParaRPr lang="en-US" dirty="0"/>
           </a:p>
           <a:p>
+            <a:pPr marL="0" indent="0">
+              <a:buNone/>
+            </a:pPr>
             <a:r>
               <a:rPr lang="en-US" dirty="0"/>
-              <a:t>Saudi Arabia – oil boom</a:t>
+              <a:t>Military Expenditure Dataset from SIPRI</a:t>
             </a:r>
           </a:p>
           <a:p>
+            <a:r>
+              <a:rPr lang="en-US" dirty="0" err="1"/>
+              <a:t>Current_USD</a:t>
+            </a:r>
+            <a:endParaRPr lang="en-US" dirty="0"/>
+          </a:p>
+          <a:p>
+            <a:r>
+              <a:rPr lang="en-US" dirty="0" err="1"/>
+              <a:t>Share_of_GDP</a:t>
+            </a:r>
+            <a:endParaRPr lang="en-US" dirty="0"/>
+          </a:p>
+          <a:p>
+            <a:pPr marL="0" indent="0">
+              <a:buNone/>
+            </a:pPr>
+            <a:endParaRPr lang="en-US" dirty="0"/>
+          </a:p>
+          <a:p>
+            <a:pPr marL="0" indent="0">
+              <a:buNone/>
+            </a:pPr>
+            <a:r>
+              <a:rPr lang="en-US" dirty="0" err="1"/>
+              <a:t>WorldBank</a:t>
+            </a:r>
             <a:r>
               <a:rPr lang="en-US" dirty="0"/>
-              <a:t>India – early 2000’s Afghanistan India war (show alongside Afghanistan plot)</a:t>
+              <a:t> Dataset from SIPRI</a:t>
             </a:r>
           </a:p>
           <a:p>
             <a:r>
-              <a:rPr lang="en-US" dirty="0"/>
-              <a:t>US follows a very rounded curve</a:t>
+              <a:rPr lang="en-US" dirty="0" err="1"/>
+              <a:t>Arms_Import</a:t>
             </a:r>
+            <a:endParaRPr lang="en-US" dirty="0"/>
+          </a:p>
+          <a:p>
+            <a:r>
+              <a:rPr lang="en-US" dirty="0" err="1"/>
+              <a:t>Military_Personal</a:t>
+            </a:r>
+            <a:endParaRPr lang="en-US" dirty="0"/>
+          </a:p>
+          <a:p>
+            <a:pPr marL="0" indent="0">
+              <a:buNone/>
+            </a:pPr>
+            <a:endParaRPr lang="en-US" dirty="0"/>
+          </a:p>
+          <a:p>
+            <a:pPr marL="0" indent="0">
+              <a:buNone/>
+            </a:pPr>
+            <a:r>
+              <a:rPr lang="en-US" dirty="0" err="1"/>
+              <a:t>GlobalFirePower</a:t>
+            </a:r>
+            <a:endParaRPr lang="en-US" dirty="0"/>
           </a:p>
         </p:txBody>
       </p:sp>
     </p:spTree>
     <p:extLst>
       <p:ext uri="{BB962C8B-B14F-4D97-AF65-F5344CB8AC3E}">
-        <p14:creationId xmlns:p14="http://schemas.microsoft.com/office/powerpoint/2010/main" val="513180211"/>
+        <p14:creationId xmlns:p14="http://schemas.microsoft.com/office/powerpoint/2010/main" val="1777810923"/>
       </p:ext>
     </p:extLst>
   </p:cSld>
@@ -17329,4 +22640,299 @@
     </a:ext>
   </a:extLst>
 </a:theme>
+</file>
+
+<file path=ppt/theme/theme2.xml><?xml version="1.0" encoding="utf-8"?>
+<a:theme xmlns:a="http://schemas.openxmlformats.org/drawingml/2006/main" name="Office Theme">
+  <a:themeElements>
+    <a:clrScheme name="Office">
+      <a:dk1>
+        <a:sysClr val="windowText" lastClr="000000"/>
+      </a:dk1>
+      <a:lt1>
+        <a:sysClr val="window" lastClr="FFFFFF"/>
+      </a:lt1>
+      <a:dk2>
+        <a:srgbClr val="44546A"/>
+      </a:dk2>
+      <a:lt2>
+        <a:srgbClr val="E7E6E6"/>
+      </a:lt2>
+      <a:accent1>
+        <a:srgbClr val="4472C4"/>
+      </a:accent1>
+      <a:accent2>
+        <a:srgbClr val="ED7D31"/>
+      </a:accent2>
+      <a:accent3>
+        <a:srgbClr val="A5A5A5"/>
+      </a:accent3>
+      <a:accent4>
+        <a:srgbClr val="FFC000"/>
+      </a:accent4>
+      <a:accent5>
+        <a:srgbClr val="5B9BD5"/>
+      </a:accent5>
+      <a:accent6>
+        <a:srgbClr val="70AD47"/>
+      </a:accent6>
+      <a:hlink>
+        <a:srgbClr val="0563C1"/>
+      </a:hlink>
+      <a:folHlink>
+        <a:srgbClr val="954F72"/>
+      </a:folHlink>
+    </a:clrScheme>
+    <a:fontScheme name="Office">
+      <a:majorFont>
+        <a:latin typeface="Calibri Light" panose="020F0302020204030204"/>
+        <a:ea typeface=""/>
+        <a:cs typeface=""/>
+        <a:font script="Jpan" typeface="游ゴシック Light"/>
+        <a:font script="Hang" typeface="맑은 고딕"/>
+        <a:font script="Hans" typeface="等线 Light"/>
+        <a:font script="Hant" typeface="新細明體"/>
+        <a:font script="Arab" typeface="Times New Roman"/>
+        <a:font script="Hebr" typeface="Times New Roman"/>
+        <a:font script="Thai" typeface="Angsana New"/>
+        <a:font script="Ethi" typeface="Nyala"/>
+        <a:font script="Beng" typeface="Vrinda"/>
+        <a:font script="Gujr" typeface="Shruti"/>
+        <a:font script="Khmr" typeface="MoolBoran"/>
+        <a:font script="Knda" typeface="Tunga"/>
+        <a:font script="Guru" typeface="Raavi"/>
+        <a:font script="Cans" typeface="Euphemia"/>
+        <a:font script="Cher" typeface="Plantagenet Cherokee"/>
+        <a:font script="Yiii" typeface="Microsoft Yi Baiti"/>
+        <a:font script="Tibt" typeface="Microsoft Himalaya"/>
+        <a:font script="Thaa" typeface="MV Boli"/>
+        <a:font script="Deva" typeface="Mangal"/>
+        <a:font script="Telu" typeface="Gautami"/>
+        <a:font script="Taml" typeface="Latha"/>
+        <a:font script="Syrc" typeface="Estrangelo Edessa"/>
+        <a:font script="Orya" typeface="Kalinga"/>
+        <a:font script="Mlym" typeface="Kartika"/>
+        <a:font script="Laoo" typeface="DokChampa"/>
+        <a:font script="Sinh" typeface="Iskoola Pota"/>
+        <a:font script="Mong" typeface="Mongolian Baiti"/>
+        <a:font script="Viet" typeface="Times New Roman"/>
+        <a:font script="Uigh" typeface="Microsoft Uighur"/>
+        <a:font script="Geor" typeface="Sylfaen"/>
+        <a:font script="Armn" typeface="Arial"/>
+        <a:font script="Bugi" typeface="Leelawadee UI"/>
+        <a:font script="Bopo" typeface="Microsoft JhengHei"/>
+        <a:font script="Java" typeface="Javanese Text"/>
+        <a:font script="Lisu" typeface="Segoe UI"/>
+        <a:font script="Mymr" typeface="Myanmar Text"/>
+        <a:font script="Nkoo" typeface="Ebrima"/>
+        <a:font script="Olck" typeface="Nirmala UI"/>
+        <a:font script="Osma" typeface="Ebrima"/>
+        <a:font script="Phag" typeface="Phagspa"/>
+        <a:font script="Syrn" typeface="Estrangelo Edessa"/>
+        <a:font script="Syrj" typeface="Estrangelo Edessa"/>
+        <a:font script="Syre" typeface="Estrangelo Edessa"/>
+        <a:font script="Sora" typeface="Nirmala UI"/>
+        <a:font script="Tale" typeface="Microsoft Tai Le"/>
+        <a:font script="Talu" typeface="Microsoft New Tai Lue"/>
+        <a:font script="Tfng" typeface="Ebrima"/>
+      </a:majorFont>
+      <a:minorFont>
+        <a:latin typeface="Calibri" panose="020F0502020204030204"/>
+        <a:ea typeface=""/>
+        <a:cs typeface=""/>
+        <a:font script="Jpan" typeface="游ゴシック"/>
+        <a:font script="Hang" typeface="맑은 고딕"/>
+        <a:font script="Hans" typeface="等线"/>
+        <a:font script="Hant" typeface="新細明體"/>
+        <a:font script="Arab" typeface="Arial"/>
+        <a:font script="Hebr" typeface="Arial"/>
+        <a:font script="Thai" typeface="Cordia New"/>
+        <a:font script="Ethi" typeface="Nyala"/>
+        <a:font script="Beng" typeface="Vrinda"/>
+        <a:font script="Gujr" typeface="Shruti"/>
+        <a:font script="Khmr" typeface="DaunPenh"/>
+        <a:font script="Knda" typeface="Tunga"/>
+        <a:font script="Guru" typeface="Raavi"/>
+        <a:font script="Cans" typeface="Euphemia"/>
+        <a:font script="Cher" typeface="Plantagenet Cherokee"/>
+        <a:font script="Yiii" typeface="Microsoft Yi Baiti"/>
+        <a:font script="Tibt" typeface="Microsoft Himalaya"/>
+        <a:font script="Thaa" typeface="MV Boli"/>
+        <a:font script="Deva" typeface="Mangal"/>
+        <a:font script="Telu" typeface="Gautami"/>
+        <a:font script="Taml" typeface="Latha"/>
+        <a:font script="Syrc" typeface="Estrangelo Edessa"/>
+        <a:font script="Orya" typeface="Kalinga"/>
+        <a:font script="Mlym" typeface="Kartika"/>
+        <a:font script="Laoo" typeface="DokChampa"/>
+        <a:font script="Sinh" typeface="Iskoola Pota"/>
+        <a:font script="Mong" typeface="Mongolian Baiti"/>
+        <a:font script="Viet" typeface="Arial"/>
+        <a:font script="Uigh" typeface="Microsoft Uighur"/>
+        <a:font script="Geor" typeface="Sylfaen"/>
+        <a:font script="Armn" typeface="Arial"/>
+        <a:font script="Bugi" typeface="Leelawadee UI"/>
+        <a:font script="Bopo" typeface="Microsoft JhengHei"/>
+        <a:font script="Java" typeface="Javanese Text"/>
+        <a:font script="Lisu" typeface="Segoe UI"/>
+        <a:font script="Mymr" typeface="Myanmar Text"/>
+        <a:font script="Nkoo" typeface="Ebrima"/>
+        <a:font script="Olck" typeface="Nirmala UI"/>
+        <a:font script="Osma" typeface="Ebrima"/>
+        <a:font script="Phag" typeface="Phagspa"/>
+        <a:font script="Syrn" typeface="Estrangelo Edessa"/>
+        <a:font script="Syrj" typeface="Estrangelo Edessa"/>
+        <a:font script="Syre" typeface="Estrangelo Edessa"/>
+        <a:font script="Sora" typeface="Nirmala UI"/>
+        <a:font script="Tale" typeface="Microsoft Tai Le"/>
+        <a:font script="Talu" typeface="Microsoft New Tai Lue"/>
+        <a:font script="Tfng" typeface="Ebrima"/>
+      </a:minorFont>
+    </a:fontScheme>
+    <a:fmtScheme name="Office">
+      <a:fillStyleLst>
+        <a:solidFill>
+          <a:schemeClr val="phClr"/>
+        </a:solidFill>
+        <a:gradFill rotWithShape="1">
+          <a:gsLst>
+            <a:gs pos="0">
+              <a:schemeClr val="phClr">
+                <a:lumMod val="110000"/>
+                <a:satMod val="105000"/>
+                <a:tint val="67000"/>
+              </a:schemeClr>
+            </a:gs>
+            <a:gs pos="50000">
+              <a:schemeClr val="phClr">
+                <a:lumMod val="105000"/>
+                <a:satMod val="103000"/>
+                <a:tint val="73000"/>
+              </a:schemeClr>
+            </a:gs>
+            <a:gs pos="100000">
+              <a:schemeClr val="phClr">
+                <a:lumMod val="105000"/>
+                <a:satMod val="109000"/>
+                <a:tint val="81000"/>
+              </a:schemeClr>
+            </a:gs>
+          </a:gsLst>
+          <a:lin ang="5400000" scaled="0"/>
+        </a:gradFill>
+        <a:gradFill rotWithShape="1">
+          <a:gsLst>
+            <a:gs pos="0">
+              <a:schemeClr val="phClr">
+                <a:satMod val="103000"/>
+                <a:lumMod val="102000"/>
+                <a:tint val="94000"/>
+              </a:schemeClr>
+            </a:gs>
+            <a:gs pos="50000">
+              <a:schemeClr val="phClr">
+                <a:satMod val="110000"/>
+                <a:lumMod val="100000"/>
+                <a:shade val="100000"/>
+              </a:schemeClr>
+            </a:gs>
+            <a:gs pos="100000">
+              <a:schemeClr val="phClr">
+                <a:lumMod val="99000"/>
+                <a:satMod val="120000"/>
+                <a:shade val="78000"/>
+              </a:schemeClr>
+            </a:gs>
+          </a:gsLst>
+          <a:lin ang="5400000" scaled="0"/>
+        </a:gradFill>
+      </a:fillStyleLst>
+      <a:lnStyleLst>
+        <a:ln w="6350" cap="flat" cmpd="sng" algn="ctr">
+          <a:solidFill>
+            <a:schemeClr val="phClr"/>
+          </a:solidFill>
+          <a:prstDash val="solid"/>
+          <a:miter lim="800000"/>
+        </a:ln>
+        <a:ln w="12700" cap="flat" cmpd="sng" algn="ctr">
+          <a:solidFill>
+            <a:schemeClr val="phClr"/>
+          </a:solidFill>
+          <a:prstDash val="solid"/>
+          <a:miter lim="800000"/>
+        </a:ln>
+        <a:ln w="19050" cap="flat" cmpd="sng" algn="ctr">
+          <a:solidFill>
+            <a:schemeClr val="phClr"/>
+          </a:solidFill>
+          <a:prstDash val="solid"/>
+          <a:miter lim="800000"/>
+        </a:ln>
+      </a:lnStyleLst>
+      <a:effectStyleLst>
+        <a:effectStyle>
+          <a:effectLst/>
+        </a:effectStyle>
+        <a:effectStyle>
+          <a:effectLst/>
+        </a:effectStyle>
+        <a:effectStyle>
+          <a:effectLst>
+            <a:outerShdw blurRad="57150" dist="19050" dir="5400000" algn="ctr" rotWithShape="0">
+              <a:srgbClr val="000000">
+                <a:alpha val="63000"/>
+              </a:srgbClr>
+            </a:outerShdw>
+          </a:effectLst>
+        </a:effectStyle>
+      </a:effectStyleLst>
+      <a:bgFillStyleLst>
+        <a:solidFill>
+          <a:schemeClr val="phClr"/>
+        </a:solidFill>
+        <a:solidFill>
+          <a:schemeClr val="phClr">
+            <a:tint val="95000"/>
+            <a:satMod val="170000"/>
+          </a:schemeClr>
+        </a:solidFill>
+        <a:gradFill rotWithShape="1">
+          <a:gsLst>
+            <a:gs pos="0">
+              <a:schemeClr val="phClr">
+                <a:tint val="93000"/>
+                <a:satMod val="150000"/>
+                <a:shade val="98000"/>
+                <a:lumMod val="102000"/>
+              </a:schemeClr>
+            </a:gs>
+            <a:gs pos="50000">
+              <a:schemeClr val="phClr">
+                <a:tint val="98000"/>
+                <a:satMod val="130000"/>
+                <a:shade val="90000"/>
+                <a:lumMod val="103000"/>
+              </a:schemeClr>
+            </a:gs>
+            <a:gs pos="100000">
+              <a:schemeClr val="phClr">
+                <a:shade val="63000"/>
+                <a:satMod val="120000"/>
+              </a:schemeClr>
+            </a:gs>
+          </a:gsLst>
+          <a:lin ang="5400000" scaled="0"/>
+        </a:gradFill>
+      </a:bgFillStyleLst>
+    </a:fmtScheme>
+  </a:themeElements>
+  <a:objectDefaults/>
+  <a:extraClrSchemeLst/>
+  <a:extLst>
+    <a:ext uri="{05A4C25C-085E-4340-85A3-A5531E510DB2}">
+      <thm15:themeFamily xmlns:thm15="http://schemas.microsoft.com/office/thememl/2012/main" name="Office Theme" id="{62F939B6-93AF-4DB8-9C6B-D6C7DFDC589F}" vid="{4A3C46E8-61CC-4603-A589-7422A47A8E4A}"/>
+    </a:ext>
+  </a:extLst>
+</a:theme>
 </file>
--- a/DS 202 Final Presentation.pptx
+++ b/DS 202 Final Presentation.pptx
@@ -5,25 +5,28 @@
     <p:sldMasterId id="2147483648" r:id="rId1"/>
   </p:sldMasterIdLst>
   <p:notesMasterIdLst>
-    <p:notesMasterId r:id="rId18"/>
+    <p:notesMasterId r:id="rId21"/>
   </p:notesMasterIdLst>
   <p:sldIdLst>
     <p:sldId id="263" r:id="rId2"/>
-    <p:sldId id="290" r:id="rId3"/>
-    <p:sldId id="292" r:id="rId4"/>
+    <p:sldId id="294" r:id="rId3"/>
+    <p:sldId id="290" r:id="rId4"/>
     <p:sldId id="266" r:id="rId5"/>
     <p:sldId id="288" r:id="rId6"/>
     <p:sldId id="284" r:id="rId7"/>
-    <p:sldId id="285" r:id="rId8"/>
-    <p:sldId id="287" r:id="rId9"/>
-    <p:sldId id="286" r:id="rId10"/>
-    <p:sldId id="293" r:id="rId11"/>
-    <p:sldId id="289" r:id="rId12"/>
-    <p:sldId id="278" r:id="rId13"/>
-    <p:sldId id="279" r:id="rId14"/>
-    <p:sldId id="280" r:id="rId15"/>
-    <p:sldId id="281" r:id="rId16"/>
-    <p:sldId id="282" r:id="rId17"/>
+    <p:sldId id="296" r:id="rId8"/>
+    <p:sldId id="285" r:id="rId9"/>
+    <p:sldId id="297" r:id="rId10"/>
+    <p:sldId id="287" r:id="rId11"/>
+    <p:sldId id="286" r:id="rId12"/>
+    <p:sldId id="295" r:id="rId13"/>
+    <p:sldId id="293" r:id="rId14"/>
+    <p:sldId id="289" r:id="rId15"/>
+    <p:sldId id="278" r:id="rId16"/>
+    <p:sldId id="279" r:id="rId17"/>
+    <p:sldId id="280" r:id="rId18"/>
+    <p:sldId id="281" r:id="rId19"/>
+    <p:sldId id="282" r:id="rId20"/>
   </p:sldIdLst>
   <p:sldSz cx="12192000" cy="6858000"/>
   <p:notesSz cx="6858000" cy="9144000"/>
@@ -146,6 +149,753 @@
 </file>
 
 <file path=ppt/diagrams/colors1.xml><?xml version="1.0" encoding="utf-8"?>
+<dgm:colorsDef xmlns:dgm="http://schemas.openxmlformats.org/drawingml/2006/diagram" xmlns:a="http://schemas.openxmlformats.org/drawingml/2006/main" uniqueId="urn:microsoft.com/office/officeart/2005/8/colors/accent2_2">
+  <dgm:title val=""/>
+  <dgm:desc val=""/>
+  <dgm:catLst>
+    <dgm:cat type="accent2" pri="11200"/>
+  </dgm:catLst>
+  <dgm:styleLbl name="node0">
+    <dgm:fillClrLst meth="repeat">
+      <a:schemeClr val="accent2"/>
+    </dgm:fillClrLst>
+    <dgm:linClrLst meth="repeat">
+      <a:schemeClr val="lt1"/>
+    </dgm:linClrLst>
+    <dgm:effectClrLst/>
+    <dgm:txLinClrLst/>
+    <dgm:txFillClrLst/>
+    <dgm:txEffectClrLst/>
+  </dgm:styleLbl>
+  <dgm:styleLbl name="node1">
+    <dgm:fillClrLst meth="repeat">
+      <a:schemeClr val="accent2"/>
+    </dgm:fillClrLst>
+    <dgm:linClrLst meth="repeat">
+      <a:schemeClr val="lt1"/>
+    </dgm:linClrLst>
+    <dgm:effectClrLst/>
+    <dgm:txLinClrLst/>
+    <dgm:txFillClrLst/>
+    <dgm:txEffectClrLst/>
+  </dgm:styleLbl>
+  <dgm:styleLbl name="alignNode1">
+    <dgm:fillClrLst meth="repeat">
+      <a:schemeClr val="accent2"/>
+    </dgm:fillClrLst>
+    <dgm:linClrLst meth="repeat">
+      <a:schemeClr val="accent2"/>
+    </dgm:linClrLst>
+    <dgm:effectClrLst/>
+    <dgm:txLinClrLst/>
+    <dgm:txFillClrLst/>
+    <dgm:txEffectClrLst/>
+  </dgm:styleLbl>
+  <dgm:styleLbl name="lnNode1">
+    <dgm:fillClrLst meth="repeat">
+      <a:schemeClr val="accent2"/>
+    </dgm:fillClrLst>
+    <dgm:linClrLst meth="repeat">
+      <a:schemeClr val="lt1"/>
+    </dgm:linClrLst>
+    <dgm:effectClrLst/>
+    <dgm:txLinClrLst/>
+    <dgm:txFillClrLst/>
+    <dgm:txEffectClrLst/>
+  </dgm:styleLbl>
+  <dgm:styleLbl name="vennNode1">
+    <dgm:fillClrLst meth="repeat">
+      <a:schemeClr val="accent2">
+        <a:alpha val="50000"/>
+      </a:schemeClr>
+    </dgm:fillClrLst>
+    <dgm:linClrLst meth="repeat">
+      <a:schemeClr val="lt1"/>
+    </dgm:linClrLst>
+    <dgm:effectClrLst/>
+    <dgm:txLinClrLst/>
+    <dgm:txFillClrLst/>
+    <dgm:txEffectClrLst/>
+  </dgm:styleLbl>
+  <dgm:styleLbl name="node2">
+    <dgm:fillClrLst meth="repeat">
+      <a:schemeClr val="accent2"/>
+    </dgm:fillClrLst>
+    <dgm:linClrLst meth="repeat">
+      <a:schemeClr val="lt1"/>
+    </dgm:linClrLst>
+    <dgm:effectClrLst/>
+    <dgm:txLinClrLst/>
+    <dgm:txFillClrLst/>
+    <dgm:txEffectClrLst/>
+  </dgm:styleLbl>
+  <dgm:styleLbl name="node3">
+    <dgm:fillClrLst meth="repeat">
+      <a:schemeClr val="accent2"/>
+    </dgm:fillClrLst>
+    <dgm:linClrLst meth="repeat">
+      <a:schemeClr val="lt1"/>
+    </dgm:linClrLst>
+    <dgm:effectClrLst/>
+    <dgm:txLinClrLst/>
+    <dgm:txFillClrLst/>
+    <dgm:txEffectClrLst/>
+  </dgm:styleLbl>
+  <dgm:styleLbl name="node4">
+    <dgm:fillClrLst meth="repeat">
+      <a:schemeClr val="accent2"/>
+    </dgm:fillClrLst>
+    <dgm:linClrLst meth="repeat">
+      <a:schemeClr val="lt1"/>
+    </dgm:linClrLst>
+    <dgm:effectClrLst/>
+    <dgm:txLinClrLst/>
+    <dgm:txFillClrLst/>
+    <dgm:txEffectClrLst/>
+  </dgm:styleLbl>
+  <dgm:styleLbl name="fgImgPlace1">
+    <dgm:fillClrLst meth="repeat">
+      <a:schemeClr val="accent2">
+        <a:tint val="50000"/>
+      </a:schemeClr>
+    </dgm:fillClrLst>
+    <dgm:linClrLst meth="repeat">
+      <a:schemeClr val="lt1"/>
+    </dgm:linClrLst>
+    <dgm:effectClrLst/>
+    <dgm:txLinClrLst/>
+    <dgm:txFillClrLst meth="repeat">
+      <a:schemeClr val="lt1"/>
+    </dgm:txFillClrLst>
+    <dgm:txEffectClrLst/>
+  </dgm:styleLbl>
+  <dgm:styleLbl name="alignImgPlace1">
+    <dgm:fillClrLst meth="repeat">
+      <a:schemeClr val="accent2">
+        <a:tint val="50000"/>
+      </a:schemeClr>
+    </dgm:fillClrLst>
+    <dgm:linClrLst meth="repeat">
+      <a:schemeClr val="lt1"/>
+    </dgm:linClrLst>
+    <dgm:effectClrLst/>
+    <dgm:txLinClrLst/>
+    <dgm:txFillClrLst meth="repeat">
+      <a:schemeClr val="lt1"/>
+    </dgm:txFillClrLst>
+    <dgm:txEffectClrLst/>
+  </dgm:styleLbl>
+  <dgm:styleLbl name="bgImgPlace1">
+    <dgm:fillClrLst meth="repeat">
+      <a:schemeClr val="accent2">
+        <a:tint val="50000"/>
+      </a:schemeClr>
+    </dgm:fillClrLst>
+    <dgm:linClrLst meth="repeat">
+      <a:schemeClr val="lt1"/>
+    </dgm:linClrLst>
+    <dgm:effectClrLst/>
+    <dgm:txLinClrLst/>
+    <dgm:txFillClrLst meth="repeat">
+      <a:schemeClr val="lt1"/>
+    </dgm:txFillClrLst>
+    <dgm:txEffectClrLst/>
+  </dgm:styleLbl>
+  <dgm:styleLbl name="sibTrans2D1">
+    <dgm:fillClrLst meth="repeat">
+      <a:schemeClr val="accent2">
+        <a:tint val="60000"/>
+      </a:schemeClr>
+    </dgm:fillClrLst>
+    <dgm:linClrLst meth="repeat">
+      <a:schemeClr val="accent2">
+        <a:tint val="60000"/>
+      </a:schemeClr>
+    </dgm:linClrLst>
+    <dgm:effectClrLst/>
+    <dgm:txLinClrLst/>
+    <dgm:txFillClrLst/>
+    <dgm:txEffectClrLst/>
+  </dgm:styleLbl>
+  <dgm:styleLbl name="fgSibTrans2D1">
+    <dgm:fillClrLst meth="repeat">
+      <a:schemeClr val="accent2">
+        <a:tint val="60000"/>
+      </a:schemeClr>
+    </dgm:fillClrLst>
+    <dgm:linClrLst meth="repeat">
+      <a:schemeClr val="accent2">
+        <a:tint val="60000"/>
+      </a:schemeClr>
+    </dgm:linClrLst>
+    <dgm:effectClrLst/>
+    <dgm:txLinClrLst/>
+    <dgm:txFillClrLst/>
+    <dgm:txEffectClrLst/>
+  </dgm:styleLbl>
+  <dgm:styleLbl name="bgSibTrans2D1">
+    <dgm:fillClrLst meth="repeat">
+      <a:schemeClr val="accent2">
+        <a:tint val="60000"/>
+      </a:schemeClr>
+    </dgm:fillClrLst>
+    <dgm:linClrLst meth="repeat">
+      <a:schemeClr val="accent2">
+        <a:tint val="60000"/>
+      </a:schemeClr>
+    </dgm:linClrLst>
+    <dgm:effectClrLst/>
+    <dgm:txLinClrLst/>
+    <dgm:txFillClrLst/>
+    <dgm:txEffectClrLst/>
+  </dgm:styleLbl>
+  <dgm:styleLbl name="sibTrans1D1">
+    <dgm:fillClrLst meth="repeat">
+      <a:schemeClr val="accent2"/>
+    </dgm:fillClrLst>
+    <dgm:linClrLst meth="repeat">
+      <a:schemeClr val="accent2"/>
+    </dgm:linClrLst>
+    <dgm:effectClrLst/>
+    <dgm:txLinClrLst/>
+    <dgm:txFillClrLst meth="repeat">
+      <a:schemeClr val="tx1"/>
+    </dgm:txFillClrLst>
+    <dgm:txEffectClrLst/>
+  </dgm:styleLbl>
+  <dgm:styleLbl name="callout">
+    <dgm:fillClrLst meth="repeat">
+      <a:schemeClr val="accent2"/>
+    </dgm:fillClrLst>
+    <dgm:linClrLst meth="repeat">
+      <a:schemeClr val="accent2">
+        <a:tint val="50000"/>
+      </a:schemeClr>
+    </dgm:linClrLst>
+    <dgm:effectClrLst/>
+    <dgm:txLinClrLst/>
+    <dgm:txFillClrLst meth="repeat">
+      <a:schemeClr val="tx1"/>
+    </dgm:txFillClrLst>
+    <dgm:txEffectClrLst/>
+  </dgm:styleLbl>
+  <dgm:styleLbl name="asst0">
+    <dgm:fillClrLst meth="repeat">
+      <a:schemeClr val="accent2"/>
+    </dgm:fillClrLst>
+    <dgm:linClrLst meth="repeat">
+      <a:schemeClr val="lt1"/>
+    </dgm:linClrLst>
+    <dgm:effectClrLst/>
+    <dgm:txLinClrLst/>
+    <dgm:txFillClrLst/>
+    <dgm:txEffectClrLst/>
+  </dgm:styleLbl>
+  <dgm:styleLbl name="asst1">
+    <dgm:fillClrLst meth="repeat">
+      <a:schemeClr val="accent2"/>
+    </dgm:fillClrLst>
+    <dgm:linClrLst meth="repeat">
+      <a:schemeClr val="lt1"/>
+    </dgm:linClrLst>
+    <dgm:effectClrLst/>
+    <dgm:txLinClrLst/>
+    <dgm:txFillClrLst/>
+    <dgm:txEffectClrLst/>
+  </dgm:styleLbl>
+  <dgm:styleLbl name="asst2">
+    <dgm:fillClrLst meth="repeat">
+      <a:schemeClr val="accent2"/>
+    </dgm:fillClrLst>
+    <dgm:linClrLst meth="repeat">
+      <a:schemeClr val="lt1"/>
+    </dgm:linClrLst>
+    <dgm:effectClrLst/>
+    <dgm:txLinClrLst/>
+    <dgm:txFillClrLst/>
+    <dgm:txEffectClrLst/>
+  </dgm:styleLbl>
+  <dgm:styleLbl name="asst3">
+    <dgm:fillClrLst meth="repeat">
+      <a:schemeClr val="accent2"/>
+    </dgm:fillClrLst>
+    <dgm:linClrLst meth="repeat">
+      <a:schemeClr val="lt1"/>
+    </dgm:linClrLst>
+    <dgm:effectClrLst/>
+    <dgm:txLinClrLst/>
+    <dgm:txFillClrLst/>
+    <dgm:txEffectClrLst/>
+  </dgm:styleLbl>
+  <dgm:styleLbl name="asst4">
+    <dgm:fillClrLst meth="repeat">
+      <a:schemeClr val="accent2"/>
+    </dgm:fillClrLst>
+    <dgm:linClrLst meth="repeat">
+      <a:schemeClr val="lt1"/>
+    </dgm:linClrLst>
+    <dgm:effectClrLst/>
+    <dgm:txLinClrLst/>
+    <dgm:txFillClrLst/>
+    <dgm:txEffectClrLst/>
+  </dgm:styleLbl>
+  <dgm:styleLbl name="parChTrans2D1">
+    <dgm:fillClrLst meth="repeat">
+      <a:schemeClr val="accent2">
+        <a:tint val="60000"/>
+      </a:schemeClr>
+    </dgm:fillClrLst>
+    <dgm:linClrLst meth="repeat">
+      <a:schemeClr val="accent2">
+        <a:tint val="60000"/>
+      </a:schemeClr>
+    </dgm:linClrLst>
+    <dgm:effectClrLst/>
+    <dgm:txLinClrLst/>
+    <dgm:txFillClrLst meth="repeat">
+      <a:schemeClr val="lt1"/>
+    </dgm:txFillClrLst>
+    <dgm:txEffectClrLst/>
+  </dgm:styleLbl>
+  <dgm:styleLbl name="parChTrans2D2">
+    <dgm:fillClrLst meth="repeat">
+      <a:schemeClr val="accent2"/>
+    </dgm:fillClrLst>
+    <dgm:linClrLst meth="repeat">
+      <a:schemeClr val="accent2"/>
+    </dgm:linClrLst>
+    <dgm:effectClrLst/>
+    <dgm:txLinClrLst/>
+    <dgm:txFillClrLst meth="repeat">
+      <a:schemeClr val="lt1"/>
+    </dgm:txFillClrLst>
+    <dgm:txEffectClrLst/>
+  </dgm:styleLbl>
+  <dgm:styleLbl name="parChTrans2D3">
+    <dgm:fillClrLst meth="repeat">
+      <a:schemeClr val="accent2"/>
+    </dgm:fillClrLst>
+    <dgm:linClrLst meth="repeat">
+      <a:schemeClr val="accent2"/>
+    </dgm:linClrLst>
+    <dgm:effectClrLst/>
+    <dgm:txLinClrLst/>
+    <dgm:txFillClrLst meth="repeat">
+      <a:schemeClr val="lt1"/>
+    </dgm:txFillClrLst>
+    <dgm:txEffectClrLst/>
+  </dgm:styleLbl>
+  <dgm:styleLbl name="parChTrans2D4">
+    <dgm:fillClrLst meth="repeat">
+      <a:schemeClr val="accent2"/>
+    </dgm:fillClrLst>
+    <dgm:linClrLst meth="repeat">
+      <a:schemeClr val="accent2"/>
+    </dgm:linClrLst>
+    <dgm:effectClrLst/>
+    <dgm:txLinClrLst/>
+    <dgm:txFillClrLst meth="repeat">
+      <a:schemeClr val="lt1"/>
+    </dgm:txFillClrLst>
+    <dgm:txEffectClrLst/>
+  </dgm:styleLbl>
+  <dgm:styleLbl name="parChTrans1D1">
+    <dgm:fillClrLst meth="repeat">
+      <a:schemeClr val="accent2"/>
+    </dgm:fillClrLst>
+    <dgm:linClrLst meth="repeat">
+      <a:schemeClr val="accent2">
+        <a:shade val="60000"/>
+      </a:schemeClr>
+    </dgm:linClrLst>
+    <dgm:effectClrLst/>
+    <dgm:txLinClrLst/>
+    <dgm:txFillClrLst meth="repeat">
+      <a:schemeClr val="tx1"/>
+    </dgm:txFillClrLst>
+    <dgm:txEffectClrLst/>
+  </dgm:styleLbl>
+  <dgm:styleLbl name="parChTrans1D2">
+    <dgm:fillClrLst meth="repeat">
+      <a:schemeClr val="accent2"/>
+    </dgm:fillClrLst>
+    <dgm:linClrLst meth="repeat">
+      <a:schemeClr val="accent2">
+        <a:shade val="60000"/>
+      </a:schemeClr>
+    </dgm:linClrLst>
+    <dgm:effectClrLst/>
+    <dgm:txLinClrLst/>
+    <dgm:txFillClrLst meth="repeat">
+      <a:schemeClr val="tx1"/>
+    </dgm:txFillClrLst>
+    <dgm:txEffectClrLst/>
+  </dgm:styleLbl>
+  <dgm:styleLbl name="parChTrans1D3">
+    <dgm:fillClrLst meth="repeat">
+      <a:schemeClr val="accent2"/>
+    </dgm:fillClrLst>
+    <dgm:linClrLst meth="repeat">
+      <a:schemeClr val="accent2">
+        <a:shade val="80000"/>
+      </a:schemeClr>
+    </dgm:linClrLst>
+    <dgm:effectClrLst/>
+    <dgm:txLinClrLst/>
+    <dgm:txFillClrLst meth="repeat">
+      <a:schemeClr val="tx1"/>
+    </dgm:txFillClrLst>
+    <dgm:txEffectClrLst/>
+  </dgm:styleLbl>
+  <dgm:styleLbl name="parChTrans1D4">
+    <dgm:fillClrLst meth="repeat">
+      <a:schemeClr val="accent2"/>
+    </dgm:fillClrLst>
+    <dgm:linClrLst meth="repeat">
+      <a:schemeClr val="accent2">
+        <a:shade val="80000"/>
+      </a:schemeClr>
+    </dgm:linClrLst>
+    <dgm:effectClrLst/>
+    <dgm:txLinClrLst/>
+    <dgm:txFillClrLst meth="repeat">
+      <a:schemeClr val="tx1"/>
+    </dgm:txFillClrLst>
+    <dgm:txEffectClrLst/>
+  </dgm:styleLbl>
+  <dgm:styleLbl name="fgAcc1">
+    <dgm:fillClrLst meth="repeat">
+      <a:schemeClr val="lt1">
+        <a:alpha val="90000"/>
+      </a:schemeClr>
+    </dgm:fillClrLst>
+    <dgm:linClrLst meth="repeat">
+      <a:schemeClr val="accent2"/>
+    </dgm:linClrLst>
+    <dgm:effectClrLst/>
+    <dgm:txLinClrLst/>
+    <dgm:txFillClrLst meth="repeat">
+      <a:schemeClr val="dk1"/>
+    </dgm:txFillClrLst>
+    <dgm:txEffectClrLst/>
+  </dgm:styleLbl>
+  <dgm:styleLbl name="conFgAcc1">
+    <dgm:fillClrLst meth="repeat">
+      <a:schemeClr val="lt1">
+        <a:alpha val="90000"/>
+      </a:schemeClr>
+    </dgm:fillClrLst>
+    <dgm:linClrLst meth="repeat">
+      <a:schemeClr val="accent2"/>
+    </dgm:linClrLst>
+    <dgm:effectClrLst/>
+    <dgm:txLinClrLst/>
+    <dgm:txFillClrLst meth="repeat">
+      <a:schemeClr val="dk1"/>
+    </dgm:txFillClrLst>
+    <dgm:txEffectClrLst/>
+  </dgm:styleLbl>
+  <dgm:styleLbl name="alignAcc1">
+    <dgm:fillClrLst meth="repeat">
+      <a:schemeClr val="lt1">
+        <a:alpha val="90000"/>
+      </a:schemeClr>
+    </dgm:fillClrLst>
+    <dgm:linClrLst meth="repeat">
+      <a:schemeClr val="accent2"/>
+    </dgm:linClrLst>
+    <dgm:effectClrLst/>
+    <dgm:txLinClrLst/>
+    <dgm:txFillClrLst meth="repeat">
+      <a:schemeClr val="dk1"/>
+    </dgm:txFillClrLst>
+    <dgm:txEffectClrLst/>
+  </dgm:styleLbl>
+  <dgm:styleLbl name="trAlignAcc1">
+    <dgm:fillClrLst meth="repeat">
+      <a:schemeClr val="lt1">
+        <a:alpha val="40000"/>
+      </a:schemeClr>
+    </dgm:fillClrLst>
+    <dgm:linClrLst meth="repeat">
+      <a:schemeClr val="accent2"/>
+    </dgm:linClrLst>
+    <dgm:effectClrLst/>
+    <dgm:txLinClrLst/>
+    <dgm:txFillClrLst meth="repeat">
+      <a:schemeClr val="dk1"/>
+    </dgm:txFillClrLst>
+    <dgm:txEffectClrLst/>
+  </dgm:styleLbl>
+  <dgm:styleLbl name="bgAcc1">
+    <dgm:fillClrLst meth="repeat">
+      <a:schemeClr val="lt1">
+        <a:alpha val="90000"/>
+      </a:schemeClr>
+    </dgm:fillClrLst>
+    <dgm:linClrLst meth="repeat">
+      <a:schemeClr val="accent2"/>
+    </dgm:linClrLst>
+    <dgm:effectClrLst/>
+    <dgm:txLinClrLst/>
+    <dgm:txFillClrLst meth="repeat">
+      <a:schemeClr val="dk1"/>
+    </dgm:txFillClrLst>
+    <dgm:txEffectClrLst/>
+  </dgm:styleLbl>
+  <dgm:styleLbl name="solidFgAcc1">
+    <dgm:fillClrLst meth="repeat">
+      <a:schemeClr val="lt1"/>
+    </dgm:fillClrLst>
+    <dgm:linClrLst meth="repeat">
+      <a:schemeClr val="accent2"/>
+    </dgm:linClrLst>
+    <dgm:effectClrLst/>
+    <dgm:txLinClrLst/>
+    <dgm:txFillClrLst meth="repeat">
+      <a:schemeClr val="dk1"/>
+    </dgm:txFillClrLst>
+    <dgm:txEffectClrLst/>
+  </dgm:styleLbl>
+  <dgm:styleLbl name="solidAlignAcc1">
+    <dgm:fillClrLst meth="repeat">
+      <a:schemeClr val="lt1"/>
+    </dgm:fillClrLst>
+    <dgm:linClrLst meth="repeat">
+      <a:schemeClr val="accent2"/>
+    </dgm:linClrLst>
+    <dgm:effectClrLst/>
+    <dgm:txLinClrLst/>
+    <dgm:txFillClrLst meth="repeat">
+      <a:schemeClr val="dk1"/>
+    </dgm:txFillClrLst>
+    <dgm:txEffectClrLst/>
+  </dgm:styleLbl>
+  <dgm:styleLbl name="solidBgAcc1">
+    <dgm:fillClrLst meth="repeat">
+      <a:schemeClr val="lt1"/>
+    </dgm:fillClrLst>
+    <dgm:linClrLst meth="repeat">
+      <a:schemeClr val="accent2"/>
+    </dgm:linClrLst>
+    <dgm:effectClrLst/>
+    <dgm:txLinClrLst/>
+    <dgm:txFillClrLst meth="repeat">
+      <a:schemeClr val="dk1"/>
+    </dgm:txFillClrLst>
+    <dgm:txEffectClrLst/>
+  </dgm:styleLbl>
+  <dgm:styleLbl name="fgAccFollowNode1">
+    <dgm:fillClrLst meth="repeat">
+      <a:schemeClr val="accent2">
+        <a:alpha val="90000"/>
+        <a:tint val="40000"/>
+      </a:schemeClr>
+    </dgm:fillClrLst>
+    <dgm:linClrLst meth="repeat">
+      <a:schemeClr val="accent2">
+        <a:alpha val="90000"/>
+        <a:tint val="40000"/>
+      </a:schemeClr>
+    </dgm:linClrLst>
+    <dgm:effectClrLst/>
+    <dgm:txLinClrLst/>
+    <dgm:txFillClrLst meth="repeat">
+      <a:schemeClr val="dk1"/>
+    </dgm:txFillClrLst>
+    <dgm:txEffectClrLst/>
+  </dgm:styleLbl>
+  <dgm:styleLbl name="alignAccFollowNode1">
+    <dgm:fillClrLst meth="repeat">
+      <a:schemeClr val="accent2">
+        <a:alpha val="90000"/>
+        <a:tint val="40000"/>
+      </a:schemeClr>
+    </dgm:fillClrLst>
+    <dgm:linClrLst meth="repeat">
+      <a:schemeClr val="accent2">
+        <a:alpha val="90000"/>
+        <a:tint val="40000"/>
+      </a:schemeClr>
+    </dgm:linClrLst>
+    <dgm:effectClrLst/>
+    <dgm:txLinClrLst/>
+    <dgm:txFillClrLst meth="repeat">
+      <a:schemeClr val="dk1"/>
+    </dgm:txFillClrLst>
+    <dgm:txEffectClrLst/>
+  </dgm:styleLbl>
+  <dgm:styleLbl name="bgAccFollowNode1">
+    <dgm:fillClrLst meth="repeat">
+      <a:schemeClr val="accent2">
+        <a:alpha val="90000"/>
+        <a:tint val="40000"/>
+      </a:schemeClr>
+    </dgm:fillClrLst>
+    <dgm:linClrLst meth="repeat">
+      <a:schemeClr val="accent2">
+        <a:alpha val="90000"/>
+        <a:tint val="40000"/>
+      </a:schemeClr>
+    </dgm:linClrLst>
+    <dgm:effectClrLst/>
+    <dgm:txLinClrLst/>
+    <dgm:txFillClrLst meth="repeat">
+      <a:schemeClr val="dk1"/>
+    </dgm:txFillClrLst>
+    <dgm:txEffectClrLst/>
+  </dgm:styleLbl>
+  <dgm:styleLbl name="fgAcc0">
+    <dgm:fillClrLst meth="repeat">
+      <a:schemeClr val="lt1">
+        <a:alpha val="90000"/>
+      </a:schemeClr>
+    </dgm:fillClrLst>
+    <dgm:linClrLst meth="repeat">
+      <a:schemeClr val="accent2"/>
+    </dgm:linClrLst>
+    <dgm:effectClrLst/>
+    <dgm:txLinClrLst/>
+    <dgm:txFillClrLst meth="repeat">
+      <a:schemeClr val="dk1"/>
+    </dgm:txFillClrLst>
+    <dgm:txEffectClrLst/>
+  </dgm:styleLbl>
+  <dgm:styleLbl name="fgAcc2">
+    <dgm:fillClrLst meth="repeat">
+      <a:schemeClr val="lt1">
+        <a:alpha val="90000"/>
+      </a:schemeClr>
+    </dgm:fillClrLst>
+    <dgm:linClrLst meth="repeat">
+      <a:schemeClr val="accent2"/>
+    </dgm:linClrLst>
+    <dgm:effectClrLst/>
+    <dgm:txLinClrLst/>
+    <dgm:txFillClrLst meth="repeat">
+      <a:schemeClr val="dk1"/>
+    </dgm:txFillClrLst>
+    <dgm:txEffectClrLst/>
+  </dgm:styleLbl>
+  <dgm:styleLbl name="fgAcc3">
+    <dgm:fillClrLst meth="repeat">
+      <a:schemeClr val="lt1">
+        <a:alpha val="90000"/>
+      </a:schemeClr>
+    </dgm:fillClrLst>
+    <dgm:linClrLst meth="repeat">
+      <a:schemeClr val="accent2"/>
+    </dgm:linClrLst>
+    <dgm:effectClrLst/>
+    <dgm:txLinClrLst/>
+    <dgm:txFillClrLst meth="repeat">
+      <a:schemeClr val="dk1"/>
+    </dgm:txFillClrLst>
+    <dgm:txEffectClrLst/>
+  </dgm:styleLbl>
+  <dgm:styleLbl name="fgAcc4">
+    <dgm:fillClrLst meth="repeat">
+      <a:schemeClr val="lt1">
+        <a:alpha val="90000"/>
+      </a:schemeClr>
+    </dgm:fillClrLst>
+    <dgm:linClrLst meth="repeat">
+      <a:schemeClr val="accent2"/>
+    </dgm:linClrLst>
+    <dgm:effectClrLst/>
+    <dgm:txLinClrLst/>
+    <dgm:txFillClrLst meth="repeat">
+      <a:schemeClr val="dk1"/>
+    </dgm:txFillClrLst>
+    <dgm:txEffectClrLst/>
+  </dgm:styleLbl>
+  <dgm:styleLbl name="bgShp">
+    <dgm:fillClrLst meth="repeat">
+      <a:schemeClr val="accent2">
+        <a:tint val="40000"/>
+      </a:schemeClr>
+    </dgm:fillClrLst>
+    <dgm:linClrLst meth="repeat">
+      <a:schemeClr val="accent2"/>
+    </dgm:linClrLst>
+    <dgm:effectClrLst/>
+    <dgm:txLinClrLst/>
+    <dgm:txFillClrLst meth="repeat">
+      <a:schemeClr val="dk1"/>
+    </dgm:txFillClrLst>
+    <dgm:txEffectClrLst/>
+  </dgm:styleLbl>
+  <dgm:styleLbl name="dkBgShp">
+    <dgm:fillClrLst meth="repeat">
+      <a:schemeClr val="accent2">
+        <a:shade val="80000"/>
+      </a:schemeClr>
+    </dgm:fillClrLst>
+    <dgm:linClrLst meth="repeat">
+      <a:schemeClr val="accent2"/>
+    </dgm:linClrLst>
+    <dgm:effectClrLst/>
+    <dgm:txLinClrLst/>
+    <dgm:txFillClrLst meth="repeat">
+      <a:schemeClr val="lt1"/>
+    </dgm:txFillClrLst>
+    <dgm:txEffectClrLst/>
+  </dgm:styleLbl>
+  <dgm:styleLbl name="trBgShp">
+    <dgm:fillClrLst meth="repeat">
+      <a:schemeClr val="accent2">
+        <a:tint val="50000"/>
+        <a:alpha val="40000"/>
+      </a:schemeClr>
+    </dgm:fillClrLst>
+    <dgm:linClrLst meth="repeat">
+      <a:schemeClr val="accent2"/>
+    </dgm:linClrLst>
+    <dgm:effectClrLst/>
+    <dgm:txLinClrLst/>
+    <dgm:txFillClrLst meth="repeat">
+      <a:schemeClr val="lt1"/>
+    </dgm:txFillClrLst>
+    <dgm:txEffectClrLst/>
+  </dgm:styleLbl>
+  <dgm:styleLbl name="fgShp">
+    <dgm:fillClrLst meth="repeat">
+      <a:schemeClr val="accent2">
+        <a:tint val="60000"/>
+      </a:schemeClr>
+    </dgm:fillClrLst>
+    <dgm:linClrLst meth="repeat">
+      <a:schemeClr val="lt1"/>
+    </dgm:linClrLst>
+    <dgm:effectClrLst/>
+    <dgm:txLinClrLst/>
+    <dgm:txFillClrLst meth="repeat">
+      <a:schemeClr val="dk1"/>
+    </dgm:txFillClrLst>
+    <dgm:txEffectClrLst/>
+  </dgm:styleLbl>
+  <dgm:styleLbl name="revTx">
+    <dgm:fillClrLst meth="repeat">
+      <a:schemeClr val="lt1">
+        <a:alpha val="0"/>
+      </a:schemeClr>
+    </dgm:fillClrLst>
+    <dgm:linClrLst meth="repeat">
+      <a:schemeClr val="dk1">
+        <a:alpha val="0"/>
+      </a:schemeClr>
+    </dgm:linClrLst>
+    <dgm:effectClrLst/>
+    <dgm:txLinClrLst/>
+    <dgm:txFillClrLst meth="repeat">
+      <a:schemeClr val="tx1"/>
+    </dgm:txFillClrLst>
+    <dgm:txEffectClrLst/>
+  </dgm:styleLbl>
+</dgm:colorsDef>
+</file>
+
+<file path=ppt/diagrams/colors2.xml><?xml version="1.0" encoding="utf-8"?>
 <dgm:colorsDef xmlns:dgm="http://schemas.openxmlformats.org/drawingml/2006/diagram" xmlns:a="http://schemas.openxmlformats.org/drawingml/2006/main" uniqueId="urn:microsoft.com/office/officeart/2005/8/colors/accent2_3">
   <dgm:title val=""/>
   <dgm:desc val=""/>
@@ -1021,6 +1771,254 @@
 </file>
 
 <file path=ppt/diagrams/data1.xml><?xml version="1.0" encoding="utf-8"?>
+<dgm:dataModel xmlns:dgm="http://schemas.openxmlformats.org/drawingml/2006/diagram" xmlns:a="http://schemas.openxmlformats.org/drawingml/2006/main">
+  <dgm:ptLst>
+    <dgm:pt modelId="{30FC3E96-CCD9-4A4A-8728-42436FC8A432}" type="doc">
+      <dgm:prSet loTypeId="urn:microsoft.com/office/officeart/2005/8/layout/radial4" loCatId="relationship" qsTypeId="urn:microsoft.com/office/officeart/2005/8/quickstyle/simple5" qsCatId="simple" csTypeId="urn:microsoft.com/office/officeart/2005/8/colors/accent2_2" csCatId="accent2" phldr="1"/>
+      <dgm:spPr/>
+      <dgm:t>
+        <a:bodyPr/>
+        <a:lstStyle/>
+        <a:p>
+          <a:endParaRPr lang="en-US"/>
+        </a:p>
+      </dgm:t>
+    </dgm:pt>
+    <dgm:pt modelId="{C82B9C6D-1830-46F7-9F04-50BDC0252407}">
+      <dgm:prSet phldrT="[Text]" custT="1"/>
+      <dgm:spPr/>
+      <dgm:t>
+        <a:bodyPr anchor="t"/>
+        <a:lstStyle/>
+        <a:p>
+          <a:endParaRPr lang="en-US" sz="2800" dirty="0"/>
+        </a:p>
+        <a:p>
+          <a:r>
+            <a:rPr lang="en-US" sz="2800" dirty="0"/>
+            <a:t>Military Expenditure</a:t>
+          </a:r>
+        </a:p>
+      </dgm:t>
+    </dgm:pt>
+    <dgm:pt modelId="{8D33B259-AD49-4667-94B7-DB4BB3EC74BC}" type="parTrans" cxnId="{635E6AB6-99EF-4DDF-8063-FAF7E30C3BFE}">
+      <dgm:prSet/>
+      <dgm:spPr/>
+      <dgm:t>
+        <a:bodyPr/>
+        <a:lstStyle/>
+        <a:p>
+          <a:endParaRPr lang="en-US"/>
+        </a:p>
+      </dgm:t>
+    </dgm:pt>
+    <dgm:pt modelId="{204D6730-9E96-4209-96FF-6654FC58E253}" type="sibTrans" cxnId="{635E6AB6-99EF-4DDF-8063-FAF7E30C3BFE}">
+      <dgm:prSet/>
+      <dgm:spPr/>
+      <dgm:t>
+        <a:bodyPr/>
+        <a:lstStyle/>
+        <a:p>
+          <a:endParaRPr lang="en-US"/>
+        </a:p>
+      </dgm:t>
+    </dgm:pt>
+    <dgm:pt modelId="{0708D182-A12A-4C64-A44B-B85E9AA46D2F}">
+      <dgm:prSet phldrT="[Text]"/>
+      <dgm:spPr/>
+      <dgm:t>
+        <a:bodyPr/>
+        <a:lstStyle/>
+        <a:p>
+          <a:r>
+            <a:rPr lang="en-US" dirty="0"/>
+            <a:t>Arms Imported</a:t>
+          </a:r>
+        </a:p>
+      </dgm:t>
+    </dgm:pt>
+    <dgm:pt modelId="{46959188-49EF-45BC-9B54-0652FA852E95}" type="parTrans" cxnId="{B2798103-FED5-440A-86E8-885497CA1F58}">
+      <dgm:prSet/>
+      <dgm:spPr/>
+      <dgm:t>
+        <a:bodyPr/>
+        <a:lstStyle/>
+        <a:p>
+          <a:endParaRPr lang="en-US"/>
+        </a:p>
+      </dgm:t>
+    </dgm:pt>
+    <dgm:pt modelId="{E6B5D548-274E-4472-A322-416AF1745A79}" type="sibTrans" cxnId="{B2798103-FED5-440A-86E8-885497CA1F58}">
+      <dgm:prSet/>
+      <dgm:spPr/>
+      <dgm:t>
+        <a:bodyPr/>
+        <a:lstStyle/>
+        <a:p>
+          <a:endParaRPr lang="en-US"/>
+        </a:p>
+      </dgm:t>
+    </dgm:pt>
+    <dgm:pt modelId="{CAACB57F-54C5-4E4D-A0ED-FD8C15664C4C}">
+      <dgm:prSet phldrT="[Text]"/>
+      <dgm:spPr/>
+      <dgm:t>
+        <a:bodyPr/>
+        <a:lstStyle/>
+        <a:p>
+          <a:r>
+            <a:rPr lang="en-US" dirty="0"/>
+            <a:t>Military Personnel</a:t>
+          </a:r>
+        </a:p>
+      </dgm:t>
+    </dgm:pt>
+    <dgm:pt modelId="{4470B427-FFBF-412E-8BDB-6F9310931D6F}" type="parTrans" cxnId="{D6454C0A-65F0-41EF-850D-64F18E14DBF0}">
+      <dgm:prSet/>
+      <dgm:spPr/>
+      <dgm:t>
+        <a:bodyPr/>
+        <a:lstStyle/>
+        <a:p>
+          <a:endParaRPr lang="en-US"/>
+        </a:p>
+      </dgm:t>
+    </dgm:pt>
+    <dgm:pt modelId="{8ECEF3D8-46D8-4A58-9C00-B741807AD5AD}" type="sibTrans" cxnId="{D6454C0A-65F0-41EF-850D-64F18E14DBF0}">
+      <dgm:prSet/>
+      <dgm:spPr/>
+      <dgm:t>
+        <a:bodyPr/>
+        <a:lstStyle/>
+        <a:p>
+          <a:endParaRPr lang="en-US"/>
+        </a:p>
+      </dgm:t>
+    </dgm:pt>
+    <dgm:pt modelId="{B807CA4F-2D00-453D-93DB-85F1C111046F}">
+      <dgm:prSet phldrT="[Text]"/>
+      <dgm:spPr/>
+      <dgm:t>
+        <a:bodyPr/>
+        <a:lstStyle/>
+        <a:p>
+          <a:r>
+            <a:rPr lang="en-US" dirty="0"/>
+            <a:t>Global Firepower</a:t>
+          </a:r>
+        </a:p>
+      </dgm:t>
+    </dgm:pt>
+    <dgm:pt modelId="{3E30541C-A16A-4159-97AB-6C2B1FAA7BF3}" type="parTrans" cxnId="{71A45F12-272C-4A5D-9674-0C19E17599CD}">
+      <dgm:prSet/>
+      <dgm:spPr/>
+      <dgm:t>
+        <a:bodyPr/>
+        <a:lstStyle/>
+        <a:p>
+          <a:endParaRPr lang="en-US"/>
+        </a:p>
+      </dgm:t>
+    </dgm:pt>
+    <dgm:pt modelId="{D4EAB891-A4FE-4C42-91D6-6DED6049A6AC}" type="sibTrans" cxnId="{71A45F12-272C-4A5D-9674-0C19E17599CD}">
+      <dgm:prSet/>
+      <dgm:spPr/>
+      <dgm:t>
+        <a:bodyPr/>
+        <a:lstStyle/>
+        <a:p>
+          <a:endParaRPr lang="en-US"/>
+        </a:p>
+      </dgm:t>
+    </dgm:pt>
+    <dgm:pt modelId="{DCD08AF5-2D1B-40A2-A19D-506D511772E7}" type="pres">
+      <dgm:prSet presAssocID="{30FC3E96-CCD9-4A4A-8728-42436FC8A432}" presName="cycle" presStyleCnt="0">
+        <dgm:presLayoutVars>
+          <dgm:chMax val="1"/>
+          <dgm:dir/>
+          <dgm:animLvl val="ctr"/>
+          <dgm:resizeHandles val="exact"/>
+        </dgm:presLayoutVars>
+      </dgm:prSet>
+      <dgm:spPr/>
+    </dgm:pt>
+    <dgm:pt modelId="{9A80E285-2862-4679-8E00-FA558F5FE248}" type="pres">
+      <dgm:prSet presAssocID="{C82B9C6D-1830-46F7-9F04-50BDC0252407}" presName="centerShape" presStyleLbl="node0" presStyleIdx="0" presStyleCnt="1" custScaleX="150746" custScaleY="184886" custLinFactNeighborX="-27876" custLinFactNeighborY="-11545"/>
+      <dgm:spPr>
+        <a:prstGeom prst="roundRect">
+          <a:avLst/>
+        </a:prstGeom>
+      </dgm:spPr>
+    </dgm:pt>
+    <dgm:pt modelId="{46F56F85-9C74-4AC9-BDF2-0E5AD9F8E5A0}" type="pres">
+      <dgm:prSet presAssocID="{46959188-49EF-45BC-9B54-0652FA852E95}" presName="parTrans" presStyleLbl="bgSibTrans2D1" presStyleIdx="0" presStyleCnt="3" custScaleX="81038"/>
+      <dgm:spPr/>
+    </dgm:pt>
+    <dgm:pt modelId="{E89B1848-0386-4352-A380-B45F97EF8824}" type="pres">
+      <dgm:prSet presAssocID="{0708D182-A12A-4C64-A44B-B85E9AA46D2F}" presName="node" presStyleLbl="node1" presStyleIdx="0" presStyleCnt="3" custScaleY="60611" custRadScaleRad="119052" custRadScaleInc="157479">
+        <dgm:presLayoutVars>
+          <dgm:bulletEnabled val="1"/>
+        </dgm:presLayoutVars>
+      </dgm:prSet>
+      <dgm:spPr/>
+    </dgm:pt>
+    <dgm:pt modelId="{95A89B90-73F6-49FA-BD78-C8E2C1C9F044}" type="pres">
+      <dgm:prSet presAssocID="{4470B427-FFBF-412E-8BDB-6F9310931D6F}" presName="parTrans" presStyleLbl="bgSibTrans2D1" presStyleIdx="1" presStyleCnt="3"/>
+      <dgm:spPr/>
+    </dgm:pt>
+    <dgm:pt modelId="{C572BC67-A4DA-42B9-8ABA-DC1519A3B2CA}" type="pres">
+      <dgm:prSet presAssocID="{CAACB57F-54C5-4E4D-A0ED-FD8C15664C4C}" presName="node" presStyleLbl="node1" presStyleIdx="1" presStyleCnt="3" custScaleY="63560" custRadScaleRad="79506" custRadScaleInc="120358">
+        <dgm:presLayoutVars>
+          <dgm:bulletEnabled val="1"/>
+        </dgm:presLayoutVars>
+      </dgm:prSet>
+      <dgm:spPr/>
+    </dgm:pt>
+    <dgm:pt modelId="{AFB01E98-0CA5-4614-B56F-FFFCFDCFE34E}" type="pres">
+      <dgm:prSet presAssocID="{3E30541C-A16A-4159-97AB-6C2B1FAA7BF3}" presName="parTrans" presStyleLbl="bgSibTrans2D1" presStyleIdx="2" presStyleCnt="3" custScaleX="78797"/>
+      <dgm:spPr/>
+    </dgm:pt>
+    <dgm:pt modelId="{C9CBAC5D-29FA-4A0E-BCD4-9399AEC86FBF}" type="pres">
+      <dgm:prSet presAssocID="{B807CA4F-2D00-453D-93DB-85F1C111046F}" presName="node" presStyleLbl="node1" presStyleIdx="2" presStyleCnt="3" custScaleY="60611" custRadScaleRad="85191" custRadScaleInc="103826">
+        <dgm:presLayoutVars>
+          <dgm:bulletEnabled val="1"/>
+        </dgm:presLayoutVars>
+      </dgm:prSet>
+      <dgm:spPr/>
+    </dgm:pt>
+  </dgm:ptLst>
+  <dgm:cxnLst>
+    <dgm:cxn modelId="{B2798103-FED5-440A-86E8-885497CA1F58}" srcId="{C82B9C6D-1830-46F7-9F04-50BDC0252407}" destId="{0708D182-A12A-4C64-A44B-B85E9AA46D2F}" srcOrd="0" destOrd="0" parTransId="{46959188-49EF-45BC-9B54-0652FA852E95}" sibTransId="{E6B5D548-274E-4472-A322-416AF1745A79}"/>
+    <dgm:cxn modelId="{D6454C0A-65F0-41EF-850D-64F18E14DBF0}" srcId="{C82B9C6D-1830-46F7-9F04-50BDC0252407}" destId="{CAACB57F-54C5-4E4D-A0ED-FD8C15664C4C}" srcOrd="1" destOrd="0" parTransId="{4470B427-FFBF-412E-8BDB-6F9310931D6F}" sibTransId="{8ECEF3D8-46D8-4A58-9C00-B741807AD5AD}"/>
+    <dgm:cxn modelId="{71A45F12-272C-4A5D-9674-0C19E17599CD}" srcId="{C82B9C6D-1830-46F7-9F04-50BDC0252407}" destId="{B807CA4F-2D00-453D-93DB-85F1C111046F}" srcOrd="2" destOrd="0" parTransId="{3E30541C-A16A-4159-97AB-6C2B1FAA7BF3}" sibTransId="{D4EAB891-A4FE-4C42-91D6-6DED6049A6AC}"/>
+    <dgm:cxn modelId="{A6C97363-27A2-40F2-B627-E635EC978373}" type="presOf" srcId="{B807CA4F-2D00-453D-93DB-85F1C111046F}" destId="{C9CBAC5D-29FA-4A0E-BCD4-9399AEC86FBF}" srcOrd="0" destOrd="0" presId="urn:microsoft.com/office/officeart/2005/8/layout/radial4"/>
+    <dgm:cxn modelId="{0787BC75-8E99-4C1F-8713-2F28FA96D838}" type="presOf" srcId="{C82B9C6D-1830-46F7-9F04-50BDC0252407}" destId="{9A80E285-2862-4679-8E00-FA558F5FE248}" srcOrd="0" destOrd="0" presId="urn:microsoft.com/office/officeart/2005/8/layout/radial4"/>
+    <dgm:cxn modelId="{C60E1B89-56C5-4F33-A618-E91B74DC1D5D}" type="presOf" srcId="{46959188-49EF-45BC-9B54-0652FA852E95}" destId="{46F56F85-9C74-4AC9-BDF2-0E5AD9F8E5A0}" srcOrd="0" destOrd="0" presId="urn:microsoft.com/office/officeart/2005/8/layout/radial4"/>
+    <dgm:cxn modelId="{E59353A0-FE14-42C6-9F85-F9FDF652C1CE}" type="presOf" srcId="{4470B427-FFBF-412E-8BDB-6F9310931D6F}" destId="{95A89B90-73F6-49FA-BD78-C8E2C1C9F044}" srcOrd="0" destOrd="0" presId="urn:microsoft.com/office/officeart/2005/8/layout/radial4"/>
+    <dgm:cxn modelId="{4E16C5B1-B7AA-4802-A08D-CD717C0656ED}" type="presOf" srcId="{0708D182-A12A-4C64-A44B-B85E9AA46D2F}" destId="{E89B1848-0386-4352-A380-B45F97EF8824}" srcOrd="0" destOrd="0" presId="urn:microsoft.com/office/officeart/2005/8/layout/radial4"/>
+    <dgm:cxn modelId="{635E6AB6-99EF-4DDF-8063-FAF7E30C3BFE}" srcId="{30FC3E96-CCD9-4A4A-8728-42436FC8A432}" destId="{C82B9C6D-1830-46F7-9F04-50BDC0252407}" srcOrd="0" destOrd="0" parTransId="{8D33B259-AD49-4667-94B7-DB4BB3EC74BC}" sibTransId="{204D6730-9E96-4209-96FF-6654FC58E253}"/>
+    <dgm:cxn modelId="{D93A1AD6-7926-4AE9-9D5F-1F76D3191E9F}" type="presOf" srcId="{CAACB57F-54C5-4E4D-A0ED-FD8C15664C4C}" destId="{C572BC67-A4DA-42B9-8ABA-DC1519A3B2CA}" srcOrd="0" destOrd="0" presId="urn:microsoft.com/office/officeart/2005/8/layout/radial4"/>
+    <dgm:cxn modelId="{527B28E9-064C-471F-9B12-C1AE95C50241}" type="presOf" srcId="{3E30541C-A16A-4159-97AB-6C2B1FAA7BF3}" destId="{AFB01E98-0CA5-4614-B56F-FFFCFDCFE34E}" srcOrd="0" destOrd="0" presId="urn:microsoft.com/office/officeart/2005/8/layout/radial4"/>
+    <dgm:cxn modelId="{3AE18EF4-D228-459E-8E28-BF7699417383}" type="presOf" srcId="{30FC3E96-CCD9-4A4A-8728-42436FC8A432}" destId="{DCD08AF5-2D1B-40A2-A19D-506D511772E7}" srcOrd="0" destOrd="0" presId="urn:microsoft.com/office/officeart/2005/8/layout/radial4"/>
+    <dgm:cxn modelId="{CF662D2A-4C20-4B9B-95BD-CAC80A12B47A}" type="presParOf" srcId="{DCD08AF5-2D1B-40A2-A19D-506D511772E7}" destId="{9A80E285-2862-4679-8E00-FA558F5FE248}" srcOrd="0" destOrd="0" presId="urn:microsoft.com/office/officeart/2005/8/layout/radial4"/>
+    <dgm:cxn modelId="{B55A534D-8096-4548-92D0-48CC31BB3C15}" type="presParOf" srcId="{DCD08AF5-2D1B-40A2-A19D-506D511772E7}" destId="{46F56F85-9C74-4AC9-BDF2-0E5AD9F8E5A0}" srcOrd="1" destOrd="0" presId="urn:microsoft.com/office/officeart/2005/8/layout/radial4"/>
+    <dgm:cxn modelId="{0FD125A6-6E7D-405A-805D-226B4F6E0083}" type="presParOf" srcId="{DCD08AF5-2D1B-40A2-A19D-506D511772E7}" destId="{E89B1848-0386-4352-A380-B45F97EF8824}" srcOrd="2" destOrd="0" presId="urn:microsoft.com/office/officeart/2005/8/layout/radial4"/>
+    <dgm:cxn modelId="{D46BE600-666A-4819-9D0F-1EA5F28AC30F}" type="presParOf" srcId="{DCD08AF5-2D1B-40A2-A19D-506D511772E7}" destId="{95A89B90-73F6-49FA-BD78-C8E2C1C9F044}" srcOrd="3" destOrd="0" presId="urn:microsoft.com/office/officeart/2005/8/layout/radial4"/>
+    <dgm:cxn modelId="{0E5FDB49-36B1-469E-B576-E71AF5AE9855}" type="presParOf" srcId="{DCD08AF5-2D1B-40A2-A19D-506D511772E7}" destId="{C572BC67-A4DA-42B9-8ABA-DC1519A3B2CA}" srcOrd="4" destOrd="0" presId="urn:microsoft.com/office/officeart/2005/8/layout/radial4"/>
+    <dgm:cxn modelId="{30C341EC-D357-4E49-A4CA-2E6105D9745D}" type="presParOf" srcId="{DCD08AF5-2D1B-40A2-A19D-506D511772E7}" destId="{AFB01E98-0CA5-4614-B56F-FFFCFDCFE34E}" srcOrd="5" destOrd="0" presId="urn:microsoft.com/office/officeart/2005/8/layout/radial4"/>
+    <dgm:cxn modelId="{5251CA7D-BE25-4681-B918-01E430A0A887}" type="presParOf" srcId="{DCD08AF5-2D1B-40A2-A19D-506D511772E7}" destId="{C9CBAC5D-29FA-4A0E-BCD4-9399AEC86FBF}" srcOrd="6" destOrd="0" presId="urn:microsoft.com/office/officeart/2005/8/layout/radial4"/>
+  </dgm:cxnLst>
+  <dgm:bg/>
+  <dgm:whole/>
+  <dgm:extLst>
+    <a:ext uri="http://schemas.microsoft.com/office/drawing/2008/diagram">
+      <dsp:dataModelExt xmlns:dsp="http://schemas.microsoft.com/office/drawing/2008/diagram" relId="rId7" minVer="http://schemas.openxmlformats.org/drawingml/2006/diagram"/>
+    </a:ext>
+  </dgm:extLst>
+</dgm:dataModel>
+</file>
+
+<file path=ppt/diagrams/data2.xml><?xml version="1.0" encoding="utf-8"?>
 <dgm:dataModel xmlns:dgm="http://schemas.openxmlformats.org/drawingml/2006/diagram" xmlns:a="http://schemas.openxmlformats.org/drawingml/2006/main">
   <dgm:ptLst>
     <dgm:pt modelId="{2BBA2A27-C920-4896-A768-8A843D5CAF5E}" type="doc">
@@ -1594,6 +2592,708 @@
 </file>
 
 <file path=ppt/diagrams/drawing1.xml><?xml version="1.0" encoding="utf-8"?>
+<dsp:drawing xmlns:dgm="http://schemas.openxmlformats.org/drawingml/2006/diagram" xmlns:dsp="http://schemas.microsoft.com/office/drawing/2008/diagram" xmlns:a="http://schemas.openxmlformats.org/drawingml/2006/main">
+  <dsp:spTree>
+    <dsp:nvGrpSpPr>
+      <dsp:cNvPr id="0" name=""/>
+      <dsp:cNvGrpSpPr/>
+    </dsp:nvGrpSpPr>
+    <dsp:grpSpPr/>
+    <dsp:sp modelId="{9A80E285-2862-4679-8E00-FA558F5FE248}">
+      <dsp:nvSpPr>
+        <dsp:cNvPr id="0" name=""/>
+        <dsp:cNvSpPr/>
+      </dsp:nvSpPr>
+      <dsp:spPr>
+        <a:xfrm>
+          <a:off x="137963" y="1174582"/>
+          <a:ext cx="2711690" cy="3325817"/>
+        </a:xfrm>
+        <a:prstGeom prst="roundRect">
+          <a:avLst/>
+        </a:prstGeom>
+        <a:gradFill rotWithShape="0">
+          <a:gsLst>
+            <a:gs pos="0">
+              <a:schemeClr val="accent2">
+                <a:hueOff val="0"/>
+                <a:satOff val="0"/>
+                <a:lumOff val="0"/>
+                <a:alphaOff val="0"/>
+                <a:satMod val="103000"/>
+                <a:lumMod val="102000"/>
+                <a:tint val="94000"/>
+              </a:schemeClr>
+            </a:gs>
+            <a:gs pos="50000">
+              <a:schemeClr val="accent2">
+                <a:hueOff val="0"/>
+                <a:satOff val="0"/>
+                <a:lumOff val="0"/>
+                <a:alphaOff val="0"/>
+                <a:satMod val="110000"/>
+                <a:lumMod val="100000"/>
+                <a:shade val="100000"/>
+              </a:schemeClr>
+            </a:gs>
+            <a:gs pos="100000">
+              <a:schemeClr val="accent2">
+                <a:hueOff val="0"/>
+                <a:satOff val="0"/>
+                <a:lumOff val="0"/>
+                <a:alphaOff val="0"/>
+                <a:lumMod val="99000"/>
+                <a:satMod val="120000"/>
+                <a:shade val="78000"/>
+              </a:schemeClr>
+            </a:gs>
+          </a:gsLst>
+          <a:lin ang="5400000" scaled="0"/>
+        </a:gradFill>
+        <a:ln>
+          <a:noFill/>
+        </a:ln>
+        <a:effectLst>
+          <a:outerShdw blurRad="57150" dist="19050" dir="5400000" algn="ctr" rotWithShape="0">
+            <a:srgbClr val="000000">
+              <a:alpha val="63000"/>
+            </a:srgbClr>
+          </a:outerShdw>
+        </a:effectLst>
+      </dsp:spPr>
+      <dsp:style>
+        <a:lnRef idx="0">
+          <a:scrgbClr r="0" g="0" b="0"/>
+        </a:lnRef>
+        <a:fillRef idx="3">
+          <a:scrgbClr r="0" g="0" b="0"/>
+        </a:fillRef>
+        <a:effectRef idx="3">
+          <a:scrgbClr r="0" g="0" b="0"/>
+        </a:effectRef>
+        <a:fontRef idx="minor">
+          <a:schemeClr val="lt1"/>
+        </a:fontRef>
+      </dsp:style>
+      <dsp:txBody>
+        <a:bodyPr spcFirstLastPara="0" vert="horz" wrap="square" lIns="17780" tIns="17780" rIns="17780" bIns="17780" numCol="1" spcCol="1270" anchor="t" anchorCtr="0">
+          <a:noAutofit/>
+        </a:bodyPr>
+        <a:lstStyle/>
+        <a:p>
+          <a:pPr marL="0" lvl="0" indent="0" algn="ctr" defTabSz="1244600">
+            <a:lnSpc>
+              <a:spcPct val="90000"/>
+            </a:lnSpc>
+            <a:spcBef>
+              <a:spcPct val="0"/>
+            </a:spcBef>
+            <a:spcAft>
+              <a:spcPct val="35000"/>
+            </a:spcAft>
+            <a:buNone/>
+          </a:pPr>
+          <a:endParaRPr lang="en-US" sz="2800" kern="1200" dirty="0"/>
+        </a:p>
+        <a:p>
+          <a:pPr marL="0" lvl="0" indent="0" algn="ctr" defTabSz="1244600">
+            <a:lnSpc>
+              <a:spcPct val="90000"/>
+            </a:lnSpc>
+            <a:spcBef>
+              <a:spcPct val="0"/>
+            </a:spcBef>
+            <a:spcAft>
+              <a:spcPct val="35000"/>
+            </a:spcAft>
+            <a:buNone/>
+          </a:pPr>
+          <a:r>
+            <a:rPr lang="en-US" sz="2800" kern="1200" dirty="0"/>
+            <a:t>Military Expenditure</a:t>
+          </a:r>
+        </a:p>
+      </dsp:txBody>
+      <dsp:txXfrm>
+        <a:off x="270337" y="1306956"/>
+        <a:ext cx="2446942" cy="3061069"/>
+      </dsp:txXfrm>
+    </dsp:sp>
+    <dsp:sp modelId="{46F56F85-9C74-4AC9-BDF2-0E5AD9F8E5A0}">
+      <dsp:nvSpPr>
+        <dsp:cNvPr id="0" name=""/>
+        <dsp:cNvSpPr/>
+      </dsp:nvSpPr>
+      <dsp:spPr>
+        <a:xfrm rot="19942657">
+          <a:off x="2926789" y="1390342"/>
+          <a:ext cx="1685336" cy="512671"/>
+        </a:xfrm>
+        <a:prstGeom prst="leftArrow">
+          <a:avLst>
+            <a:gd name="adj1" fmla="val 60000"/>
+            <a:gd name="adj2" fmla="val 50000"/>
+          </a:avLst>
+        </a:prstGeom>
+        <a:gradFill rotWithShape="0">
+          <a:gsLst>
+            <a:gs pos="0">
+              <a:schemeClr val="accent2">
+                <a:tint val="60000"/>
+                <a:hueOff val="0"/>
+                <a:satOff val="0"/>
+                <a:lumOff val="0"/>
+                <a:alphaOff val="0"/>
+                <a:satMod val="103000"/>
+                <a:lumMod val="102000"/>
+                <a:tint val="94000"/>
+              </a:schemeClr>
+            </a:gs>
+            <a:gs pos="50000">
+              <a:schemeClr val="accent2">
+                <a:tint val="60000"/>
+                <a:hueOff val="0"/>
+                <a:satOff val="0"/>
+                <a:lumOff val="0"/>
+                <a:alphaOff val="0"/>
+                <a:satMod val="110000"/>
+                <a:lumMod val="100000"/>
+                <a:shade val="100000"/>
+              </a:schemeClr>
+            </a:gs>
+            <a:gs pos="100000">
+              <a:schemeClr val="accent2">
+                <a:tint val="60000"/>
+                <a:hueOff val="0"/>
+                <a:satOff val="0"/>
+                <a:lumOff val="0"/>
+                <a:alphaOff val="0"/>
+                <a:lumMod val="99000"/>
+                <a:satMod val="120000"/>
+                <a:shade val="78000"/>
+              </a:schemeClr>
+            </a:gs>
+          </a:gsLst>
+          <a:lin ang="5400000" scaled="0"/>
+        </a:gradFill>
+        <a:ln>
+          <a:noFill/>
+        </a:ln>
+        <a:effectLst>
+          <a:outerShdw blurRad="57150" dist="19050" dir="5400000" algn="ctr" rotWithShape="0">
+            <a:srgbClr val="000000">
+              <a:alpha val="63000"/>
+            </a:srgbClr>
+          </a:outerShdw>
+        </a:effectLst>
+      </dsp:spPr>
+      <dsp:style>
+        <a:lnRef idx="0">
+          <a:scrgbClr r="0" g="0" b="0"/>
+        </a:lnRef>
+        <a:fillRef idx="3">
+          <a:scrgbClr r="0" g="0" b="0"/>
+        </a:fillRef>
+        <a:effectRef idx="3">
+          <a:scrgbClr r="0" g="0" b="0"/>
+        </a:effectRef>
+        <a:fontRef idx="minor">
+          <a:schemeClr val="lt1"/>
+        </a:fontRef>
+      </dsp:style>
+    </dsp:sp>
+    <dsp:sp modelId="{E89B1848-0386-4352-A380-B45F97EF8824}">
+      <dsp:nvSpPr>
+        <dsp:cNvPr id="0" name=""/>
+        <dsp:cNvSpPr/>
+      </dsp:nvSpPr>
+      <dsp:spPr>
+        <a:xfrm>
+          <a:off x="3836330" y="750248"/>
+          <a:ext cx="1708905" cy="828627"/>
+        </a:xfrm>
+        <a:prstGeom prst="roundRect">
+          <a:avLst>
+            <a:gd name="adj" fmla="val 10000"/>
+          </a:avLst>
+        </a:prstGeom>
+        <a:gradFill rotWithShape="0">
+          <a:gsLst>
+            <a:gs pos="0">
+              <a:schemeClr val="accent2">
+                <a:hueOff val="0"/>
+                <a:satOff val="0"/>
+                <a:lumOff val="0"/>
+                <a:alphaOff val="0"/>
+                <a:satMod val="103000"/>
+                <a:lumMod val="102000"/>
+                <a:tint val="94000"/>
+              </a:schemeClr>
+            </a:gs>
+            <a:gs pos="50000">
+              <a:schemeClr val="accent2">
+                <a:hueOff val="0"/>
+                <a:satOff val="0"/>
+                <a:lumOff val="0"/>
+                <a:alphaOff val="0"/>
+                <a:satMod val="110000"/>
+                <a:lumMod val="100000"/>
+                <a:shade val="100000"/>
+              </a:schemeClr>
+            </a:gs>
+            <a:gs pos="100000">
+              <a:schemeClr val="accent2">
+                <a:hueOff val="0"/>
+                <a:satOff val="0"/>
+                <a:lumOff val="0"/>
+                <a:alphaOff val="0"/>
+                <a:lumMod val="99000"/>
+                <a:satMod val="120000"/>
+                <a:shade val="78000"/>
+              </a:schemeClr>
+            </a:gs>
+          </a:gsLst>
+          <a:lin ang="5400000" scaled="0"/>
+        </a:gradFill>
+        <a:ln>
+          <a:noFill/>
+        </a:ln>
+        <a:effectLst>
+          <a:outerShdw blurRad="57150" dist="19050" dir="5400000" algn="ctr" rotWithShape="0">
+            <a:srgbClr val="000000">
+              <a:alpha val="63000"/>
+            </a:srgbClr>
+          </a:outerShdw>
+        </a:effectLst>
+      </dsp:spPr>
+      <dsp:style>
+        <a:lnRef idx="0">
+          <a:scrgbClr r="0" g="0" b="0"/>
+        </a:lnRef>
+        <a:fillRef idx="3">
+          <a:scrgbClr r="0" g="0" b="0"/>
+        </a:fillRef>
+        <a:effectRef idx="3">
+          <a:scrgbClr r="0" g="0" b="0"/>
+        </a:effectRef>
+        <a:fontRef idx="minor">
+          <a:schemeClr val="lt1"/>
+        </a:fontRef>
+      </dsp:style>
+      <dsp:txBody>
+        <a:bodyPr spcFirstLastPara="0" vert="horz" wrap="square" lIns="45720" tIns="45720" rIns="45720" bIns="45720" numCol="1" spcCol="1270" anchor="ctr" anchorCtr="0">
+          <a:noAutofit/>
+        </a:bodyPr>
+        <a:lstStyle/>
+        <a:p>
+          <a:pPr marL="0" lvl="0" indent="0" algn="ctr" defTabSz="1066800">
+            <a:lnSpc>
+              <a:spcPct val="90000"/>
+            </a:lnSpc>
+            <a:spcBef>
+              <a:spcPct val="0"/>
+            </a:spcBef>
+            <a:spcAft>
+              <a:spcPct val="35000"/>
+            </a:spcAft>
+            <a:buNone/>
+          </a:pPr>
+          <a:r>
+            <a:rPr lang="en-US" sz="2400" kern="1200" dirty="0"/>
+            <a:t>Arms Imported</a:t>
+          </a:r>
+        </a:p>
+      </dsp:txBody>
+      <dsp:txXfrm>
+        <a:off x="3860600" y="774518"/>
+        <a:ext cx="1660365" cy="780087"/>
+      </dsp:txXfrm>
+    </dsp:sp>
+    <dsp:sp modelId="{95A89B90-73F6-49FA-BD78-C8E2C1C9F044}">
+      <dsp:nvSpPr>
+        <dsp:cNvPr id="0" name=""/>
+        <dsp:cNvSpPr/>
+      </dsp:nvSpPr>
+      <dsp:spPr>
+        <a:xfrm rot="21568749">
+          <a:off x="2950844" y="2560001"/>
+          <a:ext cx="1739975" cy="512671"/>
+        </a:xfrm>
+        <a:prstGeom prst="leftArrow">
+          <a:avLst>
+            <a:gd name="adj1" fmla="val 60000"/>
+            <a:gd name="adj2" fmla="val 50000"/>
+          </a:avLst>
+        </a:prstGeom>
+        <a:gradFill rotWithShape="0">
+          <a:gsLst>
+            <a:gs pos="0">
+              <a:schemeClr val="accent2">
+                <a:tint val="60000"/>
+                <a:hueOff val="0"/>
+                <a:satOff val="0"/>
+                <a:lumOff val="0"/>
+                <a:alphaOff val="0"/>
+                <a:satMod val="103000"/>
+                <a:lumMod val="102000"/>
+                <a:tint val="94000"/>
+              </a:schemeClr>
+            </a:gs>
+            <a:gs pos="50000">
+              <a:schemeClr val="accent2">
+                <a:tint val="60000"/>
+                <a:hueOff val="0"/>
+                <a:satOff val="0"/>
+                <a:lumOff val="0"/>
+                <a:alphaOff val="0"/>
+                <a:satMod val="110000"/>
+                <a:lumMod val="100000"/>
+                <a:shade val="100000"/>
+              </a:schemeClr>
+            </a:gs>
+            <a:gs pos="100000">
+              <a:schemeClr val="accent2">
+                <a:tint val="60000"/>
+                <a:hueOff val="0"/>
+                <a:satOff val="0"/>
+                <a:lumOff val="0"/>
+                <a:alphaOff val="0"/>
+                <a:lumMod val="99000"/>
+                <a:satMod val="120000"/>
+                <a:shade val="78000"/>
+              </a:schemeClr>
+            </a:gs>
+          </a:gsLst>
+          <a:lin ang="5400000" scaled="0"/>
+        </a:gradFill>
+        <a:ln>
+          <a:noFill/>
+        </a:ln>
+        <a:effectLst>
+          <a:outerShdw blurRad="57150" dist="19050" dir="5400000" algn="ctr" rotWithShape="0">
+            <a:srgbClr val="000000">
+              <a:alpha val="63000"/>
+            </a:srgbClr>
+          </a:outerShdw>
+        </a:effectLst>
+      </dsp:spPr>
+      <dsp:style>
+        <a:lnRef idx="0">
+          <a:scrgbClr r="0" g="0" b="0"/>
+        </a:lnRef>
+        <a:fillRef idx="3">
+          <a:scrgbClr r="0" g="0" b="0"/>
+        </a:fillRef>
+        <a:effectRef idx="3">
+          <a:scrgbClr r="0" g="0" b="0"/>
+        </a:effectRef>
+        <a:fontRef idx="minor">
+          <a:schemeClr val="lt1"/>
+        </a:fontRef>
+      </dsp:style>
+    </dsp:sp>
+    <dsp:sp modelId="{C572BC67-A4DA-42B9-8ABA-DC1519A3B2CA}">
+      <dsp:nvSpPr>
+        <dsp:cNvPr id="0" name=""/>
+        <dsp:cNvSpPr/>
+      </dsp:nvSpPr>
+      <dsp:spPr>
+        <a:xfrm>
+          <a:off x="3836332" y="2373956"/>
+          <a:ext cx="1708905" cy="868944"/>
+        </a:xfrm>
+        <a:prstGeom prst="roundRect">
+          <a:avLst>
+            <a:gd name="adj" fmla="val 10000"/>
+          </a:avLst>
+        </a:prstGeom>
+        <a:gradFill rotWithShape="0">
+          <a:gsLst>
+            <a:gs pos="0">
+              <a:schemeClr val="accent2">
+                <a:hueOff val="0"/>
+                <a:satOff val="0"/>
+                <a:lumOff val="0"/>
+                <a:alphaOff val="0"/>
+                <a:satMod val="103000"/>
+                <a:lumMod val="102000"/>
+                <a:tint val="94000"/>
+              </a:schemeClr>
+            </a:gs>
+            <a:gs pos="50000">
+              <a:schemeClr val="accent2">
+                <a:hueOff val="0"/>
+                <a:satOff val="0"/>
+                <a:lumOff val="0"/>
+                <a:alphaOff val="0"/>
+                <a:satMod val="110000"/>
+                <a:lumMod val="100000"/>
+                <a:shade val="100000"/>
+              </a:schemeClr>
+            </a:gs>
+            <a:gs pos="100000">
+              <a:schemeClr val="accent2">
+                <a:hueOff val="0"/>
+                <a:satOff val="0"/>
+                <a:lumOff val="0"/>
+                <a:alphaOff val="0"/>
+                <a:lumMod val="99000"/>
+                <a:satMod val="120000"/>
+                <a:shade val="78000"/>
+              </a:schemeClr>
+            </a:gs>
+          </a:gsLst>
+          <a:lin ang="5400000" scaled="0"/>
+        </a:gradFill>
+        <a:ln>
+          <a:noFill/>
+        </a:ln>
+        <a:effectLst>
+          <a:outerShdw blurRad="57150" dist="19050" dir="5400000" algn="ctr" rotWithShape="0">
+            <a:srgbClr val="000000">
+              <a:alpha val="63000"/>
+            </a:srgbClr>
+          </a:outerShdw>
+        </a:effectLst>
+      </dsp:spPr>
+      <dsp:style>
+        <a:lnRef idx="0">
+          <a:scrgbClr r="0" g="0" b="0"/>
+        </a:lnRef>
+        <a:fillRef idx="3">
+          <a:scrgbClr r="0" g="0" b="0"/>
+        </a:fillRef>
+        <a:effectRef idx="3">
+          <a:scrgbClr r="0" g="0" b="0"/>
+        </a:effectRef>
+        <a:fontRef idx="minor">
+          <a:schemeClr val="lt1"/>
+        </a:fontRef>
+      </dsp:style>
+      <dsp:txBody>
+        <a:bodyPr spcFirstLastPara="0" vert="horz" wrap="square" lIns="45720" tIns="45720" rIns="45720" bIns="45720" numCol="1" spcCol="1270" anchor="ctr" anchorCtr="0">
+          <a:noAutofit/>
+        </a:bodyPr>
+        <a:lstStyle/>
+        <a:p>
+          <a:pPr marL="0" lvl="0" indent="0" algn="ctr" defTabSz="1066800">
+            <a:lnSpc>
+              <a:spcPct val="90000"/>
+            </a:lnSpc>
+            <a:spcBef>
+              <a:spcPct val="0"/>
+            </a:spcBef>
+            <a:spcAft>
+              <a:spcPct val="35000"/>
+            </a:spcAft>
+            <a:buNone/>
+          </a:pPr>
+          <a:r>
+            <a:rPr lang="en-US" sz="2400" kern="1200" dirty="0"/>
+            <a:t>Military Personnel</a:t>
+          </a:r>
+        </a:p>
+      </dsp:txBody>
+      <dsp:txXfrm>
+        <a:off x="3861783" y="2399407"/>
+        <a:ext cx="1658003" cy="818042"/>
+      </dsp:txXfrm>
+    </dsp:sp>
+    <dsp:sp modelId="{AFB01E98-0CA5-4614-B56F-FFFCFDCFE34E}">
+      <dsp:nvSpPr>
+        <dsp:cNvPr id="0" name=""/>
+        <dsp:cNvSpPr/>
+      </dsp:nvSpPr>
+      <dsp:spPr>
+        <a:xfrm rot="1518373">
+          <a:off x="2982341" y="3661169"/>
+          <a:ext cx="1591225" cy="512671"/>
+        </a:xfrm>
+        <a:prstGeom prst="leftArrow">
+          <a:avLst>
+            <a:gd name="adj1" fmla="val 60000"/>
+            <a:gd name="adj2" fmla="val 50000"/>
+          </a:avLst>
+        </a:prstGeom>
+        <a:gradFill rotWithShape="0">
+          <a:gsLst>
+            <a:gs pos="0">
+              <a:schemeClr val="accent2">
+                <a:tint val="60000"/>
+                <a:hueOff val="0"/>
+                <a:satOff val="0"/>
+                <a:lumOff val="0"/>
+                <a:alphaOff val="0"/>
+                <a:satMod val="103000"/>
+                <a:lumMod val="102000"/>
+                <a:tint val="94000"/>
+              </a:schemeClr>
+            </a:gs>
+            <a:gs pos="50000">
+              <a:schemeClr val="accent2">
+                <a:tint val="60000"/>
+                <a:hueOff val="0"/>
+                <a:satOff val="0"/>
+                <a:lumOff val="0"/>
+                <a:alphaOff val="0"/>
+                <a:satMod val="110000"/>
+                <a:lumMod val="100000"/>
+                <a:shade val="100000"/>
+              </a:schemeClr>
+            </a:gs>
+            <a:gs pos="100000">
+              <a:schemeClr val="accent2">
+                <a:tint val="60000"/>
+                <a:hueOff val="0"/>
+                <a:satOff val="0"/>
+                <a:lumOff val="0"/>
+                <a:alphaOff val="0"/>
+                <a:lumMod val="99000"/>
+                <a:satMod val="120000"/>
+                <a:shade val="78000"/>
+              </a:schemeClr>
+            </a:gs>
+          </a:gsLst>
+          <a:lin ang="5400000" scaled="0"/>
+        </a:gradFill>
+        <a:ln>
+          <a:noFill/>
+        </a:ln>
+        <a:effectLst>
+          <a:outerShdw blurRad="57150" dist="19050" dir="5400000" algn="ctr" rotWithShape="0">
+            <a:srgbClr val="000000">
+              <a:alpha val="63000"/>
+            </a:srgbClr>
+          </a:outerShdw>
+        </a:effectLst>
+      </dsp:spPr>
+      <dsp:style>
+        <a:lnRef idx="0">
+          <a:scrgbClr r="0" g="0" b="0"/>
+        </a:lnRef>
+        <a:fillRef idx="3">
+          <a:scrgbClr r="0" g="0" b="0"/>
+        </a:fillRef>
+        <a:effectRef idx="3">
+          <a:scrgbClr r="0" g="0" b="0"/>
+        </a:effectRef>
+        <a:fontRef idx="minor">
+          <a:schemeClr val="lt1"/>
+        </a:fontRef>
+      </dsp:style>
+    </dsp:sp>
+    <dsp:sp modelId="{C9CBAC5D-29FA-4A0E-BCD4-9399AEC86FBF}">
+      <dsp:nvSpPr>
+        <dsp:cNvPr id="0" name=""/>
+        <dsp:cNvSpPr/>
+      </dsp:nvSpPr>
+      <dsp:spPr>
+        <a:xfrm>
+          <a:off x="3836305" y="3934793"/>
+          <a:ext cx="1708905" cy="828627"/>
+        </a:xfrm>
+        <a:prstGeom prst="roundRect">
+          <a:avLst>
+            <a:gd name="adj" fmla="val 10000"/>
+          </a:avLst>
+        </a:prstGeom>
+        <a:gradFill rotWithShape="0">
+          <a:gsLst>
+            <a:gs pos="0">
+              <a:schemeClr val="accent2">
+                <a:hueOff val="0"/>
+                <a:satOff val="0"/>
+                <a:lumOff val="0"/>
+                <a:alphaOff val="0"/>
+                <a:satMod val="103000"/>
+                <a:lumMod val="102000"/>
+                <a:tint val="94000"/>
+              </a:schemeClr>
+            </a:gs>
+            <a:gs pos="50000">
+              <a:schemeClr val="accent2">
+                <a:hueOff val="0"/>
+                <a:satOff val="0"/>
+                <a:lumOff val="0"/>
+                <a:alphaOff val="0"/>
+                <a:satMod val="110000"/>
+                <a:lumMod val="100000"/>
+                <a:shade val="100000"/>
+              </a:schemeClr>
+            </a:gs>
+            <a:gs pos="100000">
+              <a:schemeClr val="accent2">
+                <a:hueOff val="0"/>
+                <a:satOff val="0"/>
+                <a:lumOff val="0"/>
+                <a:alphaOff val="0"/>
+                <a:lumMod val="99000"/>
+                <a:satMod val="120000"/>
+                <a:shade val="78000"/>
+              </a:schemeClr>
+            </a:gs>
+          </a:gsLst>
+          <a:lin ang="5400000" scaled="0"/>
+        </a:gradFill>
+        <a:ln>
+          <a:noFill/>
+        </a:ln>
+        <a:effectLst>
+          <a:outerShdw blurRad="57150" dist="19050" dir="5400000" algn="ctr" rotWithShape="0">
+            <a:srgbClr val="000000">
+              <a:alpha val="63000"/>
+            </a:srgbClr>
+          </a:outerShdw>
+        </a:effectLst>
+      </dsp:spPr>
+      <dsp:style>
+        <a:lnRef idx="0">
+          <a:scrgbClr r="0" g="0" b="0"/>
+        </a:lnRef>
+        <a:fillRef idx="3">
+          <a:scrgbClr r="0" g="0" b="0"/>
+        </a:fillRef>
+        <a:effectRef idx="3">
+          <a:scrgbClr r="0" g="0" b="0"/>
+        </a:effectRef>
+        <a:fontRef idx="minor">
+          <a:schemeClr val="lt1"/>
+        </a:fontRef>
+      </dsp:style>
+      <dsp:txBody>
+        <a:bodyPr spcFirstLastPara="0" vert="horz" wrap="square" lIns="45720" tIns="45720" rIns="45720" bIns="45720" numCol="1" spcCol="1270" anchor="ctr" anchorCtr="0">
+          <a:noAutofit/>
+        </a:bodyPr>
+        <a:lstStyle/>
+        <a:p>
+          <a:pPr marL="0" lvl="0" indent="0" algn="ctr" defTabSz="1066800">
+            <a:lnSpc>
+              <a:spcPct val="90000"/>
+            </a:lnSpc>
+            <a:spcBef>
+              <a:spcPct val="0"/>
+            </a:spcBef>
+            <a:spcAft>
+              <a:spcPct val="35000"/>
+            </a:spcAft>
+            <a:buNone/>
+          </a:pPr>
+          <a:r>
+            <a:rPr lang="en-US" sz="2400" kern="1200" dirty="0"/>
+            <a:t>Global Firepower</a:t>
+          </a:r>
+        </a:p>
+      </dsp:txBody>
+      <dsp:txXfrm>
+        <a:off x="3860575" y="3959063"/>
+        <a:ext cx="1660365" cy="780087"/>
+      </dsp:txXfrm>
+    </dsp:sp>
+  </dsp:spTree>
+</dsp:drawing>
+</file>
+
+<file path=ppt/diagrams/drawing2.xml><?xml version="1.0" encoding="utf-8"?>
 <dsp:drawing xmlns:dgm="http://schemas.openxmlformats.org/drawingml/2006/diagram" xmlns:dsp="http://schemas.microsoft.com/office/drawing/2008/diagram" xmlns:a="http://schemas.openxmlformats.org/drawingml/2006/main">
   <dsp:spTree>
     <dsp:nvGrpSpPr>
@@ -2385,6 +4085,266 @@
 </file>
 
 <file path=ppt/diagrams/layout1.xml><?xml version="1.0" encoding="utf-8"?>
+<dgm:layoutDef xmlns:dgm="http://schemas.openxmlformats.org/drawingml/2006/diagram" xmlns:a="http://schemas.openxmlformats.org/drawingml/2006/main" uniqueId="urn:microsoft.com/office/officeart/2005/8/layout/radial4">
+  <dgm:title val=""/>
+  <dgm:desc val=""/>
+  <dgm:catLst>
+    <dgm:cat type="relationship" pri="19000"/>
+  </dgm:catLst>
+  <dgm:sampData>
+    <dgm:dataModel>
+      <dgm:ptLst>
+        <dgm:pt modelId="0" type="doc"/>
+        <dgm:pt modelId="1">
+          <dgm:prSet phldr="1"/>
+        </dgm:pt>
+        <dgm:pt modelId="11">
+          <dgm:prSet phldr="1"/>
+        </dgm:pt>
+        <dgm:pt modelId="12">
+          <dgm:prSet phldr="1"/>
+        </dgm:pt>
+        <dgm:pt modelId="13">
+          <dgm:prSet phldr="1"/>
+        </dgm:pt>
+      </dgm:ptLst>
+      <dgm:cxnLst>
+        <dgm:cxn modelId="2" srcId="0" destId="1" srcOrd="0" destOrd="0"/>
+        <dgm:cxn modelId="3" srcId="1" destId="11" srcOrd="0" destOrd="0"/>
+        <dgm:cxn modelId="4" srcId="1" destId="12" srcOrd="1" destOrd="0"/>
+        <dgm:cxn modelId="5" srcId="1" destId="13" srcOrd="2" destOrd="0"/>
+      </dgm:cxnLst>
+      <dgm:bg/>
+      <dgm:whole/>
+    </dgm:dataModel>
+  </dgm:sampData>
+  <dgm:styleData>
+    <dgm:dataModel>
+      <dgm:ptLst>
+        <dgm:pt modelId="0" type="doc"/>
+        <dgm:pt modelId="1"/>
+        <dgm:pt modelId="11"/>
+        <dgm:pt modelId="12"/>
+      </dgm:ptLst>
+      <dgm:cxnLst>
+        <dgm:cxn modelId="2" srcId="0" destId="1" srcOrd="0" destOrd="0"/>
+        <dgm:cxn modelId="15" srcId="1" destId="11" srcOrd="0" destOrd="0"/>
+        <dgm:cxn modelId="16" srcId="1" destId="12" srcOrd="1" destOrd="0"/>
+      </dgm:cxnLst>
+      <dgm:bg/>
+      <dgm:whole/>
+    </dgm:dataModel>
+  </dgm:styleData>
+  <dgm:clrData>
+    <dgm:dataModel>
+      <dgm:ptLst>
+        <dgm:pt modelId="0" type="doc"/>
+        <dgm:pt modelId="1"/>
+        <dgm:pt modelId="11"/>
+        <dgm:pt modelId="12"/>
+        <dgm:pt modelId="13"/>
+        <dgm:pt modelId="14"/>
+        <dgm:pt modelId="15"/>
+        <dgm:pt modelId="16"/>
+      </dgm:ptLst>
+      <dgm:cxnLst>
+        <dgm:cxn modelId="2" srcId="0" destId="1" srcOrd="0" destOrd="0"/>
+        <dgm:cxn modelId="16" srcId="1" destId="11" srcOrd="0" destOrd="0"/>
+        <dgm:cxn modelId="17" srcId="1" destId="12" srcOrd="1" destOrd="0"/>
+        <dgm:cxn modelId="18" srcId="1" destId="13" srcOrd="2" destOrd="0"/>
+        <dgm:cxn modelId="19" srcId="1" destId="14" srcOrd="3" destOrd="0"/>
+        <dgm:cxn modelId="20" srcId="1" destId="15" srcOrd="4" destOrd="0"/>
+        <dgm:cxn modelId="21" srcId="1" destId="16" srcOrd="5" destOrd="0"/>
+      </dgm:cxnLst>
+      <dgm:bg/>
+      <dgm:whole/>
+    </dgm:dataModel>
+  </dgm:clrData>
+  <dgm:layoutNode name="cycle">
+    <dgm:varLst>
+      <dgm:chMax val="1"/>
+      <dgm:dir/>
+      <dgm:animLvl val="ctr"/>
+      <dgm:resizeHandles val="exact"/>
+    </dgm:varLst>
+    <dgm:choose name="Name0">
+      <dgm:if name="Name1" func="var" arg="dir" op="equ" val="norm">
+        <dgm:choose name="Name2">
+          <dgm:if name="Name3" axis="ch ch" ptType="node node" st="1 1" cnt="1 0" func="cnt" op="lte" val="1">
+            <dgm:alg type="cycle">
+              <dgm:param type="stAng" val="0"/>
+              <dgm:param type="spanAng" val="360"/>
+              <dgm:param type="ctrShpMap" val="fNode"/>
+            </dgm:alg>
+          </dgm:if>
+          <dgm:else name="Name4">
+            <dgm:choose name="Name5">
+              <dgm:if name="Name6" axis="ch ch" ptType="node node" st="1 1" cnt="1 0" func="cnt" op="lte" val="3">
+                <dgm:alg type="cycle">
+                  <dgm:param type="stAng" val="-55"/>
+                  <dgm:param type="spanAng" val="110"/>
+                  <dgm:param type="ctrShpMap" val="fNode"/>
+                </dgm:alg>
+              </dgm:if>
+              <dgm:else name="Name7">
+                <dgm:choose name="Name8">
+                  <dgm:if name="Name9" axis="ch ch" ptType="node node" st="1 1" cnt="1 0" func="cnt" op="equ" val="4">
+                    <dgm:alg type="cycle">
+                      <dgm:param type="stAng" val="-75"/>
+                      <dgm:param type="spanAng" val="150"/>
+                      <dgm:param type="ctrShpMap" val="fNode"/>
+                    </dgm:alg>
+                  </dgm:if>
+                  <dgm:else name="Name10">
+                    <dgm:alg type="cycle">
+                      <dgm:param type="stAng" val="-90"/>
+                      <dgm:param type="spanAng" val="180"/>
+                      <dgm:param type="ctrShpMap" val="fNode"/>
+                    </dgm:alg>
+                  </dgm:else>
+                </dgm:choose>
+              </dgm:else>
+            </dgm:choose>
+          </dgm:else>
+        </dgm:choose>
+      </dgm:if>
+      <dgm:else name="Name11">
+        <dgm:choose name="Name12">
+          <dgm:if name="Name13" axis="ch ch" ptType="node node" st="1 1" cnt="1 0" func="cnt" op="lte" val="1">
+            <dgm:alg type="cycle">
+              <dgm:param type="stAng" val="0"/>
+              <dgm:param type="spanAng" val="-360"/>
+              <dgm:param type="ctrShpMap" val="fNode"/>
+            </dgm:alg>
+          </dgm:if>
+          <dgm:else name="Name14">
+            <dgm:choose name="Name15">
+              <dgm:if name="Name16" axis="ch ch" ptType="node node" st="1 1" cnt="1 0" func="cnt" op="lte" val="3">
+                <dgm:alg type="cycle">
+                  <dgm:param type="stAng" val="55"/>
+                  <dgm:param type="spanAng" val="-110"/>
+                  <dgm:param type="ctrShpMap" val="fNode"/>
+                </dgm:alg>
+              </dgm:if>
+              <dgm:else name="Name17">
+                <dgm:choose name="Name18">
+                  <dgm:if name="Name19" axis="ch ch" ptType="node node" st="1 1" cnt="1 0" func="cnt" op="equ" val="4">
+                    <dgm:alg type="cycle">
+                      <dgm:param type="stAng" val="75"/>
+                      <dgm:param type="spanAng" val="-150"/>
+                      <dgm:param type="ctrShpMap" val="fNode"/>
+                    </dgm:alg>
+                  </dgm:if>
+                  <dgm:else name="Name20">
+                    <dgm:alg type="cycle">
+                      <dgm:param type="stAng" val="90"/>
+                      <dgm:param type="spanAng" val="-180"/>
+                      <dgm:param type="ctrShpMap" val="fNode"/>
+                    </dgm:alg>
+                  </dgm:else>
+                </dgm:choose>
+              </dgm:else>
+            </dgm:choose>
+          </dgm:else>
+        </dgm:choose>
+      </dgm:else>
+    </dgm:choose>
+    <dgm:shape xmlns:r="http://schemas.openxmlformats.org/officeDocument/2006/relationships" r:blip="">
+      <dgm:adjLst/>
+    </dgm:shape>
+    <dgm:presOf/>
+    <dgm:constrLst>
+      <dgm:constr type="w" for="ch" forName="centerShape" refType="w"/>
+      <dgm:constr type="w" for="ch" forName="node" refType="w" refFor="ch" refForName="centerShape" fact="0.95"/>
+      <dgm:constr type="h" for="ch" forName="parTrans" refType="w" refFor="ch" refForName="centerShape" fact="0.285"/>
+      <dgm:constr type="sp" refType="w" refFor="ch" refForName="centerShape" op="equ" fact="0.23"/>
+      <dgm:constr type="sibSp" refType="w" refFor="ch" refForName="node" fact="0.1"/>
+      <dgm:constr type="primFontSz" for="ch" forName="node" op="equ"/>
+    </dgm:constrLst>
+    <dgm:choose name="Name21">
+      <dgm:if name="Name22" axis="ch ch" ptType="node node" st="1 1" cnt="1 0" func="cnt" op="lte" val="5">
+        <dgm:ruleLst>
+          <dgm:rule type="w" for="ch" forName="centerShape" val="NaN" fact="0.27" max="NaN"/>
+        </dgm:ruleLst>
+      </dgm:if>
+      <dgm:else name="Name23">
+        <dgm:ruleLst>
+          <dgm:rule type="w" for="ch" forName="centerShape" val="NaN" fact="0.27" max="NaN"/>
+          <dgm:rule type="w" for="ch" forName="node" val="NaN" fact="0.7" max="NaN"/>
+        </dgm:ruleLst>
+      </dgm:else>
+    </dgm:choose>
+    <dgm:forEach name="Name24" axis="ch" ptType="node" cnt="1">
+      <dgm:layoutNode name="centerShape" styleLbl="node0">
+        <dgm:alg type="tx"/>
+        <dgm:shape xmlns:r="http://schemas.openxmlformats.org/officeDocument/2006/relationships" type="ellipse" r:blip="">
+          <dgm:adjLst/>
+        </dgm:shape>
+        <dgm:presOf axis="self"/>
+        <dgm:constrLst>
+          <dgm:constr type="tMarg" refType="primFontSz" fact="0.05"/>
+          <dgm:constr type="bMarg" refType="primFontSz" fact="0.05"/>
+          <dgm:constr type="lMarg" refType="primFontSz" fact="0.05"/>
+          <dgm:constr type="rMarg" refType="primFontSz" fact="0.05"/>
+          <dgm:constr type="primFontSz" val="65"/>
+          <dgm:constr type="h" refType="w"/>
+        </dgm:constrLst>
+        <dgm:ruleLst>
+          <dgm:rule type="primFontSz" val="5" fact="NaN" max="NaN"/>
+        </dgm:ruleLst>
+      </dgm:layoutNode>
+      <dgm:forEach name="Name25" axis="ch">
+        <dgm:forEach name="Name26" axis="self" ptType="parTrans">
+          <dgm:layoutNode name="parTrans" styleLbl="bgSibTrans2D1">
+            <dgm:alg type="conn">
+              <dgm:param type="begPts" val="auto"/>
+              <dgm:param type="endPts" val="ctr"/>
+              <dgm:param type="endSty" val="noArr"/>
+              <dgm:param type="begSty" val="arr"/>
+            </dgm:alg>
+            <dgm:shape xmlns:r="http://schemas.openxmlformats.org/officeDocument/2006/relationships" type="conn" r:blip="">
+              <dgm:adjLst/>
+            </dgm:shape>
+            <dgm:presOf axis="self"/>
+            <dgm:constrLst>
+              <dgm:constr type="begPad" refType="connDist" fact="0.055"/>
+              <dgm:constr type="endPad"/>
+            </dgm:constrLst>
+            <dgm:ruleLst/>
+          </dgm:layoutNode>
+        </dgm:forEach>
+        <dgm:forEach name="Name27" axis="self" ptType="node">
+          <dgm:layoutNode name="node" styleLbl="node1">
+            <dgm:varLst>
+              <dgm:bulletEnabled val="1"/>
+            </dgm:varLst>
+            <dgm:alg type="tx"/>
+            <dgm:shape xmlns:r="http://schemas.openxmlformats.org/officeDocument/2006/relationships" type="roundRect" r:blip="">
+              <dgm:adjLst>
+                <dgm:adj idx="1" val="0.1"/>
+              </dgm:adjLst>
+            </dgm:shape>
+            <dgm:presOf axis="desOrSelf" ptType="node"/>
+            <dgm:constrLst>
+              <dgm:constr type="primFontSz" val="65"/>
+              <dgm:constr type="h" refType="w" fact="0.8"/>
+              <dgm:constr type="tMarg" refType="primFontSz" fact="0.15"/>
+              <dgm:constr type="bMarg" refType="primFontSz" fact="0.15"/>
+              <dgm:constr type="lMarg" refType="primFontSz" fact="0.15"/>
+              <dgm:constr type="rMarg" refType="primFontSz" fact="0.15"/>
+            </dgm:constrLst>
+            <dgm:ruleLst>
+              <dgm:rule type="primFontSz" val="5" fact="NaN" max="NaN"/>
+            </dgm:ruleLst>
+          </dgm:layoutNode>
+        </dgm:forEach>
+      </dgm:forEach>
+    </dgm:forEach>
+  </dgm:layoutNode>
+</dgm:layoutDef>
+</file>
+
+<file path=ppt/diagrams/layout2.xml><?xml version="1.0" encoding="utf-8"?>
 <dgm:layoutDef xmlns:dgm="http://schemas.openxmlformats.org/drawingml/2006/diagram" xmlns:a="http://schemas.openxmlformats.org/drawingml/2006/main" uniqueId="urn:microsoft.com/office/officeart/2005/8/layout/vProcess5">
   <dgm:title val=""/>
   <dgm:desc val=""/>
@@ -3611,6 +5571,1040 @@
 </file>
 
 <file path=ppt/diagrams/quickStyle1.xml><?xml version="1.0" encoding="utf-8"?>
+<dgm:styleDef xmlns:dgm="http://schemas.openxmlformats.org/drawingml/2006/diagram" xmlns:a="http://schemas.openxmlformats.org/drawingml/2006/main" uniqueId="urn:microsoft.com/office/officeart/2005/8/quickstyle/simple5">
+  <dgm:title val=""/>
+  <dgm:desc val=""/>
+  <dgm:catLst>
+    <dgm:cat type="simple" pri="10500"/>
+  </dgm:catLst>
+  <dgm:scene3d>
+    <a:camera prst="orthographicFront"/>
+    <a:lightRig rig="threePt" dir="t"/>
+  </dgm:scene3d>
+  <dgm:styleLbl name="node0">
+    <dgm:scene3d>
+      <a:camera prst="orthographicFront"/>
+      <a:lightRig rig="threePt" dir="t"/>
+    </dgm:scene3d>
+    <dgm:sp3d/>
+    <dgm:txPr/>
+    <dgm:style>
+      <a:lnRef idx="0">
+        <a:scrgbClr r="0" g="0" b="0"/>
+      </a:lnRef>
+      <a:fillRef idx="3">
+        <a:scrgbClr r="0" g="0" b="0"/>
+      </a:fillRef>
+      <a:effectRef idx="3">
+        <a:scrgbClr r="0" g="0" b="0"/>
+      </a:effectRef>
+      <a:fontRef idx="minor">
+        <a:schemeClr val="lt1"/>
+      </a:fontRef>
+    </dgm:style>
+  </dgm:styleLbl>
+  <dgm:styleLbl name="lnNode1">
+    <dgm:scene3d>
+      <a:camera prst="orthographicFront"/>
+      <a:lightRig rig="threePt" dir="t"/>
+    </dgm:scene3d>
+    <dgm:sp3d/>
+    <dgm:txPr/>
+    <dgm:style>
+      <a:lnRef idx="0">
+        <a:scrgbClr r="0" g="0" b="0"/>
+      </a:lnRef>
+      <a:fillRef idx="3">
+        <a:scrgbClr r="0" g="0" b="0"/>
+      </a:fillRef>
+      <a:effectRef idx="3">
+        <a:scrgbClr r="0" g="0" b="0"/>
+      </a:effectRef>
+      <a:fontRef idx="minor">
+        <a:schemeClr val="lt1"/>
+      </a:fontRef>
+    </dgm:style>
+  </dgm:styleLbl>
+  <dgm:styleLbl name="vennNode1">
+    <dgm:scene3d>
+      <a:camera prst="orthographicFront"/>
+      <a:lightRig rig="threePt" dir="t"/>
+    </dgm:scene3d>
+    <dgm:sp3d/>
+    <dgm:txPr/>
+    <dgm:style>
+      <a:lnRef idx="0">
+        <a:scrgbClr r="0" g="0" b="0"/>
+      </a:lnRef>
+      <a:fillRef idx="3">
+        <a:scrgbClr r="0" g="0" b="0"/>
+      </a:fillRef>
+      <a:effectRef idx="3">
+        <a:scrgbClr r="0" g="0" b="0"/>
+      </a:effectRef>
+      <a:fontRef idx="minor">
+        <a:schemeClr val="tx1"/>
+      </a:fontRef>
+    </dgm:style>
+  </dgm:styleLbl>
+  <dgm:styleLbl name="alignNode1">
+    <dgm:scene3d>
+      <a:camera prst="orthographicFront"/>
+      <a:lightRig rig="threePt" dir="t"/>
+    </dgm:scene3d>
+    <dgm:sp3d/>
+    <dgm:txPr/>
+    <dgm:style>
+      <a:lnRef idx="1">
+        <a:scrgbClr r="0" g="0" b="0"/>
+      </a:lnRef>
+      <a:fillRef idx="3">
+        <a:scrgbClr r="0" g="0" b="0"/>
+      </a:fillRef>
+      <a:effectRef idx="3">
+        <a:scrgbClr r="0" g="0" b="0"/>
+      </a:effectRef>
+      <a:fontRef idx="minor">
+        <a:schemeClr val="lt1"/>
+      </a:fontRef>
+    </dgm:style>
+  </dgm:styleLbl>
+  <dgm:styleLbl name="node1">
+    <dgm:scene3d>
+      <a:camera prst="orthographicFront"/>
+      <a:lightRig rig="threePt" dir="t"/>
+    </dgm:scene3d>
+    <dgm:sp3d/>
+    <dgm:txPr/>
+    <dgm:style>
+      <a:lnRef idx="0">
+        <a:scrgbClr r="0" g="0" b="0"/>
+      </a:lnRef>
+      <a:fillRef idx="3">
+        <a:scrgbClr r="0" g="0" b="0"/>
+      </a:fillRef>
+      <a:effectRef idx="3">
+        <a:scrgbClr r="0" g="0" b="0"/>
+      </a:effectRef>
+      <a:fontRef idx="minor">
+        <a:schemeClr val="lt1"/>
+      </a:fontRef>
+    </dgm:style>
+  </dgm:styleLbl>
+  <dgm:styleLbl name="node2">
+    <dgm:scene3d>
+      <a:camera prst="orthographicFront"/>
+      <a:lightRig rig="threePt" dir="t"/>
+    </dgm:scene3d>
+    <dgm:sp3d/>
+    <dgm:txPr/>
+    <dgm:style>
+      <a:lnRef idx="0">
+        <a:scrgbClr r="0" g="0" b="0"/>
+      </a:lnRef>
+      <a:fillRef idx="3">
+        <a:scrgbClr r="0" g="0" b="0"/>
+      </a:fillRef>
+      <a:effectRef idx="3">
+        <a:scrgbClr r="0" g="0" b="0"/>
+      </a:effectRef>
+      <a:fontRef idx="minor">
+        <a:schemeClr val="lt1"/>
+      </a:fontRef>
+    </dgm:style>
+  </dgm:styleLbl>
+  <dgm:styleLbl name="node3">
+    <dgm:scene3d>
+      <a:camera prst="orthographicFront"/>
+      <a:lightRig rig="threePt" dir="t"/>
+    </dgm:scene3d>
+    <dgm:sp3d/>
+    <dgm:txPr/>
+    <dgm:style>
+      <a:lnRef idx="0">
+        <a:scrgbClr r="0" g="0" b="0"/>
+      </a:lnRef>
+      <a:fillRef idx="3">
+        <a:scrgbClr r="0" g="0" b="0"/>
+      </a:fillRef>
+      <a:effectRef idx="3">
+        <a:scrgbClr r="0" g="0" b="0"/>
+      </a:effectRef>
+      <a:fontRef idx="minor">
+        <a:schemeClr val="lt1"/>
+      </a:fontRef>
+    </dgm:style>
+  </dgm:styleLbl>
+  <dgm:styleLbl name="node4">
+    <dgm:scene3d>
+      <a:camera prst="orthographicFront"/>
+      <a:lightRig rig="threePt" dir="t"/>
+    </dgm:scene3d>
+    <dgm:sp3d/>
+    <dgm:txPr/>
+    <dgm:style>
+      <a:lnRef idx="0">
+        <a:scrgbClr r="0" g="0" b="0"/>
+      </a:lnRef>
+      <a:fillRef idx="3">
+        <a:scrgbClr r="0" g="0" b="0"/>
+      </a:fillRef>
+      <a:effectRef idx="3">
+        <a:scrgbClr r="0" g="0" b="0"/>
+      </a:effectRef>
+      <a:fontRef idx="minor">
+        <a:schemeClr val="lt1"/>
+      </a:fontRef>
+    </dgm:style>
+  </dgm:styleLbl>
+  <dgm:styleLbl name="fgImgPlace1">
+    <dgm:scene3d>
+      <a:camera prst="orthographicFront"/>
+      <a:lightRig rig="threePt" dir="t"/>
+    </dgm:scene3d>
+    <dgm:sp3d/>
+    <dgm:txPr/>
+    <dgm:style>
+      <a:lnRef idx="0">
+        <a:scrgbClr r="0" g="0" b="0"/>
+      </a:lnRef>
+      <a:fillRef idx="1">
+        <a:scrgbClr r="0" g="0" b="0"/>
+      </a:fillRef>
+      <a:effectRef idx="3">
+        <a:scrgbClr r="0" g="0" b="0"/>
+      </a:effectRef>
+      <a:fontRef idx="minor"/>
+    </dgm:style>
+  </dgm:styleLbl>
+  <dgm:styleLbl name="alignImgPlace1">
+    <dgm:scene3d>
+      <a:camera prst="orthographicFront"/>
+      <a:lightRig rig="threePt" dir="t"/>
+    </dgm:scene3d>
+    <dgm:sp3d/>
+    <dgm:txPr/>
+    <dgm:style>
+      <a:lnRef idx="0">
+        <a:scrgbClr r="0" g="0" b="0"/>
+      </a:lnRef>
+      <a:fillRef idx="1">
+        <a:scrgbClr r="0" g="0" b="0"/>
+      </a:fillRef>
+      <a:effectRef idx="3">
+        <a:scrgbClr r="0" g="0" b="0"/>
+      </a:effectRef>
+      <a:fontRef idx="minor"/>
+    </dgm:style>
+  </dgm:styleLbl>
+  <dgm:styleLbl name="bgImgPlace1">
+    <dgm:scene3d>
+      <a:camera prst="orthographicFront"/>
+      <a:lightRig rig="threePt" dir="t"/>
+    </dgm:scene3d>
+    <dgm:sp3d/>
+    <dgm:txPr/>
+    <dgm:style>
+      <a:lnRef idx="0">
+        <a:scrgbClr r="0" g="0" b="0"/>
+      </a:lnRef>
+      <a:fillRef idx="1">
+        <a:scrgbClr r="0" g="0" b="0"/>
+      </a:fillRef>
+      <a:effectRef idx="3">
+        <a:scrgbClr r="0" g="0" b="0"/>
+      </a:effectRef>
+      <a:fontRef idx="minor"/>
+    </dgm:style>
+  </dgm:styleLbl>
+  <dgm:styleLbl name="sibTrans2D1">
+    <dgm:scene3d>
+      <a:camera prst="orthographicFront"/>
+      <a:lightRig rig="threePt" dir="t"/>
+    </dgm:scene3d>
+    <dgm:sp3d/>
+    <dgm:txPr/>
+    <dgm:style>
+      <a:lnRef idx="0">
+        <a:scrgbClr r="0" g="0" b="0"/>
+      </a:lnRef>
+      <a:fillRef idx="3">
+        <a:scrgbClr r="0" g="0" b="0"/>
+      </a:fillRef>
+      <a:effectRef idx="3">
+        <a:scrgbClr r="0" g="0" b="0"/>
+      </a:effectRef>
+      <a:fontRef idx="minor">
+        <a:schemeClr val="lt1"/>
+      </a:fontRef>
+    </dgm:style>
+  </dgm:styleLbl>
+  <dgm:styleLbl name="fgSibTrans2D1">
+    <dgm:scene3d>
+      <a:camera prst="orthographicFront"/>
+      <a:lightRig rig="threePt" dir="t"/>
+    </dgm:scene3d>
+    <dgm:sp3d/>
+    <dgm:txPr/>
+    <dgm:style>
+      <a:lnRef idx="0">
+        <a:scrgbClr r="0" g="0" b="0"/>
+      </a:lnRef>
+      <a:fillRef idx="3">
+        <a:scrgbClr r="0" g="0" b="0"/>
+      </a:fillRef>
+      <a:effectRef idx="3">
+        <a:scrgbClr r="0" g="0" b="0"/>
+      </a:effectRef>
+      <a:fontRef idx="minor">
+        <a:schemeClr val="lt1"/>
+      </a:fontRef>
+    </dgm:style>
+  </dgm:styleLbl>
+  <dgm:styleLbl name="bgSibTrans2D1">
+    <dgm:scene3d>
+      <a:camera prst="orthographicFront"/>
+      <a:lightRig rig="threePt" dir="t"/>
+    </dgm:scene3d>
+    <dgm:sp3d/>
+    <dgm:txPr/>
+    <dgm:style>
+      <a:lnRef idx="0">
+        <a:scrgbClr r="0" g="0" b="0"/>
+      </a:lnRef>
+      <a:fillRef idx="3">
+        <a:scrgbClr r="0" g="0" b="0"/>
+      </a:fillRef>
+      <a:effectRef idx="3">
+        <a:scrgbClr r="0" g="0" b="0"/>
+      </a:effectRef>
+      <a:fontRef idx="minor">
+        <a:schemeClr val="lt1"/>
+      </a:fontRef>
+    </dgm:style>
+  </dgm:styleLbl>
+  <dgm:styleLbl name="sibTrans1D1">
+    <dgm:scene3d>
+      <a:camera prst="orthographicFront"/>
+      <a:lightRig rig="threePt" dir="t"/>
+    </dgm:scene3d>
+    <dgm:sp3d/>
+    <dgm:txPr/>
+    <dgm:style>
+      <a:lnRef idx="1">
+        <a:scrgbClr r="0" g="0" b="0"/>
+      </a:lnRef>
+      <a:fillRef idx="0">
+        <a:scrgbClr r="0" g="0" b="0"/>
+      </a:fillRef>
+      <a:effectRef idx="0">
+        <a:scrgbClr r="0" g="0" b="0"/>
+      </a:effectRef>
+      <a:fontRef idx="minor"/>
+    </dgm:style>
+  </dgm:styleLbl>
+  <dgm:styleLbl name="callout">
+    <dgm:scene3d>
+      <a:camera prst="orthographicFront"/>
+      <a:lightRig rig="threePt" dir="t"/>
+    </dgm:scene3d>
+    <dgm:sp3d/>
+    <dgm:txPr/>
+    <dgm:style>
+      <a:lnRef idx="1">
+        <a:scrgbClr r="0" g="0" b="0"/>
+      </a:lnRef>
+      <a:fillRef idx="0">
+        <a:scrgbClr r="0" g="0" b="0"/>
+      </a:fillRef>
+      <a:effectRef idx="1">
+        <a:scrgbClr r="0" g="0" b="0"/>
+      </a:effectRef>
+      <a:fontRef idx="minor"/>
+    </dgm:style>
+  </dgm:styleLbl>
+  <dgm:styleLbl name="asst0">
+    <dgm:scene3d>
+      <a:camera prst="orthographicFront"/>
+      <a:lightRig rig="threePt" dir="t"/>
+    </dgm:scene3d>
+    <dgm:sp3d/>
+    <dgm:txPr/>
+    <dgm:style>
+      <a:lnRef idx="0">
+        <a:scrgbClr r="0" g="0" b="0"/>
+      </a:lnRef>
+      <a:fillRef idx="3">
+        <a:scrgbClr r="0" g="0" b="0"/>
+      </a:fillRef>
+      <a:effectRef idx="3">
+        <a:scrgbClr r="0" g="0" b="0"/>
+      </a:effectRef>
+      <a:fontRef idx="minor">
+        <a:schemeClr val="lt1"/>
+      </a:fontRef>
+    </dgm:style>
+  </dgm:styleLbl>
+  <dgm:styleLbl name="asst1">
+    <dgm:scene3d>
+      <a:camera prst="orthographicFront"/>
+      <a:lightRig rig="threePt" dir="t"/>
+    </dgm:scene3d>
+    <dgm:sp3d/>
+    <dgm:txPr/>
+    <dgm:style>
+      <a:lnRef idx="0">
+        <a:scrgbClr r="0" g="0" b="0"/>
+      </a:lnRef>
+      <a:fillRef idx="3">
+        <a:scrgbClr r="0" g="0" b="0"/>
+      </a:fillRef>
+      <a:effectRef idx="3">
+        <a:scrgbClr r="0" g="0" b="0"/>
+      </a:effectRef>
+      <a:fontRef idx="minor">
+        <a:schemeClr val="lt1"/>
+      </a:fontRef>
+    </dgm:style>
+  </dgm:styleLbl>
+  <dgm:styleLbl name="asst2">
+    <dgm:scene3d>
+      <a:camera prst="orthographicFront"/>
+      <a:lightRig rig="threePt" dir="t"/>
+    </dgm:scene3d>
+    <dgm:sp3d/>
+    <dgm:txPr/>
+    <dgm:style>
+      <a:lnRef idx="0">
+        <a:scrgbClr r="0" g="0" b="0"/>
+      </a:lnRef>
+      <a:fillRef idx="3">
+        <a:scrgbClr r="0" g="0" b="0"/>
+      </a:fillRef>
+      <a:effectRef idx="3">
+        <a:scrgbClr r="0" g="0" b="0"/>
+      </a:effectRef>
+      <a:fontRef idx="minor">
+        <a:schemeClr val="lt1"/>
+      </a:fontRef>
+    </dgm:style>
+  </dgm:styleLbl>
+  <dgm:styleLbl name="asst3">
+    <dgm:scene3d>
+      <a:camera prst="orthographicFront"/>
+      <a:lightRig rig="threePt" dir="t"/>
+    </dgm:scene3d>
+    <dgm:sp3d/>
+    <dgm:txPr/>
+    <dgm:style>
+      <a:lnRef idx="0">
+        <a:scrgbClr r="0" g="0" b="0"/>
+      </a:lnRef>
+      <a:fillRef idx="3">
+        <a:scrgbClr r="0" g="0" b="0"/>
+      </a:fillRef>
+      <a:effectRef idx="3">
+        <a:scrgbClr r="0" g="0" b="0"/>
+      </a:effectRef>
+      <a:fontRef idx="minor">
+        <a:schemeClr val="lt1"/>
+      </a:fontRef>
+    </dgm:style>
+  </dgm:styleLbl>
+  <dgm:styleLbl name="asst4">
+    <dgm:scene3d>
+      <a:camera prst="orthographicFront"/>
+      <a:lightRig rig="threePt" dir="t"/>
+    </dgm:scene3d>
+    <dgm:sp3d/>
+    <dgm:txPr/>
+    <dgm:style>
+      <a:lnRef idx="0">
+        <a:scrgbClr r="0" g="0" b="0"/>
+      </a:lnRef>
+      <a:fillRef idx="3">
+        <a:scrgbClr r="0" g="0" b="0"/>
+      </a:fillRef>
+      <a:effectRef idx="3">
+        <a:scrgbClr r="0" g="0" b="0"/>
+      </a:effectRef>
+      <a:fontRef idx="minor">
+        <a:schemeClr val="lt1"/>
+      </a:fontRef>
+    </dgm:style>
+  </dgm:styleLbl>
+  <dgm:styleLbl name="parChTrans2D1">
+    <dgm:scene3d>
+      <a:camera prst="orthographicFront"/>
+      <a:lightRig rig="threePt" dir="t"/>
+    </dgm:scene3d>
+    <dgm:sp3d/>
+    <dgm:txPr/>
+    <dgm:style>
+      <a:lnRef idx="0">
+        <a:scrgbClr r="0" g="0" b="0"/>
+      </a:lnRef>
+      <a:fillRef idx="3">
+        <a:scrgbClr r="0" g="0" b="0"/>
+      </a:fillRef>
+      <a:effectRef idx="3">
+        <a:scrgbClr r="0" g="0" b="0"/>
+      </a:effectRef>
+      <a:fontRef idx="minor">
+        <a:schemeClr val="lt1"/>
+      </a:fontRef>
+    </dgm:style>
+  </dgm:styleLbl>
+  <dgm:styleLbl name="parChTrans2D2">
+    <dgm:scene3d>
+      <a:camera prst="orthographicFront"/>
+      <a:lightRig rig="threePt" dir="t"/>
+    </dgm:scene3d>
+    <dgm:sp3d/>
+    <dgm:txPr/>
+    <dgm:style>
+      <a:lnRef idx="0">
+        <a:scrgbClr r="0" g="0" b="0"/>
+      </a:lnRef>
+      <a:fillRef idx="3">
+        <a:scrgbClr r="0" g="0" b="0"/>
+      </a:fillRef>
+      <a:effectRef idx="3">
+        <a:scrgbClr r="0" g="0" b="0"/>
+      </a:effectRef>
+      <a:fontRef idx="minor">
+        <a:schemeClr val="lt1"/>
+      </a:fontRef>
+    </dgm:style>
+  </dgm:styleLbl>
+  <dgm:styleLbl name="parChTrans2D3">
+    <dgm:scene3d>
+      <a:camera prst="orthographicFront"/>
+      <a:lightRig rig="threePt" dir="t"/>
+    </dgm:scene3d>
+    <dgm:sp3d/>
+    <dgm:txPr/>
+    <dgm:style>
+      <a:lnRef idx="0">
+        <a:scrgbClr r="0" g="0" b="0"/>
+      </a:lnRef>
+      <a:fillRef idx="3">
+        <a:scrgbClr r="0" g="0" b="0"/>
+      </a:fillRef>
+      <a:effectRef idx="3">
+        <a:scrgbClr r="0" g="0" b="0"/>
+      </a:effectRef>
+      <a:fontRef idx="minor">
+        <a:schemeClr val="lt1"/>
+      </a:fontRef>
+    </dgm:style>
+  </dgm:styleLbl>
+  <dgm:styleLbl name="parChTrans2D4">
+    <dgm:scene3d>
+      <a:camera prst="orthographicFront"/>
+      <a:lightRig rig="threePt" dir="t"/>
+    </dgm:scene3d>
+    <dgm:sp3d/>
+    <dgm:txPr/>
+    <dgm:style>
+      <a:lnRef idx="0">
+        <a:scrgbClr r="0" g="0" b="0"/>
+      </a:lnRef>
+      <a:fillRef idx="3">
+        <a:scrgbClr r="0" g="0" b="0"/>
+      </a:fillRef>
+      <a:effectRef idx="3">
+        <a:scrgbClr r="0" g="0" b="0"/>
+      </a:effectRef>
+      <a:fontRef idx="minor">
+        <a:schemeClr val="lt1"/>
+      </a:fontRef>
+    </dgm:style>
+  </dgm:styleLbl>
+  <dgm:styleLbl name="parChTrans1D1">
+    <dgm:scene3d>
+      <a:camera prst="orthographicFront"/>
+      <a:lightRig rig="threePt" dir="t"/>
+    </dgm:scene3d>
+    <dgm:sp3d/>
+    <dgm:txPr/>
+    <dgm:style>
+      <a:lnRef idx="2">
+        <a:scrgbClr r="0" g="0" b="0"/>
+      </a:lnRef>
+      <a:fillRef idx="0">
+        <a:scrgbClr r="0" g="0" b="0"/>
+      </a:fillRef>
+      <a:effectRef idx="0">
+        <a:scrgbClr r="0" g="0" b="0"/>
+      </a:effectRef>
+      <a:fontRef idx="minor"/>
+    </dgm:style>
+  </dgm:styleLbl>
+  <dgm:styleLbl name="parChTrans1D2">
+    <dgm:scene3d>
+      <a:camera prst="orthographicFront"/>
+      <a:lightRig rig="threePt" dir="t"/>
+    </dgm:scene3d>
+    <dgm:sp3d/>
+    <dgm:txPr/>
+    <dgm:style>
+      <a:lnRef idx="2">
+        <a:scrgbClr r="0" g="0" b="0"/>
+      </a:lnRef>
+      <a:fillRef idx="0">
+        <a:scrgbClr r="0" g="0" b="0"/>
+      </a:fillRef>
+      <a:effectRef idx="0">
+        <a:scrgbClr r="0" g="0" b="0"/>
+      </a:effectRef>
+      <a:fontRef idx="minor"/>
+    </dgm:style>
+  </dgm:styleLbl>
+  <dgm:styleLbl name="parChTrans1D3">
+    <dgm:scene3d>
+      <a:camera prst="orthographicFront"/>
+      <a:lightRig rig="threePt" dir="t"/>
+    </dgm:scene3d>
+    <dgm:sp3d/>
+    <dgm:txPr/>
+    <dgm:style>
+      <a:lnRef idx="2">
+        <a:scrgbClr r="0" g="0" b="0"/>
+      </a:lnRef>
+      <a:fillRef idx="0">
+        <a:scrgbClr r="0" g="0" b="0"/>
+      </a:fillRef>
+      <a:effectRef idx="0">
+        <a:scrgbClr r="0" g="0" b="0"/>
+      </a:effectRef>
+      <a:fontRef idx="minor"/>
+    </dgm:style>
+  </dgm:styleLbl>
+  <dgm:styleLbl name="parChTrans1D4">
+    <dgm:scene3d>
+      <a:camera prst="orthographicFront"/>
+      <a:lightRig rig="threePt" dir="t"/>
+    </dgm:scene3d>
+    <dgm:sp3d/>
+    <dgm:txPr/>
+    <dgm:style>
+      <a:lnRef idx="2">
+        <a:scrgbClr r="0" g="0" b="0"/>
+      </a:lnRef>
+      <a:fillRef idx="0">
+        <a:scrgbClr r="0" g="0" b="0"/>
+      </a:fillRef>
+      <a:effectRef idx="0">
+        <a:scrgbClr r="0" g="0" b="0"/>
+      </a:effectRef>
+      <a:fontRef idx="minor"/>
+    </dgm:style>
+  </dgm:styleLbl>
+  <dgm:styleLbl name="fgAcc1">
+    <dgm:scene3d>
+      <a:camera prst="orthographicFront"/>
+      <a:lightRig rig="threePt" dir="t"/>
+    </dgm:scene3d>
+    <dgm:sp3d/>
+    <dgm:txPr/>
+    <dgm:style>
+      <a:lnRef idx="1">
+        <a:scrgbClr r="0" g="0" b="0"/>
+      </a:lnRef>
+      <a:fillRef idx="1">
+        <a:scrgbClr r="0" g="0" b="0"/>
+      </a:fillRef>
+      <a:effectRef idx="2">
+        <a:scrgbClr r="0" g="0" b="0"/>
+      </a:effectRef>
+      <a:fontRef idx="minor"/>
+    </dgm:style>
+  </dgm:styleLbl>
+  <dgm:styleLbl name="conFgAcc1">
+    <dgm:scene3d>
+      <a:camera prst="orthographicFront"/>
+      <a:lightRig rig="threePt" dir="t"/>
+    </dgm:scene3d>
+    <dgm:sp3d/>
+    <dgm:txPr/>
+    <dgm:style>
+      <a:lnRef idx="1">
+        <a:scrgbClr r="0" g="0" b="0"/>
+      </a:lnRef>
+      <a:fillRef idx="1">
+        <a:scrgbClr r="0" g="0" b="0"/>
+      </a:fillRef>
+      <a:effectRef idx="2">
+        <a:scrgbClr r="0" g="0" b="0"/>
+      </a:effectRef>
+      <a:fontRef idx="minor"/>
+    </dgm:style>
+  </dgm:styleLbl>
+  <dgm:styleLbl name="alignAcc1">
+    <dgm:scene3d>
+      <a:camera prst="orthographicFront"/>
+      <a:lightRig rig="threePt" dir="t"/>
+    </dgm:scene3d>
+    <dgm:sp3d/>
+    <dgm:txPr/>
+    <dgm:style>
+      <a:lnRef idx="1">
+        <a:scrgbClr r="0" g="0" b="0"/>
+      </a:lnRef>
+      <a:fillRef idx="1">
+        <a:scrgbClr r="0" g="0" b="0"/>
+      </a:fillRef>
+      <a:effectRef idx="2">
+        <a:scrgbClr r="0" g="0" b="0"/>
+      </a:effectRef>
+      <a:fontRef idx="minor"/>
+    </dgm:style>
+  </dgm:styleLbl>
+  <dgm:styleLbl name="trAlignAcc1">
+    <dgm:scene3d>
+      <a:camera prst="orthographicFront"/>
+      <a:lightRig rig="threePt" dir="t"/>
+    </dgm:scene3d>
+    <dgm:sp3d/>
+    <dgm:txPr/>
+    <dgm:style>
+      <a:lnRef idx="1">
+        <a:scrgbClr r="0" g="0" b="0"/>
+      </a:lnRef>
+      <a:fillRef idx="1">
+        <a:scrgbClr r="0" g="0" b="0"/>
+      </a:fillRef>
+      <a:effectRef idx="0">
+        <a:scrgbClr r="0" g="0" b="0"/>
+      </a:effectRef>
+      <a:fontRef idx="minor"/>
+    </dgm:style>
+  </dgm:styleLbl>
+  <dgm:styleLbl name="bgAcc1">
+    <dgm:scene3d>
+      <a:camera prst="orthographicFront"/>
+      <a:lightRig rig="threePt" dir="t"/>
+    </dgm:scene3d>
+    <dgm:sp3d/>
+    <dgm:txPr/>
+    <dgm:style>
+      <a:lnRef idx="1">
+        <a:scrgbClr r="0" g="0" b="0"/>
+      </a:lnRef>
+      <a:fillRef idx="1">
+        <a:scrgbClr r="0" g="0" b="0"/>
+      </a:fillRef>
+      <a:effectRef idx="2">
+        <a:scrgbClr r="0" g="0" b="0"/>
+      </a:effectRef>
+      <a:fontRef idx="minor"/>
+    </dgm:style>
+  </dgm:styleLbl>
+  <dgm:styleLbl name="solidFgAcc1">
+    <dgm:scene3d>
+      <a:camera prst="orthographicFront"/>
+      <a:lightRig rig="threePt" dir="t"/>
+    </dgm:scene3d>
+    <dgm:sp3d/>
+    <dgm:txPr/>
+    <dgm:style>
+      <a:lnRef idx="1">
+        <a:scrgbClr r="0" g="0" b="0"/>
+      </a:lnRef>
+      <a:fillRef idx="1">
+        <a:scrgbClr r="0" g="0" b="0"/>
+      </a:fillRef>
+      <a:effectRef idx="2">
+        <a:scrgbClr r="0" g="0" b="0"/>
+      </a:effectRef>
+      <a:fontRef idx="minor"/>
+    </dgm:style>
+  </dgm:styleLbl>
+  <dgm:styleLbl name="solidAlignAcc1">
+    <dgm:scene3d>
+      <a:camera prst="orthographicFront"/>
+      <a:lightRig rig="threePt" dir="t"/>
+    </dgm:scene3d>
+    <dgm:sp3d/>
+    <dgm:txPr/>
+    <dgm:style>
+      <a:lnRef idx="1">
+        <a:scrgbClr r="0" g="0" b="0"/>
+      </a:lnRef>
+      <a:fillRef idx="1">
+        <a:scrgbClr r="0" g="0" b="0"/>
+      </a:fillRef>
+      <a:effectRef idx="3">
+        <a:scrgbClr r="0" g="0" b="0"/>
+      </a:effectRef>
+      <a:fontRef idx="minor"/>
+    </dgm:style>
+  </dgm:styleLbl>
+  <dgm:styleLbl name="solidBgAcc1">
+    <dgm:scene3d>
+      <a:camera prst="orthographicFront"/>
+      <a:lightRig rig="threePt" dir="t"/>
+    </dgm:scene3d>
+    <dgm:sp3d/>
+    <dgm:txPr/>
+    <dgm:style>
+      <a:lnRef idx="1">
+        <a:scrgbClr r="0" g="0" b="0"/>
+      </a:lnRef>
+      <a:fillRef idx="1">
+        <a:scrgbClr r="0" g="0" b="0"/>
+      </a:fillRef>
+      <a:effectRef idx="3">
+        <a:scrgbClr r="0" g="0" b="0"/>
+      </a:effectRef>
+      <a:fontRef idx="minor"/>
+    </dgm:style>
+  </dgm:styleLbl>
+  <dgm:styleLbl name="fgAccFollowNode1">
+    <dgm:scene3d>
+      <a:camera prst="orthographicFront"/>
+      <a:lightRig rig="threePt" dir="t"/>
+    </dgm:scene3d>
+    <dgm:sp3d/>
+    <dgm:txPr/>
+    <dgm:style>
+      <a:lnRef idx="1">
+        <a:scrgbClr r="0" g="0" b="0"/>
+      </a:lnRef>
+      <a:fillRef idx="1">
+        <a:scrgbClr r="0" g="0" b="0"/>
+      </a:fillRef>
+      <a:effectRef idx="2">
+        <a:scrgbClr r="0" g="0" b="0"/>
+      </a:effectRef>
+      <a:fontRef idx="minor"/>
+    </dgm:style>
+  </dgm:styleLbl>
+  <dgm:styleLbl name="alignAccFollowNode1">
+    <dgm:scene3d>
+      <a:camera prst="orthographicFront"/>
+      <a:lightRig rig="threePt" dir="t"/>
+    </dgm:scene3d>
+    <dgm:sp3d/>
+    <dgm:txPr/>
+    <dgm:style>
+      <a:lnRef idx="1">
+        <a:scrgbClr r="0" g="0" b="0"/>
+      </a:lnRef>
+      <a:fillRef idx="1">
+        <a:scrgbClr r="0" g="0" b="0"/>
+      </a:fillRef>
+      <a:effectRef idx="2">
+        <a:scrgbClr r="0" g="0" b="0"/>
+      </a:effectRef>
+      <a:fontRef idx="minor"/>
+    </dgm:style>
+  </dgm:styleLbl>
+  <dgm:styleLbl name="bgAccFollowNode1">
+    <dgm:scene3d>
+      <a:camera prst="orthographicFront"/>
+      <a:lightRig rig="threePt" dir="t"/>
+    </dgm:scene3d>
+    <dgm:sp3d/>
+    <dgm:txPr/>
+    <dgm:style>
+      <a:lnRef idx="1">
+        <a:scrgbClr r="0" g="0" b="0"/>
+      </a:lnRef>
+      <a:fillRef idx="1">
+        <a:scrgbClr r="0" g="0" b="0"/>
+      </a:fillRef>
+      <a:effectRef idx="2">
+        <a:scrgbClr r="0" g="0" b="0"/>
+      </a:effectRef>
+      <a:fontRef idx="minor"/>
+    </dgm:style>
+  </dgm:styleLbl>
+  <dgm:styleLbl name="fgAcc0">
+    <dgm:scene3d>
+      <a:camera prst="orthographicFront"/>
+      <a:lightRig rig="threePt" dir="t"/>
+    </dgm:scene3d>
+    <dgm:sp3d/>
+    <dgm:txPr/>
+    <dgm:style>
+      <a:lnRef idx="1">
+        <a:scrgbClr r="0" g="0" b="0"/>
+      </a:lnRef>
+      <a:fillRef idx="1">
+        <a:scrgbClr r="0" g="0" b="0"/>
+      </a:fillRef>
+      <a:effectRef idx="2">
+        <a:scrgbClr r="0" g="0" b="0"/>
+      </a:effectRef>
+      <a:fontRef idx="minor"/>
+    </dgm:style>
+  </dgm:styleLbl>
+  <dgm:styleLbl name="fgAcc2">
+    <dgm:scene3d>
+      <a:camera prst="orthographicFront"/>
+      <a:lightRig rig="threePt" dir="t"/>
+    </dgm:scene3d>
+    <dgm:sp3d/>
+    <dgm:txPr/>
+    <dgm:style>
+      <a:lnRef idx="1">
+        <a:scrgbClr r="0" g="0" b="0"/>
+      </a:lnRef>
+      <a:fillRef idx="1">
+        <a:scrgbClr r="0" g="0" b="0"/>
+      </a:fillRef>
+      <a:effectRef idx="2">
+        <a:scrgbClr r="0" g="0" b="0"/>
+      </a:effectRef>
+      <a:fontRef idx="minor"/>
+    </dgm:style>
+  </dgm:styleLbl>
+  <dgm:styleLbl name="fgAcc3">
+    <dgm:scene3d>
+      <a:camera prst="orthographicFront"/>
+      <a:lightRig rig="threePt" dir="t"/>
+    </dgm:scene3d>
+    <dgm:sp3d/>
+    <dgm:txPr/>
+    <dgm:style>
+      <a:lnRef idx="1">
+        <a:scrgbClr r="0" g="0" b="0"/>
+      </a:lnRef>
+      <a:fillRef idx="1">
+        <a:scrgbClr r="0" g="0" b="0"/>
+      </a:fillRef>
+      <a:effectRef idx="2">
+        <a:scrgbClr r="0" g="0" b="0"/>
+      </a:effectRef>
+      <a:fontRef idx="minor"/>
+    </dgm:style>
+  </dgm:styleLbl>
+  <dgm:styleLbl name="fgAcc4">
+    <dgm:scene3d>
+      <a:camera prst="orthographicFront"/>
+      <a:lightRig rig="threePt" dir="t"/>
+    </dgm:scene3d>
+    <dgm:sp3d/>
+    <dgm:txPr/>
+    <dgm:style>
+      <a:lnRef idx="1">
+        <a:scrgbClr r="0" g="0" b="0"/>
+      </a:lnRef>
+      <a:fillRef idx="1">
+        <a:scrgbClr r="0" g="0" b="0"/>
+      </a:fillRef>
+      <a:effectRef idx="2">
+        <a:scrgbClr r="0" g="0" b="0"/>
+      </a:effectRef>
+      <a:fontRef idx="minor"/>
+    </dgm:style>
+  </dgm:styleLbl>
+  <dgm:styleLbl name="bgShp">
+    <dgm:scene3d>
+      <a:camera prst="orthographicFront"/>
+      <a:lightRig rig="threePt" dir="t"/>
+    </dgm:scene3d>
+    <dgm:sp3d/>
+    <dgm:txPr/>
+    <dgm:style>
+      <a:lnRef idx="0">
+        <a:scrgbClr r="0" g="0" b="0"/>
+      </a:lnRef>
+      <a:fillRef idx="1">
+        <a:scrgbClr r="0" g="0" b="0"/>
+      </a:fillRef>
+      <a:effectRef idx="2">
+        <a:scrgbClr r="0" g="0" b="0"/>
+      </a:effectRef>
+      <a:fontRef idx="minor"/>
+    </dgm:style>
+  </dgm:styleLbl>
+  <dgm:styleLbl name="dkBgShp">
+    <dgm:scene3d>
+      <a:camera prst="orthographicFront"/>
+      <a:lightRig rig="threePt" dir="t"/>
+    </dgm:scene3d>
+    <dgm:sp3d/>
+    <dgm:txPr/>
+    <dgm:style>
+      <a:lnRef idx="0">
+        <a:scrgbClr r="0" g="0" b="0"/>
+      </a:lnRef>
+      <a:fillRef idx="1">
+        <a:scrgbClr r="0" g="0" b="0"/>
+      </a:fillRef>
+      <a:effectRef idx="3">
+        <a:scrgbClr r="0" g="0" b="0"/>
+      </a:effectRef>
+      <a:fontRef idx="minor"/>
+    </dgm:style>
+  </dgm:styleLbl>
+  <dgm:styleLbl name="trBgShp">
+    <dgm:scene3d>
+      <a:camera prst="orthographicFront"/>
+      <a:lightRig rig="threePt" dir="t"/>
+    </dgm:scene3d>
+    <dgm:sp3d/>
+    <dgm:txPr/>
+    <dgm:style>
+      <a:lnRef idx="0">
+        <a:scrgbClr r="0" g="0" b="0"/>
+      </a:lnRef>
+      <a:fillRef idx="1">
+        <a:scrgbClr r="0" g="0" b="0"/>
+      </a:fillRef>
+      <a:effectRef idx="0">
+        <a:scrgbClr r="0" g="0" b="0"/>
+      </a:effectRef>
+      <a:fontRef idx="minor"/>
+    </dgm:style>
+  </dgm:styleLbl>
+  <dgm:styleLbl name="fgShp">
+    <dgm:scene3d>
+      <a:camera prst="orthographicFront"/>
+      <a:lightRig rig="threePt" dir="t"/>
+    </dgm:scene3d>
+    <dgm:sp3d/>
+    <dgm:txPr/>
+    <dgm:style>
+      <a:lnRef idx="0">
+        <a:scrgbClr r="0" g="0" b="0"/>
+      </a:lnRef>
+      <a:fillRef idx="3">
+        <a:scrgbClr r="0" g="0" b="0"/>
+      </a:fillRef>
+      <a:effectRef idx="3">
+        <a:scrgbClr r="0" g="0" b="0"/>
+      </a:effectRef>
+      <a:fontRef idx="minor"/>
+    </dgm:style>
+  </dgm:styleLbl>
+  <dgm:styleLbl name="revTx">
+    <dgm:scene3d>
+      <a:camera prst="orthographicFront"/>
+      <a:lightRig rig="threePt" dir="t"/>
+    </dgm:scene3d>
+    <dgm:sp3d/>
+    <dgm:txPr/>
+    <dgm:style>
+      <a:lnRef idx="0">
+        <a:scrgbClr r="0" g="0" b="0"/>
+      </a:lnRef>
+      <a:fillRef idx="0">
+        <a:scrgbClr r="0" g="0" b="0"/>
+      </a:fillRef>
+      <a:effectRef idx="0">
+        <a:scrgbClr r="0" g="0" b="0"/>
+      </a:effectRef>
+      <a:fontRef idx="minor"/>
+    </dgm:style>
+  </dgm:styleLbl>
+</dgm:styleDef>
+</file>
+
+<file path=ppt/diagrams/quickStyle2.xml><?xml version="1.0" encoding="utf-8"?>
 <dgm:styleDef xmlns:dgm="http://schemas.openxmlformats.org/drawingml/2006/diagram" xmlns:a="http://schemas.openxmlformats.org/drawingml/2006/main" uniqueId="urn:microsoft.com/office/officeart/2005/8/quickstyle/simple1">
   <dgm:title val=""/>
   <dgm:desc val=""/>
@@ -4726,7 +7720,7 @@
           <a:p>
             <a:fld id="{3F0B4D03-AA53-4818-BA8D-F9C1505788F7}" type="datetimeFigureOut">
               <a:rPr lang="en-US" smtClean="0"/>
-              <a:t>5/3/2019</a:t>
+              <a:t>5/4/2019</a:t>
             </a:fld>
             <a:endParaRPr lang="en-US"/>
           </a:p>
@@ -5127,6 +8121,346 @@
             </a:pPr>
             <a:r>
               <a:rPr lang="en-US" dirty="0"/>
+              <a:t>We started our project by working with a dataset from the Stockholm International Peace Research Institute (SIPRI) about the military expenditures of 172 different countries from the year 1949 to 2017. </a:t>
+            </a:r>
+          </a:p>
+          <a:p>
+            <a:pPr marL="171450" lvl="0" indent="-171450">
+              <a:buFont typeface="Arial" panose="020B0604020202020204" pitchFamily="34" charset="0"/>
+              <a:buChar char="•"/>
+            </a:pPr>
+            <a:r>
+              <a:rPr lang="en-US" dirty="0"/>
+              <a:t>For this dataset, SIPRI defines military expenditure as any</a:t>
+            </a:r>
+            <a:r>
+              <a:rPr lang="en-US" sz="1200" b="0" i="0" kern="1200" dirty="0">
+                <a:solidFill>
+                  <a:schemeClr val="tx1"/>
+                </a:solidFill>
+                <a:effectLst/>
+                <a:latin typeface="+mn-lt"/>
+                <a:ea typeface="+mn-ea"/>
+                <a:cs typeface="+mn-cs"/>
+              </a:rPr>
+              <a:t> spending on the military in general. This includes money spent on:</a:t>
+            </a:r>
+          </a:p>
+          <a:p>
+            <a:pPr marL="628650" lvl="1" indent="-171450">
+              <a:buFont typeface="Arial" panose="020B0604020202020204" pitchFamily="34" charset="0"/>
+              <a:buChar char="•"/>
+            </a:pPr>
+            <a:r>
+              <a:rPr lang="en-US" sz="1200" b="0" i="0" kern="1200" dirty="0">
+                <a:solidFill>
+                  <a:schemeClr val="tx1"/>
+                </a:solidFill>
+                <a:effectLst/>
+                <a:latin typeface="+mn-lt"/>
+                <a:ea typeface="+mn-ea"/>
+                <a:cs typeface="+mn-cs"/>
+              </a:rPr>
+              <a:t>personnel (i.e. the salaries and benefits of troops and civilian staff)</a:t>
+            </a:r>
+          </a:p>
+          <a:p>
+            <a:pPr marL="628650" lvl="1" indent="-171450">
+              <a:buFont typeface="Arial" panose="020B0604020202020204" pitchFamily="34" charset="0"/>
+              <a:buChar char="•"/>
+            </a:pPr>
+            <a:r>
+              <a:rPr lang="en-US" sz="1200" b="0" i="0" kern="1200" dirty="0">
+                <a:solidFill>
+                  <a:schemeClr val="tx1"/>
+                </a:solidFill>
+                <a:effectLst/>
+                <a:latin typeface="+mn-lt"/>
+                <a:ea typeface="+mn-ea"/>
+                <a:cs typeface="+mn-cs"/>
+              </a:rPr>
+              <a:t>operations and maintenance (i.e. spending on general supplies, services and transport)</a:t>
+            </a:r>
+          </a:p>
+          <a:p>
+            <a:pPr marL="628650" lvl="1" indent="-171450">
+              <a:buFont typeface="Arial" panose="020B0604020202020204" pitchFamily="34" charset="0"/>
+              <a:buChar char="•"/>
+            </a:pPr>
+            <a:r>
+              <a:rPr lang="en-US" sz="1200" b="0" i="0" kern="1200" dirty="0">
+                <a:solidFill>
+                  <a:schemeClr val="tx1"/>
+                </a:solidFill>
+                <a:effectLst/>
+                <a:latin typeface="+mn-lt"/>
+                <a:ea typeface="+mn-ea"/>
+                <a:cs typeface="+mn-cs"/>
+              </a:rPr>
+              <a:t>military and non-military equipment</a:t>
+            </a:r>
+          </a:p>
+          <a:p>
+            <a:pPr marL="628650" lvl="1" indent="-171450">
+              <a:buFont typeface="Arial" panose="020B0604020202020204" pitchFamily="34" charset="0"/>
+              <a:buChar char="•"/>
+            </a:pPr>
+            <a:r>
+              <a:rPr lang="en-US" sz="1200" b="0" i="0" kern="1200" dirty="0">
+                <a:solidFill>
+                  <a:schemeClr val="tx1"/>
+                </a:solidFill>
+                <a:effectLst/>
+                <a:latin typeface="+mn-lt"/>
+                <a:ea typeface="+mn-ea"/>
+                <a:cs typeface="+mn-cs"/>
+              </a:rPr>
+              <a:t>construction of military bases</a:t>
+            </a:r>
+          </a:p>
+          <a:p>
+            <a:pPr marL="628650" lvl="1" indent="-171450">
+              <a:buFont typeface="Arial" panose="020B0604020202020204" pitchFamily="34" charset="0"/>
+              <a:buChar char="•"/>
+            </a:pPr>
+            <a:r>
+              <a:rPr lang="en-US" sz="1200" b="0" i="0" kern="1200" dirty="0">
+                <a:solidFill>
+                  <a:schemeClr val="tx1"/>
+                </a:solidFill>
+                <a:effectLst/>
+                <a:latin typeface="+mn-lt"/>
+                <a:ea typeface="+mn-ea"/>
+                <a:cs typeface="+mn-cs"/>
+              </a:rPr>
+              <a:t>research and development. </a:t>
+            </a:r>
+          </a:p>
+          <a:p>
+            <a:pPr marL="171450" lvl="0" indent="-171450">
+              <a:buFont typeface="Arial" panose="020B0604020202020204" pitchFamily="34" charset="0"/>
+              <a:buChar char="•"/>
+            </a:pPr>
+            <a:r>
+              <a:rPr lang="en-US" sz="1200" b="0" i="0" kern="1200" dirty="0">
+                <a:solidFill>
+                  <a:schemeClr val="tx1"/>
+                </a:solidFill>
+                <a:effectLst/>
+                <a:latin typeface="+mn-lt"/>
+                <a:ea typeface="+mn-ea"/>
+                <a:cs typeface="+mn-cs"/>
+              </a:rPr>
+              <a:t>Though the military expenditure dataset takes into account all these categories of military spending, it does not break down spending by category. It only reports the total military expenditure for each year. </a:t>
+            </a:r>
+            <a:endParaRPr lang="en-US" dirty="0"/>
+          </a:p>
+          <a:p>
+            <a:pPr marL="171450" indent="-171450">
+              <a:buFont typeface="Arial" panose="020B0604020202020204" pitchFamily="34" charset="0"/>
+              <a:buChar char="•"/>
+            </a:pPr>
+            <a:r>
+              <a:rPr lang="en-US" dirty="0"/>
+              <a:t>Originally, we were </a:t>
+            </a:r>
+            <a:r>
+              <a:rPr lang="en-US" i="1" u="sng" dirty="0"/>
+              <a:t>only</a:t>
+            </a:r>
+            <a:r>
+              <a:rPr lang="en-US" dirty="0"/>
+              <a:t> working with the military expenditure data, but as SIPRI states, “[military spending] is a financial measure, measuring inputs, and does not necessarily measure military capability.”</a:t>
+            </a:r>
+          </a:p>
+          <a:p>
+            <a:pPr marL="171450" indent="-171450">
+              <a:buFont typeface="Arial" panose="020B0604020202020204" pitchFamily="34" charset="0"/>
+              <a:buChar char="•"/>
+            </a:pPr>
+            <a:r>
+              <a:rPr lang="en-US" dirty="0"/>
+              <a:t>We didn’t feel that yearly military expenditure alone could tell the whole story, so we looked deeper into what militaries are spending their money on.</a:t>
+            </a:r>
+          </a:p>
+          <a:p>
+            <a:pPr marL="171450" indent="-171450">
+              <a:buFont typeface="Arial" panose="020B0604020202020204" pitchFamily="34" charset="0"/>
+              <a:buChar char="•"/>
+            </a:pPr>
+            <a:r>
+              <a:rPr lang="en-US" dirty="0"/>
+              <a:t>During this search we found 3 other datasets to help us analyze militaries:</a:t>
+            </a:r>
+          </a:p>
+          <a:p>
+            <a:pPr marL="628650" lvl="1" indent="-171450">
+              <a:buFont typeface="Arial" panose="020B0604020202020204" pitchFamily="34" charset="0"/>
+              <a:buChar char="•"/>
+            </a:pPr>
+            <a:r>
+              <a:rPr lang="en-US" dirty="0"/>
+              <a:t>Arms Imported</a:t>
+            </a:r>
+          </a:p>
+          <a:p>
+            <a:pPr marL="628650" lvl="1" indent="-171450">
+              <a:buFont typeface="Arial" panose="020B0604020202020204" pitchFamily="34" charset="0"/>
+              <a:buChar char="•"/>
+            </a:pPr>
+            <a:r>
+              <a:rPr lang="en-US" dirty="0"/>
+              <a:t>Military Personnel</a:t>
+            </a:r>
+          </a:p>
+          <a:p>
+            <a:pPr marL="628650" lvl="1" indent="-171450">
+              <a:buFont typeface="Arial" panose="020B0604020202020204" pitchFamily="34" charset="0"/>
+              <a:buChar char="•"/>
+            </a:pPr>
+            <a:r>
+              <a:rPr lang="en-US" dirty="0"/>
+              <a:t>Global Fire Power</a:t>
+            </a:r>
+          </a:p>
+          <a:p>
+            <a:pPr marL="171450" lvl="0" indent="-171450">
+              <a:buFont typeface="Arial" panose="020B0604020202020204" pitchFamily="34" charset="0"/>
+              <a:buChar char="•"/>
+            </a:pPr>
+            <a:r>
+              <a:rPr lang="en-US" dirty="0"/>
+              <a:t>Arms Imported</a:t>
+            </a:r>
+          </a:p>
+          <a:p>
+            <a:pPr marL="628650" lvl="1" indent="-171450">
+              <a:buFont typeface="Arial" panose="020B0604020202020204" pitchFamily="34" charset="0"/>
+              <a:buChar char="•"/>
+            </a:pPr>
+            <a:r>
+              <a:rPr lang="en-US" dirty="0"/>
+              <a:t>SIPRI uses a unit of measure called the trend-indicator value to measure the volume of international transfers of major conventional weapons. The trend-indicator value, or TIV, measures transfers of military capability, not the financial value of the arms transfers.</a:t>
+            </a:r>
+          </a:p>
+          <a:p>
+            <a:pPr marL="171450" lvl="0" indent="-171450">
+              <a:buFont typeface="Arial" panose="020B0604020202020204" pitchFamily="34" charset="0"/>
+              <a:buChar char="•"/>
+            </a:pPr>
+            <a:r>
+              <a:rPr lang="en-US" dirty="0"/>
+              <a:t>Military Personnel</a:t>
+            </a:r>
+          </a:p>
+          <a:p>
+            <a:pPr marL="628650" lvl="1" indent="-171450">
+              <a:buFont typeface="Arial" panose="020B0604020202020204" pitchFamily="34" charset="0"/>
+              <a:buChar char="•"/>
+            </a:pPr>
+            <a:r>
+              <a:rPr lang="en-US" dirty="0"/>
+              <a:t>Presents the armed forces personnel, as a percentage of total labor force. (Data ranges from 1990 to 2016)</a:t>
+            </a:r>
+          </a:p>
+          <a:p>
+            <a:pPr marL="171450" lvl="0" indent="-171450">
+              <a:buFont typeface="Arial" panose="020B0604020202020204" pitchFamily="34" charset="0"/>
+              <a:buChar char="•"/>
+            </a:pPr>
+            <a:r>
+              <a:rPr lang="en-US" dirty="0"/>
+              <a:t>Global Firepower</a:t>
+            </a:r>
+          </a:p>
+        </p:txBody>
+      </p:sp>
+      <p:sp>
+        <p:nvSpPr>
+          <p:cNvPr id="4" name="Slide Number Placeholder 3"/>
+          <p:cNvSpPr>
+            <a:spLocks noGrp="1"/>
+          </p:cNvSpPr>
+          <p:nvPr>
+            <p:ph type="sldNum" sz="quarter" idx="5"/>
+          </p:nvPr>
+        </p:nvSpPr>
+        <p:spPr/>
+        <p:txBody>
+          <a:bodyPr/>
+          <a:lstStyle/>
+          <a:p>
+            <a:fld id="{68E58C9F-A835-45F7-A2FB-D97F5C9E2B18}" type="slidenum">
+              <a:rPr lang="en-US" smtClean="0"/>
+              <a:t>2</a:t>
+            </a:fld>
+            <a:endParaRPr lang="en-US"/>
+          </a:p>
+        </p:txBody>
+      </p:sp>
+    </p:spTree>
+    <p:extLst>
+      <p:ext uri="{BB962C8B-B14F-4D97-AF65-F5344CB8AC3E}">
+        <p14:creationId xmlns:p14="http://schemas.microsoft.com/office/powerpoint/2010/main" val="537788340"/>
+      </p:ext>
+    </p:extLst>
+  </p:cSld>
+  <p:clrMapOvr>
+    <a:masterClrMapping/>
+  </p:clrMapOvr>
+</p:notes>
+</file>
+
+<file path=ppt/notesSlides/notesSlide3.xml><?xml version="1.0" encoding="utf-8"?>
+<p:notes xmlns:a="http://schemas.openxmlformats.org/drawingml/2006/main" xmlns:r="http://schemas.openxmlformats.org/officeDocument/2006/relationships" xmlns:p="http://schemas.openxmlformats.org/presentationml/2006/main">
+  <p:cSld>
+    <p:spTree>
+      <p:nvGrpSpPr>
+        <p:cNvPr id="1" name=""/>
+        <p:cNvGrpSpPr/>
+        <p:nvPr/>
+      </p:nvGrpSpPr>
+      <p:grpSpPr>
+        <a:xfrm>
+          <a:off x="0" y="0"/>
+          <a:ext cx="0" cy="0"/>
+          <a:chOff x="0" y="0"/>
+          <a:chExt cx="0" cy="0"/>
+        </a:xfrm>
+      </p:grpSpPr>
+      <p:sp>
+        <p:nvSpPr>
+          <p:cNvPr id="2" name="Slide Image Placeholder 1"/>
+          <p:cNvSpPr>
+            <a:spLocks noGrp="1" noRot="1" noChangeAspect="1"/>
+          </p:cNvSpPr>
+          <p:nvPr>
+            <p:ph type="sldImg"/>
+          </p:nvPr>
+        </p:nvSpPr>
+        <p:spPr/>
+      </p:sp>
+      <p:sp>
+        <p:nvSpPr>
+          <p:cNvPr id="3" name="Notes Placeholder 2"/>
+          <p:cNvSpPr>
+            <a:spLocks noGrp="1"/>
+          </p:cNvSpPr>
+          <p:nvPr>
+            <p:ph type="body" idx="1"/>
+          </p:nvPr>
+        </p:nvSpPr>
+        <p:spPr/>
+        <p:txBody>
+          <a:bodyPr/>
+          <a:lstStyle/>
+          <a:p>
+            <a:pPr marL="171450" indent="-171450">
+              <a:buFont typeface="Arial" panose="020B0604020202020204" pitchFamily="34" charset="0"/>
+              <a:buChar char="•"/>
+            </a:pPr>
+            <a:r>
+              <a:rPr lang="en-US" dirty="0"/>
               <a:t>We tried loading the data before removing the pictures and links that were included in the Excel file and ran into issues. </a:t>
             </a:r>
           </a:p>
@@ -5355,7 +8689,7 @@
           <a:p>
             <a:fld id="{904CBDC2-D31A-4399-9807-94C89FD2081E}" type="datetimeFigureOut">
               <a:rPr lang="en-US" smtClean="0"/>
-              <a:t>5/3/2019</a:t>
+              <a:t>5/4/2019</a:t>
             </a:fld>
             <a:endParaRPr lang="en-US"/>
           </a:p>
@@ -5553,7 +8887,7 @@
           <a:p>
             <a:fld id="{904CBDC2-D31A-4399-9807-94C89FD2081E}" type="datetimeFigureOut">
               <a:rPr lang="en-US" smtClean="0"/>
-              <a:t>5/3/2019</a:t>
+              <a:t>5/4/2019</a:t>
             </a:fld>
             <a:endParaRPr lang="en-US"/>
           </a:p>
@@ -5761,7 +9095,7 @@
           <a:p>
             <a:fld id="{904CBDC2-D31A-4399-9807-94C89FD2081E}" type="datetimeFigureOut">
               <a:rPr lang="en-US" smtClean="0"/>
-              <a:t>5/3/2019</a:t>
+              <a:t>5/4/2019</a:t>
             </a:fld>
             <a:endParaRPr lang="en-US"/>
           </a:p>
@@ -5959,7 +9293,7 @@
           <a:p>
             <a:fld id="{904CBDC2-D31A-4399-9807-94C89FD2081E}" type="datetimeFigureOut">
               <a:rPr lang="en-US" smtClean="0"/>
-              <a:t>5/3/2019</a:t>
+              <a:t>5/4/2019</a:t>
             </a:fld>
             <a:endParaRPr lang="en-US"/>
           </a:p>
@@ -6234,7 +9568,7 @@
           <a:p>
             <a:fld id="{904CBDC2-D31A-4399-9807-94C89FD2081E}" type="datetimeFigureOut">
               <a:rPr lang="en-US" smtClean="0"/>
-              <a:t>5/3/2019</a:t>
+              <a:t>5/4/2019</a:t>
             </a:fld>
             <a:endParaRPr lang="en-US"/>
           </a:p>
@@ -6499,7 +9833,7 @@
           <a:p>
             <a:fld id="{904CBDC2-D31A-4399-9807-94C89FD2081E}" type="datetimeFigureOut">
               <a:rPr lang="en-US" smtClean="0"/>
-              <a:t>5/3/2019</a:t>
+              <a:t>5/4/2019</a:t>
             </a:fld>
             <a:endParaRPr lang="en-US"/>
           </a:p>
@@ -6911,7 +10245,7 @@
           <a:p>
             <a:fld id="{904CBDC2-D31A-4399-9807-94C89FD2081E}" type="datetimeFigureOut">
               <a:rPr lang="en-US" smtClean="0"/>
-              <a:t>5/3/2019</a:t>
+              <a:t>5/4/2019</a:t>
             </a:fld>
             <a:endParaRPr lang="en-US"/>
           </a:p>
@@ -7052,7 +10386,7 @@
           <a:p>
             <a:fld id="{904CBDC2-D31A-4399-9807-94C89FD2081E}" type="datetimeFigureOut">
               <a:rPr lang="en-US" smtClean="0"/>
-              <a:t>5/3/2019</a:t>
+              <a:t>5/4/2019</a:t>
             </a:fld>
             <a:endParaRPr lang="en-US"/>
           </a:p>
@@ -7165,7 +10499,7 @@
           <a:p>
             <a:fld id="{904CBDC2-D31A-4399-9807-94C89FD2081E}" type="datetimeFigureOut">
               <a:rPr lang="en-US" smtClean="0"/>
-              <a:t>5/3/2019</a:t>
+              <a:t>5/4/2019</a:t>
             </a:fld>
             <a:endParaRPr lang="en-US"/>
           </a:p>
@@ -7476,7 +10810,7 @@
           <a:p>
             <a:fld id="{904CBDC2-D31A-4399-9807-94C89FD2081E}" type="datetimeFigureOut">
               <a:rPr lang="en-US" smtClean="0"/>
-              <a:t>5/3/2019</a:t>
+              <a:t>5/4/2019</a:t>
             </a:fld>
             <a:endParaRPr lang="en-US"/>
           </a:p>
@@ -7764,7 +11098,7 @@
           <a:p>
             <a:fld id="{904CBDC2-D31A-4399-9807-94C89FD2081E}" type="datetimeFigureOut">
               <a:rPr lang="en-US" smtClean="0"/>
-              <a:t>5/3/2019</a:t>
+              <a:t>5/4/2019</a:t>
             </a:fld>
             <a:endParaRPr lang="en-US"/>
           </a:p>
@@ -8005,7 +11339,7 @@
           <a:p>
             <a:fld id="{904CBDC2-D31A-4399-9807-94C89FD2081E}" type="datetimeFigureOut">
               <a:rPr lang="en-US" smtClean="0"/>
-              <a:t>5/3/2019</a:t>
+              <a:t>5/4/2019</a:t>
             </a:fld>
             <a:endParaRPr lang="en-US"/>
           </a:p>
@@ -8985,6 +12319,449 @@
           <p:cNvPr id="2" name="Title 1">
             <a:extLst>
               <a:ext uri="{FF2B5EF4-FFF2-40B4-BE49-F238E27FC236}">
+                <a16:creationId xmlns:a16="http://schemas.microsoft.com/office/drawing/2014/main" id="{DB9552A2-306D-4359-B9E3-C3A92E51388E}"/>
+              </a:ext>
+            </a:extLst>
+          </p:cNvPr>
+          <p:cNvSpPr>
+            <a:spLocks noGrp="1"/>
+          </p:cNvSpPr>
+          <p:nvPr>
+            <p:ph type="title"/>
+          </p:nvPr>
+        </p:nvSpPr>
+        <p:spPr/>
+        <p:txBody>
+          <a:bodyPr/>
+          <a:lstStyle/>
+          <a:p>
+            <a:r>
+              <a:rPr lang="en-US" dirty="0"/>
+              <a:t>Plot 3</a:t>
+            </a:r>
+          </a:p>
+        </p:txBody>
+      </p:sp>
+      <p:sp>
+        <p:nvSpPr>
+          <p:cNvPr id="3" name="Content Placeholder 2">
+            <a:extLst>
+              <a:ext uri="{FF2B5EF4-FFF2-40B4-BE49-F238E27FC236}">
+                <a16:creationId xmlns:a16="http://schemas.microsoft.com/office/drawing/2014/main" id="{75B9D7EA-DDC4-45D9-9C78-452EA3229C61}"/>
+              </a:ext>
+            </a:extLst>
+          </p:cNvPr>
+          <p:cNvSpPr>
+            <a:spLocks noGrp="1"/>
+          </p:cNvSpPr>
+          <p:nvPr>
+            <p:ph idx="1"/>
+          </p:nvPr>
+        </p:nvSpPr>
+        <p:spPr/>
+        <p:txBody>
+          <a:bodyPr/>
+          <a:lstStyle/>
+          <a:p>
+            <a:r>
+              <a:rPr lang="en-US" dirty="0"/>
+              <a:t>Military Personnel</a:t>
+            </a:r>
+          </a:p>
+        </p:txBody>
+      </p:sp>
+      <p:pic>
+        <p:nvPicPr>
+          <p:cNvPr id="3074" name="Picture 2">
+            <a:extLst>
+              <a:ext uri="{FF2B5EF4-FFF2-40B4-BE49-F238E27FC236}">
+                <a16:creationId xmlns:a16="http://schemas.microsoft.com/office/drawing/2014/main" id="{E0B00F66-DBC6-41A3-B519-7A4DE5C7FF50}"/>
+              </a:ext>
+            </a:extLst>
+          </p:cNvPr>
+          <p:cNvPicPr>
+            <a:picLocks noChangeAspect="1" noChangeArrowheads="1"/>
+          </p:cNvPicPr>
+          <p:nvPr/>
+        </p:nvPicPr>
+        <p:blipFill>
+          <a:blip r:embed="rId2">
+            <a:extLst>
+              <a:ext uri="{28A0092B-C50C-407E-A947-70E740481C1C}">
+                <a14:useLocalDpi xmlns:a14="http://schemas.microsoft.com/office/drawing/2010/main" val="0"/>
+              </a:ext>
+            </a:extLst>
+          </a:blip>
+          <a:srcRect/>
+          <a:stretch>
+            <a:fillRect/>
+          </a:stretch>
+        </p:blipFill>
+        <p:spPr bwMode="auto">
+          <a:xfrm>
+            <a:off x="575223" y="2368488"/>
+            <a:ext cx="5520777" cy="3943412"/>
+          </a:xfrm>
+          <a:prstGeom prst="rect">
+            <a:avLst/>
+          </a:prstGeom>
+          <a:noFill/>
+          <a:extLst>
+            <a:ext uri="{909E8E84-426E-40DD-AFC4-6F175D3DCCD1}">
+              <a14:hiddenFill xmlns:a14="http://schemas.microsoft.com/office/drawing/2010/main">
+                <a:solidFill>
+                  <a:srgbClr val="FFFFFF"/>
+                </a:solidFill>
+              </a14:hiddenFill>
+            </a:ext>
+          </a:extLst>
+        </p:spPr>
+      </p:pic>
+      <p:pic>
+        <p:nvPicPr>
+          <p:cNvPr id="3076" name="Picture 4">
+            <a:extLst>
+              <a:ext uri="{FF2B5EF4-FFF2-40B4-BE49-F238E27FC236}">
+                <a16:creationId xmlns:a16="http://schemas.microsoft.com/office/drawing/2014/main" id="{DFC0C934-1329-40E9-88D1-9B8C40209920}"/>
+              </a:ext>
+            </a:extLst>
+          </p:cNvPr>
+          <p:cNvPicPr>
+            <a:picLocks noChangeAspect="1" noChangeArrowheads="1"/>
+          </p:cNvPicPr>
+          <p:nvPr/>
+        </p:nvPicPr>
+        <p:blipFill>
+          <a:blip r:embed="rId3">
+            <a:extLst>
+              <a:ext uri="{28A0092B-C50C-407E-A947-70E740481C1C}">
+                <a14:useLocalDpi xmlns:a14="http://schemas.microsoft.com/office/drawing/2010/main" val="0"/>
+              </a:ext>
+            </a:extLst>
+          </a:blip>
+          <a:srcRect/>
+          <a:stretch>
+            <a:fillRect/>
+          </a:stretch>
+        </p:blipFill>
+        <p:spPr bwMode="auto">
+          <a:xfrm>
+            <a:off x="6358977" y="2368488"/>
+            <a:ext cx="5520777" cy="3943412"/>
+          </a:xfrm>
+          <a:prstGeom prst="rect">
+            <a:avLst/>
+          </a:prstGeom>
+          <a:noFill/>
+          <a:extLst>
+            <a:ext uri="{909E8E84-426E-40DD-AFC4-6F175D3DCCD1}">
+              <a14:hiddenFill xmlns:a14="http://schemas.microsoft.com/office/drawing/2010/main">
+                <a:solidFill>
+                  <a:srgbClr val="FFFFFF"/>
+                </a:solidFill>
+              </a14:hiddenFill>
+            </a:ext>
+          </a:extLst>
+        </p:spPr>
+      </p:pic>
+    </p:spTree>
+    <p:extLst>
+      <p:ext uri="{BB962C8B-B14F-4D97-AF65-F5344CB8AC3E}">
+        <p14:creationId xmlns:p14="http://schemas.microsoft.com/office/powerpoint/2010/main" val="3094659425"/>
+      </p:ext>
+    </p:extLst>
+  </p:cSld>
+  <p:clrMapOvr>
+    <a:masterClrMapping/>
+  </p:clrMapOvr>
+</p:sld>
+</file>
+
+<file path=ppt/slides/slide11.xml><?xml version="1.0" encoding="utf-8"?>
+<p:sld xmlns:a="http://schemas.openxmlformats.org/drawingml/2006/main" xmlns:r="http://schemas.openxmlformats.org/officeDocument/2006/relationships" xmlns:p="http://schemas.openxmlformats.org/presentationml/2006/main">
+  <p:cSld>
+    <p:spTree>
+      <p:nvGrpSpPr>
+        <p:cNvPr id="1" name=""/>
+        <p:cNvGrpSpPr/>
+        <p:nvPr/>
+      </p:nvGrpSpPr>
+      <p:grpSpPr>
+        <a:xfrm>
+          <a:off x="0" y="0"/>
+          <a:ext cx="0" cy="0"/>
+          <a:chOff x="0" y="0"/>
+          <a:chExt cx="0" cy="0"/>
+        </a:xfrm>
+      </p:grpSpPr>
+      <p:sp>
+        <p:nvSpPr>
+          <p:cNvPr id="2" name="Title 1">
+            <a:extLst>
+              <a:ext uri="{FF2B5EF4-FFF2-40B4-BE49-F238E27FC236}">
+                <a16:creationId xmlns:a16="http://schemas.microsoft.com/office/drawing/2014/main" id="{03C6C5C6-4008-4CCE-96B2-92FCD96BDF3D}"/>
+              </a:ext>
+            </a:extLst>
+          </p:cNvPr>
+          <p:cNvSpPr>
+            <a:spLocks noGrp="1"/>
+          </p:cNvSpPr>
+          <p:nvPr>
+            <p:ph type="title"/>
+          </p:nvPr>
+        </p:nvSpPr>
+        <p:spPr/>
+        <p:txBody>
+          <a:bodyPr/>
+          <a:lstStyle/>
+          <a:p>
+            <a:r>
+              <a:rPr lang="en-US" dirty="0"/>
+              <a:t>Plot 4</a:t>
+            </a:r>
+          </a:p>
+        </p:txBody>
+      </p:sp>
+      <p:sp>
+        <p:nvSpPr>
+          <p:cNvPr id="3" name="Content Placeholder 2">
+            <a:extLst>
+              <a:ext uri="{FF2B5EF4-FFF2-40B4-BE49-F238E27FC236}">
+                <a16:creationId xmlns:a16="http://schemas.microsoft.com/office/drawing/2014/main" id="{AB14AB32-1751-46E5-9998-D1E49BCB1EF3}"/>
+              </a:ext>
+            </a:extLst>
+          </p:cNvPr>
+          <p:cNvSpPr>
+            <a:spLocks noGrp="1"/>
+          </p:cNvSpPr>
+          <p:nvPr>
+            <p:ph idx="1"/>
+          </p:nvPr>
+        </p:nvSpPr>
+        <p:spPr/>
+        <p:txBody>
+          <a:bodyPr/>
+          <a:lstStyle/>
+          <a:p>
+            <a:r>
+              <a:rPr lang="en-US" dirty="0"/>
+              <a:t>Military Arms Import</a:t>
+            </a:r>
+          </a:p>
+        </p:txBody>
+      </p:sp>
+      <p:pic>
+        <p:nvPicPr>
+          <p:cNvPr id="4098" name="Picture 2">
+            <a:extLst>
+              <a:ext uri="{FF2B5EF4-FFF2-40B4-BE49-F238E27FC236}">
+                <a16:creationId xmlns:a16="http://schemas.microsoft.com/office/drawing/2014/main" id="{7DF0E359-460E-4D52-B294-E90B6A9CEAC4}"/>
+              </a:ext>
+            </a:extLst>
+          </p:cNvPr>
+          <p:cNvPicPr>
+            <a:picLocks noChangeAspect="1" noChangeArrowheads="1"/>
+          </p:cNvPicPr>
+          <p:nvPr/>
+        </p:nvPicPr>
+        <p:blipFill>
+          <a:blip r:embed="rId2">
+            <a:extLst>
+              <a:ext uri="{28A0092B-C50C-407E-A947-70E740481C1C}">
+                <a14:useLocalDpi xmlns:a14="http://schemas.microsoft.com/office/drawing/2010/main" val="0"/>
+              </a:ext>
+            </a:extLst>
+          </a:blip>
+          <a:srcRect/>
+          <a:stretch>
+            <a:fillRect/>
+          </a:stretch>
+        </p:blipFill>
+        <p:spPr bwMode="auto">
+          <a:xfrm>
+            <a:off x="278241" y="2434528"/>
+            <a:ext cx="5681686" cy="4058347"/>
+          </a:xfrm>
+          <a:prstGeom prst="rect">
+            <a:avLst/>
+          </a:prstGeom>
+          <a:noFill/>
+          <a:extLst>
+            <a:ext uri="{909E8E84-426E-40DD-AFC4-6F175D3DCCD1}">
+              <a14:hiddenFill xmlns:a14="http://schemas.microsoft.com/office/drawing/2010/main">
+                <a:solidFill>
+                  <a:srgbClr val="FFFFFF"/>
+                </a:solidFill>
+              </a14:hiddenFill>
+            </a:ext>
+          </a:extLst>
+        </p:spPr>
+      </p:pic>
+      <p:pic>
+        <p:nvPicPr>
+          <p:cNvPr id="4100" name="Picture 4">
+            <a:extLst>
+              <a:ext uri="{FF2B5EF4-FFF2-40B4-BE49-F238E27FC236}">
+                <a16:creationId xmlns:a16="http://schemas.microsoft.com/office/drawing/2014/main" id="{A194B999-9DC1-4DDC-B9C3-3A08C391FD80}"/>
+              </a:ext>
+            </a:extLst>
+          </p:cNvPr>
+          <p:cNvPicPr>
+            <a:picLocks noChangeAspect="1" noChangeArrowheads="1"/>
+          </p:cNvPicPr>
+          <p:nvPr/>
+        </p:nvPicPr>
+        <p:blipFill>
+          <a:blip r:embed="rId3">
+            <a:extLst>
+              <a:ext uri="{28A0092B-C50C-407E-A947-70E740481C1C}">
+                <a14:useLocalDpi xmlns:a14="http://schemas.microsoft.com/office/drawing/2010/main" val="0"/>
+              </a:ext>
+            </a:extLst>
+          </a:blip>
+          <a:srcRect/>
+          <a:stretch>
+            <a:fillRect/>
+          </a:stretch>
+        </p:blipFill>
+        <p:spPr bwMode="auto">
+          <a:xfrm>
+            <a:off x="6232075" y="2434528"/>
+            <a:ext cx="5681684" cy="4058346"/>
+          </a:xfrm>
+          <a:prstGeom prst="rect">
+            <a:avLst/>
+          </a:prstGeom>
+          <a:noFill/>
+          <a:extLst>
+            <a:ext uri="{909E8E84-426E-40DD-AFC4-6F175D3DCCD1}">
+              <a14:hiddenFill xmlns:a14="http://schemas.microsoft.com/office/drawing/2010/main">
+                <a:solidFill>
+                  <a:srgbClr val="FFFFFF"/>
+                </a:solidFill>
+              </a14:hiddenFill>
+            </a:ext>
+          </a:extLst>
+        </p:spPr>
+      </p:pic>
+    </p:spTree>
+    <p:extLst>
+      <p:ext uri="{BB962C8B-B14F-4D97-AF65-F5344CB8AC3E}">
+        <p14:creationId xmlns:p14="http://schemas.microsoft.com/office/powerpoint/2010/main" val="2383074221"/>
+      </p:ext>
+    </p:extLst>
+  </p:cSld>
+  <p:clrMapOvr>
+    <a:masterClrMapping/>
+  </p:clrMapOvr>
+</p:sld>
+</file>
+
+<file path=ppt/slides/slide12.xml><?xml version="1.0" encoding="utf-8"?>
+<p:sld xmlns:a="http://schemas.openxmlformats.org/drawingml/2006/main" xmlns:r="http://schemas.openxmlformats.org/officeDocument/2006/relationships" xmlns:p="http://schemas.openxmlformats.org/presentationml/2006/main">
+  <p:cSld>
+    <p:spTree>
+      <p:nvGrpSpPr>
+        <p:cNvPr id="1" name=""/>
+        <p:cNvGrpSpPr/>
+        <p:nvPr/>
+      </p:nvGrpSpPr>
+      <p:grpSpPr>
+        <a:xfrm>
+          <a:off x="0" y="0"/>
+          <a:ext cx="0" cy="0"/>
+          <a:chOff x="0" y="0"/>
+          <a:chExt cx="0" cy="0"/>
+        </a:xfrm>
+      </p:grpSpPr>
+      <p:sp>
+        <p:nvSpPr>
+          <p:cNvPr id="2" name="Title 1">
+            <a:extLst>
+              <a:ext uri="{FF2B5EF4-FFF2-40B4-BE49-F238E27FC236}">
+                <a16:creationId xmlns:a16="http://schemas.microsoft.com/office/drawing/2014/main" id="{968098D4-0097-4B20-848A-AAB941D704E6}"/>
+              </a:ext>
+            </a:extLst>
+          </p:cNvPr>
+          <p:cNvSpPr>
+            <a:spLocks noGrp="1"/>
+          </p:cNvSpPr>
+          <p:nvPr>
+            <p:ph type="title"/>
+          </p:nvPr>
+        </p:nvSpPr>
+        <p:spPr/>
+        <p:txBody>
+          <a:bodyPr/>
+          <a:lstStyle/>
+          <a:p>
+            <a:r>
+              <a:rPr lang="en-US" dirty="0"/>
+              <a:t>Global Firepower Summary</a:t>
+            </a:r>
+          </a:p>
+        </p:txBody>
+      </p:sp>
+      <p:sp>
+        <p:nvSpPr>
+          <p:cNvPr id="3" name="Content Placeholder 2">
+            <a:extLst>
+              <a:ext uri="{FF2B5EF4-FFF2-40B4-BE49-F238E27FC236}">
+                <a16:creationId xmlns:a16="http://schemas.microsoft.com/office/drawing/2014/main" id="{ACF0AF64-DC7A-42A6-8E95-2A2559BC08FB}"/>
+              </a:ext>
+            </a:extLst>
+          </p:cNvPr>
+          <p:cNvSpPr>
+            <a:spLocks noGrp="1"/>
+          </p:cNvSpPr>
+          <p:nvPr>
+            <p:ph idx="1"/>
+          </p:nvPr>
+        </p:nvSpPr>
+        <p:spPr/>
+        <p:txBody>
+          <a:bodyPr/>
+          <a:lstStyle/>
+          <a:p>
+            <a:endParaRPr lang="en-US" dirty="0"/>
+          </a:p>
+        </p:txBody>
+      </p:sp>
+    </p:spTree>
+    <p:extLst>
+      <p:ext uri="{BB962C8B-B14F-4D97-AF65-F5344CB8AC3E}">
+        <p14:creationId xmlns:p14="http://schemas.microsoft.com/office/powerpoint/2010/main" val="783057157"/>
+      </p:ext>
+    </p:extLst>
+  </p:cSld>
+  <p:clrMapOvr>
+    <a:masterClrMapping/>
+  </p:clrMapOvr>
+</p:sld>
+</file>
+
+<file path=ppt/slides/slide13.xml><?xml version="1.0" encoding="utf-8"?>
+<p:sld xmlns:a="http://schemas.openxmlformats.org/drawingml/2006/main" xmlns:r="http://schemas.openxmlformats.org/officeDocument/2006/relationships" xmlns:p="http://schemas.openxmlformats.org/presentationml/2006/main">
+  <p:cSld>
+    <p:spTree>
+      <p:nvGrpSpPr>
+        <p:cNvPr id="1" name=""/>
+        <p:cNvGrpSpPr/>
+        <p:nvPr/>
+      </p:nvGrpSpPr>
+      <p:grpSpPr>
+        <a:xfrm>
+          <a:off x="0" y="0"/>
+          <a:ext cx="0" cy="0"/>
+          <a:chOff x="0" y="0"/>
+          <a:chExt cx="0" cy="0"/>
+        </a:xfrm>
+      </p:grpSpPr>
+      <p:sp>
+        <p:nvSpPr>
+          <p:cNvPr id="2" name="Title 1">
+            <a:extLst>
+              <a:ext uri="{FF2B5EF4-FFF2-40B4-BE49-F238E27FC236}">
                 <a16:creationId xmlns:a16="http://schemas.microsoft.com/office/drawing/2014/main" id="{40A9CB7E-19A0-41AA-9B02-FDDE6E3B6AC3}"/>
               </a:ext>
             </a:extLst>
@@ -9049,7 +12826,7 @@
 </p:sld>
 </file>
 
-<file path=ppt/slides/slide11.xml><?xml version="1.0" encoding="utf-8"?>
+<file path=ppt/slides/slide14.xml><?xml version="1.0" encoding="utf-8"?>
 <p:sld xmlns:a="http://schemas.openxmlformats.org/drawingml/2006/main" xmlns:r="http://schemas.openxmlformats.org/officeDocument/2006/relationships" xmlns:p="http://schemas.openxmlformats.org/presentationml/2006/main">
   <p:cSld>
     <p:bg>
@@ -9397,7 +13174,7 @@
 </p:sld>
 </file>
 
-<file path=ppt/slides/slide12.xml><?xml version="1.0" encoding="utf-8"?>
+<file path=ppt/slides/slide15.xml><?xml version="1.0" encoding="utf-8"?>
 <p:sld xmlns:a="http://schemas.openxmlformats.org/drawingml/2006/main" xmlns:r="http://schemas.openxmlformats.org/officeDocument/2006/relationships" xmlns:p="http://schemas.openxmlformats.org/presentationml/2006/main">
   <p:cSld>
     <p:spTree>
@@ -9442,34 +13219,53 @@
           </a:p>
         </p:txBody>
       </p:sp>
-      <p:sp>
-        <p:nvSpPr>
-          <p:cNvPr id="3" name="Content Placeholder 2">
+      <p:pic>
+        <p:nvPicPr>
+          <p:cNvPr id="6146" name="Picture 2">
             <a:extLst>
               <a:ext uri="{FF2B5EF4-FFF2-40B4-BE49-F238E27FC236}">
-                <a16:creationId xmlns:a16="http://schemas.microsoft.com/office/drawing/2014/main" id="{6D7A073D-0B3D-469E-A441-2C703D8BD55C}"/>
+                <a16:creationId xmlns:a16="http://schemas.microsoft.com/office/drawing/2014/main" id="{AEE4FD30-7FA9-48A2-843C-74816F7921B2}"/>
               </a:ext>
             </a:extLst>
           </p:cNvPr>
-          <p:cNvSpPr>
-            <a:spLocks noGrp="1"/>
-          </p:cNvSpPr>
-          <p:nvPr>
-            <p:ph idx="1"/>
-          </p:nvPr>
-        </p:nvSpPr>
-        <p:spPr/>
-        <p:txBody>
-          <a:bodyPr/>
-          <a:lstStyle/>
-          <a:p>
-            <a:r>
-              <a:rPr lang="en-US" dirty="0"/>
-              <a:t>Military expenditure graph</a:t>
-            </a:r>
-          </a:p>
-        </p:txBody>
-      </p:sp>
+          <p:cNvPicPr>
+            <a:picLocks noChangeAspect="1" noChangeArrowheads="1"/>
+          </p:cNvPicPr>
+          <p:nvPr/>
+        </p:nvPicPr>
+        <p:blipFill>
+          <a:blip r:embed="rId2">
+            <a:extLst>
+              <a:ext uri="{28A0092B-C50C-407E-A947-70E740481C1C}">
+                <a14:useLocalDpi xmlns:a14="http://schemas.microsoft.com/office/drawing/2010/main" val="0"/>
+              </a:ext>
+            </a:extLst>
+          </a:blip>
+          <a:srcRect/>
+          <a:stretch>
+            <a:fillRect/>
+          </a:stretch>
+        </p:blipFill>
+        <p:spPr bwMode="auto">
+          <a:xfrm>
+            <a:off x="2547257" y="1466477"/>
+            <a:ext cx="7097486" cy="5069633"/>
+          </a:xfrm>
+          <a:prstGeom prst="rect">
+            <a:avLst/>
+          </a:prstGeom>
+          <a:noFill/>
+          <a:extLst>
+            <a:ext uri="{909E8E84-426E-40DD-AFC4-6F175D3DCCD1}">
+              <a14:hiddenFill xmlns:a14="http://schemas.microsoft.com/office/drawing/2010/main">
+                <a:solidFill>
+                  <a:srgbClr val="FFFFFF"/>
+                </a:solidFill>
+              </a14:hiddenFill>
+            </a:ext>
+          </a:extLst>
+        </p:spPr>
+      </p:pic>
     </p:spTree>
     <p:extLst>
       <p:ext uri="{BB962C8B-B14F-4D97-AF65-F5344CB8AC3E}">
@@ -9483,7 +13279,7 @@
 </p:sld>
 </file>
 
-<file path=ppt/slides/slide13.xml><?xml version="1.0" encoding="utf-8"?>
+<file path=ppt/slides/slide16.xml><?xml version="1.0" encoding="utf-8"?>
 <p:sld xmlns:a="http://schemas.openxmlformats.org/drawingml/2006/main" xmlns:r="http://schemas.openxmlformats.org/officeDocument/2006/relationships" xmlns:p="http://schemas.openxmlformats.org/presentationml/2006/main">
   <p:cSld>
     <p:spTree>
@@ -9528,34 +13324,53 @@
           </a:p>
         </p:txBody>
       </p:sp>
-      <p:sp>
-        <p:nvSpPr>
-          <p:cNvPr id="3" name="Content Placeholder 2">
+      <p:pic>
+        <p:nvPicPr>
+          <p:cNvPr id="7170" name="Picture 2">
             <a:extLst>
               <a:ext uri="{FF2B5EF4-FFF2-40B4-BE49-F238E27FC236}">
-                <a16:creationId xmlns:a16="http://schemas.microsoft.com/office/drawing/2014/main" id="{6D7A073D-0B3D-469E-A441-2C703D8BD55C}"/>
+                <a16:creationId xmlns:a16="http://schemas.microsoft.com/office/drawing/2014/main" id="{FAE54E4F-2751-422B-B48C-EA18EFC590B0}"/>
               </a:ext>
             </a:extLst>
           </p:cNvPr>
-          <p:cNvSpPr>
-            <a:spLocks noGrp="1"/>
-          </p:cNvSpPr>
-          <p:nvPr>
-            <p:ph idx="1"/>
-          </p:nvPr>
-        </p:nvSpPr>
-        <p:spPr/>
-        <p:txBody>
-          <a:bodyPr/>
-          <a:lstStyle/>
-          <a:p>
-            <a:r>
-              <a:rPr lang="en-US" dirty="0"/>
-              <a:t>Military expenditure graph (GDP)</a:t>
-            </a:r>
-          </a:p>
-        </p:txBody>
-      </p:sp>
+          <p:cNvPicPr>
+            <a:picLocks noChangeAspect="1" noChangeArrowheads="1"/>
+          </p:cNvPicPr>
+          <p:nvPr/>
+        </p:nvPicPr>
+        <p:blipFill>
+          <a:blip r:embed="rId2">
+            <a:extLst>
+              <a:ext uri="{28A0092B-C50C-407E-A947-70E740481C1C}">
+                <a14:useLocalDpi xmlns:a14="http://schemas.microsoft.com/office/drawing/2010/main" val="0"/>
+              </a:ext>
+            </a:extLst>
+          </a:blip>
+          <a:srcRect/>
+          <a:stretch>
+            <a:fillRect/>
+          </a:stretch>
+        </p:blipFill>
+        <p:spPr bwMode="auto">
+          <a:xfrm>
+            <a:off x="2130878" y="1193541"/>
+            <a:ext cx="7930243" cy="5664459"/>
+          </a:xfrm>
+          <a:prstGeom prst="rect">
+            <a:avLst/>
+          </a:prstGeom>
+          <a:noFill/>
+          <a:extLst>
+            <a:ext uri="{909E8E84-426E-40DD-AFC4-6F175D3DCCD1}">
+              <a14:hiddenFill xmlns:a14="http://schemas.microsoft.com/office/drawing/2010/main">
+                <a:solidFill>
+                  <a:srgbClr val="FFFFFF"/>
+                </a:solidFill>
+              </a14:hiddenFill>
+            </a:ext>
+          </a:extLst>
+        </p:spPr>
+      </p:pic>
     </p:spTree>
     <p:extLst>
       <p:ext uri="{BB962C8B-B14F-4D97-AF65-F5344CB8AC3E}">
@@ -9569,7 +13384,7 @@
 </p:sld>
 </file>
 
-<file path=ppt/slides/slide14.xml><?xml version="1.0" encoding="utf-8"?>
+<file path=ppt/slides/slide17.xml><?xml version="1.0" encoding="utf-8"?>
 <p:sld xmlns:a="http://schemas.openxmlformats.org/drawingml/2006/main" xmlns:r="http://schemas.openxmlformats.org/officeDocument/2006/relationships" xmlns:p="http://schemas.openxmlformats.org/presentationml/2006/main">
   <p:cSld>
     <p:spTree>
@@ -9614,34 +13429,53 @@
           </a:p>
         </p:txBody>
       </p:sp>
-      <p:sp>
-        <p:nvSpPr>
-          <p:cNvPr id="3" name="Content Placeholder 2">
+      <p:pic>
+        <p:nvPicPr>
+          <p:cNvPr id="8194" name="Picture 2">
             <a:extLst>
               <a:ext uri="{FF2B5EF4-FFF2-40B4-BE49-F238E27FC236}">
-                <a16:creationId xmlns:a16="http://schemas.microsoft.com/office/drawing/2014/main" id="{039F26F2-D966-4DA2-B8FE-DCC2AD84E783}"/>
+                <a16:creationId xmlns:a16="http://schemas.microsoft.com/office/drawing/2014/main" id="{C4AE15D8-3CB8-4FC4-998C-38E821ACC687}"/>
               </a:ext>
             </a:extLst>
           </p:cNvPr>
-          <p:cNvSpPr>
-            <a:spLocks noGrp="1"/>
-          </p:cNvSpPr>
-          <p:nvPr>
-            <p:ph idx="1"/>
-          </p:nvPr>
-        </p:nvSpPr>
-        <p:spPr/>
-        <p:txBody>
-          <a:bodyPr/>
-          <a:lstStyle/>
-          <a:p>
-            <a:r>
-              <a:rPr lang="en-US" dirty="0"/>
-              <a:t>Military Personnel as % of Labor Force</a:t>
-            </a:r>
-          </a:p>
-        </p:txBody>
-      </p:sp>
+          <p:cNvPicPr>
+            <a:picLocks noChangeAspect="1" noChangeArrowheads="1"/>
+          </p:cNvPicPr>
+          <p:nvPr/>
+        </p:nvPicPr>
+        <p:blipFill>
+          <a:blip r:embed="rId2">
+            <a:extLst>
+              <a:ext uri="{28A0092B-C50C-407E-A947-70E740481C1C}">
+                <a14:useLocalDpi xmlns:a14="http://schemas.microsoft.com/office/drawing/2010/main" val="0"/>
+              </a:ext>
+            </a:extLst>
+          </a:blip>
+          <a:srcRect/>
+          <a:stretch>
+            <a:fillRect/>
+          </a:stretch>
+        </p:blipFill>
+        <p:spPr bwMode="auto">
+          <a:xfrm>
+            <a:off x="2290082" y="1407984"/>
+            <a:ext cx="7611835" cy="5437025"/>
+          </a:xfrm>
+          <a:prstGeom prst="rect">
+            <a:avLst/>
+          </a:prstGeom>
+          <a:noFill/>
+          <a:extLst>
+            <a:ext uri="{909E8E84-426E-40DD-AFC4-6F175D3DCCD1}">
+              <a14:hiddenFill xmlns:a14="http://schemas.microsoft.com/office/drawing/2010/main">
+                <a:solidFill>
+                  <a:srgbClr val="FFFFFF"/>
+                </a:solidFill>
+              </a14:hiddenFill>
+            </a:ext>
+          </a:extLst>
+        </p:spPr>
+      </p:pic>
     </p:spTree>
     <p:extLst>
       <p:ext uri="{BB962C8B-B14F-4D97-AF65-F5344CB8AC3E}">
@@ -9655,7 +13489,7 @@
 </p:sld>
 </file>
 
-<file path=ppt/slides/slide15.xml><?xml version="1.0" encoding="utf-8"?>
+<file path=ppt/slides/slide18.xml><?xml version="1.0" encoding="utf-8"?>
 <p:sld xmlns:a="http://schemas.openxmlformats.org/drawingml/2006/main" xmlns:r="http://schemas.openxmlformats.org/officeDocument/2006/relationships" xmlns:p="http://schemas.openxmlformats.org/presentationml/2006/main">
   <p:cSld>
     <p:spTree>
@@ -9700,34 +13534,53 @@
           </a:p>
         </p:txBody>
       </p:sp>
-      <p:sp>
-        <p:nvSpPr>
-          <p:cNvPr id="3" name="Content Placeholder 2">
+      <p:pic>
+        <p:nvPicPr>
+          <p:cNvPr id="9218" name="Picture 2">
             <a:extLst>
               <a:ext uri="{FF2B5EF4-FFF2-40B4-BE49-F238E27FC236}">
-                <a16:creationId xmlns:a16="http://schemas.microsoft.com/office/drawing/2014/main" id="{7C4631EA-C536-4BF3-AC53-B49C99D55E67}"/>
+                <a16:creationId xmlns:a16="http://schemas.microsoft.com/office/drawing/2014/main" id="{F2DFAA93-2FF2-4364-8690-9A0337CB4364}"/>
               </a:ext>
             </a:extLst>
           </p:cNvPr>
-          <p:cNvSpPr>
-            <a:spLocks noGrp="1"/>
-          </p:cNvSpPr>
-          <p:nvPr>
-            <p:ph idx="1"/>
-          </p:nvPr>
-        </p:nvSpPr>
-        <p:spPr/>
-        <p:txBody>
-          <a:bodyPr/>
-          <a:lstStyle/>
-          <a:p>
-            <a:r>
-              <a:rPr lang="en-US" dirty="0"/>
-              <a:t>Military Arms Import</a:t>
-            </a:r>
-          </a:p>
-        </p:txBody>
-      </p:sp>
+          <p:cNvPicPr>
+            <a:picLocks noChangeAspect="1" noChangeArrowheads="1"/>
+          </p:cNvPicPr>
+          <p:nvPr/>
+        </p:nvPicPr>
+        <p:blipFill>
+          <a:blip r:embed="rId2">
+            <a:extLst>
+              <a:ext uri="{28A0092B-C50C-407E-A947-70E740481C1C}">
+                <a14:useLocalDpi xmlns:a14="http://schemas.microsoft.com/office/drawing/2010/main" val="0"/>
+              </a:ext>
+            </a:extLst>
+          </a:blip>
+          <a:srcRect/>
+          <a:stretch>
+            <a:fillRect/>
+          </a:stretch>
+        </p:blipFill>
+        <p:spPr bwMode="auto">
+          <a:xfrm>
+            <a:off x="2266951" y="1358223"/>
+            <a:ext cx="7658098" cy="5470070"/>
+          </a:xfrm>
+          <a:prstGeom prst="rect">
+            <a:avLst/>
+          </a:prstGeom>
+          <a:noFill/>
+          <a:extLst>
+            <a:ext uri="{909E8E84-426E-40DD-AFC4-6F175D3DCCD1}">
+              <a14:hiddenFill xmlns:a14="http://schemas.microsoft.com/office/drawing/2010/main">
+                <a:solidFill>
+                  <a:srgbClr val="FFFFFF"/>
+                </a:solidFill>
+              </a14:hiddenFill>
+            </a:ext>
+          </a:extLst>
+        </p:spPr>
+      </p:pic>
     </p:spTree>
     <p:extLst>
       <p:ext uri="{BB962C8B-B14F-4D97-AF65-F5344CB8AC3E}">
@@ -9741,7 +13594,7 @@
 </p:sld>
 </file>
 
-<file path=ppt/slides/slide16.xml><?xml version="1.0" encoding="utf-8"?>
+<file path=ppt/slides/slide19.xml><?xml version="1.0" encoding="utf-8"?>
 <p:sld xmlns:a="http://schemas.openxmlformats.org/drawingml/2006/main" xmlns:r="http://schemas.openxmlformats.org/officeDocument/2006/relationships" xmlns:p="http://schemas.openxmlformats.org/presentationml/2006/main">
   <p:cSld>
     <p:spTree>
@@ -9809,7 +13662,7 @@
           <a:p>
             <a:r>
               <a:rPr lang="en-US" dirty="0"/>
-              <a:t>Mexico’s military increased</a:t>
+              <a:t>[Mexico’s military increased]</a:t>
             </a:r>
           </a:p>
         </p:txBody>
@@ -9828,6 +13681,496 @@
 </file>
 
 <file path=ppt/slides/slide2.xml><?xml version="1.0" encoding="utf-8"?>
+<p:sld xmlns:a="http://schemas.openxmlformats.org/drawingml/2006/main" xmlns:r="http://schemas.openxmlformats.org/officeDocument/2006/relationships" xmlns:p="http://schemas.openxmlformats.org/presentationml/2006/main">
+  <p:cSld>
+    <p:bg>
+      <p:bgPr>
+        <a:solidFill>
+          <a:schemeClr val="bg1"/>
+        </a:solidFill>
+        <a:effectLst/>
+      </p:bgPr>
+    </p:bg>
+    <p:spTree>
+      <p:nvGrpSpPr>
+        <p:cNvPr id="1" name=""/>
+        <p:cNvGrpSpPr/>
+        <p:nvPr/>
+      </p:nvGrpSpPr>
+      <p:grpSpPr>
+        <a:xfrm>
+          <a:off x="0" y="0"/>
+          <a:ext cx="0" cy="0"/>
+          <a:chOff x="0" y="0"/>
+          <a:chExt cx="0" cy="0"/>
+        </a:xfrm>
+      </p:grpSpPr>
+      <p:sp>
+        <p:nvSpPr>
+          <p:cNvPr id="16" name="Rectangle 15">
+            <a:extLst>
+              <a:ext uri="{FF2B5EF4-FFF2-40B4-BE49-F238E27FC236}">
+                <a16:creationId xmlns:a16="http://schemas.microsoft.com/office/drawing/2014/main" id="{5E39A796-BE83-48B1-B33F-35C4A32AAB57}"/>
+              </a:ext>
+              <a:ext uri="{C183D7F6-B498-43B3-948B-1728B52AA6E4}">
+                <adec:decorative xmlns:adec="http://schemas.microsoft.com/office/drawing/2017/decorative" val="1"/>
+              </a:ext>
+            </a:extLst>
+          </p:cNvPr>
+          <p:cNvSpPr>
+            <a:spLocks noGrp="1" noRot="1" noChangeAspect="1" noMove="1" noResize="1" noEditPoints="1" noAdjustHandles="1" noChangeArrowheads="1" noChangeShapeType="1" noTextEdit="1"/>
+          </p:cNvSpPr>
+          <p:nvPr>
+            <p:extLst>
+              <p:ext uri="{386F3935-93C4-4BCD-93E2-E3B085C9AB24}">
+                <p16:designElem xmlns:p16="http://schemas.microsoft.com/office/powerpoint/2015/main" val="1"/>
+              </p:ext>
+            </p:extLst>
+          </p:nvPr>
+        </p:nvSpPr>
+        <p:spPr>
+          <a:xfrm>
+            <a:off x="4639056" y="0"/>
+            <a:ext cx="7552944" cy="6858000"/>
+          </a:xfrm>
+          <a:prstGeom prst="rect">
+            <a:avLst/>
+          </a:prstGeom>
+          <a:solidFill>
+            <a:srgbClr val="C8CACA"/>
+          </a:solidFill>
+          <a:ln>
+            <a:noFill/>
+          </a:ln>
+        </p:spPr>
+        <p:style>
+          <a:lnRef idx="2">
+            <a:schemeClr val="accent1">
+              <a:shade val="50000"/>
+            </a:schemeClr>
+          </a:lnRef>
+          <a:fillRef idx="1">
+            <a:schemeClr val="accent1"/>
+          </a:fillRef>
+          <a:effectRef idx="0">
+            <a:schemeClr val="accent1"/>
+          </a:effectRef>
+          <a:fontRef idx="minor">
+            <a:schemeClr val="lt1"/>
+          </a:fontRef>
+        </p:style>
+        <p:txBody>
+          <a:bodyPr rtlCol="0" anchor="ctr"/>
+          <a:lstStyle/>
+          <a:p>
+            <a:pPr algn="ctr"/>
+            <a:endParaRPr lang="en-US"/>
+          </a:p>
+        </p:txBody>
+      </p:sp>
+      <p:sp>
+        <p:nvSpPr>
+          <p:cNvPr id="18" name="Rounded Rectangle 9">
+            <a:extLst>
+              <a:ext uri="{FF2B5EF4-FFF2-40B4-BE49-F238E27FC236}">
+                <a16:creationId xmlns:a16="http://schemas.microsoft.com/office/drawing/2014/main" id="{72F84B47-E267-4194-8194-831DB7B5547F}"/>
+              </a:ext>
+              <a:ext uri="{C183D7F6-B498-43B3-948B-1728B52AA6E4}">
+                <adec:decorative xmlns:adec="http://schemas.microsoft.com/office/drawing/2017/decorative" val="1"/>
+              </a:ext>
+            </a:extLst>
+          </p:cNvPr>
+          <p:cNvSpPr>
+            <a:spLocks noGrp="1" noRot="1" noChangeAspect="1" noMove="1" noResize="1" noEditPoints="1" noAdjustHandles="1" noChangeArrowheads="1" noChangeShapeType="1" noTextEdit="1"/>
+          </p:cNvSpPr>
+          <p:nvPr>
+            <p:extLst>
+              <p:ext uri="{386F3935-93C4-4BCD-93E2-E3B085C9AB24}">
+                <p16:designElem xmlns:p16="http://schemas.microsoft.com/office/powerpoint/2015/main" val="1"/>
+              </p:ext>
+            </p:extLst>
+          </p:nvPr>
+        </p:nvSpPr>
+        <p:spPr>
+          <a:xfrm>
+            <a:off x="5123688" y="484632"/>
+            <a:ext cx="6584098" cy="5739187"/>
+          </a:xfrm>
+          <a:prstGeom prst="roundRect">
+            <a:avLst>
+              <a:gd name="adj" fmla="val 0"/>
+            </a:avLst>
+          </a:prstGeom>
+          <a:solidFill>
+            <a:srgbClr val="FFFFFF"/>
+          </a:solidFill>
+          <a:ln w="9525">
+            <a:solidFill>
+              <a:srgbClr val="C8CACA"/>
+            </a:solidFill>
+          </a:ln>
+          <a:effectLst>
+            <a:outerShdw blurRad="57150" dist="19050" dir="5400000" algn="t" rotWithShape="0">
+              <a:prstClr val="black">
+                <a:alpha val="63000"/>
+              </a:prstClr>
+            </a:outerShdw>
+          </a:effectLst>
+        </p:spPr>
+        <p:style>
+          <a:lnRef idx="2">
+            <a:schemeClr val="accent1">
+              <a:shade val="50000"/>
+            </a:schemeClr>
+          </a:lnRef>
+          <a:fillRef idx="1">
+            <a:schemeClr val="accent1"/>
+          </a:fillRef>
+          <a:effectRef idx="0">
+            <a:schemeClr val="accent1"/>
+          </a:effectRef>
+          <a:fontRef idx="minor">
+            <a:schemeClr val="lt1"/>
+          </a:fontRef>
+        </p:style>
+        <p:txBody>
+          <a:bodyPr rtlCol="0" anchor="ctr"/>
+          <a:lstStyle/>
+          <a:p>
+            <a:pPr algn="ctr"/>
+            <a:endParaRPr lang="en-US"/>
+          </a:p>
+        </p:txBody>
+      </p:sp>
+      <p:graphicFrame>
+        <p:nvGraphicFramePr>
+          <p:cNvPr id="4" name="Diagram 3">
+            <a:extLst>
+              <a:ext uri="{FF2B5EF4-FFF2-40B4-BE49-F238E27FC236}">
+                <a16:creationId xmlns:a16="http://schemas.microsoft.com/office/drawing/2014/main" id="{C64F93BE-E9D8-44D3-AD0D-96152F7F1EC7}"/>
+              </a:ext>
+            </a:extLst>
+          </p:cNvPr>
+          <p:cNvGraphicFramePr/>
+          <p:nvPr>
+            <p:extLst>
+              <p:ext uri="{D42A27DB-BD31-4B8C-83A1-F6EECF244321}">
+                <p14:modId xmlns:p14="http://schemas.microsoft.com/office/powerpoint/2010/main" val="2850426547"/>
+              </p:ext>
+            </p:extLst>
+          </p:nvPr>
+        </p:nvGraphicFramePr>
+        <p:xfrm>
+          <a:off x="5565868" y="631723"/>
+          <a:ext cx="5699319" cy="5594553"/>
+        </p:xfrm>
+        <a:graphic>
+          <a:graphicData uri="http://schemas.openxmlformats.org/drawingml/2006/diagram">
+            <dgm:relIds xmlns:dgm="http://schemas.openxmlformats.org/drawingml/2006/diagram" xmlns:r="http://schemas.openxmlformats.org/officeDocument/2006/relationships" r:dm="rId3" r:lo="rId4" r:qs="rId5" r:cs="rId6"/>
+          </a:graphicData>
+        </a:graphic>
+      </p:graphicFrame>
+      <p:sp>
+        <p:nvSpPr>
+          <p:cNvPr id="7" name="Rectangle: Rounded Corners 6">
+            <a:extLst>
+              <a:ext uri="{FF2B5EF4-FFF2-40B4-BE49-F238E27FC236}">
+                <a16:creationId xmlns:a16="http://schemas.microsoft.com/office/drawing/2014/main" id="{D8298EF0-651A-43E3-824E-E9A27ACC5A9B}"/>
+              </a:ext>
+            </a:extLst>
+          </p:cNvPr>
+          <p:cNvSpPr/>
+          <p:nvPr/>
+        </p:nvSpPr>
+        <p:spPr>
+          <a:xfrm>
+            <a:off x="5822096" y="3627450"/>
+            <a:ext cx="1190573" cy="1196802"/>
+          </a:xfrm>
+          <a:prstGeom prst="roundRect">
+            <a:avLst>
+              <a:gd name="adj" fmla="val 31440"/>
+            </a:avLst>
+          </a:prstGeom>
+          <a:solidFill>
+            <a:schemeClr val="tx2">
+              <a:lumMod val="60000"/>
+              <a:lumOff val="40000"/>
+            </a:schemeClr>
+          </a:solidFill>
+          <a:ln w="28575">
+            <a:solidFill>
+              <a:schemeClr val="accent2">
+                <a:lumMod val="75000"/>
+              </a:schemeClr>
+            </a:solidFill>
+          </a:ln>
+        </p:spPr>
+        <p:style>
+          <a:lnRef idx="2">
+            <a:schemeClr val="accent1">
+              <a:shade val="50000"/>
+            </a:schemeClr>
+          </a:lnRef>
+          <a:fillRef idx="1">
+            <a:schemeClr val="accent1"/>
+          </a:fillRef>
+          <a:effectRef idx="0">
+            <a:schemeClr val="accent1"/>
+          </a:effectRef>
+          <a:fontRef idx="minor">
+            <a:schemeClr val="lt1"/>
+          </a:fontRef>
+        </p:style>
+        <p:txBody>
+          <a:bodyPr rtlCol="0" anchor="ctr"/>
+          <a:lstStyle/>
+          <a:p>
+            <a:pPr algn="ctr"/>
+            <a:r>
+              <a:rPr lang="en-US" sz="2000" dirty="0"/>
+              <a:t>Current USD</a:t>
+            </a:r>
+          </a:p>
+        </p:txBody>
+      </p:sp>
+      <p:sp>
+        <p:nvSpPr>
+          <p:cNvPr id="12" name="Rectangle: Rounded Corners 11">
+            <a:extLst>
+              <a:ext uri="{FF2B5EF4-FFF2-40B4-BE49-F238E27FC236}">
+                <a16:creationId xmlns:a16="http://schemas.microsoft.com/office/drawing/2014/main" id="{09CE1EF8-6239-4186-9A8E-0FE4DE185C95}"/>
+              </a:ext>
+            </a:extLst>
+          </p:cNvPr>
+          <p:cNvSpPr/>
+          <p:nvPr/>
+        </p:nvSpPr>
+        <p:spPr>
+          <a:xfrm>
+            <a:off x="7123031" y="3608928"/>
+            <a:ext cx="1178315" cy="1215324"/>
+          </a:xfrm>
+          <a:prstGeom prst="roundRect">
+            <a:avLst>
+              <a:gd name="adj" fmla="val 31440"/>
+            </a:avLst>
+          </a:prstGeom>
+          <a:solidFill>
+            <a:schemeClr val="tx2">
+              <a:lumMod val="60000"/>
+              <a:lumOff val="40000"/>
+            </a:schemeClr>
+          </a:solidFill>
+          <a:ln w="28575">
+            <a:solidFill>
+              <a:schemeClr val="accent2">
+                <a:lumMod val="75000"/>
+              </a:schemeClr>
+            </a:solidFill>
+          </a:ln>
+        </p:spPr>
+        <p:style>
+          <a:lnRef idx="2">
+            <a:schemeClr val="accent1">
+              <a:shade val="50000"/>
+            </a:schemeClr>
+          </a:lnRef>
+          <a:fillRef idx="1">
+            <a:schemeClr val="accent1"/>
+          </a:fillRef>
+          <a:effectRef idx="0">
+            <a:schemeClr val="accent1"/>
+          </a:effectRef>
+          <a:fontRef idx="minor">
+            <a:schemeClr val="lt1"/>
+          </a:fontRef>
+        </p:style>
+        <p:txBody>
+          <a:bodyPr rtlCol="0" anchor="ctr"/>
+          <a:lstStyle/>
+          <a:p>
+            <a:pPr algn="ctr"/>
+            <a:r>
+              <a:rPr lang="en-US" sz="2000" dirty="0"/>
+              <a:t>Share of GDP</a:t>
+            </a:r>
+          </a:p>
+        </p:txBody>
+      </p:sp>
+      <p:cxnSp>
+        <p:nvCxnSpPr>
+          <p:cNvPr id="13" name="Straight Connector 12">
+            <a:extLst>
+              <a:ext uri="{FF2B5EF4-FFF2-40B4-BE49-F238E27FC236}">
+                <a16:creationId xmlns:a16="http://schemas.microsoft.com/office/drawing/2014/main" id="{89841CDA-61BA-4BE1-BB0D-DC69EABC9AF9}"/>
+              </a:ext>
+            </a:extLst>
+          </p:cNvPr>
+          <p:cNvCxnSpPr/>
+          <p:nvPr/>
+        </p:nvCxnSpPr>
+        <p:spPr>
+          <a:xfrm>
+            <a:off x="5916693" y="3433060"/>
+            <a:ext cx="2286000" cy="0"/>
+          </a:xfrm>
+          <a:prstGeom prst="line">
+            <a:avLst/>
+          </a:prstGeom>
+          <a:ln w="28575">
+            <a:solidFill>
+              <a:schemeClr val="bg1"/>
+            </a:solidFill>
+          </a:ln>
+        </p:spPr>
+        <p:style>
+          <a:lnRef idx="1">
+            <a:schemeClr val="accent1"/>
+          </a:lnRef>
+          <a:fillRef idx="0">
+            <a:schemeClr val="accent1"/>
+          </a:fillRef>
+          <a:effectRef idx="0">
+            <a:schemeClr val="accent1"/>
+          </a:effectRef>
+          <a:fontRef idx="minor">
+            <a:schemeClr val="tx1"/>
+          </a:fontRef>
+        </p:style>
+      </p:cxnSp>
+      <p:sp>
+        <p:nvSpPr>
+          <p:cNvPr id="14" name="TextBox 13">
+            <a:extLst>
+              <a:ext uri="{FF2B5EF4-FFF2-40B4-BE49-F238E27FC236}">
+                <a16:creationId xmlns:a16="http://schemas.microsoft.com/office/drawing/2014/main" id="{E4CCB745-4F3F-4FFF-8C3C-3FF5F817515D}"/>
+              </a:ext>
+            </a:extLst>
+          </p:cNvPr>
+          <p:cNvSpPr txBox="1"/>
+          <p:nvPr/>
+        </p:nvSpPr>
+        <p:spPr>
+          <a:xfrm>
+            <a:off x="611599" y="2934952"/>
+            <a:ext cx="2899189" cy="3108543"/>
+          </a:xfrm>
+          <a:prstGeom prst="rect">
+            <a:avLst/>
+          </a:prstGeom>
+          <a:noFill/>
+        </p:spPr>
+        <p:txBody>
+          <a:bodyPr wrap="square" rtlCol="0">
+            <a:spAutoFit/>
+          </a:bodyPr>
+          <a:lstStyle/>
+          <a:p>
+            <a:pPr marL="285750" indent="-285750">
+              <a:buClr>
+                <a:schemeClr val="accent2"/>
+              </a:buClr>
+              <a:buFont typeface="Arial" panose="020B0604020202020204" pitchFamily="34" charset="0"/>
+              <a:buChar char="•"/>
+            </a:pPr>
+            <a:r>
+              <a:rPr lang="en-US" sz="2800" dirty="0"/>
+              <a:t>Started with Military Expenditure</a:t>
+            </a:r>
+          </a:p>
+          <a:p>
+            <a:pPr marL="285750" indent="-285750">
+              <a:buClr>
+                <a:schemeClr val="accent2"/>
+              </a:buClr>
+              <a:buFont typeface="Arial" panose="020B0604020202020204" pitchFamily="34" charset="0"/>
+              <a:buChar char="•"/>
+            </a:pPr>
+            <a:r>
+              <a:rPr lang="en-US" sz="2800" dirty="0"/>
+              <a:t>Searched for data to explain what militaries spend money on</a:t>
+            </a:r>
+          </a:p>
+        </p:txBody>
+      </p:sp>
+      <p:sp>
+        <p:nvSpPr>
+          <p:cNvPr id="17" name="Title 1">
+            <a:extLst>
+              <a:ext uri="{FF2B5EF4-FFF2-40B4-BE49-F238E27FC236}">
+                <a16:creationId xmlns:a16="http://schemas.microsoft.com/office/drawing/2014/main" id="{E9031A0E-2601-4E2A-8EBE-9871F35B721F}"/>
+              </a:ext>
+            </a:extLst>
+          </p:cNvPr>
+          <p:cNvSpPr txBox="1">
+            <a:spLocks/>
+          </p:cNvSpPr>
+          <p:nvPr/>
+        </p:nvSpPr>
+        <p:spPr>
+          <a:xfrm>
+            <a:off x="838200" y="1412488"/>
+            <a:ext cx="2899189" cy="4363844"/>
+          </a:xfrm>
+          <a:prstGeom prst="rect">
+            <a:avLst/>
+          </a:prstGeom>
+        </p:spPr>
+        <p:txBody>
+          <a:bodyPr vert="horz" lIns="91440" tIns="45720" rIns="91440" bIns="45720" rtlCol="0" anchor="t">
+            <a:normAutofit/>
+          </a:bodyPr>
+          <a:lstStyle>
+            <a:lvl1pPr algn="l" defTabSz="914400" rtl="0" eaLnBrk="1" latinLnBrk="0" hangingPunct="1">
+              <a:lnSpc>
+                <a:spcPct val="90000"/>
+              </a:lnSpc>
+              <a:spcBef>
+                <a:spcPct val="0"/>
+              </a:spcBef>
+              <a:buNone/>
+              <a:defRPr sz="4400" kern="1200">
+                <a:solidFill>
+                  <a:schemeClr val="tx1"/>
+                </a:solidFill>
+                <a:latin typeface="+mj-lt"/>
+                <a:ea typeface="+mj-ea"/>
+                <a:cs typeface="+mj-cs"/>
+              </a:defRPr>
+            </a:lvl1pPr>
+          </a:lstStyle>
+          <a:p>
+            <a:r>
+              <a:rPr lang="en-US" sz="4000" b="1" dirty="0">
+                <a:solidFill>
+                  <a:schemeClr val="accent2"/>
+                </a:solidFill>
+              </a:rPr>
+              <a:t>Dataset Background</a:t>
+            </a:r>
+            <a:endParaRPr lang="en-US" sz="4000" dirty="0">
+              <a:solidFill>
+                <a:schemeClr val="accent2"/>
+              </a:solidFill>
+            </a:endParaRPr>
+          </a:p>
+        </p:txBody>
+      </p:sp>
+    </p:spTree>
+    <p:extLst>
+      <p:ext uri="{BB962C8B-B14F-4D97-AF65-F5344CB8AC3E}">
+        <p14:creationId xmlns:p14="http://schemas.microsoft.com/office/powerpoint/2010/main" val="3433116612"/>
+      </p:ext>
+    </p:extLst>
+  </p:cSld>
+  <p:clrMapOvr>
+    <a:masterClrMapping/>
+  </p:clrMapOvr>
+</p:sld>
+</file>
+
+<file path=ppt/slides/slide3.xml><?xml version="1.0" encoding="utf-8"?>
 <p:sld xmlns:a="http://schemas.openxmlformats.org/drawingml/2006/main" xmlns:r="http://schemas.openxmlformats.org/officeDocument/2006/relationships" xmlns:p="http://schemas.openxmlformats.org/presentationml/2006/main">
   <p:cSld>
     <p:spTree>
@@ -9983,7 +14326,7 @@
           <p:nvPr>
             <p:extLst>
               <p:ext uri="{D42A27DB-BD31-4B8C-83A1-F6EECF244321}">
-                <p14:modId xmlns:p14="http://schemas.microsoft.com/office/powerpoint/2010/main" val="1837058014"/>
+                <p14:modId xmlns:p14="http://schemas.microsoft.com/office/powerpoint/2010/main" val="2002794902"/>
               </p:ext>
             </p:extLst>
           </p:nvPr>
@@ -10052,8 +14395,16 @@
                     </a:p>
                   </a:txBody>
                   <a:tcPr>
-                    <a:lnL w="12700" cmpd="sng">
-                      <a:noFill/>
+                    <a:lnL w="12700" cap="flat" cmpd="sng" algn="ctr">
+                      <a:solidFill>
+                        <a:schemeClr val="bg1">
+                          <a:lumMod val="65000"/>
+                        </a:schemeClr>
+                      </a:solidFill>
+                      <a:prstDash val="solid"/>
+                      <a:round/>
+                      <a:headEnd type="none" w="med" len="med"/>
+                      <a:tailEnd type="none" w="med" len="med"/>
                     </a:lnL>
                     <a:lnR w="28575" cap="flat" cmpd="sng" algn="ctr">
                       <a:solidFill>
@@ -10064,8 +14415,16 @@
                       <a:headEnd type="none" w="med" len="med"/>
                       <a:tailEnd type="none" w="med" len="med"/>
                     </a:lnR>
-                    <a:lnT w="12700" cmpd="sng">
-                      <a:noFill/>
+                    <a:lnT w="12700" cap="flat" cmpd="sng" algn="ctr">
+                      <a:solidFill>
+                        <a:schemeClr val="bg1">
+                          <a:lumMod val="65000"/>
+                        </a:schemeClr>
+                      </a:solidFill>
+                      <a:prstDash val="solid"/>
+                      <a:round/>
+                      <a:headEnd type="none" w="med" len="med"/>
+                      <a:tailEnd type="none" w="med" len="med"/>
                     </a:lnT>
                     <a:lnB w="28575" cap="flat" cmpd="sng" algn="ctr">
                       <a:solidFill>
@@ -10137,11 +14496,27 @@
                       <a:headEnd type="none" w="med" len="med"/>
                       <a:tailEnd type="none" w="med" len="med"/>
                     </a:lnL>
-                    <a:lnR w="12700" cmpd="sng">
-                      <a:noFill/>
+                    <a:lnR w="12700" cap="flat" cmpd="sng" algn="ctr">
+                      <a:solidFill>
+                        <a:schemeClr val="bg1">
+                          <a:lumMod val="65000"/>
+                        </a:schemeClr>
+                      </a:solidFill>
+                      <a:prstDash val="solid"/>
+                      <a:round/>
+                      <a:headEnd type="none" w="med" len="med"/>
+                      <a:tailEnd type="none" w="med" len="med"/>
                     </a:lnR>
-                    <a:lnT w="12700" cmpd="sng">
-                      <a:noFill/>
+                    <a:lnT w="12700" cap="flat" cmpd="sng" algn="ctr">
+                      <a:solidFill>
+                        <a:schemeClr val="bg1">
+                          <a:lumMod val="65000"/>
+                        </a:schemeClr>
+                      </a:solidFill>
+                      <a:prstDash val="solid"/>
+                      <a:round/>
+                      <a:headEnd type="none" w="med" len="med"/>
+                      <a:tailEnd type="none" w="med" len="med"/>
                     </a:lnT>
                     <a:lnB w="28575" cap="flat" cmpd="sng" algn="ctr">
                       <a:solidFill>
@@ -10256,8 +14631,16 @@
                     </a:p>
                   </a:txBody>
                   <a:tcPr>
-                    <a:lnL w="12700" cmpd="sng">
-                      <a:noFill/>
+                    <a:lnL w="12700" cap="flat" cmpd="sng" algn="ctr">
+                      <a:solidFill>
+                        <a:schemeClr val="bg1">
+                          <a:lumMod val="65000"/>
+                        </a:schemeClr>
+                      </a:solidFill>
+                      <a:prstDash val="solid"/>
+                      <a:round/>
+                      <a:headEnd type="none" w="med" len="med"/>
+                      <a:tailEnd type="none" w="med" len="med"/>
                     </a:lnL>
                     <a:lnR w="28575" cap="flat" cmpd="sng" algn="ctr">
                       <a:solidFill>
@@ -10277,8 +14660,16 @@
                       <a:headEnd type="none" w="med" len="med"/>
                       <a:tailEnd type="none" w="med" len="med"/>
                     </a:lnT>
-                    <a:lnB w="12700" cmpd="sng">
-                      <a:noFill/>
+                    <a:lnB w="12700" cap="flat" cmpd="sng" algn="ctr">
+                      <a:solidFill>
+                        <a:schemeClr val="bg1">
+                          <a:lumMod val="65000"/>
+                        </a:schemeClr>
+                      </a:solidFill>
+                      <a:prstDash val="solid"/>
+                      <a:round/>
+                      <a:headEnd type="none" w="med" len="med"/>
+                      <a:tailEnd type="none" w="med" len="med"/>
                     </a:lnB>
                     <a:lnTlToBr w="12700" cmpd="sng">
                       <a:noFill/>
@@ -10315,7 +14706,7 @@
                             <a:schemeClr val="tx1"/>
                           </a:solidFill>
                         </a:rPr>
-                        <a:t>Global Fire Power</a:t>
+                        <a:t>Global Firepower</a:t>
                       </a:r>
                     </a:p>
                   </a:txBody>
@@ -10329,8 +14720,16 @@
                       <a:headEnd type="none" w="med" len="med"/>
                       <a:tailEnd type="none" w="med" len="med"/>
                     </a:lnL>
-                    <a:lnR w="12700" cmpd="sng">
-                      <a:noFill/>
+                    <a:lnR w="12700" cap="flat" cmpd="sng" algn="ctr">
+                      <a:solidFill>
+                        <a:schemeClr val="bg1">
+                          <a:lumMod val="65000"/>
+                        </a:schemeClr>
+                      </a:solidFill>
+                      <a:prstDash val="solid"/>
+                      <a:round/>
+                      <a:headEnd type="none" w="med" len="med"/>
+                      <a:tailEnd type="none" w="med" len="med"/>
                     </a:lnR>
                     <a:lnT w="28575" cap="flat" cmpd="sng" algn="ctr">
                       <a:solidFill>
@@ -10341,8 +14740,16 @@
                       <a:headEnd type="none" w="med" len="med"/>
                       <a:tailEnd type="none" w="med" len="med"/>
                     </a:lnT>
-                    <a:lnB w="12700" cmpd="sng">
-                      <a:noFill/>
+                    <a:lnB w="12700" cap="flat" cmpd="sng" algn="ctr">
+                      <a:solidFill>
+                        <a:schemeClr val="bg1">
+                          <a:lumMod val="65000"/>
+                        </a:schemeClr>
+                      </a:solidFill>
+                      <a:prstDash val="solid"/>
+                      <a:round/>
+                      <a:headEnd type="none" w="med" len="med"/>
+                      <a:tailEnd type="none" w="med" len="med"/>
                     </a:lnB>
                     <a:lnTlToBr w="12700" cmpd="sng">
                       <a:noFill/>
@@ -10699,288 +15106,6 @@
 </p:sld>
 </file>
 
-<file path=ppt/slides/slide3.xml><?xml version="1.0" encoding="utf-8"?>
-<p:sld xmlns:a="http://schemas.openxmlformats.org/drawingml/2006/main" xmlns:r="http://schemas.openxmlformats.org/officeDocument/2006/relationships" xmlns:p="http://schemas.openxmlformats.org/presentationml/2006/main">
-  <p:cSld>
-    <p:spTree>
-      <p:nvGrpSpPr>
-        <p:cNvPr id="1" name=""/>
-        <p:cNvGrpSpPr/>
-        <p:nvPr/>
-      </p:nvGrpSpPr>
-      <p:grpSpPr>
-        <a:xfrm>
-          <a:off x="0" y="0"/>
-          <a:ext cx="0" cy="0"/>
-          <a:chOff x="0" y="0"/>
-          <a:chExt cx="0" cy="0"/>
-        </a:xfrm>
-      </p:grpSpPr>
-      <p:sp>
-        <p:nvSpPr>
-          <p:cNvPr id="2" name="Title 1">
-            <a:extLst>
-              <a:ext uri="{FF2B5EF4-FFF2-40B4-BE49-F238E27FC236}">
-                <a16:creationId xmlns:a16="http://schemas.microsoft.com/office/drawing/2014/main" id="{22E18DAA-9F17-4DB9-A958-2F06D429CEC8}"/>
-              </a:ext>
-            </a:extLst>
-          </p:cNvPr>
-          <p:cNvSpPr>
-            <a:spLocks noGrp="1"/>
-          </p:cNvSpPr>
-          <p:nvPr>
-            <p:ph type="title"/>
-          </p:nvPr>
-        </p:nvSpPr>
-        <p:spPr>
-          <a:xfrm>
-            <a:off x="838200" y="365125"/>
-            <a:ext cx="10515600" cy="1325563"/>
-          </a:xfrm>
-        </p:spPr>
-        <p:txBody>
-          <a:bodyPr/>
-          <a:lstStyle/>
-          <a:p>
-            <a:r>
-              <a:rPr lang="en-US" b="1">
-                <a:solidFill>
-                  <a:schemeClr val="accent2"/>
-                </a:solidFill>
-              </a:rPr>
-              <a:t>Dataset Background</a:t>
-            </a:r>
-            <a:endParaRPr lang="en-US" b="1" dirty="0">
-              <a:solidFill>
-                <a:schemeClr val="accent2"/>
-              </a:solidFill>
-            </a:endParaRPr>
-          </a:p>
-        </p:txBody>
-      </p:sp>
-      <p:graphicFrame>
-        <p:nvGraphicFramePr>
-          <p:cNvPr id="7" name="Table 6">
-            <a:extLst>
-              <a:ext uri="{FF2B5EF4-FFF2-40B4-BE49-F238E27FC236}">
-                <a16:creationId xmlns:a16="http://schemas.microsoft.com/office/drawing/2014/main" id="{810D6983-E764-4165-A794-91B722C66AA4}"/>
-              </a:ext>
-            </a:extLst>
-          </p:cNvPr>
-          <p:cNvGraphicFramePr>
-            <a:graphicFrameLocks noGrp="1"/>
-          </p:cNvGraphicFramePr>
-          <p:nvPr>
-            <p:extLst>
-              <p:ext uri="{D42A27DB-BD31-4B8C-83A1-F6EECF244321}">
-                <p14:modId xmlns:p14="http://schemas.microsoft.com/office/powerpoint/2010/main" val="2598864496"/>
-              </p:ext>
-            </p:extLst>
-          </p:nvPr>
-        </p:nvGraphicFramePr>
-        <p:xfrm>
-          <a:off x="1883139" y="1705817"/>
-          <a:ext cx="8425721" cy="4556870"/>
-        </p:xfrm>
-        <a:graphic>
-          <a:graphicData uri="http://schemas.openxmlformats.org/drawingml/2006/table">
-            <a:tbl>
-              <a:tblPr firstCol="1" bandRow="1">
-                <a:tableStyleId>{21E4AEA4-8DFA-4A89-87EB-49C32662AFE0}</a:tableStyleId>
-              </a:tblPr>
-              <a:tblGrid>
-                <a:gridCol w="1793247">
-                  <a:extLst>
-                    <a:ext uri="{9D8B030D-6E8A-4147-A177-3AD203B41FA5}">
-                      <a16:colId xmlns:a16="http://schemas.microsoft.com/office/drawing/2014/main" val="3435240908"/>
-                    </a:ext>
-                  </a:extLst>
-                </a:gridCol>
-                <a:gridCol w="6632474">
-                  <a:extLst>
-                    <a:ext uri="{9D8B030D-6E8A-4147-A177-3AD203B41FA5}">
-                      <a16:colId xmlns:a16="http://schemas.microsoft.com/office/drawing/2014/main" val="3401066008"/>
-                    </a:ext>
-                  </a:extLst>
-                </a:gridCol>
-              </a:tblGrid>
-              <a:tr h="911374">
-                <a:tc>
-                  <a:txBody>
-                    <a:bodyPr/>
-                    <a:lstStyle/>
-                    <a:p>
-                      <a:pPr algn="ctr"/>
-                      <a:r>
-                        <a:rPr lang="en-US"/>
-                        <a:t>Current USD</a:t>
-                      </a:r>
-                      <a:endParaRPr lang="en-US" dirty="0"/>
-                    </a:p>
-                  </a:txBody>
-                  <a:tcPr anchor="ctr"/>
-                </a:tc>
-                <a:tc>
-                  <a:txBody>
-                    <a:bodyPr/>
-                    <a:lstStyle/>
-                    <a:p>
-                      <a:endParaRPr lang="en-US" dirty="0"/>
-                    </a:p>
-                  </a:txBody>
-                  <a:tcPr/>
-                </a:tc>
-                <a:extLst>
-                  <a:ext uri="{0D108BD9-81ED-4DB2-BD59-A6C34878D82A}">
-                    <a16:rowId xmlns:a16="http://schemas.microsoft.com/office/drawing/2014/main" val="742080406"/>
-                  </a:ext>
-                </a:extLst>
-              </a:tr>
-              <a:tr h="911374">
-                <a:tc>
-                  <a:txBody>
-                    <a:bodyPr/>
-                    <a:lstStyle/>
-                    <a:p>
-                      <a:pPr algn="ctr"/>
-                      <a:r>
-                        <a:rPr lang="en-US"/>
-                        <a:t>Share of GDP</a:t>
-                      </a:r>
-                      <a:endParaRPr lang="en-US" dirty="0"/>
-                    </a:p>
-                  </a:txBody>
-                  <a:tcPr anchor="ctr"/>
-                </a:tc>
-                <a:tc>
-                  <a:txBody>
-                    <a:bodyPr/>
-                    <a:lstStyle/>
-                    <a:p>
-                      <a:endParaRPr lang="en-US" dirty="0"/>
-                    </a:p>
-                  </a:txBody>
-                  <a:tcPr/>
-                </a:tc>
-                <a:extLst>
-                  <a:ext uri="{0D108BD9-81ED-4DB2-BD59-A6C34878D82A}">
-                    <a16:rowId xmlns:a16="http://schemas.microsoft.com/office/drawing/2014/main" val="1852151826"/>
-                  </a:ext>
-                </a:extLst>
-              </a:tr>
-              <a:tr h="911374">
-                <a:tc>
-                  <a:txBody>
-                    <a:bodyPr/>
-                    <a:lstStyle/>
-                    <a:p>
-                      <a:pPr algn="ctr"/>
-                      <a:r>
-                        <a:rPr lang="en-US"/>
-                        <a:t>Arms Imported</a:t>
-                      </a:r>
-                      <a:endParaRPr lang="en-US" dirty="0"/>
-                    </a:p>
-                  </a:txBody>
-                  <a:tcPr anchor="ctr"/>
-                </a:tc>
-                <a:tc>
-                  <a:txBody>
-                    <a:bodyPr/>
-                    <a:lstStyle/>
-                    <a:p>
-                      <a:endParaRPr lang="en-US" dirty="0"/>
-                    </a:p>
-                  </a:txBody>
-                  <a:tcPr/>
-                </a:tc>
-                <a:extLst>
-                  <a:ext uri="{0D108BD9-81ED-4DB2-BD59-A6C34878D82A}">
-                    <a16:rowId xmlns:a16="http://schemas.microsoft.com/office/drawing/2014/main" val="3294090674"/>
-                  </a:ext>
-                </a:extLst>
-              </a:tr>
-              <a:tr h="911374">
-                <a:tc>
-                  <a:txBody>
-                    <a:bodyPr/>
-                    <a:lstStyle/>
-                    <a:p>
-                      <a:pPr algn="ctr"/>
-                      <a:r>
-                        <a:rPr lang="en-US"/>
-                        <a:t>Military Personnel</a:t>
-                      </a:r>
-                      <a:endParaRPr lang="en-US" dirty="0"/>
-                    </a:p>
-                  </a:txBody>
-                  <a:tcPr anchor="ctr"/>
-                </a:tc>
-                <a:tc>
-                  <a:txBody>
-                    <a:bodyPr/>
-                    <a:lstStyle/>
-                    <a:p>
-                      <a:endParaRPr lang="en-US" dirty="0"/>
-                    </a:p>
-                  </a:txBody>
-                  <a:tcPr/>
-                </a:tc>
-                <a:extLst>
-                  <a:ext uri="{0D108BD9-81ED-4DB2-BD59-A6C34878D82A}">
-                    <a16:rowId xmlns:a16="http://schemas.microsoft.com/office/drawing/2014/main" val="3304147758"/>
-                  </a:ext>
-                </a:extLst>
-              </a:tr>
-              <a:tr h="911374">
-                <a:tc>
-                  <a:txBody>
-                    <a:bodyPr/>
-                    <a:lstStyle/>
-                    <a:p>
-                      <a:pPr algn="ctr"/>
-                      <a:r>
-                        <a:rPr lang="en-US"/>
-                        <a:t>Global Fire Power</a:t>
-                      </a:r>
-                      <a:endParaRPr lang="en-US" dirty="0"/>
-                    </a:p>
-                  </a:txBody>
-                  <a:tcPr anchor="ctr"/>
-                </a:tc>
-                <a:tc>
-                  <a:txBody>
-                    <a:bodyPr/>
-                    <a:lstStyle/>
-                    <a:p>
-                      <a:endParaRPr lang="en-US" dirty="0"/>
-                    </a:p>
-                  </a:txBody>
-                  <a:tcPr/>
-                </a:tc>
-                <a:extLst>
-                  <a:ext uri="{0D108BD9-81ED-4DB2-BD59-A6C34878D82A}">
-                    <a16:rowId xmlns:a16="http://schemas.microsoft.com/office/drawing/2014/main" val="1659618956"/>
-                  </a:ext>
-                </a:extLst>
-              </a:tr>
-            </a:tbl>
-          </a:graphicData>
-        </a:graphic>
-      </p:graphicFrame>
-    </p:spTree>
-    <p:extLst>
-      <p:ext uri="{BB962C8B-B14F-4D97-AF65-F5344CB8AC3E}">
-        <p14:creationId xmlns:p14="http://schemas.microsoft.com/office/powerpoint/2010/main" val="3306243330"/>
-      </p:ext>
-    </p:extLst>
-  </p:cSld>
-  <p:clrMapOvr>
-    <a:masterClrMapping/>
-  </p:clrMapOvr>
-</p:sld>
-</file>
-
 <file path=ppt/slides/slide4.xml><?xml version="1.0" encoding="utf-8"?>
 <p:sld xmlns:a="http://schemas.openxmlformats.org/drawingml/2006/main" xmlns:r="http://schemas.openxmlformats.org/officeDocument/2006/relationships" xmlns:p="http://schemas.openxmlformats.org/presentationml/2006/main">
   <p:cSld>
@@ -11035,13 +15160,7 @@
           <a:lstStyle/>
           <a:p>
             <a:r>
-              <a:rPr lang="en-US" b="1" dirty="0">
-                <a:solidFill>
-                  <a:schemeClr val="bg2">
-                    <a:lumMod val="25000"/>
-                  </a:schemeClr>
-                </a:solidFill>
-              </a:rPr>
+              <a:rPr lang="en-US" b="1" dirty="0"/>
               <a:t>Cleaning the Data</a:t>
             </a:r>
           </a:p>
@@ -11501,6 +15620,100 @@
           </a:p>
         </p:txBody>
       </p:sp>
+      <p:pic>
+        <p:nvPicPr>
+          <p:cNvPr id="1026" name="Picture 2">
+            <a:extLst>
+              <a:ext uri="{FF2B5EF4-FFF2-40B4-BE49-F238E27FC236}">
+                <a16:creationId xmlns:a16="http://schemas.microsoft.com/office/drawing/2014/main" id="{8D973405-A0C2-4858-90C0-170D1B3CA7DE}"/>
+              </a:ext>
+            </a:extLst>
+          </p:cNvPr>
+          <p:cNvPicPr>
+            <a:picLocks noChangeAspect="1" noChangeArrowheads="1"/>
+          </p:cNvPicPr>
+          <p:nvPr/>
+        </p:nvPicPr>
+        <p:blipFill>
+          <a:blip r:embed="rId2">
+            <a:extLst>
+              <a:ext uri="{28A0092B-C50C-407E-A947-70E740481C1C}">
+                <a14:useLocalDpi xmlns:a14="http://schemas.microsoft.com/office/drawing/2010/main" val="0"/>
+              </a:ext>
+            </a:extLst>
+          </a:blip>
+          <a:srcRect/>
+          <a:stretch>
+            <a:fillRect/>
+          </a:stretch>
+        </p:blipFill>
+        <p:spPr bwMode="auto">
+          <a:xfrm>
+            <a:off x="444595" y="2578928"/>
+            <a:ext cx="5537105" cy="3955075"/>
+          </a:xfrm>
+          <a:prstGeom prst="rect">
+            <a:avLst/>
+          </a:prstGeom>
+          <a:noFill/>
+          <a:extLst>
+            <a:ext uri="{909E8E84-426E-40DD-AFC4-6F175D3DCCD1}">
+              <a14:hiddenFill xmlns:a14="http://schemas.microsoft.com/office/drawing/2010/main">
+                <a:solidFill>
+                  <a:srgbClr val="FFFFFF"/>
+                </a:solidFill>
+              </a14:hiddenFill>
+            </a:ext>
+          </a:extLst>
+        </p:spPr>
+      </p:pic>
+      <p:pic>
+        <p:nvPicPr>
+          <p:cNvPr id="1028" name="Picture 4">
+            <a:extLst>
+              <a:ext uri="{FF2B5EF4-FFF2-40B4-BE49-F238E27FC236}">
+                <a16:creationId xmlns:a16="http://schemas.microsoft.com/office/drawing/2014/main" id="{426D1FCF-75A8-401B-9F2C-85A4026EF1B9}"/>
+              </a:ext>
+            </a:extLst>
+          </p:cNvPr>
+          <p:cNvPicPr>
+            <a:picLocks noChangeAspect="1" noChangeArrowheads="1"/>
+          </p:cNvPicPr>
+          <p:nvPr/>
+        </p:nvPicPr>
+        <p:blipFill>
+          <a:blip r:embed="rId3">
+            <a:extLst>
+              <a:ext uri="{28A0092B-C50C-407E-A947-70E740481C1C}">
+                <a14:useLocalDpi xmlns:a14="http://schemas.microsoft.com/office/drawing/2010/main" val="0"/>
+              </a:ext>
+            </a:extLst>
+          </a:blip>
+          <a:srcRect/>
+          <a:stretch>
+            <a:fillRect/>
+          </a:stretch>
+        </p:blipFill>
+        <p:spPr bwMode="auto">
+          <a:xfrm>
+            <a:off x="6375305" y="2578929"/>
+            <a:ext cx="5537105" cy="3955075"/>
+          </a:xfrm>
+          <a:prstGeom prst="rect">
+            <a:avLst/>
+          </a:prstGeom>
+          <a:noFill/>
+          <a:extLst>
+            <a:ext uri="{909E8E84-426E-40DD-AFC4-6F175D3DCCD1}">
+              <a14:hiddenFill xmlns:a14="http://schemas.microsoft.com/office/drawing/2010/main">
+                <a:solidFill>
+                  <a:srgbClr val="FFFFFF"/>
+                </a:solidFill>
+              </a14:hiddenFill>
+            </a:ext>
+          </a:extLst>
+        </p:spPr>
+      </p:pic>
     </p:spTree>
     <p:extLst>
       <p:ext uri="{BB962C8B-B14F-4D97-AF65-F5344CB8AC3E}">
@@ -11536,7 +15749,7 @@
           <p:cNvPr id="2" name="Title 1">
             <a:extLst>
               <a:ext uri="{FF2B5EF4-FFF2-40B4-BE49-F238E27FC236}">
-                <a16:creationId xmlns:a16="http://schemas.microsoft.com/office/drawing/2014/main" id="{CA336177-8AA1-472A-9D6D-E3BD71CC1FEA}"/>
+                <a16:creationId xmlns:a16="http://schemas.microsoft.com/office/drawing/2014/main" id="{526A3CA2-21AC-4BBC-AFC6-5E08A0935D9B}"/>
               </a:ext>
             </a:extLst>
           </p:cNvPr>
@@ -11554,43 +15767,62 @@
           <a:p>
             <a:r>
               <a:rPr lang="en-US" dirty="0"/>
-              <a:t>Plot 2</a:t>
+              <a:t>Expenditure World Map</a:t>
             </a:r>
           </a:p>
         </p:txBody>
       </p:sp>
-      <p:sp>
-        <p:nvSpPr>
-          <p:cNvPr id="3" name="Content Placeholder 2">
+      <p:pic>
+        <p:nvPicPr>
+          <p:cNvPr id="10242" name="Picture 2">
             <a:extLst>
               <a:ext uri="{FF2B5EF4-FFF2-40B4-BE49-F238E27FC236}">
-                <a16:creationId xmlns:a16="http://schemas.microsoft.com/office/drawing/2014/main" id="{7AE0B1F3-AC22-4B5E-8DC3-40674FE1B176}"/>
+                <a16:creationId xmlns:a16="http://schemas.microsoft.com/office/drawing/2014/main" id="{88963C1D-D9B1-489C-A091-E9C8234E42D8}"/>
               </a:ext>
             </a:extLst>
           </p:cNvPr>
-          <p:cNvSpPr>
-            <a:spLocks noGrp="1"/>
-          </p:cNvSpPr>
-          <p:nvPr>
-            <p:ph idx="1"/>
-          </p:nvPr>
-        </p:nvSpPr>
-        <p:spPr/>
-        <p:txBody>
-          <a:bodyPr/>
-          <a:lstStyle/>
-          <a:p>
-            <a:r>
-              <a:rPr lang="en-US" dirty="0"/>
-              <a:t>Military Expenditure % GDP</a:t>
-            </a:r>
-          </a:p>
-        </p:txBody>
-      </p:sp>
+          <p:cNvPicPr>
+            <a:picLocks noChangeAspect="1" noChangeArrowheads="1"/>
+          </p:cNvPicPr>
+          <p:nvPr/>
+        </p:nvPicPr>
+        <p:blipFill>
+          <a:blip r:embed="rId2">
+            <a:extLst>
+              <a:ext uri="{28A0092B-C50C-407E-A947-70E740481C1C}">
+                <a14:useLocalDpi xmlns:a14="http://schemas.microsoft.com/office/drawing/2010/main" val="0"/>
+              </a:ext>
+            </a:extLst>
+          </a:blip>
+          <a:srcRect/>
+          <a:stretch>
+            <a:fillRect/>
+          </a:stretch>
+        </p:blipFill>
+        <p:spPr bwMode="auto">
+          <a:xfrm>
+            <a:off x="2261507" y="1380153"/>
+            <a:ext cx="7668986" cy="5477847"/>
+          </a:xfrm>
+          <a:prstGeom prst="rect">
+            <a:avLst/>
+          </a:prstGeom>
+          <a:noFill/>
+          <a:extLst>
+            <a:ext uri="{909E8E84-426E-40DD-AFC4-6F175D3DCCD1}">
+              <a14:hiddenFill xmlns:a14="http://schemas.microsoft.com/office/drawing/2010/main">
+                <a:solidFill>
+                  <a:srgbClr val="FFFFFF"/>
+                </a:solidFill>
+              </a14:hiddenFill>
+            </a:ext>
+          </a:extLst>
+        </p:spPr>
+      </p:pic>
     </p:spTree>
     <p:extLst>
       <p:ext uri="{BB962C8B-B14F-4D97-AF65-F5344CB8AC3E}">
-        <p14:creationId xmlns:p14="http://schemas.microsoft.com/office/powerpoint/2010/main" val="3024069609"/>
+        <p14:creationId xmlns:p14="http://schemas.microsoft.com/office/powerpoint/2010/main" val="1449762762"/>
       </p:ext>
     </p:extLst>
   </p:cSld>
@@ -11622,7 +15854,7 @@
           <p:cNvPr id="2" name="Title 1">
             <a:extLst>
               <a:ext uri="{FF2B5EF4-FFF2-40B4-BE49-F238E27FC236}">
-                <a16:creationId xmlns:a16="http://schemas.microsoft.com/office/drawing/2014/main" id="{DB9552A2-306D-4359-B9E3-C3A92E51388E}"/>
+                <a16:creationId xmlns:a16="http://schemas.microsoft.com/office/drawing/2014/main" id="{CA336177-8AA1-472A-9D6D-E3BD71CC1FEA}"/>
               </a:ext>
             </a:extLst>
           </p:cNvPr>
@@ -11633,15 +15865,21 @@
             <p:ph type="title"/>
           </p:nvPr>
         </p:nvSpPr>
-        <p:spPr/>
+        <p:spPr>
+          <a:xfrm>
+            <a:off x="838200" y="365125"/>
+            <a:ext cx="10515600" cy="1325563"/>
+          </a:xfrm>
+        </p:spPr>
         <p:txBody>
           <a:bodyPr/>
           <a:lstStyle/>
           <a:p>
             <a:r>
-              <a:rPr lang="en-US" dirty="0"/>
-              <a:t>Plot 3</a:t>
+              <a:rPr lang="en-US"/>
+              <a:t>Plot 2</a:t>
             </a:r>
+            <a:endParaRPr lang="en-US" dirty="0"/>
           </a:p>
         </p:txBody>
       </p:sp>
@@ -11650,7 +15888,7 @@
           <p:cNvPr id="3" name="Content Placeholder 2">
             <a:extLst>
               <a:ext uri="{FF2B5EF4-FFF2-40B4-BE49-F238E27FC236}">
-                <a16:creationId xmlns:a16="http://schemas.microsoft.com/office/drawing/2014/main" id="{75B9D7EA-DDC4-45D9-9C78-452EA3229C61}"/>
+                <a16:creationId xmlns:a16="http://schemas.microsoft.com/office/drawing/2014/main" id="{7AE0B1F3-AC22-4B5E-8DC3-40674FE1B176}"/>
               </a:ext>
             </a:extLst>
           </p:cNvPr>
@@ -11661,22 +15899,122 @@
             <p:ph idx="1"/>
           </p:nvPr>
         </p:nvSpPr>
-        <p:spPr/>
+        <p:spPr>
+          <a:xfrm>
+            <a:off x="838200" y="1825625"/>
+            <a:ext cx="10515600" cy="4351338"/>
+          </a:xfrm>
+        </p:spPr>
         <p:txBody>
           <a:bodyPr/>
           <a:lstStyle/>
           <a:p>
             <a:r>
-              <a:rPr lang="en-US" dirty="0"/>
-              <a:t>Military Personnel</a:t>
+              <a:rPr lang="en-US"/>
+              <a:t>Military Expenditure % GDP</a:t>
             </a:r>
+            <a:endParaRPr lang="en-US" dirty="0"/>
           </a:p>
         </p:txBody>
       </p:sp>
+      <p:pic>
+        <p:nvPicPr>
+          <p:cNvPr id="2050" name="Picture 2">
+            <a:extLst>
+              <a:ext uri="{FF2B5EF4-FFF2-40B4-BE49-F238E27FC236}">
+                <a16:creationId xmlns:a16="http://schemas.microsoft.com/office/drawing/2014/main" id="{89BF19A1-3995-4142-B977-B8F307DADC83}"/>
+              </a:ext>
+            </a:extLst>
+          </p:cNvPr>
+          <p:cNvPicPr>
+            <a:picLocks noChangeAspect="1" noChangeArrowheads="1"/>
+          </p:cNvPicPr>
+          <p:nvPr/>
+        </p:nvPicPr>
+        <p:blipFill>
+          <a:blip r:embed="rId2">
+            <a:extLst>
+              <a:ext uri="{28A0092B-C50C-407E-A947-70E740481C1C}">
+                <a14:useLocalDpi xmlns:a14="http://schemas.microsoft.com/office/drawing/2010/main" val="0"/>
+              </a:ext>
+            </a:extLst>
+          </a:blip>
+          <a:srcRect/>
+          <a:stretch>
+            <a:fillRect/>
+          </a:stretch>
+        </p:blipFill>
+        <p:spPr bwMode="auto">
+          <a:xfrm>
+            <a:off x="299355" y="2596243"/>
+            <a:ext cx="5636260" cy="4025900"/>
+          </a:xfrm>
+          <a:prstGeom prst="rect">
+            <a:avLst/>
+          </a:prstGeom>
+          <a:noFill/>
+          <a:extLst>
+            <a:ext uri="{909E8E84-426E-40DD-AFC4-6F175D3DCCD1}">
+              <a14:hiddenFill xmlns:a14="http://schemas.microsoft.com/office/drawing/2010/main">
+                <a:solidFill>
+                  <a:srgbClr val="FFFFFF"/>
+                </a:solidFill>
+              </a14:hiddenFill>
+            </a:ext>
+          </a:extLst>
+        </p:spPr>
+      </p:pic>
+      <p:pic>
+        <p:nvPicPr>
+          <p:cNvPr id="2052" name="Picture 4">
+            <a:extLst>
+              <a:ext uri="{FF2B5EF4-FFF2-40B4-BE49-F238E27FC236}">
+                <a16:creationId xmlns:a16="http://schemas.microsoft.com/office/drawing/2014/main" id="{A3B1EF67-C1D3-438F-82CC-08DEABEB0757}"/>
+              </a:ext>
+            </a:extLst>
+          </p:cNvPr>
+          <p:cNvPicPr>
+            <a:picLocks noChangeAspect="1" noChangeArrowheads="1"/>
+          </p:cNvPicPr>
+          <p:nvPr/>
+        </p:nvPicPr>
+        <p:blipFill>
+          <a:blip r:embed="rId3">
+            <a:extLst>
+              <a:ext uri="{28A0092B-C50C-407E-A947-70E740481C1C}">
+                <a14:useLocalDpi xmlns:a14="http://schemas.microsoft.com/office/drawing/2010/main" val="0"/>
+              </a:ext>
+            </a:extLst>
+          </a:blip>
+          <a:srcRect/>
+          <a:stretch>
+            <a:fillRect/>
+          </a:stretch>
+        </p:blipFill>
+        <p:spPr bwMode="auto">
+          <a:xfrm>
+            <a:off x="6256387" y="2596243"/>
+            <a:ext cx="5636260" cy="4025900"/>
+          </a:xfrm>
+          <a:prstGeom prst="rect">
+            <a:avLst/>
+          </a:prstGeom>
+          <a:noFill/>
+          <a:extLst>
+            <a:ext uri="{909E8E84-426E-40DD-AFC4-6F175D3DCCD1}">
+              <a14:hiddenFill xmlns:a14="http://schemas.microsoft.com/office/drawing/2010/main">
+                <a:solidFill>
+                  <a:srgbClr val="FFFFFF"/>
+                </a:solidFill>
+              </a14:hiddenFill>
+            </a:ext>
+          </a:extLst>
+        </p:spPr>
+      </p:pic>
     </p:spTree>
     <p:extLst>
       <p:ext uri="{BB962C8B-B14F-4D97-AF65-F5344CB8AC3E}">
-        <p14:creationId xmlns:p14="http://schemas.microsoft.com/office/powerpoint/2010/main" val="3094659425"/>
+        <p14:creationId xmlns:p14="http://schemas.microsoft.com/office/powerpoint/2010/main" val="3024069609"/>
       </p:ext>
     </p:extLst>
   </p:cSld>
@@ -11708,7 +16046,7 @@
           <p:cNvPr id="2" name="Title 1">
             <a:extLst>
               <a:ext uri="{FF2B5EF4-FFF2-40B4-BE49-F238E27FC236}">
-                <a16:creationId xmlns:a16="http://schemas.microsoft.com/office/drawing/2014/main" id="{03C6C5C6-4008-4CCE-96B2-92FCD96BDF3D}"/>
+                <a16:creationId xmlns:a16="http://schemas.microsoft.com/office/drawing/2014/main" id="{96EFD28F-1467-4503-899C-B63DA5374466}"/>
               </a:ext>
             </a:extLst>
           </p:cNvPr>
@@ -11726,43 +16064,62 @@
           <a:p>
             <a:r>
               <a:rPr lang="en-US" dirty="0"/>
-              <a:t>Plot 4</a:t>
+              <a:t>Expenditure as share of GDP World Map</a:t>
             </a:r>
           </a:p>
         </p:txBody>
       </p:sp>
-      <p:sp>
-        <p:nvSpPr>
-          <p:cNvPr id="3" name="Content Placeholder 2">
+      <p:pic>
+        <p:nvPicPr>
+          <p:cNvPr id="11266" name="Picture 2">
             <a:extLst>
               <a:ext uri="{FF2B5EF4-FFF2-40B4-BE49-F238E27FC236}">
-                <a16:creationId xmlns:a16="http://schemas.microsoft.com/office/drawing/2014/main" id="{AB14AB32-1751-46E5-9998-D1E49BCB1EF3}"/>
+                <a16:creationId xmlns:a16="http://schemas.microsoft.com/office/drawing/2014/main" id="{4D5DF306-05FA-4FA3-80A0-FF186C202F33}"/>
               </a:ext>
             </a:extLst>
           </p:cNvPr>
-          <p:cNvSpPr>
-            <a:spLocks noGrp="1"/>
-          </p:cNvSpPr>
-          <p:nvPr>
-            <p:ph idx="1"/>
-          </p:nvPr>
-        </p:nvSpPr>
-        <p:spPr/>
-        <p:txBody>
-          <a:bodyPr/>
-          <a:lstStyle/>
-          <a:p>
-            <a:r>
-              <a:rPr lang="en-US" dirty="0"/>
-              <a:t>Military Arms Import</a:t>
-            </a:r>
-          </a:p>
-        </p:txBody>
-      </p:sp>
+          <p:cNvPicPr>
+            <a:picLocks noChangeAspect="1" noChangeArrowheads="1"/>
+          </p:cNvPicPr>
+          <p:nvPr/>
+        </p:nvPicPr>
+        <p:blipFill>
+          <a:blip r:embed="rId2">
+            <a:extLst>
+              <a:ext uri="{28A0092B-C50C-407E-A947-70E740481C1C}">
+                <a14:useLocalDpi xmlns:a14="http://schemas.microsoft.com/office/drawing/2010/main" val="0"/>
+              </a:ext>
+            </a:extLst>
+          </a:blip>
+          <a:srcRect/>
+          <a:stretch>
+            <a:fillRect/>
+          </a:stretch>
+        </p:blipFill>
+        <p:spPr bwMode="auto">
+          <a:xfrm>
+            <a:off x="2441121" y="1636745"/>
+            <a:ext cx="7309758" cy="5221255"/>
+          </a:xfrm>
+          <a:prstGeom prst="rect">
+            <a:avLst/>
+          </a:prstGeom>
+          <a:noFill/>
+          <a:extLst>
+            <a:ext uri="{909E8E84-426E-40DD-AFC4-6F175D3DCCD1}">
+              <a14:hiddenFill xmlns:a14="http://schemas.microsoft.com/office/drawing/2010/main">
+                <a:solidFill>
+                  <a:srgbClr val="FFFFFF"/>
+                </a:solidFill>
+              </a14:hiddenFill>
+            </a:ext>
+          </a:extLst>
+        </p:spPr>
+      </p:pic>
     </p:spTree>
     <p:extLst>
       <p:ext uri="{BB962C8B-B14F-4D97-AF65-F5344CB8AC3E}">
-        <p14:creationId xmlns:p14="http://schemas.microsoft.com/office/powerpoint/2010/main" val="2383074221"/>
+        <p14:creationId xmlns:p14="http://schemas.microsoft.com/office/powerpoint/2010/main" val="4181510063"/>
       </p:ext>
     </p:extLst>
   </p:cSld>

--- a/DS 202 Final Presentation.pptx
+++ b/DS 202 Final Presentation.pptx
@@ -5,7 +5,7 @@
     <p:sldMasterId id="2147483648" r:id="rId1"/>
   </p:sldMasterIdLst>
   <p:notesMasterIdLst>
-    <p:notesMasterId r:id="rId21"/>
+    <p:notesMasterId r:id="rId22"/>
   </p:notesMasterIdLst>
   <p:sldIdLst>
     <p:sldId id="263" r:id="rId2"/>
@@ -14,19 +14,20 @@
     <p:sldId id="266" r:id="rId5"/>
     <p:sldId id="288" r:id="rId6"/>
     <p:sldId id="284" r:id="rId7"/>
-    <p:sldId id="296" r:id="rId8"/>
-    <p:sldId id="285" r:id="rId9"/>
-    <p:sldId id="297" r:id="rId10"/>
-    <p:sldId id="287" r:id="rId11"/>
-    <p:sldId id="286" r:id="rId12"/>
-    <p:sldId id="295" r:id="rId13"/>
-    <p:sldId id="293" r:id="rId14"/>
-    <p:sldId id="289" r:id="rId15"/>
-    <p:sldId id="278" r:id="rId16"/>
-    <p:sldId id="279" r:id="rId17"/>
-    <p:sldId id="280" r:id="rId18"/>
-    <p:sldId id="281" r:id="rId19"/>
-    <p:sldId id="282" r:id="rId20"/>
+    <p:sldId id="300" r:id="rId8"/>
+    <p:sldId id="304" r:id="rId9"/>
+    <p:sldId id="301" r:id="rId10"/>
+    <p:sldId id="305" r:id="rId11"/>
+    <p:sldId id="302" r:id="rId12"/>
+    <p:sldId id="303" r:id="rId13"/>
+    <p:sldId id="295" r:id="rId14"/>
+    <p:sldId id="293" r:id="rId15"/>
+    <p:sldId id="289" r:id="rId16"/>
+    <p:sldId id="306" r:id="rId17"/>
+    <p:sldId id="307" r:id="rId18"/>
+    <p:sldId id="308" r:id="rId19"/>
+    <p:sldId id="309" r:id="rId20"/>
+    <p:sldId id="282" r:id="rId21"/>
   </p:sldIdLst>
   <p:sldSz cx="12192000" cy="6858000"/>
   <p:notesSz cx="6858000" cy="9144000"/>
@@ -7720,7 +7721,7 @@
           <a:p>
             <a:fld id="{3F0B4D03-AA53-4818-BA8D-F9C1505788F7}" type="datetimeFigureOut">
               <a:rPr lang="en-US" smtClean="0"/>
-              <a:t>5/4/2019</a:t>
+              <a:t>5/5/2019</a:t>
             </a:fld>
             <a:endParaRPr lang="en-US"/>
           </a:p>
@@ -8689,7 +8690,7 @@
           <a:p>
             <a:fld id="{904CBDC2-D31A-4399-9807-94C89FD2081E}" type="datetimeFigureOut">
               <a:rPr lang="en-US" smtClean="0"/>
-              <a:t>5/4/2019</a:t>
+              <a:t>5/5/2019</a:t>
             </a:fld>
             <a:endParaRPr lang="en-US"/>
           </a:p>
@@ -8887,7 +8888,7 @@
           <a:p>
             <a:fld id="{904CBDC2-D31A-4399-9807-94C89FD2081E}" type="datetimeFigureOut">
               <a:rPr lang="en-US" smtClean="0"/>
-              <a:t>5/4/2019</a:t>
+              <a:t>5/5/2019</a:t>
             </a:fld>
             <a:endParaRPr lang="en-US"/>
           </a:p>
@@ -9095,7 +9096,7 @@
           <a:p>
             <a:fld id="{904CBDC2-D31A-4399-9807-94C89FD2081E}" type="datetimeFigureOut">
               <a:rPr lang="en-US" smtClean="0"/>
-              <a:t>5/4/2019</a:t>
+              <a:t>5/5/2019</a:t>
             </a:fld>
             <a:endParaRPr lang="en-US"/>
           </a:p>
@@ -9293,7 +9294,7 @@
           <a:p>
             <a:fld id="{904CBDC2-D31A-4399-9807-94C89FD2081E}" type="datetimeFigureOut">
               <a:rPr lang="en-US" smtClean="0"/>
-              <a:t>5/4/2019</a:t>
+              <a:t>5/5/2019</a:t>
             </a:fld>
             <a:endParaRPr lang="en-US"/>
           </a:p>
@@ -9568,7 +9569,7 @@
           <a:p>
             <a:fld id="{904CBDC2-D31A-4399-9807-94C89FD2081E}" type="datetimeFigureOut">
               <a:rPr lang="en-US" smtClean="0"/>
-              <a:t>5/4/2019</a:t>
+              <a:t>5/5/2019</a:t>
             </a:fld>
             <a:endParaRPr lang="en-US"/>
           </a:p>
@@ -9833,7 +9834,7 @@
           <a:p>
             <a:fld id="{904CBDC2-D31A-4399-9807-94C89FD2081E}" type="datetimeFigureOut">
               <a:rPr lang="en-US" smtClean="0"/>
-              <a:t>5/4/2019</a:t>
+              <a:t>5/5/2019</a:t>
             </a:fld>
             <a:endParaRPr lang="en-US"/>
           </a:p>
@@ -10245,7 +10246,7 @@
           <a:p>
             <a:fld id="{904CBDC2-D31A-4399-9807-94C89FD2081E}" type="datetimeFigureOut">
               <a:rPr lang="en-US" smtClean="0"/>
-              <a:t>5/4/2019</a:t>
+              <a:t>5/5/2019</a:t>
             </a:fld>
             <a:endParaRPr lang="en-US"/>
           </a:p>
@@ -10386,7 +10387,7 @@
           <a:p>
             <a:fld id="{904CBDC2-D31A-4399-9807-94C89FD2081E}" type="datetimeFigureOut">
               <a:rPr lang="en-US" smtClean="0"/>
-              <a:t>5/4/2019</a:t>
+              <a:t>5/5/2019</a:t>
             </a:fld>
             <a:endParaRPr lang="en-US"/>
           </a:p>
@@ -10499,7 +10500,7 @@
           <a:p>
             <a:fld id="{904CBDC2-D31A-4399-9807-94C89FD2081E}" type="datetimeFigureOut">
               <a:rPr lang="en-US" smtClean="0"/>
-              <a:t>5/4/2019</a:t>
+              <a:t>5/5/2019</a:t>
             </a:fld>
             <a:endParaRPr lang="en-US"/>
           </a:p>
@@ -10810,7 +10811,7 @@
           <a:p>
             <a:fld id="{904CBDC2-D31A-4399-9807-94C89FD2081E}" type="datetimeFigureOut">
               <a:rPr lang="en-US" smtClean="0"/>
-              <a:t>5/4/2019</a:t>
+              <a:t>5/5/2019</a:t>
             </a:fld>
             <a:endParaRPr lang="en-US"/>
           </a:p>
@@ -11098,7 +11099,7 @@
           <a:p>
             <a:fld id="{904CBDC2-D31A-4399-9807-94C89FD2081E}" type="datetimeFigureOut">
               <a:rPr lang="en-US" smtClean="0"/>
-              <a:t>5/4/2019</a:t>
+              <a:t>5/5/2019</a:t>
             </a:fld>
             <a:endParaRPr lang="en-US"/>
           </a:p>
@@ -11339,7 +11340,7 @@
           <a:p>
             <a:fld id="{904CBDC2-D31A-4399-9807-94C89FD2081E}" type="datetimeFigureOut">
               <a:rPr lang="en-US" smtClean="0"/>
-              <a:t>5/4/2019</a:t>
+              <a:t>5/5/2019</a:t>
             </a:fld>
             <a:endParaRPr lang="en-US"/>
           </a:p>
@@ -12300,6 +12301,14 @@
 <file path=ppt/slides/slide10.xml><?xml version="1.0" encoding="utf-8"?>
 <p:sld xmlns:a="http://schemas.openxmlformats.org/drawingml/2006/main" xmlns:r="http://schemas.openxmlformats.org/officeDocument/2006/relationships" xmlns:p="http://schemas.openxmlformats.org/presentationml/2006/main">
   <p:cSld>
+    <p:bg>
+      <p:bgPr>
+        <a:solidFill>
+          <a:schemeClr val="bg2"/>
+        </a:solidFill>
+        <a:effectLst/>
+      </p:bgPr>
+    </p:bg>
     <p:spTree>
       <p:nvGrpSpPr>
         <p:cNvPr id="1" name=""/>
@@ -12316,10 +12325,73 @@
       </p:grpSpPr>
       <p:sp>
         <p:nvSpPr>
+          <p:cNvPr id="15" name="Rectangle 14">
+            <a:extLst>
+              <a:ext uri="{FF2B5EF4-FFF2-40B4-BE49-F238E27FC236}">
+                <a16:creationId xmlns:a16="http://schemas.microsoft.com/office/drawing/2014/main" id="{16C5FA50-8D52-4617-AF91-5C7B1C8352F1}"/>
+              </a:ext>
+              <a:ext uri="{C183D7F6-B498-43B3-948B-1728B52AA6E4}">
+                <adec:decorative xmlns:adec="http://schemas.microsoft.com/office/drawing/2017/decorative" val="1"/>
+              </a:ext>
+            </a:extLst>
+          </p:cNvPr>
+          <p:cNvSpPr>
+            <a:spLocks noGrp="1" noRot="1" noChangeAspect="1" noMove="1" noResize="1" noEditPoints="1" noAdjustHandles="1" noChangeArrowheads="1" noChangeShapeType="1" noTextEdit="1"/>
+          </p:cNvSpPr>
+          <p:nvPr>
+            <p:extLst>
+              <p:ext uri="{386F3935-93C4-4BCD-93E2-E3B085C9AB24}">
+                <p16:designElem xmlns:p16="http://schemas.microsoft.com/office/powerpoint/2015/main" val="1"/>
+              </p:ext>
+            </p:extLst>
+          </p:nvPr>
+        </p:nvSpPr>
+        <p:spPr>
+          <a:xfrm>
+            <a:off x="0" y="0"/>
+            <a:ext cx="12192000" cy="6858000"/>
+          </a:xfrm>
+          <a:prstGeom prst="rect">
+            <a:avLst/>
+          </a:prstGeom>
+          <a:solidFill>
+            <a:srgbClr val="3C4D52"/>
+          </a:solidFill>
+          <a:ln>
+            <a:noFill/>
+          </a:ln>
+        </p:spPr>
+        <p:style>
+          <a:lnRef idx="2">
+            <a:schemeClr val="accent1">
+              <a:shade val="50000"/>
+            </a:schemeClr>
+          </a:lnRef>
+          <a:fillRef idx="1">
+            <a:schemeClr val="accent1"/>
+          </a:fillRef>
+          <a:effectRef idx="0">
+            <a:schemeClr val="accent1"/>
+          </a:effectRef>
+          <a:fontRef idx="minor">
+            <a:schemeClr val="lt1"/>
+          </a:fontRef>
+        </p:style>
+        <p:txBody>
+          <a:bodyPr rtlCol="0" anchor="ctr"/>
+          <a:lstStyle/>
+          <a:p>
+            <a:pPr algn="ctr"/>
+            <a:endParaRPr lang="en-US"/>
+          </a:p>
+        </p:txBody>
+      </p:sp>
+      <p:sp>
+        <p:nvSpPr>
           <p:cNvPr id="2" name="Title 1">
             <a:extLst>
               <a:ext uri="{FF2B5EF4-FFF2-40B4-BE49-F238E27FC236}">
-                <a16:creationId xmlns:a16="http://schemas.microsoft.com/office/drawing/2014/main" id="{DB9552A2-306D-4359-B9E3-C3A92E51388E}"/>
+                <a16:creationId xmlns:a16="http://schemas.microsoft.com/office/drawing/2014/main" id="{EB0270C8-1E3E-4F53-85DA-FE2D08315BAC}"/>
               </a:ext>
             </a:extLst>
           </p:cNvPr>
@@ -12330,52 +12402,471 @@
             <p:ph type="title"/>
           </p:nvPr>
         </p:nvSpPr>
-        <p:spPr/>
+        <p:spPr>
+          <a:xfrm>
+            <a:off x="9093496" y="618681"/>
+            <a:ext cx="2613872" cy="4794567"/>
+          </a:xfrm>
+        </p:spPr>
         <p:txBody>
-          <a:bodyPr/>
+          <a:bodyPr>
+            <a:normAutofit/>
+          </a:bodyPr>
           <a:lstStyle/>
           <a:p>
             <a:r>
-              <a:rPr lang="en-US" dirty="0"/>
-              <a:t>Plot 3</a:t>
+              <a:rPr lang="en-US" sz="3600" b="1" dirty="0">
+                <a:solidFill>
+                  <a:srgbClr val="FFFFFF"/>
+                </a:solidFill>
+              </a:rPr>
+              <a:t>Expenditure as share of GDP World Map</a:t>
             </a:r>
+            <a:endParaRPr lang="en-US" sz="3600" dirty="0">
+              <a:solidFill>
+                <a:srgbClr val="FFFFFF"/>
+              </a:solidFill>
+            </a:endParaRPr>
           </a:p>
         </p:txBody>
       </p:sp>
       <p:sp>
         <p:nvSpPr>
-          <p:cNvPr id="3" name="Content Placeholder 2">
+          <p:cNvPr id="17" name="Rounded Rectangle 9">
             <a:extLst>
               <a:ext uri="{FF2B5EF4-FFF2-40B4-BE49-F238E27FC236}">
-                <a16:creationId xmlns:a16="http://schemas.microsoft.com/office/drawing/2014/main" id="{75B9D7EA-DDC4-45D9-9C78-452EA3229C61}"/>
+                <a16:creationId xmlns:a16="http://schemas.microsoft.com/office/drawing/2014/main" id="{E223798C-12AD-4B0C-A50C-D676347D67CF}"/>
+              </a:ext>
+              <a:ext uri="{C183D7F6-B498-43B3-948B-1728B52AA6E4}">
+                <adec:decorative xmlns:adec="http://schemas.microsoft.com/office/drawing/2017/decorative" val="1"/>
               </a:ext>
             </a:extLst>
           </p:cNvPr>
           <p:cNvSpPr>
-            <a:spLocks noGrp="1"/>
+            <a:spLocks noGrp="1" noRot="1" noChangeAspect="1" noMove="1" noResize="1" noEditPoints="1" noAdjustHandles="1" noChangeArrowheads="1" noChangeShapeType="1" noTextEdit="1"/>
           </p:cNvSpPr>
           <p:nvPr>
-            <p:ph idx="1"/>
+            <p:extLst>
+              <p:ext uri="{386F3935-93C4-4BCD-93E2-E3B085C9AB24}">
+                <p16:designElem xmlns:p16="http://schemas.microsoft.com/office/powerpoint/2015/main" val="1"/>
+              </p:ext>
+            </p:extLst>
           </p:nvPr>
         </p:nvSpPr>
-        <p:spPr/>
+        <p:spPr>
+          <a:xfrm>
+            <a:off x="493354" y="484632"/>
+            <a:ext cx="8129016" cy="5724144"/>
+          </a:xfrm>
+          <a:prstGeom prst="roundRect">
+            <a:avLst>
+              <a:gd name="adj" fmla="val 0"/>
+            </a:avLst>
+          </a:prstGeom>
+          <a:solidFill>
+            <a:srgbClr val="FFFFFF"/>
+          </a:solidFill>
+          <a:ln w="9525">
+            <a:solidFill>
+              <a:srgbClr val="C8CACA"/>
+            </a:solidFill>
+          </a:ln>
+          <a:effectLst>
+            <a:outerShdw blurRad="57150" dist="19050" dir="5400000" algn="t" rotWithShape="0">
+              <a:prstClr val="black">
+                <a:alpha val="63000"/>
+              </a:prstClr>
+            </a:outerShdw>
+          </a:effectLst>
+        </p:spPr>
+        <p:style>
+          <a:lnRef idx="2">
+            <a:schemeClr val="accent1">
+              <a:shade val="50000"/>
+            </a:schemeClr>
+          </a:lnRef>
+          <a:fillRef idx="1">
+            <a:schemeClr val="accent1"/>
+          </a:fillRef>
+          <a:effectRef idx="0">
+            <a:schemeClr val="accent1"/>
+          </a:effectRef>
+          <a:fontRef idx="minor">
+            <a:schemeClr val="lt1"/>
+          </a:fontRef>
+        </p:style>
         <p:txBody>
-          <a:bodyPr/>
+          <a:bodyPr rtlCol="0" anchor="ctr"/>
           <a:lstStyle/>
           <a:p>
+            <a:pPr algn="ctr"/>
+            <a:endParaRPr lang="en-US"/>
+          </a:p>
+        </p:txBody>
+      </p:sp>
+      <p:pic>
+        <p:nvPicPr>
+          <p:cNvPr id="6" name="Picture 5">
+            <a:extLst>
+              <a:ext uri="{FF2B5EF4-FFF2-40B4-BE49-F238E27FC236}">
+                <a16:creationId xmlns:a16="http://schemas.microsoft.com/office/drawing/2014/main" id="{DAF80A72-0953-48DB-A527-B98B052336F7}"/>
+              </a:ext>
+            </a:extLst>
+          </p:cNvPr>
+          <p:cNvPicPr>
+            <a:picLocks noChangeAspect="1" noChangeArrowheads="1"/>
+          </p:cNvPicPr>
+          <p:nvPr/>
+        </p:nvPicPr>
+        <p:blipFill rotWithShape="1">
+          <a:blip r:embed="rId2">
+            <a:extLst>
+              <a:ext uri="{28A0092B-C50C-407E-A947-70E740481C1C}">
+                <a14:useLocalDpi xmlns:a14="http://schemas.microsoft.com/office/drawing/2010/main" val="0"/>
+              </a:ext>
+            </a:extLst>
+          </a:blip>
+          <a:srcRect b="6118"/>
+          <a:stretch/>
+        </p:blipFill>
+        <p:spPr bwMode="auto">
+          <a:xfrm>
+            <a:off x="686636" y="830429"/>
+            <a:ext cx="7742452" cy="5197141"/>
+          </a:xfrm>
+          <a:prstGeom prst="rect">
+            <a:avLst/>
+          </a:prstGeom>
+          <a:noFill/>
+          <a:effectLst/>
+          <a:extLst>
+            <a:ext uri="{909E8E84-426E-40DD-AFC4-6F175D3DCCD1}">
+              <a14:hiddenFill xmlns:a14="http://schemas.microsoft.com/office/drawing/2010/main">
+                <a:solidFill>
+                  <a:srgbClr val="FFFFFF"/>
+                </a:solidFill>
+              </a14:hiddenFill>
+            </a:ext>
+          </a:extLst>
+        </p:spPr>
+      </p:pic>
+    </p:spTree>
+    <p:extLst>
+      <p:ext uri="{BB962C8B-B14F-4D97-AF65-F5344CB8AC3E}">
+        <p14:creationId xmlns:p14="http://schemas.microsoft.com/office/powerpoint/2010/main" val="4245989997"/>
+      </p:ext>
+    </p:extLst>
+  </p:cSld>
+  <p:clrMapOvr>
+    <a:masterClrMapping/>
+  </p:clrMapOvr>
+</p:sld>
+</file>
+
+<file path=ppt/slides/slide11.xml><?xml version="1.0" encoding="utf-8"?>
+<p:sld xmlns:a="http://schemas.openxmlformats.org/drawingml/2006/main" xmlns:r="http://schemas.openxmlformats.org/officeDocument/2006/relationships" xmlns:p="http://schemas.openxmlformats.org/presentationml/2006/main">
+  <p:cSld>
+    <p:bg>
+      <p:bgPr>
+        <a:solidFill>
+          <a:schemeClr val="bg1"/>
+        </a:solidFill>
+        <a:effectLst/>
+      </p:bgPr>
+    </p:bg>
+    <p:spTree>
+      <p:nvGrpSpPr>
+        <p:cNvPr id="1" name=""/>
+        <p:cNvGrpSpPr/>
+        <p:nvPr/>
+      </p:nvGrpSpPr>
+      <p:grpSpPr>
+        <a:xfrm>
+          <a:off x="0" y="0"/>
+          <a:ext cx="0" cy="0"/>
+          <a:chOff x="0" y="0"/>
+          <a:chExt cx="0" cy="0"/>
+        </a:xfrm>
+      </p:grpSpPr>
+      <p:sp>
+        <p:nvSpPr>
+          <p:cNvPr id="1036" name="Rectangle 78">
+            <a:extLst>
+              <a:ext uri="{FF2B5EF4-FFF2-40B4-BE49-F238E27FC236}">
+                <a16:creationId xmlns:a16="http://schemas.microsoft.com/office/drawing/2014/main" id="{DAE885FA-583E-488C-A3B2-2647B84A8162}"/>
+              </a:ext>
+              <a:ext uri="{C183D7F6-B498-43B3-948B-1728B52AA6E4}">
+                <adec:decorative xmlns:adec="http://schemas.microsoft.com/office/drawing/2017/decorative" val="1"/>
+              </a:ext>
+            </a:extLst>
+          </p:cNvPr>
+          <p:cNvSpPr>
+            <a:spLocks noGrp="1" noRot="1" noChangeAspect="1" noMove="1" noResize="1" noEditPoints="1" noAdjustHandles="1" noChangeArrowheads="1" noChangeShapeType="1" noTextEdit="1"/>
+          </p:cNvSpPr>
+          <p:nvPr>
+            <p:extLst>
+              <p:ext uri="{386F3935-93C4-4BCD-93E2-E3B085C9AB24}">
+                <p16:designElem xmlns:p16="http://schemas.microsoft.com/office/powerpoint/2015/main" val="1"/>
+              </p:ext>
+            </p:extLst>
+          </p:nvPr>
+        </p:nvSpPr>
+        <p:spPr>
+          <a:xfrm>
+            <a:off x="0" y="0"/>
+            <a:ext cx="12192000" cy="4572000"/>
+          </a:xfrm>
+          <a:prstGeom prst="rect">
+            <a:avLst/>
+          </a:prstGeom>
+          <a:solidFill>
+            <a:srgbClr val="447179"/>
+          </a:solidFill>
+          <a:ln>
+            <a:noFill/>
+          </a:ln>
+        </p:spPr>
+        <p:style>
+          <a:lnRef idx="2">
+            <a:schemeClr val="accent1">
+              <a:shade val="50000"/>
+            </a:schemeClr>
+          </a:lnRef>
+          <a:fillRef idx="1">
+            <a:schemeClr val="accent1"/>
+          </a:fillRef>
+          <a:effectRef idx="0">
+            <a:schemeClr val="accent1"/>
+          </a:effectRef>
+          <a:fontRef idx="minor">
+            <a:schemeClr val="lt1"/>
+          </a:fontRef>
+        </p:style>
+        <p:txBody>
+          <a:bodyPr rtlCol="0" anchor="ctr"/>
+          <a:lstStyle/>
+          <a:p>
+            <a:pPr algn="ctr"/>
+            <a:endParaRPr lang="en-US"/>
+          </a:p>
+        </p:txBody>
+      </p:sp>
+      <p:sp>
+        <p:nvSpPr>
+          <p:cNvPr id="1037" name="Rounded Rectangle 26">
+            <a:extLst>
+              <a:ext uri="{FF2B5EF4-FFF2-40B4-BE49-F238E27FC236}">
+                <a16:creationId xmlns:a16="http://schemas.microsoft.com/office/drawing/2014/main" id="{87B1CEC7-C2CE-4440-A0F7-0BE6B3AADB72}"/>
+              </a:ext>
+              <a:ext uri="{C183D7F6-B498-43B3-948B-1728B52AA6E4}">
+                <adec:decorative xmlns:adec="http://schemas.microsoft.com/office/drawing/2017/decorative" val="1"/>
+              </a:ext>
+            </a:extLst>
+          </p:cNvPr>
+          <p:cNvSpPr>
+            <a:spLocks noGrp="1" noRot="1" noChangeAspect="1" noMove="1" noResize="1" noEditPoints="1" noAdjustHandles="1" noChangeArrowheads="1" noChangeShapeType="1" noTextEdit="1"/>
+          </p:cNvSpPr>
+          <p:nvPr>
+            <p:extLst>
+              <p:ext uri="{386F3935-93C4-4BCD-93E2-E3B085C9AB24}">
+                <p16:designElem xmlns:p16="http://schemas.microsoft.com/office/powerpoint/2015/main" val="1"/>
+              </p:ext>
+            </p:extLst>
+          </p:nvPr>
+        </p:nvSpPr>
+        <p:spPr>
+          <a:xfrm>
+            <a:off x="321564" y="320843"/>
+            <a:ext cx="5613569" cy="3930315"/>
+          </a:xfrm>
+          <a:prstGeom prst="roundRect">
+            <a:avLst>
+              <a:gd name="adj" fmla="val 0"/>
+            </a:avLst>
+          </a:prstGeom>
+          <a:solidFill>
+            <a:srgbClr val="FFFFFF"/>
+          </a:solidFill>
+          <a:ln w="9525">
+            <a:solidFill>
+              <a:srgbClr val="C8CACA"/>
+            </a:solidFill>
+          </a:ln>
+          <a:effectLst>
+            <a:outerShdw blurRad="57150" dist="19050" dir="5400000" algn="t" rotWithShape="0">
+              <a:prstClr val="black">
+                <a:alpha val="63000"/>
+              </a:prstClr>
+            </a:outerShdw>
+          </a:effectLst>
+        </p:spPr>
+        <p:style>
+          <a:lnRef idx="2">
+            <a:schemeClr val="accent1">
+              <a:shade val="50000"/>
+            </a:schemeClr>
+          </a:lnRef>
+          <a:fillRef idx="1">
+            <a:schemeClr val="accent1"/>
+          </a:fillRef>
+          <a:effectRef idx="0">
+            <a:schemeClr val="accent1"/>
+          </a:effectRef>
+          <a:fontRef idx="minor">
+            <a:schemeClr val="lt1"/>
+          </a:fontRef>
+        </p:style>
+        <p:txBody>
+          <a:bodyPr rtlCol="0" anchor="ctr"/>
+          <a:lstStyle/>
+          <a:p>
+            <a:pPr algn="ctr"/>
+            <a:endParaRPr lang="en-US"/>
+          </a:p>
+        </p:txBody>
+      </p:sp>
+      <p:sp>
+        <p:nvSpPr>
+          <p:cNvPr id="1038" name="Rounded Rectangle 16">
+            <a:extLst>
+              <a:ext uri="{FF2B5EF4-FFF2-40B4-BE49-F238E27FC236}">
+                <a16:creationId xmlns:a16="http://schemas.microsoft.com/office/drawing/2014/main" id="{7B0DBF0B-D7C2-4F15-94AE-315255824591}"/>
+              </a:ext>
+              <a:ext uri="{C183D7F6-B498-43B3-948B-1728B52AA6E4}">
+                <adec:decorative xmlns:adec="http://schemas.microsoft.com/office/drawing/2017/decorative" val="1"/>
+              </a:ext>
+            </a:extLst>
+          </p:cNvPr>
+          <p:cNvSpPr>
+            <a:spLocks noGrp="1" noRot="1" noChangeAspect="1" noMove="1" noResize="1" noEditPoints="1" noAdjustHandles="1" noChangeArrowheads="1" noChangeShapeType="1" noTextEdit="1"/>
+          </p:cNvSpPr>
+          <p:nvPr>
+            <p:extLst>
+              <p:ext uri="{386F3935-93C4-4BCD-93E2-E3B085C9AB24}">
+                <p16:designElem xmlns:p16="http://schemas.microsoft.com/office/powerpoint/2015/main" val="1"/>
+              </p:ext>
+            </p:extLst>
+          </p:nvPr>
+        </p:nvSpPr>
+        <p:spPr>
+          <a:xfrm>
+            <a:off x="6254749" y="320843"/>
+            <a:ext cx="5613569" cy="3930315"/>
+          </a:xfrm>
+          <a:prstGeom prst="roundRect">
+            <a:avLst>
+              <a:gd name="adj" fmla="val 0"/>
+            </a:avLst>
+          </a:prstGeom>
+          <a:solidFill>
+            <a:srgbClr val="FFFFFF"/>
+          </a:solidFill>
+          <a:ln w="9525">
+            <a:solidFill>
+              <a:srgbClr val="C8CACA"/>
+            </a:solidFill>
+          </a:ln>
+          <a:effectLst>
+            <a:outerShdw blurRad="57150" dist="19050" dir="5400000" algn="t" rotWithShape="0">
+              <a:prstClr val="black">
+                <a:alpha val="63000"/>
+              </a:prstClr>
+            </a:outerShdw>
+          </a:effectLst>
+        </p:spPr>
+        <p:style>
+          <a:lnRef idx="2">
+            <a:schemeClr val="accent1">
+              <a:shade val="50000"/>
+            </a:schemeClr>
+          </a:lnRef>
+          <a:fillRef idx="1">
+            <a:schemeClr val="accent1"/>
+          </a:fillRef>
+          <a:effectRef idx="0">
+            <a:schemeClr val="accent1"/>
+          </a:effectRef>
+          <a:fontRef idx="minor">
+            <a:schemeClr val="lt1"/>
+          </a:fontRef>
+        </p:style>
+        <p:txBody>
+          <a:bodyPr rtlCol="0" anchor="ctr"/>
+          <a:lstStyle/>
+          <a:p>
+            <a:pPr algn="ctr"/>
+            <a:endParaRPr lang="en-US"/>
+          </a:p>
+        </p:txBody>
+      </p:sp>
+      <p:sp>
+        <p:nvSpPr>
+          <p:cNvPr id="10" name="Title 1">
+            <a:extLst>
+              <a:ext uri="{FF2B5EF4-FFF2-40B4-BE49-F238E27FC236}">
+                <a16:creationId xmlns:a16="http://schemas.microsoft.com/office/drawing/2014/main" id="{C03AD3A0-E3CA-48B5-BE1C-CC87CB65B0D7}"/>
+              </a:ext>
+            </a:extLst>
+          </p:cNvPr>
+          <p:cNvSpPr txBox="1">
+            <a:spLocks/>
+          </p:cNvSpPr>
+          <p:nvPr/>
+        </p:nvSpPr>
+        <p:spPr>
+          <a:xfrm>
+            <a:off x="1524000" y="4892843"/>
+            <a:ext cx="9144000" cy="1099845"/>
+          </a:xfrm>
+          <a:prstGeom prst="rect">
+            <a:avLst/>
+          </a:prstGeom>
+        </p:spPr>
+        <p:txBody>
+          <a:bodyPr vert="horz" lIns="91440" tIns="45720" rIns="91440" bIns="45720" rtlCol="0" anchor="b">
+            <a:normAutofit lnSpcReduction="10000"/>
+          </a:bodyPr>
+          <a:lstStyle>
+            <a:lvl1pPr algn="l" defTabSz="914400" rtl="0" eaLnBrk="1" latinLnBrk="0" hangingPunct="1">
+              <a:lnSpc>
+                <a:spcPct val="90000"/>
+              </a:lnSpc>
+              <a:spcBef>
+                <a:spcPct val="0"/>
+              </a:spcBef>
+              <a:buNone/>
+              <a:defRPr sz="4400" kern="1200">
+                <a:solidFill>
+                  <a:schemeClr val="tx1"/>
+                </a:solidFill>
+                <a:latin typeface="+mj-lt"/>
+                <a:ea typeface="+mj-ea"/>
+                <a:cs typeface="+mj-cs"/>
+              </a:defRPr>
+            </a:lvl1pPr>
+          </a:lstStyle>
+          <a:p>
+            <a:pPr algn="ctr"/>
             <a:r>
-              <a:rPr lang="en-US" dirty="0"/>
-              <a:t>Military Personnel</a:t>
+              <a:rPr lang="en-US" sz="3800" b="1" dirty="0"/>
+              <a:t>Military Personnel </a:t>
+            </a:r>
+          </a:p>
+          <a:p>
+            <a:pPr algn="ctr"/>
+            <a:r>
+              <a:rPr lang="en-US" sz="3800" b="1" dirty="0"/>
+              <a:t>(as % of total labor force)</a:t>
             </a:r>
           </a:p>
         </p:txBody>
       </p:sp>
       <p:pic>
         <p:nvPicPr>
-          <p:cNvPr id="3074" name="Picture 2">
+          <p:cNvPr id="5124" name="Picture 4">
             <a:extLst>
               <a:ext uri="{FF2B5EF4-FFF2-40B4-BE49-F238E27FC236}">
-                <a16:creationId xmlns:a16="http://schemas.microsoft.com/office/drawing/2014/main" id="{E0B00F66-DBC6-41A3-B519-7A4DE5C7FF50}"/>
+                <a16:creationId xmlns:a16="http://schemas.microsoft.com/office/drawing/2014/main" id="{EE87B284-B57F-4906-913D-7244C6202D02}"/>
               </a:ext>
             </a:extLst>
           </p:cNvPr>
@@ -12399,8 +12890,8 @@
         </p:blipFill>
         <p:spPr bwMode="auto">
           <a:xfrm>
-            <a:off x="575223" y="2368488"/>
-            <a:ext cx="5520777" cy="3943412"/>
+            <a:off x="414697" y="361637"/>
+            <a:ext cx="5427474" cy="3876767"/>
           </a:xfrm>
           <a:prstGeom prst="rect">
             <a:avLst/>
@@ -12419,10 +12910,10 @@
       </p:pic>
       <p:pic>
         <p:nvPicPr>
-          <p:cNvPr id="3076" name="Picture 4">
+          <p:cNvPr id="5126" name="Picture 6">
             <a:extLst>
               <a:ext uri="{FF2B5EF4-FFF2-40B4-BE49-F238E27FC236}">
-                <a16:creationId xmlns:a16="http://schemas.microsoft.com/office/drawing/2014/main" id="{DFC0C934-1329-40E9-88D1-9B8C40209920}"/>
+                <a16:creationId xmlns:a16="http://schemas.microsoft.com/office/drawing/2014/main" id="{4A7AAD5E-7FE0-4327-8BDC-237E8100A1FE}"/>
               </a:ext>
             </a:extLst>
           </p:cNvPr>
@@ -12446,8 +12937,8 @@
         </p:blipFill>
         <p:spPr bwMode="auto">
           <a:xfrm>
-            <a:off x="6358977" y="2368488"/>
-            <a:ext cx="5520777" cy="3943412"/>
+            <a:off x="6328037" y="346164"/>
+            <a:ext cx="5466991" cy="3904994"/>
           </a:xfrm>
           <a:prstGeom prst="rect">
             <a:avLst/>
@@ -12467,7 +12958,7 @@
     </p:spTree>
     <p:extLst>
       <p:ext uri="{BB962C8B-B14F-4D97-AF65-F5344CB8AC3E}">
-        <p14:creationId xmlns:p14="http://schemas.microsoft.com/office/powerpoint/2010/main" val="3094659425"/>
+        <p14:creationId xmlns:p14="http://schemas.microsoft.com/office/powerpoint/2010/main" val="384283293"/>
       </p:ext>
     </p:extLst>
   </p:cSld>
@@ -12477,9 +12968,17 @@
 </p:sld>
 </file>
 
-<file path=ppt/slides/slide11.xml><?xml version="1.0" encoding="utf-8"?>
+<file path=ppt/slides/slide12.xml><?xml version="1.0" encoding="utf-8"?>
 <p:sld xmlns:a="http://schemas.openxmlformats.org/drawingml/2006/main" xmlns:r="http://schemas.openxmlformats.org/officeDocument/2006/relationships" xmlns:p="http://schemas.openxmlformats.org/presentationml/2006/main">
   <p:cSld>
+    <p:bg>
+      <p:bgPr>
+        <a:solidFill>
+          <a:schemeClr val="bg1"/>
+        </a:solidFill>
+        <a:effectLst/>
+      </p:bgPr>
+    </p:bg>
     <p:spTree>
       <p:nvGrpSpPr>
         <p:cNvPr id="1" name=""/>
@@ -12496,57 +12995,275 @@
       </p:grpSpPr>
       <p:sp>
         <p:nvSpPr>
-          <p:cNvPr id="2" name="Title 1">
+          <p:cNvPr id="1036" name="Rectangle 78">
             <a:extLst>
               <a:ext uri="{FF2B5EF4-FFF2-40B4-BE49-F238E27FC236}">
-                <a16:creationId xmlns:a16="http://schemas.microsoft.com/office/drawing/2014/main" id="{03C6C5C6-4008-4CCE-96B2-92FCD96BDF3D}"/>
+                <a16:creationId xmlns:a16="http://schemas.microsoft.com/office/drawing/2014/main" id="{DAE885FA-583E-488C-A3B2-2647B84A8162}"/>
+              </a:ext>
+              <a:ext uri="{C183D7F6-B498-43B3-948B-1728B52AA6E4}">
+                <adec:decorative xmlns:adec="http://schemas.microsoft.com/office/drawing/2017/decorative" val="1"/>
               </a:ext>
             </a:extLst>
           </p:cNvPr>
           <p:cNvSpPr>
-            <a:spLocks noGrp="1"/>
+            <a:spLocks noGrp="1" noRot="1" noChangeAspect="1" noMove="1" noResize="1" noEditPoints="1" noAdjustHandles="1" noChangeArrowheads="1" noChangeShapeType="1" noTextEdit="1"/>
           </p:cNvSpPr>
           <p:nvPr>
-            <p:ph type="title"/>
+            <p:extLst>
+              <p:ext uri="{386F3935-93C4-4BCD-93E2-E3B085C9AB24}">
+                <p16:designElem xmlns:p16="http://schemas.microsoft.com/office/powerpoint/2015/main" val="1"/>
+              </p:ext>
+            </p:extLst>
           </p:nvPr>
         </p:nvSpPr>
-        <p:spPr/>
+        <p:spPr>
+          <a:xfrm>
+            <a:off x="0" y="0"/>
+            <a:ext cx="12192000" cy="4572000"/>
+          </a:xfrm>
+          <a:prstGeom prst="rect">
+            <a:avLst/>
+          </a:prstGeom>
+          <a:solidFill>
+            <a:srgbClr val="447179"/>
+          </a:solidFill>
+          <a:ln>
+            <a:noFill/>
+          </a:ln>
+        </p:spPr>
+        <p:style>
+          <a:lnRef idx="2">
+            <a:schemeClr val="accent1">
+              <a:shade val="50000"/>
+            </a:schemeClr>
+          </a:lnRef>
+          <a:fillRef idx="1">
+            <a:schemeClr val="accent1"/>
+          </a:fillRef>
+          <a:effectRef idx="0">
+            <a:schemeClr val="accent1"/>
+          </a:effectRef>
+          <a:fontRef idx="minor">
+            <a:schemeClr val="lt1"/>
+          </a:fontRef>
+        </p:style>
         <p:txBody>
-          <a:bodyPr/>
+          <a:bodyPr rtlCol="0" anchor="ctr"/>
           <a:lstStyle/>
           <a:p>
-            <a:r>
-              <a:rPr lang="en-US" dirty="0"/>
-              <a:t>Plot 4</a:t>
-            </a:r>
+            <a:pPr algn="ctr"/>
+            <a:endParaRPr lang="en-US"/>
           </a:p>
         </p:txBody>
       </p:sp>
       <p:sp>
         <p:nvSpPr>
-          <p:cNvPr id="3" name="Content Placeholder 2">
+          <p:cNvPr id="1037" name="Rounded Rectangle 26">
             <a:extLst>
               <a:ext uri="{FF2B5EF4-FFF2-40B4-BE49-F238E27FC236}">
-                <a16:creationId xmlns:a16="http://schemas.microsoft.com/office/drawing/2014/main" id="{AB14AB32-1751-46E5-9998-D1E49BCB1EF3}"/>
+                <a16:creationId xmlns:a16="http://schemas.microsoft.com/office/drawing/2014/main" id="{87B1CEC7-C2CE-4440-A0F7-0BE6B3AADB72}"/>
+              </a:ext>
+              <a:ext uri="{C183D7F6-B498-43B3-948B-1728B52AA6E4}">
+                <adec:decorative xmlns:adec="http://schemas.microsoft.com/office/drawing/2017/decorative" val="1"/>
               </a:ext>
             </a:extLst>
           </p:cNvPr>
           <p:cNvSpPr>
-            <a:spLocks noGrp="1"/>
+            <a:spLocks noGrp="1" noRot="1" noChangeAspect="1" noMove="1" noResize="1" noEditPoints="1" noAdjustHandles="1" noChangeArrowheads="1" noChangeShapeType="1" noTextEdit="1"/>
           </p:cNvSpPr>
           <p:nvPr>
-            <p:ph idx="1"/>
+            <p:extLst>
+              <p:ext uri="{386F3935-93C4-4BCD-93E2-E3B085C9AB24}">
+                <p16:designElem xmlns:p16="http://schemas.microsoft.com/office/powerpoint/2015/main" val="1"/>
+              </p:ext>
+            </p:extLst>
           </p:nvPr>
         </p:nvSpPr>
-        <p:spPr/>
+        <p:spPr>
+          <a:xfrm>
+            <a:off x="321564" y="320843"/>
+            <a:ext cx="5613569" cy="3930315"/>
+          </a:xfrm>
+          <a:prstGeom prst="roundRect">
+            <a:avLst>
+              <a:gd name="adj" fmla="val 0"/>
+            </a:avLst>
+          </a:prstGeom>
+          <a:solidFill>
+            <a:srgbClr val="FFFFFF"/>
+          </a:solidFill>
+          <a:ln w="9525">
+            <a:solidFill>
+              <a:srgbClr val="C8CACA"/>
+            </a:solidFill>
+          </a:ln>
+          <a:effectLst>
+            <a:outerShdw blurRad="57150" dist="19050" dir="5400000" algn="t" rotWithShape="0">
+              <a:prstClr val="black">
+                <a:alpha val="63000"/>
+              </a:prstClr>
+            </a:outerShdw>
+          </a:effectLst>
+        </p:spPr>
+        <p:style>
+          <a:lnRef idx="2">
+            <a:schemeClr val="accent1">
+              <a:shade val="50000"/>
+            </a:schemeClr>
+          </a:lnRef>
+          <a:fillRef idx="1">
+            <a:schemeClr val="accent1"/>
+          </a:fillRef>
+          <a:effectRef idx="0">
+            <a:schemeClr val="accent1"/>
+          </a:effectRef>
+          <a:fontRef idx="minor">
+            <a:schemeClr val="lt1"/>
+          </a:fontRef>
+        </p:style>
         <p:txBody>
-          <a:bodyPr/>
+          <a:bodyPr rtlCol="0" anchor="ctr"/>
           <a:lstStyle/>
           <a:p>
+            <a:pPr algn="ctr"/>
+            <a:endParaRPr lang="en-US"/>
+          </a:p>
+        </p:txBody>
+      </p:sp>
+      <p:sp>
+        <p:nvSpPr>
+          <p:cNvPr id="1038" name="Rounded Rectangle 16">
+            <a:extLst>
+              <a:ext uri="{FF2B5EF4-FFF2-40B4-BE49-F238E27FC236}">
+                <a16:creationId xmlns:a16="http://schemas.microsoft.com/office/drawing/2014/main" id="{7B0DBF0B-D7C2-4F15-94AE-315255824591}"/>
+              </a:ext>
+              <a:ext uri="{C183D7F6-B498-43B3-948B-1728B52AA6E4}">
+                <adec:decorative xmlns:adec="http://schemas.microsoft.com/office/drawing/2017/decorative" val="1"/>
+              </a:ext>
+            </a:extLst>
+          </p:cNvPr>
+          <p:cNvSpPr>
+            <a:spLocks noGrp="1" noRot="1" noChangeAspect="1" noMove="1" noResize="1" noEditPoints="1" noAdjustHandles="1" noChangeArrowheads="1" noChangeShapeType="1" noTextEdit="1"/>
+          </p:cNvSpPr>
+          <p:nvPr>
+            <p:extLst>
+              <p:ext uri="{386F3935-93C4-4BCD-93E2-E3B085C9AB24}">
+                <p16:designElem xmlns:p16="http://schemas.microsoft.com/office/powerpoint/2015/main" val="1"/>
+              </p:ext>
+            </p:extLst>
+          </p:nvPr>
+        </p:nvSpPr>
+        <p:spPr>
+          <a:xfrm>
+            <a:off x="6254749" y="320843"/>
+            <a:ext cx="5613569" cy="3930315"/>
+          </a:xfrm>
+          <a:prstGeom prst="roundRect">
+            <a:avLst>
+              <a:gd name="adj" fmla="val 0"/>
+            </a:avLst>
+          </a:prstGeom>
+          <a:solidFill>
+            <a:srgbClr val="FFFFFF"/>
+          </a:solidFill>
+          <a:ln w="9525">
+            <a:solidFill>
+              <a:srgbClr val="C8CACA"/>
+            </a:solidFill>
+          </a:ln>
+          <a:effectLst>
+            <a:outerShdw blurRad="57150" dist="19050" dir="5400000" algn="t" rotWithShape="0">
+              <a:prstClr val="black">
+                <a:alpha val="63000"/>
+              </a:prstClr>
+            </a:outerShdw>
+          </a:effectLst>
+        </p:spPr>
+        <p:style>
+          <a:lnRef idx="2">
+            <a:schemeClr val="accent1">
+              <a:shade val="50000"/>
+            </a:schemeClr>
+          </a:lnRef>
+          <a:fillRef idx="1">
+            <a:schemeClr val="accent1"/>
+          </a:fillRef>
+          <a:effectRef idx="0">
+            <a:schemeClr val="accent1"/>
+          </a:effectRef>
+          <a:fontRef idx="minor">
+            <a:schemeClr val="lt1"/>
+          </a:fontRef>
+        </p:style>
+        <p:txBody>
+          <a:bodyPr rtlCol="0" anchor="ctr"/>
+          <a:lstStyle/>
+          <a:p>
+            <a:pPr algn="ctr"/>
+            <a:endParaRPr lang="en-US"/>
+          </a:p>
+        </p:txBody>
+      </p:sp>
+      <p:sp>
+        <p:nvSpPr>
+          <p:cNvPr id="10" name="Title 1">
+            <a:extLst>
+              <a:ext uri="{FF2B5EF4-FFF2-40B4-BE49-F238E27FC236}">
+                <a16:creationId xmlns:a16="http://schemas.microsoft.com/office/drawing/2014/main" id="{C03AD3A0-E3CA-48B5-BE1C-CC87CB65B0D7}"/>
+              </a:ext>
+            </a:extLst>
+          </p:cNvPr>
+          <p:cNvSpPr txBox="1">
+            <a:spLocks/>
+          </p:cNvSpPr>
+          <p:nvPr/>
+        </p:nvSpPr>
+        <p:spPr>
+          <a:xfrm>
+            <a:off x="1524000" y="4892843"/>
+            <a:ext cx="9144000" cy="1099845"/>
+          </a:xfrm>
+          <a:prstGeom prst="rect">
+            <a:avLst/>
+          </a:prstGeom>
+        </p:spPr>
+        <p:txBody>
+          <a:bodyPr vert="horz" lIns="91440" tIns="45720" rIns="91440" bIns="45720" rtlCol="0" anchor="b">
+            <a:normAutofit lnSpcReduction="10000"/>
+          </a:bodyPr>
+          <a:lstStyle>
+            <a:lvl1pPr algn="l" defTabSz="914400" rtl="0" eaLnBrk="1" latinLnBrk="0" hangingPunct="1">
+              <a:lnSpc>
+                <a:spcPct val="90000"/>
+              </a:lnSpc>
+              <a:spcBef>
+                <a:spcPct val="0"/>
+              </a:spcBef>
+              <a:buNone/>
+              <a:defRPr sz="4400" kern="1200">
+                <a:solidFill>
+                  <a:schemeClr val="tx1"/>
+                </a:solidFill>
+                <a:latin typeface="+mj-lt"/>
+                <a:ea typeface="+mj-ea"/>
+                <a:cs typeface="+mj-cs"/>
+              </a:defRPr>
+            </a:lvl1pPr>
+          </a:lstStyle>
+          <a:p>
+            <a:pPr algn="ctr"/>
             <a:r>
-              <a:rPr lang="en-US" dirty="0"/>
-              <a:t>Military Arms Import</a:t>
+              <a:rPr lang="en-US" sz="3800" b="1"/>
+              <a:t>Military Arms</a:t>
             </a:r>
+          </a:p>
+          <a:p>
+            <a:pPr algn="ctr"/>
+            <a:r>
+              <a:rPr lang="en-US" sz="3800" b="1"/>
+              <a:t>Imports</a:t>
+            </a:r>
+            <a:endParaRPr lang="en-US" sz="3800" b="1" dirty="0"/>
           </a:p>
         </p:txBody>
       </p:sp>
@@ -12555,7 +13272,7 @@
           <p:cNvPr id="4098" name="Picture 2">
             <a:extLst>
               <a:ext uri="{FF2B5EF4-FFF2-40B4-BE49-F238E27FC236}">
-                <a16:creationId xmlns:a16="http://schemas.microsoft.com/office/drawing/2014/main" id="{7DF0E359-460E-4D52-B294-E90B6A9CEAC4}"/>
+                <a16:creationId xmlns:a16="http://schemas.microsoft.com/office/drawing/2014/main" id="{789DA80D-7F5B-484E-BFD7-12A9961028CF}"/>
               </a:ext>
             </a:extLst>
           </p:cNvPr>
@@ -12579,8 +13296,8 @@
         </p:blipFill>
         <p:spPr bwMode="auto">
           <a:xfrm>
-            <a:off x="278241" y="2434528"/>
-            <a:ext cx="5681686" cy="4058347"/>
+            <a:off x="613881" y="398415"/>
+            <a:ext cx="5304923" cy="3789231"/>
           </a:xfrm>
           <a:prstGeom prst="rect">
             <a:avLst/>
@@ -12602,7 +13319,7 @@
           <p:cNvPr id="4100" name="Picture 4">
             <a:extLst>
               <a:ext uri="{FF2B5EF4-FFF2-40B4-BE49-F238E27FC236}">
-                <a16:creationId xmlns:a16="http://schemas.microsoft.com/office/drawing/2014/main" id="{A194B999-9DC1-4DDC-B9C3-3A08C391FD80}"/>
+                <a16:creationId xmlns:a16="http://schemas.microsoft.com/office/drawing/2014/main" id="{52A75B1C-8E9C-44A2-BD72-32EA070873B7}"/>
               </a:ext>
             </a:extLst>
           </p:cNvPr>
@@ -12626,8 +13343,8 @@
         </p:blipFill>
         <p:spPr bwMode="auto">
           <a:xfrm>
-            <a:off x="6232075" y="2434528"/>
-            <a:ext cx="5681684" cy="4058346"/>
+            <a:off x="6436416" y="365757"/>
+            <a:ext cx="5413524" cy="3866803"/>
           </a:xfrm>
           <a:prstGeom prst="rect">
             <a:avLst/>
@@ -12647,7 +13364,7 @@
     </p:spTree>
     <p:extLst>
       <p:ext uri="{BB962C8B-B14F-4D97-AF65-F5344CB8AC3E}">
-        <p14:creationId xmlns:p14="http://schemas.microsoft.com/office/powerpoint/2010/main" val="2383074221"/>
+        <p14:creationId xmlns:p14="http://schemas.microsoft.com/office/powerpoint/2010/main" val="2123231228"/>
       </p:ext>
     </p:extLst>
   </p:cSld>
@@ -12657,7 +13374,7 @@
 </p:sld>
 </file>
 
-<file path=ppt/slides/slide12.xml><?xml version="1.0" encoding="utf-8"?>
+<file path=ppt/slides/slide13.xml><?xml version="1.0" encoding="utf-8"?>
 <p:sld xmlns:a="http://schemas.openxmlformats.org/drawingml/2006/main" xmlns:r="http://schemas.openxmlformats.org/officeDocument/2006/relationships" xmlns:p="http://schemas.openxmlformats.org/presentationml/2006/main">
   <p:cSld>
     <p:spTree>
@@ -12690,43 +13407,3592 @@
             <p:ph type="title"/>
           </p:nvPr>
         </p:nvSpPr>
-        <p:spPr/>
+        <p:spPr>
+          <a:xfrm>
+            <a:off x="150248" y="176180"/>
+            <a:ext cx="10515600" cy="1325563"/>
+          </a:xfrm>
+        </p:spPr>
         <p:txBody>
           <a:bodyPr/>
           <a:lstStyle/>
           <a:p>
             <a:r>
-              <a:rPr lang="en-US" dirty="0"/>
+              <a:rPr lang="en-US" b="1" dirty="0"/>
               <a:t>Global Firepower Summary</a:t>
             </a:r>
           </a:p>
         </p:txBody>
       </p:sp>
-      <p:sp>
-        <p:nvSpPr>
-          <p:cNvPr id="3" name="Content Placeholder 2">
+      <p:graphicFrame>
+        <p:nvGraphicFramePr>
+          <p:cNvPr id="4" name="Content Placeholder 3">
             <a:extLst>
               <a:ext uri="{FF2B5EF4-FFF2-40B4-BE49-F238E27FC236}">
-                <a16:creationId xmlns:a16="http://schemas.microsoft.com/office/drawing/2014/main" id="{ACF0AF64-DC7A-42A6-8E95-2A2559BC08FB}"/>
+                <a16:creationId xmlns:a16="http://schemas.microsoft.com/office/drawing/2014/main" id="{18F6B7F5-B6EA-487B-BB2D-495F56DDE3AD}"/>
               </a:ext>
             </a:extLst>
           </p:cNvPr>
-          <p:cNvSpPr>
-            <a:spLocks noGrp="1"/>
-          </p:cNvSpPr>
+          <p:cNvGraphicFramePr>
+            <a:graphicFrameLocks noGrp="1"/>
+          </p:cNvGraphicFramePr>
           <p:nvPr>
             <p:ph idx="1"/>
+            <p:extLst>
+              <p:ext uri="{D42A27DB-BD31-4B8C-83A1-F6EECF244321}">
+                <p14:modId xmlns:p14="http://schemas.microsoft.com/office/powerpoint/2010/main" val="2918900943"/>
+              </p:ext>
+            </p:extLst>
           </p:nvPr>
-        </p:nvSpPr>
-        <p:spPr/>
-        <p:txBody>
-          <a:bodyPr/>
-          <a:lstStyle/>
-          <a:p>
-            <a:endParaRPr lang="en-US" dirty="0"/>
-          </a:p>
-        </p:txBody>
-      </p:sp>
+        </p:nvGraphicFramePr>
+        <p:xfrm>
+          <a:off x="150248" y="1489857"/>
+          <a:ext cx="1835252" cy="2468880"/>
+        </p:xfrm>
+        <a:graphic>
+          <a:graphicData uri="http://schemas.openxmlformats.org/drawingml/2006/table">
+            <a:tbl>
+              <a:tblPr firstRow="1" bandRow="1">
+                <a:tableStyleId>{EB9631B5-78F2-41C9-869B-9F39066F8104}</a:tableStyleId>
+              </a:tblPr>
+              <a:tblGrid>
+                <a:gridCol w="917626">
+                  <a:extLst>
+                    <a:ext uri="{9D8B030D-6E8A-4147-A177-3AD203B41FA5}">
+                      <a16:colId xmlns:a16="http://schemas.microsoft.com/office/drawing/2014/main" val="2709521757"/>
+                    </a:ext>
+                  </a:extLst>
+                </a:gridCol>
+                <a:gridCol w="917626">
+                  <a:extLst>
+                    <a:ext uri="{9D8B030D-6E8A-4147-A177-3AD203B41FA5}">
+                      <a16:colId xmlns:a16="http://schemas.microsoft.com/office/drawing/2014/main" val="439797912"/>
+                    </a:ext>
+                  </a:extLst>
+                </a:gridCol>
+              </a:tblGrid>
+              <a:tr h="287811">
+                <a:tc gridSpan="2">
+                  <a:txBody>
+                    <a:bodyPr/>
+                    <a:lstStyle/>
+                    <a:p>
+                      <a:pPr algn="ctr"/>
+                      <a:r>
+                        <a:rPr lang="en-US" sz="1500" dirty="0"/>
+                        <a:t>Total Aircraft Strength</a:t>
+                      </a:r>
+                    </a:p>
+                  </a:txBody>
+                  <a:tcPr/>
+                </a:tc>
+                <a:tc hMerge="1">
+                  <a:txBody>
+                    <a:bodyPr/>
+                    <a:lstStyle/>
+                    <a:p>
+                      <a:endParaRPr lang="en-US" dirty="0"/>
+                    </a:p>
+                  </a:txBody>
+                  <a:tcPr/>
+                </a:tc>
+                <a:extLst>
+                  <a:ext uri="{0D108BD9-81ED-4DB2-BD59-A6C34878D82A}">
+                    <a16:rowId xmlns:a16="http://schemas.microsoft.com/office/drawing/2014/main" val="3266637697"/>
+                  </a:ext>
+                </a:extLst>
+              </a:tr>
+              <a:tr h="287811">
+                <a:tc>
+                  <a:txBody>
+                    <a:bodyPr/>
+                    <a:lstStyle/>
+                    <a:p>
+                      <a:r>
+                        <a:rPr lang="en-US" sz="1500" dirty="0"/>
+                        <a:t>Min</a:t>
+                      </a:r>
+                    </a:p>
+                  </a:txBody>
+                  <a:tcPr/>
+                </a:tc>
+                <a:tc>
+                  <a:txBody>
+                    <a:bodyPr/>
+                    <a:lstStyle/>
+                    <a:p>
+                      <a:r>
+                        <a:rPr lang="en-US" sz="1500" dirty="0"/>
+                        <a:t>1305</a:t>
+                      </a:r>
+                    </a:p>
+                  </a:txBody>
+                  <a:tcPr/>
+                </a:tc>
+                <a:extLst>
+                  <a:ext uri="{0D108BD9-81ED-4DB2-BD59-A6C34878D82A}">
+                    <a16:rowId xmlns:a16="http://schemas.microsoft.com/office/drawing/2014/main" val="2458909851"/>
+                  </a:ext>
+                </a:extLst>
+              </a:tr>
+              <a:tr h="287811">
+                <a:tc>
+                  <a:txBody>
+                    <a:bodyPr/>
+                    <a:lstStyle/>
+                    <a:p>
+                      <a:r>
+                        <a:rPr lang="en-US" sz="1500" dirty="0"/>
+                        <a:t>1</a:t>
+                      </a:r>
+                      <a:r>
+                        <a:rPr lang="en-US" sz="1500" baseline="30000" dirty="0"/>
+                        <a:t>st</a:t>
+                      </a:r>
+                      <a:r>
+                        <a:rPr lang="en-US" sz="1500" dirty="0"/>
+                        <a:t> Qu</a:t>
+                      </a:r>
+                    </a:p>
+                  </a:txBody>
+                  <a:tcPr/>
+                </a:tc>
+                <a:tc>
+                  <a:txBody>
+                    <a:bodyPr/>
+                    <a:lstStyle/>
+                    <a:p>
+                      <a:r>
+                        <a:rPr lang="en-US" sz="1500" dirty="0"/>
+                        <a:t>2102</a:t>
+                      </a:r>
+                    </a:p>
+                  </a:txBody>
+                  <a:tcPr/>
+                </a:tc>
+                <a:extLst>
+                  <a:ext uri="{0D108BD9-81ED-4DB2-BD59-A6C34878D82A}">
+                    <a16:rowId xmlns:a16="http://schemas.microsoft.com/office/drawing/2014/main" val="1800281230"/>
+                  </a:ext>
+                </a:extLst>
+              </a:tr>
+              <a:tr h="287811">
+                <a:tc>
+                  <a:txBody>
+                    <a:bodyPr/>
+                    <a:lstStyle/>
+                    <a:p>
+                      <a:r>
+                        <a:rPr lang="en-US" sz="1500" dirty="0"/>
+                        <a:t>Median</a:t>
+                      </a:r>
+                    </a:p>
+                  </a:txBody>
+                  <a:tcPr/>
+                </a:tc>
+                <a:tc>
+                  <a:txBody>
+                    <a:bodyPr/>
+                    <a:lstStyle/>
+                    <a:p>
+                      <a:r>
+                        <a:rPr lang="en-US" sz="1500" dirty="0"/>
+                        <a:t>2955</a:t>
+                      </a:r>
+                    </a:p>
+                  </a:txBody>
+                  <a:tcPr/>
+                </a:tc>
+                <a:extLst>
+                  <a:ext uri="{0D108BD9-81ED-4DB2-BD59-A6C34878D82A}">
+                    <a16:rowId xmlns:a16="http://schemas.microsoft.com/office/drawing/2014/main" val="2127186543"/>
+                  </a:ext>
+                </a:extLst>
+              </a:tr>
+              <a:tr h="287811">
+                <a:tc>
+                  <a:txBody>
+                    <a:bodyPr/>
+                    <a:lstStyle/>
+                    <a:p>
+                      <a:r>
+                        <a:rPr lang="en-US" sz="1500" dirty="0"/>
+                        <a:t>Mean</a:t>
+                      </a:r>
+                    </a:p>
+                  </a:txBody>
+                  <a:tcPr/>
+                </a:tc>
+                <a:tc>
+                  <a:txBody>
+                    <a:bodyPr/>
+                    <a:lstStyle/>
+                    <a:p>
+                      <a:r>
+                        <a:rPr lang="en-US" sz="1500" dirty="0"/>
+                        <a:t>4784</a:t>
+                      </a:r>
+                    </a:p>
+                  </a:txBody>
+                  <a:tcPr/>
+                </a:tc>
+                <a:extLst>
+                  <a:ext uri="{0D108BD9-81ED-4DB2-BD59-A6C34878D82A}">
+                    <a16:rowId xmlns:a16="http://schemas.microsoft.com/office/drawing/2014/main" val="3383584692"/>
+                  </a:ext>
+                </a:extLst>
+              </a:tr>
+              <a:tr h="287811">
+                <a:tc>
+                  <a:txBody>
+                    <a:bodyPr/>
+                    <a:lstStyle/>
+                    <a:p>
+                      <a:r>
+                        <a:rPr lang="en-US" sz="1500" dirty="0"/>
+                        <a:t>3</a:t>
+                      </a:r>
+                      <a:r>
+                        <a:rPr lang="en-US" sz="1500" baseline="30000" dirty="0"/>
+                        <a:t>rd</a:t>
+                      </a:r>
+                      <a:r>
+                        <a:rPr lang="en-US" sz="1500" dirty="0"/>
+                        <a:t> Qu</a:t>
+                      </a:r>
+                    </a:p>
+                  </a:txBody>
+                  <a:tcPr/>
+                </a:tc>
+                <a:tc>
+                  <a:txBody>
+                    <a:bodyPr/>
+                    <a:lstStyle/>
+                    <a:p>
+                      <a:r>
+                        <a:rPr lang="en-US" sz="1500" dirty="0"/>
+                        <a:t>3794</a:t>
+                      </a:r>
+                    </a:p>
+                  </a:txBody>
+                  <a:tcPr/>
+                </a:tc>
+                <a:extLst>
+                  <a:ext uri="{0D108BD9-81ED-4DB2-BD59-A6C34878D82A}">
+                    <a16:rowId xmlns:a16="http://schemas.microsoft.com/office/drawing/2014/main" val="3560094506"/>
+                  </a:ext>
+                </a:extLst>
+              </a:tr>
+              <a:tr h="287811">
+                <a:tc>
+                  <a:txBody>
+                    <a:bodyPr/>
+                    <a:lstStyle/>
+                    <a:p>
+                      <a:r>
+                        <a:rPr lang="en-US" sz="1500" dirty="0"/>
+                        <a:t>Max</a:t>
+                      </a:r>
+                    </a:p>
+                  </a:txBody>
+                  <a:tcPr/>
+                </a:tc>
+                <a:tc>
+                  <a:txBody>
+                    <a:bodyPr/>
+                    <a:lstStyle/>
+                    <a:p>
+                      <a:r>
+                        <a:rPr lang="en-US" sz="1500" dirty="0"/>
+                        <a:t>13762</a:t>
+                      </a:r>
+                    </a:p>
+                  </a:txBody>
+                  <a:tcPr/>
+                </a:tc>
+                <a:extLst>
+                  <a:ext uri="{0D108BD9-81ED-4DB2-BD59-A6C34878D82A}">
+                    <a16:rowId xmlns:a16="http://schemas.microsoft.com/office/drawing/2014/main" val="2088009610"/>
+                  </a:ext>
+                </a:extLst>
+              </a:tr>
+            </a:tbl>
+          </a:graphicData>
+        </a:graphic>
+      </p:graphicFrame>
+      <p:graphicFrame>
+        <p:nvGraphicFramePr>
+          <p:cNvPr id="21" name="Content Placeholder 3">
+            <a:extLst>
+              <a:ext uri="{FF2B5EF4-FFF2-40B4-BE49-F238E27FC236}">
+                <a16:creationId xmlns:a16="http://schemas.microsoft.com/office/drawing/2014/main" id="{3134CD39-4589-497E-9FFC-618B2FA6133F}"/>
+              </a:ext>
+            </a:extLst>
+          </p:cNvPr>
+          <p:cNvGraphicFramePr>
+            <a:graphicFrameLocks/>
+          </p:cNvGraphicFramePr>
+          <p:nvPr>
+            <p:extLst>
+              <p:ext uri="{D42A27DB-BD31-4B8C-83A1-F6EECF244321}">
+                <p14:modId xmlns:p14="http://schemas.microsoft.com/office/powerpoint/2010/main" val="4239325578"/>
+              </p:ext>
+            </p:extLst>
+          </p:nvPr>
+        </p:nvGraphicFramePr>
+        <p:xfrm>
+          <a:off x="2149861" y="1489857"/>
+          <a:ext cx="1835252" cy="2468880"/>
+        </p:xfrm>
+        <a:graphic>
+          <a:graphicData uri="http://schemas.openxmlformats.org/drawingml/2006/table">
+            <a:tbl>
+              <a:tblPr firstRow="1" bandRow="1">
+                <a:tableStyleId>{EB9631B5-78F2-41C9-869B-9F39066F8104}</a:tableStyleId>
+              </a:tblPr>
+              <a:tblGrid>
+                <a:gridCol w="917626">
+                  <a:extLst>
+                    <a:ext uri="{9D8B030D-6E8A-4147-A177-3AD203B41FA5}">
+                      <a16:colId xmlns:a16="http://schemas.microsoft.com/office/drawing/2014/main" val="2709521757"/>
+                    </a:ext>
+                  </a:extLst>
+                </a:gridCol>
+                <a:gridCol w="917626">
+                  <a:extLst>
+                    <a:ext uri="{9D8B030D-6E8A-4147-A177-3AD203B41FA5}">
+                      <a16:colId xmlns:a16="http://schemas.microsoft.com/office/drawing/2014/main" val="439797912"/>
+                    </a:ext>
+                  </a:extLst>
+                </a:gridCol>
+              </a:tblGrid>
+              <a:tr h="287811">
+                <a:tc gridSpan="2">
+                  <a:txBody>
+                    <a:bodyPr/>
+                    <a:lstStyle/>
+                    <a:p>
+                      <a:pPr algn="ctr"/>
+                      <a:r>
+                        <a:rPr lang="en-US" sz="1500" dirty="0"/>
+                        <a:t>Total Helicopter Strength</a:t>
+                      </a:r>
+                    </a:p>
+                  </a:txBody>
+                  <a:tcPr/>
+                </a:tc>
+                <a:tc hMerge="1">
+                  <a:txBody>
+                    <a:bodyPr/>
+                    <a:lstStyle/>
+                    <a:p>
+                      <a:endParaRPr lang="en-US" dirty="0"/>
+                    </a:p>
+                  </a:txBody>
+                  <a:tcPr/>
+                </a:tc>
+                <a:extLst>
+                  <a:ext uri="{0D108BD9-81ED-4DB2-BD59-A6C34878D82A}">
+                    <a16:rowId xmlns:a16="http://schemas.microsoft.com/office/drawing/2014/main" val="3266637697"/>
+                  </a:ext>
+                </a:extLst>
+              </a:tr>
+              <a:tr h="287811">
+                <a:tc>
+                  <a:txBody>
+                    <a:bodyPr/>
+                    <a:lstStyle/>
+                    <a:p>
+                      <a:r>
+                        <a:rPr lang="en-US" sz="1500" dirty="0"/>
+                        <a:t>Min</a:t>
+                      </a:r>
+                    </a:p>
+                  </a:txBody>
+                  <a:tcPr/>
+                </a:tc>
+                <a:tc>
+                  <a:txBody>
+                    <a:bodyPr/>
+                    <a:lstStyle/>
+                    <a:p>
+                      <a:r>
+                        <a:rPr lang="en-US" sz="1500" dirty="0"/>
+                        <a:t>610</a:t>
+                      </a:r>
+                    </a:p>
+                  </a:txBody>
+                  <a:tcPr/>
+                </a:tc>
+                <a:extLst>
+                  <a:ext uri="{0D108BD9-81ED-4DB2-BD59-A6C34878D82A}">
+                    <a16:rowId xmlns:a16="http://schemas.microsoft.com/office/drawing/2014/main" val="2458909851"/>
+                  </a:ext>
+                </a:extLst>
+              </a:tr>
+              <a:tr h="287811">
+                <a:tc>
+                  <a:txBody>
+                    <a:bodyPr/>
+                    <a:lstStyle/>
+                    <a:p>
+                      <a:r>
+                        <a:rPr lang="en-US" sz="1500" dirty="0"/>
+                        <a:t>1</a:t>
+                      </a:r>
+                      <a:r>
+                        <a:rPr lang="en-US" sz="1500" baseline="30000" dirty="0"/>
+                        <a:t>st</a:t>
+                      </a:r>
+                      <a:r>
+                        <a:rPr lang="en-US" sz="1500" dirty="0"/>
+                        <a:t> Qu</a:t>
+                      </a:r>
+                    </a:p>
+                  </a:txBody>
+                  <a:tcPr/>
+                </a:tc>
+                <a:tc>
+                  <a:txBody>
+                    <a:bodyPr/>
+                    <a:lstStyle/>
+                    <a:p>
+                      <a:r>
+                        <a:rPr lang="en-US" sz="1500" dirty="0"/>
+                        <a:t>666</a:t>
+                      </a:r>
+                    </a:p>
+                  </a:txBody>
+                  <a:tcPr/>
+                </a:tc>
+                <a:extLst>
+                  <a:ext uri="{0D108BD9-81ED-4DB2-BD59-A6C34878D82A}">
+                    <a16:rowId xmlns:a16="http://schemas.microsoft.com/office/drawing/2014/main" val="1800281230"/>
+                  </a:ext>
+                </a:extLst>
+              </a:tr>
+              <a:tr h="287811">
+                <a:tc>
+                  <a:txBody>
+                    <a:bodyPr/>
+                    <a:lstStyle/>
+                    <a:p>
+                      <a:r>
+                        <a:rPr lang="en-US" sz="1500" dirty="0"/>
+                        <a:t>Median</a:t>
+                      </a:r>
+                    </a:p>
+                  </a:txBody>
+                  <a:tcPr/>
+                </a:tc>
+                <a:tc>
+                  <a:txBody>
+                    <a:bodyPr/>
+                    <a:lstStyle/>
+                    <a:p>
+                      <a:r>
+                        <a:rPr lang="en-US" sz="1500" dirty="0"/>
+                        <a:t>912</a:t>
+                      </a:r>
+                    </a:p>
+                  </a:txBody>
+                  <a:tcPr/>
+                </a:tc>
+                <a:extLst>
+                  <a:ext uri="{0D108BD9-81ED-4DB2-BD59-A6C34878D82A}">
+                    <a16:rowId xmlns:a16="http://schemas.microsoft.com/office/drawing/2014/main" val="2127186543"/>
+                  </a:ext>
+                </a:extLst>
+              </a:tr>
+              <a:tr h="287811">
+                <a:tc>
+                  <a:txBody>
+                    <a:bodyPr/>
+                    <a:lstStyle/>
+                    <a:p>
+                      <a:r>
+                        <a:rPr lang="en-US" sz="1500" dirty="0"/>
+                        <a:t>Mean</a:t>
+                      </a:r>
+                    </a:p>
+                  </a:txBody>
+                  <a:tcPr/>
+                </a:tc>
+                <a:tc>
+                  <a:txBody>
+                    <a:bodyPr/>
+                    <a:lstStyle/>
+                    <a:p>
+                      <a:r>
+                        <a:rPr lang="en-US" sz="1500" dirty="0"/>
+                        <a:t>1928</a:t>
+                      </a:r>
+                    </a:p>
+                  </a:txBody>
+                  <a:tcPr/>
+                </a:tc>
+                <a:extLst>
+                  <a:ext uri="{0D108BD9-81ED-4DB2-BD59-A6C34878D82A}">
+                    <a16:rowId xmlns:a16="http://schemas.microsoft.com/office/drawing/2014/main" val="3383584692"/>
+                  </a:ext>
+                </a:extLst>
+              </a:tr>
+              <a:tr h="287811">
+                <a:tc>
+                  <a:txBody>
+                    <a:bodyPr/>
+                    <a:lstStyle/>
+                    <a:p>
+                      <a:r>
+                        <a:rPr lang="en-US" sz="1500" dirty="0"/>
+                        <a:t>3</a:t>
+                      </a:r>
+                      <a:r>
+                        <a:rPr lang="en-US" sz="1500" baseline="30000" dirty="0"/>
+                        <a:t>rd</a:t>
+                      </a:r>
+                      <a:r>
+                        <a:rPr lang="en-US" sz="1500" dirty="0"/>
+                        <a:t> Qu</a:t>
+                      </a:r>
+                    </a:p>
+                  </a:txBody>
+                  <a:tcPr/>
+                </a:tc>
+                <a:tc>
+                  <a:txBody>
+                    <a:bodyPr/>
+                    <a:lstStyle/>
+                    <a:p>
+                      <a:r>
+                        <a:rPr lang="en-US" sz="1500" dirty="0"/>
+                        <a:t>1389</a:t>
+                      </a:r>
+                    </a:p>
+                  </a:txBody>
+                  <a:tcPr/>
+                </a:tc>
+                <a:extLst>
+                  <a:ext uri="{0D108BD9-81ED-4DB2-BD59-A6C34878D82A}">
+                    <a16:rowId xmlns:a16="http://schemas.microsoft.com/office/drawing/2014/main" val="3560094506"/>
+                  </a:ext>
+                </a:extLst>
+              </a:tr>
+              <a:tr h="287811">
+                <a:tc>
+                  <a:txBody>
+                    <a:bodyPr/>
+                    <a:lstStyle/>
+                    <a:p>
+                      <a:r>
+                        <a:rPr lang="en-US" sz="1500" dirty="0"/>
+                        <a:t>Max</a:t>
+                      </a:r>
+                    </a:p>
+                  </a:txBody>
+                  <a:tcPr/>
+                </a:tc>
+                <a:tc>
+                  <a:txBody>
+                    <a:bodyPr/>
+                    <a:lstStyle/>
+                    <a:p>
+                      <a:r>
+                        <a:rPr lang="en-US" sz="1500" dirty="0"/>
+                        <a:t>6065</a:t>
+                      </a:r>
+                    </a:p>
+                  </a:txBody>
+                  <a:tcPr/>
+                </a:tc>
+                <a:extLst>
+                  <a:ext uri="{0D108BD9-81ED-4DB2-BD59-A6C34878D82A}">
+                    <a16:rowId xmlns:a16="http://schemas.microsoft.com/office/drawing/2014/main" val="2088009610"/>
+                  </a:ext>
+                </a:extLst>
+              </a:tr>
+            </a:tbl>
+          </a:graphicData>
+        </a:graphic>
+      </p:graphicFrame>
+      <p:graphicFrame>
+        <p:nvGraphicFramePr>
+          <p:cNvPr id="22" name="Content Placeholder 3">
+            <a:extLst>
+              <a:ext uri="{FF2B5EF4-FFF2-40B4-BE49-F238E27FC236}">
+                <a16:creationId xmlns:a16="http://schemas.microsoft.com/office/drawing/2014/main" id="{6C82C403-E07C-4A66-A5AF-EAC5BAAECB81}"/>
+              </a:ext>
+            </a:extLst>
+          </p:cNvPr>
+          <p:cNvGraphicFramePr>
+            <a:graphicFrameLocks/>
+          </p:cNvGraphicFramePr>
+          <p:nvPr>
+            <p:extLst>
+              <p:ext uri="{D42A27DB-BD31-4B8C-83A1-F6EECF244321}">
+                <p14:modId xmlns:p14="http://schemas.microsoft.com/office/powerpoint/2010/main" val="2715716661"/>
+              </p:ext>
+            </p:extLst>
+          </p:nvPr>
+        </p:nvGraphicFramePr>
+        <p:xfrm>
+          <a:off x="4149474" y="1478411"/>
+          <a:ext cx="1835252" cy="2468880"/>
+        </p:xfrm>
+        <a:graphic>
+          <a:graphicData uri="http://schemas.openxmlformats.org/drawingml/2006/table">
+            <a:tbl>
+              <a:tblPr firstRow="1" bandRow="1">
+                <a:tableStyleId>{EB9631B5-78F2-41C9-869B-9F39066F8104}</a:tableStyleId>
+              </a:tblPr>
+              <a:tblGrid>
+                <a:gridCol w="917626">
+                  <a:extLst>
+                    <a:ext uri="{9D8B030D-6E8A-4147-A177-3AD203B41FA5}">
+                      <a16:colId xmlns:a16="http://schemas.microsoft.com/office/drawing/2014/main" val="2709521757"/>
+                    </a:ext>
+                  </a:extLst>
+                </a:gridCol>
+                <a:gridCol w="917626">
+                  <a:extLst>
+                    <a:ext uri="{9D8B030D-6E8A-4147-A177-3AD203B41FA5}">
+                      <a16:colId xmlns:a16="http://schemas.microsoft.com/office/drawing/2014/main" val="439797912"/>
+                    </a:ext>
+                  </a:extLst>
+                </a:gridCol>
+              </a:tblGrid>
+              <a:tr h="287811">
+                <a:tc gridSpan="2">
+                  <a:txBody>
+                    <a:bodyPr/>
+                    <a:lstStyle/>
+                    <a:p>
+                      <a:pPr algn="ctr"/>
+                      <a:r>
+                        <a:rPr lang="en-US" sz="1500" dirty="0"/>
+                        <a:t>Combat </a:t>
+                      </a:r>
+                    </a:p>
+                    <a:p>
+                      <a:pPr algn="ctr"/>
+                      <a:r>
+                        <a:rPr lang="en-US" sz="1500" dirty="0"/>
+                        <a:t>Tanks</a:t>
+                      </a:r>
+                    </a:p>
+                  </a:txBody>
+                  <a:tcPr/>
+                </a:tc>
+                <a:tc hMerge="1">
+                  <a:txBody>
+                    <a:bodyPr/>
+                    <a:lstStyle/>
+                    <a:p>
+                      <a:endParaRPr lang="en-US" dirty="0"/>
+                    </a:p>
+                  </a:txBody>
+                  <a:tcPr/>
+                </a:tc>
+                <a:extLst>
+                  <a:ext uri="{0D108BD9-81ED-4DB2-BD59-A6C34878D82A}">
+                    <a16:rowId xmlns:a16="http://schemas.microsoft.com/office/drawing/2014/main" val="3266637697"/>
+                  </a:ext>
+                </a:extLst>
+              </a:tr>
+              <a:tr h="287811">
+                <a:tc>
+                  <a:txBody>
+                    <a:bodyPr/>
+                    <a:lstStyle/>
+                    <a:p>
+                      <a:r>
+                        <a:rPr lang="en-US" sz="1500" dirty="0"/>
+                        <a:t>Min</a:t>
+                      </a:r>
+                    </a:p>
+                  </a:txBody>
+                  <a:tcPr/>
+                </a:tc>
+                <a:tc>
+                  <a:txBody>
+                    <a:bodyPr/>
+                    <a:lstStyle/>
+                    <a:p>
+                      <a:r>
+                        <a:rPr lang="en-US" sz="1500" dirty="0"/>
+                        <a:t>406</a:t>
+                      </a:r>
+                    </a:p>
+                  </a:txBody>
+                  <a:tcPr/>
+                </a:tc>
+                <a:extLst>
+                  <a:ext uri="{0D108BD9-81ED-4DB2-BD59-A6C34878D82A}">
+                    <a16:rowId xmlns:a16="http://schemas.microsoft.com/office/drawing/2014/main" val="2458909851"/>
+                  </a:ext>
+                </a:extLst>
+              </a:tr>
+              <a:tr h="287811">
+                <a:tc>
+                  <a:txBody>
+                    <a:bodyPr/>
+                    <a:lstStyle/>
+                    <a:p>
+                      <a:r>
+                        <a:rPr lang="en-US" sz="1500" dirty="0"/>
+                        <a:t>1</a:t>
+                      </a:r>
+                      <a:r>
+                        <a:rPr lang="en-US" sz="1500" baseline="30000" dirty="0"/>
+                        <a:t>st</a:t>
+                      </a:r>
+                      <a:r>
+                        <a:rPr lang="en-US" sz="1500" dirty="0"/>
+                        <a:t> Qu</a:t>
+                      </a:r>
+                    </a:p>
+                  </a:txBody>
+                  <a:tcPr/>
+                </a:tc>
+                <a:tc>
+                  <a:txBody>
+                    <a:bodyPr/>
+                    <a:lstStyle/>
+                    <a:p>
+                      <a:r>
+                        <a:rPr lang="en-US" sz="1500" dirty="0"/>
+                        <a:t>4426</a:t>
+                      </a:r>
+                    </a:p>
+                  </a:txBody>
+                  <a:tcPr/>
+                </a:tc>
+                <a:extLst>
+                  <a:ext uri="{0D108BD9-81ED-4DB2-BD59-A6C34878D82A}">
+                    <a16:rowId xmlns:a16="http://schemas.microsoft.com/office/drawing/2014/main" val="1800281230"/>
+                  </a:ext>
+                </a:extLst>
+              </a:tr>
+              <a:tr h="287811">
+                <a:tc>
+                  <a:txBody>
+                    <a:bodyPr/>
+                    <a:lstStyle/>
+                    <a:p>
+                      <a:r>
+                        <a:rPr lang="en-US" sz="1500" dirty="0"/>
+                        <a:t>Median</a:t>
+                      </a:r>
+                    </a:p>
+                  </a:txBody>
+                  <a:tcPr/>
+                </a:tc>
+                <a:tc>
+                  <a:txBody>
+                    <a:bodyPr/>
+                    <a:lstStyle/>
+                    <a:p>
+                      <a:r>
+                        <a:rPr lang="en-US" sz="1500" dirty="0"/>
+                        <a:t>5884</a:t>
+                      </a:r>
+                    </a:p>
+                  </a:txBody>
+                  <a:tcPr/>
+                </a:tc>
+                <a:extLst>
+                  <a:ext uri="{0D108BD9-81ED-4DB2-BD59-A6C34878D82A}">
+                    <a16:rowId xmlns:a16="http://schemas.microsoft.com/office/drawing/2014/main" val="2127186543"/>
+                  </a:ext>
+                </a:extLst>
+              </a:tr>
+              <a:tr h="287811">
+                <a:tc>
+                  <a:txBody>
+                    <a:bodyPr/>
+                    <a:lstStyle/>
+                    <a:p>
+                      <a:r>
+                        <a:rPr lang="en-US" sz="1500" dirty="0"/>
+                        <a:t>Mean</a:t>
+                      </a:r>
+                    </a:p>
+                  </a:txBody>
+                  <a:tcPr/>
+                </a:tc>
+                <a:tc>
+                  <a:txBody>
+                    <a:bodyPr/>
+                    <a:lstStyle/>
+                    <a:p>
+                      <a:r>
+                        <a:rPr lang="en-US" sz="1500" dirty="0"/>
+                        <a:t>7478</a:t>
+                      </a:r>
+                    </a:p>
+                  </a:txBody>
+                  <a:tcPr/>
+                </a:tc>
+                <a:extLst>
+                  <a:ext uri="{0D108BD9-81ED-4DB2-BD59-A6C34878D82A}">
+                    <a16:rowId xmlns:a16="http://schemas.microsoft.com/office/drawing/2014/main" val="3383584692"/>
+                  </a:ext>
+                </a:extLst>
+              </a:tr>
+              <a:tr h="287811">
+                <a:tc>
+                  <a:txBody>
+                    <a:bodyPr/>
+                    <a:lstStyle/>
+                    <a:p>
+                      <a:r>
+                        <a:rPr lang="en-US" sz="1500" dirty="0"/>
+                        <a:t>3</a:t>
+                      </a:r>
+                      <a:r>
+                        <a:rPr lang="en-US" sz="1500" baseline="30000" dirty="0"/>
+                        <a:t>rd</a:t>
+                      </a:r>
+                      <a:r>
+                        <a:rPr lang="en-US" sz="1500" dirty="0"/>
+                        <a:t> Qu</a:t>
+                      </a:r>
+                    </a:p>
+                  </a:txBody>
+                  <a:tcPr/>
+                </a:tc>
+                <a:tc>
+                  <a:txBody>
+                    <a:bodyPr/>
+                    <a:lstStyle/>
+                    <a:p>
+                      <a:r>
+                        <a:rPr lang="en-US" sz="1500" dirty="0"/>
+                        <a:t>6457</a:t>
+                      </a:r>
+                    </a:p>
+                  </a:txBody>
+                  <a:tcPr/>
+                </a:tc>
+                <a:extLst>
+                  <a:ext uri="{0D108BD9-81ED-4DB2-BD59-A6C34878D82A}">
+                    <a16:rowId xmlns:a16="http://schemas.microsoft.com/office/drawing/2014/main" val="3560094506"/>
+                  </a:ext>
+                </a:extLst>
+              </a:tr>
+              <a:tr h="287811">
+                <a:tc>
+                  <a:txBody>
+                    <a:bodyPr/>
+                    <a:lstStyle/>
+                    <a:p>
+                      <a:r>
+                        <a:rPr lang="en-US" sz="1500" dirty="0"/>
+                        <a:t>Max</a:t>
+                      </a:r>
+                    </a:p>
+                  </a:txBody>
+                  <a:tcPr/>
+                </a:tc>
+                <a:tc>
+                  <a:txBody>
+                    <a:bodyPr/>
+                    <a:lstStyle/>
+                    <a:p>
+                      <a:r>
+                        <a:rPr lang="en-US" sz="1500" dirty="0"/>
+                        <a:t>20216</a:t>
+                      </a:r>
+                    </a:p>
+                  </a:txBody>
+                  <a:tcPr/>
+                </a:tc>
+                <a:extLst>
+                  <a:ext uri="{0D108BD9-81ED-4DB2-BD59-A6C34878D82A}">
+                    <a16:rowId xmlns:a16="http://schemas.microsoft.com/office/drawing/2014/main" val="2088009610"/>
+                  </a:ext>
+                </a:extLst>
+              </a:tr>
+            </a:tbl>
+          </a:graphicData>
+        </a:graphic>
+      </p:graphicFrame>
+      <p:graphicFrame>
+        <p:nvGraphicFramePr>
+          <p:cNvPr id="23" name="Content Placeholder 3">
+            <a:extLst>
+              <a:ext uri="{FF2B5EF4-FFF2-40B4-BE49-F238E27FC236}">
+                <a16:creationId xmlns:a16="http://schemas.microsoft.com/office/drawing/2014/main" id="{19E64EBA-80AC-4F9D-88BF-2A6D940D7453}"/>
+              </a:ext>
+            </a:extLst>
+          </p:cNvPr>
+          <p:cNvGraphicFramePr>
+            <a:graphicFrameLocks/>
+          </p:cNvGraphicFramePr>
+          <p:nvPr>
+            <p:extLst>
+              <p:ext uri="{D42A27DB-BD31-4B8C-83A1-F6EECF244321}">
+                <p14:modId xmlns:p14="http://schemas.microsoft.com/office/powerpoint/2010/main" val="2433002289"/>
+              </p:ext>
+            </p:extLst>
+          </p:nvPr>
+        </p:nvGraphicFramePr>
+        <p:xfrm>
+          <a:off x="10155099" y="1478411"/>
+          <a:ext cx="1835252" cy="2468880"/>
+        </p:xfrm>
+        <a:graphic>
+          <a:graphicData uri="http://schemas.openxmlformats.org/drawingml/2006/table">
+            <a:tbl>
+              <a:tblPr firstRow="1" bandRow="1">
+                <a:tableStyleId>{EB9631B5-78F2-41C9-869B-9F39066F8104}</a:tableStyleId>
+              </a:tblPr>
+              <a:tblGrid>
+                <a:gridCol w="917626">
+                  <a:extLst>
+                    <a:ext uri="{9D8B030D-6E8A-4147-A177-3AD203B41FA5}">
+                      <a16:colId xmlns:a16="http://schemas.microsoft.com/office/drawing/2014/main" val="2709521757"/>
+                    </a:ext>
+                  </a:extLst>
+                </a:gridCol>
+                <a:gridCol w="917626">
+                  <a:extLst>
+                    <a:ext uri="{9D8B030D-6E8A-4147-A177-3AD203B41FA5}">
+                      <a16:colId xmlns:a16="http://schemas.microsoft.com/office/drawing/2014/main" val="439797912"/>
+                    </a:ext>
+                  </a:extLst>
+                </a:gridCol>
+              </a:tblGrid>
+              <a:tr h="287811">
+                <a:tc gridSpan="2">
+                  <a:txBody>
+                    <a:bodyPr/>
+                    <a:lstStyle/>
+                    <a:p>
+                      <a:pPr algn="ctr"/>
+                      <a:r>
+                        <a:rPr lang="en-US" sz="1500" dirty="0"/>
+                        <a:t>Total Naval </a:t>
+                      </a:r>
+                    </a:p>
+                    <a:p>
+                      <a:pPr algn="ctr"/>
+                      <a:r>
+                        <a:rPr lang="en-US" sz="1500" dirty="0"/>
+                        <a:t>Assets</a:t>
+                      </a:r>
+                    </a:p>
+                  </a:txBody>
+                  <a:tcPr/>
+                </a:tc>
+                <a:tc hMerge="1">
+                  <a:txBody>
+                    <a:bodyPr/>
+                    <a:lstStyle/>
+                    <a:p>
+                      <a:endParaRPr lang="en-US" dirty="0"/>
+                    </a:p>
+                  </a:txBody>
+                  <a:tcPr/>
+                </a:tc>
+                <a:extLst>
+                  <a:ext uri="{0D108BD9-81ED-4DB2-BD59-A6C34878D82A}">
+                    <a16:rowId xmlns:a16="http://schemas.microsoft.com/office/drawing/2014/main" val="3266637697"/>
+                  </a:ext>
+                </a:extLst>
+              </a:tr>
+              <a:tr h="287811">
+                <a:tc>
+                  <a:txBody>
+                    <a:bodyPr/>
+                    <a:lstStyle/>
+                    <a:p>
+                      <a:r>
+                        <a:rPr lang="en-US" sz="1500" dirty="0"/>
+                        <a:t>Min</a:t>
+                      </a:r>
+                    </a:p>
+                  </a:txBody>
+                  <a:tcPr/>
+                </a:tc>
+                <a:tc>
+                  <a:txBody>
+                    <a:bodyPr/>
+                    <a:lstStyle/>
+                    <a:p>
+                      <a:r>
+                        <a:rPr lang="en-US" sz="1500" dirty="0"/>
+                        <a:t>118</a:t>
+                      </a:r>
+                    </a:p>
+                  </a:txBody>
+                  <a:tcPr/>
+                </a:tc>
+                <a:extLst>
+                  <a:ext uri="{0D108BD9-81ED-4DB2-BD59-A6C34878D82A}">
+                    <a16:rowId xmlns:a16="http://schemas.microsoft.com/office/drawing/2014/main" val="2458909851"/>
+                  </a:ext>
+                </a:extLst>
+              </a:tr>
+              <a:tr h="287811">
+                <a:tc>
+                  <a:txBody>
+                    <a:bodyPr/>
+                    <a:lstStyle/>
+                    <a:p>
+                      <a:r>
+                        <a:rPr lang="en-US" sz="1500" dirty="0"/>
+                        <a:t>1</a:t>
+                      </a:r>
+                      <a:r>
+                        <a:rPr lang="en-US" sz="1500" baseline="30000" dirty="0"/>
+                        <a:t>st</a:t>
+                      </a:r>
+                      <a:r>
+                        <a:rPr lang="en-US" sz="1500" dirty="0"/>
+                        <a:t> Qu</a:t>
+                      </a:r>
+                    </a:p>
+                  </a:txBody>
+                  <a:tcPr/>
+                </a:tc>
+                <a:tc>
+                  <a:txBody>
+                    <a:bodyPr/>
+                    <a:lstStyle/>
+                    <a:p>
+                      <a:r>
+                        <a:rPr lang="en-US" sz="1500" dirty="0"/>
+                        <a:t>295</a:t>
+                      </a:r>
+                    </a:p>
+                  </a:txBody>
+                  <a:tcPr/>
+                </a:tc>
+                <a:extLst>
+                  <a:ext uri="{0D108BD9-81ED-4DB2-BD59-A6C34878D82A}">
+                    <a16:rowId xmlns:a16="http://schemas.microsoft.com/office/drawing/2014/main" val="1800281230"/>
+                  </a:ext>
+                </a:extLst>
+              </a:tr>
+              <a:tr h="287811">
+                <a:tc>
+                  <a:txBody>
+                    <a:bodyPr/>
+                    <a:lstStyle/>
+                    <a:p>
+                      <a:r>
+                        <a:rPr lang="en-US" sz="1500" dirty="0"/>
+                        <a:t>Median</a:t>
+                      </a:r>
+                    </a:p>
+                  </a:txBody>
+                  <a:tcPr/>
+                </a:tc>
+                <a:tc>
+                  <a:txBody>
+                    <a:bodyPr/>
+                    <a:lstStyle/>
+                    <a:p>
+                      <a:r>
+                        <a:rPr lang="en-US" sz="1500" dirty="0"/>
+                        <a:t>352</a:t>
+                      </a:r>
+                    </a:p>
+                  </a:txBody>
+                  <a:tcPr/>
+                </a:tc>
+                <a:extLst>
+                  <a:ext uri="{0D108BD9-81ED-4DB2-BD59-A6C34878D82A}">
+                    <a16:rowId xmlns:a16="http://schemas.microsoft.com/office/drawing/2014/main" val="2127186543"/>
+                  </a:ext>
+                </a:extLst>
+              </a:tr>
+              <a:tr h="287811">
+                <a:tc>
+                  <a:txBody>
+                    <a:bodyPr/>
+                    <a:lstStyle/>
+                    <a:p>
+                      <a:r>
+                        <a:rPr lang="en-US" sz="1500" dirty="0"/>
+                        <a:t>Mean</a:t>
+                      </a:r>
+                    </a:p>
+                  </a:txBody>
+                  <a:tcPr/>
+                </a:tc>
+                <a:tc>
+                  <a:txBody>
+                    <a:bodyPr/>
+                    <a:lstStyle/>
+                    <a:p>
+                      <a:r>
+                        <a:rPr lang="en-US" sz="1500" dirty="0"/>
+                        <a:t>378.8</a:t>
+                      </a:r>
+                    </a:p>
+                  </a:txBody>
+                  <a:tcPr/>
+                </a:tc>
+                <a:extLst>
+                  <a:ext uri="{0D108BD9-81ED-4DB2-BD59-A6C34878D82A}">
+                    <a16:rowId xmlns:a16="http://schemas.microsoft.com/office/drawing/2014/main" val="3383584692"/>
+                  </a:ext>
+                </a:extLst>
+              </a:tr>
+              <a:tr h="287811">
+                <a:tc>
+                  <a:txBody>
+                    <a:bodyPr/>
+                    <a:lstStyle/>
+                    <a:p>
+                      <a:r>
+                        <a:rPr lang="en-US" sz="1500" dirty="0"/>
+                        <a:t>3</a:t>
+                      </a:r>
+                      <a:r>
+                        <a:rPr lang="en-US" sz="1500" baseline="30000" dirty="0"/>
+                        <a:t>rd</a:t>
+                      </a:r>
+                      <a:r>
+                        <a:rPr lang="en-US" sz="1500" dirty="0"/>
+                        <a:t> Qu</a:t>
+                      </a:r>
+                    </a:p>
+                  </a:txBody>
+                  <a:tcPr/>
+                </a:tc>
+                <a:tc>
+                  <a:txBody>
+                    <a:bodyPr/>
+                    <a:lstStyle/>
+                    <a:p>
+                      <a:r>
+                        <a:rPr lang="en-US" sz="1500" dirty="0"/>
+                        <a:t>415</a:t>
+                      </a:r>
+                    </a:p>
+                  </a:txBody>
+                  <a:tcPr/>
+                </a:tc>
+                <a:extLst>
+                  <a:ext uri="{0D108BD9-81ED-4DB2-BD59-A6C34878D82A}">
+                    <a16:rowId xmlns:a16="http://schemas.microsoft.com/office/drawing/2014/main" val="3560094506"/>
+                  </a:ext>
+                </a:extLst>
+              </a:tr>
+              <a:tr h="287811">
+                <a:tc>
+                  <a:txBody>
+                    <a:bodyPr/>
+                    <a:lstStyle/>
+                    <a:p>
+                      <a:r>
+                        <a:rPr lang="en-US" sz="1500" dirty="0"/>
+                        <a:t>Max</a:t>
+                      </a:r>
+                    </a:p>
+                  </a:txBody>
+                  <a:tcPr/>
+                </a:tc>
+                <a:tc>
+                  <a:txBody>
+                    <a:bodyPr/>
+                    <a:lstStyle/>
+                    <a:p>
+                      <a:r>
+                        <a:rPr lang="en-US" sz="1500" dirty="0"/>
+                        <a:t>714</a:t>
+                      </a:r>
+                    </a:p>
+                  </a:txBody>
+                  <a:tcPr/>
+                </a:tc>
+                <a:extLst>
+                  <a:ext uri="{0D108BD9-81ED-4DB2-BD59-A6C34878D82A}">
+                    <a16:rowId xmlns:a16="http://schemas.microsoft.com/office/drawing/2014/main" val="2088009610"/>
+                  </a:ext>
+                </a:extLst>
+              </a:tr>
+            </a:tbl>
+          </a:graphicData>
+        </a:graphic>
+      </p:graphicFrame>
+      <p:graphicFrame>
+        <p:nvGraphicFramePr>
+          <p:cNvPr id="24" name="Content Placeholder 3">
+            <a:extLst>
+              <a:ext uri="{FF2B5EF4-FFF2-40B4-BE49-F238E27FC236}">
+                <a16:creationId xmlns:a16="http://schemas.microsoft.com/office/drawing/2014/main" id="{71444A5C-51DB-4626-9529-55E2A2B50C42}"/>
+              </a:ext>
+            </a:extLst>
+          </p:cNvPr>
+          <p:cNvGraphicFramePr>
+            <a:graphicFrameLocks/>
+          </p:cNvGraphicFramePr>
+          <p:nvPr>
+            <p:extLst>
+              <p:ext uri="{D42A27DB-BD31-4B8C-83A1-F6EECF244321}">
+                <p14:modId xmlns:p14="http://schemas.microsoft.com/office/powerpoint/2010/main" val="2134501319"/>
+              </p:ext>
+            </p:extLst>
+          </p:nvPr>
+        </p:nvGraphicFramePr>
+        <p:xfrm>
+          <a:off x="8150043" y="1478411"/>
+          <a:ext cx="1835252" cy="2468880"/>
+        </p:xfrm>
+        <a:graphic>
+          <a:graphicData uri="http://schemas.openxmlformats.org/drawingml/2006/table">
+            <a:tbl>
+              <a:tblPr firstRow="1" bandRow="1">
+                <a:tableStyleId>{EB9631B5-78F2-41C9-869B-9F39066F8104}</a:tableStyleId>
+              </a:tblPr>
+              <a:tblGrid>
+                <a:gridCol w="917626">
+                  <a:extLst>
+                    <a:ext uri="{9D8B030D-6E8A-4147-A177-3AD203B41FA5}">
+                      <a16:colId xmlns:a16="http://schemas.microsoft.com/office/drawing/2014/main" val="2709521757"/>
+                    </a:ext>
+                  </a:extLst>
+                </a:gridCol>
+                <a:gridCol w="917626">
+                  <a:extLst>
+                    <a:ext uri="{9D8B030D-6E8A-4147-A177-3AD203B41FA5}">
+                      <a16:colId xmlns:a16="http://schemas.microsoft.com/office/drawing/2014/main" val="439797912"/>
+                    </a:ext>
+                  </a:extLst>
+                </a:gridCol>
+              </a:tblGrid>
+              <a:tr h="287811">
+                <a:tc gridSpan="2">
+                  <a:txBody>
+                    <a:bodyPr/>
+                    <a:lstStyle/>
+                    <a:p>
+                      <a:pPr algn="ctr"/>
+                      <a:r>
+                        <a:rPr lang="en-US" sz="1500" dirty="0"/>
+                        <a:t>Self-Propelled Artillery</a:t>
+                      </a:r>
+                    </a:p>
+                  </a:txBody>
+                  <a:tcPr/>
+                </a:tc>
+                <a:tc hMerge="1">
+                  <a:txBody>
+                    <a:bodyPr/>
+                    <a:lstStyle/>
+                    <a:p>
+                      <a:endParaRPr lang="en-US" dirty="0"/>
+                    </a:p>
+                  </a:txBody>
+                  <a:tcPr/>
+                </a:tc>
+                <a:extLst>
+                  <a:ext uri="{0D108BD9-81ED-4DB2-BD59-A6C34878D82A}">
+                    <a16:rowId xmlns:a16="http://schemas.microsoft.com/office/drawing/2014/main" val="3266637697"/>
+                  </a:ext>
+                </a:extLst>
+              </a:tr>
+              <a:tr h="287811">
+                <a:tc>
+                  <a:txBody>
+                    <a:bodyPr/>
+                    <a:lstStyle/>
+                    <a:p>
+                      <a:r>
+                        <a:rPr lang="en-US" sz="1500" dirty="0"/>
+                        <a:t>Min</a:t>
+                      </a:r>
+                    </a:p>
+                  </a:txBody>
+                  <a:tcPr/>
+                </a:tc>
+                <a:tc>
+                  <a:txBody>
+                    <a:bodyPr/>
+                    <a:lstStyle/>
+                    <a:p>
+                      <a:r>
+                        <a:rPr lang="en-US" sz="1500" dirty="0"/>
+                        <a:t>290</a:t>
+                      </a:r>
+                    </a:p>
+                  </a:txBody>
+                  <a:tcPr/>
+                </a:tc>
+                <a:extLst>
+                  <a:ext uri="{0D108BD9-81ED-4DB2-BD59-A6C34878D82A}">
+                    <a16:rowId xmlns:a16="http://schemas.microsoft.com/office/drawing/2014/main" val="2458909851"/>
+                  </a:ext>
+                </a:extLst>
+              </a:tr>
+              <a:tr h="287811">
+                <a:tc>
+                  <a:txBody>
+                    <a:bodyPr/>
+                    <a:lstStyle/>
+                    <a:p>
+                      <a:r>
+                        <a:rPr lang="en-US" sz="1500" dirty="0"/>
+                        <a:t>1</a:t>
+                      </a:r>
+                      <a:r>
+                        <a:rPr lang="en-US" sz="1500" baseline="30000" dirty="0"/>
+                        <a:t>st</a:t>
+                      </a:r>
+                      <a:r>
+                        <a:rPr lang="en-US" sz="1500" dirty="0"/>
+                        <a:t> Qu</a:t>
+                      </a:r>
+                    </a:p>
+                  </a:txBody>
+                  <a:tcPr/>
+                </a:tc>
+                <a:tc>
+                  <a:txBody>
+                    <a:bodyPr/>
+                    <a:lstStyle/>
+                    <a:p>
+                      <a:r>
+                        <a:rPr lang="en-US" sz="1500" dirty="0"/>
+                        <a:t>325</a:t>
+                      </a:r>
+                    </a:p>
+                  </a:txBody>
+                  <a:tcPr/>
+                </a:tc>
+                <a:extLst>
+                  <a:ext uri="{0D108BD9-81ED-4DB2-BD59-A6C34878D82A}">
+                    <a16:rowId xmlns:a16="http://schemas.microsoft.com/office/drawing/2014/main" val="1800281230"/>
+                  </a:ext>
+                </a:extLst>
+              </a:tr>
+              <a:tr h="287811">
+                <a:tc>
+                  <a:txBody>
+                    <a:bodyPr/>
+                    <a:lstStyle/>
+                    <a:p>
+                      <a:r>
+                        <a:rPr lang="en-US" sz="1500" dirty="0"/>
+                        <a:t>Median</a:t>
+                      </a:r>
+                    </a:p>
+                  </a:txBody>
+                  <a:tcPr/>
+                </a:tc>
+                <a:tc>
+                  <a:txBody>
+                    <a:bodyPr/>
+                    <a:lstStyle/>
+                    <a:p>
+                      <a:r>
+                        <a:rPr lang="en-US" sz="1500" dirty="0"/>
+                        <a:t>1710</a:t>
+                      </a:r>
+                    </a:p>
+                  </a:txBody>
+                  <a:tcPr/>
+                </a:tc>
+                <a:extLst>
+                  <a:ext uri="{0D108BD9-81ED-4DB2-BD59-A6C34878D82A}">
+                    <a16:rowId xmlns:a16="http://schemas.microsoft.com/office/drawing/2014/main" val="2127186543"/>
+                  </a:ext>
+                </a:extLst>
+              </a:tr>
+              <a:tr h="287811">
+                <a:tc>
+                  <a:txBody>
+                    <a:bodyPr/>
+                    <a:lstStyle/>
+                    <a:p>
+                      <a:r>
+                        <a:rPr lang="en-US" sz="1500" dirty="0"/>
+                        <a:t>Mean</a:t>
+                      </a:r>
+                    </a:p>
+                  </a:txBody>
+                  <a:tcPr/>
+                </a:tc>
+                <a:tc>
+                  <a:txBody>
+                    <a:bodyPr/>
+                    <a:lstStyle/>
+                    <a:p>
+                      <a:r>
+                        <a:rPr lang="en-US" sz="1500" dirty="0"/>
+                        <a:t>2046</a:t>
+                      </a:r>
+                    </a:p>
+                  </a:txBody>
+                  <a:tcPr/>
+                </a:tc>
+                <a:extLst>
+                  <a:ext uri="{0D108BD9-81ED-4DB2-BD59-A6C34878D82A}">
+                    <a16:rowId xmlns:a16="http://schemas.microsoft.com/office/drawing/2014/main" val="3383584692"/>
+                  </a:ext>
+                </a:extLst>
+              </a:tr>
+              <a:tr h="287811">
+                <a:tc>
+                  <a:txBody>
+                    <a:bodyPr/>
+                    <a:lstStyle/>
+                    <a:p>
+                      <a:r>
+                        <a:rPr lang="en-US" sz="1500" dirty="0"/>
+                        <a:t>3</a:t>
+                      </a:r>
+                      <a:r>
+                        <a:rPr lang="en-US" sz="1500" baseline="30000" dirty="0"/>
+                        <a:t>rd</a:t>
+                      </a:r>
+                      <a:r>
+                        <a:rPr lang="en-US" sz="1500" dirty="0"/>
+                        <a:t> Qu</a:t>
+                      </a:r>
+                    </a:p>
+                  </a:txBody>
+                  <a:tcPr/>
+                </a:tc>
+                <a:tc>
+                  <a:txBody>
+                    <a:bodyPr/>
+                    <a:lstStyle/>
+                    <a:p>
+                      <a:r>
+                        <a:rPr lang="en-US" sz="1500" dirty="0"/>
+                        <a:t>1934</a:t>
+                      </a:r>
+                    </a:p>
+                  </a:txBody>
+                  <a:tcPr/>
+                </a:tc>
+                <a:extLst>
+                  <a:ext uri="{0D108BD9-81ED-4DB2-BD59-A6C34878D82A}">
+                    <a16:rowId xmlns:a16="http://schemas.microsoft.com/office/drawing/2014/main" val="3560094506"/>
+                  </a:ext>
+                </a:extLst>
+              </a:tr>
+              <a:tr h="287811">
+                <a:tc>
+                  <a:txBody>
+                    <a:bodyPr/>
+                    <a:lstStyle/>
+                    <a:p>
+                      <a:r>
+                        <a:rPr lang="en-US" sz="1500" dirty="0"/>
+                        <a:t>Max</a:t>
+                      </a:r>
+                    </a:p>
+                  </a:txBody>
+                  <a:tcPr/>
+                </a:tc>
+                <a:tc>
+                  <a:txBody>
+                    <a:bodyPr/>
+                    <a:lstStyle/>
+                    <a:p>
+                      <a:r>
+                        <a:rPr lang="en-US" sz="1500" dirty="0"/>
+                        <a:t>5972</a:t>
+                      </a:r>
+                    </a:p>
+                  </a:txBody>
+                  <a:tcPr/>
+                </a:tc>
+                <a:extLst>
+                  <a:ext uri="{0D108BD9-81ED-4DB2-BD59-A6C34878D82A}">
+                    <a16:rowId xmlns:a16="http://schemas.microsoft.com/office/drawing/2014/main" val="2088009610"/>
+                  </a:ext>
+                </a:extLst>
+              </a:tr>
+            </a:tbl>
+          </a:graphicData>
+        </a:graphic>
+      </p:graphicFrame>
+      <p:graphicFrame>
+        <p:nvGraphicFramePr>
+          <p:cNvPr id="25" name="Content Placeholder 3">
+            <a:extLst>
+              <a:ext uri="{FF2B5EF4-FFF2-40B4-BE49-F238E27FC236}">
+                <a16:creationId xmlns:a16="http://schemas.microsoft.com/office/drawing/2014/main" id="{C298A09B-1D3A-4991-A85E-ED03F7249859}"/>
+              </a:ext>
+            </a:extLst>
+          </p:cNvPr>
+          <p:cNvGraphicFramePr>
+            <a:graphicFrameLocks/>
+          </p:cNvGraphicFramePr>
+          <p:nvPr>
+            <p:extLst>
+              <p:ext uri="{D42A27DB-BD31-4B8C-83A1-F6EECF244321}">
+                <p14:modId xmlns:p14="http://schemas.microsoft.com/office/powerpoint/2010/main" val="3285910208"/>
+              </p:ext>
+            </p:extLst>
+          </p:nvPr>
+        </p:nvGraphicFramePr>
+        <p:xfrm>
+          <a:off x="6144987" y="1478411"/>
+          <a:ext cx="1835252" cy="2468880"/>
+        </p:xfrm>
+        <a:graphic>
+          <a:graphicData uri="http://schemas.openxmlformats.org/drawingml/2006/table">
+            <a:tbl>
+              <a:tblPr firstRow="1" bandRow="1">
+                <a:tableStyleId>{EB9631B5-78F2-41C9-869B-9F39066F8104}</a:tableStyleId>
+              </a:tblPr>
+              <a:tblGrid>
+                <a:gridCol w="917626">
+                  <a:extLst>
+                    <a:ext uri="{9D8B030D-6E8A-4147-A177-3AD203B41FA5}">
+                      <a16:colId xmlns:a16="http://schemas.microsoft.com/office/drawing/2014/main" val="2709521757"/>
+                    </a:ext>
+                  </a:extLst>
+                </a:gridCol>
+                <a:gridCol w="917626">
+                  <a:extLst>
+                    <a:ext uri="{9D8B030D-6E8A-4147-A177-3AD203B41FA5}">
+                      <a16:colId xmlns:a16="http://schemas.microsoft.com/office/drawing/2014/main" val="439797912"/>
+                    </a:ext>
+                  </a:extLst>
+                </a:gridCol>
+              </a:tblGrid>
+              <a:tr h="287811">
+                <a:tc gridSpan="2">
+                  <a:txBody>
+                    <a:bodyPr/>
+                    <a:lstStyle/>
+                    <a:p>
+                      <a:pPr algn="ctr"/>
+                      <a:r>
+                        <a:rPr lang="en-US" sz="1500" dirty="0"/>
+                        <a:t>Armored Fighting Vehicles</a:t>
+                      </a:r>
+                    </a:p>
+                  </a:txBody>
+                  <a:tcPr/>
+                </a:tc>
+                <a:tc hMerge="1">
+                  <a:txBody>
+                    <a:bodyPr/>
+                    <a:lstStyle/>
+                    <a:p>
+                      <a:endParaRPr lang="en-US" dirty="0"/>
+                    </a:p>
+                  </a:txBody>
+                  <a:tcPr/>
+                </a:tc>
+                <a:extLst>
+                  <a:ext uri="{0D108BD9-81ED-4DB2-BD59-A6C34878D82A}">
+                    <a16:rowId xmlns:a16="http://schemas.microsoft.com/office/drawing/2014/main" val="3266637697"/>
+                  </a:ext>
+                </a:extLst>
+              </a:tr>
+              <a:tr h="287811">
+                <a:tc>
+                  <a:txBody>
+                    <a:bodyPr/>
+                    <a:lstStyle/>
+                    <a:p>
+                      <a:r>
+                        <a:rPr lang="en-US" sz="1500" dirty="0"/>
+                        <a:t>Min</a:t>
+                      </a:r>
+                    </a:p>
+                  </a:txBody>
+                  <a:tcPr/>
+                </a:tc>
+                <a:tc>
+                  <a:txBody>
+                    <a:bodyPr/>
+                    <a:lstStyle/>
+                    <a:p>
+                      <a:r>
+                        <a:rPr lang="en-US" sz="1500" dirty="0"/>
+                        <a:t>4788</a:t>
+                      </a:r>
+                    </a:p>
+                  </a:txBody>
+                  <a:tcPr/>
+                </a:tc>
+                <a:extLst>
+                  <a:ext uri="{0D108BD9-81ED-4DB2-BD59-A6C34878D82A}">
+                    <a16:rowId xmlns:a16="http://schemas.microsoft.com/office/drawing/2014/main" val="2458909851"/>
+                  </a:ext>
+                </a:extLst>
+              </a:tr>
+              <a:tr h="287811">
+                <a:tc>
+                  <a:txBody>
+                    <a:bodyPr/>
+                    <a:lstStyle/>
+                    <a:p>
+                      <a:r>
+                        <a:rPr lang="en-US" sz="1500" dirty="0"/>
+                        <a:t>1</a:t>
+                      </a:r>
+                      <a:r>
+                        <a:rPr lang="en-US" sz="1500" baseline="30000" dirty="0"/>
+                        <a:t>st</a:t>
+                      </a:r>
+                      <a:r>
+                        <a:rPr lang="en-US" sz="1500" dirty="0"/>
+                        <a:t> Qu</a:t>
+                      </a:r>
+                    </a:p>
+                  </a:txBody>
+                  <a:tcPr/>
+                </a:tc>
+                <a:tc>
+                  <a:txBody>
+                    <a:bodyPr/>
+                    <a:lstStyle/>
+                    <a:p>
+                      <a:r>
+                        <a:rPr lang="en-US" sz="1500" dirty="0"/>
+                        <a:t>6704</a:t>
+                      </a:r>
+                    </a:p>
+                  </a:txBody>
+                  <a:tcPr/>
+                </a:tc>
+                <a:extLst>
+                  <a:ext uri="{0D108BD9-81ED-4DB2-BD59-A6C34878D82A}">
+                    <a16:rowId xmlns:a16="http://schemas.microsoft.com/office/drawing/2014/main" val="1800281230"/>
+                  </a:ext>
+                </a:extLst>
+              </a:tr>
+              <a:tr h="287811">
+                <a:tc>
+                  <a:txBody>
+                    <a:bodyPr/>
+                    <a:lstStyle/>
+                    <a:p>
+                      <a:r>
+                        <a:rPr lang="en-US" sz="1500" dirty="0"/>
+                        <a:t>Median</a:t>
+                      </a:r>
+                    </a:p>
+                  </a:txBody>
+                  <a:tcPr/>
+                </a:tc>
+                <a:tc>
+                  <a:txBody>
+                    <a:bodyPr/>
+                    <a:lstStyle/>
+                    <a:p>
+                      <a:r>
+                        <a:rPr lang="en-US" sz="1500" dirty="0"/>
+                        <a:t>6863</a:t>
+                      </a:r>
+                    </a:p>
+                  </a:txBody>
+                  <a:tcPr/>
+                </a:tc>
+                <a:extLst>
+                  <a:ext uri="{0D108BD9-81ED-4DB2-BD59-A6C34878D82A}">
+                    <a16:rowId xmlns:a16="http://schemas.microsoft.com/office/drawing/2014/main" val="2127186543"/>
+                  </a:ext>
+                </a:extLst>
+              </a:tr>
+              <a:tr h="287811">
+                <a:tc>
+                  <a:txBody>
+                    <a:bodyPr/>
+                    <a:lstStyle/>
+                    <a:p>
+                      <a:r>
+                        <a:rPr lang="en-US" sz="1500" dirty="0"/>
+                        <a:t>Mean</a:t>
+                      </a:r>
+                    </a:p>
+                  </a:txBody>
+                  <a:tcPr/>
+                </a:tc>
+                <a:tc>
+                  <a:txBody>
+                    <a:bodyPr/>
+                    <a:lstStyle/>
+                    <a:p>
+                      <a:r>
+                        <a:rPr lang="en-US" sz="1500" dirty="0"/>
+                        <a:t>18143</a:t>
+                      </a:r>
+                    </a:p>
+                  </a:txBody>
+                  <a:tcPr/>
+                </a:tc>
+                <a:extLst>
+                  <a:ext uri="{0D108BD9-81ED-4DB2-BD59-A6C34878D82A}">
+                    <a16:rowId xmlns:a16="http://schemas.microsoft.com/office/drawing/2014/main" val="3383584692"/>
+                  </a:ext>
+                </a:extLst>
+              </a:tr>
+              <a:tr h="287811">
+                <a:tc>
+                  <a:txBody>
+                    <a:bodyPr/>
+                    <a:lstStyle/>
+                    <a:p>
+                      <a:r>
+                        <a:rPr lang="en-US" sz="1500" dirty="0"/>
+                        <a:t>3</a:t>
+                      </a:r>
+                      <a:r>
+                        <a:rPr lang="en-US" sz="1500" baseline="30000" dirty="0"/>
+                        <a:t>rd</a:t>
+                      </a:r>
+                      <a:r>
+                        <a:rPr lang="en-US" sz="1500" dirty="0"/>
+                        <a:t> Qu</a:t>
+                      </a:r>
+                    </a:p>
+                  </a:txBody>
+                  <a:tcPr/>
+                </a:tc>
+                <a:tc>
+                  <a:txBody>
+                    <a:bodyPr/>
+                    <a:lstStyle/>
+                    <a:p>
+                      <a:r>
+                        <a:rPr lang="en-US" sz="1500" dirty="0"/>
+                        <a:t>31298</a:t>
+                      </a:r>
+                    </a:p>
+                  </a:txBody>
+                  <a:tcPr/>
+                </a:tc>
+                <a:extLst>
+                  <a:ext uri="{0D108BD9-81ED-4DB2-BD59-A6C34878D82A}">
+                    <a16:rowId xmlns:a16="http://schemas.microsoft.com/office/drawing/2014/main" val="3560094506"/>
+                  </a:ext>
+                </a:extLst>
+              </a:tr>
+              <a:tr h="287811">
+                <a:tc>
+                  <a:txBody>
+                    <a:bodyPr/>
+                    <a:lstStyle/>
+                    <a:p>
+                      <a:r>
+                        <a:rPr lang="en-US" sz="1500" dirty="0"/>
+                        <a:t>Max</a:t>
+                      </a:r>
+                    </a:p>
+                  </a:txBody>
+                  <a:tcPr/>
+                </a:tc>
+                <a:tc>
+                  <a:txBody>
+                    <a:bodyPr/>
+                    <a:lstStyle/>
+                    <a:p>
+                      <a:r>
+                        <a:rPr lang="en-US" sz="1500" dirty="0"/>
+                        <a:t>41062</a:t>
+                      </a:r>
+                    </a:p>
+                  </a:txBody>
+                  <a:tcPr/>
+                </a:tc>
+                <a:extLst>
+                  <a:ext uri="{0D108BD9-81ED-4DB2-BD59-A6C34878D82A}">
+                    <a16:rowId xmlns:a16="http://schemas.microsoft.com/office/drawing/2014/main" val="2088009610"/>
+                  </a:ext>
+                </a:extLst>
+              </a:tr>
+            </a:tbl>
+          </a:graphicData>
+        </a:graphic>
+      </p:graphicFrame>
+      <p:graphicFrame>
+        <p:nvGraphicFramePr>
+          <p:cNvPr id="27" name="Content Placeholder 3">
+            <a:extLst>
+              <a:ext uri="{FF2B5EF4-FFF2-40B4-BE49-F238E27FC236}">
+                <a16:creationId xmlns:a16="http://schemas.microsoft.com/office/drawing/2014/main" id="{1ED7FEE1-3049-4AE0-AF92-69C53182FFF1}"/>
+              </a:ext>
+            </a:extLst>
+          </p:cNvPr>
+          <p:cNvGraphicFramePr>
+            <a:graphicFrameLocks/>
+          </p:cNvGraphicFramePr>
+          <p:nvPr>
+            <p:extLst>
+              <p:ext uri="{D42A27DB-BD31-4B8C-83A1-F6EECF244321}">
+                <p14:modId xmlns:p14="http://schemas.microsoft.com/office/powerpoint/2010/main" val="2128883115"/>
+              </p:ext>
+            </p:extLst>
+          </p:nvPr>
+        </p:nvGraphicFramePr>
+        <p:xfrm>
+          <a:off x="150248" y="4212940"/>
+          <a:ext cx="1835252" cy="2468880"/>
+        </p:xfrm>
+        <a:graphic>
+          <a:graphicData uri="http://schemas.openxmlformats.org/drawingml/2006/table">
+            <a:tbl>
+              <a:tblPr firstRow="1" bandRow="1">
+                <a:tableStyleId>{85BE263C-DBD7-4A20-BB59-AAB30ACAA65A}</a:tableStyleId>
+              </a:tblPr>
+              <a:tblGrid>
+                <a:gridCol w="917626">
+                  <a:extLst>
+                    <a:ext uri="{9D8B030D-6E8A-4147-A177-3AD203B41FA5}">
+                      <a16:colId xmlns:a16="http://schemas.microsoft.com/office/drawing/2014/main" val="2709521757"/>
+                    </a:ext>
+                  </a:extLst>
+                </a:gridCol>
+                <a:gridCol w="917626">
+                  <a:extLst>
+                    <a:ext uri="{9D8B030D-6E8A-4147-A177-3AD203B41FA5}">
+                      <a16:colId xmlns:a16="http://schemas.microsoft.com/office/drawing/2014/main" val="439797912"/>
+                    </a:ext>
+                  </a:extLst>
+                </a:gridCol>
+              </a:tblGrid>
+              <a:tr h="287811">
+                <a:tc gridSpan="2">
+                  <a:txBody>
+                    <a:bodyPr/>
+                    <a:lstStyle/>
+                    <a:p>
+                      <a:pPr algn="ctr"/>
+                      <a:r>
+                        <a:rPr lang="en-US" sz="1500" dirty="0"/>
+                        <a:t>Total Aircraft Strength</a:t>
+                      </a:r>
+                    </a:p>
+                  </a:txBody>
+                  <a:tcPr/>
+                </a:tc>
+                <a:tc hMerge="1">
+                  <a:txBody>
+                    <a:bodyPr/>
+                    <a:lstStyle/>
+                    <a:p>
+                      <a:endParaRPr lang="en-US" dirty="0"/>
+                    </a:p>
+                  </a:txBody>
+                  <a:tcPr/>
+                </a:tc>
+                <a:extLst>
+                  <a:ext uri="{0D108BD9-81ED-4DB2-BD59-A6C34878D82A}">
+                    <a16:rowId xmlns:a16="http://schemas.microsoft.com/office/drawing/2014/main" val="3266637697"/>
+                  </a:ext>
+                </a:extLst>
+              </a:tr>
+              <a:tr h="287811">
+                <a:tc>
+                  <a:txBody>
+                    <a:bodyPr/>
+                    <a:lstStyle/>
+                    <a:p>
+                      <a:r>
+                        <a:rPr lang="en-US" sz="1500" dirty="0"/>
+                        <a:t>Min</a:t>
+                      </a:r>
+                    </a:p>
+                  </a:txBody>
+                  <a:tcPr/>
+                </a:tc>
+                <a:tc>
+                  <a:txBody>
+                    <a:bodyPr/>
+                    <a:lstStyle/>
+                    <a:p>
+                      <a:r>
+                        <a:rPr lang="en-US" sz="1500" dirty="0"/>
+                        <a:t>4</a:t>
+                      </a:r>
+                    </a:p>
+                  </a:txBody>
+                  <a:tcPr/>
+                </a:tc>
+                <a:extLst>
+                  <a:ext uri="{0D108BD9-81ED-4DB2-BD59-A6C34878D82A}">
+                    <a16:rowId xmlns:a16="http://schemas.microsoft.com/office/drawing/2014/main" val="2458909851"/>
+                  </a:ext>
+                </a:extLst>
+              </a:tr>
+              <a:tr h="287811">
+                <a:tc>
+                  <a:txBody>
+                    <a:bodyPr/>
+                    <a:lstStyle/>
+                    <a:p>
+                      <a:r>
+                        <a:rPr lang="en-US" sz="1500" dirty="0"/>
+                        <a:t>1</a:t>
+                      </a:r>
+                      <a:r>
+                        <a:rPr lang="en-US" sz="1500" baseline="30000" dirty="0"/>
+                        <a:t>st</a:t>
+                      </a:r>
+                      <a:r>
+                        <a:rPr lang="en-US" sz="1500" dirty="0"/>
+                        <a:t> Qu</a:t>
+                      </a:r>
+                    </a:p>
+                  </a:txBody>
+                  <a:tcPr/>
+                </a:tc>
+                <a:tc>
+                  <a:txBody>
+                    <a:bodyPr/>
+                    <a:lstStyle/>
+                    <a:p>
+                      <a:r>
+                        <a:rPr lang="en-US" sz="1500" dirty="0"/>
+                        <a:t>4.75</a:t>
+                      </a:r>
+                    </a:p>
+                  </a:txBody>
+                  <a:tcPr/>
+                </a:tc>
+                <a:extLst>
+                  <a:ext uri="{0D108BD9-81ED-4DB2-BD59-A6C34878D82A}">
+                    <a16:rowId xmlns:a16="http://schemas.microsoft.com/office/drawing/2014/main" val="1800281230"/>
+                  </a:ext>
+                </a:extLst>
+              </a:tr>
+              <a:tr h="287811">
+                <a:tc>
+                  <a:txBody>
+                    <a:bodyPr/>
+                    <a:lstStyle/>
+                    <a:p>
+                      <a:r>
+                        <a:rPr lang="en-US" sz="1500" dirty="0"/>
+                        <a:t>Median</a:t>
+                      </a:r>
+                    </a:p>
+                  </a:txBody>
+                  <a:tcPr/>
+                </a:tc>
+                <a:tc>
+                  <a:txBody>
+                    <a:bodyPr/>
+                    <a:lstStyle/>
+                    <a:p>
+                      <a:r>
+                        <a:rPr lang="en-US" sz="1500" dirty="0"/>
+                        <a:t>5.5</a:t>
+                      </a:r>
+                    </a:p>
+                  </a:txBody>
+                  <a:tcPr/>
+                </a:tc>
+                <a:extLst>
+                  <a:ext uri="{0D108BD9-81ED-4DB2-BD59-A6C34878D82A}">
+                    <a16:rowId xmlns:a16="http://schemas.microsoft.com/office/drawing/2014/main" val="2127186543"/>
+                  </a:ext>
+                </a:extLst>
+              </a:tr>
+              <a:tr h="287811">
+                <a:tc>
+                  <a:txBody>
+                    <a:bodyPr/>
+                    <a:lstStyle/>
+                    <a:p>
+                      <a:r>
+                        <a:rPr lang="en-US" sz="1500" dirty="0"/>
+                        <a:t>Mean</a:t>
+                      </a:r>
+                    </a:p>
+                  </a:txBody>
+                  <a:tcPr/>
+                </a:tc>
+                <a:tc>
+                  <a:txBody>
+                    <a:bodyPr/>
+                    <a:lstStyle/>
+                    <a:p>
+                      <a:r>
+                        <a:rPr lang="en-US" sz="1500" dirty="0"/>
+                        <a:t>10</a:t>
+                      </a:r>
+                    </a:p>
+                  </a:txBody>
+                  <a:tcPr/>
+                </a:tc>
+                <a:extLst>
+                  <a:ext uri="{0D108BD9-81ED-4DB2-BD59-A6C34878D82A}">
+                    <a16:rowId xmlns:a16="http://schemas.microsoft.com/office/drawing/2014/main" val="3383584692"/>
+                  </a:ext>
+                </a:extLst>
+              </a:tr>
+              <a:tr h="287811">
+                <a:tc>
+                  <a:txBody>
+                    <a:bodyPr/>
+                    <a:lstStyle/>
+                    <a:p>
+                      <a:r>
+                        <a:rPr lang="en-US" sz="1500" dirty="0"/>
+                        <a:t>3</a:t>
+                      </a:r>
+                      <a:r>
+                        <a:rPr lang="en-US" sz="1500" baseline="30000" dirty="0"/>
+                        <a:t>rd</a:t>
+                      </a:r>
+                      <a:r>
+                        <a:rPr lang="en-US" sz="1500" dirty="0"/>
+                        <a:t> Qu</a:t>
+                      </a:r>
+                    </a:p>
+                  </a:txBody>
+                  <a:tcPr/>
+                </a:tc>
+                <a:tc>
+                  <a:txBody>
+                    <a:bodyPr/>
+                    <a:lstStyle/>
+                    <a:p>
+                      <a:r>
+                        <a:rPr lang="en-US" sz="1500" dirty="0"/>
+                        <a:t>10.75</a:t>
+                      </a:r>
+                    </a:p>
+                  </a:txBody>
+                  <a:tcPr/>
+                </a:tc>
+                <a:extLst>
+                  <a:ext uri="{0D108BD9-81ED-4DB2-BD59-A6C34878D82A}">
+                    <a16:rowId xmlns:a16="http://schemas.microsoft.com/office/drawing/2014/main" val="3560094506"/>
+                  </a:ext>
+                </a:extLst>
+              </a:tr>
+              <a:tr h="287811">
+                <a:tc>
+                  <a:txBody>
+                    <a:bodyPr/>
+                    <a:lstStyle/>
+                    <a:p>
+                      <a:r>
+                        <a:rPr lang="en-US" sz="1500" dirty="0"/>
+                        <a:t>Max</a:t>
+                      </a:r>
+                    </a:p>
+                  </a:txBody>
+                  <a:tcPr/>
+                </a:tc>
+                <a:tc>
+                  <a:txBody>
+                    <a:bodyPr/>
+                    <a:lstStyle/>
+                    <a:p>
+                      <a:r>
+                        <a:rPr lang="en-US" sz="1500" dirty="0"/>
+                        <a:t>25</a:t>
+                      </a:r>
+                    </a:p>
+                  </a:txBody>
+                  <a:tcPr/>
+                </a:tc>
+                <a:extLst>
+                  <a:ext uri="{0D108BD9-81ED-4DB2-BD59-A6C34878D82A}">
+                    <a16:rowId xmlns:a16="http://schemas.microsoft.com/office/drawing/2014/main" val="2088009610"/>
+                  </a:ext>
+                </a:extLst>
+              </a:tr>
+            </a:tbl>
+          </a:graphicData>
+        </a:graphic>
+      </p:graphicFrame>
+      <p:graphicFrame>
+        <p:nvGraphicFramePr>
+          <p:cNvPr id="28" name="Content Placeholder 3">
+            <a:extLst>
+              <a:ext uri="{FF2B5EF4-FFF2-40B4-BE49-F238E27FC236}">
+                <a16:creationId xmlns:a16="http://schemas.microsoft.com/office/drawing/2014/main" id="{2E604C9C-C835-4B04-897F-E8DDAF668C7A}"/>
+              </a:ext>
+            </a:extLst>
+          </p:cNvPr>
+          <p:cNvGraphicFramePr>
+            <a:graphicFrameLocks/>
+          </p:cNvGraphicFramePr>
+          <p:nvPr>
+            <p:extLst>
+              <p:ext uri="{D42A27DB-BD31-4B8C-83A1-F6EECF244321}">
+                <p14:modId xmlns:p14="http://schemas.microsoft.com/office/powerpoint/2010/main" val="1443180370"/>
+              </p:ext>
+            </p:extLst>
+          </p:nvPr>
+        </p:nvGraphicFramePr>
+        <p:xfrm>
+          <a:off x="2149861" y="4212940"/>
+          <a:ext cx="1835252" cy="2468880"/>
+        </p:xfrm>
+        <a:graphic>
+          <a:graphicData uri="http://schemas.openxmlformats.org/drawingml/2006/table">
+            <a:tbl>
+              <a:tblPr firstRow="1" bandRow="1">
+                <a:tableStyleId>{85BE263C-DBD7-4A20-BB59-AAB30ACAA65A}</a:tableStyleId>
+              </a:tblPr>
+              <a:tblGrid>
+                <a:gridCol w="917626">
+                  <a:extLst>
+                    <a:ext uri="{9D8B030D-6E8A-4147-A177-3AD203B41FA5}">
+                      <a16:colId xmlns:a16="http://schemas.microsoft.com/office/drawing/2014/main" val="2709521757"/>
+                    </a:ext>
+                  </a:extLst>
+                </a:gridCol>
+                <a:gridCol w="917626">
+                  <a:extLst>
+                    <a:ext uri="{9D8B030D-6E8A-4147-A177-3AD203B41FA5}">
+                      <a16:colId xmlns:a16="http://schemas.microsoft.com/office/drawing/2014/main" val="439797912"/>
+                    </a:ext>
+                  </a:extLst>
+                </a:gridCol>
+              </a:tblGrid>
+              <a:tr h="287811">
+                <a:tc gridSpan="2">
+                  <a:txBody>
+                    <a:bodyPr/>
+                    <a:lstStyle/>
+                    <a:p>
+                      <a:pPr algn="ctr"/>
+                      <a:r>
+                        <a:rPr lang="en-US" sz="1500" dirty="0"/>
+                        <a:t>Total Helicopter Strength</a:t>
+                      </a:r>
+                    </a:p>
+                  </a:txBody>
+                  <a:tcPr/>
+                </a:tc>
+                <a:tc hMerge="1">
+                  <a:txBody>
+                    <a:bodyPr/>
+                    <a:lstStyle/>
+                    <a:p>
+                      <a:endParaRPr lang="en-US" dirty="0"/>
+                    </a:p>
+                  </a:txBody>
+                  <a:tcPr/>
+                </a:tc>
+                <a:extLst>
+                  <a:ext uri="{0D108BD9-81ED-4DB2-BD59-A6C34878D82A}">
+                    <a16:rowId xmlns:a16="http://schemas.microsoft.com/office/drawing/2014/main" val="3266637697"/>
+                  </a:ext>
+                </a:extLst>
+              </a:tr>
+              <a:tr h="287811">
+                <a:tc>
+                  <a:txBody>
+                    <a:bodyPr/>
+                    <a:lstStyle/>
+                    <a:p>
+                      <a:r>
+                        <a:rPr lang="en-US" sz="1500" dirty="0"/>
+                        <a:t>Min</a:t>
+                      </a:r>
+                    </a:p>
+                  </a:txBody>
+                  <a:tcPr/>
+                </a:tc>
+                <a:tc>
+                  <a:txBody>
+                    <a:bodyPr/>
+                    <a:lstStyle/>
+                    <a:p>
+                      <a:r>
+                        <a:rPr lang="en-US" sz="1500" dirty="0"/>
+                        <a:t>4</a:t>
+                      </a:r>
+                    </a:p>
+                  </a:txBody>
+                  <a:tcPr/>
+                </a:tc>
+                <a:extLst>
+                  <a:ext uri="{0D108BD9-81ED-4DB2-BD59-A6C34878D82A}">
+                    <a16:rowId xmlns:a16="http://schemas.microsoft.com/office/drawing/2014/main" val="2458909851"/>
+                  </a:ext>
+                </a:extLst>
+              </a:tr>
+              <a:tr h="287811">
+                <a:tc>
+                  <a:txBody>
+                    <a:bodyPr/>
+                    <a:lstStyle/>
+                    <a:p>
+                      <a:r>
+                        <a:rPr lang="en-US" sz="1500" dirty="0"/>
+                        <a:t>1</a:t>
+                      </a:r>
+                      <a:r>
+                        <a:rPr lang="en-US" sz="1500" baseline="30000" dirty="0"/>
+                        <a:t>st</a:t>
+                      </a:r>
+                      <a:r>
+                        <a:rPr lang="en-US" sz="1500" dirty="0"/>
+                        <a:t> Qu</a:t>
+                      </a:r>
+                    </a:p>
+                  </a:txBody>
+                  <a:tcPr/>
+                </a:tc>
+                <a:tc>
+                  <a:txBody>
+                    <a:bodyPr/>
+                    <a:lstStyle/>
+                    <a:p>
+                      <a:r>
+                        <a:rPr lang="en-US" sz="1500" dirty="0"/>
+                        <a:t>4</a:t>
+                      </a:r>
+                    </a:p>
+                  </a:txBody>
+                  <a:tcPr/>
+                </a:tc>
+                <a:extLst>
+                  <a:ext uri="{0D108BD9-81ED-4DB2-BD59-A6C34878D82A}">
+                    <a16:rowId xmlns:a16="http://schemas.microsoft.com/office/drawing/2014/main" val="1800281230"/>
+                  </a:ext>
+                </a:extLst>
+              </a:tr>
+              <a:tr h="287811">
+                <a:tc>
+                  <a:txBody>
+                    <a:bodyPr/>
+                    <a:lstStyle/>
+                    <a:p>
+                      <a:r>
+                        <a:rPr lang="en-US" sz="1500" dirty="0"/>
+                        <a:t>Median</a:t>
+                      </a:r>
+                    </a:p>
+                  </a:txBody>
+                  <a:tcPr/>
+                </a:tc>
+                <a:tc>
+                  <a:txBody>
+                    <a:bodyPr/>
+                    <a:lstStyle/>
+                    <a:p>
+                      <a:r>
+                        <a:rPr lang="en-US" sz="1500" dirty="0"/>
+                        <a:t>4.5</a:t>
+                      </a:r>
+                    </a:p>
+                  </a:txBody>
+                  <a:tcPr/>
+                </a:tc>
+                <a:extLst>
+                  <a:ext uri="{0D108BD9-81ED-4DB2-BD59-A6C34878D82A}">
+                    <a16:rowId xmlns:a16="http://schemas.microsoft.com/office/drawing/2014/main" val="2127186543"/>
+                  </a:ext>
+                </a:extLst>
+              </a:tr>
+              <a:tr h="287811">
+                <a:tc>
+                  <a:txBody>
+                    <a:bodyPr/>
+                    <a:lstStyle/>
+                    <a:p>
+                      <a:r>
+                        <a:rPr lang="en-US" sz="1500" dirty="0"/>
+                        <a:t>Mean</a:t>
+                      </a:r>
+                    </a:p>
+                  </a:txBody>
+                  <a:tcPr/>
+                </a:tc>
+                <a:tc>
+                  <a:txBody>
+                    <a:bodyPr/>
+                    <a:lstStyle/>
+                    <a:p>
+                      <a:r>
+                        <a:rPr lang="en-US" sz="1500" dirty="0"/>
+                        <a:t>6.75</a:t>
+                      </a:r>
+                    </a:p>
+                  </a:txBody>
+                  <a:tcPr/>
+                </a:tc>
+                <a:extLst>
+                  <a:ext uri="{0D108BD9-81ED-4DB2-BD59-A6C34878D82A}">
+                    <a16:rowId xmlns:a16="http://schemas.microsoft.com/office/drawing/2014/main" val="3383584692"/>
+                  </a:ext>
+                </a:extLst>
+              </a:tr>
+              <a:tr h="287811">
+                <a:tc>
+                  <a:txBody>
+                    <a:bodyPr/>
+                    <a:lstStyle/>
+                    <a:p>
+                      <a:r>
+                        <a:rPr lang="en-US" sz="1500" dirty="0"/>
+                        <a:t>3</a:t>
+                      </a:r>
+                      <a:r>
+                        <a:rPr lang="en-US" sz="1500" baseline="30000" dirty="0"/>
+                        <a:t>rd</a:t>
+                      </a:r>
+                      <a:r>
+                        <a:rPr lang="en-US" sz="1500" dirty="0"/>
+                        <a:t> Qu</a:t>
+                      </a:r>
+                    </a:p>
+                  </a:txBody>
+                  <a:tcPr/>
+                </a:tc>
+                <a:tc>
+                  <a:txBody>
+                    <a:bodyPr/>
+                    <a:lstStyle/>
+                    <a:p>
+                      <a:r>
+                        <a:rPr lang="en-US" sz="1500" dirty="0"/>
+                        <a:t>7.25</a:t>
+                      </a:r>
+                    </a:p>
+                  </a:txBody>
+                  <a:tcPr/>
+                </a:tc>
+                <a:extLst>
+                  <a:ext uri="{0D108BD9-81ED-4DB2-BD59-A6C34878D82A}">
+                    <a16:rowId xmlns:a16="http://schemas.microsoft.com/office/drawing/2014/main" val="3560094506"/>
+                  </a:ext>
+                </a:extLst>
+              </a:tr>
+              <a:tr h="287811">
+                <a:tc>
+                  <a:txBody>
+                    <a:bodyPr/>
+                    <a:lstStyle/>
+                    <a:p>
+                      <a:r>
+                        <a:rPr lang="en-US" sz="1500" dirty="0"/>
+                        <a:t>Max</a:t>
+                      </a:r>
+                    </a:p>
+                  </a:txBody>
+                  <a:tcPr/>
+                </a:tc>
+                <a:tc>
+                  <a:txBody>
+                    <a:bodyPr/>
+                    <a:lstStyle/>
+                    <a:p>
+                      <a:r>
+                        <a:rPr lang="en-US" sz="1500" dirty="0"/>
+                        <a:t>14</a:t>
+                      </a:r>
+                    </a:p>
+                  </a:txBody>
+                  <a:tcPr/>
+                </a:tc>
+                <a:extLst>
+                  <a:ext uri="{0D108BD9-81ED-4DB2-BD59-A6C34878D82A}">
+                    <a16:rowId xmlns:a16="http://schemas.microsoft.com/office/drawing/2014/main" val="2088009610"/>
+                  </a:ext>
+                </a:extLst>
+              </a:tr>
+            </a:tbl>
+          </a:graphicData>
+        </a:graphic>
+      </p:graphicFrame>
+      <p:graphicFrame>
+        <p:nvGraphicFramePr>
+          <p:cNvPr id="29" name="Content Placeholder 3">
+            <a:extLst>
+              <a:ext uri="{FF2B5EF4-FFF2-40B4-BE49-F238E27FC236}">
+                <a16:creationId xmlns:a16="http://schemas.microsoft.com/office/drawing/2014/main" id="{ED0E5329-1753-4C53-BA51-7112C010B220}"/>
+              </a:ext>
+            </a:extLst>
+          </p:cNvPr>
+          <p:cNvGraphicFramePr>
+            <a:graphicFrameLocks/>
+          </p:cNvGraphicFramePr>
+          <p:nvPr>
+            <p:extLst>
+              <p:ext uri="{D42A27DB-BD31-4B8C-83A1-F6EECF244321}">
+                <p14:modId xmlns:p14="http://schemas.microsoft.com/office/powerpoint/2010/main" val="161605225"/>
+              </p:ext>
+            </p:extLst>
+          </p:nvPr>
+        </p:nvGraphicFramePr>
+        <p:xfrm>
+          <a:off x="4149474" y="4201494"/>
+          <a:ext cx="1835252" cy="2468880"/>
+        </p:xfrm>
+        <a:graphic>
+          <a:graphicData uri="http://schemas.openxmlformats.org/drawingml/2006/table">
+            <a:tbl>
+              <a:tblPr firstRow="1" bandRow="1">
+                <a:tableStyleId>{85BE263C-DBD7-4A20-BB59-AAB30ACAA65A}</a:tableStyleId>
+              </a:tblPr>
+              <a:tblGrid>
+                <a:gridCol w="917626">
+                  <a:extLst>
+                    <a:ext uri="{9D8B030D-6E8A-4147-A177-3AD203B41FA5}">
+                      <a16:colId xmlns:a16="http://schemas.microsoft.com/office/drawing/2014/main" val="2709521757"/>
+                    </a:ext>
+                  </a:extLst>
+                </a:gridCol>
+                <a:gridCol w="917626">
+                  <a:extLst>
+                    <a:ext uri="{9D8B030D-6E8A-4147-A177-3AD203B41FA5}">
+                      <a16:colId xmlns:a16="http://schemas.microsoft.com/office/drawing/2014/main" val="439797912"/>
+                    </a:ext>
+                  </a:extLst>
+                </a:gridCol>
+              </a:tblGrid>
+              <a:tr h="287811">
+                <a:tc gridSpan="2">
+                  <a:txBody>
+                    <a:bodyPr/>
+                    <a:lstStyle/>
+                    <a:p>
+                      <a:pPr algn="ctr"/>
+                      <a:r>
+                        <a:rPr lang="en-US" sz="1500" dirty="0"/>
+                        <a:t>Combat </a:t>
+                      </a:r>
+                    </a:p>
+                    <a:p>
+                      <a:pPr algn="ctr"/>
+                      <a:r>
+                        <a:rPr lang="en-US" sz="1500" dirty="0"/>
+                        <a:t>Tanks</a:t>
+                      </a:r>
+                    </a:p>
+                  </a:txBody>
+                  <a:tcPr/>
+                </a:tc>
+                <a:tc hMerge="1">
+                  <a:txBody>
+                    <a:bodyPr/>
+                    <a:lstStyle/>
+                    <a:p>
+                      <a:endParaRPr lang="en-US" dirty="0"/>
+                    </a:p>
+                  </a:txBody>
+                  <a:tcPr/>
+                </a:tc>
+                <a:extLst>
+                  <a:ext uri="{0D108BD9-81ED-4DB2-BD59-A6C34878D82A}">
+                    <a16:rowId xmlns:a16="http://schemas.microsoft.com/office/drawing/2014/main" val="3266637697"/>
+                  </a:ext>
+                </a:extLst>
+              </a:tr>
+              <a:tr h="287811">
+                <a:tc>
+                  <a:txBody>
+                    <a:bodyPr/>
+                    <a:lstStyle/>
+                    <a:p>
+                      <a:r>
+                        <a:rPr lang="en-US" sz="1500" dirty="0"/>
+                        <a:t>Min</a:t>
+                      </a:r>
+                    </a:p>
+                  </a:txBody>
+                  <a:tcPr/>
+                </a:tc>
+                <a:tc>
+                  <a:txBody>
+                    <a:bodyPr/>
+                    <a:lstStyle/>
+                    <a:p>
+                      <a:r>
+                        <a:rPr lang="en-US" sz="1500" dirty="0"/>
+                        <a:t>0</a:t>
+                      </a:r>
+                    </a:p>
+                  </a:txBody>
+                  <a:tcPr/>
+                </a:tc>
+                <a:extLst>
+                  <a:ext uri="{0D108BD9-81ED-4DB2-BD59-A6C34878D82A}">
+                    <a16:rowId xmlns:a16="http://schemas.microsoft.com/office/drawing/2014/main" val="2458909851"/>
+                  </a:ext>
+                </a:extLst>
+              </a:tr>
+              <a:tr h="287811">
+                <a:tc>
+                  <a:txBody>
+                    <a:bodyPr/>
+                    <a:lstStyle/>
+                    <a:p>
+                      <a:r>
+                        <a:rPr lang="en-US" sz="1500" dirty="0"/>
+                        <a:t>1</a:t>
+                      </a:r>
+                      <a:r>
+                        <a:rPr lang="en-US" sz="1500" baseline="30000" dirty="0"/>
+                        <a:t>st</a:t>
+                      </a:r>
+                      <a:r>
+                        <a:rPr lang="en-US" sz="1500" dirty="0"/>
+                        <a:t> Qu</a:t>
+                      </a:r>
+                    </a:p>
+                  </a:txBody>
+                  <a:tcPr/>
+                </a:tc>
+                <a:tc>
+                  <a:txBody>
+                    <a:bodyPr/>
+                    <a:lstStyle/>
+                    <a:p>
+                      <a:r>
+                        <a:rPr lang="en-US" sz="1500" dirty="0"/>
+                        <a:t>0</a:t>
+                      </a:r>
+                    </a:p>
+                  </a:txBody>
+                  <a:tcPr/>
+                </a:tc>
+                <a:extLst>
+                  <a:ext uri="{0D108BD9-81ED-4DB2-BD59-A6C34878D82A}">
+                    <a16:rowId xmlns:a16="http://schemas.microsoft.com/office/drawing/2014/main" val="1800281230"/>
+                  </a:ext>
+                </a:extLst>
+              </a:tr>
+              <a:tr h="287811">
+                <a:tc>
+                  <a:txBody>
+                    <a:bodyPr/>
+                    <a:lstStyle/>
+                    <a:p>
+                      <a:r>
+                        <a:rPr lang="en-US" sz="1500" dirty="0"/>
+                        <a:t>Median</a:t>
+                      </a:r>
+                    </a:p>
+                  </a:txBody>
+                  <a:tcPr/>
+                </a:tc>
+                <a:tc>
+                  <a:txBody>
+                    <a:bodyPr/>
+                    <a:lstStyle/>
+                    <a:p>
+                      <a:r>
+                        <a:rPr lang="en-US" sz="1500" dirty="0"/>
+                        <a:t>0</a:t>
+                      </a:r>
+                    </a:p>
+                  </a:txBody>
+                  <a:tcPr/>
+                </a:tc>
+                <a:extLst>
+                  <a:ext uri="{0D108BD9-81ED-4DB2-BD59-A6C34878D82A}">
+                    <a16:rowId xmlns:a16="http://schemas.microsoft.com/office/drawing/2014/main" val="2127186543"/>
+                  </a:ext>
+                </a:extLst>
+              </a:tr>
+              <a:tr h="287811">
+                <a:tc>
+                  <a:txBody>
+                    <a:bodyPr/>
+                    <a:lstStyle/>
+                    <a:p>
+                      <a:r>
+                        <a:rPr lang="en-US" sz="1500" dirty="0"/>
+                        <a:t>Mean</a:t>
+                      </a:r>
+                    </a:p>
+                  </a:txBody>
+                  <a:tcPr/>
+                </a:tc>
+                <a:tc>
+                  <a:txBody>
+                    <a:bodyPr/>
+                    <a:lstStyle/>
+                    <a:p>
+                      <a:r>
+                        <a:rPr lang="en-US" sz="1500" dirty="0"/>
+                        <a:t>0.5</a:t>
+                      </a:r>
+                    </a:p>
+                  </a:txBody>
+                  <a:tcPr/>
+                </a:tc>
+                <a:extLst>
+                  <a:ext uri="{0D108BD9-81ED-4DB2-BD59-A6C34878D82A}">
+                    <a16:rowId xmlns:a16="http://schemas.microsoft.com/office/drawing/2014/main" val="3383584692"/>
+                  </a:ext>
+                </a:extLst>
+              </a:tr>
+              <a:tr h="287811">
+                <a:tc>
+                  <a:txBody>
+                    <a:bodyPr/>
+                    <a:lstStyle/>
+                    <a:p>
+                      <a:r>
+                        <a:rPr lang="en-US" sz="1500" dirty="0"/>
+                        <a:t>3</a:t>
+                      </a:r>
+                      <a:r>
+                        <a:rPr lang="en-US" sz="1500" baseline="30000" dirty="0"/>
+                        <a:t>rd</a:t>
+                      </a:r>
+                      <a:r>
+                        <a:rPr lang="en-US" sz="1500" dirty="0"/>
+                        <a:t> Qu</a:t>
+                      </a:r>
+                    </a:p>
+                  </a:txBody>
+                  <a:tcPr/>
+                </a:tc>
+                <a:tc>
+                  <a:txBody>
+                    <a:bodyPr/>
+                    <a:lstStyle/>
+                    <a:p>
+                      <a:r>
+                        <a:rPr lang="en-US" sz="1500" dirty="0"/>
+                        <a:t>0.5</a:t>
+                      </a:r>
+                    </a:p>
+                  </a:txBody>
+                  <a:tcPr/>
+                </a:tc>
+                <a:extLst>
+                  <a:ext uri="{0D108BD9-81ED-4DB2-BD59-A6C34878D82A}">
+                    <a16:rowId xmlns:a16="http://schemas.microsoft.com/office/drawing/2014/main" val="3560094506"/>
+                  </a:ext>
+                </a:extLst>
+              </a:tr>
+              <a:tr h="287811">
+                <a:tc>
+                  <a:txBody>
+                    <a:bodyPr/>
+                    <a:lstStyle/>
+                    <a:p>
+                      <a:r>
+                        <a:rPr lang="en-US" sz="1500" dirty="0"/>
+                        <a:t>Max</a:t>
+                      </a:r>
+                    </a:p>
+                  </a:txBody>
+                  <a:tcPr/>
+                </a:tc>
+                <a:tc>
+                  <a:txBody>
+                    <a:bodyPr/>
+                    <a:lstStyle/>
+                    <a:p>
+                      <a:r>
+                        <a:rPr lang="en-US" sz="1500" dirty="0"/>
+                        <a:t>2</a:t>
+                      </a:r>
+                    </a:p>
+                  </a:txBody>
+                  <a:tcPr/>
+                </a:tc>
+                <a:extLst>
+                  <a:ext uri="{0D108BD9-81ED-4DB2-BD59-A6C34878D82A}">
+                    <a16:rowId xmlns:a16="http://schemas.microsoft.com/office/drawing/2014/main" val="2088009610"/>
+                  </a:ext>
+                </a:extLst>
+              </a:tr>
+            </a:tbl>
+          </a:graphicData>
+        </a:graphic>
+      </p:graphicFrame>
+      <p:graphicFrame>
+        <p:nvGraphicFramePr>
+          <p:cNvPr id="30" name="Content Placeholder 3">
+            <a:extLst>
+              <a:ext uri="{FF2B5EF4-FFF2-40B4-BE49-F238E27FC236}">
+                <a16:creationId xmlns:a16="http://schemas.microsoft.com/office/drawing/2014/main" id="{2B97D5F0-D20E-4331-9424-467782A0530E}"/>
+              </a:ext>
+            </a:extLst>
+          </p:cNvPr>
+          <p:cNvGraphicFramePr>
+            <a:graphicFrameLocks/>
+          </p:cNvGraphicFramePr>
+          <p:nvPr>
+            <p:extLst>
+              <p:ext uri="{D42A27DB-BD31-4B8C-83A1-F6EECF244321}">
+                <p14:modId xmlns:p14="http://schemas.microsoft.com/office/powerpoint/2010/main" val="2354001422"/>
+              </p:ext>
+            </p:extLst>
+          </p:nvPr>
+        </p:nvGraphicFramePr>
+        <p:xfrm>
+          <a:off x="10155099" y="4212940"/>
+          <a:ext cx="1835252" cy="2468880"/>
+        </p:xfrm>
+        <a:graphic>
+          <a:graphicData uri="http://schemas.openxmlformats.org/drawingml/2006/table">
+            <a:tbl>
+              <a:tblPr firstRow="1" bandRow="1">
+                <a:tableStyleId>{85BE263C-DBD7-4A20-BB59-AAB30ACAA65A}</a:tableStyleId>
+              </a:tblPr>
+              <a:tblGrid>
+                <a:gridCol w="917626">
+                  <a:extLst>
+                    <a:ext uri="{9D8B030D-6E8A-4147-A177-3AD203B41FA5}">
+                      <a16:colId xmlns:a16="http://schemas.microsoft.com/office/drawing/2014/main" val="2709521757"/>
+                    </a:ext>
+                  </a:extLst>
+                </a:gridCol>
+                <a:gridCol w="917626">
+                  <a:extLst>
+                    <a:ext uri="{9D8B030D-6E8A-4147-A177-3AD203B41FA5}">
+                      <a16:colId xmlns:a16="http://schemas.microsoft.com/office/drawing/2014/main" val="439797912"/>
+                    </a:ext>
+                  </a:extLst>
+                </a:gridCol>
+              </a:tblGrid>
+              <a:tr h="287811">
+                <a:tc gridSpan="2">
+                  <a:txBody>
+                    <a:bodyPr/>
+                    <a:lstStyle/>
+                    <a:p>
+                      <a:pPr algn="ctr"/>
+                      <a:r>
+                        <a:rPr lang="en-US" sz="1500" dirty="0"/>
+                        <a:t>Total Naval </a:t>
+                      </a:r>
+                    </a:p>
+                    <a:p>
+                      <a:pPr algn="ctr"/>
+                      <a:r>
+                        <a:rPr lang="en-US" sz="1500" dirty="0"/>
+                        <a:t>Assets</a:t>
+                      </a:r>
+                    </a:p>
+                  </a:txBody>
+                  <a:tcPr/>
+                </a:tc>
+                <a:tc hMerge="1">
+                  <a:txBody>
+                    <a:bodyPr/>
+                    <a:lstStyle/>
+                    <a:p>
+                      <a:endParaRPr lang="en-US" dirty="0"/>
+                    </a:p>
+                  </a:txBody>
+                  <a:tcPr/>
+                </a:tc>
+                <a:extLst>
+                  <a:ext uri="{0D108BD9-81ED-4DB2-BD59-A6C34878D82A}">
+                    <a16:rowId xmlns:a16="http://schemas.microsoft.com/office/drawing/2014/main" val="3266637697"/>
+                  </a:ext>
+                </a:extLst>
+              </a:tr>
+              <a:tr h="287811">
+                <a:tc>
+                  <a:txBody>
+                    <a:bodyPr/>
+                    <a:lstStyle/>
+                    <a:p>
+                      <a:r>
+                        <a:rPr lang="en-US" sz="1500" dirty="0"/>
+                        <a:t>Min</a:t>
+                      </a:r>
+                    </a:p>
+                  </a:txBody>
+                  <a:tcPr/>
+                </a:tc>
+                <a:tc>
+                  <a:txBody>
+                    <a:bodyPr/>
+                    <a:lstStyle/>
+                    <a:p>
+                      <a:r>
+                        <a:rPr lang="en-US" sz="1500" dirty="0"/>
+                        <a:t>6</a:t>
+                      </a:r>
+                    </a:p>
+                  </a:txBody>
+                  <a:tcPr/>
+                </a:tc>
+                <a:extLst>
+                  <a:ext uri="{0D108BD9-81ED-4DB2-BD59-A6C34878D82A}">
+                    <a16:rowId xmlns:a16="http://schemas.microsoft.com/office/drawing/2014/main" val="2458909851"/>
+                  </a:ext>
+                </a:extLst>
+              </a:tr>
+              <a:tr h="287811">
+                <a:tc>
+                  <a:txBody>
+                    <a:bodyPr/>
+                    <a:lstStyle/>
+                    <a:p>
+                      <a:r>
+                        <a:rPr lang="en-US" sz="1500" dirty="0"/>
+                        <a:t>1</a:t>
+                      </a:r>
+                      <a:r>
+                        <a:rPr lang="en-US" sz="1500" baseline="30000" dirty="0"/>
+                        <a:t>st</a:t>
+                      </a:r>
+                      <a:r>
+                        <a:rPr lang="en-US" sz="1500" dirty="0"/>
+                        <a:t> Qu</a:t>
+                      </a:r>
+                    </a:p>
+                  </a:txBody>
+                  <a:tcPr/>
+                </a:tc>
+                <a:tc>
+                  <a:txBody>
+                    <a:bodyPr/>
+                    <a:lstStyle/>
+                    <a:p>
+                      <a:r>
+                        <a:rPr lang="en-US" sz="1500" dirty="0"/>
+                        <a:t>9</a:t>
+                      </a:r>
+                    </a:p>
+                  </a:txBody>
+                  <a:tcPr/>
+                </a:tc>
+                <a:extLst>
+                  <a:ext uri="{0D108BD9-81ED-4DB2-BD59-A6C34878D82A}">
+                    <a16:rowId xmlns:a16="http://schemas.microsoft.com/office/drawing/2014/main" val="1800281230"/>
+                  </a:ext>
+                </a:extLst>
+              </a:tr>
+              <a:tr h="287811">
+                <a:tc>
+                  <a:txBody>
+                    <a:bodyPr/>
+                    <a:lstStyle/>
+                    <a:p>
+                      <a:r>
+                        <a:rPr lang="en-US" sz="1500" dirty="0"/>
+                        <a:t>Median</a:t>
+                      </a:r>
+                    </a:p>
+                  </a:txBody>
+                  <a:tcPr/>
+                </a:tc>
+                <a:tc>
+                  <a:txBody>
+                    <a:bodyPr/>
+                    <a:lstStyle/>
+                    <a:p>
+                      <a:r>
+                        <a:rPr lang="en-US" sz="1500" dirty="0"/>
+                        <a:t>14</a:t>
+                      </a:r>
+                    </a:p>
+                  </a:txBody>
+                  <a:tcPr/>
+                </a:tc>
+                <a:extLst>
+                  <a:ext uri="{0D108BD9-81ED-4DB2-BD59-A6C34878D82A}">
+                    <a16:rowId xmlns:a16="http://schemas.microsoft.com/office/drawing/2014/main" val="2127186543"/>
+                  </a:ext>
+                </a:extLst>
+              </a:tr>
+              <a:tr h="287811">
+                <a:tc>
+                  <a:txBody>
+                    <a:bodyPr/>
+                    <a:lstStyle/>
+                    <a:p>
+                      <a:r>
+                        <a:rPr lang="en-US" sz="1500" dirty="0"/>
+                        <a:t>Mean</a:t>
+                      </a:r>
+                    </a:p>
+                  </a:txBody>
+                  <a:tcPr/>
+                </a:tc>
+                <a:tc>
+                  <a:txBody>
+                    <a:bodyPr/>
+                    <a:lstStyle/>
+                    <a:p>
+                      <a:r>
+                        <a:rPr lang="en-US" sz="1500" dirty="0"/>
+                        <a:t>13.5</a:t>
+                      </a:r>
+                    </a:p>
+                  </a:txBody>
+                  <a:tcPr/>
+                </a:tc>
+                <a:extLst>
+                  <a:ext uri="{0D108BD9-81ED-4DB2-BD59-A6C34878D82A}">
+                    <a16:rowId xmlns:a16="http://schemas.microsoft.com/office/drawing/2014/main" val="3383584692"/>
+                  </a:ext>
+                </a:extLst>
+              </a:tr>
+              <a:tr h="287811">
+                <a:tc>
+                  <a:txBody>
+                    <a:bodyPr/>
+                    <a:lstStyle/>
+                    <a:p>
+                      <a:r>
+                        <a:rPr lang="en-US" sz="1500" dirty="0"/>
+                        <a:t>3</a:t>
+                      </a:r>
+                      <a:r>
+                        <a:rPr lang="en-US" sz="1500" baseline="30000" dirty="0"/>
+                        <a:t>rd</a:t>
+                      </a:r>
+                      <a:r>
+                        <a:rPr lang="en-US" sz="1500" dirty="0"/>
+                        <a:t> Qu</a:t>
+                      </a:r>
+                    </a:p>
+                  </a:txBody>
+                  <a:tcPr/>
+                </a:tc>
+                <a:tc>
+                  <a:txBody>
+                    <a:bodyPr/>
+                    <a:lstStyle/>
+                    <a:p>
+                      <a:r>
+                        <a:rPr lang="en-US" sz="1500" dirty="0"/>
+                        <a:t>18.5</a:t>
+                      </a:r>
+                    </a:p>
+                  </a:txBody>
+                  <a:tcPr/>
+                </a:tc>
+                <a:extLst>
+                  <a:ext uri="{0D108BD9-81ED-4DB2-BD59-A6C34878D82A}">
+                    <a16:rowId xmlns:a16="http://schemas.microsoft.com/office/drawing/2014/main" val="3560094506"/>
+                  </a:ext>
+                </a:extLst>
+              </a:tr>
+              <a:tr h="287811">
+                <a:tc>
+                  <a:txBody>
+                    <a:bodyPr/>
+                    <a:lstStyle/>
+                    <a:p>
+                      <a:r>
+                        <a:rPr lang="en-US" sz="1500" dirty="0"/>
+                        <a:t>Max</a:t>
+                      </a:r>
+                    </a:p>
+                  </a:txBody>
+                  <a:tcPr/>
+                </a:tc>
+                <a:tc>
+                  <a:txBody>
+                    <a:bodyPr/>
+                    <a:lstStyle/>
+                    <a:p>
+                      <a:r>
+                        <a:rPr lang="en-US" sz="1500" dirty="0"/>
+                        <a:t>20</a:t>
+                      </a:r>
+                    </a:p>
+                  </a:txBody>
+                  <a:tcPr/>
+                </a:tc>
+                <a:extLst>
+                  <a:ext uri="{0D108BD9-81ED-4DB2-BD59-A6C34878D82A}">
+                    <a16:rowId xmlns:a16="http://schemas.microsoft.com/office/drawing/2014/main" val="2088009610"/>
+                  </a:ext>
+                </a:extLst>
+              </a:tr>
+            </a:tbl>
+          </a:graphicData>
+        </a:graphic>
+      </p:graphicFrame>
+      <p:graphicFrame>
+        <p:nvGraphicFramePr>
+          <p:cNvPr id="31" name="Content Placeholder 3">
+            <a:extLst>
+              <a:ext uri="{FF2B5EF4-FFF2-40B4-BE49-F238E27FC236}">
+                <a16:creationId xmlns:a16="http://schemas.microsoft.com/office/drawing/2014/main" id="{EB2CBC50-0EBC-4ED7-A1E4-D93B7AD54761}"/>
+              </a:ext>
+            </a:extLst>
+          </p:cNvPr>
+          <p:cNvGraphicFramePr>
+            <a:graphicFrameLocks/>
+          </p:cNvGraphicFramePr>
+          <p:nvPr>
+            <p:extLst>
+              <p:ext uri="{D42A27DB-BD31-4B8C-83A1-F6EECF244321}">
+                <p14:modId xmlns:p14="http://schemas.microsoft.com/office/powerpoint/2010/main" val="978284929"/>
+              </p:ext>
+            </p:extLst>
+          </p:nvPr>
+        </p:nvGraphicFramePr>
+        <p:xfrm>
+          <a:off x="8150043" y="4212940"/>
+          <a:ext cx="1835252" cy="2468880"/>
+        </p:xfrm>
+        <a:graphic>
+          <a:graphicData uri="http://schemas.openxmlformats.org/drawingml/2006/table">
+            <a:tbl>
+              <a:tblPr firstRow="1" bandRow="1">
+                <a:tableStyleId>{85BE263C-DBD7-4A20-BB59-AAB30ACAA65A}</a:tableStyleId>
+              </a:tblPr>
+              <a:tblGrid>
+                <a:gridCol w="917626">
+                  <a:extLst>
+                    <a:ext uri="{9D8B030D-6E8A-4147-A177-3AD203B41FA5}">
+                      <a16:colId xmlns:a16="http://schemas.microsoft.com/office/drawing/2014/main" val="2709521757"/>
+                    </a:ext>
+                  </a:extLst>
+                </a:gridCol>
+                <a:gridCol w="917626">
+                  <a:extLst>
+                    <a:ext uri="{9D8B030D-6E8A-4147-A177-3AD203B41FA5}">
+                      <a16:colId xmlns:a16="http://schemas.microsoft.com/office/drawing/2014/main" val="439797912"/>
+                    </a:ext>
+                  </a:extLst>
+                </a:gridCol>
+              </a:tblGrid>
+              <a:tr h="287811">
+                <a:tc gridSpan="2">
+                  <a:txBody>
+                    <a:bodyPr/>
+                    <a:lstStyle/>
+                    <a:p>
+                      <a:pPr algn="ctr"/>
+                      <a:r>
+                        <a:rPr lang="en-US" sz="1500" dirty="0"/>
+                        <a:t>Self-Propelled Artillery</a:t>
+                      </a:r>
+                    </a:p>
+                  </a:txBody>
+                  <a:tcPr/>
+                </a:tc>
+                <a:tc hMerge="1">
+                  <a:txBody>
+                    <a:bodyPr/>
+                    <a:lstStyle/>
+                    <a:p>
+                      <a:endParaRPr lang="en-US" dirty="0"/>
+                    </a:p>
+                  </a:txBody>
+                  <a:tcPr/>
+                </a:tc>
+                <a:extLst>
+                  <a:ext uri="{0D108BD9-81ED-4DB2-BD59-A6C34878D82A}">
+                    <a16:rowId xmlns:a16="http://schemas.microsoft.com/office/drawing/2014/main" val="3266637697"/>
+                  </a:ext>
+                </a:extLst>
+              </a:tr>
+              <a:tr h="287811">
+                <a:tc>
+                  <a:txBody>
+                    <a:bodyPr/>
+                    <a:lstStyle/>
+                    <a:p>
+                      <a:r>
+                        <a:rPr lang="en-US" sz="1500" dirty="0"/>
+                        <a:t>Min</a:t>
+                      </a:r>
+                    </a:p>
+                  </a:txBody>
+                  <a:tcPr/>
+                </a:tc>
+                <a:tc>
+                  <a:txBody>
+                    <a:bodyPr/>
+                    <a:lstStyle/>
+                    <a:p>
+                      <a:r>
+                        <a:rPr lang="en-US" sz="1500" dirty="0"/>
+                        <a:t>0</a:t>
+                      </a:r>
+                    </a:p>
+                  </a:txBody>
+                  <a:tcPr/>
+                </a:tc>
+                <a:extLst>
+                  <a:ext uri="{0D108BD9-81ED-4DB2-BD59-A6C34878D82A}">
+                    <a16:rowId xmlns:a16="http://schemas.microsoft.com/office/drawing/2014/main" val="2458909851"/>
+                  </a:ext>
+                </a:extLst>
+              </a:tr>
+              <a:tr h="287811">
+                <a:tc>
+                  <a:txBody>
+                    <a:bodyPr/>
+                    <a:lstStyle/>
+                    <a:p>
+                      <a:r>
+                        <a:rPr lang="en-US" sz="1500" dirty="0"/>
+                        <a:t>1</a:t>
+                      </a:r>
+                      <a:r>
+                        <a:rPr lang="en-US" sz="1500" baseline="30000" dirty="0"/>
+                        <a:t>st</a:t>
+                      </a:r>
+                      <a:r>
+                        <a:rPr lang="en-US" sz="1500" dirty="0"/>
+                        <a:t> Qu</a:t>
+                      </a:r>
+                    </a:p>
+                  </a:txBody>
+                  <a:tcPr/>
+                </a:tc>
+                <a:tc>
+                  <a:txBody>
+                    <a:bodyPr/>
+                    <a:lstStyle/>
+                    <a:p>
+                      <a:r>
+                        <a:rPr lang="en-US" sz="1500" dirty="0"/>
+                        <a:t>0</a:t>
+                      </a:r>
+                    </a:p>
+                  </a:txBody>
+                  <a:tcPr/>
+                </a:tc>
+                <a:extLst>
+                  <a:ext uri="{0D108BD9-81ED-4DB2-BD59-A6C34878D82A}">
+                    <a16:rowId xmlns:a16="http://schemas.microsoft.com/office/drawing/2014/main" val="1800281230"/>
+                  </a:ext>
+                </a:extLst>
+              </a:tr>
+              <a:tr h="287811">
+                <a:tc>
+                  <a:txBody>
+                    <a:bodyPr/>
+                    <a:lstStyle/>
+                    <a:p>
+                      <a:r>
+                        <a:rPr lang="en-US" sz="1500" dirty="0"/>
+                        <a:t>Median</a:t>
+                      </a:r>
+                    </a:p>
+                  </a:txBody>
+                  <a:tcPr/>
+                </a:tc>
+                <a:tc>
+                  <a:txBody>
+                    <a:bodyPr/>
+                    <a:lstStyle/>
+                    <a:p>
+                      <a:r>
+                        <a:rPr lang="en-US" sz="1500" dirty="0"/>
+                        <a:t>0</a:t>
+                      </a:r>
+                    </a:p>
+                  </a:txBody>
+                  <a:tcPr/>
+                </a:tc>
+                <a:extLst>
+                  <a:ext uri="{0D108BD9-81ED-4DB2-BD59-A6C34878D82A}">
+                    <a16:rowId xmlns:a16="http://schemas.microsoft.com/office/drawing/2014/main" val="2127186543"/>
+                  </a:ext>
+                </a:extLst>
+              </a:tr>
+              <a:tr h="287811">
+                <a:tc>
+                  <a:txBody>
+                    <a:bodyPr/>
+                    <a:lstStyle/>
+                    <a:p>
+                      <a:r>
+                        <a:rPr lang="en-US" sz="1500" dirty="0"/>
+                        <a:t>Mean</a:t>
+                      </a:r>
+                    </a:p>
+                  </a:txBody>
+                  <a:tcPr/>
+                </a:tc>
+                <a:tc>
+                  <a:txBody>
+                    <a:bodyPr/>
+                    <a:lstStyle/>
+                    <a:p>
+                      <a:r>
+                        <a:rPr lang="en-US" sz="1500" dirty="0"/>
+                        <a:t>0</a:t>
+                      </a:r>
+                    </a:p>
+                  </a:txBody>
+                  <a:tcPr/>
+                </a:tc>
+                <a:extLst>
+                  <a:ext uri="{0D108BD9-81ED-4DB2-BD59-A6C34878D82A}">
+                    <a16:rowId xmlns:a16="http://schemas.microsoft.com/office/drawing/2014/main" val="3383584692"/>
+                  </a:ext>
+                </a:extLst>
+              </a:tr>
+              <a:tr h="287811">
+                <a:tc>
+                  <a:txBody>
+                    <a:bodyPr/>
+                    <a:lstStyle/>
+                    <a:p>
+                      <a:r>
+                        <a:rPr lang="en-US" sz="1500" dirty="0"/>
+                        <a:t>3</a:t>
+                      </a:r>
+                      <a:r>
+                        <a:rPr lang="en-US" sz="1500" baseline="30000" dirty="0"/>
+                        <a:t>rd</a:t>
+                      </a:r>
+                      <a:r>
+                        <a:rPr lang="en-US" sz="1500" dirty="0"/>
+                        <a:t> Qu</a:t>
+                      </a:r>
+                    </a:p>
+                  </a:txBody>
+                  <a:tcPr/>
+                </a:tc>
+                <a:tc>
+                  <a:txBody>
+                    <a:bodyPr/>
+                    <a:lstStyle/>
+                    <a:p>
+                      <a:r>
+                        <a:rPr lang="en-US" sz="1500" dirty="0"/>
+                        <a:t>0</a:t>
+                      </a:r>
+                    </a:p>
+                  </a:txBody>
+                  <a:tcPr/>
+                </a:tc>
+                <a:extLst>
+                  <a:ext uri="{0D108BD9-81ED-4DB2-BD59-A6C34878D82A}">
+                    <a16:rowId xmlns:a16="http://schemas.microsoft.com/office/drawing/2014/main" val="3560094506"/>
+                  </a:ext>
+                </a:extLst>
+              </a:tr>
+              <a:tr h="287811">
+                <a:tc>
+                  <a:txBody>
+                    <a:bodyPr/>
+                    <a:lstStyle/>
+                    <a:p>
+                      <a:r>
+                        <a:rPr lang="en-US" sz="1500" dirty="0"/>
+                        <a:t>Max</a:t>
+                      </a:r>
+                    </a:p>
+                  </a:txBody>
+                  <a:tcPr/>
+                </a:tc>
+                <a:tc>
+                  <a:txBody>
+                    <a:bodyPr/>
+                    <a:lstStyle/>
+                    <a:p>
+                      <a:r>
+                        <a:rPr lang="en-US" sz="1500" dirty="0"/>
+                        <a:t>0</a:t>
+                      </a:r>
+                    </a:p>
+                  </a:txBody>
+                  <a:tcPr/>
+                </a:tc>
+                <a:extLst>
+                  <a:ext uri="{0D108BD9-81ED-4DB2-BD59-A6C34878D82A}">
+                    <a16:rowId xmlns:a16="http://schemas.microsoft.com/office/drawing/2014/main" val="2088009610"/>
+                  </a:ext>
+                </a:extLst>
+              </a:tr>
+            </a:tbl>
+          </a:graphicData>
+        </a:graphic>
+      </p:graphicFrame>
+      <p:graphicFrame>
+        <p:nvGraphicFramePr>
+          <p:cNvPr id="32" name="Content Placeholder 3">
+            <a:extLst>
+              <a:ext uri="{FF2B5EF4-FFF2-40B4-BE49-F238E27FC236}">
+                <a16:creationId xmlns:a16="http://schemas.microsoft.com/office/drawing/2014/main" id="{0B35D173-170D-48D8-B4EF-C2030767CFCA}"/>
+              </a:ext>
+            </a:extLst>
+          </p:cNvPr>
+          <p:cNvGraphicFramePr>
+            <a:graphicFrameLocks/>
+          </p:cNvGraphicFramePr>
+          <p:nvPr>
+            <p:extLst>
+              <p:ext uri="{D42A27DB-BD31-4B8C-83A1-F6EECF244321}">
+                <p14:modId xmlns:p14="http://schemas.microsoft.com/office/powerpoint/2010/main" val="442004947"/>
+              </p:ext>
+            </p:extLst>
+          </p:nvPr>
+        </p:nvGraphicFramePr>
+        <p:xfrm>
+          <a:off x="6144987" y="4212940"/>
+          <a:ext cx="1835252" cy="2468880"/>
+        </p:xfrm>
+        <a:graphic>
+          <a:graphicData uri="http://schemas.openxmlformats.org/drawingml/2006/table">
+            <a:tbl>
+              <a:tblPr firstRow="1" bandRow="1">
+                <a:tableStyleId>{85BE263C-DBD7-4A20-BB59-AAB30ACAA65A}</a:tableStyleId>
+              </a:tblPr>
+              <a:tblGrid>
+                <a:gridCol w="917626">
+                  <a:extLst>
+                    <a:ext uri="{9D8B030D-6E8A-4147-A177-3AD203B41FA5}">
+                      <a16:colId xmlns:a16="http://schemas.microsoft.com/office/drawing/2014/main" val="2709521757"/>
+                    </a:ext>
+                  </a:extLst>
+                </a:gridCol>
+                <a:gridCol w="917626">
+                  <a:extLst>
+                    <a:ext uri="{9D8B030D-6E8A-4147-A177-3AD203B41FA5}">
+                      <a16:colId xmlns:a16="http://schemas.microsoft.com/office/drawing/2014/main" val="439797912"/>
+                    </a:ext>
+                  </a:extLst>
+                </a:gridCol>
+              </a:tblGrid>
+              <a:tr h="287811">
+                <a:tc gridSpan="2">
+                  <a:txBody>
+                    <a:bodyPr/>
+                    <a:lstStyle/>
+                    <a:p>
+                      <a:pPr algn="ctr"/>
+                      <a:r>
+                        <a:rPr lang="en-US" sz="1500" dirty="0"/>
+                        <a:t>Armored Fighting Vehicles</a:t>
+                      </a:r>
+                    </a:p>
+                  </a:txBody>
+                  <a:tcPr/>
+                </a:tc>
+                <a:tc hMerge="1">
+                  <a:txBody>
+                    <a:bodyPr/>
+                    <a:lstStyle/>
+                    <a:p>
+                      <a:endParaRPr lang="en-US" dirty="0"/>
+                    </a:p>
+                  </a:txBody>
+                  <a:tcPr/>
+                </a:tc>
+                <a:extLst>
+                  <a:ext uri="{0D108BD9-81ED-4DB2-BD59-A6C34878D82A}">
+                    <a16:rowId xmlns:a16="http://schemas.microsoft.com/office/drawing/2014/main" val="3266637697"/>
+                  </a:ext>
+                </a:extLst>
+              </a:tr>
+              <a:tr h="287811">
+                <a:tc>
+                  <a:txBody>
+                    <a:bodyPr/>
+                    <a:lstStyle/>
+                    <a:p>
+                      <a:r>
+                        <a:rPr lang="en-US" sz="1500" dirty="0"/>
+                        <a:t>Min</a:t>
+                      </a:r>
+                    </a:p>
+                  </a:txBody>
+                  <a:tcPr/>
+                </a:tc>
+                <a:tc>
+                  <a:txBody>
+                    <a:bodyPr/>
+                    <a:lstStyle/>
+                    <a:p>
+                      <a:r>
+                        <a:rPr lang="en-US" sz="1500" dirty="0"/>
+                        <a:t>10</a:t>
+                      </a:r>
+                    </a:p>
+                  </a:txBody>
+                  <a:tcPr/>
+                </a:tc>
+                <a:extLst>
+                  <a:ext uri="{0D108BD9-81ED-4DB2-BD59-A6C34878D82A}">
+                    <a16:rowId xmlns:a16="http://schemas.microsoft.com/office/drawing/2014/main" val="2458909851"/>
+                  </a:ext>
+                </a:extLst>
+              </a:tr>
+              <a:tr h="287811">
+                <a:tc>
+                  <a:txBody>
+                    <a:bodyPr/>
+                    <a:lstStyle/>
+                    <a:p>
+                      <a:r>
+                        <a:rPr lang="en-US" sz="1500" dirty="0"/>
+                        <a:t>1</a:t>
+                      </a:r>
+                      <a:r>
+                        <a:rPr lang="en-US" sz="1500" baseline="30000" dirty="0"/>
+                        <a:t>st</a:t>
+                      </a:r>
+                      <a:r>
+                        <a:rPr lang="en-US" sz="1500" dirty="0"/>
+                        <a:t> Qu</a:t>
+                      </a:r>
+                    </a:p>
+                  </a:txBody>
+                  <a:tcPr/>
+                </a:tc>
+                <a:tc>
+                  <a:txBody>
+                    <a:bodyPr/>
+                    <a:lstStyle/>
+                    <a:p>
+                      <a:r>
+                        <a:rPr lang="en-US" sz="1500" dirty="0"/>
+                        <a:t>190</a:t>
+                      </a:r>
+                    </a:p>
+                  </a:txBody>
+                  <a:tcPr/>
+                </a:tc>
+                <a:extLst>
+                  <a:ext uri="{0D108BD9-81ED-4DB2-BD59-A6C34878D82A}">
+                    <a16:rowId xmlns:a16="http://schemas.microsoft.com/office/drawing/2014/main" val="1800281230"/>
+                  </a:ext>
+                </a:extLst>
+              </a:tr>
+              <a:tr h="287811">
+                <a:tc>
+                  <a:txBody>
+                    <a:bodyPr/>
+                    <a:lstStyle/>
+                    <a:p>
+                      <a:r>
+                        <a:rPr lang="en-US" sz="1500" dirty="0"/>
+                        <a:t>Median</a:t>
+                      </a:r>
+                    </a:p>
+                  </a:txBody>
+                  <a:tcPr/>
+                </a:tc>
+                <a:tc>
+                  <a:txBody>
+                    <a:bodyPr/>
+                    <a:lstStyle/>
+                    <a:p>
+                      <a:r>
+                        <a:rPr lang="en-US" sz="1500" dirty="0"/>
+                        <a:t>275</a:t>
+                      </a:r>
+                    </a:p>
+                  </a:txBody>
+                  <a:tcPr/>
+                </a:tc>
+                <a:extLst>
+                  <a:ext uri="{0D108BD9-81ED-4DB2-BD59-A6C34878D82A}">
+                    <a16:rowId xmlns:a16="http://schemas.microsoft.com/office/drawing/2014/main" val="2127186543"/>
+                  </a:ext>
+                </a:extLst>
+              </a:tr>
+              <a:tr h="287811">
+                <a:tc>
+                  <a:txBody>
+                    <a:bodyPr/>
+                    <a:lstStyle/>
+                    <a:p>
+                      <a:r>
+                        <a:rPr lang="en-US" sz="1500" dirty="0"/>
+                        <a:t>Mean</a:t>
+                      </a:r>
+                    </a:p>
+                  </a:txBody>
+                  <a:tcPr/>
+                </a:tc>
+                <a:tc>
+                  <a:txBody>
+                    <a:bodyPr/>
+                    <a:lstStyle/>
+                    <a:p>
+                      <a:r>
+                        <a:rPr lang="en-US" sz="1500" dirty="0"/>
+                        <a:t>219.5</a:t>
+                      </a:r>
+                    </a:p>
+                  </a:txBody>
+                  <a:tcPr/>
+                </a:tc>
+                <a:extLst>
+                  <a:ext uri="{0D108BD9-81ED-4DB2-BD59-A6C34878D82A}">
+                    <a16:rowId xmlns:a16="http://schemas.microsoft.com/office/drawing/2014/main" val="3383584692"/>
+                  </a:ext>
+                </a:extLst>
+              </a:tr>
+              <a:tr h="287811">
+                <a:tc>
+                  <a:txBody>
+                    <a:bodyPr/>
+                    <a:lstStyle/>
+                    <a:p>
+                      <a:r>
+                        <a:rPr lang="en-US" sz="1500" dirty="0"/>
+                        <a:t>3</a:t>
+                      </a:r>
+                      <a:r>
+                        <a:rPr lang="en-US" sz="1500" baseline="30000" dirty="0"/>
+                        <a:t>rd</a:t>
+                      </a:r>
+                      <a:r>
+                        <a:rPr lang="en-US" sz="1500" dirty="0"/>
+                        <a:t> Qu</a:t>
+                      </a:r>
+                    </a:p>
+                  </a:txBody>
+                  <a:tcPr/>
+                </a:tc>
+                <a:tc>
+                  <a:txBody>
+                    <a:bodyPr/>
+                    <a:lstStyle/>
+                    <a:p>
+                      <a:r>
+                        <a:rPr lang="en-US" sz="1500" dirty="0"/>
+                        <a:t>304.5</a:t>
+                      </a:r>
+                    </a:p>
+                  </a:txBody>
+                  <a:tcPr/>
+                </a:tc>
+                <a:extLst>
+                  <a:ext uri="{0D108BD9-81ED-4DB2-BD59-A6C34878D82A}">
+                    <a16:rowId xmlns:a16="http://schemas.microsoft.com/office/drawing/2014/main" val="3560094506"/>
+                  </a:ext>
+                </a:extLst>
+              </a:tr>
+              <a:tr h="287811">
+                <a:tc>
+                  <a:txBody>
+                    <a:bodyPr/>
+                    <a:lstStyle/>
+                    <a:p>
+                      <a:r>
+                        <a:rPr lang="en-US" sz="1500" dirty="0"/>
+                        <a:t>Max</a:t>
+                      </a:r>
+                    </a:p>
+                  </a:txBody>
+                  <a:tcPr/>
+                </a:tc>
+                <a:tc>
+                  <a:txBody>
+                    <a:bodyPr/>
+                    <a:lstStyle/>
+                    <a:p>
+                      <a:r>
+                        <a:rPr lang="en-US" sz="1500" dirty="0"/>
+                        <a:t>318</a:t>
+                      </a:r>
+                    </a:p>
+                  </a:txBody>
+                  <a:tcPr/>
+                </a:tc>
+                <a:extLst>
+                  <a:ext uri="{0D108BD9-81ED-4DB2-BD59-A6C34878D82A}">
+                    <a16:rowId xmlns:a16="http://schemas.microsoft.com/office/drawing/2014/main" val="2088009610"/>
+                  </a:ext>
+                </a:extLst>
+              </a:tr>
+            </a:tbl>
+          </a:graphicData>
+        </a:graphic>
+      </p:graphicFrame>
     </p:spTree>
     <p:extLst>
       <p:ext uri="{BB962C8B-B14F-4D97-AF65-F5344CB8AC3E}">
@@ -12740,7 +17006,7 @@
 </p:sld>
 </file>
 
-<file path=ppt/slides/slide13.xml><?xml version="1.0" encoding="utf-8"?>
+<file path=ppt/slides/slide14.xml><?xml version="1.0" encoding="utf-8"?>
 <p:sld xmlns:a="http://schemas.openxmlformats.org/drawingml/2006/main" xmlns:r="http://schemas.openxmlformats.org/officeDocument/2006/relationships" xmlns:p="http://schemas.openxmlformats.org/presentationml/2006/main">
   <p:cSld>
     <p:spTree>
@@ -12826,7 +17092,7 @@
 </p:sld>
 </file>
 
-<file path=ppt/slides/slide14.xml><?xml version="1.0" encoding="utf-8"?>
+<file path=ppt/slides/slide15.xml><?xml version="1.0" encoding="utf-8"?>
 <p:sld xmlns:a="http://schemas.openxmlformats.org/drawingml/2006/main" xmlns:r="http://schemas.openxmlformats.org/officeDocument/2006/relationships" xmlns:p="http://schemas.openxmlformats.org/presentationml/2006/main">
   <p:cSld>
     <p:bg>
@@ -13174,9 +17440,17 @@
 </p:sld>
 </file>
 
-<file path=ppt/slides/slide15.xml><?xml version="1.0" encoding="utf-8"?>
+<file path=ppt/slides/slide16.xml><?xml version="1.0" encoding="utf-8"?>
 <p:sld xmlns:a="http://schemas.openxmlformats.org/drawingml/2006/main" xmlns:r="http://schemas.openxmlformats.org/officeDocument/2006/relationships" xmlns:p="http://schemas.openxmlformats.org/presentationml/2006/main">
   <p:cSld>
+    <p:bg>
+      <p:bgPr>
+        <a:solidFill>
+          <a:schemeClr val="bg2"/>
+        </a:solidFill>
+        <a:effectLst/>
+      </p:bgPr>
+    </p:bg>
     <p:spTree>
       <p:nvGrpSpPr>
         <p:cNvPr id="1" name=""/>
@@ -13193,10 +17467,73 @@
       </p:grpSpPr>
       <p:sp>
         <p:nvSpPr>
+          <p:cNvPr id="15" name="Rectangle 14">
+            <a:extLst>
+              <a:ext uri="{FF2B5EF4-FFF2-40B4-BE49-F238E27FC236}">
+                <a16:creationId xmlns:a16="http://schemas.microsoft.com/office/drawing/2014/main" id="{16C5FA50-8D52-4617-AF91-5C7B1C8352F1}"/>
+              </a:ext>
+              <a:ext uri="{C183D7F6-B498-43B3-948B-1728B52AA6E4}">
+                <adec:decorative xmlns:adec="http://schemas.microsoft.com/office/drawing/2017/decorative" val="1"/>
+              </a:ext>
+            </a:extLst>
+          </p:cNvPr>
+          <p:cNvSpPr>
+            <a:spLocks noGrp="1" noRot="1" noChangeAspect="1" noMove="1" noResize="1" noEditPoints="1" noAdjustHandles="1" noChangeArrowheads="1" noChangeShapeType="1" noTextEdit="1"/>
+          </p:cNvSpPr>
+          <p:nvPr>
+            <p:extLst>
+              <p:ext uri="{386F3935-93C4-4BCD-93E2-E3B085C9AB24}">
+                <p16:designElem xmlns:p16="http://schemas.microsoft.com/office/powerpoint/2015/main" val="1"/>
+              </p:ext>
+            </p:extLst>
+          </p:nvPr>
+        </p:nvSpPr>
+        <p:spPr>
+          <a:xfrm>
+            <a:off x="0" y="0"/>
+            <a:ext cx="12192000" cy="6858000"/>
+          </a:xfrm>
+          <a:prstGeom prst="rect">
+            <a:avLst/>
+          </a:prstGeom>
+          <a:solidFill>
+            <a:srgbClr val="3C4D52"/>
+          </a:solidFill>
+          <a:ln>
+            <a:noFill/>
+          </a:ln>
+        </p:spPr>
+        <p:style>
+          <a:lnRef idx="2">
+            <a:schemeClr val="accent1">
+              <a:shade val="50000"/>
+            </a:schemeClr>
+          </a:lnRef>
+          <a:fillRef idx="1">
+            <a:schemeClr val="accent1"/>
+          </a:fillRef>
+          <a:effectRef idx="0">
+            <a:schemeClr val="accent1"/>
+          </a:effectRef>
+          <a:fontRef idx="minor">
+            <a:schemeClr val="lt1"/>
+          </a:fontRef>
+        </p:style>
+        <p:txBody>
+          <a:bodyPr rtlCol="0" anchor="ctr"/>
+          <a:lstStyle/>
+          <a:p>
+            <a:pPr algn="ctr"/>
+            <a:endParaRPr lang="en-US"/>
+          </a:p>
+        </p:txBody>
+      </p:sp>
+      <p:sp>
+        <p:nvSpPr>
           <p:cNvPr id="2" name="Title 1">
             <a:extLst>
               <a:ext uri="{FF2B5EF4-FFF2-40B4-BE49-F238E27FC236}">
-                <a16:creationId xmlns:a16="http://schemas.microsoft.com/office/drawing/2014/main" id="{2CCB0ACA-9D2B-4BE4-8C79-B0196719DD05}"/>
+                <a16:creationId xmlns:a16="http://schemas.microsoft.com/office/drawing/2014/main" id="{EB0270C8-1E3E-4F53-85DA-FE2D08315BAC}"/>
               </a:ext>
             </a:extLst>
           </p:cNvPr>
@@ -13207,24 +17544,114 @@
             <p:ph type="title"/>
           </p:nvPr>
         </p:nvSpPr>
-        <p:spPr/>
+        <p:spPr>
+          <a:xfrm>
+            <a:off x="9093496" y="618681"/>
+            <a:ext cx="2613872" cy="4794567"/>
+          </a:xfrm>
+        </p:spPr>
         <p:txBody>
-          <a:bodyPr/>
+          <a:bodyPr>
+            <a:normAutofit/>
+          </a:bodyPr>
           <a:lstStyle/>
           <a:p>
             <a:r>
-              <a:rPr lang="en-US" dirty="0"/>
+              <a:rPr lang="en-US" sz="3600" b="1" dirty="0">
+                <a:solidFill>
+                  <a:srgbClr val="FFFFFF"/>
+                </a:solidFill>
+              </a:rPr>
               <a:t>Plot 1</a:t>
             </a:r>
+            <a:endParaRPr lang="en-US" sz="3600" dirty="0">
+              <a:solidFill>
+                <a:srgbClr val="FFFFFF"/>
+              </a:solidFill>
+            </a:endParaRPr>
+          </a:p>
+        </p:txBody>
+      </p:sp>
+      <p:sp>
+        <p:nvSpPr>
+          <p:cNvPr id="17" name="Rounded Rectangle 9">
+            <a:extLst>
+              <a:ext uri="{FF2B5EF4-FFF2-40B4-BE49-F238E27FC236}">
+                <a16:creationId xmlns:a16="http://schemas.microsoft.com/office/drawing/2014/main" id="{E223798C-12AD-4B0C-A50C-D676347D67CF}"/>
+              </a:ext>
+              <a:ext uri="{C183D7F6-B498-43B3-948B-1728B52AA6E4}">
+                <adec:decorative xmlns:adec="http://schemas.microsoft.com/office/drawing/2017/decorative" val="1"/>
+              </a:ext>
+            </a:extLst>
+          </p:cNvPr>
+          <p:cNvSpPr>
+            <a:spLocks noGrp="1" noRot="1" noChangeAspect="1" noMove="1" noResize="1" noEditPoints="1" noAdjustHandles="1" noChangeArrowheads="1" noChangeShapeType="1" noTextEdit="1"/>
+          </p:cNvSpPr>
+          <p:nvPr>
+            <p:extLst>
+              <p:ext uri="{386F3935-93C4-4BCD-93E2-E3B085C9AB24}">
+                <p16:designElem xmlns:p16="http://schemas.microsoft.com/office/powerpoint/2015/main" val="1"/>
+              </p:ext>
+            </p:extLst>
+          </p:nvPr>
+        </p:nvSpPr>
+        <p:spPr>
+          <a:xfrm>
+            <a:off x="493354" y="484632"/>
+            <a:ext cx="8129016" cy="5724144"/>
+          </a:xfrm>
+          <a:prstGeom prst="roundRect">
+            <a:avLst>
+              <a:gd name="adj" fmla="val 0"/>
+            </a:avLst>
+          </a:prstGeom>
+          <a:solidFill>
+            <a:srgbClr val="FFFFFF"/>
+          </a:solidFill>
+          <a:ln w="9525">
+            <a:solidFill>
+              <a:srgbClr val="C8CACA"/>
+            </a:solidFill>
+          </a:ln>
+          <a:effectLst>
+            <a:outerShdw blurRad="57150" dist="19050" dir="5400000" algn="t" rotWithShape="0">
+              <a:prstClr val="black">
+                <a:alpha val="63000"/>
+              </a:prstClr>
+            </a:outerShdw>
+          </a:effectLst>
+        </p:spPr>
+        <p:style>
+          <a:lnRef idx="2">
+            <a:schemeClr val="accent1">
+              <a:shade val="50000"/>
+            </a:schemeClr>
+          </a:lnRef>
+          <a:fillRef idx="1">
+            <a:schemeClr val="accent1"/>
+          </a:fillRef>
+          <a:effectRef idx="0">
+            <a:schemeClr val="accent1"/>
+          </a:effectRef>
+          <a:fontRef idx="minor">
+            <a:schemeClr val="lt1"/>
+          </a:fontRef>
+        </p:style>
+        <p:txBody>
+          <a:bodyPr rtlCol="0" anchor="ctr"/>
+          <a:lstStyle/>
+          <a:p>
+            <a:pPr algn="ctr"/>
+            <a:endParaRPr lang="en-US"/>
           </a:p>
         </p:txBody>
       </p:sp>
       <p:pic>
         <p:nvPicPr>
-          <p:cNvPr id="6146" name="Picture 2">
+          <p:cNvPr id="7" name="Picture 6">
             <a:extLst>
               <a:ext uri="{FF2B5EF4-FFF2-40B4-BE49-F238E27FC236}">
-                <a16:creationId xmlns:a16="http://schemas.microsoft.com/office/drawing/2014/main" id="{AEE4FD30-7FA9-48A2-843C-74816F7921B2}"/>
+                <a16:creationId xmlns:a16="http://schemas.microsoft.com/office/drawing/2014/main" id="{5B49CA17-FDD9-47AC-9E97-226636DEE0F3}"/>
               </a:ext>
             </a:extLst>
           </p:cNvPr>
@@ -13248,8 +17675,8 @@
         </p:blipFill>
         <p:spPr bwMode="auto">
           <a:xfrm>
-            <a:off x="2547257" y="1466477"/>
-            <a:ext cx="7097486" cy="5069633"/>
+            <a:off x="846054" y="618681"/>
+            <a:ext cx="7423615" cy="5302582"/>
           </a:xfrm>
           <a:prstGeom prst="rect">
             <a:avLst/>
@@ -13269,7 +17696,7 @@
     </p:spTree>
     <p:extLst>
       <p:ext uri="{BB962C8B-B14F-4D97-AF65-F5344CB8AC3E}">
-        <p14:creationId xmlns:p14="http://schemas.microsoft.com/office/powerpoint/2010/main" val="2857622023"/>
+        <p14:creationId xmlns:p14="http://schemas.microsoft.com/office/powerpoint/2010/main" val="2554689588"/>
       </p:ext>
     </p:extLst>
   </p:cSld>
@@ -13279,9 +17706,17 @@
 </p:sld>
 </file>
 
-<file path=ppt/slides/slide16.xml><?xml version="1.0" encoding="utf-8"?>
+<file path=ppt/slides/slide17.xml><?xml version="1.0" encoding="utf-8"?>
 <p:sld xmlns:a="http://schemas.openxmlformats.org/drawingml/2006/main" xmlns:r="http://schemas.openxmlformats.org/officeDocument/2006/relationships" xmlns:p="http://schemas.openxmlformats.org/presentationml/2006/main">
   <p:cSld>
+    <p:bg>
+      <p:bgPr>
+        <a:solidFill>
+          <a:schemeClr val="bg2"/>
+        </a:solidFill>
+        <a:effectLst/>
+      </p:bgPr>
+    </p:bg>
     <p:spTree>
       <p:nvGrpSpPr>
         <p:cNvPr id="1" name=""/>
@@ -13298,10 +17733,73 @@
       </p:grpSpPr>
       <p:sp>
         <p:nvSpPr>
+          <p:cNvPr id="15" name="Rectangle 14">
+            <a:extLst>
+              <a:ext uri="{FF2B5EF4-FFF2-40B4-BE49-F238E27FC236}">
+                <a16:creationId xmlns:a16="http://schemas.microsoft.com/office/drawing/2014/main" id="{16C5FA50-8D52-4617-AF91-5C7B1C8352F1}"/>
+              </a:ext>
+              <a:ext uri="{C183D7F6-B498-43B3-948B-1728B52AA6E4}">
+                <adec:decorative xmlns:adec="http://schemas.microsoft.com/office/drawing/2017/decorative" val="1"/>
+              </a:ext>
+            </a:extLst>
+          </p:cNvPr>
+          <p:cNvSpPr>
+            <a:spLocks noGrp="1" noRot="1" noChangeAspect="1" noMove="1" noResize="1" noEditPoints="1" noAdjustHandles="1" noChangeArrowheads="1" noChangeShapeType="1" noTextEdit="1"/>
+          </p:cNvSpPr>
+          <p:nvPr>
+            <p:extLst>
+              <p:ext uri="{386F3935-93C4-4BCD-93E2-E3B085C9AB24}">
+                <p16:designElem xmlns:p16="http://schemas.microsoft.com/office/powerpoint/2015/main" val="1"/>
+              </p:ext>
+            </p:extLst>
+          </p:nvPr>
+        </p:nvSpPr>
+        <p:spPr>
+          <a:xfrm>
+            <a:off x="0" y="0"/>
+            <a:ext cx="12192000" cy="6858000"/>
+          </a:xfrm>
+          <a:prstGeom prst="rect">
+            <a:avLst/>
+          </a:prstGeom>
+          <a:solidFill>
+            <a:srgbClr val="3C4D52"/>
+          </a:solidFill>
+          <a:ln>
+            <a:noFill/>
+          </a:ln>
+        </p:spPr>
+        <p:style>
+          <a:lnRef idx="2">
+            <a:schemeClr val="accent1">
+              <a:shade val="50000"/>
+            </a:schemeClr>
+          </a:lnRef>
+          <a:fillRef idx="1">
+            <a:schemeClr val="accent1"/>
+          </a:fillRef>
+          <a:effectRef idx="0">
+            <a:schemeClr val="accent1"/>
+          </a:effectRef>
+          <a:fontRef idx="minor">
+            <a:schemeClr val="lt1"/>
+          </a:fontRef>
+        </p:style>
+        <p:txBody>
+          <a:bodyPr rtlCol="0" anchor="ctr"/>
+          <a:lstStyle/>
+          <a:p>
+            <a:pPr algn="ctr"/>
+            <a:endParaRPr lang="en-US"/>
+          </a:p>
+        </p:txBody>
+      </p:sp>
+      <p:sp>
+        <p:nvSpPr>
           <p:cNvPr id="2" name="Title 1">
             <a:extLst>
               <a:ext uri="{FF2B5EF4-FFF2-40B4-BE49-F238E27FC236}">
-                <a16:creationId xmlns:a16="http://schemas.microsoft.com/office/drawing/2014/main" id="{2CCB0ACA-9D2B-4BE4-8C79-B0196719DD05}"/>
+                <a16:creationId xmlns:a16="http://schemas.microsoft.com/office/drawing/2014/main" id="{EB0270C8-1E3E-4F53-85DA-FE2D08315BAC}"/>
               </a:ext>
             </a:extLst>
           </p:cNvPr>
@@ -13312,24 +17810,114 @@
             <p:ph type="title"/>
           </p:nvPr>
         </p:nvSpPr>
-        <p:spPr/>
+        <p:spPr>
+          <a:xfrm>
+            <a:off x="9093496" y="618681"/>
+            <a:ext cx="2613872" cy="4794567"/>
+          </a:xfrm>
+        </p:spPr>
         <p:txBody>
-          <a:bodyPr/>
+          <a:bodyPr>
+            <a:normAutofit/>
+          </a:bodyPr>
           <a:lstStyle/>
           <a:p>
             <a:r>
-              <a:rPr lang="en-US" dirty="0"/>
+              <a:rPr lang="en-US" sz="3600" b="1" dirty="0">
+                <a:solidFill>
+                  <a:srgbClr val="FFFFFF"/>
+                </a:solidFill>
+              </a:rPr>
               <a:t>Plot 2</a:t>
             </a:r>
+            <a:endParaRPr lang="en-US" sz="3600" dirty="0">
+              <a:solidFill>
+                <a:srgbClr val="FFFFFF"/>
+              </a:solidFill>
+            </a:endParaRPr>
+          </a:p>
+        </p:txBody>
+      </p:sp>
+      <p:sp>
+        <p:nvSpPr>
+          <p:cNvPr id="17" name="Rounded Rectangle 9">
+            <a:extLst>
+              <a:ext uri="{FF2B5EF4-FFF2-40B4-BE49-F238E27FC236}">
+                <a16:creationId xmlns:a16="http://schemas.microsoft.com/office/drawing/2014/main" id="{E223798C-12AD-4B0C-A50C-D676347D67CF}"/>
+              </a:ext>
+              <a:ext uri="{C183D7F6-B498-43B3-948B-1728B52AA6E4}">
+                <adec:decorative xmlns:adec="http://schemas.microsoft.com/office/drawing/2017/decorative" val="1"/>
+              </a:ext>
+            </a:extLst>
+          </p:cNvPr>
+          <p:cNvSpPr>
+            <a:spLocks noGrp="1" noRot="1" noChangeAspect="1" noMove="1" noResize="1" noEditPoints="1" noAdjustHandles="1" noChangeArrowheads="1" noChangeShapeType="1" noTextEdit="1"/>
+          </p:cNvSpPr>
+          <p:nvPr>
+            <p:extLst>
+              <p:ext uri="{386F3935-93C4-4BCD-93E2-E3B085C9AB24}">
+                <p16:designElem xmlns:p16="http://schemas.microsoft.com/office/powerpoint/2015/main" val="1"/>
+              </p:ext>
+            </p:extLst>
+          </p:nvPr>
+        </p:nvSpPr>
+        <p:spPr>
+          <a:xfrm>
+            <a:off x="493354" y="484632"/>
+            <a:ext cx="8129016" cy="5724144"/>
+          </a:xfrm>
+          <a:prstGeom prst="roundRect">
+            <a:avLst>
+              <a:gd name="adj" fmla="val 0"/>
+            </a:avLst>
+          </a:prstGeom>
+          <a:solidFill>
+            <a:srgbClr val="FFFFFF"/>
+          </a:solidFill>
+          <a:ln w="9525">
+            <a:solidFill>
+              <a:srgbClr val="C8CACA"/>
+            </a:solidFill>
+          </a:ln>
+          <a:effectLst>
+            <a:outerShdw blurRad="57150" dist="19050" dir="5400000" algn="t" rotWithShape="0">
+              <a:prstClr val="black">
+                <a:alpha val="63000"/>
+              </a:prstClr>
+            </a:outerShdw>
+          </a:effectLst>
+        </p:spPr>
+        <p:style>
+          <a:lnRef idx="2">
+            <a:schemeClr val="accent1">
+              <a:shade val="50000"/>
+            </a:schemeClr>
+          </a:lnRef>
+          <a:fillRef idx="1">
+            <a:schemeClr val="accent1"/>
+          </a:fillRef>
+          <a:effectRef idx="0">
+            <a:schemeClr val="accent1"/>
+          </a:effectRef>
+          <a:fontRef idx="minor">
+            <a:schemeClr val="lt1"/>
+          </a:fontRef>
+        </p:style>
+        <p:txBody>
+          <a:bodyPr rtlCol="0" anchor="ctr"/>
+          <a:lstStyle/>
+          <a:p>
+            <a:pPr algn="ctr"/>
+            <a:endParaRPr lang="en-US"/>
           </a:p>
         </p:txBody>
       </p:sp>
       <p:pic>
         <p:nvPicPr>
-          <p:cNvPr id="7170" name="Picture 2">
+          <p:cNvPr id="6" name="Picture 5">
             <a:extLst>
               <a:ext uri="{FF2B5EF4-FFF2-40B4-BE49-F238E27FC236}">
-                <a16:creationId xmlns:a16="http://schemas.microsoft.com/office/drawing/2014/main" id="{FAE54E4F-2751-422B-B48C-EA18EFC590B0}"/>
+                <a16:creationId xmlns:a16="http://schemas.microsoft.com/office/drawing/2014/main" id="{897CBCA6-0176-4907-9190-D1B8718D5473}"/>
               </a:ext>
             </a:extLst>
           </p:cNvPr>
@@ -13353,8 +17941,8 @@
         </p:blipFill>
         <p:spPr bwMode="auto">
           <a:xfrm>
-            <a:off x="2130878" y="1193541"/>
-            <a:ext cx="7930243" cy="5664459"/>
+            <a:off x="820654" y="759566"/>
+            <a:ext cx="7474415" cy="5338868"/>
           </a:xfrm>
           <a:prstGeom prst="rect">
             <a:avLst/>
@@ -13374,7 +17962,7 @@
     </p:spTree>
     <p:extLst>
       <p:ext uri="{BB962C8B-B14F-4D97-AF65-F5344CB8AC3E}">
-        <p14:creationId xmlns:p14="http://schemas.microsoft.com/office/powerpoint/2010/main" val="3941457923"/>
+        <p14:creationId xmlns:p14="http://schemas.microsoft.com/office/powerpoint/2010/main" val="3766040448"/>
       </p:ext>
     </p:extLst>
   </p:cSld>
@@ -13384,9 +17972,17 @@
 </p:sld>
 </file>
 
-<file path=ppt/slides/slide17.xml><?xml version="1.0" encoding="utf-8"?>
+<file path=ppt/slides/slide18.xml><?xml version="1.0" encoding="utf-8"?>
 <p:sld xmlns:a="http://schemas.openxmlformats.org/drawingml/2006/main" xmlns:r="http://schemas.openxmlformats.org/officeDocument/2006/relationships" xmlns:p="http://schemas.openxmlformats.org/presentationml/2006/main">
   <p:cSld>
+    <p:bg>
+      <p:bgPr>
+        <a:solidFill>
+          <a:schemeClr val="bg2"/>
+        </a:solidFill>
+        <a:effectLst/>
+      </p:bgPr>
+    </p:bg>
     <p:spTree>
       <p:nvGrpSpPr>
         <p:cNvPr id="1" name=""/>
@@ -13403,10 +17999,73 @@
       </p:grpSpPr>
       <p:sp>
         <p:nvSpPr>
+          <p:cNvPr id="15" name="Rectangle 14">
+            <a:extLst>
+              <a:ext uri="{FF2B5EF4-FFF2-40B4-BE49-F238E27FC236}">
+                <a16:creationId xmlns:a16="http://schemas.microsoft.com/office/drawing/2014/main" id="{16C5FA50-8D52-4617-AF91-5C7B1C8352F1}"/>
+              </a:ext>
+              <a:ext uri="{C183D7F6-B498-43B3-948B-1728B52AA6E4}">
+                <adec:decorative xmlns:adec="http://schemas.microsoft.com/office/drawing/2017/decorative" val="1"/>
+              </a:ext>
+            </a:extLst>
+          </p:cNvPr>
+          <p:cNvSpPr>
+            <a:spLocks noGrp="1" noRot="1" noChangeAspect="1" noMove="1" noResize="1" noEditPoints="1" noAdjustHandles="1" noChangeArrowheads="1" noChangeShapeType="1" noTextEdit="1"/>
+          </p:cNvSpPr>
+          <p:nvPr>
+            <p:extLst>
+              <p:ext uri="{386F3935-93C4-4BCD-93E2-E3B085C9AB24}">
+                <p16:designElem xmlns:p16="http://schemas.microsoft.com/office/powerpoint/2015/main" val="1"/>
+              </p:ext>
+            </p:extLst>
+          </p:nvPr>
+        </p:nvSpPr>
+        <p:spPr>
+          <a:xfrm>
+            <a:off x="0" y="0"/>
+            <a:ext cx="12192000" cy="6858000"/>
+          </a:xfrm>
+          <a:prstGeom prst="rect">
+            <a:avLst/>
+          </a:prstGeom>
+          <a:solidFill>
+            <a:srgbClr val="3C4D52"/>
+          </a:solidFill>
+          <a:ln>
+            <a:noFill/>
+          </a:ln>
+        </p:spPr>
+        <p:style>
+          <a:lnRef idx="2">
+            <a:schemeClr val="accent1">
+              <a:shade val="50000"/>
+            </a:schemeClr>
+          </a:lnRef>
+          <a:fillRef idx="1">
+            <a:schemeClr val="accent1"/>
+          </a:fillRef>
+          <a:effectRef idx="0">
+            <a:schemeClr val="accent1"/>
+          </a:effectRef>
+          <a:fontRef idx="minor">
+            <a:schemeClr val="lt1"/>
+          </a:fontRef>
+        </p:style>
+        <p:txBody>
+          <a:bodyPr rtlCol="0" anchor="ctr"/>
+          <a:lstStyle/>
+          <a:p>
+            <a:pPr algn="ctr"/>
+            <a:endParaRPr lang="en-US"/>
+          </a:p>
+        </p:txBody>
+      </p:sp>
+      <p:sp>
+        <p:nvSpPr>
           <p:cNvPr id="2" name="Title 1">
             <a:extLst>
               <a:ext uri="{FF2B5EF4-FFF2-40B4-BE49-F238E27FC236}">
-                <a16:creationId xmlns:a16="http://schemas.microsoft.com/office/drawing/2014/main" id="{B0C0647D-9B70-4E4A-A255-BDE8834879DB}"/>
+                <a16:creationId xmlns:a16="http://schemas.microsoft.com/office/drawing/2014/main" id="{EB0270C8-1E3E-4F53-85DA-FE2D08315BAC}"/>
               </a:ext>
             </a:extLst>
           </p:cNvPr>
@@ -13417,24 +18076,114 @@
             <p:ph type="title"/>
           </p:nvPr>
         </p:nvSpPr>
-        <p:spPr/>
+        <p:spPr>
+          <a:xfrm>
+            <a:off x="9093496" y="618681"/>
+            <a:ext cx="2613872" cy="4794567"/>
+          </a:xfrm>
+        </p:spPr>
         <p:txBody>
-          <a:bodyPr/>
+          <a:bodyPr>
+            <a:normAutofit/>
+          </a:bodyPr>
           <a:lstStyle/>
           <a:p>
             <a:r>
-              <a:rPr lang="en-US" dirty="0"/>
+              <a:rPr lang="en-US" sz="3600" b="1" dirty="0">
+                <a:solidFill>
+                  <a:srgbClr val="FFFFFF"/>
+                </a:solidFill>
+              </a:rPr>
               <a:t>Plot 3</a:t>
             </a:r>
+            <a:endParaRPr lang="en-US" sz="3600" dirty="0">
+              <a:solidFill>
+                <a:srgbClr val="FFFFFF"/>
+              </a:solidFill>
+            </a:endParaRPr>
+          </a:p>
+        </p:txBody>
+      </p:sp>
+      <p:sp>
+        <p:nvSpPr>
+          <p:cNvPr id="17" name="Rounded Rectangle 9">
+            <a:extLst>
+              <a:ext uri="{FF2B5EF4-FFF2-40B4-BE49-F238E27FC236}">
+                <a16:creationId xmlns:a16="http://schemas.microsoft.com/office/drawing/2014/main" id="{E223798C-12AD-4B0C-A50C-D676347D67CF}"/>
+              </a:ext>
+              <a:ext uri="{C183D7F6-B498-43B3-948B-1728B52AA6E4}">
+                <adec:decorative xmlns:adec="http://schemas.microsoft.com/office/drawing/2017/decorative" val="1"/>
+              </a:ext>
+            </a:extLst>
+          </p:cNvPr>
+          <p:cNvSpPr>
+            <a:spLocks noGrp="1" noRot="1" noChangeAspect="1" noMove="1" noResize="1" noEditPoints="1" noAdjustHandles="1" noChangeArrowheads="1" noChangeShapeType="1" noTextEdit="1"/>
+          </p:cNvSpPr>
+          <p:nvPr>
+            <p:extLst>
+              <p:ext uri="{386F3935-93C4-4BCD-93E2-E3B085C9AB24}">
+                <p16:designElem xmlns:p16="http://schemas.microsoft.com/office/powerpoint/2015/main" val="1"/>
+              </p:ext>
+            </p:extLst>
+          </p:nvPr>
+        </p:nvSpPr>
+        <p:spPr>
+          <a:xfrm>
+            <a:off x="493354" y="484632"/>
+            <a:ext cx="8129016" cy="5724144"/>
+          </a:xfrm>
+          <a:prstGeom prst="roundRect">
+            <a:avLst>
+              <a:gd name="adj" fmla="val 0"/>
+            </a:avLst>
+          </a:prstGeom>
+          <a:solidFill>
+            <a:srgbClr val="FFFFFF"/>
+          </a:solidFill>
+          <a:ln w="9525">
+            <a:solidFill>
+              <a:srgbClr val="C8CACA"/>
+            </a:solidFill>
+          </a:ln>
+          <a:effectLst>
+            <a:outerShdw blurRad="57150" dist="19050" dir="5400000" algn="t" rotWithShape="0">
+              <a:prstClr val="black">
+                <a:alpha val="63000"/>
+              </a:prstClr>
+            </a:outerShdw>
+          </a:effectLst>
+        </p:spPr>
+        <p:style>
+          <a:lnRef idx="2">
+            <a:schemeClr val="accent1">
+              <a:shade val="50000"/>
+            </a:schemeClr>
+          </a:lnRef>
+          <a:fillRef idx="1">
+            <a:schemeClr val="accent1"/>
+          </a:fillRef>
+          <a:effectRef idx="0">
+            <a:schemeClr val="accent1"/>
+          </a:effectRef>
+          <a:fontRef idx="minor">
+            <a:schemeClr val="lt1"/>
+          </a:fontRef>
+        </p:style>
+        <p:txBody>
+          <a:bodyPr rtlCol="0" anchor="ctr"/>
+          <a:lstStyle/>
+          <a:p>
+            <a:pPr algn="ctr"/>
+            <a:endParaRPr lang="en-US"/>
           </a:p>
         </p:txBody>
       </p:sp>
       <p:pic>
         <p:nvPicPr>
-          <p:cNvPr id="8194" name="Picture 2">
+          <p:cNvPr id="6" name="Picture 5">
             <a:extLst>
               <a:ext uri="{FF2B5EF4-FFF2-40B4-BE49-F238E27FC236}">
-                <a16:creationId xmlns:a16="http://schemas.microsoft.com/office/drawing/2014/main" id="{C4AE15D8-3CB8-4FC4-998C-38E821ACC687}"/>
+                <a16:creationId xmlns:a16="http://schemas.microsoft.com/office/drawing/2014/main" id="{C5F75523-B71A-4AA3-9B63-73DCBC4F0E02}"/>
               </a:ext>
             </a:extLst>
           </p:cNvPr>
@@ -13458,8 +18207,8 @@
         </p:blipFill>
         <p:spPr bwMode="auto">
           <a:xfrm>
-            <a:off x="2290082" y="1407984"/>
-            <a:ext cx="7611835" cy="5437025"/>
+            <a:off x="791339" y="656330"/>
+            <a:ext cx="7533046" cy="5380747"/>
           </a:xfrm>
           <a:prstGeom prst="rect">
             <a:avLst/>
@@ -13479,7 +18228,7 @@
     </p:spTree>
     <p:extLst>
       <p:ext uri="{BB962C8B-B14F-4D97-AF65-F5344CB8AC3E}">
-        <p14:creationId xmlns:p14="http://schemas.microsoft.com/office/powerpoint/2010/main" val="1161603938"/>
+        <p14:creationId xmlns:p14="http://schemas.microsoft.com/office/powerpoint/2010/main" val="3602106049"/>
       </p:ext>
     </p:extLst>
   </p:cSld>
@@ -13489,9 +18238,17 @@
 </p:sld>
 </file>
 
-<file path=ppt/slides/slide18.xml><?xml version="1.0" encoding="utf-8"?>
+<file path=ppt/slides/slide19.xml><?xml version="1.0" encoding="utf-8"?>
 <p:sld xmlns:a="http://schemas.openxmlformats.org/drawingml/2006/main" xmlns:r="http://schemas.openxmlformats.org/officeDocument/2006/relationships" xmlns:p="http://schemas.openxmlformats.org/presentationml/2006/main">
   <p:cSld>
+    <p:bg>
+      <p:bgPr>
+        <a:solidFill>
+          <a:schemeClr val="bg2"/>
+        </a:solidFill>
+        <a:effectLst/>
+      </p:bgPr>
+    </p:bg>
     <p:spTree>
       <p:nvGrpSpPr>
         <p:cNvPr id="1" name=""/>
@@ -13508,10 +18265,73 @@
       </p:grpSpPr>
       <p:sp>
         <p:nvSpPr>
+          <p:cNvPr id="15" name="Rectangle 14">
+            <a:extLst>
+              <a:ext uri="{FF2B5EF4-FFF2-40B4-BE49-F238E27FC236}">
+                <a16:creationId xmlns:a16="http://schemas.microsoft.com/office/drawing/2014/main" id="{16C5FA50-8D52-4617-AF91-5C7B1C8352F1}"/>
+              </a:ext>
+              <a:ext uri="{C183D7F6-B498-43B3-948B-1728B52AA6E4}">
+                <adec:decorative xmlns:adec="http://schemas.microsoft.com/office/drawing/2017/decorative" val="1"/>
+              </a:ext>
+            </a:extLst>
+          </p:cNvPr>
+          <p:cNvSpPr>
+            <a:spLocks noGrp="1" noRot="1" noChangeAspect="1" noMove="1" noResize="1" noEditPoints="1" noAdjustHandles="1" noChangeArrowheads="1" noChangeShapeType="1" noTextEdit="1"/>
+          </p:cNvSpPr>
+          <p:nvPr>
+            <p:extLst>
+              <p:ext uri="{386F3935-93C4-4BCD-93E2-E3B085C9AB24}">
+                <p16:designElem xmlns:p16="http://schemas.microsoft.com/office/powerpoint/2015/main" val="1"/>
+              </p:ext>
+            </p:extLst>
+          </p:nvPr>
+        </p:nvSpPr>
+        <p:spPr>
+          <a:xfrm>
+            <a:off x="0" y="0"/>
+            <a:ext cx="12192000" cy="6858000"/>
+          </a:xfrm>
+          <a:prstGeom prst="rect">
+            <a:avLst/>
+          </a:prstGeom>
+          <a:solidFill>
+            <a:srgbClr val="3C4D52"/>
+          </a:solidFill>
+          <a:ln>
+            <a:noFill/>
+          </a:ln>
+        </p:spPr>
+        <p:style>
+          <a:lnRef idx="2">
+            <a:schemeClr val="accent1">
+              <a:shade val="50000"/>
+            </a:schemeClr>
+          </a:lnRef>
+          <a:fillRef idx="1">
+            <a:schemeClr val="accent1"/>
+          </a:fillRef>
+          <a:effectRef idx="0">
+            <a:schemeClr val="accent1"/>
+          </a:effectRef>
+          <a:fontRef idx="minor">
+            <a:schemeClr val="lt1"/>
+          </a:fontRef>
+        </p:style>
+        <p:txBody>
+          <a:bodyPr rtlCol="0" anchor="ctr"/>
+          <a:lstStyle/>
+          <a:p>
+            <a:pPr algn="ctr"/>
+            <a:endParaRPr lang="en-US"/>
+          </a:p>
+        </p:txBody>
+      </p:sp>
+      <p:sp>
+        <p:nvSpPr>
           <p:cNvPr id="2" name="Title 1">
             <a:extLst>
               <a:ext uri="{FF2B5EF4-FFF2-40B4-BE49-F238E27FC236}">
-                <a16:creationId xmlns:a16="http://schemas.microsoft.com/office/drawing/2014/main" id="{3F225D26-AE7D-4438-8BCC-B5B9EA285416}"/>
+                <a16:creationId xmlns:a16="http://schemas.microsoft.com/office/drawing/2014/main" id="{EB0270C8-1E3E-4F53-85DA-FE2D08315BAC}"/>
               </a:ext>
             </a:extLst>
           </p:cNvPr>
@@ -13522,24 +18342,114 @@
             <p:ph type="title"/>
           </p:nvPr>
         </p:nvSpPr>
-        <p:spPr/>
+        <p:spPr>
+          <a:xfrm>
+            <a:off x="9093496" y="618681"/>
+            <a:ext cx="2613872" cy="4794567"/>
+          </a:xfrm>
+        </p:spPr>
         <p:txBody>
-          <a:bodyPr/>
+          <a:bodyPr>
+            <a:normAutofit/>
+          </a:bodyPr>
           <a:lstStyle/>
           <a:p>
             <a:r>
-              <a:rPr lang="en-US" dirty="0"/>
+              <a:rPr lang="en-US" sz="3600" b="1" dirty="0">
+                <a:solidFill>
+                  <a:srgbClr val="FFFFFF"/>
+                </a:solidFill>
+              </a:rPr>
               <a:t>Plot 4</a:t>
             </a:r>
+            <a:endParaRPr lang="en-US" sz="3600" dirty="0">
+              <a:solidFill>
+                <a:srgbClr val="FFFFFF"/>
+              </a:solidFill>
+            </a:endParaRPr>
+          </a:p>
+        </p:txBody>
+      </p:sp>
+      <p:sp>
+        <p:nvSpPr>
+          <p:cNvPr id="17" name="Rounded Rectangle 9">
+            <a:extLst>
+              <a:ext uri="{FF2B5EF4-FFF2-40B4-BE49-F238E27FC236}">
+                <a16:creationId xmlns:a16="http://schemas.microsoft.com/office/drawing/2014/main" id="{E223798C-12AD-4B0C-A50C-D676347D67CF}"/>
+              </a:ext>
+              <a:ext uri="{C183D7F6-B498-43B3-948B-1728B52AA6E4}">
+                <adec:decorative xmlns:adec="http://schemas.microsoft.com/office/drawing/2017/decorative" val="1"/>
+              </a:ext>
+            </a:extLst>
+          </p:cNvPr>
+          <p:cNvSpPr>
+            <a:spLocks noGrp="1" noRot="1" noChangeAspect="1" noMove="1" noResize="1" noEditPoints="1" noAdjustHandles="1" noChangeArrowheads="1" noChangeShapeType="1" noTextEdit="1"/>
+          </p:cNvSpPr>
+          <p:nvPr>
+            <p:extLst>
+              <p:ext uri="{386F3935-93C4-4BCD-93E2-E3B085C9AB24}">
+                <p16:designElem xmlns:p16="http://schemas.microsoft.com/office/powerpoint/2015/main" val="1"/>
+              </p:ext>
+            </p:extLst>
+          </p:nvPr>
+        </p:nvSpPr>
+        <p:spPr>
+          <a:xfrm>
+            <a:off x="493354" y="484632"/>
+            <a:ext cx="8129016" cy="5724144"/>
+          </a:xfrm>
+          <a:prstGeom prst="roundRect">
+            <a:avLst>
+              <a:gd name="adj" fmla="val 0"/>
+            </a:avLst>
+          </a:prstGeom>
+          <a:solidFill>
+            <a:srgbClr val="FFFFFF"/>
+          </a:solidFill>
+          <a:ln w="9525">
+            <a:solidFill>
+              <a:srgbClr val="C8CACA"/>
+            </a:solidFill>
+          </a:ln>
+          <a:effectLst>
+            <a:outerShdw blurRad="57150" dist="19050" dir="5400000" algn="t" rotWithShape="0">
+              <a:prstClr val="black">
+                <a:alpha val="63000"/>
+              </a:prstClr>
+            </a:outerShdw>
+          </a:effectLst>
+        </p:spPr>
+        <p:style>
+          <a:lnRef idx="2">
+            <a:schemeClr val="accent1">
+              <a:shade val="50000"/>
+            </a:schemeClr>
+          </a:lnRef>
+          <a:fillRef idx="1">
+            <a:schemeClr val="accent1"/>
+          </a:fillRef>
+          <a:effectRef idx="0">
+            <a:schemeClr val="accent1"/>
+          </a:effectRef>
+          <a:fontRef idx="minor">
+            <a:schemeClr val="lt1"/>
+          </a:fontRef>
+        </p:style>
+        <p:txBody>
+          <a:bodyPr rtlCol="0" anchor="ctr"/>
+          <a:lstStyle/>
+          <a:p>
+            <a:pPr algn="ctr"/>
+            <a:endParaRPr lang="en-US"/>
           </a:p>
         </p:txBody>
       </p:sp>
       <p:pic>
         <p:nvPicPr>
-          <p:cNvPr id="9218" name="Picture 2">
+          <p:cNvPr id="6" name="Picture 5">
             <a:extLst>
               <a:ext uri="{FF2B5EF4-FFF2-40B4-BE49-F238E27FC236}">
-                <a16:creationId xmlns:a16="http://schemas.microsoft.com/office/drawing/2014/main" id="{F2DFAA93-2FF2-4364-8690-9A0337CB4364}"/>
+                <a16:creationId xmlns:a16="http://schemas.microsoft.com/office/drawing/2014/main" id="{8F159D90-5307-4C08-BB63-A168E3D8841E}"/>
               </a:ext>
             </a:extLst>
           </p:cNvPr>
@@ -13563,8 +18473,8 @@
         </p:blipFill>
         <p:spPr bwMode="auto">
           <a:xfrm>
-            <a:off x="2266951" y="1358223"/>
-            <a:ext cx="7658098" cy="5470070"/>
+            <a:off x="871454" y="713556"/>
+            <a:ext cx="7372815" cy="5266296"/>
           </a:xfrm>
           <a:prstGeom prst="rect">
             <a:avLst/>
@@ -13584,93 +18494,7 @@
     </p:spTree>
     <p:extLst>
       <p:ext uri="{BB962C8B-B14F-4D97-AF65-F5344CB8AC3E}">
-        <p14:creationId xmlns:p14="http://schemas.microsoft.com/office/powerpoint/2010/main" val="2643741327"/>
-      </p:ext>
-    </p:extLst>
-  </p:cSld>
-  <p:clrMapOvr>
-    <a:masterClrMapping/>
-  </p:clrMapOvr>
-</p:sld>
-</file>
-
-<file path=ppt/slides/slide19.xml><?xml version="1.0" encoding="utf-8"?>
-<p:sld xmlns:a="http://schemas.openxmlformats.org/drawingml/2006/main" xmlns:r="http://schemas.openxmlformats.org/officeDocument/2006/relationships" xmlns:p="http://schemas.openxmlformats.org/presentationml/2006/main">
-  <p:cSld>
-    <p:spTree>
-      <p:nvGrpSpPr>
-        <p:cNvPr id="1" name=""/>
-        <p:cNvGrpSpPr/>
-        <p:nvPr/>
-      </p:nvGrpSpPr>
-      <p:grpSpPr>
-        <a:xfrm>
-          <a:off x="0" y="0"/>
-          <a:ext cx="0" cy="0"/>
-          <a:chOff x="0" y="0"/>
-          <a:chExt cx="0" cy="0"/>
-        </a:xfrm>
-      </p:grpSpPr>
-      <p:sp>
-        <p:nvSpPr>
-          <p:cNvPr id="2" name="Title 1">
-            <a:extLst>
-              <a:ext uri="{FF2B5EF4-FFF2-40B4-BE49-F238E27FC236}">
-                <a16:creationId xmlns:a16="http://schemas.microsoft.com/office/drawing/2014/main" id="{40A9CB7E-19A0-41AA-9B02-FDDE6E3B6AC3}"/>
-              </a:ext>
-            </a:extLst>
-          </p:cNvPr>
-          <p:cNvSpPr>
-            <a:spLocks noGrp="1"/>
-          </p:cNvSpPr>
-          <p:nvPr>
-            <p:ph type="title"/>
-          </p:nvPr>
-        </p:nvSpPr>
-        <p:spPr/>
-        <p:txBody>
-          <a:bodyPr/>
-          <a:lstStyle/>
-          <a:p>
-            <a:r>
-              <a:rPr lang="en-US" dirty="0"/>
-              <a:t>Conclusion</a:t>
-            </a:r>
-          </a:p>
-        </p:txBody>
-      </p:sp>
-      <p:sp>
-        <p:nvSpPr>
-          <p:cNvPr id="3" name="Content Placeholder 2">
-            <a:extLst>
-              <a:ext uri="{FF2B5EF4-FFF2-40B4-BE49-F238E27FC236}">
-                <a16:creationId xmlns:a16="http://schemas.microsoft.com/office/drawing/2014/main" id="{4D35F9CB-C65B-4051-9267-AE6204B78CEF}"/>
-              </a:ext>
-            </a:extLst>
-          </p:cNvPr>
-          <p:cNvSpPr>
-            <a:spLocks noGrp="1"/>
-          </p:cNvSpPr>
-          <p:nvPr>
-            <p:ph idx="1"/>
-          </p:nvPr>
-        </p:nvSpPr>
-        <p:spPr/>
-        <p:txBody>
-          <a:bodyPr/>
-          <a:lstStyle/>
-          <a:p>
-            <a:r>
-              <a:rPr lang="en-US" dirty="0"/>
-              <a:t>[Mexico’s military increased]</a:t>
-            </a:r>
-          </a:p>
-        </p:txBody>
-      </p:sp>
-    </p:spTree>
-    <p:extLst>
-      <p:ext uri="{BB962C8B-B14F-4D97-AF65-F5344CB8AC3E}">
-        <p14:creationId xmlns:p14="http://schemas.microsoft.com/office/powerpoint/2010/main" val="2156231680"/>
+        <p14:creationId xmlns:p14="http://schemas.microsoft.com/office/powerpoint/2010/main" val="2071058569"/>
       </p:ext>
     </p:extLst>
   </p:cSld>
@@ -14170,6 +18994,92 @@
 </p:sld>
 </file>
 
+<file path=ppt/slides/slide20.xml><?xml version="1.0" encoding="utf-8"?>
+<p:sld xmlns:a="http://schemas.openxmlformats.org/drawingml/2006/main" xmlns:r="http://schemas.openxmlformats.org/officeDocument/2006/relationships" xmlns:p="http://schemas.openxmlformats.org/presentationml/2006/main">
+  <p:cSld>
+    <p:spTree>
+      <p:nvGrpSpPr>
+        <p:cNvPr id="1" name=""/>
+        <p:cNvGrpSpPr/>
+        <p:nvPr/>
+      </p:nvGrpSpPr>
+      <p:grpSpPr>
+        <a:xfrm>
+          <a:off x="0" y="0"/>
+          <a:ext cx="0" cy="0"/>
+          <a:chOff x="0" y="0"/>
+          <a:chExt cx="0" cy="0"/>
+        </a:xfrm>
+      </p:grpSpPr>
+      <p:sp>
+        <p:nvSpPr>
+          <p:cNvPr id="2" name="Title 1">
+            <a:extLst>
+              <a:ext uri="{FF2B5EF4-FFF2-40B4-BE49-F238E27FC236}">
+                <a16:creationId xmlns:a16="http://schemas.microsoft.com/office/drawing/2014/main" id="{40A9CB7E-19A0-41AA-9B02-FDDE6E3B6AC3}"/>
+              </a:ext>
+            </a:extLst>
+          </p:cNvPr>
+          <p:cNvSpPr>
+            <a:spLocks noGrp="1"/>
+          </p:cNvSpPr>
+          <p:nvPr>
+            <p:ph type="title"/>
+          </p:nvPr>
+        </p:nvSpPr>
+        <p:spPr/>
+        <p:txBody>
+          <a:bodyPr/>
+          <a:lstStyle/>
+          <a:p>
+            <a:r>
+              <a:rPr lang="en-US" dirty="0"/>
+              <a:t>Conclusion</a:t>
+            </a:r>
+          </a:p>
+        </p:txBody>
+      </p:sp>
+      <p:sp>
+        <p:nvSpPr>
+          <p:cNvPr id="3" name="Content Placeholder 2">
+            <a:extLst>
+              <a:ext uri="{FF2B5EF4-FFF2-40B4-BE49-F238E27FC236}">
+                <a16:creationId xmlns:a16="http://schemas.microsoft.com/office/drawing/2014/main" id="{4D35F9CB-C65B-4051-9267-AE6204B78CEF}"/>
+              </a:ext>
+            </a:extLst>
+          </p:cNvPr>
+          <p:cNvSpPr>
+            <a:spLocks noGrp="1"/>
+          </p:cNvSpPr>
+          <p:nvPr>
+            <p:ph idx="1"/>
+          </p:nvPr>
+        </p:nvSpPr>
+        <p:spPr/>
+        <p:txBody>
+          <a:bodyPr/>
+          <a:lstStyle/>
+          <a:p>
+            <a:r>
+              <a:rPr lang="en-US" dirty="0"/>
+              <a:t>[Mexico’s military increased]</a:t>
+            </a:r>
+          </a:p>
+        </p:txBody>
+      </p:sp>
+    </p:spTree>
+    <p:extLst>
+      <p:ext uri="{BB962C8B-B14F-4D97-AF65-F5344CB8AC3E}">
+        <p14:creationId xmlns:p14="http://schemas.microsoft.com/office/powerpoint/2010/main" val="2156231680"/>
+      </p:ext>
+    </p:extLst>
+  </p:cSld>
+  <p:clrMapOvr>
+    <a:masterClrMapping/>
+  </p:clrMapOvr>
+</p:sld>
+</file>
+
 <file path=ppt/slides/slide3.xml><?xml version="1.0" encoding="utf-8"?>
 <p:sld xmlns:a="http://schemas.openxmlformats.org/drawingml/2006/main" xmlns:r="http://schemas.openxmlformats.org/officeDocument/2006/relationships" xmlns:p="http://schemas.openxmlformats.org/presentationml/2006/main">
   <p:cSld>
@@ -14265,7 +19175,7 @@
           <a:lstStyle/>
           <a:p>
             <a:r>
-              <a:rPr lang="en-US" sz="4000" dirty="0">
+              <a:rPr lang="en-US" sz="4000" b="1" dirty="0">
                 <a:solidFill>
                   <a:srgbClr val="FFFFFF"/>
                 </a:solidFill>
@@ -15550,6 +20460,14 @@
 <file path=ppt/slides/slide6.xml><?xml version="1.0" encoding="utf-8"?>
 <p:sld xmlns:a="http://schemas.openxmlformats.org/drawingml/2006/main" xmlns:r="http://schemas.openxmlformats.org/officeDocument/2006/relationships" xmlns:p="http://schemas.openxmlformats.org/presentationml/2006/main">
   <p:cSld>
+    <p:bg>
+      <p:bgPr>
+        <a:solidFill>
+          <a:schemeClr val="bg1"/>
+        </a:solidFill>
+        <a:effectLst/>
+      </p:bgPr>
+    </p:bg>
     <p:spTree>
       <p:nvGrpSpPr>
         <p:cNvPr id="1" name=""/>
@@ -15566,10 +20484,10 @@
       </p:grpSpPr>
       <p:sp>
         <p:nvSpPr>
-          <p:cNvPr id="2" name="Title 1">
+          <p:cNvPr id="24" name="Title 1">
             <a:extLst>
               <a:ext uri="{FF2B5EF4-FFF2-40B4-BE49-F238E27FC236}">
-                <a16:creationId xmlns:a16="http://schemas.microsoft.com/office/drawing/2014/main" id="{1F476DE5-547C-470A-827F-91F72B9895C0}"/>
+                <a16:creationId xmlns:a16="http://schemas.microsoft.com/office/drawing/2014/main" id="{5C9198F5-6676-4DCB-ABFC-B4368944FFDB}"/>
               </a:ext>
             </a:extLst>
           </p:cNvPr>
@@ -15580,52 +20498,176 @@
             <p:ph type="title"/>
           </p:nvPr>
         </p:nvSpPr>
-        <p:spPr/>
+        <p:spPr>
+          <a:xfrm>
+            <a:off x="1524000" y="4892843"/>
+            <a:ext cx="9144000" cy="1099845"/>
+          </a:xfrm>
+        </p:spPr>
         <p:txBody>
-          <a:bodyPr/>
+          <a:bodyPr vert="horz" lIns="91440" tIns="45720" rIns="91440" bIns="45720" rtlCol="0" anchor="b">
+            <a:normAutofit fontScale="90000"/>
+          </a:bodyPr>
           <a:lstStyle/>
           <a:p>
+            <a:pPr algn="ctr"/>
             <a:r>
-              <a:rPr lang="en-US" dirty="0"/>
-              <a:t>Plot 1</a:t>
+              <a:rPr lang="en-US" sz="4200" b="1" dirty="0"/>
+              <a:t>Military Expenditure of </a:t>
+            </a:r>
+            <a:br>
+              <a:rPr lang="en-US" sz="4200" b="1" dirty="0"/>
+            </a:br>
+            <a:r>
+              <a:rPr lang="en-US" sz="4200" b="1" dirty="0"/>
+              <a:t>Strong and Weak Militaries</a:t>
             </a:r>
           </a:p>
         </p:txBody>
       </p:sp>
       <p:sp>
         <p:nvSpPr>
-          <p:cNvPr id="3" name="Content Placeholder 2">
+          <p:cNvPr id="83" name="Rectangle 82">
             <a:extLst>
               <a:ext uri="{FF2B5EF4-FFF2-40B4-BE49-F238E27FC236}">
-                <a16:creationId xmlns:a16="http://schemas.microsoft.com/office/drawing/2014/main" id="{690F243D-B783-479E-BD92-13308A61AFBD}"/>
+                <a16:creationId xmlns:a16="http://schemas.microsoft.com/office/drawing/2014/main" id="{DAE885FA-583E-488C-A3B2-2647B84A8162}"/>
+              </a:ext>
+              <a:ext uri="{C183D7F6-B498-43B3-948B-1728B52AA6E4}">
+                <adec:decorative xmlns:adec="http://schemas.microsoft.com/office/drawing/2017/decorative" val="1"/>
               </a:ext>
             </a:extLst>
           </p:cNvPr>
           <p:cNvSpPr>
-            <a:spLocks noGrp="1"/>
+            <a:spLocks noGrp="1" noRot="1" noChangeAspect="1" noMove="1" noResize="1" noEditPoints="1" noAdjustHandles="1" noChangeArrowheads="1" noChangeShapeType="1" noTextEdit="1"/>
           </p:cNvSpPr>
           <p:nvPr>
-            <p:ph idx="1"/>
+            <p:extLst>
+              <p:ext uri="{386F3935-93C4-4BCD-93E2-E3B085C9AB24}">
+                <p16:designElem xmlns:p16="http://schemas.microsoft.com/office/powerpoint/2015/main" val="1"/>
+              </p:ext>
+            </p:extLst>
           </p:nvPr>
         </p:nvSpPr>
-        <p:spPr/>
+        <p:spPr>
+          <a:xfrm>
+            <a:off x="0" y="0"/>
+            <a:ext cx="12192000" cy="4572000"/>
+          </a:xfrm>
+          <a:prstGeom prst="rect">
+            <a:avLst/>
+          </a:prstGeom>
+          <a:solidFill>
+            <a:srgbClr val="447179"/>
+          </a:solidFill>
+          <a:ln>
+            <a:noFill/>
+          </a:ln>
+        </p:spPr>
+        <p:style>
+          <a:lnRef idx="2">
+            <a:schemeClr val="accent1">
+              <a:shade val="50000"/>
+            </a:schemeClr>
+          </a:lnRef>
+          <a:fillRef idx="1">
+            <a:schemeClr val="accent1"/>
+          </a:fillRef>
+          <a:effectRef idx="0">
+            <a:schemeClr val="accent1"/>
+          </a:effectRef>
+          <a:fontRef idx="minor">
+            <a:schemeClr val="lt1"/>
+          </a:fontRef>
+        </p:style>
         <p:txBody>
-          <a:bodyPr/>
+          <a:bodyPr rtlCol="0" anchor="ctr"/>
           <a:lstStyle/>
           <a:p>
-            <a:r>
-              <a:rPr lang="en-US" dirty="0"/>
-              <a:t>Military expenditure</a:t>
-            </a:r>
+            <a:pPr algn="ctr"/>
+            <a:endParaRPr lang="en-US"/>
+          </a:p>
+        </p:txBody>
+      </p:sp>
+      <p:sp>
+        <p:nvSpPr>
+          <p:cNvPr id="85" name="Rounded Rectangle 26">
+            <a:extLst>
+              <a:ext uri="{FF2B5EF4-FFF2-40B4-BE49-F238E27FC236}">
+                <a16:creationId xmlns:a16="http://schemas.microsoft.com/office/drawing/2014/main" id="{87B1CEC7-C2CE-4440-A0F7-0BE6B3AADB72}"/>
+              </a:ext>
+              <a:ext uri="{C183D7F6-B498-43B3-948B-1728B52AA6E4}">
+                <adec:decorative xmlns:adec="http://schemas.microsoft.com/office/drawing/2017/decorative" val="1"/>
+              </a:ext>
+            </a:extLst>
+          </p:cNvPr>
+          <p:cNvSpPr>
+            <a:spLocks noGrp="1" noRot="1" noChangeAspect="1" noMove="1" noResize="1" noEditPoints="1" noAdjustHandles="1" noChangeArrowheads="1" noChangeShapeType="1" noTextEdit="1"/>
+          </p:cNvSpPr>
+          <p:nvPr>
+            <p:extLst>
+              <p:ext uri="{386F3935-93C4-4BCD-93E2-E3B085C9AB24}">
+                <p16:designElem xmlns:p16="http://schemas.microsoft.com/office/powerpoint/2015/main" val="1"/>
+              </p:ext>
+            </p:extLst>
+          </p:nvPr>
+        </p:nvSpPr>
+        <p:spPr>
+          <a:xfrm>
+            <a:off x="321564" y="320843"/>
+            <a:ext cx="5613569" cy="3930315"/>
+          </a:xfrm>
+          <a:prstGeom prst="roundRect">
+            <a:avLst>
+              <a:gd name="adj" fmla="val 0"/>
+            </a:avLst>
+          </a:prstGeom>
+          <a:solidFill>
+            <a:srgbClr val="FFFFFF"/>
+          </a:solidFill>
+          <a:ln w="9525">
+            <a:solidFill>
+              <a:srgbClr val="C8CACA"/>
+            </a:solidFill>
+          </a:ln>
+          <a:effectLst>
+            <a:outerShdw blurRad="57150" dist="19050" dir="5400000" algn="t" rotWithShape="0">
+              <a:prstClr val="black">
+                <a:alpha val="63000"/>
+              </a:prstClr>
+            </a:outerShdw>
+          </a:effectLst>
+        </p:spPr>
+        <p:style>
+          <a:lnRef idx="2">
+            <a:schemeClr val="accent1">
+              <a:shade val="50000"/>
+            </a:schemeClr>
+          </a:lnRef>
+          <a:fillRef idx="1">
+            <a:schemeClr val="accent1"/>
+          </a:fillRef>
+          <a:effectRef idx="0">
+            <a:schemeClr val="accent1"/>
+          </a:effectRef>
+          <a:fontRef idx="minor">
+            <a:schemeClr val="lt1"/>
+          </a:fontRef>
+        </p:style>
+        <p:txBody>
+          <a:bodyPr rtlCol="0" anchor="ctr"/>
+          <a:lstStyle/>
+          <a:p>
+            <a:pPr algn="ctr"/>
+            <a:endParaRPr lang="en-US"/>
           </a:p>
         </p:txBody>
       </p:sp>
       <p:pic>
         <p:nvPicPr>
-          <p:cNvPr id="1026" name="Picture 2">
+          <p:cNvPr id="8" name="Picture 2" descr="A picture containing text, map&#10;&#10;Description automatically generated">
             <a:extLst>
               <a:ext uri="{FF2B5EF4-FFF2-40B4-BE49-F238E27FC236}">
-                <a16:creationId xmlns:a16="http://schemas.microsoft.com/office/drawing/2014/main" id="{8D973405-A0C2-4858-90C0-170D1B3CA7DE}"/>
+                <a16:creationId xmlns:a16="http://schemas.microsoft.com/office/drawing/2014/main" id="{F52BBFEF-D44F-42D3-820E-DF086BE56325}"/>
               </a:ext>
             </a:extLst>
           </p:cNvPr>
@@ -15642,15 +20684,14 @@
               </a:ext>
             </a:extLst>
           </a:blip>
-          <a:srcRect/>
           <a:stretch>
             <a:fillRect/>
           </a:stretch>
         </p:blipFill>
         <p:spPr bwMode="auto">
           <a:xfrm>
-            <a:off x="444595" y="2578928"/>
-            <a:ext cx="5537105" cy="3955075"/>
+            <a:off x="454676" y="397782"/>
+            <a:ext cx="5347344" cy="3823351"/>
           </a:xfrm>
           <a:prstGeom prst="rect">
             <a:avLst/>
@@ -15667,12 +20708,86 @@
           </a:extLst>
         </p:spPr>
       </p:pic>
+      <p:sp>
+        <p:nvSpPr>
+          <p:cNvPr id="87" name="Rounded Rectangle 16">
+            <a:extLst>
+              <a:ext uri="{FF2B5EF4-FFF2-40B4-BE49-F238E27FC236}">
+                <a16:creationId xmlns:a16="http://schemas.microsoft.com/office/drawing/2014/main" id="{7B0DBF0B-D7C2-4F15-94AE-315255824591}"/>
+              </a:ext>
+              <a:ext uri="{C183D7F6-B498-43B3-948B-1728B52AA6E4}">
+                <adec:decorative xmlns:adec="http://schemas.microsoft.com/office/drawing/2017/decorative" val="1"/>
+              </a:ext>
+            </a:extLst>
+          </p:cNvPr>
+          <p:cNvSpPr>
+            <a:spLocks noGrp="1" noRot="1" noChangeAspect="1" noMove="1" noResize="1" noEditPoints="1" noAdjustHandles="1" noChangeArrowheads="1" noChangeShapeType="1" noTextEdit="1"/>
+          </p:cNvSpPr>
+          <p:nvPr>
+            <p:extLst>
+              <p:ext uri="{386F3935-93C4-4BCD-93E2-E3B085C9AB24}">
+                <p16:designElem xmlns:p16="http://schemas.microsoft.com/office/powerpoint/2015/main" val="1"/>
+              </p:ext>
+            </p:extLst>
+          </p:nvPr>
+        </p:nvSpPr>
+        <p:spPr>
+          <a:xfrm>
+            <a:off x="6254749" y="320843"/>
+            <a:ext cx="5613569" cy="3930315"/>
+          </a:xfrm>
+          <a:prstGeom prst="roundRect">
+            <a:avLst>
+              <a:gd name="adj" fmla="val 0"/>
+            </a:avLst>
+          </a:prstGeom>
+          <a:solidFill>
+            <a:srgbClr val="FFFFFF"/>
+          </a:solidFill>
+          <a:ln w="9525">
+            <a:solidFill>
+              <a:srgbClr val="C8CACA"/>
+            </a:solidFill>
+          </a:ln>
+          <a:effectLst>
+            <a:outerShdw blurRad="57150" dist="19050" dir="5400000" algn="t" rotWithShape="0">
+              <a:prstClr val="black">
+                <a:alpha val="63000"/>
+              </a:prstClr>
+            </a:outerShdw>
+          </a:effectLst>
+        </p:spPr>
+        <p:style>
+          <a:lnRef idx="2">
+            <a:schemeClr val="accent1">
+              <a:shade val="50000"/>
+            </a:schemeClr>
+          </a:lnRef>
+          <a:fillRef idx="1">
+            <a:schemeClr val="accent1"/>
+          </a:fillRef>
+          <a:effectRef idx="0">
+            <a:schemeClr val="accent1"/>
+          </a:effectRef>
+          <a:fontRef idx="minor">
+            <a:schemeClr val="lt1"/>
+          </a:fontRef>
+        </p:style>
+        <p:txBody>
+          <a:bodyPr rtlCol="0" anchor="ctr"/>
+          <a:lstStyle/>
+          <a:p>
+            <a:pPr algn="ctr"/>
+            <a:endParaRPr lang="en-US"/>
+          </a:p>
+        </p:txBody>
+      </p:sp>
       <p:pic>
         <p:nvPicPr>
-          <p:cNvPr id="1028" name="Picture 4">
+          <p:cNvPr id="1030" name="Picture 6" descr="A close up of a map&#10;&#10;Description automatically generated">
             <a:extLst>
               <a:ext uri="{FF2B5EF4-FFF2-40B4-BE49-F238E27FC236}">
-                <a16:creationId xmlns:a16="http://schemas.microsoft.com/office/drawing/2014/main" id="{426D1FCF-75A8-401B-9F2C-85A4026EF1B9}"/>
+                <a16:creationId xmlns:a16="http://schemas.microsoft.com/office/drawing/2014/main" id="{229B7821-A511-4DBF-BF76-65FE3E7C6E17}"/>
               </a:ext>
             </a:extLst>
           </p:cNvPr>
@@ -15689,15 +20804,14 @@
               </a:ext>
             </a:extLst>
           </a:blip>
-          <a:srcRect/>
           <a:stretch>
             <a:fillRect/>
           </a:stretch>
         </p:blipFill>
         <p:spPr bwMode="auto">
           <a:xfrm>
-            <a:off x="6375305" y="2578929"/>
-            <a:ext cx="5537105" cy="3955075"/>
+            <a:off x="6410158" y="397010"/>
+            <a:ext cx="5302750" cy="3791466"/>
           </a:xfrm>
           <a:prstGeom prst="rect">
             <a:avLst/>
@@ -15730,6 +20844,14 @@
 <file path=ppt/slides/slide7.xml><?xml version="1.0" encoding="utf-8"?>
 <p:sld xmlns:a="http://schemas.openxmlformats.org/drawingml/2006/main" xmlns:r="http://schemas.openxmlformats.org/officeDocument/2006/relationships" xmlns:p="http://schemas.openxmlformats.org/presentationml/2006/main">
   <p:cSld>
+    <p:bg>
+      <p:bgPr>
+        <a:solidFill>
+          <a:schemeClr val="bg1"/>
+        </a:solidFill>
+        <a:effectLst/>
+      </p:bgPr>
+    </p:bg>
     <p:spTree>
       <p:nvGrpSpPr>
         <p:cNvPr id="1" name=""/>
@@ -15746,10 +20868,484 @@
       </p:grpSpPr>
       <p:sp>
         <p:nvSpPr>
+          <p:cNvPr id="1036" name="Rectangle 78">
+            <a:extLst>
+              <a:ext uri="{FF2B5EF4-FFF2-40B4-BE49-F238E27FC236}">
+                <a16:creationId xmlns:a16="http://schemas.microsoft.com/office/drawing/2014/main" id="{DAE885FA-583E-488C-A3B2-2647B84A8162}"/>
+              </a:ext>
+              <a:ext uri="{C183D7F6-B498-43B3-948B-1728B52AA6E4}">
+                <adec:decorative xmlns:adec="http://schemas.microsoft.com/office/drawing/2017/decorative" val="1"/>
+              </a:ext>
+            </a:extLst>
+          </p:cNvPr>
+          <p:cNvSpPr>
+            <a:spLocks noGrp="1" noRot="1" noChangeAspect="1" noMove="1" noResize="1" noEditPoints="1" noAdjustHandles="1" noChangeArrowheads="1" noChangeShapeType="1" noTextEdit="1"/>
+          </p:cNvSpPr>
+          <p:nvPr>
+            <p:extLst>
+              <p:ext uri="{386F3935-93C4-4BCD-93E2-E3B085C9AB24}">
+                <p16:designElem xmlns:p16="http://schemas.microsoft.com/office/powerpoint/2015/main" val="1"/>
+              </p:ext>
+            </p:extLst>
+          </p:nvPr>
+        </p:nvSpPr>
+        <p:spPr>
+          <a:xfrm>
+            <a:off x="0" y="0"/>
+            <a:ext cx="12192000" cy="4572000"/>
+          </a:xfrm>
+          <a:prstGeom prst="rect">
+            <a:avLst/>
+          </a:prstGeom>
+          <a:solidFill>
+            <a:srgbClr val="447179"/>
+          </a:solidFill>
+          <a:ln>
+            <a:noFill/>
+          </a:ln>
+        </p:spPr>
+        <p:style>
+          <a:lnRef idx="2">
+            <a:schemeClr val="accent1">
+              <a:shade val="50000"/>
+            </a:schemeClr>
+          </a:lnRef>
+          <a:fillRef idx="1">
+            <a:schemeClr val="accent1"/>
+          </a:fillRef>
+          <a:effectRef idx="0">
+            <a:schemeClr val="accent1"/>
+          </a:effectRef>
+          <a:fontRef idx="minor">
+            <a:schemeClr val="lt1"/>
+          </a:fontRef>
+        </p:style>
+        <p:txBody>
+          <a:bodyPr rtlCol="0" anchor="ctr"/>
+          <a:lstStyle/>
+          <a:p>
+            <a:pPr algn="ctr"/>
+            <a:endParaRPr lang="en-US"/>
+          </a:p>
+        </p:txBody>
+      </p:sp>
+      <p:sp>
+        <p:nvSpPr>
+          <p:cNvPr id="1037" name="Rounded Rectangle 26">
+            <a:extLst>
+              <a:ext uri="{FF2B5EF4-FFF2-40B4-BE49-F238E27FC236}">
+                <a16:creationId xmlns:a16="http://schemas.microsoft.com/office/drawing/2014/main" id="{87B1CEC7-C2CE-4440-A0F7-0BE6B3AADB72}"/>
+              </a:ext>
+              <a:ext uri="{C183D7F6-B498-43B3-948B-1728B52AA6E4}">
+                <adec:decorative xmlns:adec="http://schemas.microsoft.com/office/drawing/2017/decorative" val="1"/>
+              </a:ext>
+            </a:extLst>
+          </p:cNvPr>
+          <p:cNvSpPr>
+            <a:spLocks noGrp="1" noRot="1" noChangeAspect="1" noMove="1" noResize="1" noEditPoints="1" noAdjustHandles="1" noChangeArrowheads="1" noChangeShapeType="1" noTextEdit="1"/>
+          </p:cNvSpPr>
+          <p:nvPr>
+            <p:extLst>
+              <p:ext uri="{386F3935-93C4-4BCD-93E2-E3B085C9AB24}">
+                <p16:designElem xmlns:p16="http://schemas.microsoft.com/office/powerpoint/2015/main" val="1"/>
+              </p:ext>
+            </p:extLst>
+          </p:nvPr>
+        </p:nvSpPr>
+        <p:spPr>
+          <a:xfrm>
+            <a:off x="321564" y="320843"/>
+            <a:ext cx="5613569" cy="3930315"/>
+          </a:xfrm>
+          <a:prstGeom prst="roundRect">
+            <a:avLst>
+              <a:gd name="adj" fmla="val 0"/>
+            </a:avLst>
+          </a:prstGeom>
+          <a:solidFill>
+            <a:srgbClr val="FFFFFF"/>
+          </a:solidFill>
+          <a:ln w="9525">
+            <a:solidFill>
+              <a:srgbClr val="C8CACA"/>
+            </a:solidFill>
+          </a:ln>
+          <a:effectLst>
+            <a:outerShdw blurRad="57150" dist="19050" dir="5400000" algn="t" rotWithShape="0">
+              <a:prstClr val="black">
+                <a:alpha val="63000"/>
+              </a:prstClr>
+            </a:outerShdw>
+          </a:effectLst>
+        </p:spPr>
+        <p:style>
+          <a:lnRef idx="2">
+            <a:schemeClr val="accent1">
+              <a:shade val="50000"/>
+            </a:schemeClr>
+          </a:lnRef>
+          <a:fillRef idx="1">
+            <a:schemeClr val="accent1"/>
+          </a:fillRef>
+          <a:effectRef idx="0">
+            <a:schemeClr val="accent1"/>
+          </a:effectRef>
+          <a:fontRef idx="minor">
+            <a:schemeClr val="lt1"/>
+          </a:fontRef>
+        </p:style>
+        <p:txBody>
+          <a:bodyPr rtlCol="0" anchor="ctr"/>
+          <a:lstStyle/>
+          <a:p>
+            <a:pPr algn="ctr"/>
+            <a:endParaRPr lang="en-US"/>
+          </a:p>
+        </p:txBody>
+      </p:sp>
+      <p:sp>
+        <p:nvSpPr>
+          <p:cNvPr id="1038" name="Rounded Rectangle 16">
+            <a:extLst>
+              <a:ext uri="{FF2B5EF4-FFF2-40B4-BE49-F238E27FC236}">
+                <a16:creationId xmlns:a16="http://schemas.microsoft.com/office/drawing/2014/main" id="{7B0DBF0B-D7C2-4F15-94AE-315255824591}"/>
+              </a:ext>
+              <a:ext uri="{C183D7F6-B498-43B3-948B-1728B52AA6E4}">
+                <adec:decorative xmlns:adec="http://schemas.microsoft.com/office/drawing/2017/decorative" val="1"/>
+              </a:ext>
+            </a:extLst>
+          </p:cNvPr>
+          <p:cNvSpPr>
+            <a:spLocks noGrp="1" noRot="1" noChangeAspect="1" noMove="1" noResize="1" noEditPoints="1" noAdjustHandles="1" noChangeArrowheads="1" noChangeShapeType="1" noTextEdit="1"/>
+          </p:cNvSpPr>
+          <p:nvPr>
+            <p:extLst>
+              <p:ext uri="{386F3935-93C4-4BCD-93E2-E3B085C9AB24}">
+                <p16:designElem xmlns:p16="http://schemas.microsoft.com/office/powerpoint/2015/main" val="1"/>
+              </p:ext>
+            </p:extLst>
+          </p:nvPr>
+        </p:nvSpPr>
+        <p:spPr>
+          <a:xfrm>
+            <a:off x="6254749" y="320843"/>
+            <a:ext cx="5613569" cy="3930315"/>
+          </a:xfrm>
+          <a:prstGeom prst="roundRect">
+            <a:avLst>
+              <a:gd name="adj" fmla="val 0"/>
+            </a:avLst>
+          </a:prstGeom>
+          <a:solidFill>
+            <a:srgbClr val="FFFFFF"/>
+          </a:solidFill>
+          <a:ln w="9525">
+            <a:solidFill>
+              <a:srgbClr val="C8CACA"/>
+            </a:solidFill>
+          </a:ln>
+          <a:effectLst>
+            <a:outerShdw blurRad="57150" dist="19050" dir="5400000" algn="t" rotWithShape="0">
+              <a:prstClr val="black">
+                <a:alpha val="63000"/>
+              </a:prstClr>
+            </a:outerShdw>
+          </a:effectLst>
+        </p:spPr>
+        <p:style>
+          <a:lnRef idx="2">
+            <a:schemeClr val="accent1">
+              <a:shade val="50000"/>
+            </a:schemeClr>
+          </a:lnRef>
+          <a:fillRef idx="1">
+            <a:schemeClr val="accent1"/>
+          </a:fillRef>
+          <a:effectRef idx="0">
+            <a:schemeClr val="accent1"/>
+          </a:effectRef>
+          <a:fontRef idx="minor">
+            <a:schemeClr val="lt1"/>
+          </a:fontRef>
+        </p:style>
+        <p:txBody>
+          <a:bodyPr rtlCol="0" anchor="ctr"/>
+          <a:lstStyle/>
+          <a:p>
+            <a:pPr algn="ctr"/>
+            <a:endParaRPr lang="en-US"/>
+          </a:p>
+        </p:txBody>
+      </p:sp>
+      <p:sp>
+        <p:nvSpPr>
+          <p:cNvPr id="10" name="Title 1">
+            <a:extLst>
+              <a:ext uri="{FF2B5EF4-FFF2-40B4-BE49-F238E27FC236}">
+                <a16:creationId xmlns:a16="http://schemas.microsoft.com/office/drawing/2014/main" id="{C03AD3A0-E3CA-48B5-BE1C-CC87CB65B0D7}"/>
+              </a:ext>
+            </a:extLst>
+          </p:cNvPr>
+          <p:cNvSpPr txBox="1">
+            <a:spLocks/>
+          </p:cNvSpPr>
+          <p:nvPr/>
+        </p:nvSpPr>
+        <p:spPr>
+          <a:xfrm>
+            <a:off x="1524000" y="4892843"/>
+            <a:ext cx="9144000" cy="1099845"/>
+          </a:xfrm>
+          <a:prstGeom prst="rect">
+            <a:avLst/>
+          </a:prstGeom>
+        </p:spPr>
+        <p:txBody>
+          <a:bodyPr vert="horz" lIns="91440" tIns="45720" rIns="91440" bIns="45720" rtlCol="0" anchor="b">
+            <a:normAutofit lnSpcReduction="10000"/>
+          </a:bodyPr>
+          <a:lstStyle>
+            <a:lvl1pPr algn="l" defTabSz="914400" rtl="0" eaLnBrk="1" latinLnBrk="0" hangingPunct="1">
+              <a:lnSpc>
+                <a:spcPct val="90000"/>
+              </a:lnSpc>
+              <a:spcBef>
+                <a:spcPct val="0"/>
+              </a:spcBef>
+              <a:buNone/>
+              <a:defRPr sz="4400" kern="1200">
+                <a:solidFill>
+                  <a:schemeClr val="tx1"/>
+                </a:solidFill>
+                <a:latin typeface="+mj-lt"/>
+                <a:ea typeface="+mj-ea"/>
+                <a:cs typeface="+mj-cs"/>
+              </a:defRPr>
+            </a:lvl1pPr>
+          </a:lstStyle>
+          <a:p>
+            <a:pPr algn="ctr"/>
+            <a:r>
+              <a:rPr lang="en-US" sz="3800" b="1" dirty="0"/>
+              <a:t>Log</a:t>
+            </a:r>
+            <a:r>
+              <a:rPr lang="en-US" sz="3800" b="1" baseline="-25000" dirty="0"/>
+              <a:t>2</a:t>
+            </a:r>
+            <a:r>
+              <a:rPr lang="en-US" sz="3800" b="1" dirty="0"/>
+              <a:t>(Military Expenditure) of</a:t>
+            </a:r>
+          </a:p>
+          <a:p>
+            <a:pPr algn="ctr"/>
+            <a:r>
+              <a:rPr lang="en-US" sz="3800" b="1" dirty="0"/>
+              <a:t>Strong and Weak Militaries</a:t>
+            </a:r>
+          </a:p>
+        </p:txBody>
+      </p:sp>
+      <p:pic>
+        <p:nvPicPr>
+          <p:cNvPr id="11" name="Picture 10">
+            <a:extLst>
+              <a:ext uri="{FF2B5EF4-FFF2-40B4-BE49-F238E27FC236}">
+                <a16:creationId xmlns:a16="http://schemas.microsoft.com/office/drawing/2014/main" id="{9704F57D-F1FD-45EB-8F3A-33665383CCAD}"/>
+              </a:ext>
+            </a:extLst>
+          </p:cNvPr>
+          <p:cNvPicPr>
+            <a:picLocks noChangeAspect="1" noChangeArrowheads="1"/>
+          </p:cNvPicPr>
+          <p:nvPr/>
+        </p:nvPicPr>
+        <p:blipFill>
+          <a:blip r:embed="rId2">
+            <a:extLst>
+              <a:ext uri="{28A0092B-C50C-407E-A947-70E740481C1C}">
+                <a14:useLocalDpi xmlns:a14="http://schemas.microsoft.com/office/drawing/2010/main" val="0"/>
+              </a:ext>
+            </a:extLst>
+          </a:blip>
+          <a:stretch>
+            <a:fillRect/>
+          </a:stretch>
+        </p:blipFill>
+        <p:spPr bwMode="auto">
+          <a:xfrm>
+            <a:off x="6460653" y="383051"/>
+            <a:ext cx="5365050" cy="3836011"/>
+          </a:xfrm>
+          <a:prstGeom prst="rect">
+            <a:avLst/>
+          </a:prstGeom>
+          <a:noFill/>
+          <a:extLst>
+            <a:ext uri="{909E8E84-426E-40DD-AFC4-6F175D3DCCD1}">
+              <a14:hiddenFill xmlns:a14="http://schemas.microsoft.com/office/drawing/2010/main">
+                <a:solidFill>
+                  <a:srgbClr val="FFFFFF"/>
+                </a:solidFill>
+              </a14:hiddenFill>
+            </a:ext>
+          </a:extLst>
+        </p:spPr>
+      </p:pic>
+      <p:pic>
+        <p:nvPicPr>
+          <p:cNvPr id="12" name="Picture 4">
+            <a:extLst>
+              <a:ext uri="{FF2B5EF4-FFF2-40B4-BE49-F238E27FC236}">
+                <a16:creationId xmlns:a16="http://schemas.microsoft.com/office/drawing/2014/main" id="{569B6741-9133-4C7B-92E4-8F6FE5F55F5F}"/>
+              </a:ext>
+            </a:extLst>
+          </p:cNvPr>
+          <p:cNvPicPr>
+            <a:picLocks noChangeAspect="1" noChangeArrowheads="1"/>
+          </p:cNvPicPr>
+          <p:nvPr/>
+        </p:nvPicPr>
+        <p:blipFill>
+          <a:blip r:embed="rId3">
+            <a:extLst>
+              <a:ext uri="{28A0092B-C50C-407E-A947-70E740481C1C}">
+                <a14:useLocalDpi xmlns:a14="http://schemas.microsoft.com/office/drawing/2010/main" val="0"/>
+              </a:ext>
+            </a:extLst>
+          </a:blip>
+          <a:stretch>
+            <a:fillRect/>
+          </a:stretch>
+        </p:blipFill>
+        <p:spPr bwMode="auto">
+          <a:xfrm>
+            <a:off x="510886" y="380892"/>
+            <a:ext cx="5354865" cy="3828728"/>
+          </a:xfrm>
+          <a:prstGeom prst="rect">
+            <a:avLst/>
+          </a:prstGeom>
+          <a:noFill/>
+          <a:extLst>
+            <a:ext uri="{909E8E84-426E-40DD-AFC4-6F175D3DCCD1}">
+              <a14:hiddenFill xmlns:a14="http://schemas.microsoft.com/office/drawing/2010/main">
+                <a:solidFill>
+                  <a:srgbClr val="FFFFFF"/>
+                </a:solidFill>
+              </a14:hiddenFill>
+            </a:ext>
+          </a:extLst>
+        </p:spPr>
+      </p:pic>
+    </p:spTree>
+    <p:extLst>
+      <p:ext uri="{BB962C8B-B14F-4D97-AF65-F5344CB8AC3E}">
+        <p14:creationId xmlns:p14="http://schemas.microsoft.com/office/powerpoint/2010/main" val="1255372807"/>
+      </p:ext>
+    </p:extLst>
+  </p:cSld>
+  <p:clrMapOvr>
+    <a:masterClrMapping/>
+  </p:clrMapOvr>
+</p:sld>
+</file>
+
+<file path=ppt/slides/slide8.xml><?xml version="1.0" encoding="utf-8"?>
+<p:sld xmlns:a="http://schemas.openxmlformats.org/drawingml/2006/main" xmlns:r="http://schemas.openxmlformats.org/officeDocument/2006/relationships" xmlns:p="http://schemas.openxmlformats.org/presentationml/2006/main">
+  <p:cSld>
+    <p:bg>
+      <p:bgPr>
+        <a:solidFill>
+          <a:schemeClr val="bg2"/>
+        </a:solidFill>
+        <a:effectLst/>
+      </p:bgPr>
+    </p:bg>
+    <p:spTree>
+      <p:nvGrpSpPr>
+        <p:cNvPr id="1" name=""/>
+        <p:cNvGrpSpPr/>
+        <p:nvPr/>
+      </p:nvGrpSpPr>
+      <p:grpSpPr>
+        <a:xfrm>
+          <a:off x="0" y="0"/>
+          <a:ext cx="0" cy="0"/>
+          <a:chOff x="0" y="0"/>
+          <a:chExt cx="0" cy="0"/>
+        </a:xfrm>
+      </p:grpSpPr>
+      <p:sp>
+        <p:nvSpPr>
+          <p:cNvPr id="15" name="Rectangle 14">
+            <a:extLst>
+              <a:ext uri="{FF2B5EF4-FFF2-40B4-BE49-F238E27FC236}">
+                <a16:creationId xmlns:a16="http://schemas.microsoft.com/office/drawing/2014/main" id="{16C5FA50-8D52-4617-AF91-5C7B1C8352F1}"/>
+              </a:ext>
+              <a:ext uri="{C183D7F6-B498-43B3-948B-1728B52AA6E4}">
+                <adec:decorative xmlns:adec="http://schemas.microsoft.com/office/drawing/2017/decorative" val="1"/>
+              </a:ext>
+            </a:extLst>
+          </p:cNvPr>
+          <p:cNvSpPr>
+            <a:spLocks noGrp="1" noRot="1" noChangeAspect="1" noMove="1" noResize="1" noEditPoints="1" noAdjustHandles="1" noChangeArrowheads="1" noChangeShapeType="1" noTextEdit="1"/>
+          </p:cNvSpPr>
+          <p:nvPr>
+            <p:extLst>
+              <p:ext uri="{386F3935-93C4-4BCD-93E2-E3B085C9AB24}">
+                <p16:designElem xmlns:p16="http://schemas.microsoft.com/office/powerpoint/2015/main" val="1"/>
+              </p:ext>
+            </p:extLst>
+          </p:nvPr>
+        </p:nvSpPr>
+        <p:spPr>
+          <a:xfrm>
+            <a:off x="0" y="0"/>
+            <a:ext cx="12192000" cy="6858000"/>
+          </a:xfrm>
+          <a:prstGeom prst="rect">
+            <a:avLst/>
+          </a:prstGeom>
+          <a:solidFill>
+            <a:srgbClr val="3C4D52"/>
+          </a:solidFill>
+          <a:ln>
+            <a:noFill/>
+          </a:ln>
+        </p:spPr>
+        <p:style>
+          <a:lnRef idx="2">
+            <a:schemeClr val="accent1">
+              <a:shade val="50000"/>
+            </a:schemeClr>
+          </a:lnRef>
+          <a:fillRef idx="1">
+            <a:schemeClr val="accent1"/>
+          </a:fillRef>
+          <a:effectRef idx="0">
+            <a:schemeClr val="accent1"/>
+          </a:effectRef>
+          <a:fontRef idx="minor">
+            <a:schemeClr val="lt1"/>
+          </a:fontRef>
+        </p:style>
+        <p:txBody>
+          <a:bodyPr rtlCol="0" anchor="ctr"/>
+          <a:lstStyle/>
+          <a:p>
+            <a:pPr algn="ctr"/>
+            <a:endParaRPr lang="en-US"/>
+          </a:p>
+        </p:txBody>
+      </p:sp>
+      <p:sp>
+        <p:nvSpPr>
           <p:cNvPr id="2" name="Title 1">
             <a:extLst>
               <a:ext uri="{FF2B5EF4-FFF2-40B4-BE49-F238E27FC236}">
-                <a16:creationId xmlns:a16="http://schemas.microsoft.com/office/drawing/2014/main" id="{526A3CA2-21AC-4BBC-AFC6-5E08A0935D9B}"/>
+                <a16:creationId xmlns:a16="http://schemas.microsoft.com/office/drawing/2014/main" id="{EB0270C8-1E3E-4F53-85DA-FE2D08315BAC}"/>
               </a:ext>
             </a:extLst>
           </p:cNvPr>
@@ -15760,24 +21356,114 @@
             <p:ph type="title"/>
           </p:nvPr>
         </p:nvSpPr>
-        <p:spPr/>
+        <p:spPr>
+          <a:xfrm>
+            <a:off x="9093496" y="618681"/>
+            <a:ext cx="2613872" cy="4794567"/>
+          </a:xfrm>
+        </p:spPr>
         <p:txBody>
-          <a:bodyPr/>
+          <a:bodyPr>
+            <a:normAutofit/>
+          </a:bodyPr>
           <a:lstStyle/>
           <a:p>
             <a:r>
-              <a:rPr lang="en-US" dirty="0"/>
-              <a:t>Expenditure World Map</a:t>
+              <a:rPr lang="en-US" sz="3600" b="1">
+                <a:solidFill>
+                  <a:srgbClr val="FFFFFF"/>
+                </a:solidFill>
+              </a:rPr>
+              <a:t>Military Expenditure World Map</a:t>
             </a:r>
+            <a:endParaRPr lang="en-US" sz="3600">
+              <a:solidFill>
+                <a:srgbClr val="FFFFFF"/>
+              </a:solidFill>
+            </a:endParaRPr>
+          </a:p>
+        </p:txBody>
+      </p:sp>
+      <p:sp>
+        <p:nvSpPr>
+          <p:cNvPr id="17" name="Rounded Rectangle 9">
+            <a:extLst>
+              <a:ext uri="{FF2B5EF4-FFF2-40B4-BE49-F238E27FC236}">
+                <a16:creationId xmlns:a16="http://schemas.microsoft.com/office/drawing/2014/main" id="{E223798C-12AD-4B0C-A50C-D676347D67CF}"/>
+              </a:ext>
+              <a:ext uri="{C183D7F6-B498-43B3-948B-1728B52AA6E4}">
+                <adec:decorative xmlns:adec="http://schemas.microsoft.com/office/drawing/2017/decorative" val="1"/>
+              </a:ext>
+            </a:extLst>
+          </p:cNvPr>
+          <p:cNvSpPr>
+            <a:spLocks noGrp="1" noRot="1" noChangeAspect="1" noMove="1" noResize="1" noEditPoints="1" noAdjustHandles="1" noChangeArrowheads="1" noChangeShapeType="1" noTextEdit="1"/>
+          </p:cNvSpPr>
+          <p:nvPr>
+            <p:extLst>
+              <p:ext uri="{386F3935-93C4-4BCD-93E2-E3B085C9AB24}">
+                <p16:designElem xmlns:p16="http://schemas.microsoft.com/office/powerpoint/2015/main" val="1"/>
+              </p:ext>
+            </p:extLst>
+          </p:nvPr>
+        </p:nvSpPr>
+        <p:spPr>
+          <a:xfrm>
+            <a:off x="493354" y="484632"/>
+            <a:ext cx="8129016" cy="5724144"/>
+          </a:xfrm>
+          <a:prstGeom prst="roundRect">
+            <a:avLst>
+              <a:gd name="adj" fmla="val 0"/>
+            </a:avLst>
+          </a:prstGeom>
+          <a:solidFill>
+            <a:srgbClr val="FFFFFF"/>
+          </a:solidFill>
+          <a:ln w="9525">
+            <a:solidFill>
+              <a:srgbClr val="C8CACA"/>
+            </a:solidFill>
+          </a:ln>
+          <a:effectLst>
+            <a:outerShdw blurRad="57150" dist="19050" dir="5400000" algn="t" rotWithShape="0">
+              <a:prstClr val="black">
+                <a:alpha val="63000"/>
+              </a:prstClr>
+            </a:outerShdw>
+          </a:effectLst>
+        </p:spPr>
+        <p:style>
+          <a:lnRef idx="2">
+            <a:schemeClr val="accent1">
+              <a:shade val="50000"/>
+            </a:schemeClr>
+          </a:lnRef>
+          <a:fillRef idx="1">
+            <a:schemeClr val="accent1"/>
+          </a:fillRef>
+          <a:effectRef idx="0">
+            <a:schemeClr val="accent1"/>
+          </a:effectRef>
+          <a:fontRef idx="minor">
+            <a:schemeClr val="lt1"/>
+          </a:fontRef>
+        </p:style>
+        <p:txBody>
+          <a:bodyPr rtlCol="0" anchor="ctr"/>
+          <a:lstStyle/>
+          <a:p>
+            <a:pPr algn="ctr"/>
+            <a:endParaRPr lang="en-US"/>
           </a:p>
         </p:txBody>
       </p:sp>
       <p:pic>
         <p:nvPicPr>
-          <p:cNvPr id="10242" name="Picture 2">
+          <p:cNvPr id="9" name="Picture 8">
             <a:extLst>
               <a:ext uri="{FF2B5EF4-FFF2-40B4-BE49-F238E27FC236}">
-                <a16:creationId xmlns:a16="http://schemas.microsoft.com/office/drawing/2014/main" id="{88963C1D-D9B1-489C-A091-E9C8234E42D8}"/>
+                <a16:creationId xmlns:a16="http://schemas.microsoft.com/office/drawing/2014/main" id="{6494EF7E-7366-4C43-97EB-DC5833550A0C}"/>
               </a:ext>
             </a:extLst>
           </p:cNvPr>
@@ -15801,8 +21487,8 @@
         </p:blipFill>
         <p:spPr bwMode="auto">
           <a:xfrm>
-            <a:off x="2261507" y="1380153"/>
-            <a:ext cx="7668986" cy="5477847"/>
+            <a:off x="805984" y="618680"/>
+            <a:ext cx="7802879" cy="5573485"/>
           </a:xfrm>
           <a:prstGeom prst="rect">
             <a:avLst/>
@@ -15822,7 +21508,7 @@
     </p:spTree>
     <p:extLst>
       <p:ext uri="{BB962C8B-B14F-4D97-AF65-F5344CB8AC3E}">
-        <p14:creationId xmlns:p14="http://schemas.microsoft.com/office/powerpoint/2010/main" val="1449762762"/>
+        <p14:creationId xmlns:p14="http://schemas.microsoft.com/office/powerpoint/2010/main" val="4211621511"/>
       </p:ext>
     </p:extLst>
   </p:cSld>
@@ -15832,9 +21518,17 @@
 </p:sld>
 </file>
 
-<file path=ppt/slides/slide8.xml><?xml version="1.0" encoding="utf-8"?>
+<file path=ppt/slides/slide9.xml><?xml version="1.0" encoding="utf-8"?>
 <p:sld xmlns:a="http://schemas.openxmlformats.org/drawingml/2006/main" xmlns:r="http://schemas.openxmlformats.org/officeDocument/2006/relationships" xmlns:p="http://schemas.openxmlformats.org/presentationml/2006/main">
   <p:cSld>
+    <p:bg>
+      <p:bgPr>
+        <a:solidFill>
+          <a:schemeClr val="bg1"/>
+        </a:solidFill>
+        <a:effectLst/>
+      </p:bgPr>
+    </p:bg>
     <p:spTree>
       <p:nvGrpSpPr>
         <p:cNvPr id="1" name=""/>
@@ -15851,69 +21545,274 @@
       </p:grpSpPr>
       <p:sp>
         <p:nvSpPr>
-          <p:cNvPr id="2" name="Title 1">
+          <p:cNvPr id="1036" name="Rectangle 78">
             <a:extLst>
               <a:ext uri="{FF2B5EF4-FFF2-40B4-BE49-F238E27FC236}">
-                <a16:creationId xmlns:a16="http://schemas.microsoft.com/office/drawing/2014/main" id="{CA336177-8AA1-472A-9D6D-E3BD71CC1FEA}"/>
+                <a16:creationId xmlns:a16="http://schemas.microsoft.com/office/drawing/2014/main" id="{DAE885FA-583E-488C-A3B2-2647B84A8162}"/>
+              </a:ext>
+              <a:ext uri="{C183D7F6-B498-43B3-948B-1728B52AA6E4}">
+                <adec:decorative xmlns:adec="http://schemas.microsoft.com/office/drawing/2017/decorative" val="1"/>
               </a:ext>
             </a:extLst>
           </p:cNvPr>
           <p:cNvSpPr>
-            <a:spLocks noGrp="1"/>
+            <a:spLocks noGrp="1" noRot="1" noChangeAspect="1" noMove="1" noResize="1" noEditPoints="1" noAdjustHandles="1" noChangeArrowheads="1" noChangeShapeType="1" noTextEdit="1"/>
           </p:cNvSpPr>
           <p:nvPr>
-            <p:ph type="title"/>
+            <p:extLst>
+              <p:ext uri="{386F3935-93C4-4BCD-93E2-E3B085C9AB24}">
+                <p16:designElem xmlns:p16="http://schemas.microsoft.com/office/powerpoint/2015/main" val="1"/>
+              </p:ext>
+            </p:extLst>
           </p:nvPr>
         </p:nvSpPr>
         <p:spPr>
           <a:xfrm>
-            <a:off x="838200" y="365125"/>
-            <a:ext cx="10515600" cy="1325563"/>
+            <a:off x="0" y="0"/>
+            <a:ext cx="12192000" cy="4572000"/>
           </a:xfrm>
+          <a:prstGeom prst="rect">
+            <a:avLst/>
+          </a:prstGeom>
+          <a:solidFill>
+            <a:srgbClr val="447179"/>
+          </a:solidFill>
+          <a:ln>
+            <a:noFill/>
+          </a:ln>
         </p:spPr>
+        <p:style>
+          <a:lnRef idx="2">
+            <a:schemeClr val="accent1">
+              <a:shade val="50000"/>
+            </a:schemeClr>
+          </a:lnRef>
+          <a:fillRef idx="1">
+            <a:schemeClr val="accent1"/>
+          </a:fillRef>
+          <a:effectRef idx="0">
+            <a:schemeClr val="accent1"/>
+          </a:effectRef>
+          <a:fontRef idx="minor">
+            <a:schemeClr val="lt1"/>
+          </a:fontRef>
+        </p:style>
         <p:txBody>
-          <a:bodyPr/>
+          <a:bodyPr rtlCol="0" anchor="ctr"/>
           <a:lstStyle/>
           <a:p>
-            <a:r>
-              <a:rPr lang="en-US"/>
-              <a:t>Plot 2</a:t>
-            </a:r>
-            <a:endParaRPr lang="en-US" dirty="0"/>
+            <a:pPr algn="ctr"/>
+            <a:endParaRPr lang="en-US"/>
           </a:p>
         </p:txBody>
       </p:sp>
       <p:sp>
         <p:nvSpPr>
-          <p:cNvPr id="3" name="Content Placeholder 2">
+          <p:cNvPr id="1037" name="Rounded Rectangle 26">
             <a:extLst>
               <a:ext uri="{FF2B5EF4-FFF2-40B4-BE49-F238E27FC236}">
-                <a16:creationId xmlns:a16="http://schemas.microsoft.com/office/drawing/2014/main" id="{7AE0B1F3-AC22-4B5E-8DC3-40674FE1B176}"/>
+                <a16:creationId xmlns:a16="http://schemas.microsoft.com/office/drawing/2014/main" id="{87B1CEC7-C2CE-4440-A0F7-0BE6B3AADB72}"/>
+              </a:ext>
+              <a:ext uri="{C183D7F6-B498-43B3-948B-1728B52AA6E4}">
+                <adec:decorative xmlns:adec="http://schemas.microsoft.com/office/drawing/2017/decorative" val="1"/>
               </a:ext>
             </a:extLst>
           </p:cNvPr>
           <p:cNvSpPr>
-            <a:spLocks noGrp="1"/>
+            <a:spLocks noGrp="1" noRot="1" noChangeAspect="1" noMove="1" noResize="1" noEditPoints="1" noAdjustHandles="1" noChangeArrowheads="1" noChangeShapeType="1" noTextEdit="1"/>
           </p:cNvSpPr>
           <p:nvPr>
-            <p:ph idx="1"/>
+            <p:extLst>
+              <p:ext uri="{386F3935-93C4-4BCD-93E2-E3B085C9AB24}">
+                <p16:designElem xmlns:p16="http://schemas.microsoft.com/office/powerpoint/2015/main" val="1"/>
+              </p:ext>
+            </p:extLst>
           </p:nvPr>
         </p:nvSpPr>
         <p:spPr>
           <a:xfrm>
-            <a:off x="838200" y="1825625"/>
-            <a:ext cx="10515600" cy="4351338"/>
+            <a:off x="321564" y="320843"/>
+            <a:ext cx="5613569" cy="3930315"/>
           </a:xfrm>
+          <a:prstGeom prst="roundRect">
+            <a:avLst>
+              <a:gd name="adj" fmla="val 0"/>
+            </a:avLst>
+          </a:prstGeom>
+          <a:solidFill>
+            <a:srgbClr val="FFFFFF"/>
+          </a:solidFill>
+          <a:ln w="9525">
+            <a:solidFill>
+              <a:srgbClr val="C8CACA"/>
+            </a:solidFill>
+          </a:ln>
+          <a:effectLst>
+            <a:outerShdw blurRad="57150" dist="19050" dir="5400000" algn="t" rotWithShape="0">
+              <a:prstClr val="black">
+                <a:alpha val="63000"/>
+              </a:prstClr>
+            </a:outerShdw>
+          </a:effectLst>
+        </p:spPr>
+        <p:style>
+          <a:lnRef idx="2">
+            <a:schemeClr val="accent1">
+              <a:shade val="50000"/>
+            </a:schemeClr>
+          </a:lnRef>
+          <a:fillRef idx="1">
+            <a:schemeClr val="accent1"/>
+          </a:fillRef>
+          <a:effectRef idx="0">
+            <a:schemeClr val="accent1"/>
+          </a:effectRef>
+          <a:fontRef idx="minor">
+            <a:schemeClr val="lt1"/>
+          </a:fontRef>
+        </p:style>
+        <p:txBody>
+          <a:bodyPr rtlCol="0" anchor="ctr"/>
+          <a:lstStyle/>
+          <a:p>
+            <a:pPr algn="ctr"/>
+            <a:endParaRPr lang="en-US"/>
+          </a:p>
+        </p:txBody>
+      </p:sp>
+      <p:sp>
+        <p:nvSpPr>
+          <p:cNvPr id="1038" name="Rounded Rectangle 16">
+            <a:extLst>
+              <a:ext uri="{FF2B5EF4-FFF2-40B4-BE49-F238E27FC236}">
+                <a16:creationId xmlns:a16="http://schemas.microsoft.com/office/drawing/2014/main" id="{7B0DBF0B-D7C2-4F15-94AE-315255824591}"/>
+              </a:ext>
+              <a:ext uri="{C183D7F6-B498-43B3-948B-1728B52AA6E4}">
+                <adec:decorative xmlns:adec="http://schemas.microsoft.com/office/drawing/2017/decorative" val="1"/>
+              </a:ext>
+            </a:extLst>
+          </p:cNvPr>
+          <p:cNvSpPr>
+            <a:spLocks noGrp="1" noRot="1" noChangeAspect="1" noMove="1" noResize="1" noEditPoints="1" noAdjustHandles="1" noChangeArrowheads="1" noChangeShapeType="1" noTextEdit="1"/>
+          </p:cNvSpPr>
+          <p:nvPr>
+            <p:extLst>
+              <p:ext uri="{386F3935-93C4-4BCD-93E2-E3B085C9AB24}">
+                <p16:designElem xmlns:p16="http://schemas.microsoft.com/office/powerpoint/2015/main" val="1"/>
+              </p:ext>
+            </p:extLst>
+          </p:nvPr>
+        </p:nvSpPr>
+        <p:spPr>
+          <a:xfrm>
+            <a:off x="6254749" y="320843"/>
+            <a:ext cx="5613569" cy="3930315"/>
+          </a:xfrm>
+          <a:prstGeom prst="roundRect">
+            <a:avLst>
+              <a:gd name="adj" fmla="val 0"/>
+            </a:avLst>
+          </a:prstGeom>
+          <a:solidFill>
+            <a:srgbClr val="FFFFFF"/>
+          </a:solidFill>
+          <a:ln w="9525">
+            <a:solidFill>
+              <a:srgbClr val="C8CACA"/>
+            </a:solidFill>
+          </a:ln>
+          <a:effectLst>
+            <a:outerShdw blurRad="57150" dist="19050" dir="5400000" algn="t" rotWithShape="0">
+              <a:prstClr val="black">
+                <a:alpha val="63000"/>
+              </a:prstClr>
+            </a:outerShdw>
+          </a:effectLst>
+        </p:spPr>
+        <p:style>
+          <a:lnRef idx="2">
+            <a:schemeClr val="accent1">
+              <a:shade val="50000"/>
+            </a:schemeClr>
+          </a:lnRef>
+          <a:fillRef idx="1">
+            <a:schemeClr val="accent1"/>
+          </a:fillRef>
+          <a:effectRef idx="0">
+            <a:schemeClr val="accent1"/>
+          </a:effectRef>
+          <a:fontRef idx="minor">
+            <a:schemeClr val="lt1"/>
+          </a:fontRef>
+        </p:style>
+        <p:txBody>
+          <a:bodyPr rtlCol="0" anchor="ctr"/>
+          <a:lstStyle/>
+          <a:p>
+            <a:pPr algn="ctr"/>
+            <a:endParaRPr lang="en-US"/>
+          </a:p>
+        </p:txBody>
+      </p:sp>
+      <p:sp>
+        <p:nvSpPr>
+          <p:cNvPr id="10" name="Title 1">
+            <a:extLst>
+              <a:ext uri="{FF2B5EF4-FFF2-40B4-BE49-F238E27FC236}">
+                <a16:creationId xmlns:a16="http://schemas.microsoft.com/office/drawing/2014/main" id="{C03AD3A0-E3CA-48B5-BE1C-CC87CB65B0D7}"/>
+              </a:ext>
+            </a:extLst>
+          </p:cNvPr>
+          <p:cNvSpPr txBox="1">
+            <a:spLocks/>
+          </p:cNvSpPr>
+          <p:nvPr/>
+        </p:nvSpPr>
+        <p:spPr>
+          <a:xfrm>
+            <a:off x="1524000" y="4892843"/>
+            <a:ext cx="9144000" cy="1099845"/>
+          </a:xfrm>
+          <a:prstGeom prst="rect">
+            <a:avLst/>
+          </a:prstGeom>
         </p:spPr>
         <p:txBody>
-          <a:bodyPr/>
-          <a:lstStyle/>
+          <a:bodyPr vert="horz" lIns="91440" tIns="45720" rIns="91440" bIns="45720" rtlCol="0" anchor="b">
+            <a:normAutofit lnSpcReduction="10000"/>
+          </a:bodyPr>
+          <a:lstStyle>
+            <a:lvl1pPr algn="l" defTabSz="914400" rtl="0" eaLnBrk="1" latinLnBrk="0" hangingPunct="1">
+              <a:lnSpc>
+                <a:spcPct val="90000"/>
+              </a:lnSpc>
+              <a:spcBef>
+                <a:spcPct val="0"/>
+              </a:spcBef>
+              <a:buNone/>
+              <a:defRPr sz="4400" kern="1200">
+                <a:solidFill>
+                  <a:schemeClr val="tx1"/>
+                </a:solidFill>
+                <a:latin typeface="+mj-lt"/>
+                <a:ea typeface="+mj-ea"/>
+                <a:cs typeface="+mj-cs"/>
+              </a:defRPr>
+            </a:lvl1pPr>
+          </a:lstStyle>
           <a:p>
+            <a:pPr algn="ctr"/>
             <a:r>
-              <a:rPr lang="en-US"/>
-              <a:t>Military Expenditure % GDP</a:t>
+              <a:rPr lang="en-US" sz="3800" b="1" dirty="0"/>
+              <a:t>Military Expenditure </a:t>
             </a:r>
-            <a:endParaRPr lang="en-US" dirty="0"/>
+          </a:p>
+          <a:p>
+            <a:pPr algn="ctr"/>
+            <a:r>
+              <a:rPr lang="en-US" sz="3800" b="1" dirty="0"/>
+              <a:t>as Share of GDP</a:t>
+            </a:r>
           </a:p>
         </p:txBody>
       </p:sp>
@@ -15922,7 +21821,7 @@
           <p:cNvPr id="2050" name="Picture 2">
             <a:extLst>
               <a:ext uri="{FF2B5EF4-FFF2-40B4-BE49-F238E27FC236}">
-                <a16:creationId xmlns:a16="http://schemas.microsoft.com/office/drawing/2014/main" id="{89BF19A1-3995-4142-B977-B8F307DADC83}"/>
+                <a16:creationId xmlns:a16="http://schemas.microsoft.com/office/drawing/2014/main" id="{475A8C85-3A7E-40C3-B057-EA71001FCBCF}"/>
               </a:ext>
             </a:extLst>
           </p:cNvPr>
@@ -15946,8 +21845,8 @@
         </p:blipFill>
         <p:spPr bwMode="auto">
           <a:xfrm>
-            <a:off x="299355" y="2596243"/>
-            <a:ext cx="5636260" cy="4025900"/>
+            <a:off x="554583" y="365827"/>
+            <a:ext cx="5376484" cy="3840345"/>
           </a:xfrm>
           <a:prstGeom prst="rect">
             <a:avLst/>
@@ -15969,7 +21868,7 @@
           <p:cNvPr id="2052" name="Picture 4">
             <a:extLst>
               <a:ext uri="{FF2B5EF4-FFF2-40B4-BE49-F238E27FC236}">
-                <a16:creationId xmlns:a16="http://schemas.microsoft.com/office/drawing/2014/main" id="{A3B1EF67-C1D3-438F-82CC-08DEABEB0757}"/>
+                <a16:creationId xmlns:a16="http://schemas.microsoft.com/office/drawing/2014/main" id="{A5B5F144-25ED-4984-B6F5-CA1CD106AB35}"/>
               </a:ext>
             </a:extLst>
           </p:cNvPr>
@@ -15993,8 +21892,8 @@
         </p:blipFill>
         <p:spPr bwMode="auto">
           <a:xfrm>
-            <a:off x="6256387" y="2596243"/>
-            <a:ext cx="5636260" cy="4025900"/>
+            <a:off x="6428858" y="365829"/>
+            <a:ext cx="5439460" cy="3885329"/>
           </a:xfrm>
           <a:prstGeom prst="rect">
             <a:avLst/>
@@ -16014,112 +21913,7 @@
     </p:spTree>
     <p:extLst>
       <p:ext uri="{BB962C8B-B14F-4D97-AF65-F5344CB8AC3E}">
-        <p14:creationId xmlns:p14="http://schemas.microsoft.com/office/powerpoint/2010/main" val="3024069609"/>
-      </p:ext>
-    </p:extLst>
-  </p:cSld>
-  <p:clrMapOvr>
-    <a:masterClrMapping/>
-  </p:clrMapOvr>
-</p:sld>
-</file>
-
-<file path=ppt/slides/slide9.xml><?xml version="1.0" encoding="utf-8"?>
-<p:sld xmlns:a="http://schemas.openxmlformats.org/drawingml/2006/main" xmlns:r="http://schemas.openxmlformats.org/officeDocument/2006/relationships" xmlns:p="http://schemas.openxmlformats.org/presentationml/2006/main">
-  <p:cSld>
-    <p:spTree>
-      <p:nvGrpSpPr>
-        <p:cNvPr id="1" name=""/>
-        <p:cNvGrpSpPr/>
-        <p:nvPr/>
-      </p:nvGrpSpPr>
-      <p:grpSpPr>
-        <a:xfrm>
-          <a:off x="0" y="0"/>
-          <a:ext cx="0" cy="0"/>
-          <a:chOff x="0" y="0"/>
-          <a:chExt cx="0" cy="0"/>
-        </a:xfrm>
-      </p:grpSpPr>
-      <p:sp>
-        <p:nvSpPr>
-          <p:cNvPr id="2" name="Title 1">
-            <a:extLst>
-              <a:ext uri="{FF2B5EF4-FFF2-40B4-BE49-F238E27FC236}">
-                <a16:creationId xmlns:a16="http://schemas.microsoft.com/office/drawing/2014/main" id="{96EFD28F-1467-4503-899C-B63DA5374466}"/>
-              </a:ext>
-            </a:extLst>
-          </p:cNvPr>
-          <p:cNvSpPr>
-            <a:spLocks noGrp="1"/>
-          </p:cNvSpPr>
-          <p:nvPr>
-            <p:ph type="title"/>
-          </p:nvPr>
-        </p:nvSpPr>
-        <p:spPr/>
-        <p:txBody>
-          <a:bodyPr/>
-          <a:lstStyle/>
-          <a:p>
-            <a:r>
-              <a:rPr lang="en-US" dirty="0"/>
-              <a:t>Expenditure as share of GDP World Map</a:t>
-            </a:r>
-          </a:p>
-        </p:txBody>
-      </p:sp>
-      <p:pic>
-        <p:nvPicPr>
-          <p:cNvPr id="11266" name="Picture 2">
-            <a:extLst>
-              <a:ext uri="{FF2B5EF4-FFF2-40B4-BE49-F238E27FC236}">
-                <a16:creationId xmlns:a16="http://schemas.microsoft.com/office/drawing/2014/main" id="{4D5DF306-05FA-4FA3-80A0-FF186C202F33}"/>
-              </a:ext>
-            </a:extLst>
-          </p:cNvPr>
-          <p:cNvPicPr>
-            <a:picLocks noChangeAspect="1" noChangeArrowheads="1"/>
-          </p:cNvPicPr>
-          <p:nvPr/>
-        </p:nvPicPr>
-        <p:blipFill>
-          <a:blip r:embed="rId2">
-            <a:extLst>
-              <a:ext uri="{28A0092B-C50C-407E-A947-70E740481C1C}">
-                <a14:useLocalDpi xmlns:a14="http://schemas.microsoft.com/office/drawing/2010/main" val="0"/>
-              </a:ext>
-            </a:extLst>
-          </a:blip>
-          <a:srcRect/>
-          <a:stretch>
-            <a:fillRect/>
-          </a:stretch>
-        </p:blipFill>
-        <p:spPr bwMode="auto">
-          <a:xfrm>
-            <a:off x="2441121" y="1636745"/>
-            <a:ext cx="7309758" cy="5221255"/>
-          </a:xfrm>
-          <a:prstGeom prst="rect">
-            <a:avLst/>
-          </a:prstGeom>
-          <a:noFill/>
-          <a:extLst>
-            <a:ext uri="{909E8E84-426E-40DD-AFC4-6F175D3DCCD1}">
-              <a14:hiddenFill xmlns:a14="http://schemas.microsoft.com/office/drawing/2010/main">
-                <a:solidFill>
-                  <a:srgbClr val="FFFFFF"/>
-                </a:solidFill>
-              </a14:hiddenFill>
-            </a:ext>
-          </a:extLst>
-        </p:spPr>
-      </p:pic>
-    </p:spTree>
-    <p:extLst>
-      <p:ext uri="{BB962C8B-B14F-4D97-AF65-F5344CB8AC3E}">
-        <p14:creationId xmlns:p14="http://schemas.microsoft.com/office/powerpoint/2010/main" val="4181510063"/>
+        <p14:creationId xmlns:p14="http://schemas.microsoft.com/office/powerpoint/2010/main" val="3081822001"/>
       </p:ext>
     </p:extLst>
   </p:cSld>

--- a/DS 202 Final Presentation.pptx
+++ b/DS 202 Final Presentation.pptx
@@ -2212,7 +2212,7 @@
         <a:p>
           <a:r>
             <a:rPr lang="en-US" dirty="0"/>
-            <a:t>Originally had 71 columns: Country, Notes, 1949, … , 2017 </a:t>
+            <a:t>Current USD for example, had 71 columns: Country, Notes, 1949, … , 2017 </a:t>
           </a:r>
         </a:p>
       </dgm:t>
@@ -2254,7 +2254,7 @@
         <a:p>
           <a:r>
             <a:rPr lang="en-US" dirty="0"/>
-            <a:t>Introduced variable in military and map data frames </a:t>
+            <a:t>Had to input iso3c manually for some countries</a:t>
           </a:r>
         </a:p>
       </dgm:t>
@@ -2296,7 +2296,7 @@
         <a:p>
           <a:r>
             <a:rPr lang="en-US" dirty="0"/>
-            <a:t>Joined military data with world map data</a:t>
+            <a:t>Joined military expenditure data with world map data</a:t>
           </a:r>
         </a:p>
       </dgm:t>
@@ -2379,12 +2379,8 @@
         <a:lstStyle/>
         <a:p>
           <a:r>
-            <a:rPr lang="en-US"/>
-            <a:t>Introduced </a:t>
-          </a:r>
-          <a:r>
             <a:rPr lang="en-US" dirty="0"/>
-            <a:t>new variable ‘iso3c’ country code</a:t>
+            <a:t>Introduced new variable ‘iso3c’ country code</a:t>
           </a:r>
         </a:p>
       </dgm:t>
@@ -2392,6 +2388,13 @@
     <dgm:pt modelId="{FC8EE8AB-F297-44D2-9E19-F678FAE06792}" type="parTrans" cxnId="{204D97CF-9536-4388-A5C6-26BA1DA37C75}">
       <dgm:prSet/>
       <dgm:spPr/>
+      <dgm:t>
+        <a:bodyPr/>
+        <a:lstStyle/>
+        <a:p>
+          <a:endParaRPr lang="en-US"/>
+        </a:p>
+      </dgm:t>
     </dgm:pt>
     <dgm:pt modelId="{ABE921DE-29C1-4F00-A3DF-D068612ADD33}" type="sibTrans" cxnId="{204D97CF-9536-4388-A5C6-26BA1DA37C75}">
       <dgm:prSet/>
@@ -3481,7 +3484,7 @@
           </a:pPr>
           <a:r>
             <a:rPr lang="en-US" sz="1500" kern="1200" dirty="0"/>
-            <a:t>Originally had 71 columns: Country, Notes, 1949, … , 2017 </a:t>
+            <a:t>Current USD for example, had 71 columns: Country, Notes, 1949, … , 2017 </a:t>
           </a:r>
         </a:p>
       </dsp:txBody>
@@ -3634,12 +3637,8 @@
             <a:buNone/>
           </a:pPr>
           <a:r>
-            <a:rPr lang="en-US" sz="1900" kern="1200"/>
-            <a:t>Introduced </a:t>
-          </a:r>
-          <a:r>
             <a:rPr lang="en-US" sz="1900" kern="1200" dirty="0"/>
-            <a:t>new variable ‘iso3c’ country code</a:t>
+            <a:t>Introduced new variable ‘iso3c’ country code</a:t>
           </a:r>
         </a:p>
         <a:p>
@@ -3657,7 +3656,7 @@
           </a:pPr>
           <a:r>
             <a:rPr lang="en-US" sz="1500" kern="1200" dirty="0"/>
-            <a:t>Introduced variable in military and map data frames </a:t>
+            <a:t>Had to input iso3c manually for some countries</a:t>
           </a:r>
         </a:p>
       </dsp:txBody>
@@ -3734,7 +3733,7 @@
           </a:pPr>
           <a:r>
             <a:rPr lang="en-US" sz="1900" kern="1200" dirty="0"/>
-            <a:t>Joined military data with world map data</a:t>
+            <a:t>Joined military expenditure data with world map data</a:t>
           </a:r>
         </a:p>
         <a:p>
@@ -8345,6 +8344,46 @@
             </a:r>
           </a:p>
           <a:p>
+            <a:pPr marL="628650" lvl="1" indent="-171450">
+              <a:buFont typeface="Arial" panose="020B0604020202020204" pitchFamily="34" charset="0"/>
+              <a:buChar char="•"/>
+            </a:pPr>
+            <a:r>
+              <a:rPr lang="en-US" i="1" dirty="0">
+                <a:solidFill>
+                  <a:schemeClr val="bg1">
+                    <a:lumMod val="65000"/>
+                  </a:schemeClr>
+                </a:solidFill>
+              </a:rPr>
+              <a:t>“</a:t>
+            </a:r>
+            <a:r>
+              <a:rPr lang="en-US" sz="1200" b="0" i="1" u="none" strike="noStrike" kern="1200" dirty="0">
+                <a:solidFill>
+                  <a:schemeClr val="bg1">
+                    <a:lumMod val="65000"/>
+                  </a:schemeClr>
+                </a:solidFill>
+                <a:effectLst/>
+                <a:latin typeface="+mn-lt"/>
+                <a:ea typeface="+mn-ea"/>
+                <a:cs typeface="+mn-cs"/>
+              </a:rPr>
+              <a:t>Arms transfers cover the supply of military weapons through sales, aid, gifts, and those made through manufacturing licenses. Data cover major conventional weapons such as aircraft, armored vehicles, artillery, radar systems, missiles, and ships designed for military use. Excluded are transfers of other military equipment such as small arms and light weapons, trucks, small artillery, ammunition, support equipment, technology transfers, and other services. Figures are SIPRI Trend Indicator Values (TIVs) expressed in US$ m. at constant (1990) prices. A '0' indicates that the value of deliveries is less than US$0.5m.</a:t>
+            </a:r>
+            <a:r>
+              <a:rPr lang="en-US" i="1" dirty="0">
+                <a:solidFill>
+                  <a:schemeClr val="bg1">
+                    <a:lumMod val="65000"/>
+                  </a:schemeClr>
+                </a:solidFill>
+              </a:rPr>
+              <a:t> “</a:t>
+            </a:r>
+          </a:p>
+          <a:p>
             <a:pPr marL="171450" lvl="0" indent="-171450">
               <a:buFont typeface="Arial" panose="020B0604020202020204" pitchFamily="34" charset="0"/>
               <a:buChar char="•"/>
@@ -8362,6 +8401,56 @@
             <a:r>
               <a:rPr lang="en-US" dirty="0"/>
               <a:t>Presents the armed forces personnel, as a percentage of total labor force. (Data ranges from 1990 to 2016)</a:t>
+            </a:r>
+          </a:p>
+          <a:p>
+            <a:pPr marL="628650" lvl="1" indent="-171450">
+              <a:buFont typeface="Arial" panose="020B0604020202020204" pitchFamily="34" charset="0"/>
+              <a:buChar char="•"/>
+            </a:pPr>
+            <a:r>
+              <a:rPr lang="en-US" i="1" dirty="0"/>
+              <a:t>“</a:t>
+            </a:r>
+            <a:r>
+              <a:rPr lang="en-US" sz="1200" b="0" i="1" u="none" strike="noStrike" kern="1200" dirty="0">
+                <a:solidFill>
+                  <a:schemeClr val="tx1"/>
+                </a:solidFill>
+                <a:effectLst/>
+                <a:latin typeface="+mn-lt"/>
+                <a:ea typeface="+mn-ea"/>
+                <a:cs typeface="+mn-cs"/>
+              </a:rPr>
+              <a:t>Armed forces personnel are active duty military personnel, including paramilitary forces if the training, organization, equipment, and control suggest they may be used to support or replace regular military forces. Labor force comprises all people who meet the International </a:t>
+            </a:r>
+            <a:r>
+              <a:rPr lang="en-US" sz="1200" b="0" i="1" u="none" strike="noStrike" kern="1200" dirty="0" err="1">
+                <a:solidFill>
+                  <a:schemeClr val="tx1"/>
+                </a:solidFill>
+                <a:effectLst/>
+                <a:latin typeface="+mn-lt"/>
+                <a:ea typeface="+mn-ea"/>
+                <a:cs typeface="+mn-cs"/>
+              </a:rPr>
+              <a:t>Labour</a:t>
+            </a:r>
+            <a:r>
+              <a:rPr lang="en-US" sz="1200" b="0" i="1" u="none" strike="noStrike" kern="1200" dirty="0">
+                <a:solidFill>
+                  <a:schemeClr val="tx1"/>
+                </a:solidFill>
+                <a:effectLst/>
+                <a:latin typeface="+mn-lt"/>
+                <a:ea typeface="+mn-ea"/>
+                <a:cs typeface="+mn-cs"/>
+              </a:rPr>
+              <a:t> Organization's definition of the economically active population.</a:t>
+            </a:r>
+            <a:r>
+              <a:rPr lang="en-US" i="1" dirty="0"/>
+              <a:t> “</a:t>
             </a:r>
           </a:p>
           <a:p>
@@ -8456,54 +8545,11 @@
           <a:bodyPr/>
           <a:lstStyle/>
           <a:p>
-            <a:pPr marL="171450" indent="-171450">
+            <a:pPr marL="0" indent="0">
               <a:buFont typeface="Arial" panose="020B0604020202020204" pitchFamily="34" charset="0"/>
-              <a:buChar char="•"/>
+              <a:buNone/>
             </a:pPr>
-            <a:r>
-              <a:rPr lang="en-US" dirty="0"/>
-              <a:t>We tried loading the data before removing the pictures and links that were included in the Excel file and ran into issues. </a:t>
-            </a:r>
-          </a:p>
-          <a:p>
-            <a:pPr marL="628650" lvl="1" indent="-171450">
-              <a:buFont typeface="Arial" panose="020B0604020202020204" pitchFamily="34" charset="0"/>
-              <a:buChar char="•"/>
-            </a:pPr>
-            <a:r>
-              <a:rPr lang="en-US" dirty="0"/>
-              <a:t>Instead, we chose to remove the pictures and links from the Excel file before loading the data into R.</a:t>
-            </a:r>
-          </a:p>
-          <a:p>
-            <a:pPr marL="171450" lvl="0" indent="-171450">
-              <a:buFont typeface="Arial" panose="020B0604020202020204" pitchFamily="34" charset="0"/>
-              <a:buChar char="•"/>
-            </a:pPr>
-            <a:r>
-              <a:rPr lang="en-US" dirty="0"/>
-              <a:t>Before gathering the columns, the data frame from the “Current US$” sheet had 71 columns: Country, Notes, and then a column for each year from 1949 to 2017.</a:t>
-            </a:r>
-          </a:p>
-          <a:p>
-            <a:pPr marL="628650" lvl="1" indent="-171450">
-              <a:buFont typeface="Arial" panose="020B0604020202020204" pitchFamily="34" charset="0"/>
-              <a:buChar char="•"/>
-            </a:pPr>
-            <a:r>
-              <a:rPr lang="en-US" dirty="0"/>
-              <a:t>After gathering the columns, the resulting data frame had 7472 rows and 4 columns: Country, Notes, Year, and Value</a:t>
-            </a:r>
-          </a:p>
-          <a:p>
-            <a:pPr marL="171450" lvl="0" indent="-171450">
-              <a:buFont typeface="Arial" panose="020B0604020202020204" pitchFamily="34" charset="0"/>
-              <a:buChar char="•"/>
-            </a:pPr>
-            <a:r>
-              <a:rPr lang="en-US" dirty="0"/>
-              <a:t>Finally, we changed the “Year” and “Value” variables to be numeric types</a:t>
-            </a:r>
+            <a:endParaRPr lang="en-US" dirty="0"/>
           </a:p>
         </p:txBody>
       </p:sp>
@@ -8534,6 +8580,2137 @@
     <p:extLst>
       <p:ext uri="{BB962C8B-B14F-4D97-AF65-F5344CB8AC3E}">
         <p14:creationId xmlns:p14="http://schemas.microsoft.com/office/powerpoint/2010/main" val="2012960402"/>
+      </p:ext>
+    </p:extLst>
+  </p:cSld>
+  <p:clrMapOvr>
+    <a:masterClrMapping/>
+  </p:clrMapOvr>
+</p:notes>
+</file>
+
+<file path=ppt/notesSlides/notesSlide4.xml><?xml version="1.0" encoding="utf-8"?>
+<p:notes xmlns:a="http://schemas.openxmlformats.org/drawingml/2006/main" xmlns:r="http://schemas.openxmlformats.org/officeDocument/2006/relationships" xmlns:p="http://schemas.openxmlformats.org/presentationml/2006/main">
+  <p:cSld>
+    <p:spTree>
+      <p:nvGrpSpPr>
+        <p:cNvPr id="1" name=""/>
+        <p:cNvGrpSpPr/>
+        <p:nvPr/>
+      </p:nvGrpSpPr>
+      <p:grpSpPr>
+        <a:xfrm>
+          <a:off x="0" y="0"/>
+          <a:ext cx="0" cy="0"/>
+          <a:chOff x="0" y="0"/>
+          <a:chExt cx="0" cy="0"/>
+        </a:xfrm>
+      </p:grpSpPr>
+      <p:sp>
+        <p:nvSpPr>
+          <p:cNvPr id="2" name="Slide Image Placeholder 1"/>
+          <p:cNvSpPr>
+            <a:spLocks noGrp="1" noRot="1" noChangeAspect="1"/>
+          </p:cNvSpPr>
+          <p:nvPr>
+            <p:ph type="sldImg"/>
+          </p:nvPr>
+        </p:nvSpPr>
+        <p:spPr/>
+      </p:sp>
+      <p:sp>
+        <p:nvSpPr>
+          <p:cNvPr id="3" name="Notes Placeholder 2"/>
+          <p:cNvSpPr>
+            <a:spLocks noGrp="1"/>
+          </p:cNvSpPr>
+          <p:nvPr>
+            <p:ph type="body" idx="1"/>
+          </p:nvPr>
+        </p:nvSpPr>
+        <p:spPr/>
+        <p:txBody>
+          <a:bodyPr/>
+          <a:lstStyle/>
+          <a:p>
+            <a:r>
+              <a:rPr lang="en-US" sz="1200" b="1" i="0" u="none" strike="noStrike" kern="1200" dirty="0">
+                <a:solidFill>
+                  <a:schemeClr val="tx1"/>
+                </a:solidFill>
+                <a:effectLst/>
+                <a:latin typeface="+mn-lt"/>
+                <a:ea typeface="+mn-ea"/>
+                <a:cs typeface="+mn-cs"/>
+              </a:rPr>
+              <a:t>China: </a:t>
+            </a:r>
+            <a:r>
+              <a:rPr lang="en-US" sz="1200" b="0" i="0" u="none" strike="noStrike" kern="1200" dirty="0">
+                <a:solidFill>
+                  <a:schemeClr val="tx1"/>
+                </a:solidFill>
+                <a:effectLst/>
+                <a:latin typeface="+mn-lt"/>
+                <a:ea typeface="+mn-ea"/>
+                <a:cs typeface="+mn-cs"/>
+              </a:rPr>
+              <a:t>The figures for China have been revised in this edition of the database based on revised estimates for additional military research &amp; development spending. The figures are for estimated total military expenditure, including estimates for items not included in the official </a:t>
+            </a:r>
+            <a:r>
+              <a:rPr lang="en-US" sz="1200" b="0" i="0" u="none" strike="noStrike" kern="1200" dirty="0" err="1">
+                <a:solidFill>
+                  <a:schemeClr val="tx1"/>
+                </a:solidFill>
+                <a:effectLst/>
+                <a:latin typeface="+mn-lt"/>
+                <a:ea typeface="+mn-ea"/>
+                <a:cs typeface="+mn-cs"/>
+              </a:rPr>
+              <a:t>defence</a:t>
+            </a:r>
+            <a:r>
+              <a:rPr lang="en-US" sz="1200" b="0" i="0" u="none" strike="noStrike" kern="1200" dirty="0">
+                <a:solidFill>
+                  <a:schemeClr val="tx1"/>
+                </a:solidFill>
+                <a:effectLst/>
+                <a:latin typeface="+mn-lt"/>
+                <a:ea typeface="+mn-ea"/>
+                <a:cs typeface="+mn-cs"/>
+              </a:rPr>
+              <a:t> budget. On the estimates in local currency and as share of GDP for the period 1989-96, see </a:t>
+            </a:r>
+            <a:r>
+              <a:rPr lang="en-US" sz="1200" b="0" i="0" u="none" strike="noStrike" kern="1200" dirty="0" err="1">
+                <a:solidFill>
+                  <a:schemeClr val="tx1"/>
+                </a:solidFill>
+                <a:effectLst/>
+                <a:latin typeface="+mn-lt"/>
+                <a:ea typeface="+mn-ea"/>
+                <a:cs typeface="+mn-cs"/>
+              </a:rPr>
+              <a:t>Shaoguang</a:t>
+            </a:r>
+            <a:r>
+              <a:rPr lang="en-US" sz="1200" b="0" i="0" u="none" strike="noStrike" kern="1200" dirty="0">
+                <a:solidFill>
+                  <a:schemeClr val="tx1"/>
+                </a:solidFill>
+                <a:effectLst/>
+                <a:latin typeface="+mn-lt"/>
+                <a:ea typeface="+mn-ea"/>
+                <a:cs typeface="+mn-cs"/>
+              </a:rPr>
+              <a:t> Wang, The military expenditure of China, 1989 to 98, SIPRI Yearbook 1999: Armaments, Disarmament and International Security (Oxford University Press: Oxford, 1999), pp. 349. The estimates for the years 1997-2017 are based on publicly-available figures for official military expenditure and some other items, and estimates for other items based on Prof. Wang's methodology or other methods based on new information.  For the most recent years, where no official data is available for certain items, estimates are based on either the percentage change in official military expenditure, recent trends in spending in the same category, and in the case of the commercial earnings of the Peoples Liberation Army (PLA), on the assumption of a gradual decrease. See Sources and Methods, http://www.sipri.org/research/armaments/milex/milex_database/copy_of_sources_methods</a:t>
+            </a:r>
+            <a:r>
+              <a:rPr lang="en-US" dirty="0"/>
+              <a:t> </a:t>
+            </a:r>
+          </a:p>
+          <a:p>
+            <a:endParaRPr lang="en-US" dirty="0"/>
+          </a:p>
+          <a:p>
+            <a:r>
+              <a:rPr lang="en-US" sz="1200" b="1" i="0" u="none" strike="noStrike" kern="1200" dirty="0">
+                <a:solidFill>
+                  <a:schemeClr val="tx1"/>
+                </a:solidFill>
+                <a:effectLst/>
+                <a:latin typeface="+mn-lt"/>
+                <a:ea typeface="+mn-ea"/>
+                <a:cs typeface="+mn-cs"/>
+              </a:rPr>
+              <a:t>France: </a:t>
+            </a:r>
+            <a:r>
+              <a:rPr lang="en-US" sz="1200" b="0" i="0" u="none" strike="noStrike" kern="1200" dirty="0">
+                <a:solidFill>
+                  <a:schemeClr val="tx1"/>
+                </a:solidFill>
+                <a:effectLst/>
+                <a:latin typeface="+mn-lt"/>
+                <a:ea typeface="+mn-ea"/>
+                <a:cs typeface="+mn-cs"/>
+              </a:rPr>
+              <a:t>The figures for France from 2006 are calculated with a new methodology due to a change in the French budgetary system and financial law. Military spending includes a supplementary budget of 1.5 bn euros extra allocated to "</a:t>
+            </a:r>
+            <a:r>
+              <a:rPr lang="en-US" sz="1200" b="0" i="0" u="none" strike="noStrike" kern="1200" dirty="0" err="1">
+                <a:solidFill>
+                  <a:schemeClr val="tx1"/>
+                </a:solidFill>
+                <a:effectLst/>
+                <a:latin typeface="+mn-lt"/>
+                <a:ea typeface="+mn-ea"/>
+                <a:cs typeface="+mn-cs"/>
+              </a:rPr>
+              <a:t>defence</a:t>
+            </a:r>
+            <a:r>
+              <a:rPr lang="en-US" sz="1200" b="0" i="0" u="none" strike="noStrike" kern="1200" dirty="0">
+                <a:solidFill>
+                  <a:schemeClr val="tx1"/>
+                </a:solidFill>
+                <a:effectLst/>
+                <a:latin typeface="+mn-lt"/>
+                <a:ea typeface="+mn-ea"/>
+                <a:cs typeface="+mn-cs"/>
+              </a:rPr>
+              <a:t>" in 2016 and 700 mil euros in 2017. This is added to the original </a:t>
+            </a:r>
+            <a:r>
+              <a:rPr lang="en-US" sz="1200" b="0" i="0" u="none" strike="noStrike" kern="1200" dirty="0" err="1">
+                <a:solidFill>
+                  <a:schemeClr val="tx1"/>
+                </a:solidFill>
+                <a:effectLst/>
+                <a:latin typeface="+mn-lt"/>
+                <a:ea typeface="+mn-ea"/>
+                <a:cs typeface="+mn-cs"/>
+              </a:rPr>
+              <a:t>LdF</a:t>
+            </a:r>
+            <a:r>
+              <a:rPr lang="en-US" sz="1200" b="0" i="0" u="none" strike="noStrike" kern="1200" dirty="0">
+                <a:solidFill>
+                  <a:schemeClr val="tx1"/>
+                </a:solidFill>
+                <a:effectLst/>
+                <a:latin typeface="+mn-lt"/>
+                <a:ea typeface="+mn-ea"/>
+                <a:cs typeface="+mn-cs"/>
+              </a:rPr>
+              <a:t> budget.</a:t>
+            </a:r>
+            <a:r>
+              <a:rPr lang="en-US" dirty="0"/>
+              <a:t> </a:t>
+            </a:r>
+          </a:p>
+          <a:p>
+            <a:endParaRPr lang="en-US" dirty="0"/>
+          </a:p>
+          <a:p>
+            <a:r>
+              <a:rPr lang="en-US" sz="1200" b="1" i="0" u="none" strike="noStrike" kern="1200" dirty="0">
+                <a:solidFill>
+                  <a:schemeClr val="tx1"/>
+                </a:solidFill>
+                <a:effectLst/>
+                <a:latin typeface="+mn-lt"/>
+                <a:ea typeface="+mn-ea"/>
+                <a:cs typeface="+mn-cs"/>
+              </a:rPr>
+              <a:t>India: </a:t>
+            </a:r>
+            <a:r>
+              <a:rPr lang="en-US" sz="1200" b="0" i="0" u="none" strike="noStrike" kern="1200" dirty="0">
+                <a:solidFill>
+                  <a:schemeClr val="tx1"/>
+                </a:solidFill>
+                <a:effectLst/>
+                <a:latin typeface="+mn-lt"/>
+                <a:ea typeface="+mn-ea"/>
+                <a:cs typeface="+mn-cs"/>
+              </a:rPr>
+              <a:t>The figures for India include expenditure on the paramilitary forces of the Border Security Force, the Central Reserve Police Force, the Assam Rifles, the Indo-Tibetan Border Police and, from 2007 the </a:t>
+            </a:r>
+            <a:r>
+              <a:rPr lang="en-US" sz="1200" b="0" i="0" u="none" strike="noStrike" kern="1200" dirty="0" err="1">
+                <a:solidFill>
+                  <a:schemeClr val="tx1"/>
+                </a:solidFill>
+                <a:effectLst/>
+                <a:latin typeface="+mn-lt"/>
+                <a:ea typeface="+mn-ea"/>
+                <a:cs typeface="+mn-cs"/>
+              </a:rPr>
+              <a:t>Sashastra</a:t>
+            </a:r>
+            <a:r>
+              <a:rPr lang="en-US" sz="1200" b="0" i="0" u="none" strike="noStrike" kern="1200" dirty="0">
+                <a:solidFill>
+                  <a:schemeClr val="tx1"/>
+                </a:solidFill>
+                <a:effectLst/>
+                <a:latin typeface="+mn-lt"/>
+                <a:ea typeface="+mn-ea"/>
+                <a:cs typeface="+mn-cs"/>
+              </a:rPr>
+              <a:t> Seema Bal but do not include spending on military nuclear activities.</a:t>
+            </a:r>
+            <a:r>
+              <a:rPr lang="en-US" dirty="0"/>
+              <a:t> </a:t>
+            </a:r>
+          </a:p>
+          <a:p>
+            <a:endParaRPr lang="en-US" b="1" dirty="0"/>
+          </a:p>
+          <a:p>
+            <a:r>
+              <a:rPr lang="en-US" sz="1200" b="1" i="0" u="none" strike="noStrike" kern="1200" dirty="0">
+                <a:solidFill>
+                  <a:schemeClr val="tx1"/>
+                </a:solidFill>
+                <a:effectLst/>
+                <a:latin typeface="+mn-lt"/>
+                <a:ea typeface="+mn-ea"/>
+                <a:cs typeface="+mn-cs"/>
+              </a:rPr>
+              <a:t>Russia: </a:t>
+            </a:r>
+            <a:r>
+              <a:rPr lang="en-US" sz="1200" b="0" i="0" u="none" strike="noStrike" kern="1200" dirty="0">
+                <a:solidFill>
+                  <a:schemeClr val="tx1"/>
+                </a:solidFill>
+                <a:effectLst/>
+                <a:latin typeface="+mn-lt"/>
+                <a:ea typeface="+mn-ea"/>
+                <a:cs typeface="+mn-cs"/>
+              </a:rPr>
+              <a:t>For the sources and methods of the military expenditure figures for the USSR and Russia, see Cooper, J., 'The military expenditure of the USSR and the Russian Federation, 1987–97', SIPRI Yearbook 1998: Armaments, Disarmament and International Security (Oxford University Press: Oxford, 1998), appendix 6D, pp. 243–59.</a:t>
+            </a:r>
+            <a:r>
+              <a:rPr lang="en-US" dirty="0"/>
+              <a:t> </a:t>
+            </a:r>
+          </a:p>
+          <a:p>
+            <a:endParaRPr lang="en-US" dirty="0"/>
+          </a:p>
+          <a:p>
+            <a:r>
+              <a:rPr lang="en-US" sz="1200" b="1" i="0" u="none" strike="noStrike" kern="1200" dirty="0">
+                <a:solidFill>
+                  <a:schemeClr val="tx1"/>
+                </a:solidFill>
+                <a:effectLst/>
+                <a:latin typeface="+mn-lt"/>
+                <a:ea typeface="+mn-ea"/>
+                <a:cs typeface="+mn-cs"/>
+              </a:rPr>
+              <a:t>USA: </a:t>
+            </a:r>
+            <a:r>
+              <a:rPr lang="en-US" sz="1200" b="0" i="0" u="none" strike="noStrike" kern="1200" dirty="0">
+                <a:solidFill>
+                  <a:schemeClr val="tx1"/>
+                </a:solidFill>
+                <a:effectLst/>
+                <a:latin typeface="+mn-lt"/>
+                <a:ea typeface="+mn-ea"/>
+                <a:cs typeface="+mn-cs"/>
+              </a:rPr>
+              <a:t>All figures for the USA are for financial year (1 Oct. of the previous year-30 Sep. of the stated year) rather than calendar year.</a:t>
+            </a:r>
+            <a:r>
+              <a:rPr lang="en-US" dirty="0"/>
+              <a:t> </a:t>
+            </a:r>
+          </a:p>
+          <a:p>
+            <a:endParaRPr lang="en-US" dirty="0"/>
+          </a:p>
+          <a:p>
+            <a:r>
+              <a:rPr lang="en-US" sz="1200" b="1" i="0" u="none" strike="noStrike" kern="1200" dirty="0">
+                <a:solidFill>
+                  <a:schemeClr val="tx1"/>
+                </a:solidFill>
+                <a:effectLst/>
+                <a:latin typeface="+mn-lt"/>
+                <a:ea typeface="+mn-ea"/>
+                <a:cs typeface="+mn-cs"/>
+              </a:rPr>
+              <a:t>Estonia: </a:t>
+            </a:r>
+            <a:r>
+              <a:rPr lang="en-US" sz="1200" b="0" i="0" u="none" strike="noStrike" kern="1200" dirty="0">
+                <a:solidFill>
+                  <a:schemeClr val="tx1"/>
+                </a:solidFill>
+                <a:effectLst/>
+                <a:latin typeface="+mn-lt"/>
+                <a:ea typeface="+mn-ea"/>
+                <a:cs typeface="+mn-cs"/>
+              </a:rPr>
+              <a:t>Estonia merged their Border Guard Service with the National Police in 2010, and are no longer classed as a paramilitary force by SIPRI. This accounts for much of the decrease in Estonian military spending in 2010.</a:t>
+            </a:r>
+            <a:r>
+              <a:rPr lang="en-US" dirty="0"/>
+              <a:t> </a:t>
+            </a:r>
+          </a:p>
+          <a:p>
+            <a:endParaRPr lang="en-US" dirty="0"/>
+          </a:p>
+          <a:p>
+            <a:r>
+              <a:rPr lang="en-US" sz="1200" b="1" i="0" u="none" strike="noStrike" kern="1200" dirty="0">
+                <a:solidFill>
+                  <a:schemeClr val="tx1"/>
+                </a:solidFill>
+                <a:effectLst/>
+                <a:latin typeface="+mn-lt"/>
+                <a:ea typeface="+mn-ea"/>
+                <a:cs typeface="+mn-cs"/>
+              </a:rPr>
+              <a:t>Ghana:</a:t>
+            </a:r>
+            <a:r>
+              <a:rPr lang="en-US" sz="1200" b="0" i="0" u="none" strike="noStrike" kern="1200" dirty="0">
+                <a:solidFill>
+                  <a:schemeClr val="tx1"/>
+                </a:solidFill>
+                <a:effectLst/>
+                <a:latin typeface="+mn-lt"/>
+                <a:ea typeface="+mn-ea"/>
+                <a:cs typeface="+mn-cs"/>
+              </a:rPr>
+              <a:t> Ghana has had multiple changes of financial year. Up to and including 1966, the financial year is from January to December. From 1967-68 to 1969-70, the financial year is from July to June. From 1970 to 1979, the financial year is from January-December. (Thus the financial years beginning 1969 and 1970 overlap). Then there are financial years from July 1980 to June 1981, and from July 1981 to June 1982. Finally from 1982 onwards the financial year is from January to December. </a:t>
+            </a:r>
+          </a:p>
+          <a:p>
+            <a:endParaRPr lang="en-US" sz="1200" b="0" i="0" u="none" strike="noStrike" kern="1200" dirty="0">
+              <a:solidFill>
+                <a:schemeClr val="tx1"/>
+              </a:solidFill>
+              <a:effectLst/>
+              <a:latin typeface="+mn-lt"/>
+              <a:ea typeface="+mn-ea"/>
+              <a:cs typeface="+mn-cs"/>
+            </a:endParaRPr>
+          </a:p>
+          <a:p>
+            <a:r>
+              <a:rPr lang="en-US" sz="1200" b="1" i="0" u="none" strike="noStrike" kern="1200" dirty="0">
+                <a:solidFill>
+                  <a:schemeClr val="tx1"/>
+                </a:solidFill>
+                <a:effectLst/>
+                <a:latin typeface="+mn-lt"/>
+                <a:ea typeface="+mn-ea"/>
+                <a:cs typeface="+mn-cs"/>
+              </a:rPr>
+              <a:t>Latvia:</a:t>
+            </a:r>
+            <a:r>
+              <a:rPr lang="en-US" sz="1200" b="0" i="0" u="none" strike="noStrike" kern="1200" dirty="0">
+                <a:solidFill>
+                  <a:schemeClr val="tx1"/>
+                </a:solidFill>
+                <a:effectLst/>
+                <a:latin typeface="+mn-lt"/>
+                <a:ea typeface="+mn-ea"/>
+                <a:cs typeface="+mn-cs"/>
+              </a:rPr>
+              <a:t> Latvia adopted the Euro on the 1st January 2014, at a transition rate of €1 = 0.702804 </a:t>
+            </a:r>
+            <a:r>
+              <a:rPr lang="en-US" sz="1200" b="0" i="0" u="none" strike="noStrike" kern="1200" dirty="0" err="1">
+                <a:solidFill>
+                  <a:schemeClr val="tx1"/>
+                </a:solidFill>
+                <a:effectLst/>
+                <a:latin typeface="+mn-lt"/>
+                <a:ea typeface="+mn-ea"/>
+                <a:cs typeface="+mn-cs"/>
+              </a:rPr>
+              <a:t>lats</a:t>
+            </a:r>
+            <a:r>
+              <a:rPr lang="en-US" sz="1200" b="0" i="0" u="none" strike="noStrike" kern="1200" dirty="0">
+                <a:solidFill>
+                  <a:schemeClr val="tx1"/>
+                </a:solidFill>
+                <a:effectLst/>
+                <a:latin typeface="+mn-lt"/>
+                <a:ea typeface="+mn-ea"/>
+                <a:cs typeface="+mn-cs"/>
+              </a:rPr>
+              <a:t>. All figures have been converted into Euros using this rate. Figures for Latvia do not include allocations for military pensions paid by Russia, which averaged 27 million </a:t>
+            </a:r>
+            <a:r>
+              <a:rPr lang="en-US" sz="1200" b="0" i="0" u="none" strike="noStrike" kern="1200" dirty="0" err="1">
+                <a:solidFill>
+                  <a:schemeClr val="tx1"/>
+                </a:solidFill>
+                <a:effectLst/>
+                <a:latin typeface="+mn-lt"/>
+                <a:ea typeface="+mn-ea"/>
+                <a:cs typeface="+mn-cs"/>
+              </a:rPr>
+              <a:t>lats</a:t>
+            </a:r>
+            <a:r>
+              <a:rPr lang="en-US" sz="1200" b="0" i="0" u="none" strike="noStrike" kern="1200" dirty="0">
+                <a:solidFill>
+                  <a:schemeClr val="tx1"/>
+                </a:solidFill>
+                <a:effectLst/>
+                <a:latin typeface="+mn-lt"/>
+                <a:ea typeface="+mn-ea"/>
+                <a:cs typeface="+mn-cs"/>
+              </a:rPr>
+              <a:t> per year over 1996-1998.</a:t>
+            </a:r>
+            <a:r>
+              <a:rPr lang="en-US" dirty="0"/>
+              <a:t> </a:t>
+            </a:r>
+          </a:p>
+          <a:p>
+            <a:endParaRPr lang="en-US" dirty="0"/>
+          </a:p>
+          <a:p>
+            <a:r>
+              <a:rPr lang="en-US" sz="1200" b="1" i="0" u="none" strike="noStrike" kern="1200" dirty="0">
+                <a:solidFill>
+                  <a:schemeClr val="tx1"/>
+                </a:solidFill>
+                <a:effectLst/>
+                <a:latin typeface="+mn-lt"/>
+                <a:ea typeface="+mn-ea"/>
+                <a:cs typeface="+mn-cs"/>
+              </a:rPr>
+              <a:t>Sierra Leone: </a:t>
+            </a:r>
+            <a:r>
+              <a:rPr lang="en-US" sz="1200" b="0" i="0" u="none" strike="noStrike" kern="1200" dirty="0">
+                <a:solidFill>
+                  <a:schemeClr val="tx1"/>
+                </a:solidFill>
+                <a:effectLst/>
+                <a:latin typeface="+mn-lt"/>
+                <a:ea typeface="+mn-ea"/>
+                <a:cs typeface="+mn-cs"/>
+              </a:rPr>
+              <a:t>The figures for Sierra Leone in 1998 and 1999 are not available due to the coup </a:t>
+            </a:r>
+            <a:r>
+              <a:rPr lang="en-US" sz="1200" b="0" i="0" u="none" strike="noStrike" kern="1200" dirty="0" err="1">
+                <a:solidFill>
+                  <a:schemeClr val="tx1"/>
+                </a:solidFill>
+                <a:effectLst/>
+                <a:latin typeface="+mn-lt"/>
+                <a:ea typeface="+mn-ea"/>
+                <a:cs typeface="+mn-cs"/>
+              </a:rPr>
+              <a:t>d'etat</a:t>
+            </a:r>
+            <a:r>
+              <a:rPr lang="en-US" sz="1200" b="0" i="0" u="none" strike="noStrike" kern="1200" dirty="0">
+                <a:solidFill>
+                  <a:schemeClr val="tx1"/>
+                </a:solidFill>
+                <a:effectLst/>
+                <a:latin typeface="+mn-lt"/>
+                <a:ea typeface="+mn-ea"/>
+                <a:cs typeface="+mn-cs"/>
+              </a:rPr>
+              <a:t> and subsequent civil war. It is not clear whether the data before and after these years are based on the same definition.</a:t>
+            </a:r>
+            <a:r>
+              <a:rPr lang="en-US" dirty="0"/>
+              <a:t> </a:t>
+            </a:r>
+          </a:p>
+        </p:txBody>
+      </p:sp>
+      <p:sp>
+        <p:nvSpPr>
+          <p:cNvPr id="4" name="Slide Number Placeholder 3"/>
+          <p:cNvSpPr>
+            <a:spLocks noGrp="1"/>
+          </p:cNvSpPr>
+          <p:nvPr>
+            <p:ph type="sldNum" sz="quarter" idx="5"/>
+          </p:nvPr>
+        </p:nvSpPr>
+        <p:spPr/>
+        <p:txBody>
+          <a:bodyPr/>
+          <a:lstStyle/>
+          <a:p>
+            <a:fld id="{68E58C9F-A835-45F7-A2FB-D97F5C9E2B18}" type="slidenum">
+              <a:rPr lang="en-US" smtClean="0"/>
+              <a:t>6</a:t>
+            </a:fld>
+            <a:endParaRPr lang="en-US"/>
+          </a:p>
+        </p:txBody>
+      </p:sp>
+    </p:spTree>
+    <p:extLst>
+      <p:ext uri="{BB962C8B-B14F-4D97-AF65-F5344CB8AC3E}">
+        <p14:creationId xmlns:p14="http://schemas.microsoft.com/office/powerpoint/2010/main" val="3201321736"/>
+      </p:ext>
+    </p:extLst>
+  </p:cSld>
+  <p:clrMapOvr>
+    <a:masterClrMapping/>
+  </p:clrMapOvr>
+</p:notes>
+</file>
+
+<file path=ppt/notesSlides/notesSlide5.xml><?xml version="1.0" encoding="utf-8"?>
+<p:notes xmlns:a="http://schemas.openxmlformats.org/drawingml/2006/main" xmlns:r="http://schemas.openxmlformats.org/officeDocument/2006/relationships" xmlns:p="http://schemas.openxmlformats.org/presentationml/2006/main">
+  <p:cSld>
+    <p:spTree>
+      <p:nvGrpSpPr>
+        <p:cNvPr id="1" name=""/>
+        <p:cNvGrpSpPr/>
+        <p:nvPr/>
+      </p:nvGrpSpPr>
+      <p:grpSpPr>
+        <a:xfrm>
+          <a:off x="0" y="0"/>
+          <a:ext cx="0" cy="0"/>
+          <a:chOff x="0" y="0"/>
+          <a:chExt cx="0" cy="0"/>
+        </a:xfrm>
+      </p:grpSpPr>
+      <p:sp>
+        <p:nvSpPr>
+          <p:cNvPr id="2" name="Slide Image Placeholder 1"/>
+          <p:cNvSpPr>
+            <a:spLocks noGrp="1" noRot="1" noChangeAspect="1"/>
+          </p:cNvSpPr>
+          <p:nvPr>
+            <p:ph type="sldImg"/>
+          </p:nvPr>
+        </p:nvSpPr>
+        <p:spPr/>
+      </p:sp>
+      <p:sp>
+        <p:nvSpPr>
+          <p:cNvPr id="3" name="Notes Placeholder 2"/>
+          <p:cNvSpPr>
+            <a:spLocks noGrp="1"/>
+          </p:cNvSpPr>
+          <p:nvPr>
+            <p:ph type="body" idx="1"/>
+          </p:nvPr>
+        </p:nvSpPr>
+        <p:spPr/>
+        <p:txBody>
+          <a:bodyPr/>
+          <a:lstStyle/>
+          <a:p>
+            <a:pPr marL="171450" indent="-171450">
+              <a:buFont typeface="Arial" panose="020B0604020202020204" pitchFamily="34" charset="0"/>
+              <a:buChar char="•"/>
+            </a:pPr>
+            <a:r>
+              <a:rPr lang="en-US" dirty="0"/>
+              <a:t>1994 Yemen Civil War</a:t>
+            </a:r>
+          </a:p>
+          <a:p>
+            <a:pPr marL="628650" lvl="1" indent="-171450">
+              <a:buFont typeface="Arial" panose="020B0604020202020204" pitchFamily="34" charset="0"/>
+              <a:buChar char="•"/>
+            </a:pPr>
+            <a:r>
+              <a:rPr lang="en-US" dirty="0"/>
+              <a:t>USA supported Republic of Yemen</a:t>
+            </a:r>
+          </a:p>
+          <a:p>
+            <a:pPr marL="171450" lvl="0" indent="-171450">
+              <a:buFont typeface="Arial" panose="020B0604020202020204" pitchFamily="34" charset="0"/>
+              <a:buChar char="•"/>
+            </a:pPr>
+            <a:r>
+              <a:rPr lang="en-US" dirty="0"/>
+              <a:t>2001 (9/11)</a:t>
+            </a:r>
+          </a:p>
+          <a:p>
+            <a:pPr marL="628650" lvl="1" indent="-171450">
+              <a:buFont typeface="Arial" panose="020B0604020202020204" pitchFamily="34" charset="0"/>
+              <a:buChar char="•"/>
+            </a:pPr>
+            <a:r>
+              <a:rPr lang="en-US" dirty="0"/>
+              <a:t>Al-Qaeda attacks against US</a:t>
+            </a:r>
+          </a:p>
+          <a:p>
+            <a:pPr marL="171450" lvl="0" indent="-171450">
+              <a:buFont typeface="Arial" panose="020B0604020202020204" pitchFamily="34" charset="0"/>
+              <a:buChar char="•"/>
+            </a:pPr>
+            <a:r>
+              <a:rPr lang="en-US" dirty="0"/>
+              <a:t>2003 Iraq War</a:t>
+            </a:r>
+          </a:p>
+          <a:p>
+            <a:pPr marL="628650" lvl="1" indent="-171450">
+              <a:buFont typeface="Arial" panose="020B0604020202020204" pitchFamily="34" charset="0"/>
+              <a:buChar char="•"/>
+            </a:pPr>
+            <a:r>
+              <a:rPr lang="en-US" dirty="0"/>
+              <a:t>Us forces remained in Iraq until 2011</a:t>
+            </a:r>
+          </a:p>
+          <a:p>
+            <a:pPr marL="171450" lvl="0" indent="-171450">
+              <a:buFont typeface="Arial" panose="020B0604020202020204" pitchFamily="34" charset="0"/>
+              <a:buChar char="•"/>
+            </a:pPr>
+            <a:r>
+              <a:rPr lang="en-US" dirty="0"/>
+              <a:t>2014 – Present: Rise of ISUS</a:t>
+            </a:r>
+          </a:p>
+          <a:p>
+            <a:pPr marL="628650" lvl="1" indent="-171450">
+              <a:buFont typeface="Arial" panose="020B0604020202020204" pitchFamily="34" charset="0"/>
+              <a:buChar char="•"/>
+            </a:pPr>
+            <a:r>
+              <a:rPr lang="en-US" dirty="0"/>
+              <a:t>US-led coalition engaged in airstrikes against ISIS in August 2014</a:t>
+            </a:r>
+          </a:p>
+          <a:p>
+            <a:pPr marL="628650" lvl="1" indent="-171450">
+              <a:buFont typeface="Arial" panose="020B0604020202020204" pitchFamily="34" charset="0"/>
+              <a:buChar char="•"/>
+            </a:pPr>
+            <a:r>
+              <a:rPr lang="en-US" dirty="0"/>
+              <a:t>By 2017 ISIS had lost 95% of its territory</a:t>
+            </a:r>
+          </a:p>
+          <a:p>
+            <a:pPr marL="171450" lvl="0" indent="-171450">
+              <a:buFont typeface="Arial" panose="020B0604020202020204" pitchFamily="34" charset="0"/>
+              <a:buChar char="•"/>
+            </a:pPr>
+            <a:r>
+              <a:rPr lang="en-US" dirty="0"/>
+              <a:t>2015 </a:t>
+            </a:r>
+          </a:p>
+          <a:p>
+            <a:pPr marL="628650" lvl="1" indent="-171450">
+              <a:buFont typeface="Arial" panose="020B0604020202020204" pitchFamily="34" charset="0"/>
+              <a:buChar char="•"/>
+            </a:pPr>
+            <a:r>
+              <a:rPr lang="en-US" dirty="0"/>
+              <a:t>Russia becomes involved with Syrian Civil War</a:t>
+            </a:r>
+          </a:p>
+        </p:txBody>
+      </p:sp>
+      <p:sp>
+        <p:nvSpPr>
+          <p:cNvPr id="4" name="Slide Number Placeholder 3"/>
+          <p:cNvSpPr>
+            <a:spLocks noGrp="1"/>
+          </p:cNvSpPr>
+          <p:nvPr>
+            <p:ph type="sldNum" sz="quarter" idx="5"/>
+          </p:nvPr>
+        </p:nvSpPr>
+        <p:spPr/>
+        <p:txBody>
+          <a:bodyPr/>
+          <a:lstStyle/>
+          <a:p>
+            <a:fld id="{68E58C9F-A835-45F7-A2FB-D97F5C9E2B18}" type="slidenum">
+              <a:rPr lang="en-US" smtClean="0"/>
+              <a:t>7</a:t>
+            </a:fld>
+            <a:endParaRPr lang="en-US"/>
+          </a:p>
+        </p:txBody>
+      </p:sp>
+    </p:spTree>
+    <p:extLst>
+      <p:ext uri="{BB962C8B-B14F-4D97-AF65-F5344CB8AC3E}">
+        <p14:creationId xmlns:p14="http://schemas.microsoft.com/office/powerpoint/2010/main" val="4136251256"/>
+      </p:ext>
+    </p:extLst>
+  </p:cSld>
+  <p:clrMapOvr>
+    <a:masterClrMapping/>
+  </p:clrMapOvr>
+</p:notes>
+</file>
+
+<file path=ppt/notesSlides/notesSlide6.xml><?xml version="1.0" encoding="utf-8"?>
+<p:notes xmlns:a="http://schemas.openxmlformats.org/drawingml/2006/main" xmlns:r="http://schemas.openxmlformats.org/officeDocument/2006/relationships" xmlns:p="http://schemas.openxmlformats.org/presentationml/2006/main">
+  <p:cSld>
+    <p:spTree>
+      <p:nvGrpSpPr>
+        <p:cNvPr id="1" name=""/>
+        <p:cNvGrpSpPr/>
+        <p:nvPr/>
+      </p:nvGrpSpPr>
+      <p:grpSpPr>
+        <a:xfrm>
+          <a:off x="0" y="0"/>
+          <a:ext cx="0" cy="0"/>
+          <a:chOff x="0" y="0"/>
+          <a:chExt cx="0" cy="0"/>
+        </a:xfrm>
+      </p:grpSpPr>
+      <p:sp>
+        <p:nvSpPr>
+          <p:cNvPr id="2" name="Slide Image Placeholder 1"/>
+          <p:cNvSpPr>
+            <a:spLocks noGrp="1" noRot="1" noChangeAspect="1"/>
+          </p:cNvSpPr>
+          <p:nvPr>
+            <p:ph type="sldImg"/>
+          </p:nvPr>
+        </p:nvSpPr>
+        <p:spPr/>
+      </p:sp>
+      <p:sp>
+        <p:nvSpPr>
+          <p:cNvPr id="3" name="Notes Placeholder 2"/>
+          <p:cNvSpPr>
+            <a:spLocks noGrp="1"/>
+          </p:cNvSpPr>
+          <p:nvPr>
+            <p:ph type="body" idx="1"/>
+          </p:nvPr>
+        </p:nvSpPr>
+        <p:spPr/>
+        <p:txBody>
+          <a:bodyPr/>
+          <a:lstStyle/>
+          <a:p>
+            <a:r>
+              <a:rPr lang="en-US" sz="1200" b="1" i="0" u="none" strike="noStrike" kern="1200" dirty="0">
+                <a:solidFill>
+                  <a:schemeClr val="tx1"/>
+                </a:solidFill>
+                <a:effectLst/>
+                <a:latin typeface="+mn-lt"/>
+                <a:ea typeface="+mn-ea"/>
+                <a:cs typeface="+mn-cs"/>
+              </a:rPr>
+              <a:t>China: </a:t>
+            </a:r>
+            <a:r>
+              <a:rPr lang="en-US" sz="1200" b="0" i="0" u="none" strike="noStrike" kern="1200" dirty="0">
+                <a:solidFill>
+                  <a:schemeClr val="tx1"/>
+                </a:solidFill>
+                <a:effectLst/>
+                <a:latin typeface="+mn-lt"/>
+                <a:ea typeface="+mn-ea"/>
+                <a:cs typeface="+mn-cs"/>
+              </a:rPr>
+              <a:t>On 1 July 1997 China resumed its exercise of sovereignty over Hong Kong; and on 20 December 1999 China resumed its exercise of sovereignty over Macao. Unless otherwise noted, data for China do not include data for Hong Kong SAR, China; Macao SAR, China; or Taiwan, China. The new base year is 2015.</a:t>
+            </a:r>
+            <a:r>
+              <a:rPr lang="en-US" dirty="0"/>
+              <a:t> </a:t>
+            </a:r>
+          </a:p>
+          <a:p>
+            <a:endParaRPr lang="en-US" dirty="0"/>
+          </a:p>
+          <a:p>
+            <a:r>
+              <a:rPr lang="en-US" sz="1200" b="1" i="0" u="none" strike="noStrike" kern="1200" dirty="0">
+                <a:solidFill>
+                  <a:schemeClr val="tx1"/>
+                </a:solidFill>
+                <a:effectLst/>
+                <a:latin typeface="+mn-lt"/>
+                <a:ea typeface="+mn-ea"/>
+                <a:cs typeface="+mn-cs"/>
+              </a:rPr>
+              <a:t>France: </a:t>
+            </a:r>
+            <a:r>
+              <a:rPr lang="en-US" sz="1200" b="0" i="0" u="none" strike="noStrike" kern="1200" dirty="0">
+                <a:solidFill>
+                  <a:schemeClr val="tx1"/>
+                </a:solidFill>
+                <a:effectLst/>
+                <a:latin typeface="+mn-lt"/>
+                <a:ea typeface="+mn-ea"/>
+                <a:cs typeface="+mn-cs"/>
+              </a:rPr>
+              <a:t>A simple multiplier is used to convert the national currencies of EMU members to euros. The following irrevocable euro conversion rate was adopted by the EU Council on January 1, 1999: 1 euro = 6.55957 French franc. Please note that historical data before 1999 are not actual euros and are not comparable or suitable for aggregation across countries.</a:t>
+            </a:r>
+            <a:r>
+              <a:rPr lang="en-US" dirty="0"/>
+              <a:t> </a:t>
+            </a:r>
+          </a:p>
+          <a:p>
+            <a:endParaRPr lang="en-US" dirty="0"/>
+          </a:p>
+          <a:p>
+            <a:r>
+              <a:rPr lang="en-US" sz="1200" b="1" i="0" u="none" strike="noStrike" kern="1200" dirty="0">
+                <a:solidFill>
+                  <a:schemeClr val="tx1"/>
+                </a:solidFill>
+                <a:effectLst/>
+                <a:latin typeface="+mn-lt"/>
+                <a:ea typeface="+mn-ea"/>
+                <a:cs typeface="+mn-cs"/>
+              </a:rPr>
+              <a:t>India: </a:t>
+            </a:r>
+            <a:r>
+              <a:rPr lang="en-US" sz="1200" b="0" i="0" u="none" strike="noStrike" kern="1200" dirty="0">
+                <a:solidFill>
+                  <a:schemeClr val="tx1"/>
+                </a:solidFill>
+                <a:effectLst/>
+                <a:latin typeface="+mn-lt"/>
+                <a:ea typeface="+mn-ea"/>
+                <a:cs typeface="+mn-cs"/>
+              </a:rPr>
+              <a:t>Fiscal year end: March 31; reporting period for national accounts data: FY. Based on official government statistics; the new base year is 2011/12. India reports using SNA 2008.</a:t>
+            </a:r>
+            <a:r>
+              <a:rPr lang="en-US" dirty="0"/>
+              <a:t> </a:t>
+            </a:r>
+          </a:p>
+          <a:p>
+            <a:endParaRPr lang="en-US" dirty="0"/>
+          </a:p>
+          <a:p>
+            <a:r>
+              <a:rPr lang="en-US" sz="1200" b="1" i="0" u="none" strike="noStrike" kern="1200" dirty="0">
+                <a:solidFill>
+                  <a:schemeClr val="tx1"/>
+                </a:solidFill>
+                <a:effectLst/>
+                <a:latin typeface="+mn-lt"/>
+                <a:ea typeface="+mn-ea"/>
+                <a:cs typeface="+mn-cs"/>
+              </a:rPr>
+              <a:t>Estonia: </a:t>
+            </a:r>
+            <a:r>
+              <a:rPr lang="en-US" sz="1200" b="0" i="0" u="none" strike="noStrike" kern="1200" dirty="0">
+                <a:solidFill>
+                  <a:schemeClr val="tx1"/>
+                </a:solidFill>
+                <a:effectLst/>
+                <a:latin typeface="+mn-lt"/>
+                <a:ea typeface="+mn-ea"/>
+                <a:cs typeface="+mn-cs"/>
+              </a:rPr>
+              <a:t>A simple multiplier is used to convert the national currencies of EMU members to euros. The following irrevocable euro conversion rate entered into force on January 1, 2011: 1 euro = 15.6466 Estonian kroon. Please note that historical data are not actual euros and are not comparable or suitable for aggregation across countries.</a:t>
+            </a:r>
+            <a:r>
+              <a:rPr lang="en-US" dirty="0"/>
+              <a:t> </a:t>
+            </a:r>
+          </a:p>
+          <a:p>
+            <a:endParaRPr lang="en-US" dirty="0"/>
+          </a:p>
+          <a:p>
+            <a:r>
+              <a:rPr lang="en-US" sz="1200" b="1" i="0" u="none" strike="noStrike" kern="1200" dirty="0">
+                <a:solidFill>
+                  <a:schemeClr val="tx1"/>
+                </a:solidFill>
+                <a:effectLst/>
+                <a:latin typeface="+mn-lt"/>
+                <a:ea typeface="+mn-ea"/>
+                <a:cs typeface="+mn-cs"/>
+              </a:rPr>
+              <a:t>Ghana: </a:t>
+            </a:r>
+            <a:r>
+              <a:rPr lang="en-US" sz="1200" b="0" i="0" u="none" strike="noStrike" kern="1200" dirty="0">
+                <a:solidFill>
+                  <a:schemeClr val="tx1"/>
+                </a:solidFill>
+                <a:effectLst/>
+                <a:latin typeface="+mn-lt"/>
+                <a:ea typeface="+mn-ea"/>
+                <a:cs typeface="+mn-cs"/>
+              </a:rPr>
+              <a:t>Base year change from 2006 to 2013 - national data revised.</a:t>
+            </a:r>
+            <a:r>
+              <a:rPr lang="en-US" dirty="0"/>
+              <a:t> </a:t>
+            </a:r>
+          </a:p>
+          <a:p>
+            <a:endParaRPr lang="en-US" dirty="0"/>
+          </a:p>
+          <a:p>
+            <a:r>
+              <a:rPr lang="en-US" sz="1200" b="1" i="0" u="none" strike="noStrike" kern="1200" dirty="0">
+                <a:solidFill>
+                  <a:schemeClr val="tx1"/>
+                </a:solidFill>
+                <a:effectLst/>
+                <a:latin typeface="+mn-lt"/>
+                <a:ea typeface="+mn-ea"/>
+                <a:cs typeface="+mn-cs"/>
+              </a:rPr>
+              <a:t>Ireland: </a:t>
+            </a:r>
+            <a:r>
+              <a:rPr lang="en-US" sz="1200" b="0" i="0" u="none" strike="noStrike" kern="1200" dirty="0">
+                <a:solidFill>
+                  <a:schemeClr val="tx1"/>
+                </a:solidFill>
+                <a:effectLst/>
+                <a:latin typeface="+mn-lt"/>
+                <a:ea typeface="+mn-ea"/>
+                <a:cs typeface="+mn-cs"/>
+              </a:rPr>
+              <a:t>A simple multiplier is used to convert the national currencies of EMU members to euros. The following irrevocable euro conversion rate was adopted by the EU Council on January 1, 1999: 1 euro = 0.787564 Irish pound. Please note that historical data before 1999 are not actual euros and are not comparable or suitable for aggregation across countries.</a:t>
+            </a:r>
+            <a:r>
+              <a:rPr lang="en-US" dirty="0"/>
+              <a:t> </a:t>
+            </a:r>
+          </a:p>
+          <a:p>
+            <a:endParaRPr lang="en-US" b="1" dirty="0"/>
+          </a:p>
+          <a:p>
+            <a:r>
+              <a:rPr lang="en-US" sz="1200" b="1" i="0" u="none" strike="noStrike" kern="1200" dirty="0">
+                <a:solidFill>
+                  <a:schemeClr val="tx1"/>
+                </a:solidFill>
+                <a:effectLst/>
+                <a:latin typeface="+mn-lt"/>
+                <a:ea typeface="+mn-ea"/>
+                <a:cs typeface="+mn-cs"/>
+              </a:rPr>
+              <a:t>Latvia: </a:t>
+            </a:r>
+            <a:r>
+              <a:rPr lang="en-US" sz="1200" b="0" i="0" u="none" strike="noStrike" kern="1200" dirty="0">
+                <a:solidFill>
+                  <a:schemeClr val="tx1"/>
+                </a:solidFill>
+                <a:effectLst/>
+                <a:latin typeface="+mn-lt"/>
+                <a:ea typeface="+mn-ea"/>
+                <a:cs typeface="+mn-cs"/>
+              </a:rPr>
+              <a:t>A simple multiplier is used to convert the national currencies of EMU members to euros. The following irrevocable euro conversion rate entered into force on January 1, 2014: 1 euro = 0.702804 Latvian </a:t>
+            </a:r>
+            <a:r>
+              <a:rPr lang="en-US" sz="1200" b="0" i="0" u="none" strike="noStrike" kern="1200" dirty="0" err="1">
+                <a:solidFill>
+                  <a:schemeClr val="tx1"/>
+                </a:solidFill>
+                <a:effectLst/>
+                <a:latin typeface="+mn-lt"/>
+                <a:ea typeface="+mn-ea"/>
+                <a:cs typeface="+mn-cs"/>
+              </a:rPr>
+              <a:t>lats</a:t>
+            </a:r>
+            <a:r>
+              <a:rPr lang="en-US" sz="1200" b="0" i="0" u="none" strike="noStrike" kern="1200" dirty="0">
+                <a:solidFill>
+                  <a:schemeClr val="tx1"/>
+                </a:solidFill>
+                <a:effectLst/>
+                <a:latin typeface="+mn-lt"/>
+                <a:ea typeface="+mn-ea"/>
+                <a:cs typeface="+mn-cs"/>
+              </a:rPr>
+              <a:t>. Please note that historical data are not actual euros and are not comparable or suitable for aggregation across countries. Based on data from EUROSTAT, the new reference year is 2010.</a:t>
+            </a:r>
+            <a:r>
+              <a:rPr lang="en-US" dirty="0"/>
+              <a:t> </a:t>
+            </a:r>
+          </a:p>
+          <a:p>
+            <a:endParaRPr lang="en-US" dirty="0"/>
+          </a:p>
+          <a:p>
+            <a:r>
+              <a:rPr lang="en-US" sz="1200" b="1" i="0" u="none" strike="noStrike" kern="1200" dirty="0">
+                <a:solidFill>
+                  <a:schemeClr val="tx1"/>
+                </a:solidFill>
+                <a:effectLst/>
+                <a:latin typeface="+mn-lt"/>
+                <a:ea typeface="+mn-ea"/>
+                <a:cs typeface="+mn-cs"/>
+              </a:rPr>
+              <a:t>Sierra Leone: </a:t>
+            </a:r>
+            <a:r>
+              <a:rPr lang="en-US" sz="1200" b="0" i="0" u="none" strike="noStrike" kern="1200" dirty="0">
+                <a:solidFill>
+                  <a:schemeClr val="tx1"/>
+                </a:solidFill>
+                <a:effectLst/>
+                <a:latin typeface="+mn-lt"/>
+                <a:ea typeface="+mn-ea"/>
+                <a:cs typeface="+mn-cs"/>
+              </a:rPr>
+              <a:t>Fiscal year end: June 30; reporting period for national accounts data: CY.</a:t>
+            </a:r>
+            <a:r>
+              <a:rPr lang="en-US" dirty="0"/>
+              <a:t> </a:t>
+            </a:r>
+          </a:p>
+        </p:txBody>
+      </p:sp>
+      <p:sp>
+        <p:nvSpPr>
+          <p:cNvPr id="4" name="Slide Number Placeholder 3"/>
+          <p:cNvSpPr>
+            <a:spLocks noGrp="1"/>
+          </p:cNvSpPr>
+          <p:nvPr>
+            <p:ph type="sldNum" sz="quarter" idx="5"/>
+          </p:nvPr>
+        </p:nvSpPr>
+        <p:spPr/>
+        <p:txBody>
+          <a:bodyPr/>
+          <a:lstStyle/>
+          <a:p>
+            <a:fld id="{68E58C9F-A835-45F7-A2FB-D97F5C9E2B18}" type="slidenum">
+              <a:rPr lang="en-US" smtClean="0"/>
+              <a:t>11</a:t>
+            </a:fld>
+            <a:endParaRPr lang="en-US"/>
+          </a:p>
+        </p:txBody>
+      </p:sp>
+    </p:spTree>
+    <p:extLst>
+      <p:ext uri="{BB962C8B-B14F-4D97-AF65-F5344CB8AC3E}">
+        <p14:creationId xmlns:p14="http://schemas.microsoft.com/office/powerpoint/2010/main" val="3008882791"/>
+      </p:ext>
+    </p:extLst>
+  </p:cSld>
+  <p:clrMapOvr>
+    <a:masterClrMapping/>
+  </p:clrMapOvr>
+</p:notes>
+</file>
+
+<file path=ppt/notesSlides/notesSlide7.xml><?xml version="1.0" encoding="utf-8"?>
+<p:notes xmlns:a="http://schemas.openxmlformats.org/drawingml/2006/main" xmlns:r="http://schemas.openxmlformats.org/officeDocument/2006/relationships" xmlns:p="http://schemas.openxmlformats.org/presentationml/2006/main">
+  <p:cSld>
+    <p:spTree>
+      <p:nvGrpSpPr>
+        <p:cNvPr id="1" name=""/>
+        <p:cNvGrpSpPr/>
+        <p:nvPr/>
+      </p:nvGrpSpPr>
+      <p:grpSpPr>
+        <a:xfrm>
+          <a:off x="0" y="0"/>
+          <a:ext cx="0" cy="0"/>
+          <a:chOff x="0" y="0"/>
+          <a:chExt cx="0" cy="0"/>
+        </a:xfrm>
+      </p:grpSpPr>
+      <p:sp>
+        <p:nvSpPr>
+          <p:cNvPr id="2" name="Slide Image Placeholder 1"/>
+          <p:cNvSpPr>
+            <a:spLocks noGrp="1" noRot="1" noChangeAspect="1"/>
+          </p:cNvSpPr>
+          <p:nvPr>
+            <p:ph type="sldImg"/>
+          </p:nvPr>
+        </p:nvSpPr>
+        <p:spPr/>
+      </p:sp>
+      <p:sp>
+        <p:nvSpPr>
+          <p:cNvPr id="3" name="Notes Placeholder 2"/>
+          <p:cNvSpPr>
+            <a:spLocks noGrp="1"/>
+          </p:cNvSpPr>
+          <p:nvPr>
+            <p:ph type="body" idx="1"/>
+          </p:nvPr>
+        </p:nvSpPr>
+        <p:spPr/>
+        <p:txBody>
+          <a:bodyPr/>
+          <a:lstStyle/>
+          <a:p>
+            <a:r>
+              <a:rPr lang="en-US" sz="1200" b="1" i="0" u="none" strike="noStrike" kern="1200" dirty="0">
+                <a:solidFill>
+                  <a:schemeClr val="tx1"/>
+                </a:solidFill>
+                <a:effectLst/>
+                <a:latin typeface="+mn-lt"/>
+                <a:ea typeface="+mn-ea"/>
+                <a:cs typeface="+mn-cs"/>
+              </a:rPr>
+              <a:t>China: </a:t>
+            </a:r>
+            <a:r>
+              <a:rPr lang="en-US" sz="1200" b="0" i="0" u="none" strike="noStrike" kern="1200" dirty="0">
+                <a:solidFill>
+                  <a:schemeClr val="tx1"/>
+                </a:solidFill>
+                <a:effectLst/>
+                <a:latin typeface="+mn-lt"/>
+                <a:ea typeface="+mn-ea"/>
+                <a:cs typeface="+mn-cs"/>
+              </a:rPr>
+              <a:t>NBS - National Bureau of Statistics and Bank's country office ; Source of population estimates: National Bureau of Statistics. On 1 July 1997 China resumed its exercise of sovereignty over Hong Kong; and on 20 December 1999 China resumed its exercise of sovereignty over Macao. Unless otherwise noted, data for China do not include data for Hong Kong SAR, China; Macao SAR, China; or Taiwan, China. The new base year is 2015.</a:t>
+            </a:r>
+            <a:r>
+              <a:rPr lang="en-US" dirty="0"/>
+              <a:t> </a:t>
+            </a:r>
+          </a:p>
+          <a:p>
+            <a:endParaRPr lang="en-US" dirty="0"/>
+          </a:p>
+          <a:p>
+            <a:r>
+              <a:rPr lang="en-US" sz="1200" b="1" i="0" u="none" strike="noStrike" kern="1200" dirty="0">
+                <a:solidFill>
+                  <a:schemeClr val="tx1"/>
+                </a:solidFill>
+                <a:effectLst/>
+                <a:latin typeface="+mn-lt"/>
+                <a:ea typeface="+mn-ea"/>
+                <a:cs typeface="+mn-cs"/>
+              </a:rPr>
+              <a:t>France: </a:t>
+            </a:r>
+            <a:r>
+              <a:rPr lang="en-US" sz="1200" b="0" i="0" u="none" strike="noStrike" kern="1200" dirty="0">
+                <a:solidFill>
+                  <a:schemeClr val="tx1"/>
+                </a:solidFill>
+                <a:effectLst/>
+                <a:latin typeface="+mn-lt"/>
+                <a:ea typeface="+mn-ea"/>
+                <a:cs typeface="+mn-cs"/>
+              </a:rPr>
+              <a:t>OECD (Organization for Economic Cooperation and Development) ; Source of population estimates: Eurostat, United Nations World Population Prospects. Including the French overseas departments of French Guiana, Guadeloupe, Martinique, Réunion, as well as Mayotte. A simple multiplier is used to convert the national currencies of EMU members to euros. The following irrevocable euro conversion rate was adopted by the EU Council on January 1, 1999: 1 euro = 6.55957 French franc. Please note that historical data before 1999 are not actual euros and are not comparable or suitable for aggregation across countries.</a:t>
+            </a:r>
+            <a:r>
+              <a:rPr lang="en-US" dirty="0"/>
+              <a:t> </a:t>
+            </a:r>
+          </a:p>
+          <a:p>
+            <a:endParaRPr lang="en-US" dirty="0"/>
+          </a:p>
+          <a:p>
+            <a:r>
+              <a:rPr lang="en-US" sz="1200" b="1" i="0" u="none" strike="noStrike" kern="1200" dirty="0">
+                <a:solidFill>
+                  <a:schemeClr val="tx1"/>
+                </a:solidFill>
+                <a:effectLst/>
+                <a:latin typeface="+mn-lt"/>
+                <a:ea typeface="+mn-ea"/>
+                <a:cs typeface="+mn-cs"/>
+              </a:rPr>
+              <a:t>India: </a:t>
+            </a:r>
+            <a:r>
+              <a:rPr lang="en-US" sz="1200" b="0" i="0" u="none" strike="noStrike" kern="1200" dirty="0">
+                <a:solidFill>
+                  <a:schemeClr val="tx1"/>
+                </a:solidFill>
+                <a:effectLst/>
+                <a:latin typeface="+mn-lt"/>
+                <a:ea typeface="+mn-ea"/>
+                <a:cs typeface="+mn-cs"/>
+              </a:rPr>
+              <a:t>Central Statistics Office ; Source of population estimates: UN Population Division's World Population Prospects 2019 PROVISIONAL estimates. Not for circulation. Subject to change. Fiscal year end: March 31; reporting period for national accounts data: FY. Based on official government statistics; the new base year is 2011/12. India reports using SNA 2008.</a:t>
+            </a:r>
+            <a:r>
+              <a:rPr lang="en-US" dirty="0"/>
+              <a:t> </a:t>
+            </a:r>
+          </a:p>
+          <a:p>
+            <a:endParaRPr lang="en-US" dirty="0"/>
+          </a:p>
+          <a:p>
+            <a:r>
+              <a:rPr lang="en-US" sz="1200" b="1" i="0" u="none" strike="noStrike" kern="1200" dirty="0">
+                <a:solidFill>
+                  <a:schemeClr val="tx1"/>
+                </a:solidFill>
+                <a:effectLst/>
+                <a:latin typeface="+mn-lt"/>
+                <a:ea typeface="+mn-ea"/>
+                <a:cs typeface="+mn-cs"/>
+              </a:rPr>
+              <a:t>Russia: </a:t>
+            </a:r>
+            <a:r>
+              <a:rPr lang="en-US" sz="1200" b="0" i="0" u="none" strike="noStrike" kern="1200" dirty="0" err="1">
+                <a:solidFill>
+                  <a:schemeClr val="tx1"/>
+                </a:solidFill>
+                <a:effectLst/>
+                <a:latin typeface="+mn-lt"/>
+                <a:ea typeface="+mn-ea"/>
+                <a:cs typeface="+mn-cs"/>
+              </a:rPr>
+              <a:t>Rosstat</a:t>
+            </a:r>
+            <a:r>
+              <a:rPr lang="en-US" sz="1200" b="0" i="0" u="none" strike="noStrike" kern="1200" dirty="0">
+                <a:solidFill>
+                  <a:schemeClr val="tx1"/>
+                </a:solidFill>
+                <a:effectLst/>
+                <a:latin typeface="+mn-lt"/>
+                <a:ea typeface="+mn-ea"/>
+                <a:cs typeface="+mn-cs"/>
+              </a:rPr>
+              <a:t> ; Source of population estimates: Russian Federation Federal State Statistics Service (its January 1st populations were adjusted to mid-year populations by using geometric mean), 1979 Census, 1989 Census.</a:t>
+            </a:r>
+            <a:r>
+              <a:rPr lang="en-US" dirty="0"/>
+              <a:t> </a:t>
+            </a:r>
+          </a:p>
+          <a:p>
+            <a:endParaRPr lang="en-US" dirty="0"/>
+          </a:p>
+          <a:p>
+            <a:r>
+              <a:rPr lang="en-US" sz="1200" b="1" i="0" u="none" strike="noStrike" kern="1200" dirty="0">
+                <a:solidFill>
+                  <a:schemeClr val="tx1"/>
+                </a:solidFill>
+                <a:effectLst/>
+                <a:latin typeface="+mn-lt"/>
+                <a:ea typeface="+mn-ea"/>
+                <a:cs typeface="+mn-cs"/>
+              </a:rPr>
+              <a:t>USA:</a:t>
+            </a:r>
+            <a:r>
+              <a:rPr lang="en-US" sz="1200" b="0" i="0" u="none" strike="noStrike" kern="1200" dirty="0">
+                <a:solidFill>
+                  <a:schemeClr val="tx1"/>
+                </a:solidFill>
+                <a:effectLst/>
+                <a:latin typeface="+mn-lt"/>
+                <a:ea typeface="+mn-ea"/>
+                <a:cs typeface="+mn-cs"/>
+              </a:rPr>
+              <a:t> OECD (Organization for Economic Cooperation and Development) ; Source of population estimates: U.S. Census Bureau</a:t>
+            </a:r>
+            <a:r>
+              <a:rPr lang="en-US" dirty="0"/>
+              <a:t> </a:t>
+            </a:r>
+          </a:p>
+          <a:p>
+            <a:endParaRPr lang="en-US" dirty="0"/>
+          </a:p>
+          <a:p>
+            <a:r>
+              <a:rPr lang="en-US" sz="1200" b="1" i="0" u="none" strike="noStrike" kern="1200" dirty="0">
+                <a:solidFill>
+                  <a:schemeClr val="tx1"/>
+                </a:solidFill>
+                <a:effectLst/>
+                <a:latin typeface="+mn-lt"/>
+                <a:ea typeface="+mn-ea"/>
+                <a:cs typeface="+mn-cs"/>
+              </a:rPr>
+              <a:t>Estonia: </a:t>
+            </a:r>
+            <a:r>
+              <a:rPr lang="en-US" sz="1200" b="0" i="0" u="none" strike="noStrike" kern="1200" dirty="0">
+                <a:solidFill>
+                  <a:schemeClr val="tx1"/>
+                </a:solidFill>
+                <a:effectLst/>
+                <a:latin typeface="+mn-lt"/>
+                <a:ea typeface="+mn-ea"/>
+                <a:cs typeface="+mn-cs"/>
+              </a:rPr>
+              <a:t>OECD (Organization for Economic Cooperation and Development) ; Source of population estimates: Eurostat. A simple multiplier is used to convert the national currencies of EMU members to euros. The following irrevocable euro conversion rate entered into force on January 1, 2011: 1 euro = 15.6466 Estonian kroon. Please note that historical data are not actual euros and are not comparable or suitable for aggregation across countries.</a:t>
+            </a:r>
+            <a:r>
+              <a:rPr lang="en-US" dirty="0"/>
+              <a:t> </a:t>
+            </a:r>
+          </a:p>
+          <a:p>
+            <a:endParaRPr lang="en-US" dirty="0"/>
+          </a:p>
+          <a:p>
+            <a:r>
+              <a:rPr lang="en-US" sz="1200" b="1" i="0" u="none" strike="noStrike" kern="1200" dirty="0">
+                <a:solidFill>
+                  <a:schemeClr val="tx1"/>
+                </a:solidFill>
+                <a:effectLst/>
+                <a:latin typeface="+mn-lt"/>
+                <a:ea typeface="+mn-ea"/>
+                <a:cs typeface="+mn-cs"/>
+              </a:rPr>
+              <a:t>Ghana: </a:t>
+            </a:r>
+            <a:r>
+              <a:rPr lang="en-US" sz="1200" b="0" i="0" u="none" strike="noStrike" kern="1200" dirty="0">
+                <a:solidFill>
+                  <a:schemeClr val="tx1"/>
+                </a:solidFill>
+                <a:effectLst/>
+                <a:latin typeface="+mn-lt"/>
+                <a:ea typeface="+mn-ea"/>
+                <a:cs typeface="+mn-cs"/>
+              </a:rPr>
+              <a:t>Bureau of Statistics ; Source of population estimates: UN Population Division's World Population Prospects 2019 PROVISIONAL estimates. Not for circulation. Subject to change.</a:t>
+            </a:r>
+            <a:r>
+              <a:rPr lang="en-US" dirty="0"/>
+              <a:t> </a:t>
+            </a:r>
+          </a:p>
+          <a:p>
+            <a:endParaRPr lang="en-US" dirty="0"/>
+          </a:p>
+          <a:p>
+            <a:r>
+              <a:rPr lang="en-US" sz="1200" b="1" i="0" u="none" strike="noStrike" kern="1200" dirty="0">
+                <a:solidFill>
+                  <a:schemeClr val="tx1"/>
+                </a:solidFill>
+                <a:effectLst/>
+                <a:latin typeface="+mn-lt"/>
+                <a:ea typeface="+mn-ea"/>
+                <a:cs typeface="+mn-cs"/>
+              </a:rPr>
+              <a:t>Ireland: </a:t>
+            </a:r>
+            <a:r>
+              <a:rPr lang="en-US" sz="1200" b="0" i="0" u="none" strike="noStrike" kern="1200" dirty="0">
+                <a:solidFill>
+                  <a:schemeClr val="tx1"/>
+                </a:solidFill>
+                <a:effectLst/>
+                <a:latin typeface="+mn-lt"/>
+                <a:ea typeface="+mn-ea"/>
+                <a:cs typeface="+mn-cs"/>
+              </a:rPr>
+              <a:t>OECD (Organization for Economic Cooperation and Development) ; Source of population estimates: Eurostat. A simple multiplier is used to convert the national currencies of EMU members to euros. The following irrevocable euro conversion rate was adopted by the EU Council on January 1, 1999: 1 euro = 0.787564 Irish pound. Please note that historical data before 1999 are not actual euros and are not comparable or suitable for aggregation across countries.</a:t>
+            </a:r>
+            <a:r>
+              <a:rPr lang="en-US" dirty="0"/>
+              <a:t> </a:t>
+            </a:r>
+          </a:p>
+          <a:p>
+            <a:endParaRPr lang="en-US" dirty="0"/>
+          </a:p>
+          <a:p>
+            <a:r>
+              <a:rPr lang="en-US" sz="1200" b="1" i="0" u="none" strike="noStrike" kern="1200" dirty="0">
+                <a:solidFill>
+                  <a:schemeClr val="tx1"/>
+                </a:solidFill>
+                <a:effectLst/>
+                <a:latin typeface="+mn-lt"/>
+                <a:ea typeface="+mn-ea"/>
+                <a:cs typeface="+mn-cs"/>
+              </a:rPr>
+              <a:t>Latvia: </a:t>
+            </a:r>
+            <a:r>
+              <a:rPr lang="en-US" sz="1200" b="0" i="0" u="none" strike="noStrike" kern="1200" dirty="0">
+                <a:solidFill>
+                  <a:schemeClr val="tx1"/>
+                </a:solidFill>
+                <a:effectLst/>
+                <a:latin typeface="+mn-lt"/>
+                <a:ea typeface="+mn-ea"/>
+                <a:cs typeface="+mn-cs"/>
+              </a:rPr>
+              <a:t>OECD (Organization for Economic Cooperation and Development) ; Source of population estimates: Eurostat. A simple multiplier is used to convert the national currencies of EMU members to euros. The following irrevocable euro conversion rate entered into force on January 1, 2014: 1 euro = 0.702804 Latvian </a:t>
+            </a:r>
+            <a:r>
+              <a:rPr lang="en-US" sz="1200" b="0" i="0" u="none" strike="noStrike" kern="1200" dirty="0" err="1">
+                <a:solidFill>
+                  <a:schemeClr val="tx1"/>
+                </a:solidFill>
+                <a:effectLst/>
+                <a:latin typeface="+mn-lt"/>
+                <a:ea typeface="+mn-ea"/>
+                <a:cs typeface="+mn-cs"/>
+              </a:rPr>
+              <a:t>lats</a:t>
+            </a:r>
+            <a:r>
+              <a:rPr lang="en-US" sz="1200" b="0" i="0" u="none" strike="noStrike" kern="1200" dirty="0">
+                <a:solidFill>
+                  <a:schemeClr val="tx1"/>
+                </a:solidFill>
+                <a:effectLst/>
+                <a:latin typeface="+mn-lt"/>
+                <a:ea typeface="+mn-ea"/>
+                <a:cs typeface="+mn-cs"/>
+              </a:rPr>
+              <a:t>. Please note that historical data are not actual euros and are not comparable or suitable for aggregation across countries. Based on data from EUROSTAT, the new reference year is 2010.</a:t>
+            </a:r>
+            <a:r>
+              <a:rPr lang="en-US" dirty="0"/>
+              <a:t> </a:t>
+            </a:r>
+          </a:p>
+          <a:p>
+            <a:endParaRPr lang="en-US" b="1" dirty="0"/>
+          </a:p>
+          <a:p>
+            <a:r>
+              <a:rPr lang="en-US" sz="1200" b="1" i="0" u="none" strike="noStrike" kern="1200" dirty="0">
+                <a:solidFill>
+                  <a:schemeClr val="tx1"/>
+                </a:solidFill>
+                <a:effectLst/>
+                <a:latin typeface="+mn-lt"/>
+                <a:ea typeface="+mn-ea"/>
+                <a:cs typeface="+mn-cs"/>
+              </a:rPr>
+              <a:t>Sierra Leone: </a:t>
+            </a:r>
+            <a:r>
+              <a:rPr lang="en-US" sz="1200" b="0" i="0" u="none" strike="noStrike" kern="1200" dirty="0">
+                <a:solidFill>
+                  <a:schemeClr val="tx1"/>
+                </a:solidFill>
+                <a:effectLst/>
+                <a:latin typeface="+mn-lt"/>
+                <a:ea typeface="+mn-ea"/>
+                <a:cs typeface="+mn-cs"/>
+              </a:rPr>
+              <a:t>Statistics Sierra Leone, IMF Article IV ; Source of population estimates: UN Population Division's World Population Prospects 2019 PROVISIONAL estimates. Not for circulation. Subject to change. Fiscal year end: June 30; reporting period for national accounts data: CY.</a:t>
+            </a:r>
+            <a:r>
+              <a:rPr lang="en-US" dirty="0"/>
+              <a:t> </a:t>
+            </a:r>
+          </a:p>
+        </p:txBody>
+      </p:sp>
+      <p:sp>
+        <p:nvSpPr>
+          <p:cNvPr id="4" name="Slide Number Placeholder 3"/>
+          <p:cNvSpPr>
+            <a:spLocks noGrp="1"/>
+          </p:cNvSpPr>
+          <p:nvPr>
+            <p:ph type="sldNum" sz="quarter" idx="5"/>
+          </p:nvPr>
+        </p:nvSpPr>
+        <p:spPr/>
+        <p:txBody>
+          <a:bodyPr/>
+          <a:lstStyle/>
+          <a:p>
+            <a:fld id="{68E58C9F-A835-45F7-A2FB-D97F5C9E2B18}" type="slidenum">
+              <a:rPr lang="en-US" smtClean="0"/>
+              <a:t>12</a:t>
+            </a:fld>
+            <a:endParaRPr lang="en-US"/>
+          </a:p>
+        </p:txBody>
+      </p:sp>
+    </p:spTree>
+    <p:extLst>
+      <p:ext uri="{BB962C8B-B14F-4D97-AF65-F5344CB8AC3E}">
+        <p14:creationId xmlns:p14="http://schemas.microsoft.com/office/powerpoint/2010/main" val="3231845119"/>
+      </p:ext>
+    </p:extLst>
+  </p:cSld>
+  <p:clrMapOvr>
+    <a:masterClrMapping/>
+  </p:clrMapOvr>
+</p:notes>
+</file>
+
+<file path=ppt/notesSlides/notesSlide8.xml><?xml version="1.0" encoding="utf-8"?>
+<p:notes xmlns:a="http://schemas.openxmlformats.org/drawingml/2006/main" xmlns:r="http://schemas.openxmlformats.org/officeDocument/2006/relationships" xmlns:p="http://schemas.openxmlformats.org/presentationml/2006/main">
+  <p:cSld>
+    <p:spTree>
+      <p:nvGrpSpPr>
+        <p:cNvPr id="1" name=""/>
+        <p:cNvGrpSpPr/>
+        <p:nvPr/>
+      </p:nvGrpSpPr>
+      <p:grpSpPr>
+        <a:xfrm>
+          <a:off x="0" y="0"/>
+          <a:ext cx="0" cy="0"/>
+          <a:chOff x="0" y="0"/>
+          <a:chExt cx="0" cy="0"/>
+        </a:xfrm>
+      </p:grpSpPr>
+      <p:sp>
+        <p:nvSpPr>
+          <p:cNvPr id="2" name="Slide Image Placeholder 1"/>
+          <p:cNvSpPr>
+            <a:spLocks noGrp="1" noRot="1" noChangeAspect="1"/>
+          </p:cNvSpPr>
+          <p:nvPr>
+            <p:ph type="sldImg"/>
+          </p:nvPr>
+        </p:nvSpPr>
+        <p:spPr/>
+      </p:sp>
+      <p:sp>
+        <p:nvSpPr>
+          <p:cNvPr id="3" name="Notes Placeholder 2"/>
+          <p:cNvSpPr>
+            <a:spLocks noGrp="1"/>
+          </p:cNvSpPr>
+          <p:nvPr>
+            <p:ph type="body" idx="1"/>
+          </p:nvPr>
+        </p:nvSpPr>
+        <p:spPr/>
+        <p:txBody>
+          <a:bodyPr/>
+          <a:lstStyle/>
+          <a:p>
+            <a:r>
+              <a:rPr lang="en-US" sz="1200" u="sng" kern="1200" dirty="0">
+                <a:solidFill>
+                  <a:schemeClr val="tx1"/>
+                </a:solidFill>
+                <a:effectLst/>
+                <a:latin typeface="+mn-lt"/>
+                <a:ea typeface="+mn-ea"/>
+                <a:cs typeface="+mn-cs"/>
+              </a:rPr>
+              <a:t>Mexican Dirty War (1964-1982)</a:t>
+            </a:r>
+            <a:endParaRPr lang="en-US" sz="1200" kern="1200" dirty="0">
+              <a:solidFill>
+                <a:schemeClr val="tx1"/>
+              </a:solidFill>
+              <a:effectLst/>
+              <a:latin typeface="+mn-lt"/>
+              <a:ea typeface="+mn-ea"/>
+              <a:cs typeface="+mn-cs"/>
+            </a:endParaRPr>
+          </a:p>
+          <a:p>
+            <a:r>
+              <a:rPr lang="en-US" sz="1200" kern="1200" dirty="0">
+                <a:solidFill>
+                  <a:schemeClr val="tx1"/>
+                </a:solidFill>
+                <a:effectLst/>
+                <a:latin typeface="+mn-lt"/>
+                <a:ea typeface="+mn-ea"/>
+                <a:cs typeface="+mn-cs"/>
+              </a:rPr>
+              <a:t>Location: Mexico</a:t>
+            </a:r>
+          </a:p>
+          <a:p>
+            <a:r>
+              <a:rPr lang="en-US" sz="1200" kern="1200" dirty="0">
+                <a:solidFill>
+                  <a:schemeClr val="tx1"/>
+                </a:solidFill>
+                <a:effectLst/>
+                <a:latin typeface="+mn-lt"/>
+                <a:ea typeface="+mn-ea"/>
+                <a:cs typeface="+mn-cs"/>
+              </a:rPr>
+              <a:t>An internal conflict between the PRI-led gov’t (Institutional Revolutionary Party) and guerilla/left-wing student groups in the 60s/70s. Gov’t forces carried out around 1200 disappearances, systematic torture and ‘probable extrajudicial executions.’ In 78, left-wing political parties were legalized as well as imprisoned and at large guerillas caused to end militant struggle against the gov’t. It has been said that some groups continued the hostilities until 1982.</a:t>
+            </a:r>
+          </a:p>
+          <a:p>
+            <a:r>
+              <a:rPr lang="en-US" sz="1200" kern="1200" dirty="0">
+                <a:solidFill>
+                  <a:schemeClr val="tx1"/>
+                </a:solidFill>
+                <a:effectLst/>
+                <a:latin typeface="+mn-lt"/>
+                <a:ea typeface="+mn-ea"/>
+                <a:cs typeface="+mn-cs"/>
+              </a:rPr>
+              <a:t>Parties involved:</a:t>
+            </a:r>
+          </a:p>
+          <a:p>
+            <a:pPr lvl="0"/>
+            <a:r>
+              <a:rPr lang="en-US" sz="1200" kern="1200" dirty="0">
+                <a:solidFill>
+                  <a:schemeClr val="tx1"/>
+                </a:solidFill>
+                <a:effectLst/>
+                <a:latin typeface="+mn-lt"/>
+                <a:ea typeface="+mn-ea"/>
+                <a:cs typeface="+mn-cs"/>
+              </a:rPr>
+              <a:t>Left-wing groups</a:t>
+            </a:r>
+          </a:p>
+          <a:p>
+            <a:pPr lvl="0"/>
+            <a:r>
+              <a:rPr lang="en-US" sz="1200" kern="1200" dirty="0">
+                <a:solidFill>
+                  <a:schemeClr val="tx1"/>
+                </a:solidFill>
+                <a:effectLst/>
+                <a:latin typeface="+mn-lt"/>
+                <a:ea typeface="+mn-ea"/>
+                <a:cs typeface="+mn-cs"/>
+              </a:rPr>
+              <a:t>Mexico</a:t>
+            </a:r>
+          </a:p>
+          <a:p>
+            <a:pPr lvl="1"/>
+            <a:r>
+              <a:rPr lang="en-US" sz="1200" kern="1200" dirty="0">
+                <a:solidFill>
+                  <a:schemeClr val="tx1"/>
+                </a:solidFill>
+                <a:effectLst/>
+                <a:latin typeface="+mn-lt"/>
+                <a:ea typeface="+mn-ea"/>
+                <a:cs typeface="+mn-cs"/>
+              </a:rPr>
+              <a:t>Supported by: USA</a:t>
+            </a:r>
+          </a:p>
+          <a:p>
+            <a:r>
+              <a:rPr lang="en-US" sz="1200" kern="1200" dirty="0">
+                <a:solidFill>
+                  <a:schemeClr val="tx1"/>
+                </a:solidFill>
+                <a:effectLst/>
+                <a:latin typeface="+mn-lt"/>
+                <a:ea typeface="+mn-ea"/>
+                <a:cs typeface="+mn-cs"/>
+              </a:rPr>
+              <a:t> </a:t>
+            </a:r>
+          </a:p>
+          <a:p>
+            <a:r>
+              <a:rPr lang="en-US" sz="1200" u="sng" kern="1200" dirty="0">
+                <a:solidFill>
+                  <a:schemeClr val="tx1"/>
+                </a:solidFill>
+                <a:effectLst/>
+                <a:latin typeface="+mn-lt"/>
+                <a:ea typeface="+mn-ea"/>
+                <a:cs typeface="+mn-cs"/>
+              </a:rPr>
+              <a:t>Zapatista Uprising (Jan1-12, 1994)</a:t>
+            </a:r>
+            <a:endParaRPr lang="en-US" sz="1200" kern="1200" dirty="0">
+              <a:solidFill>
+                <a:schemeClr val="tx1"/>
+              </a:solidFill>
+              <a:effectLst/>
+              <a:latin typeface="+mn-lt"/>
+              <a:ea typeface="+mn-ea"/>
+              <a:cs typeface="+mn-cs"/>
+            </a:endParaRPr>
+          </a:p>
+          <a:p>
+            <a:r>
+              <a:rPr lang="en-US" sz="1200" kern="1200" dirty="0">
+                <a:solidFill>
+                  <a:schemeClr val="tx1"/>
+                </a:solidFill>
+                <a:effectLst/>
+                <a:latin typeface="+mn-lt"/>
+                <a:ea typeface="+mn-ea"/>
+                <a:cs typeface="+mn-cs"/>
+              </a:rPr>
+              <a:t>Location: Chiapas, Mexico</a:t>
+            </a:r>
+          </a:p>
+          <a:p>
+            <a:r>
+              <a:rPr lang="en-US" sz="1200" kern="1200" dirty="0">
+                <a:solidFill>
+                  <a:schemeClr val="tx1"/>
+                </a:solidFill>
+                <a:effectLst/>
+                <a:latin typeface="+mn-lt"/>
+                <a:ea typeface="+mn-ea"/>
+                <a:cs typeface="+mn-cs"/>
+              </a:rPr>
+              <a:t>The Zapatista Army of Nat’l Liberation (EZLN) launched an uprising, which lasted 12 days, in that state of Chiapas to protest the enactment of NAFTA. The Mexican gov’t called a ceasefire on 1/12/94, after the Mexican army had driven rebels into the </a:t>
+            </a:r>
+            <a:r>
+              <a:rPr lang="en-US" sz="1200" kern="1200" dirty="0" err="1">
+                <a:solidFill>
+                  <a:schemeClr val="tx1"/>
+                </a:solidFill>
+                <a:effectLst/>
+                <a:latin typeface="+mn-lt"/>
+                <a:ea typeface="+mn-ea"/>
+                <a:cs typeface="+mn-cs"/>
+              </a:rPr>
+              <a:t>Lancandon</a:t>
+            </a:r>
+            <a:r>
+              <a:rPr lang="en-US" sz="1200" kern="1200" dirty="0">
+                <a:solidFill>
+                  <a:schemeClr val="tx1"/>
+                </a:solidFill>
+                <a:effectLst/>
+                <a:latin typeface="+mn-lt"/>
+                <a:ea typeface="+mn-ea"/>
+                <a:cs typeface="+mn-cs"/>
+              </a:rPr>
+              <a:t> jungle.</a:t>
+            </a:r>
+          </a:p>
+          <a:p>
+            <a:r>
+              <a:rPr lang="en-US" sz="1200" kern="1200" dirty="0">
+                <a:solidFill>
+                  <a:schemeClr val="tx1"/>
+                </a:solidFill>
+                <a:effectLst/>
+                <a:latin typeface="+mn-lt"/>
+                <a:ea typeface="+mn-ea"/>
+                <a:cs typeface="+mn-cs"/>
+              </a:rPr>
+              <a:t>Parties involved:</a:t>
+            </a:r>
+          </a:p>
+          <a:p>
+            <a:pPr lvl="0"/>
+            <a:r>
+              <a:rPr lang="en-US" sz="1200" kern="1200" dirty="0">
+                <a:solidFill>
+                  <a:schemeClr val="tx1"/>
+                </a:solidFill>
+                <a:effectLst/>
+                <a:latin typeface="+mn-lt"/>
+                <a:ea typeface="+mn-ea"/>
+                <a:cs typeface="+mn-cs"/>
+              </a:rPr>
+              <a:t>EZLN</a:t>
+            </a:r>
+          </a:p>
+          <a:p>
+            <a:pPr lvl="0"/>
+            <a:r>
+              <a:rPr lang="en-US" sz="1200" kern="1200" dirty="0">
+                <a:solidFill>
+                  <a:schemeClr val="tx1"/>
+                </a:solidFill>
+                <a:effectLst/>
+                <a:latin typeface="+mn-lt"/>
+                <a:ea typeface="+mn-ea"/>
+                <a:cs typeface="+mn-cs"/>
+              </a:rPr>
+              <a:t>Mexico</a:t>
+            </a:r>
+          </a:p>
+          <a:p>
+            <a:r>
+              <a:rPr lang="en-US" sz="1200" kern="1200" dirty="0">
+                <a:solidFill>
+                  <a:schemeClr val="tx1"/>
+                </a:solidFill>
+                <a:effectLst/>
+                <a:latin typeface="+mn-lt"/>
+                <a:ea typeface="+mn-ea"/>
+                <a:cs typeface="+mn-cs"/>
+              </a:rPr>
+              <a:t> </a:t>
+            </a:r>
+          </a:p>
+          <a:p>
+            <a:r>
+              <a:rPr lang="en-US" sz="1200" u="sng" kern="1200" dirty="0">
+                <a:solidFill>
+                  <a:schemeClr val="tx1"/>
+                </a:solidFill>
+                <a:effectLst/>
+                <a:latin typeface="+mn-lt"/>
+                <a:ea typeface="+mn-ea"/>
+                <a:cs typeface="+mn-cs"/>
+              </a:rPr>
+              <a:t>Mexican Drug War (Dec 2006-present)</a:t>
+            </a:r>
+            <a:endParaRPr lang="en-US" sz="1200" kern="1200" dirty="0">
+              <a:solidFill>
+                <a:schemeClr val="tx1"/>
+              </a:solidFill>
+              <a:effectLst/>
+              <a:latin typeface="+mn-lt"/>
+              <a:ea typeface="+mn-ea"/>
+              <a:cs typeface="+mn-cs"/>
+            </a:endParaRPr>
+          </a:p>
+          <a:p>
+            <a:r>
+              <a:rPr lang="en-US" sz="1200" kern="1200" dirty="0">
+                <a:solidFill>
+                  <a:schemeClr val="tx1"/>
+                </a:solidFill>
+                <a:effectLst/>
+                <a:latin typeface="+mn-lt"/>
+                <a:ea typeface="+mn-ea"/>
+                <a:cs typeface="+mn-cs"/>
+              </a:rPr>
+              <a:t>Location: All over Mexico</a:t>
+            </a:r>
+          </a:p>
+          <a:p>
+            <a:r>
+              <a:rPr lang="en-US" sz="1200" kern="1200" dirty="0">
+                <a:solidFill>
+                  <a:schemeClr val="tx1"/>
+                </a:solidFill>
+                <a:effectLst/>
+                <a:latin typeface="+mn-lt"/>
+                <a:ea typeface="+mn-ea"/>
+                <a:cs typeface="+mn-cs"/>
+              </a:rPr>
+              <a:t>An ongoing, low-intensity conflict between the drug syndicates/cartels and Mexican gov’t that began towards the end of 2006 when the military intervened. The goal was to reduce the drug-related violence throughout all of Mexico and dismantle the cartels- whose influence was only growing. Newest elected president has declared an end to the Mexican war on drugs on 1/30/19 and wants to focus on reducing spending (homicides and violence with the cartels has stayed the same or increased since 2006). He also wants to focus the military/police efforts towards stopping the gasoline thefts that have cost the economy around $3billion.</a:t>
+            </a:r>
+          </a:p>
+          <a:p>
+            <a:r>
+              <a:rPr lang="en-US" sz="1200" kern="1200" dirty="0">
+                <a:solidFill>
+                  <a:schemeClr val="tx1"/>
+                </a:solidFill>
+                <a:effectLst/>
+                <a:latin typeface="+mn-lt"/>
+                <a:ea typeface="+mn-ea"/>
+                <a:cs typeface="+mn-cs"/>
+              </a:rPr>
+              <a:t>Parties involved:</a:t>
+            </a:r>
+          </a:p>
+          <a:p>
+            <a:pPr lvl="0"/>
+            <a:r>
+              <a:rPr lang="en-US" sz="1200" kern="1200" dirty="0">
+                <a:solidFill>
+                  <a:schemeClr val="tx1"/>
+                </a:solidFill>
+                <a:effectLst/>
+                <a:latin typeface="+mn-lt"/>
+                <a:ea typeface="+mn-ea"/>
+                <a:cs typeface="+mn-cs"/>
+              </a:rPr>
+              <a:t>Mexico (armed forces/ federal police/ state and municipal forces/ self-defense groups)</a:t>
+            </a:r>
+          </a:p>
+          <a:p>
+            <a:pPr lvl="0"/>
+            <a:r>
+              <a:rPr lang="en-US" sz="1200" kern="1200" dirty="0">
+                <a:solidFill>
+                  <a:schemeClr val="tx1"/>
+                </a:solidFill>
+                <a:effectLst/>
+                <a:latin typeface="+mn-lt"/>
+                <a:ea typeface="+mn-ea"/>
+                <a:cs typeface="+mn-cs"/>
+              </a:rPr>
+              <a:t>Drug Cartels (Sinaloa Cartel, Gulf Cartel, Knights Templar Cartel, Jalisco New Generation Cartel, La Familia </a:t>
+            </a:r>
+            <a:r>
+              <a:rPr lang="en-US" sz="1200" kern="1200" dirty="0" err="1">
+                <a:solidFill>
+                  <a:schemeClr val="tx1"/>
+                </a:solidFill>
+                <a:effectLst/>
+                <a:latin typeface="+mn-lt"/>
+                <a:ea typeface="+mn-ea"/>
+                <a:cs typeface="+mn-cs"/>
+              </a:rPr>
+              <a:t>Michoacana</a:t>
+            </a:r>
+            <a:r>
+              <a:rPr lang="en-US" sz="1200" kern="1200" dirty="0">
+                <a:solidFill>
+                  <a:schemeClr val="tx1"/>
+                </a:solidFill>
+                <a:effectLst/>
+                <a:latin typeface="+mn-lt"/>
+                <a:ea typeface="+mn-ea"/>
+                <a:cs typeface="+mn-cs"/>
+              </a:rPr>
+              <a:t> [07-11])</a:t>
+            </a:r>
+          </a:p>
+          <a:p>
+            <a:endParaRPr lang="en-US" dirty="0"/>
+          </a:p>
+        </p:txBody>
+      </p:sp>
+      <p:sp>
+        <p:nvSpPr>
+          <p:cNvPr id="4" name="Slide Number Placeholder 3"/>
+          <p:cNvSpPr>
+            <a:spLocks noGrp="1"/>
+          </p:cNvSpPr>
+          <p:nvPr>
+            <p:ph type="sldNum" sz="quarter" idx="5"/>
+          </p:nvPr>
+        </p:nvSpPr>
+        <p:spPr/>
+        <p:txBody>
+          <a:bodyPr/>
+          <a:lstStyle/>
+          <a:p>
+            <a:fld id="{68E58C9F-A835-45F7-A2FB-D97F5C9E2B18}" type="slidenum">
+              <a:rPr lang="en-US" smtClean="0"/>
+              <a:t>16</a:t>
+            </a:fld>
+            <a:endParaRPr lang="en-US"/>
+          </a:p>
+        </p:txBody>
+      </p:sp>
+    </p:spTree>
+    <p:extLst>
+      <p:ext uri="{BB962C8B-B14F-4D97-AF65-F5344CB8AC3E}">
+        <p14:creationId xmlns:p14="http://schemas.microsoft.com/office/powerpoint/2010/main" val="994883640"/>
+      </p:ext>
+    </p:extLst>
+  </p:cSld>
+  <p:clrMapOvr>
+    <a:masterClrMapping/>
+  </p:clrMapOvr>
+</p:notes>
+</file>
+
+<file path=ppt/notesSlides/notesSlide9.xml><?xml version="1.0" encoding="utf-8"?>
+<p:notes xmlns:a="http://schemas.openxmlformats.org/drawingml/2006/main" xmlns:r="http://schemas.openxmlformats.org/officeDocument/2006/relationships" xmlns:p="http://schemas.openxmlformats.org/presentationml/2006/main">
+  <p:cSld>
+    <p:spTree>
+      <p:nvGrpSpPr>
+        <p:cNvPr id="1" name=""/>
+        <p:cNvGrpSpPr/>
+        <p:nvPr/>
+      </p:nvGrpSpPr>
+      <p:grpSpPr>
+        <a:xfrm>
+          <a:off x="0" y="0"/>
+          <a:ext cx="0" cy="0"/>
+          <a:chOff x="0" y="0"/>
+          <a:chExt cx="0" cy="0"/>
+        </a:xfrm>
+      </p:grpSpPr>
+      <p:sp>
+        <p:nvSpPr>
+          <p:cNvPr id="2" name="Slide Image Placeholder 1"/>
+          <p:cNvSpPr>
+            <a:spLocks noGrp="1" noRot="1" noChangeAspect="1"/>
+          </p:cNvSpPr>
+          <p:nvPr>
+            <p:ph type="sldImg"/>
+          </p:nvPr>
+        </p:nvSpPr>
+        <p:spPr/>
+      </p:sp>
+      <p:sp>
+        <p:nvSpPr>
+          <p:cNvPr id="3" name="Notes Placeholder 2"/>
+          <p:cNvSpPr>
+            <a:spLocks noGrp="1"/>
+          </p:cNvSpPr>
+          <p:nvPr>
+            <p:ph type="body" idx="1"/>
+          </p:nvPr>
+        </p:nvSpPr>
+        <p:spPr/>
+        <p:txBody>
+          <a:bodyPr/>
+          <a:lstStyle/>
+          <a:p>
+            <a:r>
+              <a:rPr lang="en-US" sz="1200" b="0" i="0" u="none" strike="noStrike" kern="1200" dirty="0">
+                <a:solidFill>
+                  <a:schemeClr val="tx1"/>
+                </a:solidFill>
+                <a:effectLst/>
+                <a:latin typeface="+mn-lt"/>
+                <a:ea typeface="+mn-ea"/>
+                <a:cs typeface="+mn-cs"/>
+              </a:rPr>
+              <a:t>National Statistics Office (INEGI); Bank of Mexico ; Source of population estimates: UN Population Division's World Population Prospects 2019 PROVISIONAL estimates. Not for circulation. Subject to change.</a:t>
+            </a:r>
+            <a:r>
+              <a:rPr lang="en-US" dirty="0"/>
+              <a:t> </a:t>
+            </a:r>
+          </a:p>
+        </p:txBody>
+      </p:sp>
+      <p:sp>
+        <p:nvSpPr>
+          <p:cNvPr id="4" name="Slide Number Placeholder 3"/>
+          <p:cNvSpPr>
+            <a:spLocks noGrp="1"/>
+          </p:cNvSpPr>
+          <p:nvPr>
+            <p:ph type="sldNum" sz="quarter" idx="5"/>
+          </p:nvPr>
+        </p:nvSpPr>
+        <p:spPr/>
+        <p:txBody>
+          <a:bodyPr/>
+          <a:lstStyle/>
+          <a:p>
+            <a:fld id="{68E58C9F-A835-45F7-A2FB-D97F5C9E2B18}" type="slidenum">
+              <a:rPr lang="en-US" smtClean="0"/>
+              <a:t>19</a:t>
+            </a:fld>
+            <a:endParaRPr lang="en-US"/>
+          </a:p>
+        </p:txBody>
+      </p:sp>
+    </p:spTree>
+    <p:extLst>
+      <p:ext uri="{BB962C8B-B14F-4D97-AF65-F5344CB8AC3E}">
+        <p14:creationId xmlns:p14="http://schemas.microsoft.com/office/powerpoint/2010/main" val="1398493658"/>
       </p:ext>
     </p:extLst>
   </p:cSld>
@@ -12876,7 +15053,7 @@
           <p:nvPr/>
         </p:nvPicPr>
         <p:blipFill>
-          <a:blip r:embed="rId2">
+          <a:blip r:embed="rId3">
             <a:extLst>
               <a:ext uri="{28A0092B-C50C-407E-A947-70E740481C1C}">
                 <a14:useLocalDpi xmlns:a14="http://schemas.microsoft.com/office/drawing/2010/main" val="0"/>
@@ -12923,7 +15100,7 @@
           <p:nvPr/>
         </p:nvPicPr>
         <p:blipFill>
-          <a:blip r:embed="rId3">
+          <a:blip r:embed="rId4">
             <a:extLst>
               <a:ext uri="{28A0092B-C50C-407E-A947-70E740481C1C}">
                 <a14:useLocalDpi xmlns:a14="http://schemas.microsoft.com/office/drawing/2010/main" val="0"/>
@@ -13282,7 +15459,7 @@
           <p:nvPr/>
         </p:nvPicPr>
         <p:blipFill>
-          <a:blip r:embed="rId2">
+          <a:blip r:embed="rId3">
             <a:extLst>
               <a:ext uri="{28A0092B-C50C-407E-A947-70E740481C1C}">
                 <a14:useLocalDpi xmlns:a14="http://schemas.microsoft.com/office/drawing/2010/main" val="0"/>
@@ -13329,7 +15506,7 @@
           <p:nvPr/>
         </p:nvPicPr>
         <p:blipFill>
-          <a:blip r:embed="rId3">
+          <a:blip r:embed="rId4">
             <a:extLst>
               <a:ext uri="{28A0092B-C50C-407E-A947-70E740481C1C}">
                 <a14:useLocalDpi xmlns:a14="http://schemas.microsoft.com/office/drawing/2010/main" val="0"/>
@@ -17562,7 +19739,7 @@
                   <a:srgbClr val="FFFFFF"/>
                 </a:solidFill>
               </a:rPr>
-              <a:t>Plot 1</a:t>
+              <a:t>Mexico’s Military Expenditure in Current USD (billions)</a:t>
             </a:r>
             <a:endParaRPr lang="en-US" sz="3600" dirty="0">
               <a:solidFill>
@@ -17661,7 +19838,7 @@
           <p:nvPr/>
         </p:nvPicPr>
         <p:blipFill>
-          <a:blip r:embed="rId2">
+          <a:blip r:embed="rId3">
             <a:extLst>
               <a:ext uri="{28A0092B-C50C-407E-A947-70E740481C1C}">
                 <a14:useLocalDpi xmlns:a14="http://schemas.microsoft.com/office/drawing/2010/main" val="0"/>
@@ -17693,6 +19870,214 @@
           </a:extLst>
         </p:spPr>
       </p:pic>
+      <p:sp>
+        <p:nvSpPr>
+          <p:cNvPr id="3" name="TextBox 2">
+            <a:extLst>
+              <a:ext uri="{FF2B5EF4-FFF2-40B4-BE49-F238E27FC236}">
+                <a16:creationId xmlns:a16="http://schemas.microsoft.com/office/drawing/2014/main" id="{F5C17BDE-2C0F-4D34-96FA-6F920D123971}"/>
+              </a:ext>
+            </a:extLst>
+          </p:cNvPr>
+          <p:cNvSpPr txBox="1"/>
+          <p:nvPr/>
+        </p:nvSpPr>
+        <p:spPr>
+          <a:xfrm>
+            <a:off x="4851876" y="3059668"/>
+            <a:ext cx="889666" cy="738664"/>
+          </a:xfrm>
+          <a:prstGeom prst="rect">
+            <a:avLst/>
+          </a:prstGeom>
+          <a:noFill/>
+        </p:spPr>
+        <p:txBody>
+          <a:bodyPr wrap="none" rtlCol="0">
+            <a:spAutoFit/>
+          </a:bodyPr>
+          <a:lstStyle/>
+          <a:p>
+            <a:pPr algn="ctr"/>
+            <a:r>
+              <a:rPr lang="en-US" sz="1400" dirty="0"/>
+              <a:t>Zapatista </a:t>
+            </a:r>
+          </a:p>
+          <a:p>
+            <a:pPr algn="ctr"/>
+            <a:r>
+              <a:rPr lang="en-US" sz="1400" dirty="0"/>
+              <a:t>Uprising </a:t>
+            </a:r>
+          </a:p>
+          <a:p>
+            <a:pPr algn="ctr"/>
+            <a:r>
+              <a:rPr lang="en-US" sz="1400" dirty="0"/>
+              <a:t>(1994)</a:t>
+            </a:r>
+          </a:p>
+        </p:txBody>
+      </p:sp>
+      <p:sp>
+        <p:nvSpPr>
+          <p:cNvPr id="4" name="TextBox 3">
+            <a:extLst>
+              <a:ext uri="{FF2B5EF4-FFF2-40B4-BE49-F238E27FC236}">
+                <a16:creationId xmlns:a16="http://schemas.microsoft.com/office/drawing/2014/main" id="{679180A9-1B52-43B3-B1AE-E4245A880BA3}"/>
+              </a:ext>
+            </a:extLst>
+          </p:cNvPr>
+          <p:cNvSpPr txBox="1"/>
+          <p:nvPr/>
+        </p:nvSpPr>
+        <p:spPr>
+          <a:xfrm>
+            <a:off x="6961686" y="3269972"/>
+            <a:ext cx="1202573" cy="769441"/>
+          </a:xfrm>
+          <a:prstGeom prst="rect">
+            <a:avLst/>
+          </a:prstGeom>
+          <a:noFill/>
+        </p:spPr>
+        <p:txBody>
+          <a:bodyPr wrap="none" rtlCol="0">
+            <a:spAutoFit/>
+          </a:bodyPr>
+          <a:lstStyle/>
+          <a:p>
+            <a:pPr algn="ctr"/>
+            <a:r>
+              <a:rPr lang="en-US" sz="1400" dirty="0"/>
+              <a:t>Mexican </a:t>
+            </a:r>
+          </a:p>
+          <a:p>
+            <a:pPr algn="ctr"/>
+            <a:r>
+              <a:rPr lang="en-US" sz="1400" dirty="0"/>
+              <a:t>Drug War </a:t>
+            </a:r>
+          </a:p>
+          <a:p>
+            <a:pPr algn="ctr"/>
+            <a:r>
+              <a:rPr lang="en-US" sz="1400" dirty="0"/>
+              <a:t>(2006 – 2019</a:t>
+            </a:r>
+            <a:r>
+              <a:rPr lang="en-US" sz="1600" dirty="0"/>
+              <a:t>)</a:t>
+            </a:r>
+          </a:p>
+        </p:txBody>
+      </p:sp>
+      <p:sp>
+        <p:nvSpPr>
+          <p:cNvPr id="5" name="Oval 4">
+            <a:extLst>
+              <a:ext uri="{FF2B5EF4-FFF2-40B4-BE49-F238E27FC236}">
+                <a16:creationId xmlns:a16="http://schemas.microsoft.com/office/drawing/2014/main" id="{77FCBBB2-94D8-446D-BA5D-B777E83FB93E}"/>
+              </a:ext>
+            </a:extLst>
+          </p:cNvPr>
+          <p:cNvSpPr/>
+          <p:nvPr/>
+        </p:nvSpPr>
+        <p:spPr>
+          <a:xfrm>
+            <a:off x="6556199" y="3250922"/>
+            <a:ext cx="257712" cy="235228"/>
+          </a:xfrm>
+          <a:prstGeom prst="ellipse">
+            <a:avLst/>
+          </a:prstGeom>
+          <a:noFill/>
+          <a:ln w="19050">
+            <a:solidFill>
+              <a:schemeClr val="accent2"/>
+            </a:solidFill>
+          </a:ln>
+        </p:spPr>
+        <p:style>
+          <a:lnRef idx="2">
+            <a:schemeClr val="accent1">
+              <a:shade val="50000"/>
+            </a:schemeClr>
+          </a:lnRef>
+          <a:fillRef idx="1">
+            <a:schemeClr val="accent1"/>
+          </a:fillRef>
+          <a:effectRef idx="0">
+            <a:schemeClr val="accent1"/>
+          </a:effectRef>
+          <a:fontRef idx="minor">
+            <a:schemeClr val="lt1"/>
+          </a:fontRef>
+        </p:style>
+        <p:txBody>
+          <a:bodyPr rtlCol="0" anchor="ctr"/>
+          <a:lstStyle/>
+          <a:p>
+            <a:pPr algn="ctr"/>
+            <a:endParaRPr lang="en-US"/>
+          </a:p>
+        </p:txBody>
+      </p:sp>
+      <p:sp>
+        <p:nvSpPr>
+          <p:cNvPr id="9" name="Oval 8">
+            <a:extLst>
+              <a:ext uri="{FF2B5EF4-FFF2-40B4-BE49-F238E27FC236}">
+                <a16:creationId xmlns:a16="http://schemas.microsoft.com/office/drawing/2014/main" id="{0511C952-54A4-47F2-B38A-9CBBD709A973}"/>
+              </a:ext>
+            </a:extLst>
+          </p:cNvPr>
+          <p:cNvSpPr/>
+          <p:nvPr/>
+        </p:nvSpPr>
+        <p:spPr>
+          <a:xfrm>
+            <a:off x="5190720" y="3824474"/>
+            <a:ext cx="257712" cy="235228"/>
+          </a:xfrm>
+          <a:prstGeom prst="ellipse">
+            <a:avLst/>
+          </a:prstGeom>
+          <a:noFill/>
+          <a:ln w="19050">
+            <a:solidFill>
+              <a:schemeClr val="accent2"/>
+            </a:solidFill>
+          </a:ln>
+        </p:spPr>
+        <p:style>
+          <a:lnRef idx="2">
+            <a:schemeClr val="accent1">
+              <a:shade val="50000"/>
+            </a:schemeClr>
+          </a:lnRef>
+          <a:fillRef idx="1">
+            <a:schemeClr val="accent1"/>
+          </a:fillRef>
+          <a:effectRef idx="0">
+            <a:schemeClr val="accent1"/>
+          </a:effectRef>
+          <a:fontRef idx="minor">
+            <a:schemeClr val="lt1"/>
+          </a:fontRef>
+        </p:style>
+        <p:txBody>
+          <a:bodyPr rtlCol="0" anchor="ctr"/>
+          <a:lstStyle/>
+          <a:p>
+            <a:pPr algn="ctr"/>
+            <a:endParaRPr lang="en-US"/>
+          </a:p>
+        </p:txBody>
+      </p:sp>
     </p:spTree>
     <p:extLst>
       <p:ext uri="{BB962C8B-B14F-4D97-AF65-F5344CB8AC3E}">
@@ -17828,7 +20213,7 @@
                   <a:srgbClr val="FFFFFF"/>
                 </a:solidFill>
               </a:rPr>
-              <a:t>Plot 2</a:t>
+              <a:t>Mexico’s Military Expenditure as % of GDP</a:t>
             </a:r>
             <a:endParaRPr lang="en-US" sz="3600" dirty="0">
               <a:solidFill>
@@ -17959,6 +20344,214 @@
           </a:extLst>
         </p:spPr>
       </p:pic>
+      <p:sp>
+        <p:nvSpPr>
+          <p:cNvPr id="7" name="TextBox 6">
+            <a:extLst>
+              <a:ext uri="{FF2B5EF4-FFF2-40B4-BE49-F238E27FC236}">
+                <a16:creationId xmlns:a16="http://schemas.microsoft.com/office/drawing/2014/main" id="{089D4C62-2336-4782-A2BE-525232315E8D}"/>
+              </a:ext>
+            </a:extLst>
+          </p:cNvPr>
+          <p:cNvSpPr txBox="1"/>
+          <p:nvPr/>
+        </p:nvSpPr>
+        <p:spPr>
+          <a:xfrm>
+            <a:off x="5054043" y="1155040"/>
+            <a:ext cx="889666" cy="738664"/>
+          </a:xfrm>
+          <a:prstGeom prst="rect">
+            <a:avLst/>
+          </a:prstGeom>
+          <a:noFill/>
+        </p:spPr>
+        <p:txBody>
+          <a:bodyPr wrap="none" rtlCol="0">
+            <a:spAutoFit/>
+          </a:bodyPr>
+          <a:lstStyle/>
+          <a:p>
+            <a:pPr algn="ctr"/>
+            <a:r>
+              <a:rPr lang="en-US" sz="1400" dirty="0"/>
+              <a:t>Zapatista </a:t>
+            </a:r>
+          </a:p>
+          <a:p>
+            <a:pPr algn="ctr"/>
+            <a:r>
+              <a:rPr lang="en-US" sz="1400" dirty="0"/>
+              <a:t>Uprising </a:t>
+            </a:r>
+          </a:p>
+          <a:p>
+            <a:pPr algn="ctr"/>
+            <a:r>
+              <a:rPr lang="en-US" sz="1400" dirty="0"/>
+              <a:t>(1994)</a:t>
+            </a:r>
+          </a:p>
+        </p:txBody>
+      </p:sp>
+      <p:sp>
+        <p:nvSpPr>
+          <p:cNvPr id="8" name="TextBox 7">
+            <a:extLst>
+              <a:ext uri="{FF2B5EF4-FFF2-40B4-BE49-F238E27FC236}">
+                <a16:creationId xmlns:a16="http://schemas.microsoft.com/office/drawing/2014/main" id="{5C3E31F7-4B32-4B08-8ABE-9FFC39CA1DC5}"/>
+              </a:ext>
+            </a:extLst>
+          </p:cNvPr>
+          <p:cNvSpPr txBox="1"/>
+          <p:nvPr/>
+        </p:nvSpPr>
+        <p:spPr>
+          <a:xfrm>
+            <a:off x="6654860" y="4772081"/>
+            <a:ext cx="1202573" cy="769441"/>
+          </a:xfrm>
+          <a:prstGeom prst="rect">
+            <a:avLst/>
+          </a:prstGeom>
+          <a:noFill/>
+        </p:spPr>
+        <p:txBody>
+          <a:bodyPr wrap="none" rtlCol="0">
+            <a:spAutoFit/>
+          </a:bodyPr>
+          <a:lstStyle/>
+          <a:p>
+            <a:pPr algn="ctr"/>
+            <a:r>
+              <a:rPr lang="en-US" sz="1400" dirty="0"/>
+              <a:t>Mexican </a:t>
+            </a:r>
+          </a:p>
+          <a:p>
+            <a:pPr algn="ctr"/>
+            <a:r>
+              <a:rPr lang="en-US" sz="1400" dirty="0"/>
+              <a:t>Drug War </a:t>
+            </a:r>
+          </a:p>
+          <a:p>
+            <a:pPr algn="ctr"/>
+            <a:r>
+              <a:rPr lang="en-US" sz="1400" dirty="0"/>
+              <a:t>(2006 – 2019</a:t>
+            </a:r>
+            <a:r>
+              <a:rPr lang="en-US" sz="1600" dirty="0"/>
+              <a:t>)</a:t>
+            </a:r>
+          </a:p>
+        </p:txBody>
+      </p:sp>
+      <p:sp>
+        <p:nvSpPr>
+          <p:cNvPr id="9" name="Oval 8">
+            <a:extLst>
+              <a:ext uri="{FF2B5EF4-FFF2-40B4-BE49-F238E27FC236}">
+                <a16:creationId xmlns:a16="http://schemas.microsoft.com/office/drawing/2014/main" id="{222D55E0-A273-49A7-9C73-AF520356FE3D}"/>
+              </a:ext>
+            </a:extLst>
+          </p:cNvPr>
+          <p:cNvSpPr/>
+          <p:nvPr/>
+        </p:nvSpPr>
+        <p:spPr>
+          <a:xfrm>
+            <a:off x="6342024" y="5039188"/>
+            <a:ext cx="257712" cy="235228"/>
+          </a:xfrm>
+          <a:prstGeom prst="ellipse">
+            <a:avLst/>
+          </a:prstGeom>
+          <a:noFill/>
+          <a:ln w="19050">
+            <a:solidFill>
+              <a:schemeClr val="accent2"/>
+            </a:solidFill>
+          </a:ln>
+        </p:spPr>
+        <p:style>
+          <a:lnRef idx="2">
+            <a:schemeClr val="accent1">
+              <a:shade val="50000"/>
+            </a:schemeClr>
+          </a:lnRef>
+          <a:fillRef idx="1">
+            <a:schemeClr val="accent1"/>
+          </a:fillRef>
+          <a:effectRef idx="0">
+            <a:schemeClr val="accent1"/>
+          </a:effectRef>
+          <a:fontRef idx="minor">
+            <a:schemeClr val="lt1"/>
+          </a:fontRef>
+        </p:style>
+        <p:txBody>
+          <a:bodyPr rtlCol="0" anchor="ctr"/>
+          <a:lstStyle/>
+          <a:p>
+            <a:pPr algn="ctr"/>
+            <a:endParaRPr lang="en-US"/>
+          </a:p>
+        </p:txBody>
+      </p:sp>
+      <p:sp>
+        <p:nvSpPr>
+          <p:cNvPr id="10" name="Oval 9">
+            <a:extLst>
+              <a:ext uri="{FF2B5EF4-FFF2-40B4-BE49-F238E27FC236}">
+                <a16:creationId xmlns:a16="http://schemas.microsoft.com/office/drawing/2014/main" id="{9C442145-0319-4DC5-BBBA-DA02ECCA598B}"/>
+              </a:ext>
+            </a:extLst>
+          </p:cNvPr>
+          <p:cNvSpPr/>
+          <p:nvPr/>
+        </p:nvSpPr>
+        <p:spPr>
+          <a:xfrm>
+            <a:off x="4733520" y="1183615"/>
+            <a:ext cx="257712" cy="235228"/>
+          </a:xfrm>
+          <a:prstGeom prst="ellipse">
+            <a:avLst/>
+          </a:prstGeom>
+          <a:noFill/>
+          <a:ln w="19050">
+            <a:solidFill>
+              <a:schemeClr val="accent2"/>
+            </a:solidFill>
+          </a:ln>
+        </p:spPr>
+        <p:style>
+          <a:lnRef idx="2">
+            <a:schemeClr val="accent1">
+              <a:shade val="50000"/>
+            </a:schemeClr>
+          </a:lnRef>
+          <a:fillRef idx="1">
+            <a:schemeClr val="accent1"/>
+          </a:fillRef>
+          <a:effectRef idx="0">
+            <a:schemeClr val="accent1"/>
+          </a:effectRef>
+          <a:fontRef idx="minor">
+            <a:schemeClr val="lt1"/>
+          </a:fontRef>
+        </p:style>
+        <p:txBody>
+          <a:bodyPr rtlCol="0" anchor="ctr"/>
+          <a:lstStyle/>
+          <a:p>
+            <a:pPr algn="ctr"/>
+            <a:endParaRPr lang="en-US"/>
+          </a:p>
+        </p:txBody>
+      </p:sp>
     </p:spTree>
     <p:extLst>
       <p:ext uri="{BB962C8B-B14F-4D97-AF65-F5344CB8AC3E}">
@@ -18094,7 +20687,7 @@
                   <a:srgbClr val="FFFFFF"/>
                 </a:solidFill>
               </a:rPr>
-              <a:t>Plot 3</a:t>
+              <a:t>Mexico’s Military Personnel as % of Labor Force</a:t>
             </a:r>
             <a:endParaRPr lang="en-US" sz="3600" dirty="0">
               <a:solidFill>
@@ -18225,6 +20818,214 @@
           </a:extLst>
         </p:spPr>
       </p:pic>
+      <p:sp>
+        <p:nvSpPr>
+          <p:cNvPr id="7" name="TextBox 6">
+            <a:extLst>
+              <a:ext uri="{FF2B5EF4-FFF2-40B4-BE49-F238E27FC236}">
+                <a16:creationId xmlns:a16="http://schemas.microsoft.com/office/drawing/2014/main" id="{2ABC86C5-43D7-411A-AED6-1AB404AB40EB}"/>
+              </a:ext>
+            </a:extLst>
+          </p:cNvPr>
+          <p:cNvSpPr txBox="1"/>
+          <p:nvPr/>
+        </p:nvSpPr>
+        <p:spPr>
+          <a:xfrm>
+            <a:off x="2255368" y="4661598"/>
+            <a:ext cx="889666" cy="738664"/>
+          </a:xfrm>
+          <a:prstGeom prst="rect">
+            <a:avLst/>
+          </a:prstGeom>
+          <a:noFill/>
+        </p:spPr>
+        <p:txBody>
+          <a:bodyPr wrap="none" rtlCol="0">
+            <a:spAutoFit/>
+          </a:bodyPr>
+          <a:lstStyle/>
+          <a:p>
+            <a:pPr algn="ctr"/>
+            <a:r>
+              <a:rPr lang="en-US" sz="1400" dirty="0"/>
+              <a:t>Zapatista </a:t>
+            </a:r>
+          </a:p>
+          <a:p>
+            <a:pPr algn="ctr"/>
+            <a:r>
+              <a:rPr lang="en-US" sz="1400" dirty="0"/>
+              <a:t>Uprising </a:t>
+            </a:r>
+          </a:p>
+          <a:p>
+            <a:pPr algn="ctr"/>
+            <a:r>
+              <a:rPr lang="en-US" sz="1400" dirty="0"/>
+              <a:t>(1994)</a:t>
+            </a:r>
+          </a:p>
+        </p:txBody>
+      </p:sp>
+      <p:sp>
+        <p:nvSpPr>
+          <p:cNvPr id="8" name="TextBox 7">
+            <a:extLst>
+              <a:ext uri="{FF2B5EF4-FFF2-40B4-BE49-F238E27FC236}">
+                <a16:creationId xmlns:a16="http://schemas.microsoft.com/office/drawing/2014/main" id="{7F773B66-6F6B-4770-871F-D3FC8D08B9EA}"/>
+              </a:ext>
+            </a:extLst>
+          </p:cNvPr>
+          <p:cNvSpPr txBox="1"/>
+          <p:nvPr/>
+        </p:nvSpPr>
+        <p:spPr>
+          <a:xfrm>
+            <a:off x="4239201" y="2097990"/>
+            <a:ext cx="1202573" cy="769441"/>
+          </a:xfrm>
+          <a:prstGeom prst="rect">
+            <a:avLst/>
+          </a:prstGeom>
+          <a:noFill/>
+        </p:spPr>
+        <p:txBody>
+          <a:bodyPr wrap="none" rtlCol="0">
+            <a:spAutoFit/>
+          </a:bodyPr>
+          <a:lstStyle/>
+          <a:p>
+            <a:pPr algn="ctr"/>
+            <a:r>
+              <a:rPr lang="en-US" sz="1400" dirty="0"/>
+              <a:t>Mexican </a:t>
+            </a:r>
+          </a:p>
+          <a:p>
+            <a:pPr algn="ctr"/>
+            <a:r>
+              <a:rPr lang="en-US" sz="1400" dirty="0"/>
+              <a:t>Drug War </a:t>
+            </a:r>
+          </a:p>
+          <a:p>
+            <a:pPr algn="ctr"/>
+            <a:r>
+              <a:rPr lang="en-US" sz="1400" dirty="0"/>
+              <a:t>(2006 – 2019</a:t>
+            </a:r>
+            <a:r>
+              <a:rPr lang="en-US" sz="1600" dirty="0"/>
+              <a:t>)</a:t>
+            </a:r>
+          </a:p>
+        </p:txBody>
+      </p:sp>
+      <p:sp>
+        <p:nvSpPr>
+          <p:cNvPr id="9" name="Oval 8">
+            <a:extLst>
+              <a:ext uri="{FF2B5EF4-FFF2-40B4-BE49-F238E27FC236}">
+                <a16:creationId xmlns:a16="http://schemas.microsoft.com/office/drawing/2014/main" id="{02DC42F4-1BD5-4CE2-BDFE-3DFFB70EB0F0}"/>
+              </a:ext>
+            </a:extLst>
+          </p:cNvPr>
+          <p:cNvSpPr/>
+          <p:nvPr/>
+        </p:nvSpPr>
+        <p:spPr>
+          <a:xfrm>
+            <a:off x="5441774" y="2365097"/>
+            <a:ext cx="257712" cy="235228"/>
+          </a:xfrm>
+          <a:prstGeom prst="ellipse">
+            <a:avLst/>
+          </a:prstGeom>
+          <a:noFill/>
+          <a:ln w="19050">
+            <a:solidFill>
+              <a:schemeClr val="accent2"/>
+            </a:solidFill>
+          </a:ln>
+        </p:spPr>
+        <p:style>
+          <a:lnRef idx="2">
+            <a:schemeClr val="accent1">
+              <a:shade val="50000"/>
+            </a:schemeClr>
+          </a:lnRef>
+          <a:fillRef idx="1">
+            <a:schemeClr val="accent1"/>
+          </a:fillRef>
+          <a:effectRef idx="0">
+            <a:schemeClr val="accent1"/>
+          </a:effectRef>
+          <a:fontRef idx="minor">
+            <a:schemeClr val="lt1"/>
+          </a:fontRef>
+        </p:style>
+        <p:txBody>
+          <a:bodyPr rtlCol="0" anchor="ctr"/>
+          <a:lstStyle/>
+          <a:p>
+            <a:pPr algn="ctr"/>
+            <a:endParaRPr lang="en-US"/>
+          </a:p>
+        </p:txBody>
+      </p:sp>
+      <p:sp>
+        <p:nvSpPr>
+          <p:cNvPr id="10" name="Oval 9">
+            <a:extLst>
+              <a:ext uri="{FF2B5EF4-FFF2-40B4-BE49-F238E27FC236}">
+                <a16:creationId xmlns:a16="http://schemas.microsoft.com/office/drawing/2014/main" id="{283D66B0-03E3-42AA-B918-8A7B991E28F8}"/>
+              </a:ext>
+            </a:extLst>
+          </p:cNvPr>
+          <p:cNvSpPr/>
+          <p:nvPr/>
+        </p:nvSpPr>
+        <p:spPr>
+          <a:xfrm>
+            <a:off x="2571345" y="4357874"/>
+            <a:ext cx="257712" cy="235228"/>
+          </a:xfrm>
+          <a:prstGeom prst="ellipse">
+            <a:avLst/>
+          </a:prstGeom>
+          <a:noFill/>
+          <a:ln w="19050">
+            <a:solidFill>
+              <a:schemeClr val="accent2"/>
+            </a:solidFill>
+          </a:ln>
+        </p:spPr>
+        <p:style>
+          <a:lnRef idx="2">
+            <a:schemeClr val="accent1">
+              <a:shade val="50000"/>
+            </a:schemeClr>
+          </a:lnRef>
+          <a:fillRef idx="1">
+            <a:schemeClr val="accent1"/>
+          </a:fillRef>
+          <a:effectRef idx="0">
+            <a:schemeClr val="accent1"/>
+          </a:effectRef>
+          <a:fontRef idx="minor">
+            <a:schemeClr val="lt1"/>
+          </a:fontRef>
+        </p:style>
+        <p:txBody>
+          <a:bodyPr rtlCol="0" anchor="ctr"/>
+          <a:lstStyle/>
+          <a:p>
+            <a:pPr algn="ctr"/>
+            <a:endParaRPr lang="en-US"/>
+          </a:p>
+        </p:txBody>
+      </p:sp>
     </p:spTree>
     <p:extLst>
       <p:ext uri="{BB962C8B-B14F-4D97-AF65-F5344CB8AC3E}">
@@ -18360,7 +21161,7 @@
                   <a:srgbClr val="FFFFFF"/>
                 </a:solidFill>
               </a:rPr>
-              <a:t>Plot 4</a:t>
+              <a:t>Mexico’s Military Arms Import</a:t>
             </a:r>
             <a:endParaRPr lang="en-US" sz="3600" dirty="0">
               <a:solidFill>
@@ -18459,7 +21260,7 @@
           <p:nvPr/>
         </p:nvPicPr>
         <p:blipFill>
-          <a:blip r:embed="rId2">
+          <a:blip r:embed="rId3">
             <a:extLst>
               <a:ext uri="{28A0092B-C50C-407E-A947-70E740481C1C}">
                 <a14:useLocalDpi xmlns:a14="http://schemas.microsoft.com/office/drawing/2010/main" val="0"/>
@@ -18491,6 +21292,214 @@
           </a:extLst>
         </p:spPr>
       </p:pic>
+      <p:sp>
+        <p:nvSpPr>
+          <p:cNvPr id="7" name="TextBox 6">
+            <a:extLst>
+              <a:ext uri="{FF2B5EF4-FFF2-40B4-BE49-F238E27FC236}">
+                <a16:creationId xmlns:a16="http://schemas.microsoft.com/office/drawing/2014/main" id="{CC3866A2-AE27-4DD4-97E1-6CEA5FCA77B4}"/>
+              </a:ext>
+            </a:extLst>
+          </p:cNvPr>
+          <p:cNvSpPr txBox="1"/>
+          <p:nvPr/>
+        </p:nvSpPr>
+        <p:spPr>
+          <a:xfrm>
+            <a:off x="4508315" y="3066756"/>
+            <a:ext cx="889666" cy="738664"/>
+          </a:xfrm>
+          <a:prstGeom prst="rect">
+            <a:avLst/>
+          </a:prstGeom>
+          <a:noFill/>
+        </p:spPr>
+        <p:txBody>
+          <a:bodyPr wrap="none" rtlCol="0">
+            <a:spAutoFit/>
+          </a:bodyPr>
+          <a:lstStyle/>
+          <a:p>
+            <a:pPr algn="ctr"/>
+            <a:r>
+              <a:rPr lang="en-US" sz="1400" dirty="0"/>
+              <a:t>Zapatista </a:t>
+            </a:r>
+          </a:p>
+          <a:p>
+            <a:pPr algn="ctr"/>
+            <a:r>
+              <a:rPr lang="en-US" sz="1400" dirty="0"/>
+              <a:t>Uprising </a:t>
+            </a:r>
+          </a:p>
+          <a:p>
+            <a:pPr algn="ctr"/>
+            <a:r>
+              <a:rPr lang="en-US" sz="1400" dirty="0"/>
+              <a:t>(1994)</a:t>
+            </a:r>
+          </a:p>
+        </p:txBody>
+      </p:sp>
+      <p:sp>
+        <p:nvSpPr>
+          <p:cNvPr id="8" name="TextBox 7">
+            <a:extLst>
+              <a:ext uri="{FF2B5EF4-FFF2-40B4-BE49-F238E27FC236}">
+                <a16:creationId xmlns:a16="http://schemas.microsoft.com/office/drawing/2014/main" id="{B1B6BD70-7E10-40ED-A49D-FA8CFE7CDFAC}"/>
+              </a:ext>
+            </a:extLst>
+          </p:cNvPr>
+          <p:cNvSpPr txBox="1"/>
+          <p:nvPr/>
+        </p:nvSpPr>
+        <p:spPr>
+          <a:xfrm>
+            <a:off x="6333036" y="2246523"/>
+            <a:ext cx="1202573" cy="769441"/>
+          </a:xfrm>
+          <a:prstGeom prst="rect">
+            <a:avLst/>
+          </a:prstGeom>
+          <a:noFill/>
+        </p:spPr>
+        <p:txBody>
+          <a:bodyPr wrap="none" rtlCol="0">
+            <a:spAutoFit/>
+          </a:bodyPr>
+          <a:lstStyle/>
+          <a:p>
+            <a:pPr algn="ctr"/>
+            <a:r>
+              <a:rPr lang="en-US" sz="1400" dirty="0"/>
+              <a:t>Mexican </a:t>
+            </a:r>
+          </a:p>
+          <a:p>
+            <a:pPr algn="ctr"/>
+            <a:r>
+              <a:rPr lang="en-US" sz="1400" dirty="0"/>
+              <a:t>Drug War </a:t>
+            </a:r>
+          </a:p>
+          <a:p>
+            <a:pPr algn="ctr"/>
+            <a:r>
+              <a:rPr lang="en-US" sz="1400" dirty="0"/>
+              <a:t>(2006 – 2019</a:t>
+            </a:r>
+            <a:r>
+              <a:rPr lang="en-US" sz="1600" dirty="0"/>
+              <a:t>)</a:t>
+            </a:r>
+          </a:p>
+        </p:txBody>
+      </p:sp>
+      <p:sp>
+        <p:nvSpPr>
+          <p:cNvPr id="9" name="Oval 8">
+            <a:extLst>
+              <a:ext uri="{FF2B5EF4-FFF2-40B4-BE49-F238E27FC236}">
+                <a16:creationId xmlns:a16="http://schemas.microsoft.com/office/drawing/2014/main" id="{11307848-4102-43CB-A46D-64B81E9EB2CB}"/>
+              </a:ext>
+            </a:extLst>
+          </p:cNvPr>
+          <p:cNvSpPr/>
+          <p:nvPr/>
+        </p:nvSpPr>
+        <p:spPr>
+          <a:xfrm>
+            <a:off x="6418087" y="4465360"/>
+            <a:ext cx="257712" cy="235228"/>
+          </a:xfrm>
+          <a:prstGeom prst="ellipse">
+            <a:avLst/>
+          </a:prstGeom>
+          <a:noFill/>
+          <a:ln w="19050">
+            <a:solidFill>
+              <a:schemeClr val="accent2"/>
+            </a:solidFill>
+          </a:ln>
+        </p:spPr>
+        <p:style>
+          <a:lnRef idx="2">
+            <a:schemeClr val="accent1">
+              <a:shade val="50000"/>
+            </a:schemeClr>
+          </a:lnRef>
+          <a:fillRef idx="1">
+            <a:schemeClr val="accent1"/>
+          </a:fillRef>
+          <a:effectRef idx="0">
+            <a:schemeClr val="accent1"/>
+          </a:effectRef>
+          <a:fontRef idx="minor">
+            <a:schemeClr val="lt1"/>
+          </a:fontRef>
+        </p:style>
+        <p:txBody>
+          <a:bodyPr rtlCol="0" anchor="ctr"/>
+          <a:lstStyle/>
+          <a:p>
+            <a:pPr algn="ctr"/>
+            <a:endParaRPr lang="en-US"/>
+          </a:p>
+        </p:txBody>
+      </p:sp>
+      <p:sp>
+        <p:nvSpPr>
+          <p:cNvPr id="10" name="Oval 9">
+            <a:extLst>
+              <a:ext uri="{FF2B5EF4-FFF2-40B4-BE49-F238E27FC236}">
+                <a16:creationId xmlns:a16="http://schemas.microsoft.com/office/drawing/2014/main" id="{14393CAA-82B2-449F-A325-F8152A59630B}"/>
+              </a:ext>
+            </a:extLst>
+          </p:cNvPr>
+          <p:cNvSpPr/>
+          <p:nvPr/>
+        </p:nvSpPr>
+        <p:spPr>
+          <a:xfrm>
+            <a:off x="4953148" y="4047736"/>
+            <a:ext cx="257712" cy="235228"/>
+          </a:xfrm>
+          <a:prstGeom prst="ellipse">
+            <a:avLst/>
+          </a:prstGeom>
+          <a:noFill/>
+          <a:ln w="19050">
+            <a:solidFill>
+              <a:schemeClr val="accent2"/>
+            </a:solidFill>
+          </a:ln>
+        </p:spPr>
+        <p:style>
+          <a:lnRef idx="2">
+            <a:schemeClr val="accent1">
+              <a:shade val="50000"/>
+            </a:schemeClr>
+          </a:lnRef>
+          <a:fillRef idx="1">
+            <a:schemeClr val="accent1"/>
+          </a:fillRef>
+          <a:effectRef idx="0">
+            <a:schemeClr val="accent1"/>
+          </a:effectRef>
+          <a:fontRef idx="minor">
+            <a:schemeClr val="lt1"/>
+          </a:fontRef>
+        </p:style>
+        <p:txBody>
+          <a:bodyPr rtlCol="0" anchor="ctr"/>
+          <a:lstStyle/>
+          <a:p>
+            <a:pPr algn="ctr"/>
+            <a:endParaRPr lang="en-US"/>
+          </a:p>
+        </p:txBody>
+      </p:sp>
     </p:spTree>
     <p:extLst>
       <p:ext uri="{BB962C8B-B14F-4D97-AF65-F5344CB8AC3E}">
@@ -20092,7 +23101,7 @@
             <p:ph idx="1"/>
             <p:extLst>
               <p:ext uri="{D42A27DB-BD31-4B8C-83A1-F6EECF244321}">
-                <p14:modId xmlns:p14="http://schemas.microsoft.com/office/powerpoint/2010/main" val="2506724609"/>
+                <p14:modId xmlns:p14="http://schemas.microsoft.com/office/powerpoint/2010/main" val="3205512116"/>
               </p:ext>
             </p:extLst>
           </p:nvPr>
@@ -20677,7 +23686,7 @@
           <p:nvPr/>
         </p:nvPicPr>
         <p:blipFill>
-          <a:blip r:embed="rId2">
+          <a:blip r:embed="rId3">
             <a:extLst>
               <a:ext uri="{28A0092B-C50C-407E-A947-70E740481C1C}">
                 <a14:useLocalDpi xmlns:a14="http://schemas.microsoft.com/office/drawing/2010/main" val="0"/>
@@ -20797,7 +23806,7 @@
           <p:nvPr/>
         </p:nvPicPr>
         <p:blipFill>
-          <a:blip r:embed="rId3">
+          <a:blip r:embed="rId4">
             <a:extLst>
               <a:ext uri="{28A0092B-C50C-407E-A947-70E740481C1C}">
                 <a14:useLocalDpi xmlns:a14="http://schemas.microsoft.com/office/drawing/2010/main" val="0"/>
@@ -21162,7 +24171,7 @@
           <p:nvPr/>
         </p:nvPicPr>
         <p:blipFill>
-          <a:blip r:embed="rId2">
+          <a:blip r:embed="rId3">
             <a:extLst>
               <a:ext uri="{28A0092B-C50C-407E-A947-70E740481C1C}">
                 <a14:useLocalDpi xmlns:a14="http://schemas.microsoft.com/office/drawing/2010/main" val="0"/>
@@ -21208,7 +24217,7 @@
           <p:nvPr/>
         </p:nvPicPr>
         <p:blipFill>
-          <a:blip r:embed="rId3">
+          <a:blip r:embed="rId4">
             <a:extLst>
               <a:ext uri="{28A0092B-C50C-407E-A947-70E740481C1C}">
                 <a14:useLocalDpi xmlns:a14="http://schemas.microsoft.com/office/drawing/2010/main" val="0"/>
